--- a/流程圖.pptx
+++ b/流程圖.pptx
@@ -1,19 +1,114 @@
 
 <file path=ppt/presentation.xml><?xml version="1.0" encoding="utf-8"?>
-<p:presentation xmlns:a="http://schemas.openxmlformats.org/drawingml/2006/main" xmlns:p="http://schemas.openxmlformats.org/presentationml/2006/main" xmlns:r="http://schemas.openxmlformats.org/officeDocument/2006/relationships" xmlns:p14="http://schemas.microsoft.com/office/powerpoint/2010/main" xmlns:p15="http://schemas.microsoft.com/office/powerpoint/2012/main" xmlns:mc="http://schemas.openxmlformats.org/markup-compatibility/2006">
+<p:presentation xmlns:a="http://schemas.openxmlformats.org/drawingml/2006/main" xmlns:r="http://schemas.openxmlformats.org/officeDocument/2006/relationships" xmlns:p="http://schemas.openxmlformats.org/presentationml/2006/main">
   <p:sldMasterIdLst>
-    <p:sldMasterId id="2147483648" r:id="rId2"/>
+    <p:sldMasterId id="2147483648" r:id="rId1"/>
   </p:sldMasterIdLst>
   <p:sldIdLst>
-    <p:sldId id="256" r:id="rId3"/>
+    <p:sldId id="256" r:id="rId2"/>
   </p:sldIdLst>
-  <p:sldSz cx="9144000" cy="6858000"/>
-  <p:notesSz cx="7559675" cy="10691812"/>
+  <p:sldSz cx="9144000" cy="6858000" type="screen4x3"/>
+  <p:notesSz cx="7559675" cy="10691813"/>
+  <p:defaultTextStyle>
+    <a:defPPr>
+      <a:defRPr lang="zh-TW"/>
+    </a:defPPr>
+    <a:lvl1pPr marL="0" algn="l" defTabSz="914400" rtl="0" eaLnBrk="1" latinLnBrk="0" hangingPunct="1">
+      <a:defRPr sz="1800" kern="1200">
+        <a:solidFill>
+          <a:schemeClr val="tx1"/>
+        </a:solidFill>
+        <a:latin typeface="+mn-lt"/>
+        <a:ea typeface="+mn-ea"/>
+        <a:cs typeface="+mn-cs"/>
+      </a:defRPr>
+    </a:lvl1pPr>
+    <a:lvl2pPr marL="457200" algn="l" defTabSz="914400" rtl="0" eaLnBrk="1" latinLnBrk="0" hangingPunct="1">
+      <a:defRPr sz="1800" kern="1200">
+        <a:solidFill>
+          <a:schemeClr val="tx1"/>
+        </a:solidFill>
+        <a:latin typeface="+mn-lt"/>
+        <a:ea typeface="+mn-ea"/>
+        <a:cs typeface="+mn-cs"/>
+      </a:defRPr>
+    </a:lvl2pPr>
+    <a:lvl3pPr marL="914400" algn="l" defTabSz="914400" rtl="0" eaLnBrk="1" latinLnBrk="0" hangingPunct="1">
+      <a:defRPr sz="1800" kern="1200">
+        <a:solidFill>
+          <a:schemeClr val="tx1"/>
+        </a:solidFill>
+        <a:latin typeface="+mn-lt"/>
+        <a:ea typeface="+mn-ea"/>
+        <a:cs typeface="+mn-cs"/>
+      </a:defRPr>
+    </a:lvl3pPr>
+    <a:lvl4pPr marL="1371600" algn="l" defTabSz="914400" rtl="0" eaLnBrk="1" latinLnBrk="0" hangingPunct="1">
+      <a:defRPr sz="1800" kern="1200">
+        <a:solidFill>
+          <a:schemeClr val="tx1"/>
+        </a:solidFill>
+        <a:latin typeface="+mn-lt"/>
+        <a:ea typeface="+mn-ea"/>
+        <a:cs typeface="+mn-cs"/>
+      </a:defRPr>
+    </a:lvl4pPr>
+    <a:lvl5pPr marL="1828800" algn="l" defTabSz="914400" rtl="0" eaLnBrk="1" latinLnBrk="0" hangingPunct="1">
+      <a:defRPr sz="1800" kern="1200">
+        <a:solidFill>
+          <a:schemeClr val="tx1"/>
+        </a:solidFill>
+        <a:latin typeface="+mn-lt"/>
+        <a:ea typeface="+mn-ea"/>
+        <a:cs typeface="+mn-cs"/>
+      </a:defRPr>
+    </a:lvl5pPr>
+    <a:lvl6pPr marL="2286000" algn="l" defTabSz="914400" rtl="0" eaLnBrk="1" latinLnBrk="0" hangingPunct="1">
+      <a:defRPr sz="1800" kern="1200">
+        <a:solidFill>
+          <a:schemeClr val="tx1"/>
+        </a:solidFill>
+        <a:latin typeface="+mn-lt"/>
+        <a:ea typeface="+mn-ea"/>
+        <a:cs typeface="+mn-cs"/>
+      </a:defRPr>
+    </a:lvl6pPr>
+    <a:lvl7pPr marL="2743200" algn="l" defTabSz="914400" rtl="0" eaLnBrk="1" latinLnBrk="0" hangingPunct="1">
+      <a:defRPr sz="1800" kern="1200">
+        <a:solidFill>
+          <a:schemeClr val="tx1"/>
+        </a:solidFill>
+        <a:latin typeface="+mn-lt"/>
+        <a:ea typeface="+mn-ea"/>
+        <a:cs typeface="+mn-cs"/>
+      </a:defRPr>
+    </a:lvl7pPr>
+    <a:lvl8pPr marL="3200400" algn="l" defTabSz="914400" rtl="0" eaLnBrk="1" latinLnBrk="0" hangingPunct="1">
+      <a:defRPr sz="1800" kern="1200">
+        <a:solidFill>
+          <a:schemeClr val="tx1"/>
+        </a:solidFill>
+        <a:latin typeface="+mn-lt"/>
+        <a:ea typeface="+mn-ea"/>
+        <a:cs typeface="+mn-cs"/>
+      </a:defRPr>
+    </a:lvl8pPr>
+    <a:lvl9pPr marL="3657600" algn="l" defTabSz="914400" rtl="0" eaLnBrk="1" latinLnBrk="0" hangingPunct="1">
+      <a:defRPr sz="1800" kern="1200">
+        <a:solidFill>
+          <a:schemeClr val="tx1"/>
+        </a:solidFill>
+        <a:latin typeface="+mn-lt"/>
+        <a:ea typeface="+mn-ea"/>
+        <a:cs typeface="+mn-cs"/>
+      </a:defRPr>
+    </a:lvl9pPr>
+  </p:defaultTextStyle>
 </p:presentation>
 </file>
 
 <file path=ppt/slideLayouts/slideLayout1.xml><?xml version="1.0" encoding="utf-8"?>
-<p:sldLayout xmlns:a="http://schemas.openxmlformats.org/drawingml/2006/main" xmlns:p="http://schemas.openxmlformats.org/presentationml/2006/main" xmlns:r="http://schemas.openxmlformats.org/officeDocument/2006/relationships" xmlns:p14="http://schemas.microsoft.com/office/powerpoint/2010/main" xmlns:p15="http://schemas.microsoft.com/office/powerpoint/2012/main" xmlns:mc="http://schemas.openxmlformats.org/markup-compatibility/2006" type="blank" preserve="1">
+<p:sldLayout xmlns:a="http://schemas.openxmlformats.org/drawingml/2006/main" xmlns:r="http://schemas.openxmlformats.org/officeDocument/2006/relationships" xmlns:p="http://schemas.openxmlformats.org/presentationml/2006/main" type="blank" preserve="1">
   <p:cSld name="Blank Slide">
     <p:spTree>
       <p:nvGrpSpPr>
@@ -31,11 +126,14 @@
       </p:grpSpPr>
     </p:spTree>
   </p:cSld>
+  <p:clrMapOvr>
+    <a:masterClrMapping/>
+  </p:clrMapOvr>
 </p:sldLayout>
 </file>
 
 <file path=ppt/slideLayouts/slideLayout10.xml><?xml version="1.0" encoding="utf-8"?>
-<p:sldLayout xmlns:a="http://schemas.openxmlformats.org/drawingml/2006/main" xmlns:p="http://schemas.openxmlformats.org/presentationml/2006/main" xmlns:r="http://schemas.openxmlformats.org/officeDocument/2006/relationships" xmlns:p14="http://schemas.microsoft.com/office/powerpoint/2010/main" xmlns:p15="http://schemas.microsoft.com/office/powerpoint/2012/main" xmlns:mc="http://schemas.openxmlformats.org/markup-compatibility/2006" type="objOverTx" preserve="1">
+<p:sldLayout xmlns:a="http://schemas.openxmlformats.org/drawingml/2006/main" xmlns:r="http://schemas.openxmlformats.org/officeDocument/2006/relationships" xmlns:p="http://schemas.openxmlformats.org/presentationml/2006/main" type="objOverTx" preserve="1">
   <p:cSld name="Title, Content over Content">
     <p:spTree>
       <p:nvGrpSpPr>
@@ -71,11 +169,12 @@
           </a:prstGeom>
         </p:spPr>
         <p:txBody>
-          <a:bodyPr lIns="0" rIns="0" tIns="0" bIns="0" anchor="ctr">
+          <a:bodyPr lIns="0" tIns="0" rIns="0" bIns="0" anchor="ctr">
             <a:noAutofit/>
           </a:bodyPr>
-          <a:p>
-            <a:endParaRPr b="0" lang="en-US" sz="1800" spc="-1" strike="noStrike">
+          <a:lstStyle/>
+          <a:p>
+            <a:endParaRPr lang="en-US" sz="1800" b="0" strike="noStrike" spc="-1">
               <a:solidFill>
                 <a:srgbClr val="000000"/>
               </a:solidFill>
@@ -104,11 +203,12 @@
           </a:prstGeom>
         </p:spPr>
         <p:txBody>
-          <a:bodyPr lIns="0" rIns="0" tIns="0" bIns="0">
+          <a:bodyPr lIns="0" tIns="0" rIns="0" bIns="0">
             <a:normAutofit/>
           </a:bodyPr>
-          <a:p>
-            <a:endParaRPr b="0" lang="en-US" sz="3200" spc="-1" strike="noStrike">
+          <a:lstStyle/>
+          <a:p>
+            <a:endParaRPr lang="en-US" sz="3200" b="0" strike="noStrike" spc="-1">
               <a:solidFill>
                 <a:srgbClr val="000000"/>
               </a:solidFill>
@@ -137,11 +237,12 @@
           </a:prstGeom>
         </p:spPr>
         <p:txBody>
-          <a:bodyPr lIns="0" rIns="0" tIns="0" bIns="0">
+          <a:bodyPr lIns="0" tIns="0" rIns="0" bIns="0">
             <a:normAutofit/>
           </a:bodyPr>
-          <a:p>
-            <a:endParaRPr b="0" lang="en-US" sz="3200" spc="-1" strike="noStrike">
+          <a:lstStyle/>
+          <a:p>
+            <a:endParaRPr lang="en-US" sz="3200" b="0" strike="noStrike" spc="-1">
               <a:solidFill>
                 <a:srgbClr val="000000"/>
               </a:solidFill>
@@ -152,11 +253,14 @@
       </p:sp>
     </p:spTree>
   </p:cSld>
+  <p:clrMapOvr>
+    <a:masterClrMapping/>
+  </p:clrMapOvr>
 </p:sldLayout>
 </file>
 
 <file path=ppt/slideLayouts/slideLayout11.xml><?xml version="1.0" encoding="utf-8"?>
-<p:sldLayout xmlns:a="http://schemas.openxmlformats.org/drawingml/2006/main" xmlns:p="http://schemas.openxmlformats.org/presentationml/2006/main" xmlns:r="http://schemas.openxmlformats.org/officeDocument/2006/relationships" xmlns:p14="http://schemas.microsoft.com/office/powerpoint/2010/main" xmlns:p15="http://schemas.microsoft.com/office/powerpoint/2012/main" xmlns:mc="http://schemas.openxmlformats.org/markup-compatibility/2006" type="fourObj" preserve="1">
+<p:sldLayout xmlns:a="http://schemas.openxmlformats.org/drawingml/2006/main" xmlns:r="http://schemas.openxmlformats.org/officeDocument/2006/relationships" xmlns:p="http://schemas.openxmlformats.org/presentationml/2006/main" type="fourObj" preserve="1">
   <p:cSld name="Title, 4 Content">
     <p:spTree>
       <p:nvGrpSpPr>
@@ -192,11 +296,12 @@
           </a:prstGeom>
         </p:spPr>
         <p:txBody>
-          <a:bodyPr lIns="0" rIns="0" tIns="0" bIns="0" anchor="ctr">
+          <a:bodyPr lIns="0" tIns="0" rIns="0" bIns="0" anchor="ctr">
             <a:noAutofit/>
           </a:bodyPr>
-          <a:p>
-            <a:endParaRPr b="0" lang="en-US" sz="1800" spc="-1" strike="noStrike">
+          <a:lstStyle/>
+          <a:p>
+            <a:endParaRPr lang="en-US" sz="1800" b="0" strike="noStrike" spc="-1">
               <a:solidFill>
                 <a:srgbClr val="000000"/>
               </a:solidFill>
@@ -225,11 +330,12 @@
           </a:prstGeom>
         </p:spPr>
         <p:txBody>
-          <a:bodyPr lIns="0" rIns="0" tIns="0" bIns="0">
+          <a:bodyPr lIns="0" tIns="0" rIns="0" bIns="0">
             <a:normAutofit/>
           </a:bodyPr>
-          <a:p>
-            <a:endParaRPr b="0" lang="en-US" sz="3200" spc="-1" strike="noStrike">
+          <a:lstStyle/>
+          <a:p>
+            <a:endParaRPr lang="en-US" sz="3200" b="0" strike="noStrike" spc="-1">
               <a:solidFill>
                 <a:srgbClr val="000000"/>
               </a:solidFill>
@@ -258,11 +364,12 @@
           </a:prstGeom>
         </p:spPr>
         <p:txBody>
-          <a:bodyPr lIns="0" rIns="0" tIns="0" bIns="0">
+          <a:bodyPr lIns="0" tIns="0" rIns="0" bIns="0">
             <a:normAutofit/>
           </a:bodyPr>
-          <a:p>
-            <a:endParaRPr b="0" lang="en-US" sz="3200" spc="-1" strike="noStrike">
+          <a:lstStyle/>
+          <a:p>
+            <a:endParaRPr lang="en-US" sz="3200" b="0" strike="noStrike" spc="-1">
               <a:solidFill>
                 <a:srgbClr val="000000"/>
               </a:solidFill>
@@ -291,11 +398,12 @@
           </a:prstGeom>
         </p:spPr>
         <p:txBody>
-          <a:bodyPr lIns="0" rIns="0" tIns="0" bIns="0">
+          <a:bodyPr lIns="0" tIns="0" rIns="0" bIns="0">
             <a:normAutofit/>
           </a:bodyPr>
-          <a:p>
-            <a:endParaRPr b="0" lang="en-US" sz="3200" spc="-1" strike="noStrike">
+          <a:lstStyle/>
+          <a:p>
+            <a:endParaRPr lang="en-US" sz="3200" b="0" strike="noStrike" spc="-1">
               <a:solidFill>
                 <a:srgbClr val="000000"/>
               </a:solidFill>
@@ -324,11 +432,12 @@
           </a:prstGeom>
         </p:spPr>
         <p:txBody>
-          <a:bodyPr lIns="0" rIns="0" tIns="0" bIns="0">
+          <a:bodyPr lIns="0" tIns="0" rIns="0" bIns="0">
             <a:normAutofit/>
           </a:bodyPr>
-          <a:p>
-            <a:endParaRPr b="0" lang="en-US" sz="3200" spc="-1" strike="noStrike">
+          <a:lstStyle/>
+          <a:p>
+            <a:endParaRPr lang="en-US" sz="3200" b="0" strike="noStrike" spc="-1">
               <a:solidFill>
                 <a:srgbClr val="000000"/>
               </a:solidFill>
@@ -339,11 +448,14 @@
       </p:sp>
     </p:spTree>
   </p:cSld>
+  <p:clrMapOvr>
+    <a:masterClrMapping/>
+  </p:clrMapOvr>
 </p:sldLayout>
 </file>
 
 <file path=ppt/slideLayouts/slideLayout12.xml><?xml version="1.0" encoding="utf-8"?>
-<p:sldLayout xmlns:a="http://schemas.openxmlformats.org/drawingml/2006/main" xmlns:p="http://schemas.openxmlformats.org/presentationml/2006/main" xmlns:r="http://schemas.openxmlformats.org/officeDocument/2006/relationships" xmlns:p14="http://schemas.microsoft.com/office/powerpoint/2010/main" xmlns:p15="http://schemas.microsoft.com/office/powerpoint/2012/main" xmlns:mc="http://schemas.openxmlformats.org/markup-compatibility/2006" type="blank" preserve="1">
+<p:sldLayout xmlns:a="http://schemas.openxmlformats.org/drawingml/2006/main" xmlns:r="http://schemas.openxmlformats.org/officeDocument/2006/relationships" xmlns:p="http://schemas.openxmlformats.org/presentationml/2006/main" type="blank" preserve="1">
   <p:cSld name="Title, 6 Content">
     <p:spTree>
       <p:nvGrpSpPr>
@@ -379,11 +491,12 @@
           </a:prstGeom>
         </p:spPr>
         <p:txBody>
-          <a:bodyPr lIns="0" rIns="0" tIns="0" bIns="0" anchor="ctr">
+          <a:bodyPr lIns="0" tIns="0" rIns="0" bIns="0" anchor="ctr">
             <a:noAutofit/>
           </a:bodyPr>
-          <a:p>
-            <a:endParaRPr b="0" lang="en-US" sz="1800" spc="-1" strike="noStrike">
+          <a:lstStyle/>
+          <a:p>
+            <a:endParaRPr lang="en-US" sz="1800" b="0" strike="noStrike" spc="-1">
               <a:solidFill>
                 <a:srgbClr val="000000"/>
               </a:solidFill>
@@ -412,11 +525,12 @@
           </a:prstGeom>
         </p:spPr>
         <p:txBody>
-          <a:bodyPr lIns="0" rIns="0" tIns="0" bIns="0">
+          <a:bodyPr lIns="0" tIns="0" rIns="0" bIns="0">
             <a:normAutofit/>
           </a:bodyPr>
-          <a:p>
-            <a:endParaRPr b="0" lang="en-US" sz="3200" spc="-1" strike="noStrike">
+          <a:lstStyle/>
+          <a:p>
+            <a:endParaRPr lang="en-US" sz="3200" b="0" strike="noStrike" spc="-1">
               <a:solidFill>
                 <a:srgbClr val="000000"/>
               </a:solidFill>
@@ -445,11 +559,12 @@
           </a:prstGeom>
         </p:spPr>
         <p:txBody>
-          <a:bodyPr lIns="0" rIns="0" tIns="0" bIns="0">
+          <a:bodyPr lIns="0" tIns="0" rIns="0" bIns="0">
             <a:normAutofit/>
           </a:bodyPr>
-          <a:p>
-            <a:endParaRPr b="0" lang="en-US" sz="3200" spc="-1" strike="noStrike">
+          <a:lstStyle/>
+          <a:p>
+            <a:endParaRPr lang="en-US" sz="3200" b="0" strike="noStrike" spc="-1">
               <a:solidFill>
                 <a:srgbClr val="000000"/>
               </a:solidFill>
@@ -478,11 +593,12 @@
           </a:prstGeom>
         </p:spPr>
         <p:txBody>
-          <a:bodyPr lIns="0" rIns="0" tIns="0" bIns="0">
+          <a:bodyPr lIns="0" tIns="0" rIns="0" bIns="0">
             <a:normAutofit/>
           </a:bodyPr>
-          <a:p>
-            <a:endParaRPr b="0" lang="en-US" sz="3200" spc="-1" strike="noStrike">
+          <a:lstStyle/>
+          <a:p>
+            <a:endParaRPr lang="en-US" sz="3200" b="0" strike="noStrike" spc="-1">
               <a:solidFill>
                 <a:srgbClr val="000000"/>
               </a:solidFill>
@@ -511,11 +627,12 @@
           </a:prstGeom>
         </p:spPr>
         <p:txBody>
-          <a:bodyPr lIns="0" rIns="0" tIns="0" bIns="0">
+          <a:bodyPr lIns="0" tIns="0" rIns="0" bIns="0">
             <a:normAutofit/>
           </a:bodyPr>
-          <a:p>
-            <a:endParaRPr b="0" lang="en-US" sz="3200" spc="-1" strike="noStrike">
+          <a:lstStyle/>
+          <a:p>
+            <a:endParaRPr lang="en-US" sz="3200" b="0" strike="noStrike" spc="-1">
               <a:solidFill>
                 <a:srgbClr val="000000"/>
               </a:solidFill>
@@ -544,11 +661,12 @@
           </a:prstGeom>
         </p:spPr>
         <p:txBody>
-          <a:bodyPr lIns="0" rIns="0" tIns="0" bIns="0">
+          <a:bodyPr lIns="0" tIns="0" rIns="0" bIns="0">
             <a:normAutofit/>
           </a:bodyPr>
-          <a:p>
-            <a:endParaRPr b="0" lang="en-US" sz="3200" spc="-1" strike="noStrike">
+          <a:lstStyle/>
+          <a:p>
+            <a:endParaRPr lang="en-US" sz="3200" b="0" strike="noStrike" spc="-1">
               <a:solidFill>
                 <a:srgbClr val="000000"/>
               </a:solidFill>
@@ -577,11 +695,12 @@
           </a:prstGeom>
         </p:spPr>
         <p:txBody>
-          <a:bodyPr lIns="0" rIns="0" tIns="0" bIns="0">
+          <a:bodyPr lIns="0" tIns="0" rIns="0" bIns="0">
             <a:normAutofit/>
           </a:bodyPr>
-          <a:p>
-            <a:endParaRPr b="0" lang="en-US" sz="3200" spc="-1" strike="noStrike">
+          <a:lstStyle/>
+          <a:p>
+            <a:endParaRPr lang="en-US" sz="3200" b="0" strike="noStrike" spc="-1">
               <a:solidFill>
                 <a:srgbClr val="000000"/>
               </a:solidFill>
@@ -592,11 +711,14 @@
       </p:sp>
     </p:spTree>
   </p:cSld>
+  <p:clrMapOvr>
+    <a:masterClrMapping/>
+  </p:clrMapOvr>
 </p:sldLayout>
 </file>
 
 <file path=ppt/slideLayouts/slideLayout2.xml><?xml version="1.0" encoding="utf-8"?>
-<p:sldLayout xmlns:a="http://schemas.openxmlformats.org/drawingml/2006/main" xmlns:p="http://schemas.openxmlformats.org/presentationml/2006/main" xmlns:r="http://schemas.openxmlformats.org/officeDocument/2006/relationships" xmlns:p14="http://schemas.microsoft.com/office/powerpoint/2010/main" xmlns:p15="http://schemas.microsoft.com/office/powerpoint/2012/main" xmlns:mc="http://schemas.openxmlformats.org/markup-compatibility/2006" type="tx" preserve="1">
+<p:sldLayout xmlns:a="http://schemas.openxmlformats.org/drawingml/2006/main" xmlns:r="http://schemas.openxmlformats.org/officeDocument/2006/relationships" xmlns:p="http://schemas.openxmlformats.org/presentationml/2006/main" type="tx" preserve="1">
   <p:cSld name="Title Slide">
     <p:spTree>
       <p:nvGrpSpPr>
@@ -632,11 +754,12 @@
           </a:prstGeom>
         </p:spPr>
         <p:txBody>
-          <a:bodyPr lIns="0" rIns="0" tIns="0" bIns="0" anchor="ctr">
+          <a:bodyPr lIns="0" tIns="0" rIns="0" bIns="0" anchor="ctr">
             <a:noAutofit/>
           </a:bodyPr>
-          <a:p>
-            <a:endParaRPr b="0" lang="en-US" sz="1800" spc="-1" strike="noStrike">
+          <a:lstStyle/>
+          <a:p>
+            <a:endParaRPr lang="en-US" sz="1800" b="0" strike="noStrike" spc="-1">
               <a:solidFill>
                 <a:srgbClr val="000000"/>
               </a:solidFill>
@@ -665,12 +788,13 @@
           </a:prstGeom>
         </p:spPr>
         <p:txBody>
-          <a:bodyPr lIns="0" rIns="0" tIns="0" bIns="0" anchor="ctr">
+          <a:bodyPr lIns="0" tIns="0" rIns="0" bIns="0" anchor="ctr">
             <a:noAutofit/>
           </a:bodyPr>
+          <a:lstStyle/>
           <a:p>
             <a:pPr algn="ctr"/>
-            <a:endParaRPr b="0" lang="en-US" sz="3200" spc="-1" strike="noStrike">
+            <a:endParaRPr lang="en-US" sz="3200" b="0" strike="noStrike" spc="-1">
               <a:latin typeface="Arial"/>
             </a:endParaRPr>
           </a:p>
@@ -678,11 +802,14 @@
       </p:sp>
     </p:spTree>
   </p:cSld>
+  <p:clrMapOvr>
+    <a:masterClrMapping/>
+  </p:clrMapOvr>
 </p:sldLayout>
 </file>
 
 <file path=ppt/slideLayouts/slideLayout3.xml><?xml version="1.0" encoding="utf-8"?>
-<p:sldLayout xmlns:a="http://schemas.openxmlformats.org/drawingml/2006/main" xmlns:p="http://schemas.openxmlformats.org/presentationml/2006/main" xmlns:r="http://schemas.openxmlformats.org/officeDocument/2006/relationships" xmlns:p14="http://schemas.microsoft.com/office/powerpoint/2010/main" xmlns:p15="http://schemas.microsoft.com/office/powerpoint/2012/main" xmlns:mc="http://schemas.openxmlformats.org/markup-compatibility/2006" type="obj" preserve="1">
+<p:sldLayout xmlns:a="http://schemas.openxmlformats.org/drawingml/2006/main" xmlns:r="http://schemas.openxmlformats.org/officeDocument/2006/relationships" xmlns:p="http://schemas.openxmlformats.org/presentationml/2006/main" type="obj" preserve="1">
   <p:cSld name="Title, Content">
     <p:spTree>
       <p:nvGrpSpPr>
@@ -718,11 +845,12 @@
           </a:prstGeom>
         </p:spPr>
         <p:txBody>
-          <a:bodyPr lIns="0" rIns="0" tIns="0" bIns="0" anchor="ctr">
+          <a:bodyPr lIns="0" tIns="0" rIns="0" bIns="0" anchor="ctr">
             <a:noAutofit/>
           </a:bodyPr>
-          <a:p>
-            <a:endParaRPr b="0" lang="en-US" sz="1800" spc="-1" strike="noStrike">
+          <a:lstStyle/>
+          <a:p>
+            <a:endParaRPr lang="en-US" sz="1800" b="0" strike="noStrike" spc="-1">
               <a:solidFill>
                 <a:srgbClr val="000000"/>
               </a:solidFill>
@@ -751,11 +879,12 @@
           </a:prstGeom>
         </p:spPr>
         <p:txBody>
-          <a:bodyPr lIns="0" rIns="0" tIns="0" bIns="0">
+          <a:bodyPr lIns="0" tIns="0" rIns="0" bIns="0">
             <a:normAutofit/>
           </a:bodyPr>
-          <a:p>
-            <a:endParaRPr b="0" lang="en-US" sz="3200" spc="-1" strike="noStrike">
+          <a:lstStyle/>
+          <a:p>
+            <a:endParaRPr lang="en-US" sz="3200" b="0" strike="noStrike" spc="-1">
               <a:solidFill>
                 <a:srgbClr val="000000"/>
               </a:solidFill>
@@ -766,11 +895,14 @@
       </p:sp>
     </p:spTree>
   </p:cSld>
+  <p:clrMapOvr>
+    <a:masterClrMapping/>
+  </p:clrMapOvr>
 </p:sldLayout>
 </file>
 
 <file path=ppt/slideLayouts/slideLayout4.xml><?xml version="1.0" encoding="utf-8"?>
-<p:sldLayout xmlns:a="http://schemas.openxmlformats.org/drawingml/2006/main" xmlns:p="http://schemas.openxmlformats.org/presentationml/2006/main" xmlns:r="http://schemas.openxmlformats.org/officeDocument/2006/relationships" xmlns:p14="http://schemas.microsoft.com/office/powerpoint/2010/main" xmlns:p15="http://schemas.microsoft.com/office/powerpoint/2012/main" xmlns:mc="http://schemas.openxmlformats.org/markup-compatibility/2006" type="twoObj" preserve="1">
+<p:sldLayout xmlns:a="http://schemas.openxmlformats.org/drawingml/2006/main" xmlns:r="http://schemas.openxmlformats.org/officeDocument/2006/relationships" xmlns:p="http://schemas.openxmlformats.org/presentationml/2006/main" type="twoObj" preserve="1">
   <p:cSld name="Title, 2 Content">
     <p:spTree>
       <p:nvGrpSpPr>
@@ -806,11 +938,12 @@
           </a:prstGeom>
         </p:spPr>
         <p:txBody>
-          <a:bodyPr lIns="0" rIns="0" tIns="0" bIns="0" anchor="ctr">
+          <a:bodyPr lIns="0" tIns="0" rIns="0" bIns="0" anchor="ctr">
             <a:noAutofit/>
           </a:bodyPr>
-          <a:p>
-            <a:endParaRPr b="0" lang="en-US" sz="1800" spc="-1" strike="noStrike">
+          <a:lstStyle/>
+          <a:p>
+            <a:endParaRPr lang="en-US" sz="1800" b="0" strike="noStrike" spc="-1">
               <a:solidFill>
                 <a:srgbClr val="000000"/>
               </a:solidFill>
@@ -839,11 +972,12 @@
           </a:prstGeom>
         </p:spPr>
         <p:txBody>
-          <a:bodyPr lIns="0" rIns="0" tIns="0" bIns="0">
+          <a:bodyPr lIns="0" tIns="0" rIns="0" bIns="0">
             <a:normAutofit/>
           </a:bodyPr>
-          <a:p>
-            <a:endParaRPr b="0" lang="en-US" sz="3200" spc="-1" strike="noStrike">
+          <a:lstStyle/>
+          <a:p>
+            <a:endParaRPr lang="en-US" sz="3200" b="0" strike="noStrike" spc="-1">
               <a:solidFill>
                 <a:srgbClr val="000000"/>
               </a:solidFill>
@@ -872,11 +1006,12 @@
           </a:prstGeom>
         </p:spPr>
         <p:txBody>
-          <a:bodyPr lIns="0" rIns="0" tIns="0" bIns="0">
+          <a:bodyPr lIns="0" tIns="0" rIns="0" bIns="0">
             <a:normAutofit/>
           </a:bodyPr>
-          <a:p>
-            <a:endParaRPr b="0" lang="en-US" sz="3200" spc="-1" strike="noStrike">
+          <a:lstStyle/>
+          <a:p>
+            <a:endParaRPr lang="en-US" sz="3200" b="0" strike="noStrike" spc="-1">
               <a:solidFill>
                 <a:srgbClr val="000000"/>
               </a:solidFill>
@@ -887,11 +1022,14 @@
       </p:sp>
     </p:spTree>
   </p:cSld>
+  <p:clrMapOvr>
+    <a:masterClrMapping/>
+  </p:clrMapOvr>
 </p:sldLayout>
 </file>
 
 <file path=ppt/slideLayouts/slideLayout5.xml><?xml version="1.0" encoding="utf-8"?>
-<p:sldLayout xmlns:a="http://schemas.openxmlformats.org/drawingml/2006/main" xmlns:p="http://schemas.openxmlformats.org/presentationml/2006/main" xmlns:r="http://schemas.openxmlformats.org/officeDocument/2006/relationships" xmlns:p14="http://schemas.microsoft.com/office/powerpoint/2010/main" xmlns:p15="http://schemas.microsoft.com/office/powerpoint/2012/main" xmlns:mc="http://schemas.openxmlformats.org/markup-compatibility/2006" type="titleOnly" preserve="1">
+<p:sldLayout xmlns:a="http://schemas.openxmlformats.org/drawingml/2006/main" xmlns:r="http://schemas.openxmlformats.org/officeDocument/2006/relationships" xmlns:p="http://schemas.openxmlformats.org/presentationml/2006/main" type="titleOnly" preserve="1">
   <p:cSld name="Title Only">
     <p:spTree>
       <p:nvGrpSpPr>
@@ -927,11 +1065,12 @@
           </a:prstGeom>
         </p:spPr>
         <p:txBody>
-          <a:bodyPr lIns="0" rIns="0" tIns="0" bIns="0" anchor="ctr">
+          <a:bodyPr lIns="0" tIns="0" rIns="0" bIns="0" anchor="ctr">
             <a:noAutofit/>
           </a:bodyPr>
-          <a:p>
-            <a:endParaRPr b="0" lang="en-US" sz="1800" spc="-1" strike="noStrike">
+          <a:lstStyle/>
+          <a:p>
+            <a:endParaRPr lang="en-US" sz="1800" b="0" strike="noStrike" spc="-1">
               <a:solidFill>
                 <a:srgbClr val="000000"/>
               </a:solidFill>
@@ -942,11 +1081,14 @@
       </p:sp>
     </p:spTree>
   </p:cSld>
+  <p:clrMapOvr>
+    <a:masterClrMapping/>
+  </p:clrMapOvr>
 </p:sldLayout>
 </file>
 
 <file path=ppt/slideLayouts/slideLayout6.xml><?xml version="1.0" encoding="utf-8"?>
-<p:sldLayout xmlns:a="http://schemas.openxmlformats.org/drawingml/2006/main" xmlns:p="http://schemas.openxmlformats.org/presentationml/2006/main" xmlns:r="http://schemas.openxmlformats.org/officeDocument/2006/relationships" xmlns:p14="http://schemas.microsoft.com/office/powerpoint/2010/main" xmlns:p15="http://schemas.microsoft.com/office/powerpoint/2012/main" xmlns:mc="http://schemas.openxmlformats.org/markup-compatibility/2006" type="objOnly" preserve="1">
+<p:sldLayout xmlns:a="http://schemas.openxmlformats.org/drawingml/2006/main" xmlns:r="http://schemas.openxmlformats.org/officeDocument/2006/relationships" xmlns:p="http://schemas.openxmlformats.org/presentationml/2006/main" type="objOnly" preserve="1">
   <p:cSld name="Centered Text">
     <p:spTree>
       <p:nvGrpSpPr>
@@ -982,12 +1124,13 @@
           </a:prstGeom>
         </p:spPr>
         <p:txBody>
-          <a:bodyPr lIns="0" rIns="0" tIns="0" bIns="0" anchor="ctr">
+          <a:bodyPr lIns="0" tIns="0" rIns="0" bIns="0" anchor="ctr">
             <a:noAutofit/>
           </a:bodyPr>
+          <a:lstStyle/>
           <a:p>
             <a:pPr algn="ctr"/>
-            <a:endParaRPr b="0" lang="en-US" sz="3200" spc="-1" strike="noStrike">
+            <a:endParaRPr lang="en-US" sz="3200" b="0" strike="noStrike" spc="-1">
               <a:latin typeface="Arial"/>
             </a:endParaRPr>
           </a:p>
@@ -995,11 +1138,14 @@
       </p:sp>
     </p:spTree>
   </p:cSld>
+  <p:clrMapOvr>
+    <a:masterClrMapping/>
+  </p:clrMapOvr>
 </p:sldLayout>
 </file>
 
 <file path=ppt/slideLayouts/slideLayout7.xml><?xml version="1.0" encoding="utf-8"?>
-<p:sldLayout xmlns:a="http://schemas.openxmlformats.org/drawingml/2006/main" xmlns:p="http://schemas.openxmlformats.org/presentationml/2006/main" xmlns:r="http://schemas.openxmlformats.org/officeDocument/2006/relationships" xmlns:p14="http://schemas.microsoft.com/office/powerpoint/2010/main" xmlns:p15="http://schemas.microsoft.com/office/powerpoint/2012/main" xmlns:mc="http://schemas.openxmlformats.org/markup-compatibility/2006" type="twoObjAndObj" preserve="1">
+<p:sldLayout xmlns:a="http://schemas.openxmlformats.org/drawingml/2006/main" xmlns:r="http://schemas.openxmlformats.org/officeDocument/2006/relationships" xmlns:p="http://schemas.openxmlformats.org/presentationml/2006/main" type="twoObjAndObj" preserve="1">
   <p:cSld name="Title, 2 Content and Content">
     <p:spTree>
       <p:nvGrpSpPr>
@@ -1035,11 +1181,12 @@
           </a:prstGeom>
         </p:spPr>
         <p:txBody>
-          <a:bodyPr lIns="0" rIns="0" tIns="0" bIns="0" anchor="ctr">
+          <a:bodyPr lIns="0" tIns="0" rIns="0" bIns="0" anchor="ctr">
             <a:noAutofit/>
           </a:bodyPr>
-          <a:p>
-            <a:endParaRPr b="0" lang="en-US" sz="1800" spc="-1" strike="noStrike">
+          <a:lstStyle/>
+          <a:p>
+            <a:endParaRPr lang="en-US" sz="1800" b="0" strike="noStrike" spc="-1">
               <a:solidFill>
                 <a:srgbClr val="000000"/>
               </a:solidFill>
@@ -1068,11 +1215,12 @@
           </a:prstGeom>
         </p:spPr>
         <p:txBody>
-          <a:bodyPr lIns="0" rIns="0" tIns="0" bIns="0">
+          <a:bodyPr lIns="0" tIns="0" rIns="0" bIns="0">
             <a:normAutofit/>
           </a:bodyPr>
-          <a:p>
-            <a:endParaRPr b="0" lang="en-US" sz="3200" spc="-1" strike="noStrike">
+          <a:lstStyle/>
+          <a:p>
+            <a:endParaRPr lang="en-US" sz="3200" b="0" strike="noStrike" spc="-1">
               <a:solidFill>
                 <a:srgbClr val="000000"/>
               </a:solidFill>
@@ -1101,11 +1249,12 @@
           </a:prstGeom>
         </p:spPr>
         <p:txBody>
-          <a:bodyPr lIns="0" rIns="0" tIns="0" bIns="0">
+          <a:bodyPr lIns="0" tIns="0" rIns="0" bIns="0">
             <a:normAutofit/>
           </a:bodyPr>
-          <a:p>
-            <a:endParaRPr b="0" lang="en-US" sz="3200" spc="-1" strike="noStrike">
+          <a:lstStyle/>
+          <a:p>
+            <a:endParaRPr lang="en-US" sz="3200" b="0" strike="noStrike" spc="-1">
               <a:solidFill>
                 <a:srgbClr val="000000"/>
               </a:solidFill>
@@ -1134,11 +1283,12 @@
           </a:prstGeom>
         </p:spPr>
         <p:txBody>
-          <a:bodyPr lIns="0" rIns="0" tIns="0" bIns="0">
+          <a:bodyPr lIns="0" tIns="0" rIns="0" bIns="0">
             <a:normAutofit/>
           </a:bodyPr>
-          <a:p>
-            <a:endParaRPr b="0" lang="en-US" sz="3200" spc="-1" strike="noStrike">
+          <a:lstStyle/>
+          <a:p>
+            <a:endParaRPr lang="en-US" sz="3200" b="0" strike="noStrike" spc="-1">
               <a:solidFill>
                 <a:srgbClr val="000000"/>
               </a:solidFill>
@@ -1149,11 +1299,14 @@
       </p:sp>
     </p:spTree>
   </p:cSld>
+  <p:clrMapOvr>
+    <a:masterClrMapping/>
+  </p:clrMapOvr>
 </p:sldLayout>
 </file>
 
 <file path=ppt/slideLayouts/slideLayout8.xml><?xml version="1.0" encoding="utf-8"?>
-<p:sldLayout xmlns:a="http://schemas.openxmlformats.org/drawingml/2006/main" xmlns:p="http://schemas.openxmlformats.org/presentationml/2006/main" xmlns:r="http://schemas.openxmlformats.org/officeDocument/2006/relationships" xmlns:p14="http://schemas.microsoft.com/office/powerpoint/2010/main" xmlns:p15="http://schemas.microsoft.com/office/powerpoint/2012/main" xmlns:mc="http://schemas.openxmlformats.org/markup-compatibility/2006" type="objAndTwoObj" preserve="1">
+<p:sldLayout xmlns:a="http://schemas.openxmlformats.org/drawingml/2006/main" xmlns:r="http://schemas.openxmlformats.org/officeDocument/2006/relationships" xmlns:p="http://schemas.openxmlformats.org/presentationml/2006/main" type="objAndTwoObj" preserve="1">
   <p:cSld name="Title Content and 2 Content">
     <p:spTree>
       <p:nvGrpSpPr>
@@ -1189,11 +1342,12 @@
           </a:prstGeom>
         </p:spPr>
         <p:txBody>
-          <a:bodyPr lIns="0" rIns="0" tIns="0" bIns="0" anchor="ctr">
+          <a:bodyPr lIns="0" tIns="0" rIns="0" bIns="0" anchor="ctr">
             <a:noAutofit/>
           </a:bodyPr>
-          <a:p>
-            <a:endParaRPr b="0" lang="en-US" sz="1800" spc="-1" strike="noStrike">
+          <a:lstStyle/>
+          <a:p>
+            <a:endParaRPr lang="en-US" sz="1800" b="0" strike="noStrike" spc="-1">
               <a:solidFill>
                 <a:srgbClr val="000000"/>
               </a:solidFill>
@@ -1222,11 +1376,12 @@
           </a:prstGeom>
         </p:spPr>
         <p:txBody>
-          <a:bodyPr lIns="0" rIns="0" tIns="0" bIns="0">
+          <a:bodyPr lIns="0" tIns="0" rIns="0" bIns="0">
             <a:normAutofit/>
           </a:bodyPr>
-          <a:p>
-            <a:endParaRPr b="0" lang="en-US" sz="3200" spc="-1" strike="noStrike">
+          <a:lstStyle/>
+          <a:p>
+            <a:endParaRPr lang="en-US" sz="3200" b="0" strike="noStrike" spc="-1">
               <a:solidFill>
                 <a:srgbClr val="000000"/>
               </a:solidFill>
@@ -1255,11 +1410,12 @@
           </a:prstGeom>
         </p:spPr>
         <p:txBody>
-          <a:bodyPr lIns="0" rIns="0" tIns="0" bIns="0">
+          <a:bodyPr lIns="0" tIns="0" rIns="0" bIns="0">
             <a:normAutofit/>
           </a:bodyPr>
-          <a:p>
-            <a:endParaRPr b="0" lang="en-US" sz="3200" spc="-1" strike="noStrike">
+          <a:lstStyle/>
+          <a:p>
+            <a:endParaRPr lang="en-US" sz="3200" b="0" strike="noStrike" spc="-1">
               <a:solidFill>
                 <a:srgbClr val="000000"/>
               </a:solidFill>
@@ -1288,11 +1444,12 @@
           </a:prstGeom>
         </p:spPr>
         <p:txBody>
-          <a:bodyPr lIns="0" rIns="0" tIns="0" bIns="0">
+          <a:bodyPr lIns="0" tIns="0" rIns="0" bIns="0">
             <a:normAutofit/>
           </a:bodyPr>
-          <a:p>
-            <a:endParaRPr b="0" lang="en-US" sz="3200" spc="-1" strike="noStrike">
+          <a:lstStyle/>
+          <a:p>
+            <a:endParaRPr lang="en-US" sz="3200" b="0" strike="noStrike" spc="-1">
               <a:solidFill>
                 <a:srgbClr val="000000"/>
               </a:solidFill>
@@ -1303,11 +1460,14 @@
       </p:sp>
     </p:spTree>
   </p:cSld>
+  <p:clrMapOvr>
+    <a:masterClrMapping/>
+  </p:clrMapOvr>
 </p:sldLayout>
 </file>
 
 <file path=ppt/slideLayouts/slideLayout9.xml><?xml version="1.0" encoding="utf-8"?>
-<p:sldLayout xmlns:a="http://schemas.openxmlformats.org/drawingml/2006/main" xmlns:p="http://schemas.openxmlformats.org/presentationml/2006/main" xmlns:r="http://schemas.openxmlformats.org/officeDocument/2006/relationships" xmlns:p14="http://schemas.microsoft.com/office/powerpoint/2010/main" xmlns:p15="http://schemas.microsoft.com/office/powerpoint/2012/main" xmlns:mc="http://schemas.openxmlformats.org/markup-compatibility/2006" type="twoObjOverTx" preserve="1">
+<p:sldLayout xmlns:a="http://schemas.openxmlformats.org/drawingml/2006/main" xmlns:r="http://schemas.openxmlformats.org/officeDocument/2006/relationships" xmlns:p="http://schemas.openxmlformats.org/presentationml/2006/main" type="twoObjOverTx" preserve="1">
   <p:cSld name="Title, 2 Content over Content">
     <p:spTree>
       <p:nvGrpSpPr>
@@ -1343,11 +1503,12 @@
           </a:prstGeom>
         </p:spPr>
         <p:txBody>
-          <a:bodyPr lIns="0" rIns="0" tIns="0" bIns="0" anchor="ctr">
+          <a:bodyPr lIns="0" tIns="0" rIns="0" bIns="0" anchor="ctr">
             <a:noAutofit/>
           </a:bodyPr>
-          <a:p>
-            <a:endParaRPr b="0" lang="en-US" sz="1800" spc="-1" strike="noStrike">
+          <a:lstStyle/>
+          <a:p>
+            <a:endParaRPr lang="en-US" sz="1800" b="0" strike="noStrike" spc="-1">
               <a:solidFill>
                 <a:srgbClr val="000000"/>
               </a:solidFill>
@@ -1376,11 +1537,12 @@
           </a:prstGeom>
         </p:spPr>
         <p:txBody>
-          <a:bodyPr lIns="0" rIns="0" tIns="0" bIns="0">
+          <a:bodyPr lIns="0" tIns="0" rIns="0" bIns="0">
             <a:normAutofit/>
           </a:bodyPr>
-          <a:p>
-            <a:endParaRPr b="0" lang="en-US" sz="3200" spc="-1" strike="noStrike">
+          <a:lstStyle/>
+          <a:p>
+            <a:endParaRPr lang="en-US" sz="3200" b="0" strike="noStrike" spc="-1">
               <a:solidFill>
                 <a:srgbClr val="000000"/>
               </a:solidFill>
@@ -1409,11 +1571,12 @@
           </a:prstGeom>
         </p:spPr>
         <p:txBody>
-          <a:bodyPr lIns="0" rIns="0" tIns="0" bIns="0">
+          <a:bodyPr lIns="0" tIns="0" rIns="0" bIns="0">
             <a:normAutofit/>
           </a:bodyPr>
-          <a:p>
-            <a:endParaRPr b="0" lang="en-US" sz="3200" spc="-1" strike="noStrike">
+          <a:lstStyle/>
+          <a:p>
+            <a:endParaRPr lang="en-US" sz="3200" b="0" strike="noStrike" spc="-1">
               <a:solidFill>
                 <a:srgbClr val="000000"/>
               </a:solidFill>
@@ -1442,11 +1605,12 @@
           </a:prstGeom>
         </p:spPr>
         <p:txBody>
-          <a:bodyPr lIns="0" rIns="0" tIns="0" bIns="0">
+          <a:bodyPr lIns="0" tIns="0" rIns="0" bIns="0">
             <a:normAutofit/>
           </a:bodyPr>
-          <a:p>
-            <a:endParaRPr b="0" lang="en-US" sz="3200" spc="-1" strike="noStrike">
+          <a:lstStyle/>
+          <a:p>
+            <a:endParaRPr lang="en-US" sz="3200" b="0" strike="noStrike" spc="-1">
               <a:solidFill>
                 <a:srgbClr val="000000"/>
               </a:solidFill>
@@ -1457,17 +1621,21 @@
       </p:sp>
     </p:spTree>
   </p:cSld>
+  <p:clrMapOvr>
+    <a:masterClrMapping/>
+  </p:clrMapOvr>
 </p:sldLayout>
 </file>
 
 <file path=ppt/slideMasters/slideMaster1.xml><?xml version="1.0" encoding="utf-8"?>
-<p:sldMaster xmlns:a="http://schemas.openxmlformats.org/drawingml/2006/main" xmlns:p="http://schemas.openxmlformats.org/presentationml/2006/main" xmlns:r="http://schemas.openxmlformats.org/officeDocument/2006/relationships" xmlns:p14="http://schemas.microsoft.com/office/powerpoint/2010/main" xmlns:p15="http://schemas.microsoft.com/office/powerpoint/2012/main" xmlns:mc="http://schemas.openxmlformats.org/markup-compatibility/2006">
+<p:sldMaster xmlns:a="http://schemas.openxmlformats.org/drawingml/2006/main" xmlns:r="http://schemas.openxmlformats.org/officeDocument/2006/relationships" xmlns:p="http://schemas.openxmlformats.org/presentationml/2006/main">
   <p:cSld>
     <p:bg>
       <p:bgPr>
         <a:solidFill>
-          <a:srgbClr val="ffffff"/>
+          <a:srgbClr val="FFFFFF"/>
         </a:solidFill>
+        <a:effectLst/>
       </p:bgPr>
     </p:bg>
     <p:spTree>
@@ -1486,7 +1654,7 @@
       </p:grpSpPr>
       <p:sp>
         <p:nvSpPr>
-          <p:cNvPr id="0" name="PlaceHolder 1"/>
+          <p:cNvPr id="4" name="PlaceHolder 1"/>
           <p:cNvSpPr>
             <a:spLocks noGrp="1"/>
           </p:cNvSpPr>
@@ -1507,6 +1675,7 @@
           <a:bodyPr anchor="ctr">
             <a:noAutofit/>
           </a:bodyPr>
+          <a:lstStyle/>
           <a:p>
             <a:pPr algn="ctr">
               <a:lnSpc>
@@ -1514,7 +1683,7 @@
               </a:lnSpc>
             </a:pPr>
             <a:r>
-              <a:rPr b="0" lang="zh-TW" sz="4400" spc="-1" strike="noStrike">
+              <a:rPr lang="zh-TW" sz="4400" b="0" strike="noStrike" spc="-1">
                 <a:solidFill>
                   <a:srgbClr val="000000"/>
                 </a:solidFill>
@@ -1522,7 +1691,7 @@
               </a:rPr>
               <a:t>按一下以編輯母片標題樣式</a:t>
             </a:r>
-            <a:endParaRPr b="0" lang="en-US" sz="4400" spc="-1" strike="noStrike">
+            <a:endParaRPr lang="en-US" sz="4400" b="0" strike="noStrike" spc="-1">
               <a:solidFill>
                 <a:srgbClr val="000000"/>
               </a:solidFill>
@@ -1533,7 +1702,7 @@
       </p:sp>
       <p:sp>
         <p:nvSpPr>
-          <p:cNvPr id="1" name="PlaceHolder 2"/>
+          <p:cNvPr id="5" name="PlaceHolder 2"/>
           <p:cNvSpPr>
             <a:spLocks noGrp="1"/>
           </p:cNvSpPr>
@@ -1554,6 +1723,7 @@
           <a:bodyPr anchor="ctr">
             <a:noAutofit/>
           </a:bodyPr>
+          <a:lstStyle/>
           <a:p>
             <a:pPr>
               <a:lnSpc>
@@ -1561,15 +1731,15 @@
               </a:lnSpc>
             </a:pPr>
             <a:fld id="{A7AFC737-E44C-449A-8EE3-B9906BF218FC}" type="datetime">
-              <a:rPr b="0" lang="en-US" sz="1200" spc="-1" strike="noStrike">
+              <a:rPr lang="en-US" sz="1200" b="0" strike="noStrike" spc="-1">
                 <a:solidFill>
-                  <a:srgbClr val="8b8b8b"/>
+                  <a:srgbClr val="8B8B8B"/>
                 </a:solidFill>
                 <a:latin typeface="Calibri"/>
               </a:rPr>
-              <a:t>3/24/23</a:t>
+              <a:t>3/28/2023</a:t>
             </a:fld>
-            <a:endParaRPr b="0" lang="en-US" sz="1200" spc="-1" strike="noStrike">
+            <a:endParaRPr lang="en-US" sz="1200" b="0" strike="noStrike" spc="-1">
               <a:latin typeface="Times New Roman"/>
             </a:endParaRPr>
           </a:p>
@@ -1598,8 +1768,9 @@
           <a:bodyPr anchor="ctr">
             <a:noAutofit/>
           </a:bodyPr>
-          <a:p>
-            <a:endParaRPr b="0" lang="en-US" sz="2400" spc="-1" strike="noStrike">
+          <a:lstStyle/>
+          <a:p>
+            <a:endParaRPr lang="en-US" sz="2400" b="0" strike="noStrike" spc="-1">
               <a:latin typeface="Times New Roman"/>
             </a:endParaRPr>
           </a:p>
@@ -1628,6 +1799,7 @@
           <a:bodyPr anchor="ctr">
             <a:noAutofit/>
           </a:bodyPr>
+          <a:lstStyle/>
           <a:p>
             <a:pPr algn="r">
               <a:lnSpc>
@@ -1635,15 +1807,15 @@
               </a:lnSpc>
             </a:pPr>
             <a:fld id="{34F2C9E7-D332-41BD-A7FD-318FEF9827C4}" type="slidenum">
-              <a:rPr b="0" lang="en-US" sz="1200" spc="-1" strike="noStrike">
+              <a:rPr lang="en-US" sz="1200" b="0" strike="noStrike" spc="-1">
                 <a:solidFill>
-                  <a:srgbClr val="8b8b8b"/>
+                  <a:srgbClr val="8B8B8B"/>
                 </a:solidFill>
                 <a:latin typeface="Calibri"/>
               </a:rPr>
-              <a:t>&lt;編號&gt;</a:t>
+              <a:t>‹#›</a:t>
             </a:fld>
-            <a:endParaRPr b="0" lang="en-US" sz="1200" spc="-1" strike="noStrike">
+            <a:endParaRPr lang="en-US" sz="1200" b="0" strike="noStrike" spc="-1">
               <a:latin typeface="Times New Roman"/>
             </a:endParaRPr>
           </a:p>
@@ -1651,26 +1823,31 @@
       </p:sp>
     </p:spTree>
   </p:cSld>
-  <p:clrMap bg1="lt1" bg2="lt2" tx1="dk1" tx2="dk2" accent1="accent1" accent2="accent2" accent3="accent3" accent4="accent4" accent5="accent5" accent6="accent6" hlink="hlink" folHlink="folHlink"/>
+  <p:clrMap bg1="lt1" tx1="dk1" bg2="lt2" tx2="dk2" accent1="accent1" accent2="accent2" accent3="accent3" accent4="accent4" accent5="accent5" accent6="accent6" hlink="hlink" folHlink="folHlink"/>
   <p:sldLayoutIdLst>
-    <p:sldLayoutId id="2147483649" r:id="rId2"/>
-    <p:sldLayoutId id="2147483650" r:id="rId3"/>
-    <p:sldLayoutId id="2147483651" r:id="rId4"/>
-    <p:sldLayoutId id="2147483652" r:id="rId5"/>
-    <p:sldLayoutId id="2147483653" r:id="rId6"/>
-    <p:sldLayoutId id="2147483654" r:id="rId7"/>
-    <p:sldLayoutId id="2147483655" r:id="rId8"/>
-    <p:sldLayoutId id="2147483656" r:id="rId9"/>
-    <p:sldLayoutId id="2147483657" r:id="rId10"/>
-    <p:sldLayoutId id="2147483658" r:id="rId11"/>
-    <p:sldLayoutId id="2147483659" r:id="rId12"/>
-    <p:sldLayoutId id="2147483660" r:id="rId13"/>
+    <p:sldLayoutId id="2147483649" r:id="rId1"/>
+    <p:sldLayoutId id="2147483650" r:id="rId2"/>
+    <p:sldLayoutId id="2147483651" r:id="rId3"/>
+    <p:sldLayoutId id="2147483652" r:id="rId4"/>
+    <p:sldLayoutId id="2147483653" r:id="rId5"/>
+    <p:sldLayoutId id="2147483654" r:id="rId6"/>
+    <p:sldLayoutId id="2147483655" r:id="rId7"/>
+    <p:sldLayoutId id="2147483656" r:id="rId8"/>
+    <p:sldLayoutId id="2147483657" r:id="rId9"/>
+    <p:sldLayoutId id="2147483658" r:id="rId10"/>
+    <p:sldLayoutId id="2147483659" r:id="rId11"/>
+    <p:sldLayoutId id="2147483660" r:id="rId12"/>
   </p:sldLayoutIdLst>
+  <p:txStyles>
+    <p:titleStyle/>
+    <p:bodyStyle/>
+    <p:otherStyle/>
+  </p:txStyles>
 </p:sldMaster>
 </file>
 
 <file path=ppt/slides/slide1.xml><?xml version="1.0" encoding="utf-8"?>
-<p:sld xmlns:a="http://schemas.openxmlformats.org/drawingml/2006/main" xmlns:p="http://schemas.openxmlformats.org/presentationml/2006/main" xmlns:r="http://schemas.openxmlformats.org/officeDocument/2006/relationships" xmlns:p14="http://schemas.microsoft.com/office/powerpoint/2010/main" xmlns:p15="http://schemas.microsoft.com/office/powerpoint/2012/main" xmlns:mc="http://schemas.openxmlformats.org/markup-compatibility/2006">
+<p:sld xmlns:a="http://schemas.openxmlformats.org/drawingml/2006/main" xmlns:r="http://schemas.openxmlformats.org/officeDocument/2006/relationships" xmlns:p="http://schemas.openxmlformats.org/presentationml/2006/main">
   <p:cSld>
     <p:spTree>
       <p:nvGrpSpPr>
@@ -1688,6 +1865,122 @@
       </p:grpSpPr>
       <p:sp>
         <p:nvSpPr>
+          <p:cNvPr id="103" name="CustomShape 64"/>
+          <p:cNvSpPr/>
+          <p:nvPr/>
+        </p:nvSpPr>
+        <p:spPr>
+          <a:xfrm>
+            <a:off x="2090880" y="0"/>
+            <a:ext cx="2935440" cy="6857640"/>
+          </a:xfrm>
+          <a:prstGeom prst="rect">
+            <a:avLst/>
+          </a:prstGeom>
+          <a:solidFill>
+            <a:srgbClr val="92D050">
+              <a:alpha val="40000"/>
+            </a:srgbClr>
+          </a:solidFill>
+          <a:ln>
+            <a:noFill/>
+          </a:ln>
+        </p:spPr>
+        <p:style>
+          <a:lnRef idx="2">
+            <a:schemeClr val="accent1">
+              <a:shade val="50000"/>
+            </a:schemeClr>
+          </a:lnRef>
+          <a:fillRef idx="1">
+            <a:schemeClr val="accent1"/>
+          </a:fillRef>
+          <a:effectRef idx="0">
+            <a:schemeClr val="accent1"/>
+          </a:effectRef>
+          <a:fontRef idx="minor"/>
+        </p:style>
+      </p:sp>
+      <p:sp>
+        <p:nvSpPr>
+          <p:cNvPr id="104" name="CustomShape 65"/>
+          <p:cNvSpPr/>
+          <p:nvPr/>
+        </p:nvSpPr>
+        <p:spPr>
+          <a:xfrm>
+            <a:off x="5026680" y="0"/>
+            <a:ext cx="2065320" cy="6857640"/>
+          </a:xfrm>
+          <a:prstGeom prst="rect">
+            <a:avLst/>
+          </a:prstGeom>
+          <a:solidFill>
+            <a:srgbClr val="00B0F0">
+              <a:alpha val="40000"/>
+            </a:srgbClr>
+          </a:solidFill>
+          <a:ln>
+            <a:noFill/>
+          </a:ln>
+        </p:spPr>
+        <p:style>
+          <a:lnRef idx="2">
+            <a:schemeClr val="accent1">
+              <a:shade val="50000"/>
+            </a:schemeClr>
+          </a:lnRef>
+          <a:fillRef idx="1">
+            <a:schemeClr val="accent1"/>
+          </a:fillRef>
+          <a:effectRef idx="0">
+            <a:schemeClr val="accent1"/>
+          </a:effectRef>
+          <a:fontRef idx="minor"/>
+        </p:style>
+      </p:sp>
+      <p:sp>
+        <p:nvSpPr>
+          <p:cNvPr id="107" name="CustomShape 68"/>
+          <p:cNvSpPr/>
+          <p:nvPr/>
+        </p:nvSpPr>
+        <p:spPr>
+          <a:xfrm>
+            <a:off x="7092000" y="0"/>
+            <a:ext cx="2065320" cy="6857640"/>
+          </a:xfrm>
+          <a:prstGeom prst="rect">
+            <a:avLst/>
+          </a:prstGeom>
+          <a:solidFill>
+            <a:schemeClr val="accent6">
+              <a:lumMod val="60000"/>
+              <a:lumOff val="40000"/>
+              <a:alpha val="40000"/>
+            </a:schemeClr>
+          </a:solidFill>
+          <a:ln>
+            <a:noFill/>
+          </a:ln>
+        </p:spPr>
+        <p:style>
+          <a:lnRef idx="2">
+            <a:schemeClr val="accent1">
+              <a:shade val="50000"/>
+            </a:schemeClr>
+          </a:lnRef>
+          <a:fillRef idx="1">
+            <a:schemeClr val="accent1"/>
+          </a:fillRef>
+          <a:effectRef idx="0">
+            <a:schemeClr val="accent1"/>
+          </a:effectRef>
+          <a:fontRef idx="minor"/>
+        </p:style>
+      </p:sp>
+      <p:sp>
+        <p:nvSpPr>
           <p:cNvPr id="40" name="CustomShape 1"/>
           <p:cNvSpPr/>
           <p:nvPr/>
@@ -1743,15 +2036,22 @@
           </a:ln>
         </p:spPr>
         <p:style>
-          <a:lnRef idx="0"/>
-          <a:fillRef idx="0"/>
-          <a:effectRef idx="0"/>
-          <a:fontRef idx="minor"/>
-        </p:style>
-        <p:txBody>
-          <a:bodyPr wrap="none" lIns="90000" rIns="90000" tIns="45000" bIns="45000">
+          <a:lnRef idx="0">
+            <a:scrgbClr r="0" g="0" b="0"/>
+          </a:lnRef>
+          <a:fillRef idx="0">
+            <a:scrgbClr r="0" g="0" b="0"/>
+          </a:fillRef>
+          <a:effectRef idx="0">
+            <a:scrgbClr r="0" g="0" b="0"/>
+          </a:effectRef>
+          <a:fontRef idx="minor"/>
+        </p:style>
+        <p:txBody>
+          <a:bodyPr wrap="none" lIns="90000" tIns="45000" rIns="90000" bIns="45000">
             <a:spAutoFit/>
           </a:bodyPr>
+          <a:lstStyle/>
           <a:p>
             <a:pPr>
               <a:lnSpc>
@@ -1759,7 +2059,7 @@
               </a:lnSpc>
             </a:pPr>
             <a:r>
-              <a:rPr b="0" lang="zh-TW" sz="1800" spc="-1" strike="noStrike">
+              <a:rPr lang="zh-TW" sz="1800" b="0" strike="noStrike" spc="-1">
                 <a:solidFill>
                   <a:srgbClr val="000000"/>
                 </a:solidFill>
@@ -1767,7 +2067,7 @@
               </a:rPr>
               <a:t>使用者</a:t>
             </a:r>
-            <a:endParaRPr b="0" lang="en-US" sz="1800" spc="-1" strike="noStrike">
+            <a:endParaRPr lang="en-US" sz="1800" b="0" strike="noStrike" spc="-1">
               <a:latin typeface="Arial"/>
             </a:endParaRPr>
           </a:p>
@@ -1830,15 +2130,22 @@
           </a:ln>
         </p:spPr>
         <p:style>
-          <a:lnRef idx="0"/>
-          <a:fillRef idx="0"/>
-          <a:effectRef idx="0"/>
-          <a:fontRef idx="minor"/>
-        </p:style>
-        <p:txBody>
-          <a:bodyPr wrap="none" lIns="90000" rIns="90000" tIns="45000" bIns="45000">
+          <a:lnRef idx="0">
+            <a:scrgbClr r="0" g="0" b="0"/>
+          </a:lnRef>
+          <a:fillRef idx="0">
+            <a:scrgbClr r="0" g="0" b="0"/>
+          </a:fillRef>
+          <a:effectRef idx="0">
+            <a:scrgbClr r="0" g="0" b="0"/>
+          </a:effectRef>
+          <a:fontRef idx="minor"/>
+        </p:style>
+        <p:txBody>
+          <a:bodyPr wrap="none" lIns="90000" tIns="45000" rIns="90000" bIns="45000">
             <a:spAutoFit/>
           </a:bodyPr>
+          <a:lstStyle/>
           <a:p>
             <a:pPr>
               <a:lnSpc>
@@ -1846,7 +2153,7 @@
               </a:lnSpc>
             </a:pPr>
             <a:r>
-              <a:rPr b="0" lang="en-US" sz="1800" spc="-1" strike="noStrike">
+              <a:rPr lang="en-US" sz="1800" b="0" strike="noStrike" spc="-1">
                 <a:solidFill>
                   <a:srgbClr val="000000"/>
                 </a:solidFill>
@@ -1854,7 +2161,7 @@
               </a:rPr>
               <a:t>END</a:t>
             </a:r>
-            <a:endParaRPr b="0" lang="en-US" sz="1800" spc="-1" strike="noStrike">
+            <a:endParaRPr lang="en-US" sz="1800" b="0" strike="noStrike" spc="-1">
               <a:latin typeface="Arial"/>
             </a:endParaRPr>
           </a:p>
@@ -1867,7 +2174,7 @@
           <p:nvPr/>
         </p:nvSpPr>
         <p:spPr>
-          <a:xfrm flipH="1" flipV="1" rot="10800000">
+          <a:xfrm rot="10800000" flipH="1" flipV="1">
             <a:off x="674640" y="1357200"/>
             <a:ext cx="8280" cy="4933080"/>
           </a:xfrm>
@@ -1882,7 +2189,7 @@
               <a:schemeClr val="tx1"/>
             </a:solidFill>
             <a:round/>
-            <a:tailEnd len="med" type="arrow" w="med"/>
+            <a:tailEnd type="arrow" w="med" len="med"/>
           </a:ln>
         </p:spPr>
         <p:style>
@@ -1918,15 +2225,22 @@
           </a:ln>
         </p:spPr>
         <p:style>
-          <a:lnRef idx="0"/>
-          <a:fillRef idx="0"/>
-          <a:effectRef idx="0"/>
-          <a:fontRef idx="minor"/>
-        </p:style>
-        <p:txBody>
-          <a:bodyPr wrap="none" lIns="90000" rIns="90000" tIns="45000" bIns="45000">
+          <a:lnRef idx="0">
+            <a:scrgbClr r="0" g="0" b="0"/>
+          </a:lnRef>
+          <a:fillRef idx="0">
+            <a:scrgbClr r="0" g="0" b="0"/>
+          </a:fillRef>
+          <a:effectRef idx="0">
+            <a:scrgbClr r="0" g="0" b="0"/>
+          </a:effectRef>
+          <a:fontRef idx="minor"/>
+        </p:style>
+        <p:txBody>
+          <a:bodyPr wrap="none" lIns="90000" tIns="45000" rIns="90000" bIns="45000">
             <a:spAutoFit/>
           </a:bodyPr>
+          <a:lstStyle/>
           <a:p>
             <a:pPr>
               <a:lnSpc>
@@ -1934,7 +2248,7 @@
               </a:lnSpc>
             </a:pPr>
             <a:r>
-              <a:rPr b="0" lang="en-US" sz="1800" spc="-1" strike="noStrike">
+              <a:rPr lang="en-US" sz="1800" b="0" strike="noStrike" spc="-1">
                 <a:solidFill>
                   <a:srgbClr val="000000"/>
                 </a:solidFill>
@@ -1942,7 +2256,7 @@
               </a:rPr>
               <a:t>N</a:t>
             </a:r>
-            <a:endParaRPr b="0" lang="en-US" sz="1800" spc="-1" strike="noStrike">
+            <a:endParaRPr lang="en-US" sz="1800" b="0" strike="noStrike" spc="-1">
               <a:latin typeface="Arial"/>
             </a:endParaRPr>
           </a:p>
@@ -2005,15 +2319,22 @@
           </a:ln>
         </p:spPr>
         <p:style>
-          <a:lnRef idx="0"/>
-          <a:fillRef idx="0"/>
-          <a:effectRef idx="0"/>
-          <a:fontRef idx="minor"/>
-        </p:style>
-        <p:txBody>
-          <a:bodyPr wrap="none" lIns="90000" rIns="90000" tIns="45000" bIns="45000">
+          <a:lnRef idx="0">
+            <a:scrgbClr r="0" g="0" b="0"/>
+          </a:lnRef>
+          <a:fillRef idx="0">
+            <a:scrgbClr r="0" g="0" b="0"/>
+          </a:fillRef>
+          <a:effectRef idx="0">
+            <a:scrgbClr r="0" g="0" b="0"/>
+          </a:effectRef>
+          <a:fontRef idx="minor"/>
+        </p:style>
+        <p:txBody>
+          <a:bodyPr wrap="none" lIns="90000" tIns="45000" rIns="90000" bIns="45000">
             <a:spAutoFit/>
           </a:bodyPr>
+          <a:lstStyle/>
           <a:p>
             <a:pPr>
               <a:lnSpc>
@@ -2021,7 +2342,7 @@
               </a:lnSpc>
             </a:pPr>
             <a:r>
-              <a:rPr b="0" lang="zh-TW" sz="1800" spc="-1" strike="noStrike">
+              <a:rPr lang="zh-TW" sz="1800" b="0" strike="noStrike" spc="-1">
                 <a:solidFill>
                   <a:srgbClr val="000000"/>
                 </a:solidFill>
@@ -2029,7 +2350,7 @@
               </a:rPr>
               <a:t>同意</a:t>
             </a:r>
-            <a:endParaRPr b="0" lang="en-US" sz="1800" spc="-1" strike="noStrike">
+            <a:endParaRPr lang="en-US" sz="1800" b="0" strike="noStrike" spc="-1">
               <a:latin typeface="Arial"/>
             </a:endParaRPr>
           </a:p>
@@ -2040,7 +2361,7 @@
               </a:lnSpc>
             </a:pPr>
             <a:r>
-              <a:rPr b="0" lang="zh-TW" sz="1800" spc="-1" strike="noStrike">
+              <a:rPr lang="zh-TW" sz="1800" b="0" strike="noStrike" spc="-1">
                 <a:solidFill>
                   <a:srgbClr val="000000"/>
                 </a:solidFill>
@@ -2048,7 +2369,7 @@
               </a:rPr>
               <a:t>規則</a:t>
             </a:r>
-            <a:endParaRPr b="0" lang="en-US" sz="1800" spc="-1" strike="noStrike">
+            <a:endParaRPr lang="en-US" sz="1800" b="0" strike="noStrike" spc="-1">
               <a:latin typeface="Arial"/>
             </a:endParaRPr>
           </a:p>
@@ -2069,6 +2390,7 @@
             <a:avLst/>
             <a:gdLst/>
             <a:ahLst/>
+            <a:cxnLst/>
             <a:rect l="l" t="t" r="r" b="b"/>
             <a:pathLst>
               <a:path w="21600" h="21600">
@@ -2087,7 +2409,7 @@
               <a:schemeClr val="tx1"/>
             </a:solidFill>
             <a:round/>
-            <a:tailEnd len="med" type="arrow" w="med"/>
+            <a:tailEnd type="arrow" w="med" len="med"/>
           </a:ln>
         </p:spPr>
         <p:style>
@@ -2155,6 +2477,7 @@
             <a:avLst/>
             <a:gdLst/>
             <a:ahLst/>
+            <a:cxnLst/>
             <a:rect l="l" t="t" r="r" b="b"/>
             <a:pathLst>
               <a:path w="21600" h="21600">
@@ -2173,7 +2496,7 @@
               <a:schemeClr val="tx1"/>
             </a:solidFill>
             <a:round/>
-            <a:tailEnd len="med" type="arrow" w="med"/>
+            <a:tailEnd type="arrow" w="med" len="med"/>
           </a:ln>
         </p:spPr>
         <p:style>
@@ -2209,15 +2532,22 @@
           </a:ln>
         </p:spPr>
         <p:style>
-          <a:lnRef idx="0"/>
-          <a:fillRef idx="0"/>
-          <a:effectRef idx="0"/>
-          <a:fontRef idx="minor"/>
-        </p:style>
-        <p:txBody>
-          <a:bodyPr wrap="none" lIns="90000" rIns="90000" tIns="45000" bIns="45000">
+          <a:lnRef idx="0">
+            <a:scrgbClr r="0" g="0" b="0"/>
+          </a:lnRef>
+          <a:fillRef idx="0">
+            <a:scrgbClr r="0" g="0" b="0"/>
+          </a:fillRef>
+          <a:effectRef idx="0">
+            <a:scrgbClr r="0" g="0" b="0"/>
+          </a:effectRef>
+          <a:fontRef idx="minor"/>
+        </p:style>
+        <p:txBody>
+          <a:bodyPr wrap="none" lIns="90000" tIns="45000" rIns="90000" bIns="45000">
             <a:spAutoFit/>
           </a:bodyPr>
+          <a:lstStyle/>
           <a:p>
             <a:pPr>
               <a:lnSpc>
@@ -2225,7 +2555,7 @@
               </a:lnSpc>
             </a:pPr>
             <a:r>
-              <a:rPr b="0" lang="zh-TW" sz="1800" spc="-1" strike="noStrike">
+              <a:rPr lang="zh-TW" sz="1800" b="0" strike="noStrike" spc="-1">
                 <a:solidFill>
                   <a:srgbClr val="000000"/>
                 </a:solidFill>
@@ -2233,7 +2563,7 @@
               </a:rPr>
               <a:t>填基本</a:t>
             </a:r>
-            <a:endParaRPr b="0" lang="en-US" sz="1800" spc="-1" strike="noStrike">
+            <a:endParaRPr lang="en-US" sz="1800" b="0" strike="noStrike" spc="-1">
               <a:latin typeface="Arial"/>
             </a:endParaRPr>
           </a:p>
@@ -2244,7 +2574,7 @@
               </a:lnSpc>
             </a:pPr>
             <a:r>
-              <a:rPr b="0" lang="zh-TW" sz="1800" spc="-1" strike="noStrike">
+              <a:rPr lang="zh-TW" sz="1800" b="0" strike="noStrike" spc="-1">
                 <a:solidFill>
                   <a:srgbClr val="000000"/>
                 </a:solidFill>
@@ -2252,7 +2582,7 @@
               </a:rPr>
               <a:t>資料</a:t>
             </a:r>
-            <a:endParaRPr b="0" lang="en-US" sz="1800" spc="-1" strike="noStrike">
+            <a:endParaRPr lang="en-US" sz="1800" b="0" strike="noStrike" spc="-1">
               <a:latin typeface="Arial"/>
             </a:endParaRPr>
           </a:p>
@@ -2273,6 +2603,7 @@
             <a:avLst/>
             <a:gdLst/>
             <a:ahLst/>
+            <a:cxnLst/>
             <a:rect l="l" t="t" r="r" b="b"/>
             <a:pathLst>
               <a:path w="21600" h="21600">
@@ -2291,7 +2622,7 @@
               <a:schemeClr val="tx1"/>
             </a:solidFill>
             <a:round/>
-            <a:tailEnd len="med" type="arrow" w="med"/>
+            <a:tailEnd type="arrow" w="med" len="med"/>
           </a:ln>
         </p:spPr>
         <p:style>
@@ -2364,15 +2695,22 @@
           </a:ln>
         </p:spPr>
         <p:style>
-          <a:lnRef idx="0"/>
-          <a:fillRef idx="0"/>
-          <a:effectRef idx="0"/>
-          <a:fontRef idx="minor"/>
-        </p:style>
-        <p:txBody>
-          <a:bodyPr wrap="none" lIns="90000" rIns="90000" tIns="45000" bIns="45000">
+          <a:lnRef idx="0">
+            <a:scrgbClr r="0" g="0" b="0"/>
+          </a:lnRef>
+          <a:fillRef idx="0">
+            <a:scrgbClr r="0" g="0" b="0"/>
+          </a:fillRef>
+          <a:effectRef idx="0">
+            <a:scrgbClr r="0" g="0" b="0"/>
+          </a:effectRef>
+          <a:fontRef idx="minor"/>
+        </p:style>
+        <p:txBody>
+          <a:bodyPr wrap="none" lIns="90000" tIns="45000" rIns="90000" bIns="45000">
             <a:spAutoFit/>
           </a:bodyPr>
+          <a:lstStyle/>
           <a:p>
             <a:pPr>
               <a:lnSpc>
@@ -2380,7 +2718,7 @@
               </a:lnSpc>
             </a:pPr>
             <a:r>
-              <a:rPr b="0" lang="zh-TW" sz="1800" spc="-1" strike="noStrike">
+              <a:rPr lang="zh-TW" sz="1800" b="0" strike="noStrike" spc="-1">
                 <a:solidFill>
                   <a:srgbClr val="000000"/>
                 </a:solidFill>
@@ -2388,7 +2726,7 @@
               </a:rPr>
               <a:t>登入</a:t>
             </a:r>
-            <a:endParaRPr b="0" lang="en-US" sz="1800" spc="-1" strike="noStrike">
+            <a:endParaRPr lang="en-US" sz="1800" b="0" strike="noStrike" spc="-1">
               <a:latin typeface="Arial"/>
             </a:endParaRPr>
           </a:p>
@@ -2409,6 +2747,7 @@
             <a:avLst/>
             <a:gdLst/>
             <a:ahLst/>
+            <a:cxnLst/>
             <a:rect l="l" t="t" r="r" b="b"/>
             <a:pathLst>
               <a:path w="21600" h="21600">
@@ -2427,7 +2766,7 @@
               <a:schemeClr val="tx1"/>
             </a:solidFill>
             <a:round/>
-            <a:tailEnd len="med" type="arrow" w="med"/>
+            <a:tailEnd type="arrow" w="med" len="med"/>
           </a:ln>
         </p:spPr>
         <p:style>
@@ -2488,8 +2827,8 @@
         </p:nvSpPr>
         <p:spPr>
           <a:xfrm>
-            <a:off x="675720" y="4746600"/>
-            <a:ext cx="1095480" cy="913320"/>
+            <a:off x="671172" y="4746600"/>
+            <a:ext cx="1104575" cy="921876"/>
           </a:xfrm>
           <a:prstGeom prst="rect">
             <a:avLst/>
@@ -2500,15 +2839,22 @@
           </a:ln>
         </p:spPr>
         <p:style>
-          <a:lnRef idx="0"/>
-          <a:fillRef idx="0"/>
-          <a:effectRef idx="0"/>
-          <a:fontRef idx="minor"/>
-        </p:style>
-        <p:txBody>
-          <a:bodyPr wrap="none" lIns="90000" rIns="90000" tIns="45000" bIns="45000">
+          <a:lnRef idx="0">
+            <a:scrgbClr r="0" g="0" b="0"/>
+          </a:lnRef>
+          <a:fillRef idx="0">
+            <a:scrgbClr r="0" g="0" b="0"/>
+          </a:fillRef>
+          <a:effectRef idx="0">
+            <a:scrgbClr r="0" g="0" b="0"/>
+          </a:effectRef>
+          <a:fontRef idx="minor"/>
+        </p:style>
+        <p:txBody>
+          <a:bodyPr wrap="none" lIns="90000" tIns="45000" rIns="90000" bIns="45000">
             <a:spAutoFit/>
           </a:bodyPr>
+          <a:lstStyle/>
           <a:p>
             <a:pPr algn="ctr">
               <a:lnSpc>
@@ -2516,15 +2862,33 @@
               </a:lnSpc>
             </a:pPr>
             <a:r>
-              <a:rPr b="0" lang="zh-TW" sz="1800" spc="-1" strike="noStrike">
+              <a:rPr lang="zh-TW" altLang="en-US" spc="-1" dirty="0">
                 <a:solidFill>
                   <a:srgbClr val="000000"/>
                 </a:solidFill>
                 <a:latin typeface="Calibri"/>
               </a:rPr>
-              <a:t>八字資料</a:t>
+              <a:t>算命</a:t>
             </a:r>
-            <a:endParaRPr b="0" lang="en-US" sz="1800" spc="-1" strike="noStrike">
+            <a:r>
+              <a:rPr lang="zh-TW" sz="1800" b="0" strike="noStrike" spc="-1" dirty="0" smtClean="0">
+                <a:solidFill>
+                  <a:srgbClr val="000000"/>
+                </a:solidFill>
+                <a:latin typeface="Calibri"/>
+              </a:rPr>
+              <a:t>資</a:t>
+            </a:r>
+            <a:r>
+              <a:rPr lang="zh-TW" altLang="en-US" sz="1800" b="0" strike="noStrike" spc="-1" dirty="0" smtClean="0">
+                <a:solidFill>
+                  <a:srgbClr val="000000"/>
+                </a:solidFill>
+                <a:latin typeface="Calibri"/>
+              </a:rPr>
+              <a:t>訊</a:t>
+            </a:r>
+            <a:endParaRPr lang="en-US" sz="1800" b="0" strike="noStrike" spc="-1" dirty="0">
               <a:latin typeface="Arial"/>
             </a:endParaRPr>
           </a:p>
@@ -2535,16 +2899,28 @@
               </a:lnSpc>
             </a:pPr>
             <a:r>
-              <a:rPr b="0" lang="en-US" sz="1800" spc="-1" strike="noStrike">
+              <a:rPr lang="zh-TW" sz="1800" b="0" strike="noStrike" spc="-1" dirty="0">
                 <a:solidFill>
                   <a:srgbClr val="000000"/>
                 </a:solidFill>
                 <a:latin typeface="Calibri"/>
               </a:rPr>
-              <a:t>+</a:t>
+              <a:t>公司</a:t>
             </a:r>
-            <a:endParaRPr b="0" lang="en-US" sz="1800" spc="-1" strike="noStrike">
-              <a:latin typeface="Arial"/>
+            <a:r>
+              <a:rPr lang="zh-TW" sz="1800" b="0" strike="noStrike" spc="-1" dirty="0" smtClean="0">
+                <a:solidFill>
+                  <a:srgbClr val="000000"/>
+                </a:solidFill>
+                <a:latin typeface="Calibri"/>
+              </a:rPr>
+              <a:t>資料</a:t>
+            </a:r>
+            <a:endParaRPr lang="en-US" altLang="zh-TW" sz="1800" b="0" strike="noStrike" spc="-1" dirty="0" smtClean="0">
+              <a:solidFill>
+                <a:srgbClr val="000000"/>
+              </a:solidFill>
+              <a:latin typeface="Calibri"/>
             </a:endParaRPr>
           </a:p>
           <a:p>
@@ -2554,15 +2930,24 @@
               </a:lnSpc>
             </a:pPr>
             <a:r>
-              <a:rPr b="0" lang="zh-TW" sz="1800" spc="-1" strike="noStrike">
+              <a:rPr lang="en-US" altLang="zh-TW" spc="-1" dirty="0" smtClean="0">
                 <a:solidFill>
                   <a:srgbClr val="000000"/>
                 </a:solidFill>
                 <a:latin typeface="Calibri"/>
               </a:rPr>
-              <a:t>公司資料</a:t>
+              <a:t>ROE</a:t>
             </a:r>
-            <a:endParaRPr b="0" lang="en-US" sz="1800" spc="-1" strike="noStrike">
+            <a:r>
+              <a:rPr lang="zh-TW" altLang="en-US" spc="-1" dirty="0" smtClean="0">
+                <a:solidFill>
+                  <a:srgbClr val="000000"/>
+                </a:solidFill>
+                <a:latin typeface="Calibri"/>
+              </a:rPr>
+              <a:t>資料</a:t>
+            </a:r>
+            <a:endParaRPr lang="en-US" sz="1800" b="0" strike="noStrike" spc="-1" dirty="0">
               <a:latin typeface="Arial"/>
             </a:endParaRPr>
           </a:p>
@@ -2583,6 +2968,7 @@
             <a:avLst/>
             <a:gdLst/>
             <a:ahLst/>
+            <a:cxnLst/>
             <a:rect l="l" t="t" r="r" b="b"/>
             <a:pathLst>
               <a:path w="21600" h="21600">
@@ -2601,7 +2987,7 @@
               <a:schemeClr val="tx1"/>
             </a:solidFill>
             <a:round/>
-            <a:tailEnd len="med" type="arrow" w="med"/>
+            <a:tailEnd type="arrow" w="med" len="med"/>
           </a:ln>
         </p:spPr>
         <p:style>
@@ -2639,7 +3025,7 @@
               <a:schemeClr val="tx1"/>
             </a:solidFill>
             <a:round/>
-            <a:tailEnd len="med" type="arrow" w="med"/>
+            <a:tailEnd type="arrow" w="med" len="med"/>
           </a:ln>
         </p:spPr>
         <p:style>
@@ -2712,15 +3098,22 @@
           </a:ln>
         </p:spPr>
         <p:style>
-          <a:lnRef idx="0"/>
-          <a:fillRef idx="0"/>
-          <a:effectRef idx="0"/>
-          <a:fontRef idx="minor"/>
-        </p:style>
-        <p:txBody>
-          <a:bodyPr wrap="none" lIns="90000" rIns="90000" tIns="45000" bIns="45000">
+          <a:lnRef idx="0">
+            <a:scrgbClr r="0" g="0" b="0"/>
+          </a:lnRef>
+          <a:fillRef idx="0">
+            <a:scrgbClr r="0" g="0" b="0"/>
+          </a:fillRef>
+          <a:effectRef idx="0">
+            <a:scrgbClr r="0" g="0" b="0"/>
+          </a:effectRef>
+          <a:fontRef idx="minor"/>
+        </p:style>
+        <p:txBody>
+          <a:bodyPr wrap="none" lIns="90000" tIns="45000" rIns="90000" bIns="45000">
             <a:spAutoFit/>
           </a:bodyPr>
+          <a:lstStyle/>
           <a:p>
             <a:pPr>
               <a:lnSpc>
@@ -2728,7 +3121,7 @@
               </a:lnSpc>
             </a:pPr>
             <a:r>
-              <a:rPr b="0" lang="zh-TW" sz="1800" spc="-1" strike="noStrike">
+              <a:rPr lang="zh-TW" sz="1800" b="0" strike="noStrike" spc="-1">
                 <a:solidFill>
                   <a:srgbClr val="000000"/>
                 </a:solidFill>
@@ -2736,7 +3129,7 @@
               </a:rPr>
               <a:t>驗證</a:t>
             </a:r>
-            <a:endParaRPr b="0" lang="en-US" sz="1800" spc="-1" strike="noStrike">
+            <a:endParaRPr lang="en-US" sz="1800" b="0" strike="noStrike" spc="-1">
               <a:latin typeface="Arial"/>
             </a:endParaRPr>
           </a:p>
@@ -2757,6 +3150,7 @@
             <a:avLst/>
             <a:gdLst/>
             <a:ahLst/>
+            <a:cxnLst/>
             <a:rect l="l" t="t" r="r" b="b"/>
             <a:pathLst>
               <a:path w="21600" h="21600">
@@ -2775,7 +3169,7 @@
               <a:schemeClr val="tx1"/>
             </a:solidFill>
             <a:round/>
-            <a:tailEnd len="med" type="arrow" w="med"/>
+            <a:tailEnd type="arrow" w="med" len="med"/>
           </a:ln>
         </p:spPr>
         <p:style>
@@ -2811,15 +3205,22 @@
           </a:ln>
         </p:spPr>
         <p:style>
-          <a:lnRef idx="0"/>
-          <a:fillRef idx="0"/>
-          <a:effectRef idx="0"/>
-          <a:fontRef idx="minor"/>
-        </p:style>
-        <p:txBody>
-          <a:bodyPr wrap="none" lIns="90000" rIns="90000" tIns="45000" bIns="45000">
+          <a:lnRef idx="0">
+            <a:scrgbClr r="0" g="0" b="0"/>
+          </a:lnRef>
+          <a:fillRef idx="0">
+            <a:scrgbClr r="0" g="0" b="0"/>
+          </a:fillRef>
+          <a:effectRef idx="0">
+            <a:scrgbClr r="0" g="0" b="0"/>
+          </a:effectRef>
+          <a:fontRef idx="minor"/>
+        </p:style>
+        <p:txBody>
+          <a:bodyPr wrap="none" lIns="90000" tIns="45000" rIns="90000" bIns="45000">
             <a:spAutoFit/>
           </a:bodyPr>
+          <a:lstStyle/>
           <a:p>
             <a:pPr>
               <a:lnSpc>
@@ -2827,7 +3228,7 @@
               </a:lnSpc>
             </a:pPr>
             <a:r>
-              <a:rPr b="0" lang="en-US" sz="1800" spc="-1" strike="noStrike">
+              <a:rPr lang="en-US" sz="1800" b="0" strike="noStrike" spc="-1">
                 <a:solidFill>
                   <a:srgbClr val="000000"/>
                 </a:solidFill>
@@ -2835,7 +3236,7 @@
               </a:rPr>
               <a:t>N</a:t>
             </a:r>
-            <a:endParaRPr b="0" lang="en-US" sz="1800" spc="-1" strike="noStrike">
+            <a:endParaRPr lang="en-US" sz="1800" b="0" strike="noStrike" spc="-1">
               <a:latin typeface="Arial"/>
             </a:endParaRPr>
           </a:p>
@@ -2861,15 +3262,22 @@
           </a:ln>
         </p:spPr>
         <p:style>
-          <a:lnRef idx="0"/>
-          <a:fillRef idx="0"/>
-          <a:effectRef idx="0"/>
-          <a:fontRef idx="minor"/>
-        </p:style>
-        <p:txBody>
-          <a:bodyPr wrap="none" lIns="90000" rIns="90000" tIns="45000" bIns="45000">
+          <a:lnRef idx="0">
+            <a:scrgbClr r="0" g="0" b="0"/>
+          </a:lnRef>
+          <a:fillRef idx="0">
+            <a:scrgbClr r="0" g="0" b="0"/>
+          </a:fillRef>
+          <a:effectRef idx="0">
+            <a:scrgbClr r="0" g="0" b="0"/>
+          </a:effectRef>
+          <a:fontRef idx="minor"/>
+        </p:style>
+        <p:txBody>
+          <a:bodyPr wrap="none" lIns="90000" tIns="45000" rIns="90000" bIns="45000">
             <a:spAutoFit/>
           </a:bodyPr>
+          <a:lstStyle/>
           <a:p>
             <a:pPr>
               <a:lnSpc>
@@ -2877,7 +3285,7 @@
               </a:lnSpc>
             </a:pPr>
             <a:r>
-              <a:rPr b="0" lang="en-US" sz="1800" spc="-1" strike="noStrike">
+              <a:rPr lang="en-US" sz="1800" b="0" strike="noStrike" spc="-1">
                 <a:solidFill>
                   <a:srgbClr val="000000"/>
                 </a:solidFill>
@@ -2885,7 +3293,7 @@
               </a:rPr>
               <a:t>Y</a:t>
             </a:r>
-            <a:endParaRPr b="0" lang="en-US" sz="1800" spc="-1" strike="noStrike">
+            <a:endParaRPr lang="en-US" sz="1800" b="0" strike="noStrike" spc="-1">
               <a:latin typeface="Arial"/>
             </a:endParaRPr>
           </a:p>
@@ -2911,15 +3319,22 @@
           </a:ln>
         </p:spPr>
         <p:style>
-          <a:lnRef idx="0"/>
-          <a:fillRef idx="0"/>
-          <a:effectRef idx="0"/>
-          <a:fontRef idx="minor"/>
-        </p:style>
-        <p:txBody>
-          <a:bodyPr wrap="none" lIns="90000" rIns="90000" tIns="45000" bIns="45000">
+          <a:lnRef idx="0">
+            <a:scrgbClr r="0" g="0" b="0"/>
+          </a:lnRef>
+          <a:fillRef idx="0">
+            <a:scrgbClr r="0" g="0" b="0"/>
+          </a:fillRef>
+          <a:effectRef idx="0">
+            <a:scrgbClr r="0" g="0" b="0"/>
+          </a:effectRef>
+          <a:fontRef idx="minor"/>
+        </p:style>
+        <p:txBody>
+          <a:bodyPr wrap="none" lIns="90000" tIns="45000" rIns="90000" bIns="45000">
             <a:spAutoFit/>
           </a:bodyPr>
+          <a:lstStyle/>
           <a:p>
             <a:pPr>
               <a:lnSpc>
@@ -2927,7 +3342,7 @@
               </a:lnSpc>
             </a:pPr>
             <a:r>
-              <a:rPr b="0" lang="en-US" sz="1800" spc="-1" strike="noStrike">
+              <a:rPr lang="en-US" sz="1800" b="0" strike="noStrike" spc="-1">
                 <a:solidFill>
                   <a:srgbClr val="000000"/>
                 </a:solidFill>
@@ -2935,7 +3350,7 @@
               </a:rPr>
               <a:t>Y</a:t>
             </a:r>
-            <a:endParaRPr b="0" lang="en-US" sz="1800" spc="-1" strike="noStrike">
+            <a:endParaRPr lang="en-US" sz="1800" b="0" strike="noStrike" spc="-1">
               <a:latin typeface="Arial"/>
             </a:endParaRPr>
           </a:p>
@@ -2998,15 +3413,22 @@
           </a:ln>
         </p:spPr>
         <p:style>
-          <a:lnRef idx="0"/>
-          <a:fillRef idx="0"/>
-          <a:effectRef idx="0"/>
-          <a:fontRef idx="minor"/>
-        </p:style>
-        <p:txBody>
-          <a:bodyPr wrap="none" lIns="90000" rIns="90000" tIns="45000" bIns="45000">
+          <a:lnRef idx="0">
+            <a:scrgbClr r="0" g="0" b="0"/>
+          </a:lnRef>
+          <a:fillRef idx="0">
+            <a:scrgbClr r="0" g="0" b="0"/>
+          </a:fillRef>
+          <a:effectRef idx="0">
+            <a:scrgbClr r="0" g="0" b="0"/>
+          </a:effectRef>
+          <a:fontRef idx="minor"/>
+        </p:style>
+        <p:txBody>
+          <a:bodyPr wrap="none" lIns="90000" tIns="45000" rIns="90000" bIns="45000">
             <a:spAutoFit/>
           </a:bodyPr>
+          <a:lstStyle/>
           <a:p>
             <a:pPr>
               <a:lnSpc>
@@ -3014,7 +3436,7 @@
               </a:lnSpc>
             </a:pPr>
             <a:r>
-              <a:rPr b="0" lang="zh-TW" sz="1800" spc="-1" strike="noStrike">
+              <a:rPr lang="zh-TW" sz="1800" b="0" strike="noStrike" spc="-1">
                 <a:solidFill>
                   <a:srgbClr val="000000"/>
                 </a:solidFill>
@@ -3022,7 +3444,7 @@
               </a:rPr>
               <a:t>存入個人資料</a:t>
             </a:r>
-            <a:endParaRPr b="0" lang="en-US" sz="1800" spc="-1" strike="noStrike">
+            <a:endParaRPr lang="en-US" sz="1800" b="0" strike="noStrike" spc="-1">
               <a:latin typeface="Arial"/>
             </a:endParaRPr>
           </a:p>
@@ -3036,12 +3458,12 @@
         </p:nvSpPr>
         <p:spPr>
           <a:xfrm flipV="1">
-            <a:off x="1763640" y="1046880"/>
-            <a:ext cx="1295640" cy="2334600"/>
+            <a:off x="1702080" y="1046880"/>
+            <a:ext cx="1357200" cy="2001600"/>
           </a:xfrm>
           <a:prstGeom prst="bentConnector3">
             <a:avLst>
-              <a:gd name="adj1" fmla="val 66534"/>
+              <a:gd name="adj1" fmla="val 67587"/>
             </a:avLst>
           </a:prstGeom>
           <a:noFill/>
@@ -3050,7 +3472,7 @@
               <a:schemeClr val="tx1"/>
             </a:solidFill>
             <a:round/>
-            <a:tailEnd len="med" type="arrow" w="med"/>
+            <a:tailEnd type="arrow" w="med" len="med"/>
           </a:ln>
         </p:spPr>
         <p:style>
@@ -3068,16 +3490,16 @@
       </p:sp>
       <p:sp>
         <p:nvSpPr>
-          <p:cNvPr id="69" name="CustomShape 30"/>
-          <p:cNvSpPr/>
-          <p:nvPr/>
-        </p:nvSpPr>
-        <p:spPr>
-          <a:xfrm>
-            <a:off x="4788000" y="1047960"/>
-            <a:ext cx="1223640" cy="652680"/>
-          </a:xfrm>
-          <a:prstGeom prst="bentConnector2">
+          <p:cNvPr id="70" name="CustomShape 31"/>
+          <p:cNvSpPr/>
+          <p:nvPr/>
+        </p:nvSpPr>
+        <p:spPr>
+          <a:xfrm>
+            <a:off x="5220264" y="764704"/>
+            <a:ext cx="1728000" cy="590760"/>
+          </a:xfrm>
+          <a:prstGeom prst="rect">
             <a:avLst/>
           </a:prstGeom>
           <a:noFill/>
@@ -3086,42 +3508,6 @@
               <a:schemeClr val="tx1"/>
             </a:solidFill>
             <a:round/>
-            <a:tailEnd len="med" type="arrow" w="med"/>
-          </a:ln>
-        </p:spPr>
-        <p:style>
-          <a:lnRef idx="1">
-            <a:schemeClr val="accent1"/>
-          </a:lnRef>
-          <a:fillRef idx="0">
-            <a:schemeClr val="accent1"/>
-          </a:fillRef>
-          <a:effectRef idx="0">
-            <a:schemeClr val="accent1"/>
-          </a:effectRef>
-          <a:fontRef idx="minor"/>
-        </p:style>
-      </p:sp>
-      <p:sp>
-        <p:nvSpPr>
-          <p:cNvPr id="70" name="CustomShape 31"/>
-          <p:cNvSpPr/>
-          <p:nvPr/>
-        </p:nvSpPr>
-        <p:spPr>
-          <a:xfrm>
-            <a:off x="5148000" y="1700640"/>
-            <a:ext cx="1728000" cy="590760"/>
-          </a:xfrm>
-          <a:prstGeom prst="rect">
-            <a:avLst/>
-          </a:prstGeom>
-          <a:noFill/>
-          <a:ln>
-            <a:solidFill>
-              <a:schemeClr val="tx1"/>
-            </a:solidFill>
-            <a:round/>
           </a:ln>
         </p:spPr>
         <p:style>
@@ -3147,8 +3533,8 @@
         </p:nvSpPr>
         <p:spPr>
           <a:xfrm>
-            <a:off x="5235480" y="1811880"/>
-            <a:ext cx="1552680" cy="364680"/>
+            <a:off x="5307744" y="875944"/>
+            <a:ext cx="1565983" cy="367878"/>
           </a:xfrm>
           <a:prstGeom prst="rect">
             <a:avLst/>
@@ -3159,15 +3545,22 @@
           </a:ln>
         </p:spPr>
         <p:style>
-          <a:lnRef idx="0"/>
-          <a:fillRef idx="0"/>
-          <a:effectRef idx="0"/>
-          <a:fontRef idx="minor"/>
-        </p:style>
-        <p:txBody>
-          <a:bodyPr wrap="none" lIns="90000" rIns="90000" tIns="45000" bIns="45000">
+          <a:lnRef idx="0">
+            <a:scrgbClr r="0" g="0" b="0"/>
+          </a:lnRef>
+          <a:fillRef idx="0">
+            <a:scrgbClr r="0" g="0" b="0"/>
+          </a:fillRef>
+          <a:effectRef idx="0">
+            <a:scrgbClr r="0" g="0" b="0"/>
+          </a:effectRef>
+          <a:fontRef idx="minor"/>
+        </p:style>
+        <p:txBody>
+          <a:bodyPr wrap="none" lIns="90000" tIns="45000" rIns="90000" bIns="45000">
             <a:spAutoFit/>
           </a:bodyPr>
+          <a:lstStyle/>
           <a:p>
             <a:pPr>
               <a:lnSpc>
@@ -3175,15 +3568,33 @@
               </a:lnSpc>
             </a:pPr>
             <a:r>
-              <a:rPr b="0" lang="zh-TW" sz="1800" spc="-1" strike="noStrike">
+              <a:rPr lang="zh-TW" altLang="en-US" spc="-1" dirty="0">
                 <a:solidFill>
                   <a:srgbClr val="000000"/>
                 </a:solidFill>
                 <a:latin typeface="Calibri"/>
               </a:rPr>
-              <a:t>對比出生資料</a:t>
+              <a:t>送交</a:t>
             </a:r>
-            <a:endParaRPr b="0" lang="en-US" sz="1800" spc="-1" strike="noStrike">
+            <a:r>
+              <a:rPr lang="zh-TW" sz="1800" b="0" strike="noStrike" spc="-1" dirty="0" smtClean="0">
+                <a:solidFill>
+                  <a:srgbClr val="000000"/>
+                </a:solidFill>
+                <a:latin typeface="Calibri"/>
+              </a:rPr>
+              <a:t>出生</a:t>
+            </a:r>
+            <a:r>
+              <a:rPr lang="zh-TW" sz="1800" b="0" strike="noStrike" spc="-1" dirty="0">
+                <a:solidFill>
+                  <a:srgbClr val="000000"/>
+                </a:solidFill>
+                <a:latin typeface="Calibri"/>
+              </a:rPr>
+              <a:t>資料</a:t>
+            </a:r>
+            <a:endParaRPr lang="en-US" sz="1800" b="0" strike="noStrike" spc="-1" dirty="0">
               <a:latin typeface="Arial"/>
             </a:endParaRPr>
           </a:p>
@@ -3191,13 +3602,13 @@
       </p:sp>
       <p:sp>
         <p:nvSpPr>
-          <p:cNvPr id="72" name="CustomShape 33"/>
-          <p:cNvSpPr/>
-          <p:nvPr/>
-        </p:nvSpPr>
-        <p:spPr>
-          <a:xfrm>
-            <a:off x="3060000" y="2457720"/>
+          <p:cNvPr id="75" name="CustomShape 36"/>
+          <p:cNvSpPr/>
+          <p:nvPr/>
+        </p:nvSpPr>
+        <p:spPr>
+          <a:xfrm>
+            <a:off x="7308496" y="764704"/>
             <a:ext cx="1728000" cy="590760"/>
           </a:xfrm>
           <a:prstGeom prst="rect">
@@ -3228,14 +3639,14 @@
       </p:sp>
       <p:sp>
         <p:nvSpPr>
-          <p:cNvPr id="73" name="CustomShape 34"/>
-          <p:cNvSpPr/>
-          <p:nvPr/>
-        </p:nvSpPr>
-        <p:spPr>
-          <a:xfrm>
-            <a:off x="3376080" y="2568600"/>
-            <a:ext cx="1095480" cy="364680"/>
+          <p:cNvPr id="76" name="CustomShape 37"/>
+          <p:cNvSpPr/>
+          <p:nvPr/>
+        </p:nvSpPr>
+        <p:spPr>
+          <a:xfrm>
+            <a:off x="7510456" y="875584"/>
+            <a:ext cx="1324080" cy="364680"/>
           </a:xfrm>
           <a:prstGeom prst="rect">
             <a:avLst/>
@@ -3246,15 +3657,22 @@
           </a:ln>
         </p:spPr>
         <p:style>
-          <a:lnRef idx="0"/>
-          <a:fillRef idx="0"/>
-          <a:effectRef idx="0"/>
-          <a:fontRef idx="minor"/>
-        </p:style>
-        <p:txBody>
-          <a:bodyPr wrap="none" lIns="90000" rIns="90000" tIns="45000" bIns="45000">
+          <a:lnRef idx="0">
+            <a:scrgbClr r="0" g="0" b="0"/>
+          </a:lnRef>
+          <a:fillRef idx="0">
+            <a:scrgbClr r="0" g="0" b="0"/>
+          </a:fillRef>
+          <a:effectRef idx="0">
+            <a:scrgbClr r="0" g="0" b="0"/>
+          </a:effectRef>
+          <a:fontRef idx="minor"/>
+        </p:style>
+        <p:txBody>
+          <a:bodyPr wrap="none" lIns="90000" tIns="45000" rIns="90000" bIns="45000">
             <a:spAutoFit/>
           </a:bodyPr>
+          <a:lstStyle/>
           <a:p>
             <a:pPr>
               <a:lnSpc>
@@ -3262,130 +3680,7 @@
               </a:lnSpc>
             </a:pPr>
             <a:r>
-              <a:rPr b="0" lang="zh-TW" sz="1800" spc="-1" strike="noStrike">
-                <a:solidFill>
-                  <a:srgbClr val="000000"/>
-                </a:solidFill>
-                <a:latin typeface="Calibri"/>
-              </a:rPr>
-              <a:t>八字資料</a:t>
-            </a:r>
-            <a:endParaRPr b="0" lang="en-US" sz="1800" spc="-1" strike="noStrike">
-              <a:latin typeface="Arial"/>
-            </a:endParaRPr>
-          </a:p>
-        </p:txBody>
-      </p:sp>
-      <p:sp>
-        <p:nvSpPr>
-          <p:cNvPr id="74" name="CustomShape 35"/>
-          <p:cNvSpPr/>
-          <p:nvPr/>
-        </p:nvSpPr>
-        <p:spPr>
-          <a:xfrm flipV="1" rot="10800000">
-            <a:off x="3924360" y="1996920"/>
-            <a:ext cx="1223640" cy="460800"/>
-          </a:xfrm>
-          <a:prstGeom prst="bentConnector2">
-            <a:avLst/>
-          </a:prstGeom>
-          <a:noFill/>
-          <a:ln>
-            <a:solidFill>
-              <a:schemeClr val="tx1"/>
-            </a:solidFill>
-            <a:round/>
-            <a:tailEnd len="med" type="arrow" w="med"/>
-          </a:ln>
-        </p:spPr>
-        <p:style>
-          <a:lnRef idx="1">
-            <a:schemeClr val="accent1"/>
-          </a:lnRef>
-          <a:fillRef idx="0">
-            <a:schemeClr val="accent1"/>
-          </a:fillRef>
-          <a:effectRef idx="0">
-            <a:schemeClr val="accent1"/>
-          </a:effectRef>
-          <a:fontRef idx="minor"/>
-        </p:style>
-      </p:sp>
-      <p:sp>
-        <p:nvSpPr>
-          <p:cNvPr id="75" name="CustomShape 36"/>
-          <p:cNvSpPr/>
-          <p:nvPr/>
-        </p:nvSpPr>
-        <p:spPr>
-          <a:xfrm>
-            <a:off x="7236360" y="2446920"/>
-            <a:ext cx="1728000" cy="590760"/>
-          </a:xfrm>
-          <a:prstGeom prst="rect">
-            <a:avLst/>
-          </a:prstGeom>
-          <a:noFill/>
-          <a:ln>
-            <a:solidFill>
-              <a:schemeClr val="tx1"/>
-            </a:solidFill>
-            <a:round/>
-          </a:ln>
-        </p:spPr>
-        <p:style>
-          <a:lnRef idx="2">
-            <a:schemeClr val="accent1">
-              <a:shade val="50000"/>
-            </a:schemeClr>
-          </a:lnRef>
-          <a:fillRef idx="1">
-            <a:schemeClr val="accent1"/>
-          </a:fillRef>
-          <a:effectRef idx="0">
-            <a:schemeClr val="accent1"/>
-          </a:effectRef>
-          <a:fontRef idx="minor"/>
-        </p:style>
-      </p:sp>
-      <p:sp>
-        <p:nvSpPr>
-          <p:cNvPr id="76" name="CustomShape 37"/>
-          <p:cNvSpPr/>
-          <p:nvPr/>
-        </p:nvSpPr>
-        <p:spPr>
-          <a:xfrm>
-            <a:off x="7438320" y="2557800"/>
-            <a:ext cx="1324080" cy="364680"/>
-          </a:xfrm>
-          <a:prstGeom prst="rect">
-            <a:avLst/>
-          </a:prstGeom>
-          <a:noFill/>
-          <a:ln w="0">
-            <a:noFill/>
-          </a:ln>
-        </p:spPr>
-        <p:style>
-          <a:lnRef idx="0"/>
-          <a:fillRef idx="0"/>
-          <a:effectRef idx="0"/>
-          <a:fontRef idx="minor"/>
-        </p:style>
-        <p:txBody>
-          <a:bodyPr wrap="none" lIns="90000" rIns="90000" tIns="45000" bIns="45000">
-            <a:spAutoFit/>
-          </a:bodyPr>
-          <a:p>
-            <a:pPr>
-              <a:lnSpc>
-                <a:spcPct val="100000"/>
-              </a:lnSpc>
-            </a:pPr>
-            <a:r>
-              <a:rPr b="0" lang="zh-TW" sz="1800" spc="-1" strike="noStrike">
+              <a:rPr lang="zh-TW" sz="1800" b="0" strike="noStrike" spc="-1">
                 <a:solidFill>
                   <a:srgbClr val="000000"/>
                 </a:solidFill>
@@ -3393,7 +3688,7 @@
               </a:rPr>
               <a:t>劍靈算命網</a:t>
             </a:r>
-            <a:endParaRPr b="0" lang="en-US" sz="1800" spc="-1" strike="noStrike">
+            <a:endParaRPr lang="en-US" sz="1800" b="0" strike="noStrike" spc="-1">
               <a:latin typeface="Arial"/>
             </a:endParaRPr>
           </a:p>
@@ -3401,73 +3696,24 @@
       </p:sp>
       <p:sp>
         <p:nvSpPr>
-          <p:cNvPr id="77" name="CustomShape 38"/>
-          <p:cNvSpPr/>
-          <p:nvPr/>
-        </p:nvSpPr>
-        <p:spPr>
-          <a:xfrm flipH="1">
-            <a:off x="4788000" y="2742480"/>
-            <a:ext cx="2448000" cy="10440"/>
-          </a:xfrm>
-          <a:custGeom>
-            <a:avLst/>
-            <a:gdLst/>
-            <a:ahLst/>
-            <a:rect l="l" t="t" r="r" b="b"/>
-            <a:pathLst>
-              <a:path w="21600" h="21600">
-                <a:moveTo>
-                  <a:pt x="0" y="0"/>
-                </a:moveTo>
-                <a:lnTo>
-                  <a:pt x="21600" y="21600"/>
-                </a:lnTo>
-              </a:path>
-            </a:pathLst>
-          </a:custGeom>
+          <p:cNvPr id="78" name="CustomShape 39"/>
+          <p:cNvSpPr/>
+          <p:nvPr/>
+        </p:nvSpPr>
+        <p:spPr>
+          <a:xfrm>
+            <a:off x="5150880" y="2288048"/>
+            <a:ext cx="1728000" cy="590760"/>
+          </a:xfrm>
+          <a:prstGeom prst="rect">
+            <a:avLst/>
+          </a:prstGeom>
           <a:noFill/>
           <a:ln>
             <a:solidFill>
               <a:schemeClr val="tx1"/>
             </a:solidFill>
             <a:round/>
-            <a:tailEnd len="med" type="arrow" w="med"/>
-          </a:ln>
-        </p:spPr>
-        <p:style>
-          <a:lnRef idx="1">
-            <a:schemeClr val="accent1"/>
-          </a:lnRef>
-          <a:fillRef idx="0">
-            <a:schemeClr val="accent1"/>
-          </a:fillRef>
-          <a:effectRef idx="0">
-            <a:schemeClr val="accent1"/>
-          </a:effectRef>
-          <a:fontRef idx="minor"/>
-        </p:style>
-      </p:sp>
-      <p:sp>
-        <p:nvSpPr>
-          <p:cNvPr id="78" name="CustomShape 39"/>
-          <p:cNvSpPr/>
-          <p:nvPr/>
-        </p:nvSpPr>
-        <p:spPr>
-          <a:xfrm>
-            <a:off x="5150880" y="3382920"/>
-            <a:ext cx="1728000" cy="590760"/>
-          </a:xfrm>
-          <a:prstGeom prst="rect">
-            <a:avLst/>
-          </a:prstGeom>
-          <a:noFill/>
-          <a:ln>
-            <a:solidFill>
-              <a:schemeClr val="tx1"/>
-            </a:solidFill>
-            <a:round/>
           </a:ln>
         </p:spPr>
         <p:style>
@@ -3493,7 +3739,7 @@
         </p:nvSpPr>
         <p:spPr>
           <a:xfrm>
-            <a:off x="5338440" y="3493800"/>
+            <a:off x="5338440" y="2398928"/>
             <a:ext cx="1324080" cy="364680"/>
           </a:xfrm>
           <a:prstGeom prst="rect">
@@ -3505,15 +3751,22 @@
           </a:ln>
         </p:spPr>
         <p:style>
-          <a:lnRef idx="0"/>
-          <a:fillRef idx="0"/>
-          <a:effectRef idx="0"/>
-          <a:fontRef idx="minor"/>
-        </p:style>
-        <p:txBody>
-          <a:bodyPr wrap="none" lIns="90000" rIns="90000" tIns="45000" bIns="45000">
+          <a:lnRef idx="0">
+            <a:scrgbClr r="0" g="0" b="0"/>
+          </a:lnRef>
+          <a:fillRef idx="0">
+            <a:scrgbClr r="0" g="0" b="0"/>
+          </a:fillRef>
+          <a:effectRef idx="0">
+            <a:scrgbClr r="0" g="0" b="0"/>
+          </a:effectRef>
+          <a:fontRef idx="minor"/>
+        </p:style>
+        <p:txBody>
+          <a:bodyPr wrap="none" lIns="90000" tIns="45000" rIns="90000" bIns="45000">
             <a:spAutoFit/>
           </a:bodyPr>
+          <a:lstStyle/>
           <a:p>
             <a:pPr>
               <a:lnSpc>
@@ -3521,7 +3774,7 @@
               </a:lnSpc>
             </a:pPr>
             <a:r>
-              <a:rPr b="0" lang="zh-TW" sz="1800" spc="-1" strike="noStrike">
+              <a:rPr lang="zh-TW" sz="1800" b="0" strike="noStrike" spc="-1">
                 <a:solidFill>
                   <a:srgbClr val="000000"/>
                 </a:solidFill>
@@ -3529,7 +3782,7 @@
               </a:rPr>
               <a:t>對比喜用神</a:t>
             </a:r>
-            <a:endParaRPr b="0" lang="en-US" sz="1800" spc="-1" strike="noStrike">
+            <a:endParaRPr lang="en-US" sz="1800" b="0" strike="noStrike" spc="-1">
               <a:latin typeface="Arial"/>
             </a:endParaRPr>
           </a:p>
@@ -3543,7 +3796,7 @@
         </p:nvSpPr>
         <p:spPr>
           <a:xfrm>
-            <a:off x="3060000" y="5141880"/>
+            <a:off x="3060000" y="4047008"/>
             <a:ext cx="1728000" cy="590760"/>
           </a:xfrm>
           <a:prstGeom prst="rect">
@@ -3580,7 +3833,7 @@
         </p:nvSpPr>
         <p:spPr>
           <a:xfrm>
-            <a:off x="3376080" y="5253120"/>
+            <a:off x="3376080" y="4158248"/>
             <a:ext cx="1095480" cy="364680"/>
           </a:xfrm>
           <a:prstGeom prst="rect">
@@ -3592,15 +3845,22 @@
           </a:ln>
         </p:spPr>
         <p:style>
-          <a:lnRef idx="0"/>
-          <a:fillRef idx="0"/>
-          <a:effectRef idx="0"/>
-          <a:fontRef idx="minor"/>
-        </p:style>
-        <p:txBody>
-          <a:bodyPr wrap="none" lIns="90000" rIns="90000" tIns="45000" bIns="45000">
+          <a:lnRef idx="0">
+            <a:scrgbClr r="0" g="0" b="0"/>
+          </a:lnRef>
+          <a:fillRef idx="0">
+            <a:scrgbClr r="0" g="0" b="0"/>
+          </a:fillRef>
+          <a:effectRef idx="0">
+            <a:scrgbClr r="0" g="0" b="0"/>
+          </a:effectRef>
+          <a:fontRef idx="minor"/>
+        </p:style>
+        <p:txBody>
+          <a:bodyPr wrap="none" lIns="90000" tIns="45000" rIns="90000" bIns="45000">
             <a:spAutoFit/>
           </a:bodyPr>
+          <a:lstStyle/>
           <a:p>
             <a:pPr>
               <a:lnSpc>
@@ -3608,7 +3868,7 @@
               </a:lnSpc>
             </a:pPr>
             <a:r>
-              <a:rPr b="0" lang="zh-TW" sz="1800" spc="-1" strike="noStrike">
+              <a:rPr lang="zh-TW" sz="1800" b="0" strike="noStrike" spc="-1">
                 <a:solidFill>
                   <a:srgbClr val="000000"/>
                 </a:solidFill>
@@ -3616,7 +3876,7 @@
               </a:rPr>
               <a:t>公司資料</a:t>
             </a:r>
-            <a:endParaRPr b="0" lang="en-US" sz="1800" spc="-1" strike="noStrike">
+            <a:endParaRPr lang="en-US" sz="1800" b="0" strike="noStrike" spc="-1">
               <a:latin typeface="Arial"/>
             </a:endParaRPr>
           </a:p>
@@ -3624,17 +3884,19 @@
       </p:sp>
       <p:sp>
         <p:nvSpPr>
-          <p:cNvPr id="82" name="CustomShape 43"/>
-          <p:cNvSpPr/>
-          <p:nvPr/>
-        </p:nvSpPr>
-        <p:spPr>
-          <a:xfrm flipH="1" rot="16200000">
-            <a:off x="4222080" y="2750040"/>
-            <a:ext cx="629280" cy="1226520"/>
-          </a:xfrm>
-          <a:prstGeom prst="bentConnector2">
-            <a:avLst/>
+          <p:cNvPr id="83" name="CustomShape 44"/>
+          <p:cNvSpPr/>
+          <p:nvPr/>
+        </p:nvSpPr>
+        <p:spPr>
+          <a:xfrm rot="5400000">
+            <a:off x="4385880" y="2417648"/>
+            <a:ext cx="1167480" cy="2090520"/>
+          </a:xfrm>
+          <a:prstGeom prst="bentConnector3">
+            <a:avLst>
+              <a:gd name="adj1" fmla="val 41433"/>
+            </a:avLst>
           </a:prstGeom>
           <a:noFill/>
           <a:ln>
@@ -3642,7 +3904,7 @@
               <a:schemeClr val="tx1"/>
             </a:solidFill>
             <a:round/>
-            <a:tailEnd len="med" type="arrow" w="med"/>
+            <a:tailEnd type="arrow" w="med" len="med"/>
           </a:ln>
         </p:spPr>
         <p:style>
@@ -3660,19 +3922,17 @@
       </p:sp>
       <p:sp>
         <p:nvSpPr>
-          <p:cNvPr id="83" name="CustomShape 44"/>
-          <p:cNvSpPr/>
-          <p:nvPr/>
-        </p:nvSpPr>
-        <p:spPr>
-          <a:xfrm rot="5400000">
-            <a:off x="4385880" y="3512520"/>
-            <a:ext cx="1167480" cy="2090520"/>
-          </a:xfrm>
-          <a:prstGeom prst="bentConnector3">
-            <a:avLst>
-              <a:gd name="adj1" fmla="val 50000"/>
-            </a:avLst>
+          <p:cNvPr id="84" name="CustomShape 45"/>
+          <p:cNvSpPr/>
+          <p:nvPr/>
+        </p:nvSpPr>
+        <p:spPr>
+          <a:xfrm>
+            <a:off x="7236360" y="2810048"/>
+            <a:ext cx="1728000" cy="590760"/>
+          </a:xfrm>
+          <a:prstGeom prst="rect">
+            <a:avLst/>
           </a:prstGeom>
           <a:noFill/>
           <a:ln>
@@ -3680,42 +3940,6 @@
               <a:schemeClr val="tx1"/>
             </a:solidFill>
             <a:round/>
-            <a:tailEnd len="med" type="arrow" w="med"/>
-          </a:ln>
-        </p:spPr>
-        <p:style>
-          <a:lnRef idx="1">
-            <a:schemeClr val="accent1"/>
-          </a:lnRef>
-          <a:fillRef idx="0">
-            <a:schemeClr val="accent1"/>
-          </a:fillRef>
-          <a:effectRef idx="0">
-            <a:schemeClr val="accent1"/>
-          </a:effectRef>
-          <a:fontRef idx="minor"/>
-        </p:style>
-      </p:sp>
-      <p:sp>
-        <p:nvSpPr>
-          <p:cNvPr id="84" name="CustomShape 45"/>
-          <p:cNvSpPr/>
-          <p:nvPr/>
-        </p:nvSpPr>
-        <p:spPr>
-          <a:xfrm>
-            <a:off x="7236360" y="3904920"/>
-            <a:ext cx="1728000" cy="590760"/>
-          </a:xfrm>
-          <a:prstGeom prst="rect">
-            <a:avLst/>
-          </a:prstGeom>
-          <a:noFill/>
-          <a:ln>
-            <a:solidFill>
-              <a:schemeClr val="tx1"/>
-            </a:solidFill>
-            <a:round/>
           </a:ln>
         </p:spPr>
         <p:style>
@@ -3741,7 +3965,7 @@
         </p:nvSpPr>
         <p:spPr>
           <a:xfrm>
-            <a:off x="7438320" y="4015800"/>
+            <a:off x="7438320" y="2920928"/>
             <a:ext cx="1324080" cy="364680"/>
           </a:xfrm>
           <a:prstGeom prst="rect">
@@ -3753,15 +3977,22 @@
           </a:ln>
         </p:spPr>
         <p:style>
-          <a:lnRef idx="0"/>
-          <a:fillRef idx="0"/>
-          <a:effectRef idx="0"/>
-          <a:fontRef idx="minor"/>
-        </p:style>
-        <p:txBody>
-          <a:bodyPr wrap="none" lIns="90000" rIns="90000" tIns="45000" bIns="45000">
+          <a:lnRef idx="0">
+            <a:scrgbClr r="0" g="0" b="0"/>
+          </a:lnRef>
+          <a:fillRef idx="0">
+            <a:scrgbClr r="0" g="0" b="0"/>
+          </a:fillRef>
+          <a:effectRef idx="0">
+            <a:scrgbClr r="0" g="0" b="0"/>
+          </a:effectRef>
+          <a:fontRef idx="minor"/>
+        </p:style>
+        <p:txBody>
+          <a:bodyPr wrap="none" lIns="90000" tIns="45000" rIns="90000" bIns="45000">
             <a:spAutoFit/>
           </a:bodyPr>
+          <a:lstStyle/>
           <a:p>
             <a:pPr>
               <a:lnSpc>
@@ -3769,7 +4000,7 @@
               </a:lnSpc>
             </a:pPr>
             <a:r>
-              <a:rPr b="0" lang="zh-TW" sz="1800" spc="-1" strike="noStrike">
+              <a:rPr lang="zh-TW" sz="1800" b="0" strike="noStrike" spc="-1">
                 <a:solidFill>
                   <a:srgbClr val="000000"/>
                 </a:solidFill>
@@ -3777,7 +4008,7 @@
               </a:rPr>
               <a:t>產業屬性表</a:t>
             </a:r>
-            <a:endParaRPr b="0" lang="en-US" sz="1800" spc="-1" strike="noStrike">
+            <a:endParaRPr lang="en-US" sz="1800" b="0" strike="noStrike" spc="-1">
               <a:latin typeface="Arial"/>
             </a:endParaRPr>
           </a:p>
@@ -3791,7 +4022,7 @@
         </p:nvSpPr>
         <p:spPr>
           <a:xfrm>
-            <a:off x="7236360" y="4822560"/>
+            <a:off x="7236360" y="4048088"/>
             <a:ext cx="1728000" cy="590760"/>
           </a:xfrm>
           <a:prstGeom prst="rect">
@@ -3828,7 +4059,7 @@
         </p:nvSpPr>
         <p:spPr>
           <a:xfrm>
-            <a:off x="7438320" y="4933440"/>
+            <a:off x="7438320" y="4158968"/>
             <a:ext cx="1324080" cy="364680"/>
           </a:xfrm>
           <a:prstGeom prst="rect">
@@ -3840,15 +4071,22 @@
           </a:ln>
         </p:spPr>
         <p:style>
-          <a:lnRef idx="0"/>
-          <a:fillRef idx="0"/>
-          <a:effectRef idx="0"/>
-          <a:fontRef idx="minor"/>
-        </p:style>
-        <p:txBody>
-          <a:bodyPr wrap="none" lIns="90000" rIns="90000" tIns="45000" bIns="45000">
+          <a:lnRef idx="0">
+            <a:scrgbClr r="0" g="0" b="0"/>
+          </a:lnRef>
+          <a:fillRef idx="0">
+            <a:scrgbClr r="0" g="0" b="0"/>
+          </a:fillRef>
+          <a:effectRef idx="0">
+            <a:scrgbClr r="0" g="0" b="0"/>
+          </a:effectRef>
+          <a:fontRef idx="minor"/>
+        </p:style>
+        <p:txBody>
+          <a:bodyPr wrap="none" lIns="90000" tIns="45000" rIns="90000" bIns="45000">
             <a:spAutoFit/>
           </a:bodyPr>
+          <a:lstStyle/>
           <a:p>
             <a:pPr>
               <a:lnSpc>
@@ -3856,7 +4094,7 @@
               </a:lnSpc>
             </a:pPr>
             <a:r>
-              <a:rPr b="0" lang="zh-TW" sz="1800" spc="-1" strike="noStrike">
+              <a:rPr lang="zh-TW" sz="1800" b="0" strike="noStrike" spc="-1">
                 <a:solidFill>
                   <a:srgbClr val="000000"/>
                 </a:solidFill>
@@ -3864,7 +4102,7 @@
               </a:rPr>
               <a:t>財報狗資料</a:t>
             </a:r>
-            <a:endParaRPr b="0" lang="en-US" sz="1800" spc="-1" strike="noStrike">
+            <a:endParaRPr lang="en-US" sz="1800" b="0" strike="noStrike" spc="-1">
               <a:latin typeface="Arial"/>
             </a:endParaRPr>
           </a:p>
@@ -3878,7 +4116,7 @@
         </p:nvSpPr>
         <p:spPr>
           <a:xfrm>
-            <a:off x="7236360" y="5698800"/>
+            <a:off x="7264872" y="5574544"/>
             <a:ext cx="1728000" cy="590760"/>
           </a:xfrm>
           <a:prstGeom prst="rect">
@@ -3915,7 +4153,7 @@
         </p:nvSpPr>
         <p:spPr>
           <a:xfrm>
-            <a:off x="7329960" y="5809680"/>
+            <a:off x="7358472" y="5685424"/>
             <a:ext cx="1540440" cy="364680"/>
           </a:xfrm>
           <a:prstGeom prst="rect">
@@ -3927,15 +4165,22 @@
           </a:ln>
         </p:spPr>
         <p:style>
-          <a:lnRef idx="0"/>
-          <a:fillRef idx="0"/>
-          <a:effectRef idx="0"/>
-          <a:fontRef idx="minor"/>
-        </p:style>
-        <p:txBody>
-          <a:bodyPr wrap="none" lIns="90000" rIns="90000" tIns="45000" bIns="45000">
+          <a:lnRef idx="0">
+            <a:scrgbClr r="0" g="0" b="0"/>
+          </a:lnRef>
+          <a:fillRef idx="0">
+            <a:scrgbClr r="0" g="0" b="0"/>
+          </a:fillRef>
+          <a:effectRef idx="0">
+            <a:scrgbClr r="0" g="0" b="0"/>
+          </a:effectRef>
+          <a:fontRef idx="minor"/>
+        </p:style>
+        <p:txBody>
+          <a:bodyPr wrap="none" lIns="90000" tIns="45000" rIns="90000" bIns="45000">
             <a:spAutoFit/>
           </a:bodyPr>
+          <a:lstStyle/>
           <a:p>
             <a:pPr>
               <a:lnSpc>
@@ -3943,7 +4188,7 @@
               </a:lnSpc>
             </a:pPr>
             <a:r>
-              <a:rPr b="0" lang="en-US" sz="1800" spc="-1" strike="noStrike">
+              <a:rPr lang="en-US" sz="1800" b="0" strike="noStrike" spc="-1">
                 <a:solidFill>
                   <a:srgbClr val="000000"/>
                 </a:solidFill>
@@ -3951,7 +4196,7 @@
               </a:rPr>
               <a:t>Goodinfo: ROE</a:t>
             </a:r>
-            <a:endParaRPr b="0" lang="en-US" sz="1800" spc="-1" strike="noStrike">
+            <a:endParaRPr lang="en-US" sz="1800" b="0" strike="noStrike" spc="-1">
               <a:latin typeface="Arial"/>
             </a:endParaRPr>
           </a:p>
@@ -3965,7 +4210,7 @@
         </p:nvSpPr>
         <p:spPr>
           <a:xfrm>
-            <a:off x="5150880" y="6165360"/>
+            <a:off x="5150880" y="6078600"/>
             <a:ext cx="1728000" cy="590760"/>
           </a:xfrm>
           <a:prstGeom prst="rect">
@@ -4002,7 +4247,7 @@
         </p:nvSpPr>
         <p:spPr>
           <a:xfrm>
-            <a:off x="5248800" y="6276240"/>
+            <a:off x="5248800" y="6189480"/>
             <a:ext cx="1532880" cy="364680"/>
           </a:xfrm>
           <a:prstGeom prst="rect">
@@ -4014,15 +4259,22 @@
           </a:ln>
         </p:spPr>
         <p:style>
-          <a:lnRef idx="0"/>
-          <a:fillRef idx="0"/>
-          <a:effectRef idx="0"/>
-          <a:fontRef idx="minor"/>
-        </p:style>
-        <p:txBody>
-          <a:bodyPr wrap="none" lIns="90000" rIns="90000" tIns="45000" bIns="45000">
+          <a:lnRef idx="0">
+            <a:scrgbClr r="0" g="0" b="0"/>
+          </a:lnRef>
+          <a:fillRef idx="0">
+            <a:scrgbClr r="0" g="0" b="0"/>
+          </a:fillRef>
+          <a:effectRef idx="0">
+            <a:scrgbClr r="0" g="0" b="0"/>
+          </a:effectRef>
+          <a:fontRef idx="minor"/>
+        </p:style>
+        <p:txBody>
+          <a:bodyPr wrap="none" lIns="90000" tIns="45000" rIns="90000" bIns="45000">
             <a:spAutoFit/>
           </a:bodyPr>
+          <a:lstStyle/>
           <a:p>
             <a:pPr>
               <a:lnSpc>
@@ -4030,7 +4282,7 @@
               </a:lnSpc>
             </a:pPr>
             <a:r>
-              <a:rPr b="0" lang="zh-TW" sz="1800" spc="-1" strike="noStrike">
+              <a:rPr lang="zh-TW" sz="1800" b="0" strike="noStrike" spc="-1">
                 <a:solidFill>
                   <a:srgbClr val="000000"/>
                 </a:solidFill>
@@ -4039,7 +4291,7 @@
               <a:t>預測下季</a:t>
             </a:r>
             <a:r>
-              <a:rPr b="0" lang="en-US" sz="1800" spc="-1" strike="noStrike">
+              <a:rPr lang="en-US" sz="1800" b="0" strike="noStrike" spc="-1">
                 <a:solidFill>
                   <a:srgbClr val="000000"/>
                 </a:solidFill>
@@ -4047,7 +4299,7 @@
               </a:rPr>
               <a:t>ROE</a:t>
             </a:r>
-            <a:endParaRPr b="0" lang="en-US" sz="1800" spc="-1" strike="noStrike">
+            <a:endParaRPr lang="en-US" sz="1800" b="0" strike="noStrike" spc="-1">
               <a:latin typeface="Arial"/>
             </a:endParaRPr>
           </a:p>
@@ -4060,13 +4312,13 @@
           <p:nvPr/>
         </p:nvSpPr>
         <p:spPr>
-          <a:xfrm flipV="1" rot="10800000">
-            <a:off x="4788360" y="4200840"/>
+          <a:xfrm rot="10800000" flipV="1">
+            <a:off x="4788360" y="3105968"/>
             <a:ext cx="2448000" cy="917280"/>
           </a:xfrm>
           <a:prstGeom prst="bentConnector3">
             <a:avLst>
-              <a:gd name="adj1" fmla="val 43581"/>
+              <a:gd name="adj1" fmla="val 14983"/>
             </a:avLst>
           </a:prstGeom>
           <a:noFill/>
@@ -4075,7 +4327,7 @@
               <a:schemeClr val="tx1"/>
             </a:solidFill>
             <a:round/>
-            <a:tailEnd len="med" type="arrow" w="med"/>
+            <a:tailEnd type="arrow" w="med" len="med"/>
           </a:ln>
         </p:spPr>
         <p:style>
@@ -4093,19 +4345,17 @@
       </p:sp>
       <p:sp>
         <p:nvSpPr>
-          <p:cNvPr id="93" name="CustomShape 54"/>
-          <p:cNvSpPr/>
-          <p:nvPr/>
-        </p:nvSpPr>
-        <p:spPr>
-          <a:xfrm flipV="1" rot="10800000">
-            <a:off x="4788360" y="5118840"/>
-            <a:ext cx="2448000" cy="318960"/>
-          </a:xfrm>
-          <a:prstGeom prst="bentConnector3">
-            <a:avLst>
-              <a:gd name="adj1" fmla="val 33076"/>
-            </a:avLst>
+          <p:cNvPr id="97" name="CustomShape 58"/>
+          <p:cNvSpPr/>
+          <p:nvPr/>
+        </p:nvSpPr>
+        <p:spPr>
+          <a:xfrm>
+            <a:off x="2195640" y="3193248"/>
+            <a:ext cx="873720" cy="667800"/>
+          </a:xfrm>
+          <a:prstGeom prst="rect">
+            <a:avLst/>
           </a:prstGeom>
           <a:noFill/>
           <a:ln>
@@ -4113,152 +4363,6 @@
               <a:schemeClr val="tx1"/>
             </a:solidFill>
             <a:round/>
-            <a:tailEnd len="med" type="arrow" w="med"/>
-          </a:ln>
-        </p:spPr>
-        <p:style>
-          <a:lnRef idx="1">
-            <a:schemeClr val="accent1"/>
-          </a:lnRef>
-          <a:fillRef idx="0">
-            <a:schemeClr val="accent1"/>
-          </a:fillRef>
-          <a:effectRef idx="0">
-            <a:schemeClr val="accent1"/>
-          </a:effectRef>
-          <a:fontRef idx="minor"/>
-        </p:style>
-      </p:sp>
-      <p:sp>
-        <p:nvSpPr>
-          <p:cNvPr id="94" name="CustomShape 55"/>
-          <p:cNvSpPr/>
-          <p:nvPr/>
-        </p:nvSpPr>
-        <p:spPr>
-          <a:xfrm rot="10800000">
-            <a:off x="4788360" y="5733000"/>
-            <a:ext cx="2448000" cy="261000"/>
-          </a:xfrm>
-          <a:prstGeom prst="bentConnector3">
-            <a:avLst>
-              <a:gd name="adj1" fmla="val 33660"/>
-            </a:avLst>
-          </a:prstGeom>
-          <a:noFill/>
-          <a:ln>
-            <a:solidFill>
-              <a:schemeClr val="tx1"/>
-            </a:solidFill>
-            <a:round/>
-            <a:tailEnd len="med" type="arrow" w="med"/>
-          </a:ln>
-        </p:spPr>
-        <p:style>
-          <a:lnRef idx="1">
-            <a:schemeClr val="accent1"/>
-          </a:lnRef>
-          <a:fillRef idx="0">
-            <a:schemeClr val="accent1"/>
-          </a:fillRef>
-          <a:effectRef idx="0">
-            <a:schemeClr val="accent1"/>
-          </a:effectRef>
-          <a:fontRef idx="minor"/>
-        </p:style>
-      </p:sp>
-      <p:sp>
-        <p:nvSpPr>
-          <p:cNvPr id="95" name="CustomShape 56"/>
-          <p:cNvSpPr/>
-          <p:nvPr/>
-        </p:nvSpPr>
-        <p:spPr>
-          <a:xfrm rot="5400000">
-            <a:off x="7404480" y="5764680"/>
-            <a:ext cx="170640" cy="1221120"/>
-          </a:xfrm>
-          <a:prstGeom prst="bentConnector2">
-            <a:avLst/>
-          </a:prstGeom>
-          <a:noFill/>
-          <a:ln>
-            <a:solidFill>
-              <a:schemeClr val="tx1"/>
-            </a:solidFill>
-            <a:round/>
-            <a:tailEnd len="med" type="arrow" w="med"/>
-          </a:ln>
-        </p:spPr>
-        <p:style>
-          <a:lnRef idx="1">
-            <a:schemeClr val="accent1"/>
-          </a:lnRef>
-          <a:fillRef idx="0">
-            <a:schemeClr val="accent1"/>
-          </a:fillRef>
-          <a:effectRef idx="0">
-            <a:schemeClr val="accent1"/>
-          </a:effectRef>
-          <a:fontRef idx="minor"/>
-        </p:style>
-      </p:sp>
-      <p:sp>
-        <p:nvSpPr>
-          <p:cNvPr id="96" name="CustomShape 57"/>
-          <p:cNvSpPr/>
-          <p:nvPr/>
-        </p:nvSpPr>
-        <p:spPr>
-          <a:xfrm rot="10800000">
-            <a:off x="3924360" y="5733720"/>
-            <a:ext cx="1226520" cy="727200"/>
-          </a:xfrm>
-          <a:prstGeom prst="bentConnector2">
-            <a:avLst/>
-          </a:prstGeom>
-          <a:noFill/>
-          <a:ln>
-            <a:solidFill>
-              <a:schemeClr val="tx1"/>
-            </a:solidFill>
-            <a:round/>
-            <a:tailEnd len="med" type="arrow" w="med"/>
-          </a:ln>
-        </p:spPr>
-        <p:style>
-          <a:lnRef idx="1">
-            <a:schemeClr val="accent1"/>
-          </a:lnRef>
-          <a:fillRef idx="0">
-            <a:schemeClr val="accent1"/>
-          </a:fillRef>
-          <a:effectRef idx="0">
-            <a:schemeClr val="accent1"/>
-          </a:effectRef>
-          <a:fontRef idx="minor"/>
-        </p:style>
-      </p:sp>
-      <p:sp>
-        <p:nvSpPr>
-          <p:cNvPr id="97" name="CustomShape 58"/>
-          <p:cNvSpPr/>
-          <p:nvPr/>
-        </p:nvSpPr>
-        <p:spPr>
-          <a:xfrm>
-            <a:off x="2195640" y="3802680"/>
-            <a:ext cx="873720" cy="667800"/>
-          </a:xfrm>
-          <a:prstGeom prst="rect">
-            <a:avLst/>
-          </a:prstGeom>
-          <a:noFill/>
-          <a:ln>
-            <a:solidFill>
-              <a:schemeClr val="tx1"/>
-            </a:solidFill>
-            <a:round/>
           </a:ln>
         </p:spPr>
         <p:style>
@@ -4284,7 +4388,7 @@
         </p:nvSpPr>
         <p:spPr>
           <a:xfrm>
-            <a:off x="2313720" y="3824280"/>
+            <a:off x="2313720" y="3214848"/>
             <a:ext cx="638280" cy="639000"/>
           </a:xfrm>
           <a:prstGeom prst="rect">
@@ -4296,15 +4400,22 @@
           </a:ln>
         </p:spPr>
         <p:style>
-          <a:lnRef idx="0"/>
-          <a:fillRef idx="0"/>
-          <a:effectRef idx="0"/>
-          <a:fontRef idx="minor"/>
-        </p:style>
-        <p:txBody>
-          <a:bodyPr wrap="none" lIns="90000" rIns="90000" tIns="45000" bIns="45000">
+          <a:lnRef idx="0">
+            <a:scrgbClr r="0" g="0" b="0"/>
+          </a:lnRef>
+          <a:fillRef idx="0">
+            <a:scrgbClr r="0" g="0" b="0"/>
+          </a:fillRef>
+          <a:effectRef idx="0">
+            <a:scrgbClr r="0" g="0" b="0"/>
+          </a:effectRef>
+          <a:fontRef idx="minor"/>
+        </p:style>
+        <p:txBody>
+          <a:bodyPr wrap="none" lIns="90000" tIns="45000" rIns="90000" bIns="45000">
             <a:spAutoFit/>
           </a:bodyPr>
+          <a:lstStyle/>
           <a:p>
             <a:pPr>
               <a:lnSpc>
@@ -4312,7 +4423,7 @@
               </a:lnSpc>
             </a:pPr>
             <a:r>
-              <a:rPr b="0" lang="zh-TW" sz="1800" spc="-1" strike="noStrike">
+              <a:rPr lang="zh-TW" sz="1800" b="0" strike="noStrike" spc="-1">
                 <a:solidFill>
                   <a:srgbClr val="000000"/>
                 </a:solidFill>
@@ -4320,7 +4431,7 @@
               </a:rPr>
               <a:t>修改</a:t>
             </a:r>
-            <a:endParaRPr b="0" lang="en-US" sz="1800" spc="-1" strike="noStrike">
+            <a:endParaRPr lang="en-US" sz="1800" b="0" strike="noStrike" spc="-1">
               <a:latin typeface="Arial"/>
             </a:endParaRPr>
           </a:p>
@@ -4331,7 +4442,7 @@
               </a:lnSpc>
             </a:pPr>
             <a:r>
-              <a:rPr b="0" lang="zh-TW" sz="1800" spc="-1" strike="noStrike">
+              <a:rPr lang="zh-TW" sz="1800" b="0" strike="noStrike" spc="-1">
                 <a:solidFill>
                   <a:srgbClr val="000000"/>
                 </a:solidFill>
@@ -4339,7 +4450,7 @@
               </a:rPr>
               <a:t>資料</a:t>
             </a:r>
-            <a:endParaRPr b="0" lang="en-US" sz="1800" spc="-1" strike="noStrike">
+            <a:endParaRPr lang="en-US" sz="1800" b="0" strike="noStrike" spc="-1">
               <a:latin typeface="Arial"/>
             </a:endParaRPr>
           </a:p>
@@ -4347,19 +4458,17 @@
       </p:sp>
       <p:sp>
         <p:nvSpPr>
-          <p:cNvPr id="99" name="CustomShape 60"/>
-          <p:cNvSpPr/>
-          <p:nvPr/>
-        </p:nvSpPr>
-        <p:spPr>
-          <a:xfrm rot="10800000">
-            <a:off x="1765800" y="5229360"/>
-            <a:ext cx="1294200" cy="208080"/>
-          </a:xfrm>
-          <a:prstGeom prst="bentConnector3">
-            <a:avLst>
-              <a:gd name="adj1" fmla="val 50000"/>
-            </a:avLst>
+          <p:cNvPr id="100" name="CustomShape 61"/>
+          <p:cNvSpPr/>
+          <p:nvPr/>
+        </p:nvSpPr>
+        <p:spPr>
+          <a:xfrm flipV="1">
+            <a:off x="1763640" y="3853848"/>
+            <a:ext cx="869220" cy="870792"/>
+          </a:xfrm>
+          <a:prstGeom prst="bentConnector2">
+            <a:avLst/>
           </a:prstGeom>
           <a:noFill/>
           <a:ln>
@@ -4367,7 +4476,7 @@
               <a:schemeClr val="tx1"/>
             </a:solidFill>
             <a:round/>
-            <a:tailEnd len="med" type="arrow" w="med"/>
+            <a:tailEnd type="arrow" w="med" len="med"/>
           </a:ln>
         </p:spPr>
         <p:style>
@@ -4385,14 +4494,14 @@
       </p:sp>
       <p:sp>
         <p:nvSpPr>
-          <p:cNvPr id="100" name="CustomShape 61"/>
-          <p:cNvSpPr/>
-          <p:nvPr/>
-        </p:nvSpPr>
-        <p:spPr>
-          <a:xfrm flipV="1">
-            <a:off x="1763640" y="4470480"/>
-            <a:ext cx="868680" cy="254160"/>
+          <p:cNvPr id="101" name="CustomShape 62"/>
+          <p:cNvSpPr/>
+          <p:nvPr/>
+        </p:nvSpPr>
+        <p:spPr>
+          <a:xfrm rot="5400000" flipH="1" flipV="1">
+            <a:off x="1772616" y="1906944"/>
+            <a:ext cx="2146008" cy="426600"/>
           </a:xfrm>
           <a:prstGeom prst="bentConnector2">
             <a:avLst/>
@@ -4403,43 +4512,7 @@
               <a:schemeClr val="tx1"/>
             </a:solidFill>
             <a:round/>
-            <a:tailEnd len="med" type="arrow" w="med"/>
-          </a:ln>
-        </p:spPr>
-        <p:style>
-          <a:lnRef idx="1">
-            <a:schemeClr val="accent1"/>
-          </a:lnRef>
-          <a:fillRef idx="0">
-            <a:schemeClr val="accent1"/>
-          </a:fillRef>
-          <a:effectRef idx="0">
-            <a:schemeClr val="accent1"/>
-          </a:effectRef>
-          <a:fontRef idx="minor"/>
-        </p:style>
-      </p:sp>
-      <p:sp>
-        <p:nvSpPr>
-          <p:cNvPr id="101" name="CustomShape 62"/>
-          <p:cNvSpPr/>
-          <p:nvPr/>
-        </p:nvSpPr>
-        <p:spPr>
-          <a:xfrm flipH="1" flipV="1" rot="5400000">
-            <a:off x="1468440" y="2211120"/>
-            <a:ext cx="2754360" cy="426600"/>
-          </a:xfrm>
-          <a:prstGeom prst="bentConnector2">
-            <a:avLst/>
-          </a:prstGeom>
-          <a:noFill/>
-          <a:ln>
-            <a:solidFill>
-              <a:schemeClr val="tx1"/>
-            </a:solidFill>
-            <a:round/>
-            <a:tailEnd len="med" type="arrow" w="med"/>
+            <a:tailEnd type="arrow" w="med" len="med"/>
           </a:ln>
         </p:spPr>
         <p:style>
@@ -4475,15 +4548,22 @@
           </a:ln>
         </p:spPr>
         <p:style>
-          <a:lnRef idx="0"/>
-          <a:fillRef idx="0"/>
-          <a:effectRef idx="0"/>
-          <a:fontRef idx="minor"/>
-        </p:style>
-        <p:txBody>
-          <a:bodyPr wrap="none" lIns="90000" rIns="90000" tIns="45000" bIns="45000">
+          <a:lnRef idx="0">
+            <a:scrgbClr r="0" g="0" b="0"/>
+          </a:lnRef>
+          <a:fillRef idx="0">
+            <a:scrgbClr r="0" g="0" b="0"/>
+          </a:fillRef>
+          <a:effectRef idx="0">
+            <a:scrgbClr r="0" g="0" b="0"/>
+          </a:effectRef>
+          <a:fontRef idx="minor"/>
+        </p:style>
+        <p:txBody>
+          <a:bodyPr wrap="none" lIns="90000" tIns="45000" rIns="90000" bIns="45000">
             <a:spAutoFit/>
           </a:bodyPr>
+          <a:lstStyle/>
           <a:p>
             <a:pPr>
               <a:lnSpc>
@@ -4491,7 +4571,7 @@
               </a:lnSpc>
             </a:pPr>
             <a:r>
-              <a:rPr b="0" lang="en-US" sz="2800" spc="-1" strike="noStrike">
+              <a:rPr lang="en-US" sz="2800" b="0" strike="noStrike" spc="-1">
                 <a:solidFill>
                   <a:srgbClr val="008000"/>
                 </a:solidFill>
@@ -4500,7 +4580,7 @@
               <a:t>Firebase </a:t>
             </a:r>
             <a:r>
-              <a:rPr b="0" lang="zh-TW" sz="2800" spc="-1" strike="noStrike">
+              <a:rPr lang="zh-TW" sz="2800" b="0" strike="noStrike" spc="-1">
                 <a:solidFill>
                   <a:srgbClr val="008000"/>
                 </a:solidFill>
@@ -4508,87 +4588,11 @@
               </a:rPr>
               <a:t>資料庫</a:t>
             </a:r>
-            <a:endParaRPr b="0" lang="en-US" sz="2800" spc="-1" strike="noStrike">
+            <a:endParaRPr lang="en-US" sz="2800" b="0" strike="noStrike" spc="-1">
               <a:latin typeface="Arial"/>
             </a:endParaRPr>
           </a:p>
         </p:txBody>
-      </p:sp>
-      <p:sp>
-        <p:nvSpPr>
-          <p:cNvPr id="103" name="CustomShape 64"/>
-          <p:cNvSpPr/>
-          <p:nvPr/>
-        </p:nvSpPr>
-        <p:spPr>
-          <a:xfrm>
-            <a:off x="2090880" y="0"/>
-            <a:ext cx="2935440" cy="6857640"/>
-          </a:xfrm>
-          <a:prstGeom prst="rect">
-            <a:avLst/>
-          </a:prstGeom>
-          <a:solidFill>
-            <a:srgbClr val="92d050">
-              <a:alpha val="40000"/>
-            </a:srgbClr>
-          </a:solidFill>
-          <a:ln>
-            <a:noFill/>
-          </a:ln>
-        </p:spPr>
-        <p:style>
-          <a:lnRef idx="2">
-            <a:schemeClr val="accent1">
-              <a:shade val="50000"/>
-            </a:schemeClr>
-          </a:lnRef>
-          <a:fillRef idx="1">
-            <a:schemeClr val="accent1"/>
-          </a:fillRef>
-          <a:effectRef idx="0">
-            <a:schemeClr val="accent1"/>
-          </a:effectRef>
-          <a:fontRef idx="minor"/>
-        </p:style>
-      </p:sp>
-      <p:sp>
-        <p:nvSpPr>
-          <p:cNvPr id="104" name="CustomShape 65"/>
-          <p:cNvSpPr/>
-          <p:nvPr/>
-        </p:nvSpPr>
-        <p:spPr>
-          <a:xfrm>
-            <a:off x="5026680" y="0"/>
-            <a:ext cx="2065320" cy="6857640"/>
-          </a:xfrm>
-          <a:prstGeom prst="rect">
-            <a:avLst/>
-          </a:prstGeom>
-          <a:solidFill>
-            <a:srgbClr val="00b0f0">
-              <a:alpha val="40000"/>
-            </a:srgbClr>
-          </a:solidFill>
-          <a:ln>
-            <a:noFill/>
-          </a:ln>
-        </p:spPr>
-        <p:style>
-          <a:lnRef idx="2">
-            <a:schemeClr val="accent1">
-              <a:shade val="50000"/>
-            </a:schemeClr>
-          </a:lnRef>
-          <a:fillRef idx="1">
-            <a:schemeClr val="accent1"/>
-          </a:fillRef>
-          <a:effectRef idx="0">
-            <a:schemeClr val="accent1"/>
-          </a:effectRef>
-          <a:fontRef idx="minor"/>
-        </p:style>
       </p:sp>
       <p:sp>
         <p:nvSpPr>
@@ -4610,15 +4614,22 @@
           </a:ln>
         </p:spPr>
         <p:style>
-          <a:lnRef idx="0"/>
-          <a:fillRef idx="0"/>
-          <a:effectRef idx="0"/>
-          <a:fontRef idx="minor"/>
-        </p:style>
-        <p:txBody>
-          <a:bodyPr wrap="none" lIns="90000" rIns="90000" tIns="45000" bIns="45000">
+          <a:lnRef idx="0">
+            <a:scrgbClr r="0" g="0" b="0"/>
+          </a:lnRef>
+          <a:fillRef idx="0">
+            <a:scrgbClr r="0" g="0" b="0"/>
+          </a:fillRef>
+          <a:effectRef idx="0">
+            <a:scrgbClr r="0" g="0" b="0"/>
+          </a:effectRef>
+          <a:fontRef idx="minor"/>
+        </p:style>
+        <p:txBody>
+          <a:bodyPr wrap="none" lIns="90000" tIns="45000" rIns="90000" bIns="45000">
             <a:spAutoFit/>
           </a:bodyPr>
+          <a:lstStyle/>
           <a:p>
             <a:pPr>
               <a:lnSpc>
@@ -4626,15 +4637,15 @@
               </a:lnSpc>
             </a:pPr>
             <a:r>
-              <a:rPr b="0" lang="zh-TW" sz="2800" spc="-1" strike="noStrike">
+              <a:rPr lang="zh-TW" sz="2800" b="0" strike="noStrike" spc="-1">
                 <a:solidFill>
-                  <a:srgbClr val="0033cc"/>
+                  <a:srgbClr val="0033CC"/>
                 </a:solidFill>
                 <a:latin typeface="Calibri"/>
               </a:rPr>
               <a:t>計算比對</a:t>
             </a:r>
-            <a:endParaRPr b="0" lang="en-US" sz="2800" spc="-1" strike="noStrike">
+            <a:endParaRPr lang="en-US" sz="2800" b="0" strike="noStrike" spc="-1">
               <a:latin typeface="Arial"/>
             </a:endParaRPr>
           </a:p>
@@ -4660,15 +4671,22 @@
           </a:ln>
         </p:spPr>
         <p:style>
-          <a:lnRef idx="0"/>
-          <a:fillRef idx="0"/>
-          <a:effectRef idx="0"/>
-          <a:fontRef idx="minor"/>
-        </p:style>
-        <p:txBody>
-          <a:bodyPr wrap="none" lIns="90000" rIns="90000" tIns="45000" bIns="45000">
+          <a:lnRef idx="0">
+            <a:scrgbClr r="0" g="0" b="0"/>
+          </a:lnRef>
+          <a:fillRef idx="0">
+            <a:scrgbClr r="0" g="0" b="0"/>
+          </a:fillRef>
+          <a:effectRef idx="0">
+            <a:scrgbClr r="0" g="0" b="0"/>
+          </a:effectRef>
+          <a:fontRef idx="minor"/>
+        </p:style>
+        <p:txBody>
+          <a:bodyPr wrap="none" lIns="90000" tIns="45000" rIns="90000" bIns="45000">
             <a:spAutoFit/>
           </a:bodyPr>
+          <a:lstStyle/>
           <a:p>
             <a:pPr>
               <a:lnSpc>
@@ -4676,43 +4694,117 @@
               </a:lnSpc>
             </a:pPr>
             <a:r>
-              <a:rPr b="0" lang="zh-TW" sz="2800" spc="-1" strike="noStrike">
+              <a:rPr lang="zh-TW" sz="2800" b="0" strike="noStrike" spc="-1">
                 <a:solidFill>
-                  <a:srgbClr val="ff3300"/>
+                  <a:srgbClr val="FF3300"/>
                 </a:solidFill>
                 <a:latin typeface="Calibri"/>
               </a:rPr>
               <a:t>資料來源</a:t>
             </a:r>
-            <a:endParaRPr b="0" lang="en-US" sz="2800" spc="-1" strike="noStrike">
+            <a:endParaRPr lang="en-US" sz="2800" b="0" strike="noStrike" spc="-1">
               <a:latin typeface="Arial"/>
             </a:endParaRPr>
           </a:p>
         </p:txBody>
       </p:sp>
-      <p:sp>
-        <p:nvSpPr>
-          <p:cNvPr id="107" name="CustomShape 68"/>
-          <p:cNvSpPr/>
-          <p:nvPr/>
-        </p:nvSpPr>
-        <p:spPr>
-          <a:xfrm>
-            <a:off x="7092000" y="0"/>
-            <a:ext cx="2065320" cy="6857640"/>
-          </a:xfrm>
-          <a:prstGeom prst="rect">
-            <a:avLst/>
-          </a:prstGeom>
-          <a:solidFill>
-            <a:schemeClr val="accent6">
-              <a:lumMod val="60000"/>
-              <a:lumOff val="40000"/>
-              <a:alpha val="40000"/>
-            </a:schemeClr>
-          </a:solidFill>
+      <p:cxnSp>
+        <p:nvCxnSpPr>
+          <p:cNvPr id="10" name="直線單箭頭接點 9"/>
+          <p:cNvCxnSpPr>
+            <a:stCxn id="66" idx="3"/>
+          </p:cNvCxnSpPr>
+          <p:nvPr/>
+        </p:nvCxnSpPr>
+        <p:spPr>
+          <a:xfrm flipV="1">
+            <a:off x="4788000" y="1045620"/>
+            <a:ext cx="432264" cy="2160"/>
+          </a:xfrm>
+          <a:prstGeom prst="straightConnector1">
+            <a:avLst/>
+          </a:prstGeom>
           <a:ln>
-            <a:noFill/>
+            <a:solidFill>
+              <a:schemeClr val="tx1"/>
+            </a:solidFill>
+            <a:tailEnd type="arrow"/>
+          </a:ln>
+        </p:spPr>
+        <p:style>
+          <a:lnRef idx="1">
+            <a:schemeClr val="accent1"/>
+          </a:lnRef>
+          <a:fillRef idx="0">
+            <a:schemeClr val="accent1"/>
+          </a:fillRef>
+          <a:effectRef idx="0">
+            <a:schemeClr val="accent1"/>
+          </a:effectRef>
+          <a:fontRef idx="minor">
+            <a:schemeClr val="tx1"/>
+          </a:fontRef>
+        </p:style>
+      </p:cxnSp>
+      <p:cxnSp>
+        <p:nvCxnSpPr>
+          <p:cNvPr id="13" name="直線單箭頭接點 12"/>
+          <p:cNvCxnSpPr>
+            <a:stCxn id="70" idx="3"/>
+            <a:endCxn id="75" idx="1"/>
+          </p:cNvCxnSpPr>
+          <p:nvPr/>
+        </p:nvCxnSpPr>
+        <p:spPr>
+          <a:xfrm>
+            <a:off x="6948264" y="1060084"/>
+            <a:ext cx="360232" cy="0"/>
+          </a:xfrm>
+          <a:prstGeom prst="straightConnector1">
+            <a:avLst/>
+          </a:prstGeom>
+          <a:ln>
+            <a:solidFill>
+              <a:schemeClr val="tx1"/>
+            </a:solidFill>
+            <a:tailEnd type="arrow"/>
+          </a:ln>
+        </p:spPr>
+        <p:style>
+          <a:lnRef idx="1">
+            <a:schemeClr val="accent1"/>
+          </a:lnRef>
+          <a:fillRef idx="0">
+            <a:schemeClr val="accent1"/>
+          </a:fillRef>
+          <a:effectRef idx="0">
+            <a:schemeClr val="accent1"/>
+          </a:effectRef>
+          <a:fontRef idx="minor">
+            <a:schemeClr val="tx1"/>
+          </a:fontRef>
+        </p:style>
+      </p:cxnSp>
+      <p:sp>
+        <p:nvSpPr>
+          <p:cNvPr id="109" name="CustomShape 39"/>
+          <p:cNvSpPr/>
+          <p:nvPr/>
+        </p:nvSpPr>
+        <p:spPr>
+          <a:xfrm>
+            <a:off x="5220072" y="1470088"/>
+            <a:ext cx="1728000" cy="590760"/>
+          </a:xfrm>
+          <a:prstGeom prst="rect">
+            <a:avLst/>
+          </a:prstGeom>
+          <a:noFill/>
+          <a:ln>
+            <a:solidFill>
+              <a:schemeClr val="tx1"/>
+            </a:solidFill>
+            <a:round/>
           </a:ln>
         </p:spPr>
         <p:style>
@@ -4730,13 +4822,721 @@
           <a:fontRef idx="minor"/>
         </p:style>
       </p:sp>
+      <p:sp>
+        <p:nvSpPr>
+          <p:cNvPr id="110" name="CustomShape 40"/>
+          <p:cNvSpPr/>
+          <p:nvPr/>
+        </p:nvSpPr>
+        <p:spPr>
+          <a:xfrm>
+            <a:off x="5407632" y="1580968"/>
+            <a:ext cx="1335279" cy="367878"/>
+          </a:xfrm>
+          <a:prstGeom prst="rect">
+            <a:avLst/>
+          </a:prstGeom>
+          <a:noFill/>
+          <a:ln w="0">
+            <a:noFill/>
+          </a:ln>
+        </p:spPr>
+        <p:style>
+          <a:lnRef idx="0">
+            <a:scrgbClr r="0" g="0" b="0"/>
+          </a:lnRef>
+          <a:fillRef idx="0">
+            <a:scrgbClr r="0" g="0" b="0"/>
+          </a:fillRef>
+          <a:effectRef idx="0">
+            <a:scrgbClr r="0" g="0" b="0"/>
+          </a:effectRef>
+          <a:fontRef idx="minor"/>
+        </p:style>
+        <p:txBody>
+          <a:bodyPr wrap="none" lIns="90000" tIns="45000" rIns="90000" bIns="45000">
+            <a:spAutoFit/>
+          </a:bodyPr>
+          <a:lstStyle/>
+          <a:p>
+            <a:pPr>
+              <a:lnSpc>
+                <a:spcPct val="100000"/>
+              </a:lnSpc>
+            </a:pPr>
+            <a:r>
+              <a:rPr lang="zh-TW" altLang="en-US" sz="1800" b="0" strike="noStrike" spc="-1" dirty="0" smtClean="0">
+                <a:solidFill>
+                  <a:srgbClr val="000000"/>
+                </a:solidFill>
+                <a:latin typeface="Calibri"/>
+              </a:rPr>
+              <a:t>存入</a:t>
+            </a:r>
+            <a:r>
+              <a:rPr lang="zh-TW" sz="1800" b="0" strike="noStrike" spc="-1" dirty="0" smtClean="0">
+                <a:solidFill>
+                  <a:srgbClr val="000000"/>
+                </a:solidFill>
+                <a:latin typeface="Calibri"/>
+              </a:rPr>
+              <a:t>喜</a:t>
+            </a:r>
+            <a:r>
+              <a:rPr lang="zh-TW" sz="1800" b="0" strike="noStrike" spc="-1" dirty="0">
+                <a:solidFill>
+                  <a:srgbClr val="000000"/>
+                </a:solidFill>
+                <a:latin typeface="Calibri"/>
+              </a:rPr>
+              <a:t>用神</a:t>
+            </a:r>
+            <a:endParaRPr lang="en-US" sz="1800" b="0" strike="noStrike" spc="-1" dirty="0">
+              <a:latin typeface="Arial"/>
+            </a:endParaRPr>
+          </a:p>
+        </p:txBody>
+      </p:sp>
+      <p:cxnSp>
+        <p:nvCxnSpPr>
+          <p:cNvPr id="17" name="肘形接點 16"/>
+          <p:cNvCxnSpPr>
+            <a:stCxn id="75" idx="2"/>
+            <a:endCxn id="109" idx="3"/>
+          </p:cNvCxnSpPr>
+          <p:nvPr/>
+        </p:nvCxnSpPr>
+        <p:spPr>
+          <a:xfrm rot="5400000">
+            <a:off x="7355282" y="948254"/>
+            <a:ext cx="410004" cy="1224424"/>
+          </a:xfrm>
+          <a:prstGeom prst="bentConnector2">
+            <a:avLst/>
+          </a:prstGeom>
+          <a:ln>
+            <a:solidFill>
+              <a:schemeClr val="tx1"/>
+            </a:solidFill>
+            <a:tailEnd type="arrow"/>
+          </a:ln>
+        </p:spPr>
+        <p:style>
+          <a:lnRef idx="1">
+            <a:schemeClr val="accent1"/>
+          </a:lnRef>
+          <a:fillRef idx="0">
+            <a:schemeClr val="accent1"/>
+          </a:fillRef>
+          <a:effectRef idx="0">
+            <a:schemeClr val="accent1"/>
+          </a:effectRef>
+          <a:fontRef idx="minor">
+            <a:schemeClr val="tx1"/>
+          </a:fontRef>
+        </p:style>
+      </p:cxnSp>
+      <p:cxnSp>
+        <p:nvCxnSpPr>
+          <p:cNvPr id="20" name="肘形接點 19"/>
+          <p:cNvCxnSpPr>
+            <a:stCxn id="109" idx="1"/>
+            <a:endCxn id="66" idx="2"/>
+          </p:cNvCxnSpPr>
+          <p:nvPr/>
+        </p:nvCxnSpPr>
+        <p:spPr>
+          <a:xfrm rot="10800000">
+            <a:off x="3924000" y="1343160"/>
+            <a:ext cx="1296072" cy="422308"/>
+          </a:xfrm>
+          <a:prstGeom prst="bentConnector2">
+            <a:avLst/>
+          </a:prstGeom>
+          <a:ln>
+            <a:solidFill>
+              <a:schemeClr val="tx1"/>
+            </a:solidFill>
+            <a:tailEnd type="arrow"/>
+          </a:ln>
+        </p:spPr>
+        <p:style>
+          <a:lnRef idx="1">
+            <a:schemeClr val="accent1"/>
+          </a:lnRef>
+          <a:fillRef idx="0">
+            <a:schemeClr val="accent1"/>
+          </a:fillRef>
+          <a:effectRef idx="0">
+            <a:schemeClr val="accent1"/>
+          </a:effectRef>
+          <a:fontRef idx="minor">
+            <a:schemeClr val="tx1"/>
+          </a:fontRef>
+        </p:style>
+      </p:cxnSp>
+      <p:cxnSp>
+        <p:nvCxnSpPr>
+          <p:cNvPr id="23" name="肘形接點 22"/>
+          <p:cNvCxnSpPr/>
+          <p:nvPr/>
+        </p:nvCxnSpPr>
+        <p:spPr>
+          <a:xfrm>
+            <a:off x="3058920" y="1343160"/>
+            <a:ext cx="2091960" cy="1221840"/>
+          </a:xfrm>
+          <a:prstGeom prst="bentConnector3">
+            <a:avLst>
+              <a:gd name="adj1" fmla="val 143"/>
+            </a:avLst>
+          </a:prstGeom>
+          <a:ln>
+            <a:solidFill>
+              <a:schemeClr val="tx1"/>
+            </a:solidFill>
+            <a:tailEnd type="arrow"/>
+          </a:ln>
+        </p:spPr>
+        <p:style>
+          <a:lnRef idx="1">
+            <a:schemeClr val="accent1"/>
+          </a:lnRef>
+          <a:fillRef idx="0">
+            <a:schemeClr val="accent1"/>
+          </a:fillRef>
+          <a:effectRef idx="0">
+            <a:schemeClr val="accent1"/>
+          </a:effectRef>
+          <a:fontRef idx="minor">
+            <a:schemeClr val="tx1"/>
+          </a:fontRef>
+        </p:style>
+      </p:cxnSp>
+      <p:sp>
+        <p:nvSpPr>
+          <p:cNvPr id="111" name="CustomShape 41"/>
+          <p:cNvSpPr/>
+          <p:nvPr/>
+        </p:nvSpPr>
+        <p:spPr>
+          <a:xfrm>
+            <a:off x="3059832" y="5574544"/>
+            <a:ext cx="1728000" cy="590760"/>
+          </a:xfrm>
+          <a:prstGeom prst="rect">
+            <a:avLst/>
+          </a:prstGeom>
+          <a:noFill/>
+          <a:ln>
+            <a:solidFill>
+              <a:schemeClr val="tx1"/>
+            </a:solidFill>
+            <a:round/>
+          </a:ln>
+        </p:spPr>
+        <p:style>
+          <a:lnRef idx="2">
+            <a:schemeClr val="accent1">
+              <a:shade val="50000"/>
+            </a:schemeClr>
+          </a:lnRef>
+          <a:fillRef idx="1">
+            <a:schemeClr val="accent1"/>
+          </a:fillRef>
+          <a:effectRef idx="0">
+            <a:schemeClr val="accent1"/>
+          </a:effectRef>
+          <a:fontRef idx="minor"/>
+        </p:style>
+      </p:sp>
+      <p:sp>
+        <p:nvSpPr>
+          <p:cNvPr id="112" name="CustomShape 42"/>
+          <p:cNvSpPr/>
+          <p:nvPr/>
+        </p:nvSpPr>
+        <p:spPr>
+          <a:xfrm>
+            <a:off x="3375912" y="5685784"/>
+            <a:ext cx="1030067" cy="367878"/>
+          </a:xfrm>
+          <a:prstGeom prst="rect">
+            <a:avLst/>
+          </a:prstGeom>
+          <a:noFill/>
+          <a:ln w="0">
+            <a:noFill/>
+          </a:ln>
+        </p:spPr>
+        <p:style>
+          <a:lnRef idx="0">
+            <a:scrgbClr r="0" g="0" b="0"/>
+          </a:lnRef>
+          <a:fillRef idx="0">
+            <a:scrgbClr r="0" g="0" b="0"/>
+          </a:fillRef>
+          <a:effectRef idx="0">
+            <a:scrgbClr r="0" g="0" b="0"/>
+          </a:effectRef>
+          <a:fontRef idx="minor"/>
+        </p:style>
+        <p:txBody>
+          <a:bodyPr wrap="none" lIns="90000" tIns="45000" rIns="90000" bIns="45000">
+            <a:spAutoFit/>
+          </a:bodyPr>
+          <a:lstStyle/>
+          <a:p>
+            <a:pPr>
+              <a:lnSpc>
+                <a:spcPct val="100000"/>
+              </a:lnSpc>
+            </a:pPr>
+            <a:r>
+              <a:rPr lang="en-US" altLang="zh-TW" spc="-1" dirty="0" smtClean="0">
+                <a:solidFill>
+                  <a:srgbClr val="000000"/>
+                </a:solidFill>
+                <a:latin typeface="Calibri"/>
+              </a:rPr>
+              <a:t>ROE</a:t>
+            </a:r>
+            <a:r>
+              <a:rPr lang="zh-TW" sz="1800" b="0" strike="noStrike" spc="-1" dirty="0" smtClean="0">
+                <a:solidFill>
+                  <a:srgbClr val="000000"/>
+                </a:solidFill>
+                <a:latin typeface="Calibri"/>
+              </a:rPr>
+              <a:t>資料</a:t>
+            </a:r>
+            <a:endParaRPr lang="en-US" sz="1800" b="0" strike="noStrike" spc="-1" dirty="0">
+              <a:latin typeface="Arial"/>
+            </a:endParaRPr>
+          </a:p>
+        </p:txBody>
+      </p:sp>
+      <p:cxnSp>
+        <p:nvCxnSpPr>
+          <p:cNvPr id="30" name="肘形接點 29"/>
+          <p:cNvCxnSpPr>
+            <a:stCxn id="88" idx="2"/>
+            <a:endCxn id="90" idx="3"/>
+          </p:cNvCxnSpPr>
+          <p:nvPr/>
+        </p:nvCxnSpPr>
+        <p:spPr>
+          <a:xfrm rot="5400000">
+            <a:off x="7399538" y="5644646"/>
+            <a:ext cx="208676" cy="1249992"/>
+          </a:xfrm>
+          <a:prstGeom prst="bentConnector2">
+            <a:avLst/>
+          </a:prstGeom>
+          <a:ln>
+            <a:solidFill>
+              <a:schemeClr val="tx1"/>
+            </a:solidFill>
+            <a:tailEnd type="arrow"/>
+          </a:ln>
+        </p:spPr>
+        <p:style>
+          <a:lnRef idx="1">
+            <a:schemeClr val="accent1"/>
+          </a:lnRef>
+          <a:fillRef idx="0">
+            <a:schemeClr val="accent1"/>
+          </a:fillRef>
+          <a:effectRef idx="0">
+            <a:schemeClr val="accent1"/>
+          </a:effectRef>
+          <a:fontRef idx="minor">
+            <a:schemeClr val="tx1"/>
+          </a:fontRef>
+        </p:style>
+      </p:cxnSp>
+      <p:cxnSp>
+        <p:nvCxnSpPr>
+          <p:cNvPr id="33" name="肘形接點 32"/>
+          <p:cNvCxnSpPr>
+            <a:stCxn id="88" idx="1"/>
+            <a:endCxn id="111" idx="3"/>
+          </p:cNvCxnSpPr>
+          <p:nvPr/>
+        </p:nvCxnSpPr>
+        <p:spPr>
+          <a:xfrm rot="10800000">
+            <a:off x="4787832" y="5869924"/>
+            <a:ext cx="2477040" cy="12700"/>
+          </a:xfrm>
+          <a:prstGeom prst="bentConnector3">
+            <a:avLst>
+              <a:gd name="adj1" fmla="val 50000"/>
+            </a:avLst>
+          </a:prstGeom>
+          <a:ln>
+            <a:solidFill>
+              <a:schemeClr val="tx1"/>
+            </a:solidFill>
+            <a:tailEnd type="arrow"/>
+          </a:ln>
+        </p:spPr>
+        <p:style>
+          <a:lnRef idx="1">
+            <a:schemeClr val="accent1"/>
+          </a:lnRef>
+          <a:fillRef idx="0">
+            <a:schemeClr val="accent1"/>
+          </a:fillRef>
+          <a:effectRef idx="0">
+            <a:schemeClr val="accent1"/>
+          </a:effectRef>
+          <a:fontRef idx="minor">
+            <a:schemeClr val="tx1"/>
+          </a:fontRef>
+        </p:style>
+      </p:cxnSp>
+      <p:cxnSp>
+        <p:nvCxnSpPr>
+          <p:cNvPr id="39" name="肘形接點 38"/>
+          <p:cNvCxnSpPr>
+            <a:stCxn id="111" idx="1"/>
+            <a:endCxn id="56" idx="3"/>
+          </p:cNvCxnSpPr>
+          <p:nvPr/>
+        </p:nvCxnSpPr>
+        <p:spPr>
+          <a:xfrm rot="10800000">
+            <a:off x="1764720" y="5228820"/>
+            <a:ext cx="1295112" cy="641104"/>
+          </a:xfrm>
+          <a:prstGeom prst="bentConnector3">
+            <a:avLst>
+              <a:gd name="adj1" fmla="val 1460"/>
+            </a:avLst>
+          </a:prstGeom>
+          <a:ln>
+            <a:solidFill>
+              <a:schemeClr val="tx1"/>
+            </a:solidFill>
+            <a:tailEnd type="arrow"/>
+          </a:ln>
+        </p:spPr>
+        <p:style>
+          <a:lnRef idx="1">
+            <a:schemeClr val="accent1"/>
+          </a:lnRef>
+          <a:fillRef idx="0">
+            <a:schemeClr val="accent1"/>
+          </a:fillRef>
+          <a:effectRef idx="0">
+            <a:schemeClr val="accent1"/>
+          </a:effectRef>
+          <a:fontRef idx="minor">
+            <a:schemeClr val="tx1"/>
+          </a:fontRef>
+        </p:style>
+      </p:cxnSp>
+      <p:cxnSp>
+        <p:nvCxnSpPr>
+          <p:cNvPr id="116" name="肘形接點 115"/>
+          <p:cNvCxnSpPr>
+            <a:stCxn id="80" idx="1"/>
+            <a:endCxn id="57" idx="3"/>
+          </p:cNvCxnSpPr>
+          <p:nvPr/>
+        </p:nvCxnSpPr>
+        <p:spPr>
+          <a:xfrm rot="10800000" flipV="1">
+            <a:off x="1775748" y="4342388"/>
+            <a:ext cx="1284253" cy="865150"/>
+          </a:xfrm>
+          <a:prstGeom prst="bentConnector3">
+            <a:avLst>
+              <a:gd name="adj1" fmla="val -63"/>
+            </a:avLst>
+          </a:prstGeom>
+          <a:ln>
+            <a:solidFill>
+              <a:schemeClr val="tx1"/>
+            </a:solidFill>
+            <a:tailEnd type="arrow"/>
+          </a:ln>
+        </p:spPr>
+        <p:style>
+          <a:lnRef idx="1">
+            <a:schemeClr val="accent1"/>
+          </a:lnRef>
+          <a:fillRef idx="0">
+            <a:schemeClr val="accent1"/>
+          </a:fillRef>
+          <a:effectRef idx="0">
+            <a:schemeClr val="accent1"/>
+          </a:effectRef>
+          <a:fontRef idx="minor">
+            <a:schemeClr val="tx1"/>
+          </a:fontRef>
+        </p:style>
+      </p:cxnSp>
+      <p:cxnSp>
+        <p:nvCxnSpPr>
+          <p:cNvPr id="123" name="肘形接點 122"/>
+          <p:cNvCxnSpPr>
+            <a:stCxn id="90" idx="1"/>
+            <a:endCxn id="111" idx="2"/>
+          </p:cNvCxnSpPr>
+          <p:nvPr/>
+        </p:nvCxnSpPr>
+        <p:spPr>
+          <a:xfrm rot="10800000">
+            <a:off x="3923832" y="6165304"/>
+            <a:ext cx="1227048" cy="208676"/>
+          </a:xfrm>
+          <a:prstGeom prst="bentConnector2">
+            <a:avLst/>
+          </a:prstGeom>
+          <a:ln>
+            <a:solidFill>
+              <a:schemeClr val="tx1"/>
+            </a:solidFill>
+            <a:tailEnd type="arrow"/>
+          </a:ln>
+        </p:spPr>
+        <p:style>
+          <a:lnRef idx="1">
+            <a:schemeClr val="accent1"/>
+          </a:lnRef>
+          <a:fillRef idx="0">
+            <a:schemeClr val="accent1"/>
+          </a:fillRef>
+          <a:effectRef idx="0">
+            <a:schemeClr val="accent1"/>
+          </a:effectRef>
+          <a:fontRef idx="minor">
+            <a:schemeClr val="tx1"/>
+          </a:fontRef>
+        </p:style>
+      </p:cxnSp>
+      <p:sp>
+        <p:nvSpPr>
+          <p:cNvPr id="124" name="CustomShape 39"/>
+          <p:cNvSpPr/>
+          <p:nvPr/>
+        </p:nvSpPr>
+        <p:spPr>
+          <a:xfrm>
+            <a:off x="5195340" y="4926472"/>
+            <a:ext cx="1728000" cy="590760"/>
+          </a:xfrm>
+          <a:prstGeom prst="rect">
+            <a:avLst/>
+          </a:prstGeom>
+          <a:noFill/>
+          <a:ln>
+            <a:solidFill>
+              <a:schemeClr val="tx1"/>
+            </a:solidFill>
+            <a:round/>
+          </a:ln>
+        </p:spPr>
+        <p:style>
+          <a:lnRef idx="2">
+            <a:schemeClr val="accent1">
+              <a:shade val="50000"/>
+            </a:schemeClr>
+          </a:lnRef>
+          <a:fillRef idx="1">
+            <a:schemeClr val="accent1"/>
+          </a:fillRef>
+          <a:effectRef idx="0">
+            <a:schemeClr val="accent1"/>
+          </a:effectRef>
+          <a:fontRef idx="minor"/>
+        </p:style>
+      </p:sp>
+      <p:sp>
+        <p:nvSpPr>
+          <p:cNvPr id="125" name="CustomShape 40"/>
+          <p:cNvSpPr/>
+          <p:nvPr/>
+        </p:nvSpPr>
+        <p:spPr>
+          <a:xfrm>
+            <a:off x="5281697" y="5037352"/>
+            <a:ext cx="1565983" cy="367878"/>
+          </a:xfrm>
+          <a:prstGeom prst="rect">
+            <a:avLst/>
+          </a:prstGeom>
+          <a:noFill/>
+          <a:ln w="0">
+            <a:noFill/>
+          </a:ln>
+        </p:spPr>
+        <p:style>
+          <a:lnRef idx="0">
+            <a:scrgbClr r="0" g="0" b="0"/>
+          </a:lnRef>
+          <a:fillRef idx="0">
+            <a:scrgbClr r="0" g="0" b="0"/>
+          </a:fillRef>
+          <a:effectRef idx="0">
+            <a:scrgbClr r="0" g="0" b="0"/>
+          </a:effectRef>
+          <a:fontRef idx="minor"/>
+        </p:style>
+        <p:txBody>
+          <a:bodyPr wrap="none" lIns="90000" tIns="45000" rIns="90000" bIns="45000">
+            <a:spAutoFit/>
+          </a:bodyPr>
+          <a:lstStyle/>
+          <a:p>
+            <a:pPr>
+              <a:lnSpc>
+                <a:spcPct val="100000"/>
+              </a:lnSpc>
+            </a:pPr>
+            <a:r>
+              <a:rPr lang="zh-TW" altLang="en-US" sz="1800" b="0" strike="noStrike" spc="-1" dirty="0" smtClean="0">
+                <a:latin typeface="Arial"/>
+              </a:rPr>
+              <a:t>擷取算命資訊</a:t>
+            </a:r>
+            <a:endParaRPr lang="en-US" sz="1800" b="0" strike="noStrike" spc="-1" dirty="0">
+              <a:latin typeface="Arial"/>
+            </a:endParaRPr>
+          </a:p>
+        </p:txBody>
+      </p:sp>
+      <p:cxnSp>
+        <p:nvCxnSpPr>
+          <p:cNvPr id="127" name="直線單箭頭接點 126"/>
+          <p:cNvCxnSpPr>
+            <a:stCxn id="124" idx="1"/>
+            <a:endCxn id="56" idx="3"/>
+          </p:cNvCxnSpPr>
+          <p:nvPr/>
+        </p:nvCxnSpPr>
+        <p:spPr>
+          <a:xfrm flipH="1">
+            <a:off x="1764720" y="5221852"/>
+            <a:ext cx="3430620" cy="6968"/>
+          </a:xfrm>
+          <a:prstGeom prst="straightConnector1">
+            <a:avLst/>
+          </a:prstGeom>
+          <a:ln>
+            <a:solidFill>
+              <a:schemeClr val="tx1"/>
+            </a:solidFill>
+            <a:tailEnd type="arrow"/>
+          </a:ln>
+        </p:spPr>
+        <p:style>
+          <a:lnRef idx="1">
+            <a:schemeClr val="accent1"/>
+          </a:lnRef>
+          <a:fillRef idx="0">
+            <a:schemeClr val="accent1"/>
+          </a:fillRef>
+          <a:effectRef idx="0">
+            <a:schemeClr val="accent1"/>
+          </a:effectRef>
+          <a:fontRef idx="minor">
+            <a:schemeClr val="tx1"/>
+          </a:fontRef>
+        </p:style>
+      </p:cxnSp>
+      <p:cxnSp>
+        <p:nvCxnSpPr>
+          <p:cNvPr id="130" name="肘形接點 129"/>
+          <p:cNvCxnSpPr>
+            <a:stCxn id="75" idx="3"/>
+            <a:endCxn id="124" idx="3"/>
+          </p:cNvCxnSpPr>
+          <p:nvPr/>
+        </p:nvCxnSpPr>
+        <p:spPr>
+          <a:xfrm flipH="1">
+            <a:off x="6923340" y="1060084"/>
+            <a:ext cx="2113156" cy="4161768"/>
+          </a:xfrm>
+          <a:prstGeom prst="bentConnector3">
+            <a:avLst>
+              <a:gd name="adj1" fmla="val -1352"/>
+            </a:avLst>
+          </a:prstGeom>
+          <a:ln>
+            <a:solidFill>
+              <a:schemeClr val="tx1"/>
+            </a:solidFill>
+            <a:tailEnd type="arrow"/>
+          </a:ln>
+        </p:spPr>
+        <p:style>
+          <a:lnRef idx="1">
+            <a:schemeClr val="accent1"/>
+          </a:lnRef>
+          <a:fillRef idx="0">
+            <a:schemeClr val="accent1"/>
+          </a:fillRef>
+          <a:effectRef idx="0">
+            <a:schemeClr val="accent1"/>
+          </a:effectRef>
+          <a:fontRef idx="minor">
+            <a:schemeClr val="tx1"/>
+          </a:fontRef>
+        </p:style>
+      </p:cxnSp>
+      <p:cxnSp>
+        <p:nvCxnSpPr>
+          <p:cNvPr id="134" name="直線單箭頭接點 133"/>
+          <p:cNvCxnSpPr>
+            <a:stCxn id="86" idx="1"/>
+            <a:endCxn id="80" idx="3"/>
+          </p:cNvCxnSpPr>
+          <p:nvPr/>
+        </p:nvCxnSpPr>
+        <p:spPr>
+          <a:xfrm flipH="1" flipV="1">
+            <a:off x="4788000" y="4342388"/>
+            <a:ext cx="2448360" cy="1080"/>
+          </a:xfrm>
+          <a:prstGeom prst="straightConnector1">
+            <a:avLst/>
+          </a:prstGeom>
+          <a:ln>
+            <a:solidFill>
+              <a:schemeClr val="tx1"/>
+            </a:solidFill>
+            <a:tailEnd type="arrow"/>
+          </a:ln>
+        </p:spPr>
+        <p:style>
+          <a:lnRef idx="1">
+            <a:schemeClr val="accent1"/>
+          </a:lnRef>
+          <a:fillRef idx="0">
+            <a:schemeClr val="accent1"/>
+          </a:fillRef>
+          <a:effectRef idx="0">
+            <a:schemeClr val="accent1"/>
+          </a:effectRef>
+          <a:fontRef idx="minor">
+            <a:schemeClr val="tx1"/>
+          </a:fontRef>
+        </p:style>
+      </p:cxnSp>
     </p:spTree>
   </p:cSld>
-  <mc:AlternateContent>
+  <p:clrMapOvr>
+    <a:masterClrMapping/>
+  </p:clrMapOvr>
+  <mc:AlternateContent xmlns:mc="http://schemas.openxmlformats.org/markup-compatibility/2006" xmlns:p14="http://schemas.microsoft.com/office/powerpoint/2010/main">
     <mc:Choice Requires="p14">
       <p:transition spd="slow" p14:dur="2000"/>
     </mc:Choice>
-    <mc:Fallback>
+    <mc:Fallback xmlns:p15="http://schemas.microsoft.com/office/powerpoint/2012/main" xmlns="">
       <p:transition spd="slow"/>
     </mc:Fallback>
   </mc:AlternateContent>
@@ -4754,31 +5554,31 @@
         <a:sysClr val="window" lastClr="FFFFFF"/>
       </a:lt1>
       <a:dk2>
-        <a:srgbClr val="1f497d"/>
+        <a:srgbClr val="1F497D"/>
       </a:dk2>
       <a:lt2>
-        <a:srgbClr val="eeece1"/>
+        <a:srgbClr val="EEECE1"/>
       </a:lt2>
       <a:accent1>
-        <a:srgbClr val="4f81bd"/>
+        <a:srgbClr val="4F81BD"/>
       </a:accent1>
       <a:accent2>
-        <a:srgbClr val="c0504d"/>
+        <a:srgbClr val="C0504D"/>
       </a:accent2>
       <a:accent3>
-        <a:srgbClr val="9bbb59"/>
+        <a:srgbClr val="9BBB59"/>
       </a:accent3>
       <a:accent4>
-        <a:srgbClr val="8064a2"/>
+        <a:srgbClr val="8064A2"/>
       </a:accent4>
       <a:accent5>
-        <a:srgbClr val="4bacc6"/>
+        <a:srgbClr val="4BACC6"/>
       </a:accent5>
       <a:accent6>
-        <a:srgbClr val="f79646"/>
+        <a:srgbClr val="F79646"/>
       </a:accent6>
       <a:hlink>
-        <a:srgbClr val="0000ff"/>
+        <a:srgbClr val="0000FF"/>
       </a:hlink>
       <a:folHlink>
         <a:srgbClr val="800080"/>
@@ -4966,5 +5766,7 @@
       </a:bgFillStyleLst>
     </a:fmtScheme>
   </a:themeElements>
+  <a:objectDefaults/>
+  <a:extraClrSchemeLst/>
 </a:theme>
 </file>
--- a/流程圖.pptx
+++ b/流程圖.pptx
@@ -2433,7 +2433,7 @@
         </p:nvSpPr>
         <p:spPr>
           <a:xfrm>
-            <a:off x="696240" y="3048840"/>
+            <a:off x="696240" y="2257144"/>
             <a:ext cx="1067040" cy="667800"/>
           </a:xfrm>
           <a:prstGeom prst="rect">
@@ -2464,63 +2464,13 @@
       </p:sp>
       <p:sp>
         <p:nvSpPr>
-          <p:cNvPr id="50" name="CustomShape 11"/>
-          <p:cNvSpPr/>
-          <p:nvPr/>
-        </p:nvSpPr>
-        <p:spPr>
-          <a:xfrm>
-            <a:off x="1227960" y="2651040"/>
-            <a:ext cx="1800" cy="397440"/>
-          </a:xfrm>
-          <a:custGeom>
-            <a:avLst/>
-            <a:gdLst/>
-            <a:ahLst/>
-            <a:cxnLst/>
-            <a:rect l="l" t="t" r="r" b="b"/>
-            <a:pathLst>
-              <a:path w="21600" h="21600">
-                <a:moveTo>
-                  <a:pt x="0" y="0"/>
-                </a:moveTo>
-                <a:lnTo>
-                  <a:pt x="21600" y="21600"/>
-                </a:lnTo>
-              </a:path>
-            </a:pathLst>
-          </a:custGeom>
-          <a:noFill/>
-          <a:ln>
-            <a:solidFill>
-              <a:schemeClr val="tx1"/>
-            </a:solidFill>
-            <a:round/>
-            <a:tailEnd type="arrow" w="med" len="med"/>
-          </a:ln>
-        </p:spPr>
-        <p:style>
-          <a:lnRef idx="1">
-            <a:schemeClr val="accent1"/>
-          </a:lnRef>
-          <a:fillRef idx="0">
-            <a:schemeClr val="accent1"/>
-          </a:fillRef>
-          <a:effectRef idx="0">
-            <a:schemeClr val="accent1"/>
-          </a:effectRef>
-          <a:fontRef idx="minor"/>
-        </p:style>
-      </p:sp>
-      <p:sp>
-        <p:nvSpPr>
           <p:cNvPr id="51" name="CustomShape 12"/>
           <p:cNvSpPr/>
           <p:nvPr/>
         </p:nvSpPr>
         <p:spPr>
           <a:xfrm>
-            <a:off x="785880" y="3070800"/>
+            <a:off x="785880" y="2279104"/>
             <a:ext cx="866880" cy="639000"/>
           </a:xfrm>
           <a:prstGeom prst="rect">
@@ -2590,74 +2540,24 @@
       </p:sp>
       <p:sp>
         <p:nvSpPr>
-          <p:cNvPr id="52" name="CustomShape 13"/>
+          <p:cNvPr id="53" name="CustomShape 14"/>
           <p:cNvSpPr/>
           <p:nvPr/>
         </p:nvSpPr>
         <p:spPr>
           <a:xfrm>
-            <a:off x="1230120" y="3717000"/>
-            <a:ext cx="1080" cy="287640"/>
-          </a:xfrm>
-          <a:custGeom>
-            <a:avLst/>
-            <a:gdLst/>
-            <a:ahLst/>
-            <a:cxnLst/>
-            <a:rect l="l" t="t" r="r" b="b"/>
-            <a:pathLst>
-              <a:path w="21600" h="21600">
-                <a:moveTo>
-                  <a:pt x="0" y="0"/>
-                </a:moveTo>
-                <a:lnTo>
-                  <a:pt x="21600" y="21600"/>
-                </a:lnTo>
-              </a:path>
-            </a:pathLst>
-          </a:custGeom>
+            <a:off x="697680" y="3284984"/>
+            <a:ext cx="1067040" cy="390600"/>
+          </a:xfrm>
+          <a:prstGeom prst="rect">
+            <a:avLst/>
+          </a:prstGeom>
           <a:noFill/>
           <a:ln>
             <a:solidFill>
               <a:schemeClr val="tx1"/>
             </a:solidFill>
             <a:round/>
-            <a:tailEnd type="arrow" w="med" len="med"/>
-          </a:ln>
-        </p:spPr>
-        <p:style>
-          <a:lnRef idx="1">
-            <a:schemeClr val="accent1"/>
-          </a:lnRef>
-          <a:fillRef idx="0">
-            <a:schemeClr val="accent1"/>
-          </a:fillRef>
-          <a:effectRef idx="0">
-            <a:schemeClr val="accent1"/>
-          </a:effectRef>
-          <a:fontRef idx="minor"/>
-        </p:style>
-      </p:sp>
-      <p:sp>
-        <p:nvSpPr>
-          <p:cNvPr id="53" name="CustomShape 14"/>
-          <p:cNvSpPr/>
-          <p:nvPr/>
-        </p:nvSpPr>
-        <p:spPr>
-          <a:xfrm>
-            <a:off x="697680" y="4005000"/>
-            <a:ext cx="1067040" cy="390600"/>
-          </a:xfrm>
-          <a:prstGeom prst="rect">
-            <a:avLst/>
-          </a:prstGeom>
-          <a:noFill/>
-          <a:ln>
-            <a:solidFill>
-              <a:schemeClr val="tx1"/>
-            </a:solidFill>
-            <a:round/>
           </a:ln>
         </p:spPr>
         <p:style>
@@ -2683,7 +2583,7 @@
         </p:nvSpPr>
         <p:spPr>
           <a:xfrm>
-            <a:off x="911880" y="4026960"/>
+            <a:off x="911880" y="3306944"/>
             <a:ext cx="638280" cy="364680"/>
           </a:xfrm>
           <a:prstGeom prst="rect">
@@ -2734,74 +2634,24 @@
       </p:sp>
       <p:sp>
         <p:nvSpPr>
-          <p:cNvPr id="55" name="CustomShape 16"/>
+          <p:cNvPr id="56" name="CustomShape 17"/>
           <p:cNvSpPr/>
           <p:nvPr/>
         </p:nvSpPr>
         <p:spPr>
           <a:xfrm>
-            <a:off x="1231560" y="4396320"/>
-            <a:ext cx="360" cy="328680"/>
-          </a:xfrm>
-          <a:custGeom>
-            <a:avLst/>
-            <a:gdLst/>
-            <a:ahLst/>
-            <a:cxnLst/>
-            <a:rect l="l" t="t" r="r" b="b"/>
-            <a:pathLst>
-              <a:path w="21600" h="21600">
-                <a:moveTo>
-                  <a:pt x="0" y="0"/>
-                </a:moveTo>
-                <a:lnTo>
-                  <a:pt x="21600" y="21600"/>
-                </a:lnTo>
-              </a:path>
-            </a:pathLst>
-          </a:custGeom>
+            <a:off x="697680" y="4048088"/>
+            <a:ext cx="1063440" cy="1637336"/>
+          </a:xfrm>
+          <a:prstGeom prst="rect">
+            <a:avLst/>
+          </a:prstGeom>
           <a:noFill/>
           <a:ln>
             <a:solidFill>
               <a:schemeClr val="tx1"/>
             </a:solidFill>
             <a:round/>
-            <a:tailEnd type="arrow" w="med" len="med"/>
-          </a:ln>
-        </p:spPr>
-        <p:style>
-          <a:lnRef idx="1">
-            <a:schemeClr val="accent1"/>
-          </a:lnRef>
-          <a:fillRef idx="0">
-            <a:schemeClr val="accent1"/>
-          </a:fillRef>
-          <a:effectRef idx="0">
-            <a:schemeClr val="accent1"/>
-          </a:effectRef>
-          <a:fontRef idx="minor"/>
-        </p:style>
-      </p:sp>
-      <p:sp>
-        <p:nvSpPr>
-          <p:cNvPr id="56" name="CustomShape 17"/>
-          <p:cNvSpPr/>
-          <p:nvPr/>
-        </p:nvSpPr>
-        <p:spPr>
-          <a:xfrm>
-            <a:off x="697680" y="4725000"/>
-            <a:ext cx="1067040" cy="1007640"/>
-          </a:xfrm>
-          <a:prstGeom prst="rect">
-            <a:avLst/>
-          </a:prstGeom>
-          <a:noFill/>
-          <a:ln>
-            <a:solidFill>
-              <a:schemeClr val="tx1"/>
-            </a:solidFill>
-            <a:round/>
           </a:ln>
         </p:spPr>
         <p:style>
@@ -2827,8 +2677,8 @@
         </p:nvSpPr>
         <p:spPr>
           <a:xfrm>
-            <a:off x="671172" y="4746600"/>
-            <a:ext cx="1104575" cy="921876"/>
+            <a:off x="656545" y="4113367"/>
+            <a:ext cx="1104575" cy="1475873"/>
           </a:xfrm>
           <a:prstGeom prst="rect">
             <a:avLst/>
@@ -2888,6 +2738,28 @@
               </a:rPr>
               <a:t>訊</a:t>
             </a:r>
+            <a:endParaRPr lang="en-US" altLang="zh-TW" sz="1800" b="0" strike="noStrike" spc="-1" dirty="0" smtClean="0">
+              <a:solidFill>
+                <a:srgbClr val="000000"/>
+              </a:solidFill>
+              <a:latin typeface="Calibri"/>
+            </a:endParaRPr>
+          </a:p>
+          <a:p>
+            <a:pPr algn="ctr">
+              <a:lnSpc>
+                <a:spcPct val="100000"/>
+              </a:lnSpc>
+            </a:pPr>
+            <a:r>
+              <a:rPr lang="en-US" altLang="zh-TW" spc="-1" dirty="0">
+                <a:solidFill>
+                  <a:srgbClr val="000000"/>
+                </a:solidFill>
+                <a:latin typeface="Calibri"/>
+              </a:rPr>
+              <a:t>+</a:t>
+            </a:r>
             <a:endParaRPr lang="en-US" sz="1800" b="0" strike="noStrike" spc="-1" dirty="0">
               <a:latin typeface="Arial"/>
             </a:endParaRPr>
@@ -2930,6 +2802,28 @@
               </a:lnSpc>
             </a:pPr>
             <a:r>
+              <a:rPr lang="en-US" altLang="zh-TW" spc="-1" dirty="0">
+                <a:solidFill>
+                  <a:srgbClr val="000000"/>
+                </a:solidFill>
+                <a:latin typeface="Calibri"/>
+              </a:rPr>
+              <a:t>+</a:t>
+            </a:r>
+            <a:endParaRPr lang="en-US" altLang="zh-TW" sz="1800" b="0" strike="noStrike" spc="-1" dirty="0" smtClean="0">
+              <a:solidFill>
+                <a:srgbClr val="000000"/>
+              </a:solidFill>
+              <a:latin typeface="Calibri"/>
+            </a:endParaRPr>
+          </a:p>
+          <a:p>
+            <a:pPr algn="ctr">
+              <a:lnSpc>
+                <a:spcPct val="100000"/>
+              </a:lnSpc>
+            </a:pPr>
+            <a:r>
               <a:rPr lang="en-US" altLang="zh-TW" spc="-1" dirty="0" smtClean="0">
                 <a:solidFill>
                   <a:srgbClr val="000000"/>
@@ -3005,252 +2899,13 @@
       </p:sp>
       <p:sp>
         <p:nvSpPr>
-          <p:cNvPr id="59" name="CustomShape 20"/>
+          <p:cNvPr id="65" name="CustomShape 26"/>
           <p:cNvSpPr/>
           <p:nvPr/>
         </p:nvSpPr>
         <p:spPr>
-          <a:xfrm flipH="1" flipV="1">
-            <a:off x="1762560" y="440640"/>
-            <a:ext cx="8280" cy="1919520"/>
-          </a:xfrm>
-          <a:prstGeom prst="bentConnector3">
-            <a:avLst>
-              <a:gd name="adj1" fmla="val -2674310"/>
-            </a:avLst>
-          </a:prstGeom>
-          <a:noFill/>
-          <a:ln>
-            <a:solidFill>
-              <a:schemeClr val="tx1"/>
-            </a:solidFill>
-            <a:round/>
-            <a:tailEnd type="arrow" w="med" len="med"/>
-          </a:ln>
-        </p:spPr>
-        <p:style>
-          <a:lnRef idx="1">
-            <a:schemeClr val="accent1"/>
-          </a:lnRef>
-          <a:fillRef idx="0">
-            <a:schemeClr val="accent1"/>
-          </a:fillRef>
-          <a:effectRef idx="0">
-            <a:schemeClr val="accent1"/>
-          </a:effectRef>
-          <a:fontRef idx="minor"/>
-        </p:style>
-      </p:sp>
-      <p:sp>
-        <p:nvSpPr>
-          <p:cNvPr id="60" name="CustomShape 21"/>
-          <p:cNvSpPr/>
-          <p:nvPr/>
-        </p:nvSpPr>
-        <p:spPr>
-          <a:xfrm>
-            <a:off x="683640" y="2070360"/>
-            <a:ext cx="1088280" cy="580320"/>
-          </a:xfrm>
-          <a:prstGeom prst="diamond">
-            <a:avLst/>
-          </a:prstGeom>
-          <a:noFill/>
-          <a:ln>
-            <a:solidFill>
-              <a:schemeClr val="tx1"/>
-            </a:solidFill>
-            <a:round/>
-          </a:ln>
-        </p:spPr>
-        <p:style>
-          <a:lnRef idx="2">
-            <a:schemeClr val="accent1">
-              <a:shade val="50000"/>
-            </a:schemeClr>
-          </a:lnRef>
-          <a:fillRef idx="1">
-            <a:schemeClr val="accent1"/>
-          </a:fillRef>
-          <a:effectRef idx="0">
-            <a:schemeClr val="accent1"/>
-          </a:effectRef>
-          <a:fontRef idx="minor"/>
-        </p:style>
-      </p:sp>
-      <p:sp>
-        <p:nvSpPr>
-          <p:cNvPr id="61" name="CustomShape 22"/>
-          <p:cNvSpPr/>
-          <p:nvPr/>
-        </p:nvSpPr>
-        <p:spPr>
-          <a:xfrm>
-            <a:off x="911880" y="2166840"/>
-            <a:ext cx="638280" cy="364680"/>
-          </a:xfrm>
-          <a:prstGeom prst="rect">
-            <a:avLst/>
-          </a:prstGeom>
-          <a:noFill/>
-          <a:ln w="0">
-            <a:noFill/>
-          </a:ln>
-        </p:spPr>
-        <p:style>
-          <a:lnRef idx="0">
-            <a:scrgbClr r="0" g="0" b="0"/>
-          </a:lnRef>
-          <a:fillRef idx="0">
-            <a:scrgbClr r="0" g="0" b="0"/>
-          </a:fillRef>
-          <a:effectRef idx="0">
-            <a:scrgbClr r="0" g="0" b="0"/>
-          </a:effectRef>
-          <a:fontRef idx="minor"/>
-        </p:style>
-        <p:txBody>
-          <a:bodyPr wrap="none" lIns="90000" tIns="45000" rIns="90000" bIns="45000">
-            <a:spAutoFit/>
-          </a:bodyPr>
-          <a:lstStyle/>
-          <a:p>
-            <a:pPr>
-              <a:lnSpc>
-                <a:spcPct val="100000"/>
-              </a:lnSpc>
-            </a:pPr>
-            <a:r>
-              <a:rPr lang="zh-TW" sz="1800" b="0" strike="noStrike" spc="-1">
-                <a:solidFill>
-                  <a:srgbClr val="000000"/>
-                </a:solidFill>
-                <a:latin typeface="Calibri"/>
-              </a:rPr>
-              <a:t>驗證</a:t>
-            </a:r>
-            <a:endParaRPr lang="en-US" sz="1800" b="0" strike="noStrike" spc="-1">
-              <a:latin typeface="Arial"/>
-            </a:endParaRPr>
-          </a:p>
-        </p:txBody>
-      </p:sp>
-      <p:sp>
-        <p:nvSpPr>
-          <p:cNvPr id="62" name="CustomShape 23"/>
-          <p:cNvSpPr/>
-          <p:nvPr/>
-        </p:nvSpPr>
-        <p:spPr>
-          <a:xfrm>
-            <a:off x="1219320" y="1772640"/>
-            <a:ext cx="8280" cy="297360"/>
-          </a:xfrm>
-          <a:custGeom>
-            <a:avLst/>
-            <a:gdLst/>
-            <a:ahLst/>
-            <a:cxnLst/>
-            <a:rect l="l" t="t" r="r" b="b"/>
-            <a:pathLst>
-              <a:path w="21600" h="21600">
-                <a:moveTo>
-                  <a:pt x="0" y="0"/>
-                </a:moveTo>
-                <a:lnTo>
-                  <a:pt x="21600" y="21600"/>
-                </a:lnTo>
-              </a:path>
-            </a:pathLst>
-          </a:custGeom>
-          <a:noFill/>
-          <a:ln>
-            <a:solidFill>
-              <a:schemeClr val="tx1"/>
-            </a:solidFill>
-            <a:round/>
-            <a:tailEnd type="arrow" w="med" len="med"/>
-          </a:ln>
-        </p:spPr>
-        <p:style>
-          <a:lnRef idx="1">
-            <a:schemeClr val="accent1"/>
-          </a:lnRef>
-          <a:fillRef idx="0">
-            <a:schemeClr val="accent1"/>
-          </a:fillRef>
-          <a:effectRef idx="0">
-            <a:schemeClr val="accent1"/>
-          </a:effectRef>
-          <a:fontRef idx="minor"/>
-        </p:style>
-      </p:sp>
-      <p:sp>
-        <p:nvSpPr>
-          <p:cNvPr id="63" name="CustomShape 24"/>
-          <p:cNvSpPr/>
-          <p:nvPr/>
-        </p:nvSpPr>
-        <p:spPr>
-          <a:xfrm>
-            <a:off x="1702080" y="1999080"/>
-            <a:ext cx="329040" cy="364680"/>
-          </a:xfrm>
-          <a:prstGeom prst="rect">
-            <a:avLst/>
-          </a:prstGeom>
-          <a:noFill/>
-          <a:ln w="0">
-            <a:noFill/>
-          </a:ln>
-        </p:spPr>
-        <p:style>
-          <a:lnRef idx="0">
-            <a:scrgbClr r="0" g="0" b="0"/>
-          </a:lnRef>
-          <a:fillRef idx="0">
-            <a:scrgbClr r="0" g="0" b="0"/>
-          </a:fillRef>
-          <a:effectRef idx="0">
-            <a:scrgbClr r="0" g="0" b="0"/>
-          </a:effectRef>
-          <a:fontRef idx="minor"/>
-        </p:style>
-        <p:txBody>
-          <a:bodyPr wrap="none" lIns="90000" tIns="45000" rIns="90000" bIns="45000">
-            <a:spAutoFit/>
-          </a:bodyPr>
-          <a:lstStyle/>
-          <a:p>
-            <a:pPr>
-              <a:lnSpc>
-                <a:spcPct val="100000"/>
-              </a:lnSpc>
-            </a:pPr>
-            <a:r>
-              <a:rPr lang="en-US" sz="1800" b="0" strike="noStrike" spc="-1">
-                <a:solidFill>
-                  <a:srgbClr val="000000"/>
-                </a:solidFill>
-                <a:latin typeface="Calibri"/>
-              </a:rPr>
-              <a:t>N</a:t>
-            </a:r>
-            <a:endParaRPr lang="en-US" sz="1800" b="0" strike="noStrike" spc="-1">
-              <a:latin typeface="Arial"/>
-            </a:endParaRPr>
-          </a:p>
-        </p:txBody>
-      </p:sp>
-      <p:sp>
-        <p:nvSpPr>
-          <p:cNvPr id="64" name="CustomShape 25"/>
-          <p:cNvSpPr/>
-          <p:nvPr/>
-        </p:nvSpPr>
-        <p:spPr>
-          <a:xfrm>
-            <a:off x="973800" y="1701000"/>
+          <a:xfrm>
+            <a:off x="1687392" y="1052736"/>
             <a:ext cx="292320" cy="364680"/>
           </a:xfrm>
           <a:prstGeom prst="rect">
@@ -3301,70 +2956,13 @@
       </p:sp>
       <p:sp>
         <p:nvSpPr>
-          <p:cNvPr id="65" name="CustomShape 26"/>
-          <p:cNvSpPr/>
-          <p:nvPr/>
-        </p:nvSpPr>
-        <p:spPr>
-          <a:xfrm>
-            <a:off x="1002240" y="2565000"/>
-            <a:ext cx="292320" cy="364680"/>
-          </a:xfrm>
-          <a:prstGeom prst="rect">
-            <a:avLst/>
-          </a:prstGeom>
-          <a:noFill/>
-          <a:ln w="0">
-            <a:noFill/>
-          </a:ln>
-        </p:spPr>
-        <p:style>
-          <a:lnRef idx="0">
-            <a:scrgbClr r="0" g="0" b="0"/>
-          </a:lnRef>
-          <a:fillRef idx="0">
-            <a:scrgbClr r="0" g="0" b="0"/>
-          </a:fillRef>
-          <a:effectRef idx="0">
-            <a:scrgbClr r="0" g="0" b="0"/>
-          </a:effectRef>
-          <a:fontRef idx="minor"/>
-        </p:style>
-        <p:txBody>
-          <a:bodyPr wrap="none" lIns="90000" tIns="45000" rIns="90000" bIns="45000">
-            <a:spAutoFit/>
-          </a:bodyPr>
-          <a:lstStyle/>
-          <a:p>
-            <a:pPr>
-              <a:lnSpc>
-                <a:spcPct val="100000"/>
-              </a:lnSpc>
-            </a:pPr>
-            <a:r>
-              <a:rPr lang="en-US" sz="1800" b="0" strike="noStrike" spc="-1">
-                <a:solidFill>
-                  <a:srgbClr val="000000"/>
-                </a:solidFill>
-                <a:latin typeface="Calibri"/>
-              </a:rPr>
-              <a:t>Y</a:t>
-            </a:r>
-            <a:endParaRPr lang="en-US" sz="1800" b="0" strike="noStrike" spc="-1">
-              <a:latin typeface="Arial"/>
-            </a:endParaRPr>
-          </a:p>
-        </p:txBody>
-      </p:sp>
-      <p:sp>
-        <p:nvSpPr>
           <p:cNvPr id="66" name="CustomShape 27"/>
           <p:cNvSpPr/>
           <p:nvPr/>
         </p:nvSpPr>
         <p:spPr>
           <a:xfrm>
-            <a:off x="3060000" y="752400"/>
+            <a:off x="2843808" y="2046152"/>
             <a:ext cx="1728000" cy="590760"/>
           </a:xfrm>
           <a:prstGeom prst="rect">
@@ -3401,7 +2999,7 @@
         </p:nvSpPr>
         <p:spPr>
           <a:xfrm>
-            <a:off x="3147480" y="863280"/>
+            <a:off x="2931288" y="2157032"/>
             <a:ext cx="1552680" cy="364680"/>
           </a:xfrm>
           <a:prstGeom prst="rect">
@@ -3449,44 +3047,6 @@
             </a:endParaRPr>
           </a:p>
         </p:txBody>
-      </p:sp>
-      <p:sp>
-        <p:nvSpPr>
-          <p:cNvPr id="68" name="CustomShape 29"/>
-          <p:cNvSpPr/>
-          <p:nvPr/>
-        </p:nvSpPr>
-        <p:spPr>
-          <a:xfrm flipV="1">
-            <a:off x="1702080" y="1046880"/>
-            <a:ext cx="1357200" cy="2001600"/>
-          </a:xfrm>
-          <a:prstGeom prst="bentConnector3">
-            <a:avLst>
-              <a:gd name="adj1" fmla="val 67587"/>
-            </a:avLst>
-          </a:prstGeom>
-          <a:noFill/>
-          <a:ln>
-            <a:solidFill>
-              <a:schemeClr val="tx1"/>
-            </a:solidFill>
-            <a:round/>
-            <a:tailEnd type="arrow" w="med" len="med"/>
-          </a:ln>
-        </p:spPr>
-        <p:style>
-          <a:lnRef idx="1">
-            <a:schemeClr val="accent1"/>
-          </a:lnRef>
-          <a:fillRef idx="0">
-            <a:schemeClr val="accent1"/>
-          </a:fillRef>
-          <a:effectRef idx="0">
-            <a:schemeClr val="accent1"/>
-          </a:effectRef>
-          <a:fontRef idx="minor"/>
-        </p:style>
       </p:sp>
       <p:sp>
         <p:nvSpPr>
@@ -3702,7 +3262,7 @@
         </p:nvSpPr>
         <p:spPr>
           <a:xfrm>
-            <a:off x="5150880" y="2288048"/>
+            <a:off x="5150880" y="2981632"/>
             <a:ext cx="1728000" cy="590760"/>
           </a:xfrm>
           <a:prstGeom prst="rect">
@@ -3739,7 +3299,7 @@
         </p:nvSpPr>
         <p:spPr>
           <a:xfrm>
-            <a:off x="5338440" y="2398928"/>
+            <a:off x="5338440" y="3092512"/>
             <a:ext cx="1324080" cy="364680"/>
           </a:xfrm>
           <a:prstGeom prst="rect">
@@ -3884,19 +3444,17 @@
       </p:sp>
       <p:sp>
         <p:nvSpPr>
-          <p:cNvPr id="83" name="CustomShape 44"/>
+          <p:cNvPr id="84" name="CustomShape 45"/>
           <p:cNvSpPr/>
           <p:nvPr/>
         </p:nvSpPr>
         <p:spPr>
-          <a:xfrm rot="5400000">
-            <a:off x="4385880" y="2417648"/>
-            <a:ext cx="1167480" cy="2090520"/>
-          </a:xfrm>
-          <a:prstGeom prst="bentConnector3">
-            <a:avLst>
-              <a:gd name="adj1" fmla="val 41433"/>
-            </a:avLst>
+          <a:xfrm>
+            <a:off x="7236360" y="2810048"/>
+            <a:ext cx="1728000" cy="590760"/>
+          </a:xfrm>
+          <a:prstGeom prst="rect">
+            <a:avLst/>
           </a:prstGeom>
           <a:noFill/>
           <a:ln>
@@ -3904,42 +3462,6 @@
               <a:schemeClr val="tx1"/>
             </a:solidFill>
             <a:round/>
-            <a:tailEnd type="arrow" w="med" len="med"/>
-          </a:ln>
-        </p:spPr>
-        <p:style>
-          <a:lnRef idx="1">
-            <a:schemeClr val="accent1"/>
-          </a:lnRef>
-          <a:fillRef idx="0">
-            <a:schemeClr val="accent1"/>
-          </a:fillRef>
-          <a:effectRef idx="0">
-            <a:schemeClr val="accent1"/>
-          </a:effectRef>
-          <a:fontRef idx="minor"/>
-        </p:style>
-      </p:sp>
-      <p:sp>
-        <p:nvSpPr>
-          <p:cNvPr id="84" name="CustomShape 45"/>
-          <p:cNvSpPr/>
-          <p:nvPr/>
-        </p:nvSpPr>
-        <p:spPr>
-          <a:xfrm>
-            <a:off x="7236360" y="2810048"/>
-            <a:ext cx="1728000" cy="590760"/>
-          </a:xfrm>
-          <a:prstGeom prst="rect">
-            <a:avLst/>
-          </a:prstGeom>
-          <a:noFill/>
-          <a:ln>
-            <a:solidFill>
-              <a:schemeClr val="tx1"/>
-            </a:solidFill>
-            <a:round/>
           </a:ln>
         </p:spPr>
         <p:style>
@@ -3965,7 +3487,7 @@
         </p:nvSpPr>
         <p:spPr>
           <a:xfrm>
-            <a:off x="7438320" y="2920928"/>
+            <a:off x="7438320" y="2924944"/>
             <a:ext cx="1324080" cy="364680"/>
           </a:xfrm>
           <a:prstGeom prst="rect">
@@ -4307,44 +3829,6 @@
       </p:sp>
       <p:sp>
         <p:nvSpPr>
-          <p:cNvPr id="92" name="CustomShape 53"/>
-          <p:cNvSpPr/>
-          <p:nvPr/>
-        </p:nvSpPr>
-        <p:spPr>
-          <a:xfrm rot="10800000" flipV="1">
-            <a:off x="4788360" y="3105968"/>
-            <a:ext cx="2448000" cy="917280"/>
-          </a:xfrm>
-          <a:prstGeom prst="bentConnector3">
-            <a:avLst>
-              <a:gd name="adj1" fmla="val 14983"/>
-            </a:avLst>
-          </a:prstGeom>
-          <a:noFill/>
-          <a:ln>
-            <a:solidFill>
-              <a:schemeClr val="tx1"/>
-            </a:solidFill>
-            <a:round/>
-            <a:tailEnd type="arrow" w="med" len="med"/>
-          </a:ln>
-        </p:spPr>
-        <p:style>
-          <a:lnRef idx="1">
-            <a:schemeClr val="accent1"/>
-          </a:lnRef>
-          <a:fillRef idx="0">
-            <a:schemeClr val="accent1"/>
-          </a:fillRef>
-          <a:effectRef idx="0">
-            <a:schemeClr val="accent1"/>
-          </a:effectRef>
-          <a:fontRef idx="minor"/>
-        </p:style>
-      </p:sp>
-      <p:sp>
-        <p:nvSpPr>
           <p:cNvPr id="97" name="CustomShape 58"/>
           <p:cNvSpPr/>
           <p:nvPr/>
@@ -4455,78 +3939,6 @@
             </a:endParaRPr>
           </a:p>
         </p:txBody>
-      </p:sp>
-      <p:sp>
-        <p:nvSpPr>
-          <p:cNvPr id="100" name="CustomShape 61"/>
-          <p:cNvSpPr/>
-          <p:nvPr/>
-        </p:nvSpPr>
-        <p:spPr>
-          <a:xfrm flipV="1">
-            <a:off x="1763640" y="3853848"/>
-            <a:ext cx="869220" cy="870792"/>
-          </a:xfrm>
-          <a:prstGeom prst="bentConnector2">
-            <a:avLst/>
-          </a:prstGeom>
-          <a:noFill/>
-          <a:ln>
-            <a:solidFill>
-              <a:schemeClr val="tx1"/>
-            </a:solidFill>
-            <a:round/>
-            <a:tailEnd type="arrow" w="med" len="med"/>
-          </a:ln>
-        </p:spPr>
-        <p:style>
-          <a:lnRef idx="1">
-            <a:schemeClr val="accent1"/>
-          </a:lnRef>
-          <a:fillRef idx="0">
-            <a:schemeClr val="accent1"/>
-          </a:fillRef>
-          <a:effectRef idx="0">
-            <a:schemeClr val="accent1"/>
-          </a:effectRef>
-          <a:fontRef idx="minor"/>
-        </p:style>
-      </p:sp>
-      <p:sp>
-        <p:nvSpPr>
-          <p:cNvPr id="101" name="CustomShape 62"/>
-          <p:cNvSpPr/>
-          <p:nvPr/>
-        </p:nvSpPr>
-        <p:spPr>
-          <a:xfrm rot="5400000" flipH="1" flipV="1">
-            <a:off x="1772616" y="1906944"/>
-            <a:ext cx="2146008" cy="426600"/>
-          </a:xfrm>
-          <a:prstGeom prst="bentConnector2">
-            <a:avLst/>
-          </a:prstGeom>
-          <a:noFill/>
-          <a:ln>
-            <a:solidFill>
-              <a:schemeClr val="tx1"/>
-            </a:solidFill>
-            <a:round/>
-            <a:tailEnd type="arrow" w="med" len="med"/>
-          </a:ln>
-        </p:spPr>
-        <p:style>
-          <a:lnRef idx="1">
-            <a:schemeClr val="accent1"/>
-          </a:lnRef>
-          <a:fillRef idx="0">
-            <a:schemeClr val="accent1"/>
-          </a:fillRef>
-          <a:effectRef idx="0">
-            <a:schemeClr val="accent1"/>
-          </a:effectRef>
-          <a:fontRef idx="minor"/>
-        </p:style>
       </p:sp>
       <p:sp>
         <p:nvSpPr>
@@ -4603,7 +4015,7 @@
         <p:spPr>
           <a:xfrm>
             <a:off x="5236920" y="3600"/>
-            <a:ext cx="1601280" cy="516960"/>
+            <a:ext cx="1617535" cy="521766"/>
           </a:xfrm>
           <a:prstGeom prst="rect">
             <a:avLst/>
@@ -4637,15 +4049,15 @@
               </a:lnSpc>
             </a:pPr>
             <a:r>
-              <a:rPr lang="zh-TW" sz="2800" b="0" strike="noStrike" spc="-1">
+              <a:rPr lang="zh-TW" altLang="en-US" sz="2800" spc="-1" dirty="0">
                 <a:solidFill>
                   <a:srgbClr val="0033CC"/>
                 </a:solidFill>
                 <a:latin typeface="Calibri"/>
               </a:rPr>
-              <a:t>計算比對</a:t>
+              <a:t>後端系統</a:t>
             </a:r>
-            <a:endParaRPr lang="en-US" sz="2800" b="0" strike="noStrike" spc="-1">
+            <a:endParaRPr lang="en-US" sz="2800" b="0" strike="noStrike" spc="-1" dirty="0">
               <a:latin typeface="Arial"/>
             </a:endParaRPr>
           </a:p>
@@ -4694,7 +4106,7 @@
               </a:lnSpc>
             </a:pPr>
             <a:r>
-              <a:rPr lang="zh-TW" sz="2800" b="0" strike="noStrike" spc="-1">
+              <a:rPr lang="zh-TW" sz="2800" b="0" strike="noStrike" spc="-1" dirty="0">
                 <a:solidFill>
                   <a:srgbClr val="FF3300"/>
                 </a:solidFill>
@@ -4702,50 +4114,12 @@
               </a:rPr>
               <a:t>資料來源</a:t>
             </a:r>
-            <a:endParaRPr lang="en-US" sz="2800" b="0" strike="noStrike" spc="-1">
+            <a:endParaRPr lang="en-US" sz="2800" b="0" strike="noStrike" spc="-1" dirty="0">
               <a:latin typeface="Arial"/>
             </a:endParaRPr>
           </a:p>
         </p:txBody>
       </p:sp>
-      <p:cxnSp>
-        <p:nvCxnSpPr>
-          <p:cNvPr id="10" name="直線單箭頭接點 9"/>
-          <p:cNvCxnSpPr>
-            <a:stCxn id="66" idx="3"/>
-          </p:cNvCxnSpPr>
-          <p:nvPr/>
-        </p:nvCxnSpPr>
-        <p:spPr>
-          <a:xfrm flipV="1">
-            <a:off x="4788000" y="1045620"/>
-            <a:ext cx="432264" cy="2160"/>
-          </a:xfrm>
-          <a:prstGeom prst="straightConnector1">
-            <a:avLst/>
-          </a:prstGeom>
-          <a:ln>
-            <a:solidFill>
-              <a:schemeClr val="tx1"/>
-            </a:solidFill>
-            <a:tailEnd type="arrow"/>
-          </a:ln>
-        </p:spPr>
-        <p:style>
-          <a:lnRef idx="1">
-            <a:schemeClr val="accent1"/>
-          </a:lnRef>
-          <a:fillRef idx="0">
-            <a:schemeClr val="accent1"/>
-          </a:fillRef>
-          <a:effectRef idx="0">
-            <a:schemeClr val="accent1"/>
-          </a:effectRef>
-          <a:fontRef idx="minor">
-            <a:schemeClr val="tx1"/>
-          </a:fontRef>
-        </p:style>
-      </p:cxnSp>
       <p:cxnSp>
         <p:nvCxnSpPr>
           <p:cNvPr id="13" name="直線單箭頭接點 12"/>
@@ -4793,7 +4167,7 @@
         </p:nvSpPr>
         <p:spPr>
           <a:xfrm>
-            <a:off x="5220072" y="1470088"/>
+            <a:off x="5220072" y="1830128"/>
             <a:ext cx="1728000" cy="590760"/>
           </a:xfrm>
           <a:prstGeom prst="rect">
@@ -4830,7 +4204,7 @@
         </p:nvSpPr>
         <p:spPr>
           <a:xfrm>
-            <a:off x="5407632" y="1580968"/>
+            <a:off x="5407632" y="1941008"/>
             <a:ext cx="1335279" cy="367878"/>
           </a:xfrm>
           <a:prstGeom prst="rect">
@@ -4908,88 +4282,11 @@
         </p:nvCxnSpPr>
         <p:spPr>
           <a:xfrm rot="5400000">
-            <a:off x="7355282" y="948254"/>
-            <a:ext cx="410004" cy="1224424"/>
+            <a:off x="7175262" y="1128274"/>
+            <a:ext cx="770044" cy="1224424"/>
           </a:xfrm>
           <a:prstGeom prst="bentConnector2">
             <a:avLst/>
-          </a:prstGeom>
-          <a:ln>
-            <a:solidFill>
-              <a:schemeClr val="tx1"/>
-            </a:solidFill>
-            <a:tailEnd type="arrow"/>
-          </a:ln>
-        </p:spPr>
-        <p:style>
-          <a:lnRef idx="1">
-            <a:schemeClr val="accent1"/>
-          </a:lnRef>
-          <a:fillRef idx="0">
-            <a:schemeClr val="accent1"/>
-          </a:fillRef>
-          <a:effectRef idx="0">
-            <a:schemeClr val="accent1"/>
-          </a:effectRef>
-          <a:fontRef idx="minor">
-            <a:schemeClr val="tx1"/>
-          </a:fontRef>
-        </p:style>
-      </p:cxnSp>
-      <p:cxnSp>
-        <p:nvCxnSpPr>
-          <p:cNvPr id="20" name="肘形接點 19"/>
-          <p:cNvCxnSpPr>
-            <a:stCxn id="109" idx="1"/>
-            <a:endCxn id="66" idx="2"/>
-          </p:cNvCxnSpPr>
-          <p:nvPr/>
-        </p:nvCxnSpPr>
-        <p:spPr>
-          <a:xfrm rot="10800000">
-            <a:off x="3924000" y="1343160"/>
-            <a:ext cx="1296072" cy="422308"/>
-          </a:xfrm>
-          <a:prstGeom prst="bentConnector2">
-            <a:avLst/>
-          </a:prstGeom>
-          <a:ln>
-            <a:solidFill>
-              <a:schemeClr val="tx1"/>
-            </a:solidFill>
-            <a:tailEnd type="arrow"/>
-          </a:ln>
-        </p:spPr>
-        <p:style>
-          <a:lnRef idx="1">
-            <a:schemeClr val="accent1"/>
-          </a:lnRef>
-          <a:fillRef idx="0">
-            <a:schemeClr val="accent1"/>
-          </a:fillRef>
-          <a:effectRef idx="0">
-            <a:schemeClr val="accent1"/>
-          </a:effectRef>
-          <a:fontRef idx="minor">
-            <a:schemeClr val="tx1"/>
-          </a:fontRef>
-        </p:style>
-      </p:cxnSp>
-      <p:cxnSp>
-        <p:nvCxnSpPr>
-          <p:cNvPr id="23" name="肘形接點 22"/>
-          <p:cNvCxnSpPr/>
-          <p:nvPr/>
-        </p:nvCxnSpPr>
-        <p:spPr>
-          <a:xfrm>
-            <a:off x="3058920" y="1343160"/>
-            <a:ext cx="2091960" cy="1221840"/>
-          </a:xfrm>
-          <a:prstGeom prst="bentConnector3">
-            <a:avLst>
-              <a:gd name="adj1" fmla="val 143"/>
-            </a:avLst>
           </a:prstGeom>
           <a:ln>
             <a:solidFill>
@@ -5207,12 +4504,12 @@
         </p:nvCxnSpPr>
         <p:spPr>
           <a:xfrm rot="10800000">
-            <a:off x="1764720" y="5228820"/>
-            <a:ext cx="1295112" cy="641104"/>
+            <a:off x="1761120" y="4866756"/>
+            <a:ext cx="1298712" cy="1003168"/>
           </a:xfrm>
           <a:prstGeom prst="bentConnector3">
             <a:avLst>
-              <a:gd name="adj1" fmla="val 1460"/>
+              <a:gd name="adj1" fmla="val 50000"/>
             </a:avLst>
           </a:prstGeom>
           <a:ln>
@@ -5248,12 +4545,12 @@
         </p:nvCxnSpPr>
         <p:spPr>
           <a:xfrm rot="10800000" flipV="1">
-            <a:off x="1775748" y="4342388"/>
-            <a:ext cx="1284253" cy="865150"/>
+            <a:off x="1761120" y="4342388"/>
+            <a:ext cx="1298880" cy="508916"/>
           </a:xfrm>
           <a:prstGeom prst="bentConnector3">
             <a:avLst>
-              <a:gd name="adj1" fmla="val -63"/>
+              <a:gd name="adj1" fmla="val 50000"/>
             </a:avLst>
           </a:prstGeom>
           <a:ln>
@@ -5410,20 +4707,22 @@
       </p:sp>
       <p:cxnSp>
         <p:nvCxnSpPr>
-          <p:cNvPr id="127" name="直線單箭頭接點 126"/>
+          <p:cNvPr id="130" name="肘形接點 129"/>
           <p:cNvCxnSpPr>
-            <a:stCxn id="124" idx="1"/>
-            <a:endCxn id="56" idx="3"/>
+            <a:stCxn id="75" idx="3"/>
+            <a:endCxn id="124" idx="3"/>
           </p:cNvCxnSpPr>
           <p:nvPr/>
         </p:nvCxnSpPr>
         <p:spPr>
           <a:xfrm flipH="1">
-            <a:off x="1764720" y="5221852"/>
-            <a:ext cx="3430620" cy="6968"/>
-          </a:xfrm>
-          <a:prstGeom prst="straightConnector1">
-            <a:avLst/>
+            <a:off x="6923340" y="1060084"/>
+            <a:ext cx="2113156" cy="4161768"/>
+          </a:xfrm>
+          <a:prstGeom prst="bentConnector3">
+            <a:avLst>
+              <a:gd name="adj1" fmla="val -1352"/>
+            </a:avLst>
           </a:prstGeom>
           <a:ln>
             <a:solidFill>
@@ -5449,21 +4748,21 @@
       </p:cxnSp>
       <p:cxnSp>
         <p:nvCxnSpPr>
-          <p:cNvPr id="130" name="肘形接點 129"/>
+          <p:cNvPr id="6" name="肘形接點 5"/>
           <p:cNvCxnSpPr>
-            <a:stCxn id="75" idx="3"/>
-            <a:endCxn id="124" idx="3"/>
+            <a:stCxn id="66" idx="3"/>
+            <a:endCxn id="70" idx="1"/>
           </p:cNvCxnSpPr>
           <p:nvPr/>
         </p:nvCxnSpPr>
         <p:spPr>
-          <a:xfrm flipH="1">
-            <a:off x="6923340" y="1060084"/>
-            <a:ext cx="2113156" cy="4161768"/>
+          <a:xfrm flipV="1">
+            <a:off x="4571808" y="1060084"/>
+            <a:ext cx="648456" cy="1281448"/>
           </a:xfrm>
           <a:prstGeom prst="bentConnector3">
             <a:avLst>
-              <a:gd name="adj1" fmla="val -1352"/>
+              <a:gd name="adj1" fmla="val 32374"/>
             </a:avLst>
           </a:prstGeom>
           <a:ln>
@@ -5490,17 +4789,893 @@
       </p:cxnSp>
       <p:cxnSp>
         <p:nvCxnSpPr>
-          <p:cNvPr id="134" name="直線單箭頭接點 133"/>
+          <p:cNvPr id="9" name="肘形接點 8"/>
+          <p:cNvCxnSpPr>
+            <a:stCxn id="49" idx="3"/>
+            <a:endCxn id="66" idx="1"/>
+          </p:cNvCxnSpPr>
+          <p:nvPr/>
+        </p:nvCxnSpPr>
+        <p:spPr>
+          <a:xfrm flipV="1">
+            <a:off x="1763280" y="2341532"/>
+            <a:ext cx="1080528" cy="249512"/>
+          </a:xfrm>
+          <a:prstGeom prst="bentConnector3">
+            <a:avLst>
+              <a:gd name="adj1" fmla="val 80412"/>
+            </a:avLst>
+          </a:prstGeom>
+          <a:ln>
+            <a:solidFill>
+              <a:schemeClr val="tx1"/>
+            </a:solidFill>
+            <a:tailEnd type="arrow"/>
+          </a:ln>
+        </p:spPr>
+        <p:style>
+          <a:lnRef idx="1">
+            <a:schemeClr val="accent1"/>
+          </a:lnRef>
+          <a:fillRef idx="0">
+            <a:schemeClr val="accent1"/>
+          </a:fillRef>
+          <a:effectRef idx="0">
+            <a:schemeClr val="accent1"/>
+          </a:effectRef>
+          <a:fontRef idx="minor">
+            <a:schemeClr val="tx1"/>
+          </a:fontRef>
+        </p:style>
+      </p:cxnSp>
+      <p:cxnSp>
+        <p:nvCxnSpPr>
+          <p:cNvPr id="24" name="肘形接點 23"/>
+          <p:cNvCxnSpPr>
+            <a:stCxn id="97" idx="0"/>
+            <a:endCxn id="66" idx="1"/>
+          </p:cNvCxnSpPr>
+          <p:nvPr/>
+        </p:nvCxnSpPr>
+        <p:spPr>
+          <a:xfrm rot="5400000" flipH="1" flipV="1">
+            <a:off x="2312296" y="2661736"/>
+            <a:ext cx="851716" cy="211308"/>
+          </a:xfrm>
+          <a:prstGeom prst="bentConnector2">
+            <a:avLst/>
+          </a:prstGeom>
+          <a:ln>
+            <a:solidFill>
+              <a:schemeClr val="tx1"/>
+            </a:solidFill>
+            <a:tailEnd type="arrow"/>
+          </a:ln>
+        </p:spPr>
+        <p:style>
+          <a:lnRef idx="1">
+            <a:schemeClr val="accent1"/>
+          </a:lnRef>
+          <a:fillRef idx="0">
+            <a:schemeClr val="accent1"/>
+          </a:fillRef>
+          <a:effectRef idx="0">
+            <a:schemeClr val="accent1"/>
+          </a:effectRef>
+          <a:fontRef idx="minor">
+            <a:schemeClr val="tx1"/>
+          </a:fontRef>
+        </p:style>
+      </p:cxnSp>
+      <p:sp>
+        <p:nvSpPr>
+          <p:cNvPr id="108" name="CustomShape 28"/>
+          <p:cNvSpPr/>
+          <p:nvPr/>
+        </p:nvSpPr>
+        <p:spPr>
+          <a:xfrm>
+            <a:off x="3003604" y="1065185"/>
+            <a:ext cx="1104575" cy="644877"/>
+          </a:xfrm>
+          <a:prstGeom prst="rect">
+            <a:avLst/>
+          </a:prstGeom>
+          <a:noFill/>
+          <a:ln w="0">
+            <a:noFill/>
+          </a:ln>
+        </p:spPr>
+        <p:style>
+          <a:lnRef idx="0">
+            <a:scrgbClr r="0" g="0" b="0"/>
+          </a:lnRef>
+          <a:fillRef idx="0">
+            <a:scrgbClr r="0" g="0" b="0"/>
+          </a:fillRef>
+          <a:effectRef idx="0">
+            <a:scrgbClr r="0" g="0" b="0"/>
+          </a:effectRef>
+          <a:fontRef idx="minor"/>
+        </p:style>
+        <p:txBody>
+          <a:bodyPr wrap="none" lIns="90000" tIns="45000" rIns="90000" bIns="45000">
+            <a:spAutoFit/>
+          </a:bodyPr>
+          <a:lstStyle/>
+          <a:p>
+            <a:pPr>
+              <a:lnSpc>
+                <a:spcPct val="100000"/>
+              </a:lnSpc>
+            </a:pPr>
+            <a:r>
+              <a:rPr lang="en-US" altLang="zh-TW" sz="1800" b="0" strike="noStrike" spc="-1" dirty="0" smtClean="0">
+                <a:latin typeface="Arial"/>
+              </a:rPr>
+              <a:t>Firebase</a:t>
+            </a:r>
+          </a:p>
+          <a:p>
+            <a:pPr>
+              <a:lnSpc>
+                <a:spcPct val="100000"/>
+              </a:lnSpc>
+            </a:pPr>
+            <a:r>
+              <a:rPr lang="zh-TW" altLang="en-US" spc="-1" dirty="0">
+                <a:latin typeface="Arial"/>
+              </a:rPr>
+              <a:t>信箱</a:t>
+            </a:r>
+            <a:r>
+              <a:rPr lang="zh-TW" altLang="zh-TW" spc="-1" dirty="0" smtClean="0">
+                <a:solidFill>
+                  <a:srgbClr val="000000"/>
+                </a:solidFill>
+                <a:latin typeface="Calibri"/>
+              </a:rPr>
+              <a:t>驗證</a:t>
+            </a:r>
+            <a:endParaRPr lang="en-US" altLang="zh-TW" spc="-1" dirty="0"/>
+          </a:p>
+        </p:txBody>
+      </p:sp>
+      <p:sp>
+        <p:nvSpPr>
+          <p:cNvPr id="29" name="菱形 28"/>
+          <p:cNvSpPr/>
+          <p:nvPr/>
+        </p:nvSpPr>
+        <p:spPr>
+          <a:xfrm>
+            <a:off x="2483768" y="840008"/>
+            <a:ext cx="2188428" cy="1076824"/>
+          </a:xfrm>
+          <a:prstGeom prst="diamond">
+            <a:avLst/>
+          </a:prstGeom>
+          <a:noFill/>
+          <a:ln>
+            <a:solidFill>
+              <a:schemeClr val="tx1"/>
+            </a:solidFill>
+          </a:ln>
+        </p:spPr>
+        <p:style>
+          <a:lnRef idx="2">
+            <a:schemeClr val="accent1">
+              <a:shade val="50000"/>
+            </a:schemeClr>
+          </a:lnRef>
+          <a:fillRef idx="1">
+            <a:schemeClr val="accent1"/>
+          </a:fillRef>
+          <a:effectRef idx="0">
+            <a:schemeClr val="accent1"/>
+          </a:effectRef>
+          <a:fontRef idx="minor">
+            <a:schemeClr val="lt1"/>
+          </a:fontRef>
+        </p:style>
+        <p:txBody>
+          <a:bodyPr rtlCol="0" anchor="ctr"/>
+          <a:lstStyle/>
+          <a:p>
+            <a:pPr algn="ctr"/>
+            <a:endParaRPr lang="zh-TW" altLang="en-US"/>
+          </a:p>
+        </p:txBody>
+      </p:sp>
+      <p:cxnSp>
+        <p:nvCxnSpPr>
+          <p:cNvPr id="37" name="直線單箭頭接點 36"/>
+          <p:cNvCxnSpPr>
+            <a:stCxn id="46" idx="3"/>
+            <a:endCxn id="29" idx="1"/>
+          </p:cNvCxnSpPr>
+          <p:nvPr/>
+        </p:nvCxnSpPr>
+        <p:spPr>
+          <a:xfrm>
+            <a:off x="1763280" y="1357560"/>
+            <a:ext cx="720488" cy="20860"/>
+          </a:xfrm>
+          <a:prstGeom prst="straightConnector1">
+            <a:avLst/>
+          </a:prstGeom>
+          <a:ln>
+            <a:solidFill>
+              <a:schemeClr val="tx1"/>
+            </a:solidFill>
+            <a:tailEnd type="arrow"/>
+          </a:ln>
+        </p:spPr>
+        <p:style>
+          <a:lnRef idx="1">
+            <a:schemeClr val="accent1"/>
+          </a:lnRef>
+          <a:fillRef idx="0">
+            <a:schemeClr val="accent1"/>
+          </a:fillRef>
+          <a:effectRef idx="0">
+            <a:schemeClr val="accent1"/>
+          </a:effectRef>
+          <a:fontRef idx="minor">
+            <a:schemeClr val="tx1"/>
+          </a:fontRef>
+        </p:style>
+      </p:cxnSp>
+      <p:sp>
+        <p:nvSpPr>
+          <p:cNvPr id="113" name="CustomShape 6"/>
+          <p:cNvSpPr/>
+          <p:nvPr/>
+        </p:nvSpPr>
+        <p:spPr>
+          <a:xfrm>
+            <a:off x="3306856" y="544040"/>
+            <a:ext cx="329040" cy="364680"/>
+          </a:xfrm>
+          <a:prstGeom prst="rect">
+            <a:avLst/>
+          </a:prstGeom>
+          <a:noFill/>
+          <a:ln w="0">
+            <a:noFill/>
+          </a:ln>
+        </p:spPr>
+        <p:style>
+          <a:lnRef idx="0">
+            <a:scrgbClr r="0" g="0" b="0"/>
+          </a:lnRef>
+          <a:fillRef idx="0">
+            <a:scrgbClr r="0" g="0" b="0"/>
+          </a:fillRef>
+          <a:effectRef idx="0">
+            <a:scrgbClr r="0" g="0" b="0"/>
+          </a:effectRef>
+          <a:fontRef idx="minor"/>
+        </p:style>
+        <p:txBody>
+          <a:bodyPr wrap="none" lIns="90000" tIns="45000" rIns="90000" bIns="45000">
+            <a:spAutoFit/>
+          </a:bodyPr>
+          <a:lstStyle/>
+          <a:p>
+            <a:pPr>
+              <a:lnSpc>
+                <a:spcPct val="100000"/>
+              </a:lnSpc>
+            </a:pPr>
+            <a:r>
+              <a:rPr lang="en-US" sz="1800" b="0" strike="noStrike" spc="-1">
+                <a:solidFill>
+                  <a:srgbClr val="000000"/>
+                </a:solidFill>
+                <a:latin typeface="Calibri"/>
+              </a:rPr>
+              <a:t>N</a:t>
+            </a:r>
+            <a:endParaRPr lang="en-US" sz="1800" b="0" strike="noStrike" spc="-1">
+              <a:latin typeface="Arial"/>
+            </a:endParaRPr>
+          </a:p>
+        </p:txBody>
+      </p:sp>
+      <p:cxnSp>
+        <p:nvCxnSpPr>
+          <p:cNvPr id="82" name="肘形接點 81"/>
+          <p:cNvCxnSpPr>
+            <a:stCxn id="29" idx="0"/>
+            <a:endCxn id="40" idx="6"/>
+          </p:cNvCxnSpPr>
+          <p:nvPr/>
+        </p:nvCxnSpPr>
+        <p:spPr>
+          <a:xfrm rot="16200000" flipV="1">
+            <a:off x="2470857" y="-267117"/>
+            <a:ext cx="399548" cy="1814702"/>
+          </a:xfrm>
+          <a:prstGeom prst="bentConnector2">
+            <a:avLst/>
+          </a:prstGeom>
+          <a:ln>
+            <a:solidFill>
+              <a:schemeClr val="tx1"/>
+            </a:solidFill>
+            <a:tailEnd type="arrow"/>
+          </a:ln>
+        </p:spPr>
+        <p:style>
+          <a:lnRef idx="1">
+            <a:schemeClr val="accent1"/>
+          </a:lnRef>
+          <a:fillRef idx="0">
+            <a:schemeClr val="accent1"/>
+          </a:fillRef>
+          <a:effectRef idx="0">
+            <a:schemeClr val="accent1"/>
+          </a:effectRef>
+          <a:fontRef idx="minor">
+            <a:schemeClr val="tx1"/>
+          </a:fontRef>
+        </p:style>
+      </p:cxnSp>
+      <p:cxnSp>
+        <p:nvCxnSpPr>
+          <p:cNvPr id="114" name="肘形接點 113"/>
+          <p:cNvCxnSpPr>
+            <a:stCxn id="29" idx="2"/>
+            <a:endCxn id="49" idx="0"/>
+          </p:cNvCxnSpPr>
+          <p:nvPr/>
+        </p:nvCxnSpPr>
+        <p:spPr>
+          <a:xfrm rot="5400000">
+            <a:off x="2233715" y="912877"/>
+            <a:ext cx="340312" cy="2348222"/>
+          </a:xfrm>
+          <a:prstGeom prst="bentConnector3">
+            <a:avLst>
+              <a:gd name="adj1" fmla="val -380"/>
+            </a:avLst>
+          </a:prstGeom>
+          <a:ln>
+            <a:solidFill>
+              <a:schemeClr val="tx1"/>
+            </a:solidFill>
+            <a:tailEnd type="arrow"/>
+          </a:ln>
+        </p:spPr>
+        <p:style>
+          <a:lnRef idx="1">
+            <a:schemeClr val="accent1"/>
+          </a:lnRef>
+          <a:fillRef idx="0">
+            <a:schemeClr val="accent1"/>
+          </a:fillRef>
+          <a:effectRef idx="0">
+            <a:schemeClr val="accent1"/>
+          </a:effectRef>
+          <a:fontRef idx="minor">
+            <a:schemeClr val="tx1"/>
+          </a:fontRef>
+        </p:style>
+      </p:cxnSp>
+      <p:sp>
+        <p:nvSpPr>
+          <p:cNvPr id="126" name="CustomShape 26"/>
+          <p:cNvSpPr/>
+          <p:nvPr/>
+        </p:nvSpPr>
+        <p:spPr>
+          <a:xfrm>
+            <a:off x="2915816" y="1624160"/>
+            <a:ext cx="292320" cy="364680"/>
+          </a:xfrm>
+          <a:prstGeom prst="rect">
+            <a:avLst/>
+          </a:prstGeom>
+          <a:noFill/>
+          <a:ln w="0">
+            <a:noFill/>
+          </a:ln>
+        </p:spPr>
+        <p:style>
+          <a:lnRef idx="0">
+            <a:scrgbClr r="0" g="0" b="0"/>
+          </a:lnRef>
+          <a:fillRef idx="0">
+            <a:scrgbClr r="0" g="0" b="0"/>
+          </a:fillRef>
+          <a:effectRef idx="0">
+            <a:scrgbClr r="0" g="0" b="0"/>
+          </a:effectRef>
+          <a:fontRef idx="minor"/>
+        </p:style>
+        <p:txBody>
+          <a:bodyPr wrap="none" lIns="90000" tIns="45000" rIns="90000" bIns="45000">
+            <a:spAutoFit/>
+          </a:bodyPr>
+          <a:lstStyle/>
+          <a:p>
+            <a:pPr>
+              <a:lnSpc>
+                <a:spcPct val="100000"/>
+              </a:lnSpc>
+            </a:pPr>
+            <a:r>
+              <a:rPr lang="en-US" sz="1800" b="0" strike="noStrike" spc="-1" dirty="0">
+                <a:solidFill>
+                  <a:srgbClr val="000000"/>
+                </a:solidFill>
+                <a:latin typeface="Calibri"/>
+              </a:rPr>
+              <a:t>Y</a:t>
+            </a:r>
+            <a:endParaRPr lang="en-US" sz="1800" b="0" strike="noStrike" spc="-1" dirty="0">
+              <a:latin typeface="Arial"/>
+            </a:endParaRPr>
+          </a:p>
+        </p:txBody>
+      </p:sp>
+      <p:cxnSp>
+        <p:nvCxnSpPr>
+          <p:cNvPr id="122" name="直線單箭頭接點 121"/>
+          <p:cNvCxnSpPr>
+            <a:stCxn id="49" idx="2"/>
+            <a:endCxn id="53" idx="0"/>
+          </p:cNvCxnSpPr>
+          <p:nvPr/>
+        </p:nvCxnSpPr>
+        <p:spPr>
+          <a:xfrm>
+            <a:off x="1229760" y="2924944"/>
+            <a:ext cx="1440" cy="360040"/>
+          </a:xfrm>
+          <a:prstGeom prst="straightConnector1">
+            <a:avLst/>
+          </a:prstGeom>
+          <a:ln>
+            <a:solidFill>
+              <a:schemeClr val="tx1"/>
+            </a:solidFill>
+            <a:tailEnd type="arrow"/>
+          </a:ln>
+        </p:spPr>
+        <p:style>
+          <a:lnRef idx="1">
+            <a:schemeClr val="accent1"/>
+          </a:lnRef>
+          <a:fillRef idx="0">
+            <a:schemeClr val="accent1"/>
+          </a:fillRef>
+          <a:effectRef idx="0">
+            <a:schemeClr val="accent1"/>
+          </a:effectRef>
+          <a:fontRef idx="minor">
+            <a:schemeClr val="tx1"/>
+          </a:fontRef>
+        </p:style>
+      </p:cxnSp>
+      <p:cxnSp>
+        <p:nvCxnSpPr>
+          <p:cNvPr id="141" name="肘形接點 140"/>
+          <p:cNvCxnSpPr>
+            <a:stCxn id="56" idx="0"/>
+            <a:endCxn id="98" idx="2"/>
+          </p:cNvCxnSpPr>
+          <p:nvPr/>
+        </p:nvCxnSpPr>
+        <p:spPr>
+          <a:xfrm rot="5400000" flipH="1" flipV="1">
+            <a:off x="1834010" y="3249238"/>
+            <a:ext cx="194240" cy="1403460"/>
+          </a:xfrm>
+          <a:prstGeom prst="bentConnector3">
+            <a:avLst>
+              <a:gd name="adj1" fmla="val 5866"/>
+            </a:avLst>
+          </a:prstGeom>
+          <a:ln>
+            <a:solidFill>
+              <a:schemeClr val="tx1"/>
+            </a:solidFill>
+            <a:tailEnd type="arrow"/>
+          </a:ln>
+        </p:spPr>
+        <p:style>
+          <a:lnRef idx="1">
+            <a:schemeClr val="accent1"/>
+          </a:lnRef>
+          <a:fillRef idx="0">
+            <a:schemeClr val="accent1"/>
+          </a:fillRef>
+          <a:effectRef idx="0">
+            <a:schemeClr val="accent1"/>
+          </a:effectRef>
+          <a:fontRef idx="minor">
+            <a:schemeClr val="tx1"/>
+          </a:fontRef>
+        </p:style>
+      </p:cxnSp>
+      <p:cxnSp>
+        <p:nvCxnSpPr>
+          <p:cNvPr id="144" name="直線單箭頭接點 143"/>
+          <p:cNvCxnSpPr>
+            <a:stCxn id="53" idx="2"/>
+            <a:endCxn id="56" idx="0"/>
+          </p:cNvCxnSpPr>
+          <p:nvPr/>
+        </p:nvCxnSpPr>
+        <p:spPr>
+          <a:xfrm flipH="1">
+            <a:off x="1229400" y="3675584"/>
+            <a:ext cx="1800" cy="372504"/>
+          </a:xfrm>
+          <a:prstGeom prst="straightConnector1">
+            <a:avLst/>
+          </a:prstGeom>
+          <a:ln>
+            <a:solidFill>
+              <a:schemeClr val="tx1"/>
+            </a:solidFill>
+            <a:tailEnd type="arrow"/>
+          </a:ln>
+        </p:spPr>
+        <p:style>
+          <a:lnRef idx="1">
+            <a:schemeClr val="accent1"/>
+          </a:lnRef>
+          <a:fillRef idx="0">
+            <a:schemeClr val="accent1"/>
+          </a:fillRef>
+          <a:effectRef idx="0">
+            <a:schemeClr val="accent1"/>
+          </a:effectRef>
+          <a:fontRef idx="minor">
+            <a:schemeClr val="tx1"/>
+          </a:fontRef>
+        </p:style>
+      </p:cxnSp>
+      <p:cxnSp>
+        <p:nvCxnSpPr>
+          <p:cNvPr id="146" name="肘形接點 145"/>
+          <p:cNvCxnSpPr>
+            <a:stCxn id="124" idx="1"/>
+            <a:endCxn id="56" idx="3"/>
+          </p:cNvCxnSpPr>
+          <p:nvPr/>
+        </p:nvCxnSpPr>
+        <p:spPr>
+          <a:xfrm rot="10800000">
+            <a:off x="1761120" y="4866756"/>
+            <a:ext cx="3434220" cy="355096"/>
+          </a:xfrm>
+          <a:prstGeom prst="bentConnector3">
+            <a:avLst/>
+          </a:prstGeom>
+          <a:ln>
+            <a:solidFill>
+              <a:schemeClr val="tx1"/>
+            </a:solidFill>
+            <a:tailEnd type="arrow"/>
+          </a:ln>
+        </p:spPr>
+        <p:style>
+          <a:lnRef idx="1">
+            <a:schemeClr val="accent1"/>
+          </a:lnRef>
+          <a:fillRef idx="0">
+            <a:schemeClr val="accent1"/>
+          </a:fillRef>
+          <a:effectRef idx="0">
+            <a:schemeClr val="accent1"/>
+          </a:effectRef>
+          <a:fontRef idx="minor">
+            <a:schemeClr val="tx1"/>
+          </a:fontRef>
+        </p:style>
+      </p:cxnSp>
+      <p:cxnSp>
+        <p:nvCxnSpPr>
+          <p:cNvPr id="151" name="肘形接點 150"/>
+          <p:cNvCxnSpPr>
+            <a:stCxn id="109" idx="2"/>
+          </p:cNvCxnSpPr>
+          <p:nvPr/>
+        </p:nvCxnSpPr>
+        <p:spPr>
+          <a:xfrm rot="5400000">
+            <a:off x="5219928" y="1772768"/>
+            <a:ext cx="216024" cy="1512264"/>
+          </a:xfrm>
+          <a:prstGeom prst="bentConnector2">
+            <a:avLst/>
+          </a:prstGeom>
+          <a:ln>
+            <a:solidFill>
+              <a:schemeClr val="tx1"/>
+            </a:solidFill>
+            <a:tailEnd type="arrow"/>
+          </a:ln>
+        </p:spPr>
+        <p:style>
+          <a:lnRef idx="1">
+            <a:schemeClr val="accent1"/>
+          </a:lnRef>
+          <a:fillRef idx="0">
+            <a:schemeClr val="accent1"/>
+          </a:fillRef>
+          <a:effectRef idx="0">
+            <a:schemeClr val="accent1"/>
+          </a:effectRef>
+          <a:fontRef idx="minor">
+            <a:schemeClr val="tx1"/>
+          </a:fontRef>
+        </p:style>
+      </p:cxnSp>
+      <p:cxnSp>
+        <p:nvCxnSpPr>
+          <p:cNvPr id="159" name="肘形接點 158"/>
+          <p:cNvCxnSpPr>
+            <a:stCxn id="66" idx="2"/>
+            <a:endCxn id="78" idx="1"/>
+          </p:cNvCxnSpPr>
+          <p:nvPr/>
+        </p:nvCxnSpPr>
+        <p:spPr>
+          <a:xfrm rot="16200000" flipH="1">
+            <a:off x="4109294" y="2235426"/>
+            <a:ext cx="640100" cy="1443072"/>
+          </a:xfrm>
+          <a:prstGeom prst="bentConnector2">
+            <a:avLst/>
+          </a:prstGeom>
+          <a:ln>
+            <a:solidFill>
+              <a:schemeClr val="tx1"/>
+            </a:solidFill>
+            <a:tailEnd type="arrow"/>
+          </a:ln>
+        </p:spPr>
+        <p:style>
+          <a:lnRef idx="1">
+            <a:schemeClr val="accent1"/>
+          </a:lnRef>
+          <a:fillRef idx="0">
+            <a:schemeClr val="accent1"/>
+          </a:fillRef>
+          <a:effectRef idx="0">
+            <a:schemeClr val="accent1"/>
+          </a:effectRef>
+          <a:fontRef idx="minor">
+            <a:schemeClr val="tx1"/>
+          </a:fontRef>
+        </p:style>
+      </p:cxnSp>
+      <p:cxnSp>
+        <p:nvCxnSpPr>
+          <p:cNvPr id="161" name="肘形接點 160"/>
+          <p:cNvCxnSpPr>
+            <a:stCxn id="78" idx="2"/>
+            <a:endCxn id="80" idx="0"/>
+          </p:cNvCxnSpPr>
+          <p:nvPr/>
+        </p:nvCxnSpPr>
+        <p:spPr>
+          <a:xfrm rot="5400000">
+            <a:off x="4732132" y="2764260"/>
+            <a:ext cx="474616" cy="2090880"/>
+          </a:xfrm>
+          <a:prstGeom prst="bentConnector3">
+            <a:avLst/>
+          </a:prstGeom>
+          <a:ln>
+            <a:solidFill>
+              <a:schemeClr val="tx1"/>
+            </a:solidFill>
+            <a:tailEnd type="arrow"/>
+          </a:ln>
+        </p:spPr>
+        <p:style>
+          <a:lnRef idx="1">
+            <a:schemeClr val="accent1"/>
+          </a:lnRef>
+          <a:fillRef idx="0">
+            <a:schemeClr val="accent1"/>
+          </a:fillRef>
+          <a:effectRef idx="0">
+            <a:schemeClr val="accent1"/>
+          </a:effectRef>
+          <a:fontRef idx="minor">
+            <a:schemeClr val="tx1"/>
+          </a:fontRef>
+        </p:style>
+      </p:cxnSp>
+      <p:sp>
+        <p:nvSpPr>
+          <p:cNvPr id="162" name="CustomShape 39"/>
+          <p:cNvSpPr/>
+          <p:nvPr/>
+        </p:nvSpPr>
+        <p:spPr>
+          <a:xfrm>
+            <a:off x="5208952" y="4046896"/>
+            <a:ext cx="1728000" cy="590760"/>
+          </a:xfrm>
+          <a:prstGeom prst="rect">
+            <a:avLst/>
+          </a:prstGeom>
+          <a:noFill/>
+          <a:ln>
+            <a:solidFill>
+              <a:schemeClr val="tx1"/>
+            </a:solidFill>
+            <a:round/>
+          </a:ln>
+        </p:spPr>
+        <p:style>
+          <a:lnRef idx="2">
+            <a:schemeClr val="accent1">
+              <a:shade val="50000"/>
+            </a:schemeClr>
+          </a:lnRef>
+          <a:fillRef idx="1">
+            <a:schemeClr val="accent1"/>
+          </a:fillRef>
+          <a:effectRef idx="0">
+            <a:schemeClr val="accent1"/>
+          </a:effectRef>
+          <a:fontRef idx="minor"/>
+        </p:style>
+      </p:sp>
+      <p:sp>
+        <p:nvSpPr>
+          <p:cNvPr id="163" name="CustomShape 40"/>
+          <p:cNvSpPr/>
+          <p:nvPr/>
+        </p:nvSpPr>
+        <p:spPr>
+          <a:xfrm>
+            <a:off x="5538447" y="4155050"/>
+            <a:ext cx="1104575" cy="367878"/>
+          </a:xfrm>
+          <a:prstGeom prst="rect">
+            <a:avLst/>
+          </a:prstGeom>
+          <a:noFill/>
+          <a:ln w="0">
+            <a:noFill/>
+          </a:ln>
+        </p:spPr>
+        <p:style>
+          <a:lnRef idx="0">
+            <a:scrgbClr r="0" g="0" b="0"/>
+          </a:lnRef>
+          <a:fillRef idx="0">
+            <a:scrgbClr r="0" g="0" b="0"/>
+          </a:fillRef>
+          <a:effectRef idx="0">
+            <a:scrgbClr r="0" g="0" b="0"/>
+          </a:effectRef>
+          <a:fontRef idx="minor"/>
+        </p:style>
+        <p:txBody>
+          <a:bodyPr wrap="none" lIns="90000" tIns="45000" rIns="90000" bIns="45000">
+            <a:spAutoFit/>
+          </a:bodyPr>
+          <a:lstStyle/>
+          <a:p>
+            <a:pPr>
+              <a:lnSpc>
+                <a:spcPct val="100000"/>
+              </a:lnSpc>
+            </a:pPr>
+            <a:r>
+              <a:rPr lang="zh-TW" altLang="en-US" sz="1800" b="0" strike="noStrike" spc="-1" dirty="0" smtClean="0">
+                <a:latin typeface="Arial"/>
+              </a:rPr>
+              <a:t>資料合併</a:t>
+            </a:r>
+            <a:endParaRPr lang="en-US" sz="1800" b="0" strike="noStrike" spc="-1" dirty="0">
+              <a:latin typeface="Arial"/>
+            </a:endParaRPr>
+          </a:p>
+        </p:txBody>
+      </p:sp>
+      <p:cxnSp>
+        <p:nvCxnSpPr>
+          <p:cNvPr id="166" name="肘形接點 165"/>
+          <p:cNvCxnSpPr>
+            <a:stCxn id="84" idx="2"/>
+            <a:endCxn id="162" idx="0"/>
+          </p:cNvCxnSpPr>
+          <p:nvPr/>
+        </p:nvCxnSpPr>
+        <p:spPr>
+          <a:xfrm rot="5400000">
+            <a:off x="6763612" y="2710148"/>
+            <a:ext cx="646088" cy="2027408"/>
+          </a:xfrm>
+          <a:prstGeom prst="bentConnector3">
+            <a:avLst/>
+          </a:prstGeom>
+          <a:ln>
+            <a:solidFill>
+              <a:schemeClr val="tx1"/>
+            </a:solidFill>
+            <a:tailEnd type="arrow"/>
+          </a:ln>
+        </p:spPr>
+        <p:style>
+          <a:lnRef idx="1">
+            <a:schemeClr val="accent1"/>
+          </a:lnRef>
+          <a:fillRef idx="0">
+            <a:schemeClr val="accent1"/>
+          </a:fillRef>
+          <a:effectRef idx="0">
+            <a:schemeClr val="accent1"/>
+          </a:effectRef>
+          <a:fontRef idx="minor">
+            <a:schemeClr val="tx1"/>
+          </a:fontRef>
+        </p:style>
+      </p:cxnSp>
+      <p:cxnSp>
+        <p:nvCxnSpPr>
+          <p:cNvPr id="168" name="直線單箭頭接點 167"/>
           <p:cNvCxnSpPr>
             <a:stCxn id="86" idx="1"/>
+            <a:endCxn id="162" idx="3"/>
+          </p:cNvCxnSpPr>
+          <p:nvPr/>
+        </p:nvCxnSpPr>
+        <p:spPr>
+          <a:xfrm flipH="1" flipV="1">
+            <a:off x="6936952" y="4342276"/>
+            <a:ext cx="299408" cy="1192"/>
+          </a:xfrm>
+          <a:prstGeom prst="straightConnector1">
+            <a:avLst/>
+          </a:prstGeom>
+          <a:ln>
+            <a:solidFill>
+              <a:schemeClr val="tx1"/>
+            </a:solidFill>
+            <a:tailEnd type="arrow"/>
+          </a:ln>
+        </p:spPr>
+        <p:style>
+          <a:lnRef idx="1">
+            <a:schemeClr val="accent1"/>
+          </a:lnRef>
+          <a:fillRef idx="0">
+            <a:schemeClr val="accent1"/>
+          </a:fillRef>
+          <a:effectRef idx="0">
+            <a:schemeClr val="accent1"/>
+          </a:effectRef>
+          <a:fontRef idx="minor">
+            <a:schemeClr val="tx1"/>
+          </a:fontRef>
+        </p:style>
+      </p:cxnSp>
+      <p:cxnSp>
+        <p:nvCxnSpPr>
+          <p:cNvPr id="170" name="直線單箭頭接點 169"/>
+          <p:cNvCxnSpPr>
+            <a:stCxn id="162" idx="1"/>
             <a:endCxn id="80" idx="3"/>
           </p:cNvCxnSpPr>
           <p:nvPr/>
         </p:nvCxnSpPr>
         <p:spPr>
-          <a:xfrm flipH="1" flipV="1">
-            <a:off x="4788000" y="4342388"/>
-            <a:ext cx="2448360" cy="1080"/>
+          <a:xfrm flipH="1">
+            <a:off x="4788000" y="4342276"/>
+            <a:ext cx="420952" cy="112"/>
           </a:xfrm>
           <a:prstGeom prst="straightConnector1">
             <a:avLst/>
@@ -5536,7 +5711,7 @@
     <mc:Choice Requires="p14">
       <p:transition spd="slow" p14:dur="2000"/>
     </mc:Choice>
-    <mc:Fallback xmlns:p15="http://schemas.microsoft.com/office/powerpoint/2012/main" xmlns="">
+    <mc:Fallback xmlns="" xmlns:p15="http://schemas.microsoft.com/office/powerpoint/2012/main">
       <p:transition spd="slow"/>
     </mc:Fallback>
   </mc:AlternateContent>

--- a/流程圖.pptx
+++ b/流程圖.pptx
@@ -1999,6 +1999,7 @@
               <a:schemeClr val="tx1"/>
             </a:solidFill>
             <a:round/>
+            <a:tailEnd type="triangle"/>
           </a:ln>
         </p:spPr>
         <p:style>
@@ -2033,6 +2034,7 @@
           <a:noFill/>
           <a:ln w="0">
             <a:noFill/>
+            <a:tailEnd type="triangle"/>
           </a:ln>
         </p:spPr>
         <p:style>
@@ -2059,7 +2061,7 @@
               </a:lnSpc>
             </a:pPr>
             <a:r>
-              <a:rPr lang="zh-TW" sz="1800" b="0" strike="noStrike" spc="-1">
+              <a:rPr lang="zh-TW" spc="-1" dirty="0">
                 <a:solidFill>
                   <a:srgbClr val="000000"/>
                 </a:solidFill>
@@ -2067,8 +2069,11 @@
               </a:rPr>
               <a:t>使用者</a:t>
             </a:r>
-            <a:endParaRPr lang="en-US" sz="1800" b="0" strike="noStrike" spc="-1">
-              <a:latin typeface="Arial"/>
+            <a:endParaRPr lang="en-US" spc="-1" dirty="0">
+              <a:solidFill>
+                <a:srgbClr val="000000"/>
+              </a:solidFill>
+              <a:latin typeface="Calibri"/>
             </a:endParaRPr>
           </a:p>
         </p:txBody>
@@ -2081,7 +2086,7 @@
         </p:nvSpPr>
         <p:spPr>
           <a:xfrm>
-            <a:off x="683640" y="6039000"/>
+            <a:off x="683640" y="6237728"/>
             <a:ext cx="1079640" cy="503640"/>
           </a:xfrm>
           <a:prstGeom prst="ellipse">
@@ -2093,6 +2098,7 @@
               <a:schemeClr val="tx1"/>
             </a:solidFill>
             <a:round/>
+            <a:tailEnd type="triangle"/>
           </a:ln>
         </p:spPr>
         <p:style>
@@ -2118,7 +2124,7 @@
         </p:nvSpPr>
         <p:spPr>
           <a:xfrm>
-            <a:off x="933120" y="6106320"/>
+            <a:off x="933120" y="6305048"/>
             <a:ext cx="580320" cy="364680"/>
           </a:xfrm>
           <a:prstGeom prst="rect">
@@ -2127,6 +2133,7 @@
           <a:noFill/>
           <a:ln w="0">
             <a:noFill/>
+            <a:tailEnd type="triangle"/>
           </a:ln>
         </p:spPr>
         <p:style>
@@ -2153,7 +2160,7 @@
               </a:lnSpc>
             </a:pPr>
             <a:r>
-              <a:rPr lang="en-US" sz="1800" b="0" strike="noStrike" spc="-1">
+              <a:rPr lang="en-US" sz="1800" b="0" strike="noStrike" spc="-1" dirty="0">
                 <a:solidFill>
                   <a:srgbClr val="000000"/>
                 </a:solidFill>
@@ -2161,49 +2168,11 @@
               </a:rPr>
               <a:t>END</a:t>
             </a:r>
-            <a:endParaRPr lang="en-US" sz="1800" b="0" strike="noStrike" spc="-1">
+            <a:endParaRPr lang="en-US" sz="1800" b="0" strike="noStrike" spc="-1" dirty="0">
               <a:latin typeface="Arial"/>
             </a:endParaRPr>
           </a:p>
         </p:txBody>
-      </p:sp>
-      <p:sp>
-        <p:nvSpPr>
-          <p:cNvPr id="44" name="CustomShape 5"/>
-          <p:cNvSpPr/>
-          <p:nvPr/>
-        </p:nvSpPr>
-        <p:spPr>
-          <a:xfrm rot="10800000" flipH="1" flipV="1">
-            <a:off x="674640" y="1357200"/>
-            <a:ext cx="8280" cy="4933080"/>
-          </a:xfrm>
-          <a:prstGeom prst="bentConnector3">
-            <a:avLst>
-              <a:gd name="adj1" fmla="val -3844764"/>
-            </a:avLst>
-          </a:prstGeom>
-          <a:noFill/>
-          <a:ln>
-            <a:solidFill>
-              <a:schemeClr val="tx1"/>
-            </a:solidFill>
-            <a:round/>
-            <a:tailEnd type="arrow" w="med" len="med"/>
-          </a:ln>
-        </p:spPr>
-        <p:style>
-          <a:lnRef idx="1">
-            <a:schemeClr val="accent1"/>
-          </a:lnRef>
-          <a:fillRef idx="0">
-            <a:schemeClr val="accent1"/>
-          </a:fillRef>
-          <a:effectRef idx="0">
-            <a:schemeClr val="accent1"/>
-          </a:effectRef>
-          <a:fontRef idx="minor"/>
-        </p:style>
       </p:sp>
       <p:sp>
         <p:nvSpPr>
@@ -2222,6 +2191,7 @@
           <a:noFill/>
           <a:ln w="0">
             <a:noFill/>
+            <a:tailEnd type="triangle"/>
           </a:ln>
         </p:spPr>
         <p:style>
@@ -2248,7 +2218,7 @@
               </a:lnSpc>
             </a:pPr>
             <a:r>
-              <a:rPr lang="en-US" sz="1800" b="0" strike="noStrike" spc="-1">
+              <a:rPr lang="en-US" sz="1800" b="0" strike="noStrike" spc="-1" dirty="0">
                 <a:solidFill>
                   <a:srgbClr val="000000"/>
                 </a:solidFill>
@@ -2256,7 +2226,7 @@
               </a:rPr>
               <a:t>N</a:t>
             </a:r>
-            <a:endParaRPr lang="en-US" sz="1800" b="0" strike="noStrike" spc="-1">
+            <a:endParaRPr lang="en-US" sz="1800" b="0" strike="noStrike" spc="-1" dirty="0">
               <a:latin typeface="Arial"/>
             </a:endParaRPr>
           </a:p>
@@ -2282,6 +2252,7 @@
               <a:schemeClr val="tx1"/>
             </a:solidFill>
             <a:round/>
+            <a:tailEnd type="triangle"/>
           </a:ln>
         </p:spPr>
         <p:style>
@@ -2316,6 +2287,7 @@
           <a:noFill/>
           <a:ln w="0">
             <a:noFill/>
+            <a:tailEnd type="triangle"/>
           </a:ln>
         </p:spPr>
         <p:style>
@@ -2342,7 +2314,7 @@
               </a:lnSpc>
             </a:pPr>
             <a:r>
-              <a:rPr lang="zh-TW" sz="1800" b="0" strike="noStrike" spc="-1">
+              <a:rPr lang="zh-TW" spc="-1" dirty="0">
                 <a:solidFill>
                   <a:srgbClr val="000000"/>
                 </a:solidFill>
@@ -2350,8 +2322,11 @@
               </a:rPr>
               <a:t>同意</a:t>
             </a:r>
-            <a:endParaRPr lang="en-US" sz="1800" b="0" strike="noStrike" spc="-1">
-              <a:latin typeface="Arial"/>
+            <a:endParaRPr lang="en-US" spc="-1" dirty="0">
+              <a:solidFill>
+                <a:srgbClr val="000000"/>
+              </a:solidFill>
+              <a:latin typeface="Calibri"/>
             </a:endParaRPr>
           </a:p>
           <a:p>
@@ -2361,7 +2336,7 @@
               </a:lnSpc>
             </a:pPr>
             <a:r>
-              <a:rPr lang="zh-TW" sz="1800" b="0" strike="noStrike" spc="-1">
+              <a:rPr lang="zh-TW" sz="1800" b="0" strike="noStrike" spc="-1" dirty="0">
                 <a:solidFill>
                   <a:srgbClr val="000000"/>
                 </a:solidFill>
@@ -2369,7 +2344,7 @@
               </a:rPr>
               <a:t>規則</a:t>
             </a:r>
-            <a:endParaRPr lang="en-US" sz="1800" b="0" strike="noStrike" spc="-1">
+            <a:endParaRPr lang="en-US" sz="1800" b="0" strike="noStrike" spc="-1" dirty="0">
               <a:latin typeface="Arial"/>
             </a:endParaRPr>
           </a:p>
@@ -2409,7 +2384,7 @@
               <a:schemeClr val="tx1"/>
             </a:solidFill>
             <a:round/>
-            <a:tailEnd type="arrow" w="med" len="med"/>
+            <a:tailEnd type="triangle" w="med" len="med"/>
           </a:ln>
         </p:spPr>
         <p:style>
@@ -2433,7 +2408,7 @@
         </p:nvSpPr>
         <p:spPr>
           <a:xfrm>
-            <a:off x="696240" y="2257144"/>
+            <a:off x="696648" y="1969112"/>
             <a:ext cx="1067040" cy="667800"/>
           </a:xfrm>
           <a:prstGeom prst="rect">
@@ -2445,6 +2420,7 @@
               <a:schemeClr val="tx1"/>
             </a:solidFill>
             <a:round/>
+            <a:tailEnd type="triangle"/>
           </a:ln>
         </p:spPr>
         <p:style>
@@ -2470,7 +2446,7 @@
         </p:nvSpPr>
         <p:spPr>
           <a:xfrm>
-            <a:off x="785880" y="2279104"/>
+            <a:off x="786288" y="1991072"/>
             <a:ext cx="866880" cy="639000"/>
           </a:xfrm>
           <a:prstGeom prst="rect">
@@ -2479,6 +2455,7 @@
           <a:noFill/>
           <a:ln w="0">
             <a:noFill/>
+            <a:tailEnd type="triangle"/>
           </a:ln>
         </p:spPr>
         <p:style>
@@ -2505,7 +2482,7 @@
               </a:lnSpc>
             </a:pPr>
             <a:r>
-              <a:rPr lang="zh-TW" sz="1800" b="0" strike="noStrike" spc="-1">
+              <a:rPr lang="zh-TW" sz="1800" b="0" strike="noStrike" spc="-1" dirty="0">
                 <a:solidFill>
                   <a:srgbClr val="000000"/>
                 </a:solidFill>
@@ -2513,7 +2490,7 @@
               </a:rPr>
               <a:t>填基本</a:t>
             </a:r>
-            <a:endParaRPr lang="en-US" sz="1800" b="0" strike="noStrike" spc="-1">
+            <a:endParaRPr lang="en-US" sz="1800" b="0" strike="noStrike" spc="-1" dirty="0">
               <a:latin typeface="Arial"/>
             </a:endParaRPr>
           </a:p>
@@ -2524,7 +2501,7 @@
               </a:lnSpc>
             </a:pPr>
             <a:r>
-              <a:rPr lang="zh-TW" sz="1800" b="0" strike="noStrike" spc="-1">
+              <a:rPr lang="zh-TW" sz="1800" b="0" strike="noStrike" spc="-1" dirty="0">
                 <a:solidFill>
                   <a:srgbClr val="000000"/>
                 </a:solidFill>
@@ -2532,7 +2509,7 @@
               </a:rPr>
               <a:t>資料</a:t>
             </a:r>
-            <a:endParaRPr lang="en-US" sz="1800" b="0" strike="noStrike" spc="-1">
+            <a:endParaRPr lang="en-US" sz="1800" b="0" strike="noStrike" spc="-1" dirty="0">
               <a:latin typeface="Arial"/>
             </a:endParaRPr>
           </a:p>
@@ -2546,7 +2523,7 @@
         </p:nvSpPr>
         <p:spPr>
           <a:xfrm>
-            <a:off x="697680" y="3284984"/>
+            <a:off x="697680" y="3110408"/>
             <a:ext cx="1067040" cy="390600"/>
           </a:xfrm>
           <a:prstGeom prst="rect">
@@ -2558,6 +2535,7 @@
               <a:schemeClr val="tx1"/>
             </a:solidFill>
             <a:round/>
+            <a:tailEnd type="triangle"/>
           </a:ln>
         </p:spPr>
         <p:style>
@@ -2583,7 +2561,7 @@
         </p:nvSpPr>
         <p:spPr>
           <a:xfrm>
-            <a:off x="911880" y="3306944"/>
+            <a:off x="911880" y="3132368"/>
             <a:ext cx="638280" cy="364680"/>
           </a:xfrm>
           <a:prstGeom prst="rect">
@@ -2592,6 +2570,7 @@
           <a:noFill/>
           <a:ln w="0">
             <a:noFill/>
+            <a:tailEnd type="triangle"/>
           </a:ln>
         </p:spPr>
         <p:style>
@@ -2618,7 +2597,7 @@
               </a:lnSpc>
             </a:pPr>
             <a:r>
-              <a:rPr lang="zh-TW" sz="1800" b="0" strike="noStrike" spc="-1">
+              <a:rPr lang="zh-TW" sz="1800" b="0" strike="noStrike" spc="-1" dirty="0">
                 <a:solidFill>
                   <a:srgbClr val="000000"/>
                 </a:solidFill>
@@ -2626,7 +2605,7 @@
               </a:rPr>
               <a:t>登入</a:t>
             </a:r>
-            <a:endParaRPr lang="en-US" sz="1800" b="0" strike="noStrike" spc="-1">
+            <a:endParaRPr lang="en-US" sz="1800" b="0" strike="noStrike" spc="-1" dirty="0">
               <a:latin typeface="Arial"/>
             </a:endParaRPr>
           </a:p>
@@ -2640,7 +2619,7 @@
         </p:nvSpPr>
         <p:spPr>
           <a:xfrm>
-            <a:off x="697680" y="4048088"/>
+            <a:off x="697680" y="4383952"/>
             <a:ext cx="1063440" cy="1637336"/>
           </a:xfrm>
           <a:prstGeom prst="rect">
@@ -2652,6 +2631,7 @@
               <a:schemeClr val="tx1"/>
             </a:solidFill>
             <a:round/>
+            <a:tailEnd type="triangle"/>
           </a:ln>
         </p:spPr>
         <p:style>
@@ -2677,7 +2657,7 @@
         </p:nvSpPr>
         <p:spPr>
           <a:xfrm>
-            <a:off x="656545" y="4113367"/>
+            <a:off x="656545" y="4449231"/>
             <a:ext cx="1104575" cy="1475873"/>
           </a:xfrm>
           <a:prstGeom prst="rect">
@@ -2686,6 +2666,7 @@
           <a:noFill/>
           <a:ln w="0">
             <a:noFill/>
+            <a:tailEnd type="triangle"/>
           </a:ln>
         </p:spPr>
         <p:style>
@@ -2849,63 +2830,13 @@
       </p:sp>
       <p:sp>
         <p:nvSpPr>
-          <p:cNvPr id="58" name="CustomShape 19"/>
-          <p:cNvSpPr/>
-          <p:nvPr/>
-        </p:nvSpPr>
-        <p:spPr>
-          <a:xfrm flipH="1">
-            <a:off x="1222920" y="5733360"/>
-            <a:ext cx="7560" cy="305280"/>
-          </a:xfrm>
-          <a:custGeom>
-            <a:avLst/>
-            <a:gdLst/>
-            <a:ahLst/>
-            <a:cxnLst/>
-            <a:rect l="l" t="t" r="r" b="b"/>
-            <a:pathLst>
-              <a:path w="21600" h="21600">
-                <a:moveTo>
-                  <a:pt x="0" y="0"/>
-                </a:moveTo>
-                <a:lnTo>
-                  <a:pt x="21600" y="21600"/>
-                </a:lnTo>
-              </a:path>
-            </a:pathLst>
-          </a:custGeom>
-          <a:noFill/>
-          <a:ln>
-            <a:solidFill>
-              <a:schemeClr val="tx1"/>
-            </a:solidFill>
-            <a:round/>
-            <a:tailEnd type="arrow" w="med" len="med"/>
-          </a:ln>
-        </p:spPr>
-        <p:style>
-          <a:lnRef idx="1">
-            <a:schemeClr val="accent1"/>
-          </a:lnRef>
-          <a:fillRef idx="0">
-            <a:schemeClr val="accent1"/>
-          </a:fillRef>
-          <a:effectRef idx="0">
-            <a:schemeClr val="accent1"/>
-          </a:effectRef>
-          <a:fontRef idx="minor"/>
-        </p:style>
-      </p:sp>
-      <p:sp>
-        <p:nvSpPr>
           <p:cNvPr id="65" name="CustomShape 26"/>
           <p:cNvSpPr/>
           <p:nvPr/>
         </p:nvSpPr>
         <p:spPr>
           <a:xfrm>
-            <a:off x="1687392" y="1052736"/>
+            <a:off x="899592" y="1628800"/>
             <a:ext cx="292320" cy="364680"/>
           </a:xfrm>
           <a:prstGeom prst="rect">
@@ -2914,6 +2845,7 @@
           <a:noFill/>
           <a:ln w="0">
             <a:noFill/>
+            <a:tailEnd type="triangle"/>
           </a:ln>
         </p:spPr>
         <p:style>
@@ -2962,7 +2894,7 @@
         </p:nvSpPr>
         <p:spPr>
           <a:xfrm>
-            <a:off x="2843808" y="2046152"/>
+            <a:off x="2843808" y="2334184"/>
             <a:ext cx="1728000" cy="590760"/>
           </a:xfrm>
           <a:prstGeom prst="rect">
@@ -2974,6 +2906,7 @@
               <a:schemeClr val="tx1"/>
             </a:solidFill>
             <a:round/>
+            <a:tailEnd type="triangle"/>
           </a:ln>
         </p:spPr>
         <p:style>
@@ -2999,7 +2932,7 @@
         </p:nvSpPr>
         <p:spPr>
           <a:xfrm>
-            <a:off x="2931288" y="2157032"/>
+            <a:off x="2931288" y="2445064"/>
             <a:ext cx="1552680" cy="364680"/>
           </a:xfrm>
           <a:prstGeom prst="rect">
@@ -3008,6 +2941,7 @@
           <a:noFill/>
           <a:ln w="0">
             <a:noFill/>
+            <a:tailEnd type="triangle"/>
           </a:ln>
         </p:spPr>
         <p:style>
@@ -3034,7 +2968,7 @@
               </a:lnSpc>
             </a:pPr>
             <a:r>
-              <a:rPr lang="zh-TW" sz="1800" b="0" strike="noStrike" spc="-1">
+              <a:rPr lang="zh-TW" sz="1800" b="0" strike="noStrike" spc="-1" dirty="0">
                 <a:solidFill>
                   <a:srgbClr val="000000"/>
                 </a:solidFill>
@@ -3042,7 +2976,7 @@
               </a:rPr>
               <a:t>存入個人資料</a:t>
             </a:r>
-            <a:endParaRPr lang="en-US" sz="1800" b="0" strike="noStrike" spc="-1">
+            <a:endParaRPr lang="en-US" sz="1800" b="0" strike="noStrike" spc="-1" dirty="0">
               <a:latin typeface="Arial"/>
             </a:endParaRPr>
           </a:p>
@@ -3068,6 +3002,7 @@
               <a:schemeClr val="tx1"/>
             </a:solidFill>
             <a:round/>
+            <a:tailEnd type="triangle"/>
           </a:ln>
         </p:spPr>
         <p:style>
@@ -3102,6 +3037,7 @@
           <a:noFill/>
           <a:ln w="0">
             <a:noFill/>
+            <a:tailEnd type="triangle"/>
           </a:ln>
         </p:spPr>
         <p:style>
@@ -3274,6 +3210,7 @@
               <a:schemeClr val="tx1"/>
             </a:solidFill>
             <a:round/>
+            <a:tailEnd type="triangle"/>
           </a:ln>
         </p:spPr>
         <p:style>
@@ -3308,6 +3245,7 @@
           <a:noFill/>
           <a:ln w="0">
             <a:noFill/>
+            <a:tailEnd type="triangle"/>
           </a:ln>
         </p:spPr>
         <p:style>
@@ -3368,6 +3306,7 @@
               <a:schemeClr val="tx1"/>
             </a:solidFill>
             <a:round/>
+            <a:tailEnd type="triangle"/>
           </a:ln>
         </p:spPr>
         <p:style>
@@ -3393,8 +3332,8 @@
         </p:nvSpPr>
         <p:spPr>
           <a:xfrm>
-            <a:off x="3376080" y="4158248"/>
-            <a:ext cx="1095480" cy="364680"/>
+            <a:off x="3131840" y="4158248"/>
+            <a:ext cx="1565983" cy="367878"/>
           </a:xfrm>
           <a:prstGeom prst="rect">
             <a:avLst/>
@@ -3402,6 +3341,7 @@
           <a:noFill/>
           <a:ln w="0">
             <a:noFill/>
+            <a:tailEnd type="triangle"/>
           </a:ln>
         </p:spPr>
         <p:style>
@@ -3428,15 +3368,33 @@
               </a:lnSpc>
             </a:pPr>
             <a:r>
-              <a:rPr lang="zh-TW" sz="1800" b="0" strike="noStrike" spc="-1">
+              <a:rPr lang="zh-TW" altLang="zh-TW" spc="-1" dirty="0">
                 <a:solidFill>
                   <a:srgbClr val="000000"/>
                 </a:solidFill>
                 <a:latin typeface="Calibri"/>
               </a:rPr>
-              <a:t>公司資料</a:t>
+              <a:t>存入</a:t>
             </a:r>
-            <a:endParaRPr lang="en-US" sz="1800" b="0" strike="noStrike" spc="-1">
+            <a:r>
+              <a:rPr lang="zh-TW" sz="1800" b="0" strike="noStrike" spc="-1" dirty="0" smtClean="0">
+                <a:solidFill>
+                  <a:srgbClr val="000000"/>
+                </a:solidFill>
+                <a:latin typeface="Calibri"/>
+              </a:rPr>
+              <a:t>公司</a:t>
+            </a:r>
+            <a:r>
+              <a:rPr lang="zh-TW" sz="1800" b="0" strike="noStrike" spc="-1" dirty="0">
+                <a:solidFill>
+                  <a:srgbClr val="000000"/>
+                </a:solidFill>
+                <a:latin typeface="Calibri"/>
+              </a:rPr>
+              <a:t>資料</a:t>
+            </a:r>
+            <a:endParaRPr lang="en-US" sz="1800" b="0" strike="noStrike" spc="-1" dirty="0">
               <a:latin typeface="Arial"/>
             </a:endParaRPr>
           </a:p>
@@ -3638,7 +3596,7 @@
         </p:nvSpPr>
         <p:spPr>
           <a:xfrm>
-            <a:off x="7264872" y="5574544"/>
+            <a:off x="7246080" y="5574544"/>
             <a:ext cx="1728000" cy="590760"/>
           </a:xfrm>
           <a:prstGeom prst="rect">
@@ -3675,7 +3633,7 @@
         </p:nvSpPr>
         <p:spPr>
           <a:xfrm>
-            <a:off x="7358472" y="5685424"/>
+            <a:off x="7433640" y="5685424"/>
             <a:ext cx="1540440" cy="364680"/>
           </a:xfrm>
           <a:prstGeom prst="rect">
@@ -3744,6 +3702,7 @@
               <a:schemeClr val="tx1"/>
             </a:solidFill>
             <a:round/>
+            <a:tailEnd type="triangle"/>
           </a:ln>
         </p:spPr>
         <p:style>
@@ -3778,6 +3737,7 @@
           <a:noFill/>
           <a:ln w="0">
             <a:noFill/>
+            <a:tailEnd type="triangle"/>
           </a:ln>
         </p:spPr>
         <p:style>
@@ -3804,7 +3764,7 @@
               </a:lnSpc>
             </a:pPr>
             <a:r>
-              <a:rPr lang="zh-TW" sz="1800" b="0" strike="noStrike" spc="-1">
+              <a:rPr lang="zh-TW" sz="1800" b="0" strike="noStrike" spc="-1" dirty="0">
                 <a:solidFill>
                   <a:srgbClr val="000000"/>
                 </a:solidFill>
@@ -3813,7 +3773,7 @@
               <a:t>預測下季</a:t>
             </a:r>
             <a:r>
-              <a:rPr lang="en-US" sz="1800" b="0" strike="noStrike" spc="-1">
+              <a:rPr lang="en-US" sz="1800" b="0" strike="noStrike" spc="-1" dirty="0">
                 <a:solidFill>
                   <a:srgbClr val="000000"/>
                 </a:solidFill>
@@ -3821,7 +3781,7 @@
               </a:rPr>
               <a:t>ROE</a:t>
             </a:r>
-            <a:endParaRPr lang="en-US" sz="1800" b="0" strike="noStrike" spc="-1">
+            <a:endParaRPr lang="en-US" sz="1800" b="0" strike="noStrike" spc="-1" dirty="0">
               <a:latin typeface="Arial"/>
             </a:endParaRPr>
           </a:p>
@@ -3847,6 +3807,7 @@
               <a:schemeClr val="tx1"/>
             </a:solidFill>
             <a:round/>
+            <a:tailEnd type="triangle"/>
           </a:ln>
         </p:spPr>
         <p:style>
@@ -3881,6 +3842,7 @@
           <a:noFill/>
           <a:ln w="0">
             <a:noFill/>
+            <a:tailEnd type="triangle"/>
           </a:ln>
         </p:spPr>
         <p:style>
@@ -3907,7 +3869,7 @@
               </a:lnSpc>
             </a:pPr>
             <a:r>
-              <a:rPr lang="zh-TW" sz="1800" b="0" strike="noStrike" spc="-1">
+              <a:rPr lang="zh-TW" sz="1800" b="0" strike="noStrike" spc="-1" dirty="0">
                 <a:solidFill>
                   <a:srgbClr val="000000"/>
                 </a:solidFill>
@@ -3915,7 +3877,7 @@
               </a:rPr>
               <a:t>修改</a:t>
             </a:r>
-            <a:endParaRPr lang="en-US" sz="1800" b="0" strike="noStrike" spc="-1">
+            <a:endParaRPr lang="en-US" sz="1800" b="0" strike="noStrike" spc="-1" dirty="0">
               <a:latin typeface="Arial"/>
             </a:endParaRPr>
           </a:p>
@@ -3926,7 +3888,7 @@
               </a:lnSpc>
             </a:pPr>
             <a:r>
-              <a:rPr lang="zh-TW" sz="1800" b="0" strike="noStrike" spc="-1">
+              <a:rPr lang="zh-TW" sz="1800" b="0" strike="noStrike" spc="-1" dirty="0">
                 <a:solidFill>
                   <a:srgbClr val="000000"/>
                 </a:solidFill>
@@ -3934,7 +3896,7 @@
               </a:rPr>
               <a:t>資料</a:t>
             </a:r>
-            <a:endParaRPr lang="en-US" sz="1800" b="0" strike="noStrike" spc="-1">
+            <a:endParaRPr lang="en-US" sz="1800" b="0" strike="noStrike" spc="-1" dirty="0">
               <a:latin typeface="Arial"/>
             </a:endParaRPr>
           </a:p>
@@ -4141,7 +4103,7 @@
             <a:solidFill>
               <a:schemeClr val="tx1"/>
             </a:solidFill>
-            <a:tailEnd type="arrow"/>
+            <a:tailEnd type="triangle"/>
           </a:ln>
         </p:spPr>
         <p:style>
@@ -4179,6 +4141,7 @@
               <a:schemeClr val="tx1"/>
             </a:solidFill>
             <a:round/>
+            <a:tailEnd type="triangle"/>
           </a:ln>
         </p:spPr>
         <p:style>
@@ -4213,6 +4176,7 @@
           <a:noFill/>
           <a:ln w="0">
             <a:noFill/>
+            <a:tailEnd type="triangle"/>
           </a:ln>
         </p:spPr>
         <p:style>
@@ -4239,13 +4203,8 @@
               </a:lnSpc>
             </a:pPr>
             <a:r>
-              <a:rPr lang="zh-TW" altLang="en-US" sz="1800" b="0" strike="noStrike" spc="-1" dirty="0" smtClean="0">
-                <a:solidFill>
-                  <a:srgbClr val="000000"/>
-                </a:solidFill>
-                <a:latin typeface="Calibri"/>
-              </a:rPr>
-              <a:t>存入</a:t>
+              <a:rPr lang="zh-TW" altLang="en-US" spc="-1" dirty="0"/>
+              <a:t>擷取</a:t>
             </a:r>
             <a:r>
               <a:rPr lang="zh-TW" sz="1800" b="0" strike="noStrike" spc="-1" dirty="0" smtClean="0">
@@ -4292,7 +4251,7 @@
             <a:solidFill>
               <a:schemeClr val="tx1"/>
             </a:solidFill>
-            <a:tailEnd type="arrow"/>
+            <a:tailEnd type="triangle"/>
           </a:ln>
         </p:spPr>
         <p:style>
@@ -4330,6 +4289,7 @@
               <a:schemeClr val="tx1"/>
             </a:solidFill>
             <a:round/>
+            <a:tailEnd type="triangle"/>
           </a:ln>
         </p:spPr>
         <p:style>
@@ -4355,8 +4315,8 @@
         </p:nvSpPr>
         <p:spPr>
           <a:xfrm>
-            <a:off x="3375912" y="5685784"/>
-            <a:ext cx="1030067" cy="367878"/>
+            <a:off x="3206348" y="5685784"/>
+            <a:ext cx="1491475" cy="367878"/>
           </a:xfrm>
           <a:prstGeom prst="rect">
             <a:avLst/>
@@ -4364,6 +4324,7 @@
           <a:noFill/>
           <a:ln w="0">
             <a:noFill/>
+            <a:tailEnd type="triangle"/>
           </a:ln>
         </p:spPr>
         <p:style>
@@ -4389,6 +4350,15 @@
                 <a:spcPct val="100000"/>
               </a:lnSpc>
             </a:pPr>
+            <a:r>
+              <a:rPr lang="zh-TW" altLang="zh-TW" spc="-1" dirty="0">
+                <a:solidFill>
+                  <a:srgbClr val="000000"/>
+                </a:solidFill>
+                <a:latin typeface="Calibri"/>
+              </a:rPr>
+              <a:t>存入</a:t>
+            </a:r>
             <a:r>
               <a:rPr lang="en-US" altLang="zh-TW" spc="-1" dirty="0" smtClean="0">
                 <a:solidFill>
@@ -4424,8 +4394,8 @@
         </p:nvCxnSpPr>
         <p:spPr>
           <a:xfrm rot="5400000">
-            <a:off x="7399538" y="5644646"/>
-            <a:ext cx="208676" cy="1249992"/>
+            <a:off x="7390142" y="5654042"/>
+            <a:ext cx="208676" cy="1231200"/>
           </a:xfrm>
           <a:prstGeom prst="bentConnector2">
             <a:avLst/>
@@ -4434,48 +4404,7 @@
             <a:solidFill>
               <a:schemeClr val="tx1"/>
             </a:solidFill>
-            <a:tailEnd type="arrow"/>
-          </a:ln>
-        </p:spPr>
-        <p:style>
-          <a:lnRef idx="1">
-            <a:schemeClr val="accent1"/>
-          </a:lnRef>
-          <a:fillRef idx="0">
-            <a:schemeClr val="accent1"/>
-          </a:fillRef>
-          <a:effectRef idx="0">
-            <a:schemeClr val="accent1"/>
-          </a:effectRef>
-          <a:fontRef idx="minor">
-            <a:schemeClr val="tx1"/>
-          </a:fontRef>
-        </p:style>
-      </p:cxnSp>
-      <p:cxnSp>
-        <p:nvCxnSpPr>
-          <p:cNvPr id="33" name="肘形接點 32"/>
-          <p:cNvCxnSpPr>
-            <a:stCxn id="88" idx="1"/>
-            <a:endCxn id="111" idx="3"/>
-          </p:cNvCxnSpPr>
-          <p:nvPr/>
-        </p:nvCxnSpPr>
-        <p:spPr>
-          <a:xfrm rot="10800000">
-            <a:off x="4787832" y="5869924"/>
-            <a:ext cx="2477040" cy="12700"/>
-          </a:xfrm>
-          <a:prstGeom prst="bentConnector3">
-            <a:avLst>
-              <a:gd name="adj1" fmla="val 50000"/>
-            </a:avLst>
-          </a:prstGeom>
-          <a:ln>
-            <a:solidFill>
-              <a:schemeClr val="tx1"/>
-            </a:solidFill>
-            <a:tailEnd type="arrow"/>
+            <a:tailEnd type="triangle"/>
           </a:ln>
         </p:spPr>
         <p:style>
@@ -4504,8 +4433,8 @@
         </p:nvCxnSpPr>
         <p:spPr>
           <a:xfrm rot="10800000">
-            <a:off x="1761120" y="4866756"/>
-            <a:ext cx="1298712" cy="1003168"/>
+            <a:off x="1761120" y="5202620"/>
+            <a:ext cx="1298712" cy="667304"/>
           </a:xfrm>
           <a:prstGeom prst="bentConnector3">
             <a:avLst>
@@ -4516,7 +4445,7 @@
             <a:solidFill>
               <a:schemeClr val="tx1"/>
             </a:solidFill>
-            <a:tailEnd type="arrow"/>
+            <a:tailEnd type="triangle"/>
           </a:ln>
         </p:spPr>
         <p:style>
@@ -4546,18 +4475,18 @@
         <p:spPr>
           <a:xfrm rot="10800000" flipV="1">
             <a:off x="1761120" y="4342388"/>
-            <a:ext cx="1298880" cy="508916"/>
+            <a:ext cx="1298880" cy="844780"/>
           </a:xfrm>
           <a:prstGeom prst="bentConnector3">
             <a:avLst>
-              <a:gd name="adj1" fmla="val 50000"/>
+              <a:gd name="adj1" fmla="val 20300"/>
             </a:avLst>
           </a:prstGeom>
           <a:ln>
             <a:solidFill>
               <a:schemeClr val="tx1"/>
             </a:solidFill>
-            <a:tailEnd type="arrow"/>
+            <a:tailEnd type="triangle"/>
           </a:ln>
         </p:spPr>
         <p:style>
@@ -4596,7 +4525,7 @@
             <a:solidFill>
               <a:schemeClr val="tx1"/>
             </a:solidFill>
-            <a:tailEnd type="arrow"/>
+            <a:tailEnd type="triangle"/>
           </a:ln>
         </p:spPr>
         <p:style>
@@ -4634,6 +4563,7 @@
               <a:schemeClr val="tx1"/>
             </a:solidFill>
             <a:round/>
+            <a:tailEnd type="triangle"/>
           </a:ln>
         </p:spPr>
         <p:style>
@@ -4668,6 +4598,7 @@
           <a:noFill/>
           <a:ln w="0">
             <a:noFill/>
+            <a:tailEnd type="triangle"/>
           </a:ln>
         </p:spPr>
         <p:style>
@@ -4750,67 +4681,23 @@
         <p:nvCxnSpPr>
           <p:cNvPr id="6" name="肘形接點 5"/>
           <p:cNvCxnSpPr>
-            <a:stCxn id="66" idx="3"/>
             <a:endCxn id="70" idx="1"/>
           </p:cNvCxnSpPr>
           <p:nvPr/>
         </p:nvCxnSpPr>
         <p:spPr>
-          <a:xfrm flipV="1">
-            <a:off x="4571808" y="1060084"/>
-            <a:ext cx="648456" cy="1281448"/>
-          </a:xfrm>
-          <a:prstGeom prst="bentConnector3">
-            <a:avLst>
-              <a:gd name="adj1" fmla="val 32374"/>
-            </a:avLst>
+          <a:xfrm rot="5400000" flipH="1" flipV="1">
+            <a:off x="4111296" y="1520596"/>
+            <a:ext cx="1569480" cy="648456"/>
+          </a:xfrm>
+          <a:prstGeom prst="bentConnector2">
+            <a:avLst/>
           </a:prstGeom>
           <a:ln>
             <a:solidFill>
               <a:schemeClr val="tx1"/>
             </a:solidFill>
-            <a:tailEnd type="arrow"/>
-          </a:ln>
-        </p:spPr>
-        <p:style>
-          <a:lnRef idx="1">
-            <a:schemeClr val="accent1"/>
-          </a:lnRef>
-          <a:fillRef idx="0">
-            <a:schemeClr val="accent1"/>
-          </a:fillRef>
-          <a:effectRef idx="0">
-            <a:schemeClr val="accent1"/>
-          </a:effectRef>
-          <a:fontRef idx="minor">
-            <a:schemeClr val="tx1"/>
-          </a:fontRef>
-        </p:style>
-      </p:cxnSp>
-      <p:cxnSp>
-        <p:nvCxnSpPr>
-          <p:cNvPr id="9" name="肘形接點 8"/>
-          <p:cNvCxnSpPr>
-            <a:stCxn id="49" idx="3"/>
-            <a:endCxn id="66" idx="1"/>
-          </p:cNvCxnSpPr>
-          <p:nvPr/>
-        </p:nvCxnSpPr>
-        <p:spPr>
-          <a:xfrm flipV="1">
-            <a:off x="1763280" y="2341532"/>
-            <a:ext cx="1080528" cy="249512"/>
-          </a:xfrm>
-          <a:prstGeom prst="bentConnector3">
-            <a:avLst>
-              <a:gd name="adj1" fmla="val 80412"/>
-            </a:avLst>
-          </a:prstGeom>
-          <a:ln>
-            <a:solidFill>
-              <a:schemeClr val="tx1"/>
-            </a:solidFill>
-            <a:tailEnd type="arrow"/>
+            <a:tailEnd type="triangle"/>
           </a:ln>
         </p:spPr>
         <p:style>
@@ -4839,8 +4726,8 @@
         </p:nvCxnSpPr>
         <p:spPr>
           <a:xfrm rot="5400000" flipH="1" flipV="1">
-            <a:off x="2312296" y="2661736"/>
-            <a:ext cx="851716" cy="211308"/>
+            <a:off x="2456312" y="2805752"/>
+            <a:ext cx="563684" cy="211308"/>
           </a:xfrm>
           <a:prstGeom prst="bentConnector2">
             <a:avLst/>
@@ -4849,7 +4736,7 @@
             <a:solidFill>
               <a:schemeClr val="tx1"/>
             </a:solidFill>
-            <a:tailEnd type="arrow"/>
+            <a:tailEnd type="triangle"/>
           </a:ln>
         </p:spPr>
         <p:style>
@@ -4875,7 +4762,7 @@
         </p:nvSpPr>
         <p:spPr>
           <a:xfrm>
-            <a:off x="3003604" y="1065185"/>
+            <a:off x="2715572" y="1065185"/>
             <a:ext cx="1104575" cy="644877"/>
           </a:xfrm>
           <a:prstGeom prst="rect">
@@ -4884,6 +4771,7 @@
           <a:noFill/>
           <a:ln w="0">
             <a:noFill/>
+            <a:tailEnd type="triangle"/>
           </a:ln>
         </p:spPr>
         <p:style>
@@ -4949,7 +4837,7 @@
         </p:nvSpPr>
         <p:spPr>
           <a:xfrm>
-            <a:off x="2483768" y="840008"/>
+            <a:off x="2195736" y="840008"/>
             <a:ext cx="2188428" cy="1076824"/>
           </a:xfrm>
           <a:prstGeom prst="diamond">
@@ -4960,6 +4848,7 @@
             <a:solidFill>
               <a:schemeClr val="tx1"/>
             </a:solidFill>
+            <a:tailEnd type="triangle"/>
           </a:ln>
         </p:spPr>
         <p:style>
@@ -4987,45 +4876,6 @@
           </a:p>
         </p:txBody>
       </p:sp>
-      <p:cxnSp>
-        <p:nvCxnSpPr>
-          <p:cNvPr id="37" name="直線單箭頭接點 36"/>
-          <p:cNvCxnSpPr>
-            <a:stCxn id="46" idx="3"/>
-            <a:endCxn id="29" idx="1"/>
-          </p:cNvCxnSpPr>
-          <p:nvPr/>
-        </p:nvCxnSpPr>
-        <p:spPr>
-          <a:xfrm>
-            <a:off x="1763280" y="1357560"/>
-            <a:ext cx="720488" cy="20860"/>
-          </a:xfrm>
-          <a:prstGeom prst="straightConnector1">
-            <a:avLst/>
-          </a:prstGeom>
-          <a:ln>
-            <a:solidFill>
-              <a:schemeClr val="tx1"/>
-            </a:solidFill>
-            <a:tailEnd type="arrow"/>
-          </a:ln>
-        </p:spPr>
-        <p:style>
-          <a:lnRef idx="1">
-            <a:schemeClr val="accent1"/>
-          </a:lnRef>
-          <a:fillRef idx="0">
-            <a:schemeClr val="accent1"/>
-          </a:fillRef>
-          <a:effectRef idx="0">
-            <a:schemeClr val="accent1"/>
-          </a:effectRef>
-          <a:fontRef idx="minor">
-            <a:schemeClr val="tx1"/>
-          </a:fontRef>
-        </p:style>
-      </p:cxnSp>
       <p:sp>
         <p:nvSpPr>
           <p:cNvPr id="113" name="CustomShape 6"/>
@@ -5043,6 +4893,7 @@
           <a:noFill/>
           <a:ln w="0">
             <a:noFill/>
+            <a:tailEnd type="triangle"/>
           </a:ln>
         </p:spPr>
         <p:style>
@@ -5069,7 +4920,7 @@
               </a:lnSpc>
             </a:pPr>
             <a:r>
-              <a:rPr lang="en-US" sz="1800" b="0" strike="noStrike" spc="-1">
+              <a:rPr lang="en-US" sz="1800" b="0" strike="noStrike" spc="-1" dirty="0">
                 <a:solidFill>
                   <a:srgbClr val="000000"/>
                 </a:solidFill>
@@ -5077,7 +4928,7 @@
               </a:rPr>
               <a:t>N</a:t>
             </a:r>
-            <a:endParaRPr lang="en-US" sz="1800" b="0" strike="noStrike" spc="-1">
+            <a:endParaRPr lang="en-US" sz="1800" b="0" strike="noStrike" spc="-1" dirty="0">
               <a:latin typeface="Arial"/>
             </a:endParaRPr>
           </a:p>
@@ -5094,8 +4945,8 @@
         </p:nvCxnSpPr>
         <p:spPr>
           <a:xfrm rot="16200000" flipV="1">
-            <a:off x="2470857" y="-267117"/>
-            <a:ext cx="399548" cy="1814702"/>
+            <a:off x="2326841" y="-123101"/>
+            <a:ext cx="399548" cy="1526670"/>
           </a:xfrm>
           <a:prstGeom prst="bentConnector2">
             <a:avLst/>
@@ -5104,7 +4955,7 @@
             <a:solidFill>
               <a:schemeClr val="tx1"/>
             </a:solidFill>
-            <a:tailEnd type="arrow"/>
+            <a:tailEnd type="triangle"/>
           </a:ln>
         </p:spPr>
         <p:style>
@@ -5122,47 +4973,6 @@
           </a:fontRef>
         </p:style>
       </p:cxnSp>
-      <p:cxnSp>
-        <p:nvCxnSpPr>
-          <p:cNvPr id="114" name="肘形接點 113"/>
-          <p:cNvCxnSpPr>
-            <a:stCxn id="29" idx="2"/>
-            <a:endCxn id="49" idx="0"/>
-          </p:cNvCxnSpPr>
-          <p:nvPr/>
-        </p:nvCxnSpPr>
-        <p:spPr>
-          <a:xfrm rot="5400000">
-            <a:off x="2233715" y="912877"/>
-            <a:ext cx="340312" cy="2348222"/>
-          </a:xfrm>
-          <a:prstGeom prst="bentConnector3">
-            <a:avLst>
-              <a:gd name="adj1" fmla="val -380"/>
-            </a:avLst>
-          </a:prstGeom>
-          <a:ln>
-            <a:solidFill>
-              <a:schemeClr val="tx1"/>
-            </a:solidFill>
-            <a:tailEnd type="arrow"/>
-          </a:ln>
-        </p:spPr>
-        <p:style>
-          <a:lnRef idx="1">
-            <a:schemeClr val="accent1"/>
-          </a:lnRef>
-          <a:fillRef idx="0">
-            <a:schemeClr val="accent1"/>
-          </a:fillRef>
-          <a:effectRef idx="0">
-            <a:schemeClr val="accent1"/>
-          </a:effectRef>
-          <a:fontRef idx="minor">
-            <a:schemeClr val="tx1"/>
-          </a:fontRef>
-        </p:style>
-      </p:cxnSp>
       <p:sp>
         <p:nvSpPr>
           <p:cNvPr id="126" name="CustomShape 26"/>
@@ -5171,7 +4981,7 @@
         </p:nvSpPr>
         <p:spPr>
           <a:xfrm>
-            <a:off x="2915816" y="1624160"/>
+            <a:off x="2627784" y="1624160"/>
             <a:ext cx="292320" cy="364680"/>
           </a:xfrm>
           <a:prstGeom prst="rect">
@@ -5180,6 +4990,7 @@
           <a:noFill/>
           <a:ln w="0">
             <a:noFill/>
+            <a:tailEnd type="triangle"/>
           </a:ln>
         </p:spPr>
         <p:style>
@@ -5222,45 +5033,6 @@
       </p:sp>
       <p:cxnSp>
         <p:nvCxnSpPr>
-          <p:cNvPr id="122" name="直線單箭頭接點 121"/>
-          <p:cNvCxnSpPr>
-            <a:stCxn id="49" idx="2"/>
-            <a:endCxn id="53" idx="0"/>
-          </p:cNvCxnSpPr>
-          <p:nvPr/>
-        </p:nvCxnSpPr>
-        <p:spPr>
-          <a:xfrm>
-            <a:off x="1229760" y="2924944"/>
-            <a:ext cx="1440" cy="360040"/>
-          </a:xfrm>
-          <a:prstGeom prst="straightConnector1">
-            <a:avLst/>
-          </a:prstGeom>
-          <a:ln>
-            <a:solidFill>
-              <a:schemeClr val="tx1"/>
-            </a:solidFill>
-            <a:tailEnd type="arrow"/>
-          </a:ln>
-        </p:spPr>
-        <p:style>
-          <a:lnRef idx="1">
-            <a:schemeClr val="accent1"/>
-          </a:lnRef>
-          <a:fillRef idx="0">
-            <a:schemeClr val="accent1"/>
-          </a:fillRef>
-          <a:effectRef idx="0">
-            <a:schemeClr val="accent1"/>
-          </a:effectRef>
-          <a:fontRef idx="minor">
-            <a:schemeClr val="tx1"/>
-          </a:fontRef>
-        </p:style>
-      </p:cxnSp>
-      <p:cxnSp>
-        <p:nvCxnSpPr>
           <p:cNvPr id="141" name="肘形接點 140"/>
           <p:cNvCxnSpPr>
             <a:stCxn id="56" idx="0"/>
@@ -5270,19 +5042,19 @@
         </p:nvCxnSpPr>
         <p:spPr>
           <a:xfrm rot="5400000" flipH="1" flipV="1">
-            <a:off x="1834010" y="3249238"/>
-            <a:ext cx="194240" cy="1403460"/>
+            <a:off x="1666078" y="3417170"/>
+            <a:ext cx="530104" cy="1403460"/>
           </a:xfrm>
           <a:prstGeom prst="bentConnector3">
             <a:avLst>
-              <a:gd name="adj1" fmla="val 5866"/>
+              <a:gd name="adj1" fmla="val 4181"/>
             </a:avLst>
           </a:prstGeom>
           <a:ln>
             <a:solidFill>
               <a:schemeClr val="tx1"/>
             </a:solidFill>
-            <a:tailEnd type="arrow"/>
+            <a:tailEnd type="triangle"/>
           </a:ln>
         </p:spPr>
         <p:style>
@@ -5311,8 +5083,8 @@
         </p:nvCxnSpPr>
         <p:spPr>
           <a:xfrm flipH="1">
-            <a:off x="1229400" y="3675584"/>
-            <a:ext cx="1800" cy="372504"/>
+            <a:off x="1229400" y="3501008"/>
+            <a:ext cx="1800" cy="882944"/>
           </a:xfrm>
           <a:prstGeom prst="straightConnector1">
             <a:avLst/>
@@ -5321,7 +5093,7 @@
             <a:solidFill>
               <a:schemeClr val="tx1"/>
             </a:solidFill>
-            <a:tailEnd type="arrow"/>
+            <a:tailEnd type="triangle"/>
           </a:ln>
         </p:spPr>
         <p:style>
@@ -5350,8 +5122,8 @@
         </p:nvCxnSpPr>
         <p:spPr>
           <a:xfrm rot="10800000">
-            <a:off x="1761120" y="4866756"/>
-            <a:ext cx="3434220" cy="355096"/>
+            <a:off x="1761120" y="5202620"/>
+            <a:ext cx="3434220" cy="19232"/>
           </a:xfrm>
           <a:prstGeom prst="bentConnector3">
             <a:avLst/>
@@ -5360,7 +5132,7 @@
             <a:solidFill>
               <a:schemeClr val="tx1"/>
             </a:solidFill>
-            <a:tailEnd type="arrow"/>
+            <a:tailEnd type="triangle"/>
           </a:ln>
         </p:spPr>
         <p:style>
@@ -5398,7 +5170,7 @@
             <a:solidFill>
               <a:schemeClr val="tx1"/>
             </a:solidFill>
-            <a:tailEnd type="arrow"/>
+            <a:tailEnd type="triangle"/>
           </a:ln>
         </p:spPr>
         <p:style>
@@ -5427,8 +5199,8 @@
         </p:nvCxnSpPr>
         <p:spPr>
           <a:xfrm rot="16200000" flipH="1">
-            <a:off x="4109294" y="2235426"/>
-            <a:ext cx="640100" cy="1443072"/>
+            <a:off x="4253310" y="2379442"/>
+            <a:ext cx="352068" cy="1443072"/>
           </a:xfrm>
           <a:prstGeom prst="bentConnector2">
             <a:avLst/>
@@ -5437,7 +5209,7 @@
             <a:solidFill>
               <a:schemeClr val="tx1"/>
             </a:solidFill>
-            <a:tailEnd type="arrow"/>
+            <a:tailEnd type="triangle"/>
           </a:ln>
         </p:spPr>
         <p:style>
@@ -5476,7 +5248,7 @@
             <a:solidFill>
               <a:schemeClr val="tx1"/>
             </a:solidFill>
-            <a:tailEnd type="arrow"/>
+            <a:tailEnd type="triangle"/>
           </a:ln>
         </p:spPr>
         <p:style>
@@ -5514,6 +5286,7 @@
               <a:schemeClr val="tx1"/>
             </a:solidFill>
             <a:round/>
+            <a:tailEnd type="triangle"/>
           </a:ln>
         </p:spPr>
         <p:style>
@@ -5548,6 +5321,7 @@
           <a:noFill/>
           <a:ln w="0">
             <a:noFill/>
+            <a:tailEnd type="triangle"/>
           </a:ln>
         </p:spPr>
         <p:style>
@@ -5606,7 +5380,7 @@
             <a:solidFill>
               <a:schemeClr val="tx1"/>
             </a:solidFill>
-            <a:tailEnd type="arrow"/>
+            <a:tailEnd type="triangle"/>
           </a:ln>
         </p:spPr>
         <p:style>
@@ -5645,7 +5419,7 @@
             <a:solidFill>
               <a:schemeClr val="tx1"/>
             </a:solidFill>
-            <a:tailEnd type="arrow"/>
+            <a:tailEnd type="triangle"/>
           </a:ln>
         </p:spPr>
         <p:style>
@@ -5684,7 +5458,204 @@
             <a:solidFill>
               <a:schemeClr val="tx1"/>
             </a:solidFill>
-            <a:tailEnd type="arrow"/>
+            <a:tailEnd type="triangle"/>
+          </a:ln>
+        </p:spPr>
+        <p:style>
+          <a:lnRef idx="1">
+            <a:schemeClr val="accent1"/>
+          </a:lnRef>
+          <a:fillRef idx="0">
+            <a:schemeClr val="accent1"/>
+          </a:fillRef>
+          <a:effectRef idx="0">
+            <a:schemeClr val="accent1"/>
+          </a:effectRef>
+          <a:fontRef idx="minor">
+            <a:schemeClr val="tx1"/>
+          </a:fontRef>
+        </p:style>
+      </p:cxnSp>
+      <p:cxnSp>
+        <p:nvCxnSpPr>
+          <p:cNvPr id="11" name="直線單箭頭接點 10"/>
+          <p:cNvCxnSpPr>
+            <a:stCxn id="88" idx="1"/>
+            <a:endCxn id="111" idx="3"/>
+          </p:cNvCxnSpPr>
+          <p:nvPr/>
+        </p:nvCxnSpPr>
+        <p:spPr>
+          <a:xfrm flipH="1">
+            <a:off x="4787832" y="5869924"/>
+            <a:ext cx="2458248" cy="0"/>
+          </a:xfrm>
+          <a:prstGeom prst="straightConnector1">
+            <a:avLst/>
+          </a:prstGeom>
+          <a:ln>
+            <a:solidFill>
+              <a:schemeClr val="tx1"/>
+            </a:solidFill>
+            <a:tailEnd type="triangle"/>
+          </a:ln>
+        </p:spPr>
+        <p:style>
+          <a:lnRef idx="1">
+            <a:schemeClr val="accent1"/>
+          </a:lnRef>
+          <a:fillRef idx="0">
+            <a:schemeClr val="accent1"/>
+          </a:fillRef>
+          <a:effectRef idx="0">
+            <a:schemeClr val="accent1"/>
+          </a:effectRef>
+          <a:fontRef idx="minor">
+            <a:schemeClr val="tx1"/>
+          </a:fontRef>
+        </p:style>
+      </p:cxnSp>
+      <p:cxnSp>
+        <p:nvCxnSpPr>
+          <p:cNvPr id="14" name="肘形接點 13"/>
+          <p:cNvCxnSpPr>
+            <a:stCxn id="46" idx="1"/>
+            <a:endCxn id="42" idx="2"/>
+          </p:cNvCxnSpPr>
+          <p:nvPr/>
+        </p:nvCxnSpPr>
+        <p:spPr>
+          <a:xfrm rot="10800000" flipH="1" flipV="1">
+            <a:off x="675000" y="1357560"/>
+            <a:ext cx="8640" cy="5131988"/>
+          </a:xfrm>
+          <a:prstGeom prst="bentConnector3">
+            <a:avLst>
+              <a:gd name="adj1" fmla="val -5787755"/>
+            </a:avLst>
+          </a:prstGeom>
+          <a:ln>
+            <a:solidFill>
+              <a:schemeClr val="tx1"/>
+            </a:solidFill>
+            <a:tailEnd type="triangle"/>
+          </a:ln>
+        </p:spPr>
+        <p:style>
+          <a:lnRef idx="1">
+            <a:schemeClr val="accent1"/>
+          </a:lnRef>
+          <a:fillRef idx="0">
+            <a:schemeClr val="accent1"/>
+          </a:fillRef>
+          <a:effectRef idx="0">
+            <a:schemeClr val="accent1"/>
+          </a:effectRef>
+          <a:fontRef idx="minor">
+            <a:schemeClr val="tx1"/>
+          </a:fontRef>
+        </p:style>
+      </p:cxnSp>
+      <p:cxnSp>
+        <p:nvCxnSpPr>
+          <p:cNvPr id="22" name="肘形接點 21"/>
+          <p:cNvCxnSpPr>
+            <a:stCxn id="49" idx="3"/>
+            <a:endCxn id="29" idx="1"/>
+          </p:cNvCxnSpPr>
+          <p:nvPr/>
+        </p:nvCxnSpPr>
+        <p:spPr>
+          <a:xfrm flipV="1">
+            <a:off x="1763688" y="1378420"/>
+            <a:ext cx="432048" cy="924592"/>
+          </a:xfrm>
+          <a:prstGeom prst="bentConnector3">
+            <a:avLst/>
+          </a:prstGeom>
+          <a:ln>
+            <a:solidFill>
+              <a:schemeClr val="tx1"/>
+            </a:solidFill>
+            <a:tailEnd type="triangle"/>
+          </a:ln>
+        </p:spPr>
+        <p:style>
+          <a:lnRef idx="1">
+            <a:schemeClr val="accent1"/>
+          </a:lnRef>
+          <a:fillRef idx="0">
+            <a:schemeClr val="accent1"/>
+          </a:fillRef>
+          <a:effectRef idx="0">
+            <a:schemeClr val="accent1"/>
+          </a:effectRef>
+          <a:fontRef idx="minor">
+            <a:schemeClr val="tx1"/>
+          </a:fontRef>
+        </p:style>
+      </p:cxnSp>
+      <p:cxnSp>
+        <p:nvCxnSpPr>
+          <p:cNvPr id="34" name="直線單箭頭接點 33"/>
+          <p:cNvCxnSpPr>
+            <a:stCxn id="29" idx="2"/>
+            <a:endCxn id="53" idx="0"/>
+          </p:cNvCxnSpPr>
+          <p:nvPr/>
+        </p:nvCxnSpPr>
+        <p:spPr>
+          <a:xfrm flipH="1">
+            <a:off x="1231200" y="1916832"/>
+            <a:ext cx="2058750" cy="1193576"/>
+          </a:xfrm>
+          <a:prstGeom prst="straightConnector1">
+            <a:avLst/>
+          </a:prstGeom>
+          <a:ln>
+            <a:solidFill>
+              <a:schemeClr val="tx1"/>
+            </a:solidFill>
+            <a:tailEnd type="triangle"/>
+          </a:ln>
+        </p:spPr>
+        <p:style>
+          <a:lnRef idx="1">
+            <a:schemeClr val="accent1"/>
+          </a:lnRef>
+          <a:fillRef idx="0">
+            <a:schemeClr val="accent1"/>
+          </a:fillRef>
+          <a:effectRef idx="0">
+            <a:schemeClr val="accent1"/>
+          </a:effectRef>
+          <a:fontRef idx="minor">
+            <a:schemeClr val="tx1"/>
+          </a:fontRef>
+        </p:style>
+      </p:cxnSp>
+      <p:cxnSp>
+        <p:nvCxnSpPr>
+          <p:cNvPr id="59" name="直線單箭頭接點 58"/>
+          <p:cNvCxnSpPr>
+            <a:stCxn id="46" idx="2"/>
+            <a:endCxn id="49" idx="0"/>
+          </p:cNvCxnSpPr>
+          <p:nvPr/>
+        </p:nvCxnSpPr>
+        <p:spPr>
+          <a:xfrm>
+            <a:off x="1219140" y="1772640"/>
+            <a:ext cx="11028" cy="196472"/>
+          </a:xfrm>
+          <a:prstGeom prst="straightConnector1">
+            <a:avLst/>
+          </a:prstGeom>
+          <a:ln>
+            <a:solidFill>
+              <a:schemeClr val="tx1"/>
+            </a:solidFill>
+            <a:tailEnd type="triangle"/>
           </a:ln>
         </p:spPr>
         <p:style>
@@ -5711,7 +5682,7 @@
     <mc:Choice Requires="p14">
       <p:transition spd="slow" p14:dur="2000"/>
     </mc:Choice>
-    <mc:Fallback xmlns="" xmlns:p15="http://schemas.microsoft.com/office/powerpoint/2012/main">
+    <mc:Fallback xmlns:p15="http://schemas.microsoft.com/office/powerpoint/2012/main" xmlns="">
       <p:transition spd="slow"/>
     </mc:Fallback>
   </mc:AlternateContent>

--- a/流程圖.pptx
+++ b/流程圖.pptx
@@ -1979,201 +1979,231 @@
           <a:fontRef idx="minor"/>
         </p:style>
       </p:sp>
-      <p:sp>
-        <p:nvSpPr>
-          <p:cNvPr id="40" name="CustomShape 1"/>
-          <p:cNvSpPr/>
+      <p:grpSp>
+        <p:nvGrpSpPr>
+          <p:cNvPr id="4" name="群組 3"/>
+          <p:cNvGrpSpPr/>
           <p:nvPr/>
-        </p:nvSpPr>
-        <p:spPr>
-          <a:xfrm>
-            <a:off x="683640" y="188640"/>
+        </p:nvGrpSpPr>
+        <p:grpSpPr>
+          <a:xfrm>
+            <a:off x="683640" y="549096"/>
             <a:ext cx="1079640" cy="503640"/>
-          </a:xfrm>
-          <a:prstGeom prst="ellipse">
-            <a:avLst/>
-          </a:prstGeom>
-          <a:noFill/>
-          <a:ln>
-            <a:solidFill>
-              <a:schemeClr val="tx1"/>
-            </a:solidFill>
-            <a:round/>
-            <a:tailEnd type="triangle"/>
-          </a:ln>
-        </p:spPr>
-        <p:style>
-          <a:lnRef idx="2">
-            <a:schemeClr val="accent1">
-              <a:shade val="50000"/>
-            </a:schemeClr>
-          </a:lnRef>
-          <a:fillRef idx="1">
-            <a:schemeClr val="accent1"/>
-          </a:fillRef>
-          <a:effectRef idx="0">
-            <a:schemeClr val="accent1"/>
-          </a:effectRef>
-          <a:fontRef idx="minor"/>
-        </p:style>
-      </p:sp>
-      <p:sp>
-        <p:nvSpPr>
-          <p:cNvPr id="41" name="CustomShape 2"/>
-          <p:cNvSpPr/>
-          <p:nvPr/>
-        </p:nvSpPr>
-        <p:spPr>
-          <a:xfrm>
-            <a:off x="790200" y="243000"/>
-            <a:ext cx="866880" cy="364680"/>
-          </a:xfrm>
-          <a:prstGeom prst="rect">
-            <a:avLst/>
-          </a:prstGeom>
-          <a:noFill/>
-          <a:ln w="0">
+            <a:chOff x="683640" y="188640"/>
+            <a:chExt cx="1079640" cy="503640"/>
+          </a:xfrm>
+        </p:grpSpPr>
+        <p:sp>
+          <p:nvSpPr>
+            <p:cNvPr id="40" name="CustomShape 1"/>
+            <p:cNvSpPr/>
+            <p:nvPr/>
+          </p:nvSpPr>
+          <p:spPr>
+            <a:xfrm>
+              <a:off x="683640" y="188640"/>
+              <a:ext cx="1079640" cy="503640"/>
+            </a:xfrm>
+            <a:prstGeom prst="ellipse">
+              <a:avLst/>
+            </a:prstGeom>
             <a:noFill/>
-            <a:tailEnd type="triangle"/>
-          </a:ln>
-        </p:spPr>
-        <p:style>
-          <a:lnRef idx="0">
-            <a:scrgbClr r="0" g="0" b="0"/>
-          </a:lnRef>
-          <a:fillRef idx="0">
-            <a:scrgbClr r="0" g="0" b="0"/>
-          </a:fillRef>
-          <a:effectRef idx="0">
-            <a:scrgbClr r="0" g="0" b="0"/>
-          </a:effectRef>
-          <a:fontRef idx="minor"/>
-        </p:style>
-        <p:txBody>
-          <a:bodyPr wrap="none" lIns="90000" tIns="45000" rIns="90000" bIns="45000">
-            <a:spAutoFit/>
-          </a:bodyPr>
-          <a:lstStyle/>
-          <a:p>
-            <a:pPr>
-              <a:lnSpc>
-                <a:spcPct val="100000"/>
-              </a:lnSpc>
-            </a:pPr>
-            <a:r>
-              <a:rPr lang="zh-TW" spc="-1" dirty="0">
+            <a:ln>
+              <a:solidFill>
+                <a:schemeClr val="tx1"/>
+              </a:solidFill>
+              <a:round/>
+              <a:tailEnd type="triangle"/>
+            </a:ln>
+          </p:spPr>
+          <p:style>
+            <a:lnRef idx="2">
+              <a:schemeClr val="accent1">
+                <a:shade val="50000"/>
+              </a:schemeClr>
+            </a:lnRef>
+            <a:fillRef idx="1">
+              <a:schemeClr val="accent1"/>
+            </a:fillRef>
+            <a:effectRef idx="0">
+              <a:schemeClr val="accent1"/>
+            </a:effectRef>
+            <a:fontRef idx="minor"/>
+          </p:style>
+        </p:sp>
+        <p:sp>
+          <p:nvSpPr>
+            <p:cNvPr id="41" name="CustomShape 2"/>
+            <p:cNvSpPr/>
+            <p:nvPr/>
+          </p:nvSpPr>
+          <p:spPr>
+            <a:xfrm>
+              <a:off x="790200" y="243000"/>
+              <a:ext cx="866880" cy="364680"/>
+            </a:xfrm>
+            <a:prstGeom prst="rect">
+              <a:avLst/>
+            </a:prstGeom>
+            <a:noFill/>
+            <a:ln w="0">
+              <a:noFill/>
+              <a:tailEnd type="triangle"/>
+            </a:ln>
+          </p:spPr>
+          <p:style>
+            <a:lnRef idx="0">
+              <a:scrgbClr r="0" g="0" b="0"/>
+            </a:lnRef>
+            <a:fillRef idx="0">
+              <a:scrgbClr r="0" g="0" b="0"/>
+            </a:fillRef>
+            <a:effectRef idx="0">
+              <a:scrgbClr r="0" g="0" b="0"/>
+            </a:effectRef>
+            <a:fontRef idx="minor"/>
+          </p:style>
+          <p:txBody>
+            <a:bodyPr wrap="none" lIns="90000" tIns="45000" rIns="90000" bIns="45000">
+              <a:spAutoFit/>
+            </a:bodyPr>
+            <a:lstStyle/>
+            <a:p>
+              <a:pPr>
+                <a:lnSpc>
+                  <a:spcPct val="100000"/>
+                </a:lnSpc>
+              </a:pPr>
+              <a:r>
+                <a:rPr lang="zh-TW" spc="-1" dirty="0">
+                  <a:solidFill>
+                    <a:srgbClr val="000000"/>
+                  </a:solidFill>
+                  <a:latin typeface="Calibri"/>
+                </a:rPr>
+                <a:t>使用者</a:t>
+              </a:r>
+              <a:endParaRPr lang="en-US" spc="-1" dirty="0">
                 <a:solidFill>
                   <a:srgbClr val="000000"/>
                 </a:solidFill>
                 <a:latin typeface="Calibri"/>
-              </a:rPr>
-              <a:t>使用者</a:t>
-            </a:r>
-            <a:endParaRPr lang="en-US" spc="-1" dirty="0">
-              <a:solidFill>
-                <a:srgbClr val="000000"/>
-              </a:solidFill>
-              <a:latin typeface="Calibri"/>
-            </a:endParaRPr>
-          </a:p>
-        </p:txBody>
-      </p:sp>
-      <p:sp>
-        <p:nvSpPr>
-          <p:cNvPr id="42" name="CustomShape 3"/>
-          <p:cNvSpPr/>
+              </a:endParaRPr>
+            </a:p>
+          </p:txBody>
+        </p:sp>
+      </p:grpSp>
+      <p:grpSp>
+        <p:nvGrpSpPr>
+          <p:cNvPr id="19" name="群組 18"/>
+          <p:cNvGrpSpPr/>
           <p:nvPr/>
-        </p:nvSpPr>
-        <p:spPr>
+        </p:nvGrpSpPr>
+        <p:grpSpPr>
           <a:xfrm>
             <a:off x="683640" y="6237728"/>
             <a:ext cx="1079640" cy="503640"/>
-          </a:xfrm>
-          <a:prstGeom prst="ellipse">
-            <a:avLst/>
-          </a:prstGeom>
-          <a:noFill/>
-          <a:ln>
-            <a:solidFill>
-              <a:schemeClr val="tx1"/>
-            </a:solidFill>
-            <a:round/>
-            <a:tailEnd type="triangle"/>
-          </a:ln>
-        </p:spPr>
-        <p:style>
-          <a:lnRef idx="2">
-            <a:schemeClr val="accent1">
-              <a:shade val="50000"/>
-            </a:schemeClr>
-          </a:lnRef>
-          <a:fillRef idx="1">
-            <a:schemeClr val="accent1"/>
-          </a:fillRef>
-          <a:effectRef idx="0">
-            <a:schemeClr val="accent1"/>
-          </a:effectRef>
-          <a:fontRef idx="minor"/>
-        </p:style>
-      </p:sp>
-      <p:sp>
-        <p:nvSpPr>
-          <p:cNvPr id="43" name="CustomShape 4"/>
-          <p:cNvSpPr/>
-          <p:nvPr/>
-        </p:nvSpPr>
-        <p:spPr>
-          <a:xfrm>
-            <a:off x="933120" y="6305048"/>
-            <a:ext cx="580320" cy="364680"/>
-          </a:xfrm>
-          <a:prstGeom prst="rect">
-            <a:avLst/>
-          </a:prstGeom>
-          <a:noFill/>
-          <a:ln w="0">
+            <a:chOff x="683640" y="6237728"/>
+            <a:chExt cx="1079640" cy="503640"/>
+          </a:xfrm>
+        </p:grpSpPr>
+        <p:sp>
+          <p:nvSpPr>
+            <p:cNvPr id="42" name="CustomShape 3"/>
+            <p:cNvSpPr/>
+            <p:nvPr/>
+          </p:nvSpPr>
+          <p:spPr>
+            <a:xfrm>
+              <a:off x="683640" y="6237728"/>
+              <a:ext cx="1079640" cy="503640"/>
+            </a:xfrm>
+            <a:prstGeom prst="ellipse">
+              <a:avLst/>
+            </a:prstGeom>
             <a:noFill/>
-            <a:tailEnd type="triangle"/>
-          </a:ln>
-        </p:spPr>
-        <p:style>
-          <a:lnRef idx="0">
-            <a:scrgbClr r="0" g="0" b="0"/>
-          </a:lnRef>
-          <a:fillRef idx="0">
-            <a:scrgbClr r="0" g="0" b="0"/>
-          </a:fillRef>
-          <a:effectRef idx="0">
-            <a:scrgbClr r="0" g="0" b="0"/>
-          </a:effectRef>
-          <a:fontRef idx="minor"/>
-        </p:style>
-        <p:txBody>
-          <a:bodyPr wrap="none" lIns="90000" tIns="45000" rIns="90000" bIns="45000">
-            <a:spAutoFit/>
-          </a:bodyPr>
-          <a:lstStyle/>
-          <a:p>
-            <a:pPr>
-              <a:lnSpc>
-                <a:spcPct val="100000"/>
-              </a:lnSpc>
-            </a:pPr>
-            <a:r>
-              <a:rPr lang="en-US" sz="1800" b="0" strike="noStrike" spc="-1" dirty="0">
-                <a:solidFill>
-                  <a:srgbClr val="000000"/>
-                </a:solidFill>
-                <a:latin typeface="Calibri"/>
-              </a:rPr>
-              <a:t>END</a:t>
-            </a:r>
-            <a:endParaRPr lang="en-US" sz="1800" b="0" strike="noStrike" spc="-1" dirty="0">
-              <a:latin typeface="Arial"/>
-            </a:endParaRPr>
-          </a:p>
-        </p:txBody>
-      </p:sp>
+            <a:ln>
+              <a:solidFill>
+                <a:schemeClr val="tx1"/>
+              </a:solidFill>
+              <a:round/>
+              <a:tailEnd type="triangle"/>
+            </a:ln>
+          </p:spPr>
+          <p:style>
+            <a:lnRef idx="2">
+              <a:schemeClr val="accent1">
+                <a:shade val="50000"/>
+              </a:schemeClr>
+            </a:lnRef>
+            <a:fillRef idx="1">
+              <a:schemeClr val="accent1"/>
+            </a:fillRef>
+            <a:effectRef idx="0">
+              <a:schemeClr val="accent1"/>
+            </a:effectRef>
+            <a:fontRef idx="minor"/>
+          </p:style>
+        </p:sp>
+        <p:sp>
+          <p:nvSpPr>
+            <p:cNvPr id="43" name="CustomShape 4"/>
+            <p:cNvSpPr/>
+            <p:nvPr/>
+          </p:nvSpPr>
+          <p:spPr>
+            <a:xfrm>
+              <a:off x="933120" y="6305048"/>
+              <a:ext cx="580320" cy="364680"/>
+            </a:xfrm>
+            <a:prstGeom prst="rect">
+              <a:avLst/>
+            </a:prstGeom>
+            <a:noFill/>
+            <a:ln w="0">
+              <a:noFill/>
+              <a:tailEnd type="triangle"/>
+            </a:ln>
+          </p:spPr>
+          <p:style>
+            <a:lnRef idx="0">
+              <a:scrgbClr r="0" g="0" b="0"/>
+            </a:lnRef>
+            <a:fillRef idx="0">
+              <a:scrgbClr r="0" g="0" b="0"/>
+            </a:fillRef>
+            <a:effectRef idx="0">
+              <a:scrgbClr r="0" g="0" b="0"/>
+            </a:effectRef>
+            <a:fontRef idx="minor"/>
+          </p:style>
+          <p:txBody>
+            <a:bodyPr wrap="none" lIns="90000" tIns="45000" rIns="90000" bIns="45000">
+              <a:spAutoFit/>
+            </a:bodyPr>
+            <a:lstStyle/>
+            <a:p>
+              <a:pPr>
+                <a:lnSpc>
+                  <a:spcPct val="100000"/>
+                </a:lnSpc>
+              </a:pPr>
+              <a:r>
+                <a:rPr lang="en-US" sz="1800" b="0" strike="noStrike" spc="-1" dirty="0">
+                  <a:solidFill>
+                    <a:srgbClr val="000000"/>
+                  </a:solidFill>
+                  <a:latin typeface="Calibri"/>
+                </a:rPr>
+                <a:t>END</a:t>
+              </a:r>
+              <a:endParaRPr lang="en-US" sz="1800" b="0" strike="noStrike" spc="-1" dirty="0">
+                <a:latin typeface="Arial"/>
+              </a:endParaRPr>
+            </a:p>
+          </p:txBody>
+        </p:sp>
+      </p:grpSp>
       <p:sp>
         <p:nvSpPr>
           <p:cNvPr id="45" name="CustomShape 6"/>
@@ -2182,7 +2212,7 @@
         </p:nvSpPr>
         <p:spPr>
           <a:xfrm>
-            <a:off x="343440" y="1007280"/>
+            <a:off x="467544" y="1340768"/>
             <a:ext cx="329040" cy="364680"/>
           </a:xfrm>
           <a:prstGeom prst="rect">
@@ -2232,54 +2262,542 @@
           </a:p>
         </p:txBody>
       </p:sp>
+      <p:grpSp>
+        <p:nvGrpSpPr>
+          <p:cNvPr id="5" name="群組 4"/>
+          <p:cNvGrpSpPr/>
+          <p:nvPr/>
+        </p:nvGrpSpPr>
+        <p:grpSpPr>
+          <a:xfrm>
+            <a:off x="683568" y="1052856"/>
+            <a:ext cx="1088280" cy="1080000"/>
+            <a:chOff x="675000" y="692640"/>
+            <a:chExt cx="1088280" cy="1080000"/>
+          </a:xfrm>
+        </p:grpSpPr>
+        <p:sp>
+          <p:nvSpPr>
+            <p:cNvPr id="46" name="CustomShape 7"/>
+            <p:cNvSpPr/>
+            <p:nvPr/>
+          </p:nvSpPr>
+          <p:spPr>
+            <a:xfrm>
+              <a:off x="675000" y="942480"/>
+              <a:ext cx="1088280" cy="830160"/>
+            </a:xfrm>
+            <a:prstGeom prst="diamond">
+              <a:avLst/>
+            </a:prstGeom>
+            <a:noFill/>
+            <a:ln>
+              <a:solidFill>
+                <a:schemeClr val="tx1"/>
+              </a:solidFill>
+              <a:round/>
+              <a:tailEnd type="triangle"/>
+            </a:ln>
+          </p:spPr>
+          <p:style>
+            <a:lnRef idx="2">
+              <a:schemeClr val="accent1">
+                <a:shade val="50000"/>
+              </a:schemeClr>
+            </a:lnRef>
+            <a:fillRef idx="1">
+              <a:schemeClr val="accent1"/>
+            </a:fillRef>
+            <a:effectRef idx="0">
+              <a:schemeClr val="accent1"/>
+            </a:effectRef>
+            <a:fontRef idx="minor"/>
+          </p:style>
+        </p:sp>
+        <p:sp>
+          <p:nvSpPr>
+            <p:cNvPr id="47" name="CustomShape 8"/>
+            <p:cNvSpPr/>
+            <p:nvPr/>
+          </p:nvSpPr>
+          <p:spPr>
+            <a:xfrm>
+              <a:off x="897840" y="1020240"/>
+              <a:ext cx="638280" cy="639000"/>
+            </a:xfrm>
+            <a:prstGeom prst="rect">
+              <a:avLst/>
+            </a:prstGeom>
+            <a:noFill/>
+            <a:ln w="0">
+              <a:noFill/>
+              <a:tailEnd type="triangle"/>
+            </a:ln>
+          </p:spPr>
+          <p:style>
+            <a:lnRef idx="0">
+              <a:scrgbClr r="0" g="0" b="0"/>
+            </a:lnRef>
+            <a:fillRef idx="0">
+              <a:scrgbClr r="0" g="0" b="0"/>
+            </a:fillRef>
+            <a:effectRef idx="0">
+              <a:scrgbClr r="0" g="0" b="0"/>
+            </a:effectRef>
+            <a:fontRef idx="minor"/>
+          </p:style>
+          <p:txBody>
+            <a:bodyPr wrap="none" lIns="90000" tIns="45000" rIns="90000" bIns="45000">
+              <a:spAutoFit/>
+            </a:bodyPr>
+            <a:lstStyle/>
+            <a:p>
+              <a:pPr>
+                <a:lnSpc>
+                  <a:spcPct val="100000"/>
+                </a:lnSpc>
+              </a:pPr>
+              <a:r>
+                <a:rPr lang="zh-TW" spc="-1" dirty="0">
+                  <a:solidFill>
+                    <a:srgbClr val="000000"/>
+                  </a:solidFill>
+                  <a:latin typeface="Calibri"/>
+                </a:rPr>
+                <a:t>同意</a:t>
+              </a:r>
+              <a:endParaRPr lang="en-US" spc="-1" dirty="0">
+                <a:solidFill>
+                  <a:srgbClr val="000000"/>
+                </a:solidFill>
+                <a:latin typeface="Calibri"/>
+              </a:endParaRPr>
+            </a:p>
+            <a:p>
+              <a:pPr>
+                <a:lnSpc>
+                  <a:spcPct val="100000"/>
+                </a:lnSpc>
+              </a:pPr>
+              <a:r>
+                <a:rPr lang="zh-TW" sz="1800" b="0" strike="noStrike" spc="-1" dirty="0">
+                  <a:solidFill>
+                    <a:srgbClr val="000000"/>
+                  </a:solidFill>
+                  <a:latin typeface="Calibri"/>
+                </a:rPr>
+                <a:t>規則</a:t>
+              </a:r>
+              <a:endParaRPr lang="en-US" sz="1800" b="0" strike="noStrike" spc="-1" dirty="0">
+                <a:latin typeface="Arial"/>
+              </a:endParaRPr>
+            </a:p>
+          </p:txBody>
+        </p:sp>
+        <p:sp>
+          <p:nvSpPr>
+            <p:cNvPr id="48" name="CustomShape 9"/>
+            <p:cNvSpPr/>
+            <p:nvPr/>
+          </p:nvSpPr>
+          <p:spPr>
+            <a:xfrm flipH="1">
+              <a:off x="1218600" y="692640"/>
+              <a:ext cx="3960" cy="249480"/>
+            </a:xfrm>
+            <a:custGeom>
+              <a:avLst/>
+              <a:gdLst/>
+              <a:ahLst/>
+              <a:cxnLst/>
+              <a:rect l="l" t="t" r="r" b="b"/>
+              <a:pathLst>
+                <a:path w="21600" h="21600">
+                  <a:moveTo>
+                    <a:pt x="0" y="0"/>
+                  </a:moveTo>
+                  <a:lnTo>
+                    <a:pt x="21600" y="21600"/>
+                  </a:lnTo>
+                </a:path>
+              </a:pathLst>
+            </a:custGeom>
+            <a:noFill/>
+            <a:ln>
+              <a:solidFill>
+                <a:schemeClr val="tx1"/>
+              </a:solidFill>
+              <a:round/>
+              <a:tailEnd type="triangle" w="med" len="med"/>
+            </a:ln>
+          </p:spPr>
+          <p:style>
+            <a:lnRef idx="1">
+              <a:schemeClr val="accent1"/>
+            </a:lnRef>
+            <a:fillRef idx="0">
+              <a:schemeClr val="accent1"/>
+            </a:fillRef>
+            <a:effectRef idx="0">
+              <a:schemeClr val="accent1"/>
+            </a:effectRef>
+            <a:fontRef idx="minor"/>
+          </p:style>
+        </p:sp>
+      </p:grpSp>
+      <p:grpSp>
+        <p:nvGrpSpPr>
+          <p:cNvPr id="8" name="群組 7"/>
+          <p:cNvGrpSpPr/>
+          <p:nvPr/>
+        </p:nvGrpSpPr>
+        <p:grpSpPr>
+          <a:xfrm>
+            <a:off x="697680" y="3686472"/>
+            <a:ext cx="1067040" cy="390600"/>
+            <a:chOff x="697680" y="3110408"/>
+            <a:chExt cx="1067040" cy="390600"/>
+          </a:xfrm>
+        </p:grpSpPr>
+        <p:sp>
+          <p:nvSpPr>
+            <p:cNvPr id="53" name="CustomShape 14"/>
+            <p:cNvSpPr/>
+            <p:nvPr/>
+          </p:nvSpPr>
+          <p:spPr>
+            <a:xfrm>
+              <a:off x="697680" y="3110408"/>
+              <a:ext cx="1067040" cy="390600"/>
+            </a:xfrm>
+            <a:prstGeom prst="rect">
+              <a:avLst/>
+            </a:prstGeom>
+            <a:noFill/>
+            <a:ln>
+              <a:solidFill>
+                <a:schemeClr val="tx1"/>
+              </a:solidFill>
+              <a:round/>
+              <a:tailEnd type="triangle"/>
+            </a:ln>
+          </p:spPr>
+          <p:style>
+            <a:lnRef idx="2">
+              <a:schemeClr val="accent1">
+                <a:shade val="50000"/>
+              </a:schemeClr>
+            </a:lnRef>
+            <a:fillRef idx="1">
+              <a:schemeClr val="accent1"/>
+            </a:fillRef>
+            <a:effectRef idx="0">
+              <a:schemeClr val="accent1"/>
+            </a:effectRef>
+            <a:fontRef idx="minor"/>
+          </p:style>
+        </p:sp>
+        <p:sp>
+          <p:nvSpPr>
+            <p:cNvPr id="54" name="CustomShape 15"/>
+            <p:cNvSpPr/>
+            <p:nvPr/>
+          </p:nvSpPr>
+          <p:spPr>
+            <a:xfrm>
+              <a:off x="911880" y="3132368"/>
+              <a:ext cx="638280" cy="364680"/>
+            </a:xfrm>
+            <a:prstGeom prst="rect">
+              <a:avLst/>
+            </a:prstGeom>
+            <a:noFill/>
+            <a:ln w="0">
+              <a:noFill/>
+              <a:tailEnd type="triangle"/>
+            </a:ln>
+          </p:spPr>
+          <p:style>
+            <a:lnRef idx="0">
+              <a:scrgbClr r="0" g="0" b="0"/>
+            </a:lnRef>
+            <a:fillRef idx="0">
+              <a:scrgbClr r="0" g="0" b="0"/>
+            </a:fillRef>
+            <a:effectRef idx="0">
+              <a:scrgbClr r="0" g="0" b="0"/>
+            </a:effectRef>
+            <a:fontRef idx="minor"/>
+          </p:style>
+          <p:txBody>
+            <a:bodyPr wrap="none" lIns="90000" tIns="45000" rIns="90000" bIns="45000">
+              <a:spAutoFit/>
+            </a:bodyPr>
+            <a:lstStyle/>
+            <a:p>
+              <a:pPr>
+                <a:lnSpc>
+                  <a:spcPct val="100000"/>
+                </a:lnSpc>
+              </a:pPr>
+              <a:r>
+                <a:rPr lang="zh-TW" sz="1800" b="0" strike="noStrike" spc="-1" dirty="0">
+                  <a:solidFill>
+                    <a:srgbClr val="000000"/>
+                  </a:solidFill>
+                  <a:latin typeface="Calibri"/>
+                </a:rPr>
+                <a:t>登入</a:t>
+              </a:r>
+              <a:endParaRPr lang="en-US" sz="1800" b="0" strike="noStrike" spc="-1" dirty="0">
+                <a:latin typeface="Arial"/>
+              </a:endParaRPr>
+            </a:p>
+          </p:txBody>
+        </p:sp>
+      </p:grpSp>
+      <p:grpSp>
+        <p:nvGrpSpPr>
+          <p:cNvPr id="15" name="群組 14"/>
+          <p:cNvGrpSpPr/>
+          <p:nvPr/>
+        </p:nvGrpSpPr>
+        <p:grpSpPr>
+          <a:xfrm>
+            <a:off x="656545" y="4383952"/>
+            <a:ext cx="1104575" cy="1637336"/>
+            <a:chOff x="656545" y="4383952"/>
+            <a:chExt cx="1104575" cy="1637336"/>
+          </a:xfrm>
+        </p:grpSpPr>
+        <p:sp>
+          <p:nvSpPr>
+            <p:cNvPr id="56" name="CustomShape 17"/>
+            <p:cNvSpPr/>
+            <p:nvPr/>
+          </p:nvSpPr>
+          <p:spPr>
+            <a:xfrm>
+              <a:off x="697680" y="4383952"/>
+              <a:ext cx="1063440" cy="1637336"/>
+            </a:xfrm>
+            <a:prstGeom prst="rect">
+              <a:avLst/>
+            </a:prstGeom>
+            <a:noFill/>
+            <a:ln>
+              <a:solidFill>
+                <a:schemeClr val="tx1"/>
+              </a:solidFill>
+              <a:round/>
+              <a:tailEnd type="triangle"/>
+            </a:ln>
+          </p:spPr>
+          <p:style>
+            <a:lnRef idx="2">
+              <a:schemeClr val="accent1">
+                <a:shade val="50000"/>
+              </a:schemeClr>
+            </a:lnRef>
+            <a:fillRef idx="1">
+              <a:schemeClr val="accent1"/>
+            </a:fillRef>
+            <a:effectRef idx="0">
+              <a:schemeClr val="accent1"/>
+            </a:effectRef>
+            <a:fontRef idx="minor"/>
+          </p:style>
+        </p:sp>
+        <p:sp>
+          <p:nvSpPr>
+            <p:cNvPr id="57" name="CustomShape 18"/>
+            <p:cNvSpPr/>
+            <p:nvPr/>
+          </p:nvSpPr>
+          <p:spPr>
+            <a:xfrm>
+              <a:off x="656545" y="4449231"/>
+              <a:ext cx="1104575" cy="1475873"/>
+            </a:xfrm>
+            <a:prstGeom prst="rect">
+              <a:avLst/>
+            </a:prstGeom>
+            <a:noFill/>
+            <a:ln w="0">
+              <a:noFill/>
+              <a:tailEnd type="triangle"/>
+            </a:ln>
+          </p:spPr>
+          <p:style>
+            <a:lnRef idx="0">
+              <a:scrgbClr r="0" g="0" b="0"/>
+            </a:lnRef>
+            <a:fillRef idx="0">
+              <a:scrgbClr r="0" g="0" b="0"/>
+            </a:fillRef>
+            <a:effectRef idx="0">
+              <a:scrgbClr r="0" g="0" b="0"/>
+            </a:effectRef>
+            <a:fontRef idx="minor"/>
+          </p:style>
+          <p:txBody>
+            <a:bodyPr wrap="none" lIns="90000" tIns="45000" rIns="90000" bIns="45000">
+              <a:spAutoFit/>
+            </a:bodyPr>
+            <a:lstStyle/>
+            <a:p>
+              <a:pPr algn="ctr">
+                <a:lnSpc>
+                  <a:spcPct val="100000"/>
+                </a:lnSpc>
+              </a:pPr>
+              <a:r>
+                <a:rPr lang="zh-TW" altLang="en-US" spc="-1" dirty="0">
+                  <a:solidFill>
+                    <a:srgbClr val="000000"/>
+                  </a:solidFill>
+                  <a:latin typeface="Calibri"/>
+                </a:rPr>
+                <a:t>算命</a:t>
+              </a:r>
+              <a:r>
+                <a:rPr lang="zh-TW" sz="1800" b="0" strike="noStrike" spc="-1" dirty="0" smtClean="0">
+                  <a:solidFill>
+                    <a:srgbClr val="000000"/>
+                  </a:solidFill>
+                  <a:latin typeface="Calibri"/>
+                </a:rPr>
+                <a:t>資</a:t>
+              </a:r>
+              <a:r>
+                <a:rPr lang="zh-TW" altLang="en-US" sz="1800" b="0" strike="noStrike" spc="-1" dirty="0" smtClean="0">
+                  <a:solidFill>
+                    <a:srgbClr val="000000"/>
+                  </a:solidFill>
+                  <a:latin typeface="Calibri"/>
+                </a:rPr>
+                <a:t>訊</a:t>
+              </a:r>
+              <a:endParaRPr lang="en-US" altLang="zh-TW" sz="1800" b="0" strike="noStrike" spc="-1" dirty="0" smtClean="0">
+                <a:solidFill>
+                  <a:srgbClr val="000000"/>
+                </a:solidFill>
+                <a:latin typeface="Calibri"/>
+              </a:endParaRPr>
+            </a:p>
+            <a:p>
+              <a:pPr algn="ctr">
+                <a:lnSpc>
+                  <a:spcPct val="100000"/>
+                </a:lnSpc>
+              </a:pPr>
+              <a:r>
+                <a:rPr lang="en-US" altLang="zh-TW" spc="-1" dirty="0">
+                  <a:solidFill>
+                    <a:srgbClr val="000000"/>
+                  </a:solidFill>
+                  <a:latin typeface="Calibri"/>
+                </a:rPr>
+                <a:t>+</a:t>
+              </a:r>
+              <a:endParaRPr lang="en-US" sz="1800" b="0" strike="noStrike" spc="-1" dirty="0">
+                <a:latin typeface="Arial"/>
+              </a:endParaRPr>
+            </a:p>
+            <a:p>
+              <a:pPr algn="ctr">
+                <a:lnSpc>
+                  <a:spcPct val="100000"/>
+                </a:lnSpc>
+              </a:pPr>
+              <a:r>
+                <a:rPr lang="zh-TW" sz="1800" b="0" strike="noStrike" spc="-1" dirty="0">
+                  <a:solidFill>
+                    <a:srgbClr val="000000"/>
+                  </a:solidFill>
+                  <a:latin typeface="Calibri"/>
+                </a:rPr>
+                <a:t>公司</a:t>
+              </a:r>
+              <a:r>
+                <a:rPr lang="zh-TW" sz="1800" b="0" strike="noStrike" spc="-1" dirty="0" smtClean="0">
+                  <a:solidFill>
+                    <a:srgbClr val="000000"/>
+                  </a:solidFill>
+                  <a:latin typeface="Calibri"/>
+                </a:rPr>
+                <a:t>資料</a:t>
+              </a:r>
+              <a:endParaRPr lang="en-US" altLang="zh-TW" sz="1800" b="0" strike="noStrike" spc="-1" dirty="0" smtClean="0">
+                <a:solidFill>
+                  <a:srgbClr val="000000"/>
+                </a:solidFill>
+                <a:latin typeface="Calibri"/>
+              </a:endParaRPr>
+            </a:p>
+            <a:p>
+              <a:pPr algn="ctr">
+                <a:lnSpc>
+                  <a:spcPct val="100000"/>
+                </a:lnSpc>
+              </a:pPr>
+              <a:r>
+                <a:rPr lang="en-US" altLang="zh-TW" spc="-1" dirty="0">
+                  <a:solidFill>
+                    <a:srgbClr val="000000"/>
+                  </a:solidFill>
+                  <a:latin typeface="Calibri"/>
+                </a:rPr>
+                <a:t>+</a:t>
+              </a:r>
+              <a:endParaRPr lang="en-US" altLang="zh-TW" sz="1800" b="0" strike="noStrike" spc="-1" dirty="0" smtClean="0">
+                <a:solidFill>
+                  <a:srgbClr val="000000"/>
+                </a:solidFill>
+                <a:latin typeface="Calibri"/>
+              </a:endParaRPr>
+            </a:p>
+            <a:p>
+              <a:pPr algn="ctr">
+                <a:lnSpc>
+                  <a:spcPct val="100000"/>
+                </a:lnSpc>
+              </a:pPr>
+              <a:r>
+                <a:rPr lang="en-US" altLang="zh-TW" spc="-1" dirty="0" smtClean="0">
+                  <a:solidFill>
+                    <a:srgbClr val="000000"/>
+                  </a:solidFill>
+                  <a:latin typeface="Calibri"/>
+                </a:rPr>
+                <a:t>ROE</a:t>
+              </a:r>
+              <a:r>
+                <a:rPr lang="zh-TW" altLang="en-US" spc="-1" dirty="0" smtClean="0">
+                  <a:solidFill>
+                    <a:srgbClr val="000000"/>
+                  </a:solidFill>
+                  <a:latin typeface="Calibri"/>
+                </a:rPr>
+                <a:t>資料</a:t>
+              </a:r>
+              <a:endParaRPr lang="en-US" sz="1800" b="0" strike="noStrike" spc="-1" dirty="0">
+                <a:latin typeface="Arial"/>
+              </a:endParaRPr>
+            </a:p>
+          </p:txBody>
+        </p:sp>
+      </p:grpSp>
       <p:sp>
         <p:nvSpPr>
-          <p:cNvPr id="46" name="CustomShape 7"/>
+          <p:cNvPr id="65" name="CustomShape 26"/>
           <p:cNvSpPr/>
           <p:nvPr/>
         </p:nvSpPr>
         <p:spPr>
           <a:xfrm>
-            <a:off x="675000" y="942480"/>
-            <a:ext cx="1088280" cy="830160"/>
-          </a:xfrm>
-          <a:prstGeom prst="diamond">
-            <a:avLst/>
-          </a:prstGeom>
-          <a:noFill/>
-          <a:ln>
-            <a:solidFill>
-              <a:schemeClr val="tx1"/>
-            </a:solidFill>
-            <a:round/>
-            <a:tailEnd type="triangle"/>
-          </a:ln>
-        </p:spPr>
-        <p:style>
-          <a:lnRef idx="2">
-            <a:schemeClr val="accent1">
-              <a:shade val="50000"/>
-            </a:schemeClr>
-          </a:lnRef>
-          <a:fillRef idx="1">
-            <a:schemeClr val="accent1"/>
-          </a:fillRef>
-          <a:effectRef idx="0">
-            <a:schemeClr val="accent1"/>
-          </a:effectRef>
-          <a:fontRef idx="minor"/>
-        </p:style>
-      </p:sp>
-      <p:sp>
-        <p:nvSpPr>
-          <p:cNvPr id="47" name="CustomShape 8"/>
-          <p:cNvSpPr/>
-          <p:nvPr/>
-        </p:nvSpPr>
-        <p:spPr>
-          <a:xfrm>
-            <a:off x="897840" y="1020240"/>
-            <a:ext cx="638280" cy="639000"/>
+            <a:off x="899592" y="1988840"/>
+            <a:ext cx="292320" cy="364680"/>
           </a:xfrm>
           <a:prstGeom prst="rect">
             <a:avLst/>
@@ -2314,35 +2832,13 @@
               </a:lnSpc>
             </a:pPr>
             <a:r>
-              <a:rPr lang="zh-TW" spc="-1" dirty="0">
+              <a:rPr lang="en-US" sz="1800" b="0" strike="noStrike" spc="-1" dirty="0">
                 <a:solidFill>
                   <a:srgbClr val="000000"/>
                 </a:solidFill>
                 <a:latin typeface="Calibri"/>
               </a:rPr>
-              <a:t>同意</a:t>
-            </a:r>
-            <a:endParaRPr lang="en-US" spc="-1" dirty="0">
-              <a:solidFill>
-                <a:srgbClr val="000000"/>
-              </a:solidFill>
-              <a:latin typeface="Calibri"/>
-            </a:endParaRPr>
-          </a:p>
-          <a:p>
-            <a:pPr>
-              <a:lnSpc>
-                <a:spcPct val="100000"/>
-              </a:lnSpc>
-            </a:pPr>
-            <a:r>
-              <a:rPr lang="zh-TW" sz="1800" b="0" strike="noStrike" spc="-1" dirty="0">
-                <a:solidFill>
-                  <a:srgbClr val="000000"/>
-                </a:solidFill>
-                <a:latin typeface="Calibri"/>
-              </a:rPr>
-              <a:t>規則</a:t>
+              <a:t>Y</a:t>
             </a:r>
             <a:endParaRPr lang="en-US" sz="1800" b="0" strike="noStrike" spc="-1" dirty="0">
               <a:latin typeface="Arial"/>
@@ -2350,104 +2846,1191 @@
           </a:p>
         </p:txBody>
       </p:sp>
+      <p:grpSp>
+        <p:nvGrpSpPr>
+          <p:cNvPr id="10" name="群組 9"/>
+          <p:cNvGrpSpPr/>
+          <p:nvPr/>
+        </p:nvGrpSpPr>
+        <p:grpSpPr>
+          <a:xfrm>
+            <a:off x="3276048" y="548680"/>
+            <a:ext cx="1728000" cy="590760"/>
+            <a:chOff x="2843808" y="2334184"/>
+            <a:chExt cx="1728000" cy="590760"/>
+          </a:xfrm>
+        </p:grpSpPr>
+        <p:sp>
+          <p:nvSpPr>
+            <p:cNvPr id="66" name="CustomShape 27"/>
+            <p:cNvSpPr/>
+            <p:nvPr/>
+          </p:nvSpPr>
+          <p:spPr>
+            <a:xfrm>
+              <a:off x="2843808" y="2334184"/>
+              <a:ext cx="1728000" cy="590760"/>
+            </a:xfrm>
+            <a:prstGeom prst="rect">
+              <a:avLst/>
+            </a:prstGeom>
+            <a:noFill/>
+            <a:ln>
+              <a:solidFill>
+                <a:schemeClr val="tx1"/>
+              </a:solidFill>
+              <a:round/>
+              <a:tailEnd type="triangle"/>
+            </a:ln>
+          </p:spPr>
+          <p:style>
+            <a:lnRef idx="2">
+              <a:schemeClr val="accent1">
+                <a:shade val="50000"/>
+              </a:schemeClr>
+            </a:lnRef>
+            <a:fillRef idx="1">
+              <a:schemeClr val="accent1"/>
+            </a:fillRef>
+            <a:effectRef idx="0">
+              <a:schemeClr val="accent1"/>
+            </a:effectRef>
+            <a:fontRef idx="minor"/>
+          </p:style>
+        </p:sp>
+        <p:sp>
+          <p:nvSpPr>
+            <p:cNvPr id="67" name="CustomShape 28"/>
+            <p:cNvSpPr/>
+            <p:nvPr/>
+          </p:nvSpPr>
+          <p:spPr>
+            <a:xfrm>
+              <a:off x="3092513" y="2445064"/>
+              <a:ext cx="1335279" cy="367878"/>
+            </a:xfrm>
+            <a:prstGeom prst="rect">
+              <a:avLst/>
+            </a:prstGeom>
+            <a:noFill/>
+            <a:ln w="0">
+              <a:noFill/>
+              <a:tailEnd type="triangle"/>
+            </a:ln>
+          </p:spPr>
+          <p:style>
+            <a:lnRef idx="0">
+              <a:scrgbClr r="0" g="0" b="0"/>
+            </a:lnRef>
+            <a:fillRef idx="0">
+              <a:scrgbClr r="0" g="0" b="0"/>
+            </a:fillRef>
+            <a:effectRef idx="0">
+              <a:scrgbClr r="0" g="0" b="0"/>
+            </a:effectRef>
+            <a:fontRef idx="minor"/>
+          </p:style>
+          <p:txBody>
+            <a:bodyPr wrap="none" lIns="90000" tIns="45000" rIns="90000" bIns="45000">
+              <a:spAutoFit/>
+            </a:bodyPr>
+            <a:lstStyle/>
+            <a:p>
+              <a:pPr>
+                <a:lnSpc>
+                  <a:spcPct val="100000"/>
+                </a:lnSpc>
+              </a:pPr>
+              <a:r>
+                <a:rPr lang="zh-TW" sz="1800" b="0" strike="noStrike" spc="-1" dirty="0" smtClean="0">
+                  <a:solidFill>
+                    <a:srgbClr val="000000"/>
+                  </a:solidFill>
+                  <a:latin typeface="Calibri"/>
+                </a:rPr>
+                <a:t>個人資料</a:t>
+              </a:r>
+              <a:r>
+                <a:rPr lang="zh-TW" altLang="en-US" sz="1800" b="0" strike="noStrike" spc="-1" dirty="0" smtClean="0">
+                  <a:solidFill>
+                    <a:srgbClr val="000000"/>
+                  </a:solidFill>
+                  <a:latin typeface="Calibri"/>
+                </a:rPr>
+                <a:t>庫</a:t>
+              </a:r>
+              <a:endParaRPr lang="en-US" sz="1800" b="0" strike="noStrike" spc="-1" dirty="0">
+                <a:latin typeface="Arial"/>
+              </a:endParaRPr>
+            </a:p>
+          </p:txBody>
+        </p:sp>
+      </p:grpSp>
+      <p:grpSp>
+        <p:nvGrpSpPr>
+          <p:cNvPr id="36" name="群組 35"/>
+          <p:cNvGrpSpPr/>
+          <p:nvPr/>
+        </p:nvGrpSpPr>
+        <p:grpSpPr>
+          <a:xfrm>
+            <a:off x="5220264" y="764704"/>
+            <a:ext cx="1728000" cy="590760"/>
+            <a:chOff x="5220264" y="764704"/>
+            <a:chExt cx="1728000" cy="590760"/>
+          </a:xfrm>
+        </p:grpSpPr>
+        <p:sp>
+          <p:nvSpPr>
+            <p:cNvPr id="70" name="CustomShape 31"/>
+            <p:cNvSpPr/>
+            <p:nvPr/>
+          </p:nvSpPr>
+          <p:spPr>
+            <a:xfrm>
+              <a:off x="5220264" y="764704"/>
+              <a:ext cx="1728000" cy="590760"/>
+            </a:xfrm>
+            <a:prstGeom prst="rect">
+              <a:avLst/>
+            </a:prstGeom>
+            <a:noFill/>
+            <a:ln>
+              <a:solidFill>
+                <a:schemeClr val="tx1"/>
+              </a:solidFill>
+              <a:round/>
+              <a:tailEnd type="triangle"/>
+            </a:ln>
+          </p:spPr>
+          <p:style>
+            <a:lnRef idx="2">
+              <a:schemeClr val="accent1">
+                <a:shade val="50000"/>
+              </a:schemeClr>
+            </a:lnRef>
+            <a:fillRef idx="1">
+              <a:schemeClr val="accent1"/>
+            </a:fillRef>
+            <a:effectRef idx="0">
+              <a:schemeClr val="accent1"/>
+            </a:effectRef>
+            <a:fontRef idx="minor"/>
+          </p:style>
+        </p:sp>
+        <p:sp>
+          <p:nvSpPr>
+            <p:cNvPr id="71" name="CustomShape 32"/>
+            <p:cNvSpPr/>
+            <p:nvPr/>
+          </p:nvSpPr>
+          <p:spPr>
+            <a:xfrm>
+              <a:off x="5307744" y="875944"/>
+              <a:ext cx="1565983" cy="367878"/>
+            </a:xfrm>
+            <a:prstGeom prst="rect">
+              <a:avLst/>
+            </a:prstGeom>
+            <a:noFill/>
+            <a:ln w="0">
+              <a:noFill/>
+              <a:tailEnd type="triangle"/>
+            </a:ln>
+          </p:spPr>
+          <p:style>
+            <a:lnRef idx="0">
+              <a:scrgbClr r="0" g="0" b="0"/>
+            </a:lnRef>
+            <a:fillRef idx="0">
+              <a:scrgbClr r="0" g="0" b="0"/>
+            </a:fillRef>
+            <a:effectRef idx="0">
+              <a:scrgbClr r="0" g="0" b="0"/>
+            </a:effectRef>
+            <a:fontRef idx="minor"/>
+          </p:style>
+          <p:txBody>
+            <a:bodyPr wrap="none" lIns="90000" tIns="45000" rIns="90000" bIns="45000">
+              <a:spAutoFit/>
+            </a:bodyPr>
+            <a:lstStyle/>
+            <a:p>
+              <a:pPr>
+                <a:lnSpc>
+                  <a:spcPct val="100000"/>
+                </a:lnSpc>
+              </a:pPr>
+              <a:r>
+                <a:rPr lang="zh-TW" altLang="en-US" spc="-1" dirty="0">
+                  <a:solidFill>
+                    <a:srgbClr val="000000"/>
+                  </a:solidFill>
+                  <a:latin typeface="Calibri"/>
+                </a:rPr>
+                <a:t>送交</a:t>
+              </a:r>
+              <a:r>
+                <a:rPr lang="zh-TW" sz="1800" b="0" strike="noStrike" spc="-1" dirty="0" smtClean="0">
+                  <a:solidFill>
+                    <a:srgbClr val="000000"/>
+                  </a:solidFill>
+                  <a:latin typeface="Calibri"/>
+                </a:rPr>
+                <a:t>出生</a:t>
+              </a:r>
+              <a:r>
+                <a:rPr lang="zh-TW" sz="1800" b="0" strike="noStrike" spc="-1" dirty="0">
+                  <a:solidFill>
+                    <a:srgbClr val="000000"/>
+                  </a:solidFill>
+                  <a:latin typeface="Calibri"/>
+                </a:rPr>
+                <a:t>資料</a:t>
+              </a:r>
+              <a:endParaRPr lang="en-US" sz="1800" b="0" strike="noStrike" spc="-1" dirty="0">
+                <a:latin typeface="Arial"/>
+              </a:endParaRPr>
+            </a:p>
+          </p:txBody>
+        </p:sp>
+      </p:grpSp>
+      <p:grpSp>
+        <p:nvGrpSpPr>
+          <p:cNvPr id="35" name="群組 34"/>
+          <p:cNvGrpSpPr/>
+          <p:nvPr/>
+        </p:nvGrpSpPr>
+        <p:grpSpPr>
+          <a:xfrm>
+            <a:off x="7308496" y="764704"/>
+            <a:ext cx="1728000" cy="590760"/>
+            <a:chOff x="7308496" y="764704"/>
+            <a:chExt cx="1728000" cy="590760"/>
+          </a:xfrm>
+        </p:grpSpPr>
+        <p:sp>
+          <p:nvSpPr>
+            <p:cNvPr id="75" name="CustomShape 36"/>
+            <p:cNvSpPr/>
+            <p:nvPr/>
+          </p:nvSpPr>
+          <p:spPr>
+            <a:xfrm>
+              <a:off x="7308496" y="764704"/>
+              <a:ext cx="1728000" cy="590760"/>
+            </a:xfrm>
+            <a:prstGeom prst="rect">
+              <a:avLst/>
+            </a:prstGeom>
+            <a:noFill/>
+            <a:ln>
+              <a:solidFill>
+                <a:schemeClr val="tx1"/>
+              </a:solidFill>
+              <a:round/>
+            </a:ln>
+          </p:spPr>
+          <p:style>
+            <a:lnRef idx="2">
+              <a:schemeClr val="accent1">
+                <a:shade val="50000"/>
+              </a:schemeClr>
+            </a:lnRef>
+            <a:fillRef idx="1">
+              <a:schemeClr val="accent1"/>
+            </a:fillRef>
+            <a:effectRef idx="0">
+              <a:schemeClr val="accent1"/>
+            </a:effectRef>
+            <a:fontRef idx="minor"/>
+          </p:style>
+        </p:sp>
+        <p:sp>
+          <p:nvSpPr>
+            <p:cNvPr id="76" name="CustomShape 37"/>
+            <p:cNvSpPr/>
+            <p:nvPr/>
+          </p:nvSpPr>
+          <p:spPr>
+            <a:xfrm>
+              <a:off x="7510456" y="875584"/>
+              <a:ext cx="1324080" cy="364680"/>
+            </a:xfrm>
+            <a:prstGeom prst="rect">
+              <a:avLst/>
+            </a:prstGeom>
+            <a:noFill/>
+            <a:ln w="0">
+              <a:noFill/>
+            </a:ln>
+          </p:spPr>
+          <p:style>
+            <a:lnRef idx="0">
+              <a:scrgbClr r="0" g="0" b="0"/>
+            </a:lnRef>
+            <a:fillRef idx="0">
+              <a:scrgbClr r="0" g="0" b="0"/>
+            </a:fillRef>
+            <a:effectRef idx="0">
+              <a:scrgbClr r="0" g="0" b="0"/>
+            </a:effectRef>
+            <a:fontRef idx="minor"/>
+          </p:style>
+          <p:txBody>
+            <a:bodyPr wrap="none" lIns="90000" tIns="45000" rIns="90000" bIns="45000">
+              <a:spAutoFit/>
+            </a:bodyPr>
+            <a:lstStyle/>
+            <a:p>
+              <a:pPr>
+                <a:lnSpc>
+                  <a:spcPct val="100000"/>
+                </a:lnSpc>
+              </a:pPr>
+              <a:r>
+                <a:rPr lang="zh-TW" sz="1800" b="0" strike="noStrike" spc="-1" dirty="0">
+                  <a:solidFill>
+                    <a:srgbClr val="000000"/>
+                  </a:solidFill>
+                  <a:latin typeface="Calibri"/>
+                </a:rPr>
+                <a:t>劍靈算命網</a:t>
+              </a:r>
+              <a:endParaRPr lang="en-US" sz="1800" b="0" strike="noStrike" spc="-1" dirty="0">
+                <a:latin typeface="Arial"/>
+              </a:endParaRPr>
+            </a:p>
+          </p:txBody>
+        </p:sp>
+      </p:grpSp>
+      <p:grpSp>
+        <p:nvGrpSpPr>
+          <p:cNvPr id="31" name="群組 30"/>
+          <p:cNvGrpSpPr/>
+          <p:nvPr/>
+        </p:nvGrpSpPr>
+        <p:grpSpPr>
+          <a:xfrm>
+            <a:off x="5150880" y="2420888"/>
+            <a:ext cx="1728000" cy="590760"/>
+            <a:chOff x="5150880" y="2981632"/>
+            <a:chExt cx="1728000" cy="590760"/>
+          </a:xfrm>
+        </p:grpSpPr>
+        <p:sp>
+          <p:nvSpPr>
+            <p:cNvPr id="78" name="CustomShape 39"/>
+            <p:cNvSpPr/>
+            <p:nvPr/>
+          </p:nvSpPr>
+          <p:spPr>
+            <a:xfrm>
+              <a:off x="5150880" y="2981632"/>
+              <a:ext cx="1728000" cy="590760"/>
+            </a:xfrm>
+            <a:prstGeom prst="rect">
+              <a:avLst/>
+            </a:prstGeom>
+            <a:noFill/>
+            <a:ln>
+              <a:solidFill>
+                <a:schemeClr val="tx1"/>
+              </a:solidFill>
+              <a:round/>
+              <a:tailEnd type="triangle"/>
+            </a:ln>
+          </p:spPr>
+          <p:style>
+            <a:lnRef idx="2">
+              <a:schemeClr val="accent1">
+                <a:shade val="50000"/>
+              </a:schemeClr>
+            </a:lnRef>
+            <a:fillRef idx="1">
+              <a:schemeClr val="accent1"/>
+            </a:fillRef>
+            <a:effectRef idx="0">
+              <a:schemeClr val="accent1"/>
+            </a:effectRef>
+            <a:fontRef idx="minor"/>
+          </p:style>
+        </p:sp>
+        <p:sp>
+          <p:nvSpPr>
+            <p:cNvPr id="79" name="CustomShape 40"/>
+            <p:cNvSpPr/>
+            <p:nvPr/>
+          </p:nvSpPr>
+          <p:spPr>
+            <a:xfrm>
+              <a:off x="5338440" y="3092512"/>
+              <a:ext cx="1324080" cy="364680"/>
+            </a:xfrm>
+            <a:prstGeom prst="rect">
+              <a:avLst/>
+            </a:prstGeom>
+            <a:noFill/>
+            <a:ln w="0">
+              <a:noFill/>
+              <a:tailEnd type="triangle"/>
+            </a:ln>
+          </p:spPr>
+          <p:style>
+            <a:lnRef idx="0">
+              <a:scrgbClr r="0" g="0" b="0"/>
+            </a:lnRef>
+            <a:fillRef idx="0">
+              <a:scrgbClr r="0" g="0" b="0"/>
+            </a:fillRef>
+            <a:effectRef idx="0">
+              <a:scrgbClr r="0" g="0" b="0"/>
+            </a:effectRef>
+            <a:fontRef idx="minor"/>
+          </p:style>
+          <p:txBody>
+            <a:bodyPr wrap="none" lIns="90000" tIns="45000" rIns="90000" bIns="45000">
+              <a:spAutoFit/>
+            </a:bodyPr>
+            <a:lstStyle/>
+            <a:p>
+              <a:pPr>
+                <a:lnSpc>
+                  <a:spcPct val="100000"/>
+                </a:lnSpc>
+              </a:pPr>
+              <a:r>
+                <a:rPr lang="zh-TW" sz="1800" b="0" strike="noStrike" spc="-1">
+                  <a:solidFill>
+                    <a:srgbClr val="000000"/>
+                  </a:solidFill>
+                  <a:latin typeface="Calibri"/>
+                </a:rPr>
+                <a:t>對比喜用神</a:t>
+              </a:r>
+              <a:endParaRPr lang="en-US" sz="1800" b="0" strike="noStrike" spc="-1">
+                <a:latin typeface="Arial"/>
+              </a:endParaRPr>
+            </a:p>
+          </p:txBody>
+        </p:sp>
+      </p:grpSp>
+      <p:grpSp>
+        <p:nvGrpSpPr>
+          <p:cNvPr id="20" name="群組 19"/>
+          <p:cNvGrpSpPr/>
+          <p:nvPr/>
+        </p:nvGrpSpPr>
+        <p:grpSpPr>
+          <a:xfrm>
+            <a:off x="3060000" y="4047008"/>
+            <a:ext cx="1728000" cy="590760"/>
+            <a:chOff x="3060000" y="4047008"/>
+            <a:chExt cx="1728000" cy="590760"/>
+          </a:xfrm>
+        </p:grpSpPr>
+        <p:sp>
+          <p:nvSpPr>
+            <p:cNvPr id="80" name="CustomShape 41"/>
+            <p:cNvSpPr/>
+            <p:nvPr/>
+          </p:nvSpPr>
+          <p:spPr>
+            <a:xfrm>
+              <a:off x="3060000" y="4047008"/>
+              <a:ext cx="1728000" cy="590760"/>
+            </a:xfrm>
+            <a:prstGeom prst="rect">
+              <a:avLst/>
+            </a:prstGeom>
+            <a:noFill/>
+            <a:ln>
+              <a:solidFill>
+                <a:schemeClr val="tx1"/>
+              </a:solidFill>
+              <a:round/>
+              <a:tailEnd type="triangle"/>
+            </a:ln>
+          </p:spPr>
+          <p:style>
+            <a:lnRef idx="2">
+              <a:schemeClr val="accent1">
+                <a:shade val="50000"/>
+              </a:schemeClr>
+            </a:lnRef>
+            <a:fillRef idx="1">
+              <a:schemeClr val="accent1"/>
+            </a:fillRef>
+            <a:effectRef idx="0">
+              <a:schemeClr val="accent1"/>
+            </a:effectRef>
+            <a:fontRef idx="minor"/>
+          </p:style>
+        </p:sp>
+        <p:sp>
+          <p:nvSpPr>
+            <p:cNvPr id="81" name="CustomShape 42"/>
+            <p:cNvSpPr/>
+            <p:nvPr/>
+          </p:nvSpPr>
+          <p:spPr>
+            <a:xfrm>
+              <a:off x="3308729" y="4158248"/>
+              <a:ext cx="1335279" cy="367878"/>
+            </a:xfrm>
+            <a:prstGeom prst="rect">
+              <a:avLst/>
+            </a:prstGeom>
+            <a:noFill/>
+            <a:ln w="0">
+              <a:noFill/>
+              <a:tailEnd type="triangle"/>
+            </a:ln>
+          </p:spPr>
+          <p:style>
+            <a:lnRef idx="0">
+              <a:scrgbClr r="0" g="0" b="0"/>
+            </a:lnRef>
+            <a:fillRef idx="0">
+              <a:scrgbClr r="0" g="0" b="0"/>
+            </a:fillRef>
+            <a:effectRef idx="0">
+              <a:scrgbClr r="0" g="0" b="0"/>
+            </a:effectRef>
+            <a:fontRef idx="minor"/>
+          </p:style>
+          <p:txBody>
+            <a:bodyPr wrap="none" lIns="90000" tIns="45000" rIns="90000" bIns="45000">
+              <a:spAutoFit/>
+            </a:bodyPr>
+            <a:lstStyle/>
+            <a:p>
+              <a:pPr>
+                <a:lnSpc>
+                  <a:spcPct val="100000"/>
+                </a:lnSpc>
+              </a:pPr>
+              <a:r>
+                <a:rPr lang="zh-TW" sz="1800" b="0" strike="noStrike" spc="-1" dirty="0" smtClean="0">
+                  <a:solidFill>
+                    <a:srgbClr val="000000"/>
+                  </a:solidFill>
+                  <a:latin typeface="Calibri"/>
+                </a:rPr>
+                <a:t>公司資料</a:t>
+              </a:r>
+              <a:r>
+                <a:rPr lang="zh-TW" altLang="en-US" spc="-1" dirty="0">
+                  <a:solidFill>
+                    <a:srgbClr val="000000"/>
+                  </a:solidFill>
+                  <a:latin typeface="Calibri"/>
+                </a:rPr>
+                <a:t>庫</a:t>
+              </a:r>
+              <a:endParaRPr lang="en-US" sz="1800" b="0" strike="noStrike" spc="-1" dirty="0">
+                <a:latin typeface="Arial"/>
+              </a:endParaRPr>
+            </a:p>
+          </p:txBody>
+        </p:sp>
+      </p:grpSp>
+      <p:grpSp>
+        <p:nvGrpSpPr>
+          <p:cNvPr id="32" name="群組 31"/>
+          <p:cNvGrpSpPr/>
+          <p:nvPr/>
+        </p:nvGrpSpPr>
+        <p:grpSpPr>
+          <a:xfrm>
+            <a:off x="7236360" y="2420888"/>
+            <a:ext cx="1728000" cy="590760"/>
+            <a:chOff x="7236360" y="2810048"/>
+            <a:chExt cx="1728000" cy="590760"/>
+          </a:xfrm>
+        </p:grpSpPr>
+        <p:sp>
+          <p:nvSpPr>
+            <p:cNvPr id="84" name="CustomShape 45"/>
+            <p:cNvSpPr/>
+            <p:nvPr/>
+          </p:nvSpPr>
+          <p:spPr>
+            <a:xfrm>
+              <a:off x="7236360" y="2810048"/>
+              <a:ext cx="1728000" cy="590760"/>
+            </a:xfrm>
+            <a:prstGeom prst="rect">
+              <a:avLst/>
+            </a:prstGeom>
+            <a:noFill/>
+            <a:ln>
+              <a:solidFill>
+                <a:schemeClr val="tx1"/>
+              </a:solidFill>
+              <a:round/>
+            </a:ln>
+          </p:spPr>
+          <p:style>
+            <a:lnRef idx="2">
+              <a:schemeClr val="accent1">
+                <a:shade val="50000"/>
+              </a:schemeClr>
+            </a:lnRef>
+            <a:fillRef idx="1">
+              <a:schemeClr val="accent1"/>
+            </a:fillRef>
+            <a:effectRef idx="0">
+              <a:schemeClr val="accent1"/>
+            </a:effectRef>
+            <a:fontRef idx="minor"/>
+          </p:style>
+        </p:sp>
+        <p:sp>
+          <p:nvSpPr>
+            <p:cNvPr id="85" name="CustomShape 46"/>
+            <p:cNvSpPr/>
+            <p:nvPr/>
+          </p:nvSpPr>
+          <p:spPr>
+            <a:xfrm>
+              <a:off x="7438320" y="2924944"/>
+              <a:ext cx="1324080" cy="364680"/>
+            </a:xfrm>
+            <a:prstGeom prst="rect">
+              <a:avLst/>
+            </a:prstGeom>
+            <a:noFill/>
+            <a:ln w="0">
+              <a:noFill/>
+            </a:ln>
+          </p:spPr>
+          <p:style>
+            <a:lnRef idx="0">
+              <a:scrgbClr r="0" g="0" b="0"/>
+            </a:lnRef>
+            <a:fillRef idx="0">
+              <a:scrgbClr r="0" g="0" b="0"/>
+            </a:fillRef>
+            <a:effectRef idx="0">
+              <a:scrgbClr r="0" g="0" b="0"/>
+            </a:effectRef>
+            <a:fontRef idx="minor"/>
+          </p:style>
+          <p:txBody>
+            <a:bodyPr wrap="none" lIns="90000" tIns="45000" rIns="90000" bIns="45000">
+              <a:spAutoFit/>
+            </a:bodyPr>
+            <a:lstStyle/>
+            <a:p>
+              <a:pPr>
+                <a:lnSpc>
+                  <a:spcPct val="100000"/>
+                </a:lnSpc>
+              </a:pPr>
+              <a:r>
+                <a:rPr lang="zh-TW" sz="1800" b="0" strike="noStrike" spc="-1">
+                  <a:solidFill>
+                    <a:srgbClr val="000000"/>
+                  </a:solidFill>
+                  <a:latin typeface="Calibri"/>
+                </a:rPr>
+                <a:t>產業屬性表</a:t>
+              </a:r>
+              <a:endParaRPr lang="en-US" sz="1800" b="0" strike="noStrike" spc="-1">
+                <a:latin typeface="Arial"/>
+              </a:endParaRPr>
+            </a:p>
+          </p:txBody>
+        </p:sp>
+      </p:grpSp>
+      <p:grpSp>
+        <p:nvGrpSpPr>
+          <p:cNvPr id="27" name="群組 26"/>
+          <p:cNvGrpSpPr/>
+          <p:nvPr/>
+        </p:nvGrpSpPr>
+        <p:grpSpPr>
+          <a:xfrm>
+            <a:off x="7236360" y="3429000"/>
+            <a:ext cx="1728000" cy="590760"/>
+            <a:chOff x="7236360" y="4048088"/>
+            <a:chExt cx="1728000" cy="590760"/>
+          </a:xfrm>
+        </p:grpSpPr>
+        <p:sp>
+          <p:nvSpPr>
+            <p:cNvPr id="86" name="CustomShape 47"/>
+            <p:cNvSpPr/>
+            <p:nvPr/>
+          </p:nvSpPr>
+          <p:spPr>
+            <a:xfrm>
+              <a:off x="7236360" y="4048088"/>
+              <a:ext cx="1728000" cy="590760"/>
+            </a:xfrm>
+            <a:prstGeom prst="rect">
+              <a:avLst/>
+            </a:prstGeom>
+            <a:noFill/>
+            <a:ln>
+              <a:solidFill>
+                <a:schemeClr val="tx1"/>
+              </a:solidFill>
+              <a:round/>
+            </a:ln>
+          </p:spPr>
+          <p:style>
+            <a:lnRef idx="2">
+              <a:schemeClr val="accent1">
+                <a:shade val="50000"/>
+              </a:schemeClr>
+            </a:lnRef>
+            <a:fillRef idx="1">
+              <a:schemeClr val="accent1"/>
+            </a:fillRef>
+            <a:effectRef idx="0">
+              <a:schemeClr val="accent1"/>
+            </a:effectRef>
+            <a:fontRef idx="minor"/>
+          </p:style>
+        </p:sp>
+        <p:sp>
+          <p:nvSpPr>
+            <p:cNvPr id="87" name="CustomShape 48"/>
+            <p:cNvSpPr/>
+            <p:nvPr/>
+          </p:nvSpPr>
+          <p:spPr>
+            <a:xfrm>
+              <a:off x="7438320" y="4158968"/>
+              <a:ext cx="1324080" cy="364680"/>
+            </a:xfrm>
+            <a:prstGeom prst="rect">
+              <a:avLst/>
+            </a:prstGeom>
+            <a:noFill/>
+            <a:ln w="0">
+              <a:noFill/>
+            </a:ln>
+          </p:spPr>
+          <p:style>
+            <a:lnRef idx="0">
+              <a:scrgbClr r="0" g="0" b="0"/>
+            </a:lnRef>
+            <a:fillRef idx="0">
+              <a:scrgbClr r="0" g="0" b="0"/>
+            </a:fillRef>
+            <a:effectRef idx="0">
+              <a:scrgbClr r="0" g="0" b="0"/>
+            </a:effectRef>
+            <a:fontRef idx="minor"/>
+          </p:style>
+          <p:txBody>
+            <a:bodyPr wrap="none" lIns="90000" tIns="45000" rIns="90000" bIns="45000">
+              <a:spAutoFit/>
+            </a:bodyPr>
+            <a:lstStyle/>
+            <a:p>
+              <a:pPr>
+                <a:lnSpc>
+                  <a:spcPct val="100000"/>
+                </a:lnSpc>
+              </a:pPr>
+              <a:r>
+                <a:rPr lang="zh-TW" sz="1800" b="0" strike="noStrike" spc="-1">
+                  <a:solidFill>
+                    <a:srgbClr val="000000"/>
+                  </a:solidFill>
+                  <a:latin typeface="Calibri"/>
+                </a:rPr>
+                <a:t>財報狗資料</a:t>
+              </a:r>
+              <a:endParaRPr lang="en-US" sz="1800" b="0" strike="noStrike" spc="-1">
+                <a:latin typeface="Arial"/>
+              </a:endParaRPr>
+            </a:p>
+          </p:txBody>
+        </p:sp>
+      </p:grpSp>
+      <p:grpSp>
+        <p:nvGrpSpPr>
+          <p:cNvPr id="26" name="群組 25"/>
+          <p:cNvGrpSpPr/>
+          <p:nvPr/>
+        </p:nvGrpSpPr>
+        <p:grpSpPr>
+          <a:xfrm>
+            <a:off x="7246080" y="5574544"/>
+            <a:ext cx="1728000" cy="590760"/>
+            <a:chOff x="7246080" y="5574544"/>
+            <a:chExt cx="1728000" cy="590760"/>
+          </a:xfrm>
+        </p:grpSpPr>
+        <p:sp>
+          <p:nvSpPr>
+            <p:cNvPr id="88" name="CustomShape 49"/>
+            <p:cNvSpPr/>
+            <p:nvPr/>
+          </p:nvSpPr>
+          <p:spPr>
+            <a:xfrm>
+              <a:off x="7246080" y="5574544"/>
+              <a:ext cx="1728000" cy="590760"/>
+            </a:xfrm>
+            <a:prstGeom prst="rect">
+              <a:avLst/>
+            </a:prstGeom>
+            <a:noFill/>
+            <a:ln>
+              <a:solidFill>
+                <a:schemeClr val="tx1"/>
+              </a:solidFill>
+              <a:round/>
+            </a:ln>
+          </p:spPr>
+          <p:style>
+            <a:lnRef idx="2">
+              <a:schemeClr val="accent1">
+                <a:shade val="50000"/>
+              </a:schemeClr>
+            </a:lnRef>
+            <a:fillRef idx="1">
+              <a:schemeClr val="accent1"/>
+            </a:fillRef>
+            <a:effectRef idx="0">
+              <a:schemeClr val="accent1"/>
+            </a:effectRef>
+            <a:fontRef idx="minor"/>
+          </p:style>
+        </p:sp>
+        <p:sp>
+          <p:nvSpPr>
+            <p:cNvPr id="89" name="CustomShape 50"/>
+            <p:cNvSpPr/>
+            <p:nvPr/>
+          </p:nvSpPr>
+          <p:spPr>
+            <a:xfrm>
+              <a:off x="7322592" y="5685424"/>
+              <a:ext cx="1540440" cy="364680"/>
+            </a:xfrm>
+            <a:prstGeom prst="rect">
+              <a:avLst/>
+            </a:prstGeom>
+            <a:noFill/>
+            <a:ln w="0">
+              <a:noFill/>
+            </a:ln>
+          </p:spPr>
+          <p:style>
+            <a:lnRef idx="0">
+              <a:scrgbClr r="0" g="0" b="0"/>
+            </a:lnRef>
+            <a:fillRef idx="0">
+              <a:scrgbClr r="0" g="0" b="0"/>
+            </a:fillRef>
+            <a:effectRef idx="0">
+              <a:scrgbClr r="0" g="0" b="0"/>
+            </a:effectRef>
+            <a:fontRef idx="minor"/>
+          </p:style>
+          <p:txBody>
+            <a:bodyPr wrap="none" lIns="90000" tIns="45000" rIns="90000" bIns="45000">
+              <a:spAutoFit/>
+            </a:bodyPr>
+            <a:lstStyle/>
+            <a:p>
+              <a:pPr>
+                <a:lnSpc>
+                  <a:spcPct val="100000"/>
+                </a:lnSpc>
+              </a:pPr>
+              <a:r>
+                <a:rPr lang="en-US" sz="1800" b="0" strike="noStrike" spc="-1" dirty="0" err="1">
+                  <a:solidFill>
+                    <a:srgbClr val="000000"/>
+                  </a:solidFill>
+                  <a:latin typeface="Calibri"/>
+                </a:rPr>
+                <a:t>Goodinfo</a:t>
+              </a:r>
+              <a:r>
+                <a:rPr lang="en-US" sz="1800" b="0" strike="noStrike" spc="-1" dirty="0">
+                  <a:solidFill>
+                    <a:srgbClr val="000000"/>
+                  </a:solidFill>
+                  <a:latin typeface="Calibri"/>
+                </a:rPr>
+                <a:t>: ROE</a:t>
+              </a:r>
+              <a:endParaRPr lang="en-US" sz="1800" b="0" strike="noStrike" spc="-1" dirty="0">
+                <a:latin typeface="Arial"/>
+              </a:endParaRPr>
+            </a:p>
+          </p:txBody>
+        </p:sp>
+      </p:grpSp>
+      <p:grpSp>
+        <p:nvGrpSpPr>
+          <p:cNvPr id="23" name="群組 22"/>
+          <p:cNvGrpSpPr/>
+          <p:nvPr/>
+        </p:nvGrpSpPr>
+        <p:grpSpPr>
+          <a:xfrm>
+            <a:off x="5220264" y="6078600"/>
+            <a:ext cx="1728000" cy="590760"/>
+            <a:chOff x="5150880" y="6078600"/>
+            <a:chExt cx="1728000" cy="590760"/>
+          </a:xfrm>
+        </p:grpSpPr>
+        <p:sp>
+          <p:nvSpPr>
+            <p:cNvPr id="90" name="CustomShape 51"/>
+            <p:cNvSpPr/>
+            <p:nvPr/>
+          </p:nvSpPr>
+          <p:spPr>
+            <a:xfrm>
+              <a:off x="5150880" y="6078600"/>
+              <a:ext cx="1728000" cy="590760"/>
+            </a:xfrm>
+            <a:prstGeom prst="rect">
+              <a:avLst/>
+            </a:prstGeom>
+            <a:noFill/>
+            <a:ln>
+              <a:solidFill>
+                <a:schemeClr val="tx1"/>
+              </a:solidFill>
+              <a:round/>
+              <a:tailEnd type="triangle"/>
+            </a:ln>
+          </p:spPr>
+          <p:style>
+            <a:lnRef idx="2">
+              <a:schemeClr val="accent1">
+                <a:shade val="50000"/>
+              </a:schemeClr>
+            </a:lnRef>
+            <a:fillRef idx="1">
+              <a:schemeClr val="accent1"/>
+            </a:fillRef>
+            <a:effectRef idx="0">
+              <a:schemeClr val="accent1"/>
+            </a:effectRef>
+            <a:fontRef idx="minor"/>
+          </p:style>
+        </p:sp>
+        <p:sp>
+          <p:nvSpPr>
+            <p:cNvPr id="91" name="CustomShape 52"/>
+            <p:cNvSpPr/>
+            <p:nvPr/>
+          </p:nvSpPr>
+          <p:spPr>
+            <a:xfrm>
+              <a:off x="5248800" y="6189480"/>
+              <a:ext cx="1532880" cy="364680"/>
+            </a:xfrm>
+            <a:prstGeom prst="rect">
+              <a:avLst/>
+            </a:prstGeom>
+            <a:noFill/>
+            <a:ln w="0">
+              <a:noFill/>
+              <a:tailEnd type="triangle"/>
+            </a:ln>
+          </p:spPr>
+          <p:style>
+            <a:lnRef idx="0">
+              <a:scrgbClr r="0" g="0" b="0"/>
+            </a:lnRef>
+            <a:fillRef idx="0">
+              <a:scrgbClr r="0" g="0" b="0"/>
+            </a:fillRef>
+            <a:effectRef idx="0">
+              <a:scrgbClr r="0" g="0" b="0"/>
+            </a:effectRef>
+            <a:fontRef idx="minor"/>
+          </p:style>
+          <p:txBody>
+            <a:bodyPr wrap="none" lIns="90000" tIns="45000" rIns="90000" bIns="45000">
+              <a:spAutoFit/>
+            </a:bodyPr>
+            <a:lstStyle/>
+            <a:p>
+              <a:pPr>
+                <a:lnSpc>
+                  <a:spcPct val="100000"/>
+                </a:lnSpc>
+              </a:pPr>
+              <a:r>
+                <a:rPr lang="zh-TW" sz="1800" b="0" strike="noStrike" spc="-1" dirty="0">
+                  <a:solidFill>
+                    <a:srgbClr val="000000"/>
+                  </a:solidFill>
+                  <a:latin typeface="Calibri"/>
+                </a:rPr>
+                <a:t>預測下季</a:t>
+              </a:r>
+              <a:r>
+                <a:rPr lang="en-US" sz="1800" b="0" strike="noStrike" spc="-1" dirty="0">
+                  <a:solidFill>
+                    <a:srgbClr val="000000"/>
+                  </a:solidFill>
+                  <a:latin typeface="Calibri"/>
+                </a:rPr>
+                <a:t>ROE</a:t>
+              </a:r>
+              <a:endParaRPr lang="en-US" sz="1800" b="0" strike="noStrike" spc="-1" dirty="0">
+                <a:latin typeface="Arial"/>
+              </a:endParaRPr>
+            </a:p>
+          </p:txBody>
+        </p:sp>
+      </p:grpSp>
+      <p:grpSp>
+        <p:nvGrpSpPr>
+          <p:cNvPr id="12" name="群組 11"/>
+          <p:cNvGrpSpPr/>
+          <p:nvPr/>
+        </p:nvGrpSpPr>
+        <p:grpSpPr>
+          <a:xfrm>
+            <a:off x="2195640" y="3284984"/>
+            <a:ext cx="873720" cy="667800"/>
+            <a:chOff x="2195640" y="3193248"/>
+            <a:chExt cx="873720" cy="667800"/>
+          </a:xfrm>
+        </p:grpSpPr>
+        <p:sp>
+          <p:nvSpPr>
+            <p:cNvPr id="97" name="CustomShape 58"/>
+            <p:cNvSpPr/>
+            <p:nvPr/>
+          </p:nvSpPr>
+          <p:spPr>
+            <a:xfrm>
+              <a:off x="2195640" y="3193248"/>
+              <a:ext cx="873720" cy="667800"/>
+            </a:xfrm>
+            <a:prstGeom prst="rect">
+              <a:avLst/>
+            </a:prstGeom>
+            <a:noFill/>
+            <a:ln>
+              <a:solidFill>
+                <a:schemeClr val="tx1"/>
+              </a:solidFill>
+              <a:round/>
+              <a:tailEnd type="triangle"/>
+            </a:ln>
+          </p:spPr>
+          <p:style>
+            <a:lnRef idx="2">
+              <a:schemeClr val="accent1">
+                <a:shade val="50000"/>
+              </a:schemeClr>
+            </a:lnRef>
+            <a:fillRef idx="1">
+              <a:schemeClr val="accent1"/>
+            </a:fillRef>
+            <a:effectRef idx="0">
+              <a:schemeClr val="accent1"/>
+            </a:effectRef>
+            <a:fontRef idx="minor"/>
+          </p:style>
+        </p:sp>
+        <p:sp>
+          <p:nvSpPr>
+            <p:cNvPr id="98" name="CustomShape 59"/>
+            <p:cNvSpPr/>
+            <p:nvPr/>
+          </p:nvSpPr>
+          <p:spPr>
+            <a:xfrm>
+              <a:off x="2313720" y="3214848"/>
+              <a:ext cx="638280" cy="639000"/>
+            </a:xfrm>
+            <a:prstGeom prst="rect">
+              <a:avLst/>
+            </a:prstGeom>
+            <a:noFill/>
+            <a:ln w="0">
+              <a:noFill/>
+              <a:tailEnd type="triangle"/>
+            </a:ln>
+          </p:spPr>
+          <p:style>
+            <a:lnRef idx="0">
+              <a:scrgbClr r="0" g="0" b="0"/>
+            </a:lnRef>
+            <a:fillRef idx="0">
+              <a:scrgbClr r="0" g="0" b="0"/>
+            </a:fillRef>
+            <a:effectRef idx="0">
+              <a:scrgbClr r="0" g="0" b="0"/>
+            </a:effectRef>
+            <a:fontRef idx="minor"/>
+          </p:style>
+          <p:txBody>
+            <a:bodyPr wrap="none" lIns="90000" tIns="45000" rIns="90000" bIns="45000">
+              <a:spAutoFit/>
+            </a:bodyPr>
+            <a:lstStyle/>
+            <a:p>
+              <a:pPr>
+                <a:lnSpc>
+                  <a:spcPct val="100000"/>
+                </a:lnSpc>
+              </a:pPr>
+              <a:r>
+                <a:rPr lang="zh-TW" sz="1800" b="0" strike="noStrike" spc="-1" dirty="0">
+                  <a:solidFill>
+                    <a:srgbClr val="000000"/>
+                  </a:solidFill>
+                  <a:latin typeface="Calibri"/>
+                </a:rPr>
+                <a:t>修改</a:t>
+              </a:r>
+              <a:endParaRPr lang="en-US" sz="1800" b="0" strike="noStrike" spc="-1" dirty="0">
+                <a:latin typeface="Arial"/>
+              </a:endParaRPr>
+            </a:p>
+            <a:p>
+              <a:pPr algn="ctr">
+                <a:lnSpc>
+                  <a:spcPct val="100000"/>
+                </a:lnSpc>
+              </a:pPr>
+              <a:r>
+                <a:rPr lang="zh-TW" sz="1800" b="0" strike="noStrike" spc="-1" dirty="0">
+                  <a:solidFill>
+                    <a:srgbClr val="000000"/>
+                  </a:solidFill>
+                  <a:latin typeface="Calibri"/>
+                </a:rPr>
+                <a:t>資料</a:t>
+              </a:r>
+              <a:endParaRPr lang="en-US" sz="1800" b="0" strike="noStrike" spc="-1" dirty="0">
+                <a:latin typeface="Arial"/>
+              </a:endParaRPr>
+            </a:p>
+          </p:txBody>
+        </p:sp>
+      </p:grpSp>
       <p:sp>
         <p:nvSpPr>
-          <p:cNvPr id="48" name="CustomShape 9"/>
+          <p:cNvPr id="102" name="CustomShape 63"/>
           <p:cNvSpPr/>
           <p:nvPr/>
         </p:nvSpPr>
         <p:spPr>
-          <a:xfrm flipH="1">
-            <a:off x="1218600" y="692640"/>
-            <a:ext cx="3960" cy="249480"/>
-          </a:xfrm>
-          <a:custGeom>
-            <a:avLst/>
-            <a:gdLst/>
-            <a:ahLst/>
-            <a:cxnLst/>
-            <a:rect l="l" t="t" r="r" b="b"/>
-            <a:pathLst>
-              <a:path w="21600" h="21600">
-                <a:moveTo>
-                  <a:pt x="0" y="0"/>
-                </a:moveTo>
-                <a:lnTo>
-                  <a:pt x="21600" y="21600"/>
-                </a:lnTo>
-              </a:path>
-            </a:pathLst>
-          </a:custGeom>
-          <a:noFill/>
-          <a:ln>
-            <a:solidFill>
-              <a:schemeClr val="tx1"/>
-            </a:solidFill>
-            <a:round/>
-            <a:tailEnd type="triangle" w="med" len="med"/>
-          </a:ln>
-        </p:spPr>
-        <p:style>
-          <a:lnRef idx="1">
-            <a:schemeClr val="accent1"/>
-          </a:lnRef>
-          <a:fillRef idx="0">
-            <a:schemeClr val="accent1"/>
-          </a:fillRef>
-          <a:effectRef idx="0">
-            <a:schemeClr val="accent1"/>
-          </a:effectRef>
-          <a:fontRef idx="minor"/>
-        </p:style>
-      </p:sp>
-      <p:sp>
-        <p:nvSpPr>
-          <p:cNvPr id="49" name="CustomShape 10"/>
-          <p:cNvSpPr/>
-          <p:nvPr/>
-        </p:nvSpPr>
-        <p:spPr>
-          <a:xfrm>
-            <a:off x="696648" y="1969112"/>
-            <a:ext cx="1067040" cy="667800"/>
-          </a:xfrm>
-          <a:prstGeom prst="rect">
-            <a:avLst/>
-          </a:prstGeom>
-          <a:noFill/>
-          <a:ln>
-            <a:solidFill>
-              <a:schemeClr val="tx1"/>
-            </a:solidFill>
-            <a:round/>
-            <a:tailEnd type="triangle"/>
-          </a:ln>
-        </p:spPr>
-        <p:style>
-          <a:lnRef idx="2">
-            <a:schemeClr val="accent1">
-              <a:shade val="50000"/>
-            </a:schemeClr>
-          </a:lnRef>
-          <a:fillRef idx="1">
-            <a:schemeClr val="accent1"/>
-          </a:fillRef>
-          <a:effectRef idx="0">
-            <a:schemeClr val="accent1"/>
-          </a:effectRef>
-          <a:fontRef idx="minor"/>
-        </p:style>
-      </p:sp>
-      <p:sp>
-        <p:nvSpPr>
-          <p:cNvPr id="51" name="CustomShape 12"/>
-          <p:cNvSpPr/>
-          <p:nvPr/>
-        </p:nvSpPr>
-        <p:spPr>
-          <a:xfrm>
-            <a:off x="786288" y="1991072"/>
-            <a:ext cx="866880" cy="639000"/>
+          <a:xfrm>
+            <a:off x="2168280" y="-27360"/>
+            <a:ext cx="2622600" cy="516960"/>
           </a:xfrm>
           <a:prstGeom prst="rect">
             <a:avLst/>
@@ -2455,7 +4038,6 @@
           <a:noFill/>
           <a:ln w="0">
             <a:noFill/>
-            <a:tailEnd type="triangle"/>
           </a:ln>
         </p:spPr>
         <p:style>
@@ -2482,1470 +4064,7 @@
               </a:lnSpc>
             </a:pPr>
             <a:r>
-              <a:rPr lang="zh-TW" sz="1800" b="0" strike="noStrike" spc="-1" dirty="0">
-                <a:solidFill>
-                  <a:srgbClr val="000000"/>
-                </a:solidFill>
-                <a:latin typeface="Calibri"/>
-              </a:rPr>
-              <a:t>填基本</a:t>
-            </a:r>
-            <a:endParaRPr lang="en-US" sz="1800" b="0" strike="noStrike" spc="-1" dirty="0">
-              <a:latin typeface="Arial"/>
-            </a:endParaRPr>
-          </a:p>
-          <a:p>
-            <a:pPr algn="ctr">
-              <a:lnSpc>
-                <a:spcPct val="100000"/>
-              </a:lnSpc>
-            </a:pPr>
-            <a:r>
-              <a:rPr lang="zh-TW" sz="1800" b="0" strike="noStrike" spc="-1" dirty="0">
-                <a:solidFill>
-                  <a:srgbClr val="000000"/>
-                </a:solidFill>
-                <a:latin typeface="Calibri"/>
-              </a:rPr>
-              <a:t>資料</a:t>
-            </a:r>
-            <a:endParaRPr lang="en-US" sz="1800" b="0" strike="noStrike" spc="-1" dirty="0">
-              <a:latin typeface="Arial"/>
-            </a:endParaRPr>
-          </a:p>
-        </p:txBody>
-      </p:sp>
-      <p:sp>
-        <p:nvSpPr>
-          <p:cNvPr id="53" name="CustomShape 14"/>
-          <p:cNvSpPr/>
-          <p:nvPr/>
-        </p:nvSpPr>
-        <p:spPr>
-          <a:xfrm>
-            <a:off x="697680" y="3110408"/>
-            <a:ext cx="1067040" cy="390600"/>
-          </a:xfrm>
-          <a:prstGeom prst="rect">
-            <a:avLst/>
-          </a:prstGeom>
-          <a:noFill/>
-          <a:ln>
-            <a:solidFill>
-              <a:schemeClr val="tx1"/>
-            </a:solidFill>
-            <a:round/>
-            <a:tailEnd type="triangle"/>
-          </a:ln>
-        </p:spPr>
-        <p:style>
-          <a:lnRef idx="2">
-            <a:schemeClr val="accent1">
-              <a:shade val="50000"/>
-            </a:schemeClr>
-          </a:lnRef>
-          <a:fillRef idx="1">
-            <a:schemeClr val="accent1"/>
-          </a:fillRef>
-          <a:effectRef idx="0">
-            <a:schemeClr val="accent1"/>
-          </a:effectRef>
-          <a:fontRef idx="minor"/>
-        </p:style>
-      </p:sp>
-      <p:sp>
-        <p:nvSpPr>
-          <p:cNvPr id="54" name="CustomShape 15"/>
-          <p:cNvSpPr/>
-          <p:nvPr/>
-        </p:nvSpPr>
-        <p:spPr>
-          <a:xfrm>
-            <a:off x="911880" y="3132368"/>
-            <a:ext cx="638280" cy="364680"/>
-          </a:xfrm>
-          <a:prstGeom prst="rect">
-            <a:avLst/>
-          </a:prstGeom>
-          <a:noFill/>
-          <a:ln w="0">
-            <a:noFill/>
-            <a:tailEnd type="triangle"/>
-          </a:ln>
-        </p:spPr>
-        <p:style>
-          <a:lnRef idx="0">
-            <a:scrgbClr r="0" g="0" b="0"/>
-          </a:lnRef>
-          <a:fillRef idx="0">
-            <a:scrgbClr r="0" g="0" b="0"/>
-          </a:fillRef>
-          <a:effectRef idx="0">
-            <a:scrgbClr r="0" g="0" b="0"/>
-          </a:effectRef>
-          <a:fontRef idx="minor"/>
-        </p:style>
-        <p:txBody>
-          <a:bodyPr wrap="none" lIns="90000" tIns="45000" rIns="90000" bIns="45000">
-            <a:spAutoFit/>
-          </a:bodyPr>
-          <a:lstStyle/>
-          <a:p>
-            <a:pPr>
-              <a:lnSpc>
-                <a:spcPct val="100000"/>
-              </a:lnSpc>
-            </a:pPr>
-            <a:r>
-              <a:rPr lang="zh-TW" sz="1800" b="0" strike="noStrike" spc="-1" dirty="0">
-                <a:solidFill>
-                  <a:srgbClr val="000000"/>
-                </a:solidFill>
-                <a:latin typeface="Calibri"/>
-              </a:rPr>
-              <a:t>登入</a:t>
-            </a:r>
-            <a:endParaRPr lang="en-US" sz="1800" b="0" strike="noStrike" spc="-1" dirty="0">
-              <a:latin typeface="Arial"/>
-            </a:endParaRPr>
-          </a:p>
-        </p:txBody>
-      </p:sp>
-      <p:sp>
-        <p:nvSpPr>
-          <p:cNvPr id="56" name="CustomShape 17"/>
-          <p:cNvSpPr/>
-          <p:nvPr/>
-        </p:nvSpPr>
-        <p:spPr>
-          <a:xfrm>
-            <a:off x="697680" y="4383952"/>
-            <a:ext cx="1063440" cy="1637336"/>
-          </a:xfrm>
-          <a:prstGeom prst="rect">
-            <a:avLst/>
-          </a:prstGeom>
-          <a:noFill/>
-          <a:ln>
-            <a:solidFill>
-              <a:schemeClr val="tx1"/>
-            </a:solidFill>
-            <a:round/>
-            <a:tailEnd type="triangle"/>
-          </a:ln>
-        </p:spPr>
-        <p:style>
-          <a:lnRef idx="2">
-            <a:schemeClr val="accent1">
-              <a:shade val="50000"/>
-            </a:schemeClr>
-          </a:lnRef>
-          <a:fillRef idx="1">
-            <a:schemeClr val="accent1"/>
-          </a:fillRef>
-          <a:effectRef idx="0">
-            <a:schemeClr val="accent1"/>
-          </a:effectRef>
-          <a:fontRef idx="minor"/>
-        </p:style>
-      </p:sp>
-      <p:sp>
-        <p:nvSpPr>
-          <p:cNvPr id="57" name="CustomShape 18"/>
-          <p:cNvSpPr/>
-          <p:nvPr/>
-        </p:nvSpPr>
-        <p:spPr>
-          <a:xfrm>
-            <a:off x="656545" y="4449231"/>
-            <a:ext cx="1104575" cy="1475873"/>
-          </a:xfrm>
-          <a:prstGeom prst="rect">
-            <a:avLst/>
-          </a:prstGeom>
-          <a:noFill/>
-          <a:ln w="0">
-            <a:noFill/>
-            <a:tailEnd type="triangle"/>
-          </a:ln>
-        </p:spPr>
-        <p:style>
-          <a:lnRef idx="0">
-            <a:scrgbClr r="0" g="0" b="0"/>
-          </a:lnRef>
-          <a:fillRef idx="0">
-            <a:scrgbClr r="0" g="0" b="0"/>
-          </a:fillRef>
-          <a:effectRef idx="0">
-            <a:scrgbClr r="0" g="0" b="0"/>
-          </a:effectRef>
-          <a:fontRef idx="minor"/>
-        </p:style>
-        <p:txBody>
-          <a:bodyPr wrap="none" lIns="90000" tIns="45000" rIns="90000" bIns="45000">
-            <a:spAutoFit/>
-          </a:bodyPr>
-          <a:lstStyle/>
-          <a:p>
-            <a:pPr algn="ctr">
-              <a:lnSpc>
-                <a:spcPct val="100000"/>
-              </a:lnSpc>
-            </a:pPr>
-            <a:r>
-              <a:rPr lang="zh-TW" altLang="en-US" spc="-1" dirty="0">
-                <a:solidFill>
-                  <a:srgbClr val="000000"/>
-                </a:solidFill>
-                <a:latin typeface="Calibri"/>
-              </a:rPr>
-              <a:t>算命</a:t>
-            </a:r>
-            <a:r>
-              <a:rPr lang="zh-TW" sz="1800" b="0" strike="noStrike" spc="-1" dirty="0" smtClean="0">
-                <a:solidFill>
-                  <a:srgbClr val="000000"/>
-                </a:solidFill>
-                <a:latin typeface="Calibri"/>
-              </a:rPr>
-              <a:t>資</a:t>
-            </a:r>
-            <a:r>
-              <a:rPr lang="zh-TW" altLang="en-US" sz="1800" b="0" strike="noStrike" spc="-1" dirty="0" smtClean="0">
-                <a:solidFill>
-                  <a:srgbClr val="000000"/>
-                </a:solidFill>
-                <a:latin typeface="Calibri"/>
-              </a:rPr>
-              <a:t>訊</a:t>
-            </a:r>
-            <a:endParaRPr lang="en-US" altLang="zh-TW" sz="1800" b="0" strike="noStrike" spc="-1" dirty="0" smtClean="0">
-              <a:solidFill>
-                <a:srgbClr val="000000"/>
-              </a:solidFill>
-              <a:latin typeface="Calibri"/>
-            </a:endParaRPr>
-          </a:p>
-          <a:p>
-            <a:pPr algn="ctr">
-              <a:lnSpc>
-                <a:spcPct val="100000"/>
-              </a:lnSpc>
-            </a:pPr>
-            <a:r>
-              <a:rPr lang="en-US" altLang="zh-TW" spc="-1" dirty="0">
-                <a:solidFill>
-                  <a:srgbClr val="000000"/>
-                </a:solidFill>
-                <a:latin typeface="Calibri"/>
-              </a:rPr>
-              <a:t>+</a:t>
-            </a:r>
-            <a:endParaRPr lang="en-US" sz="1800" b="0" strike="noStrike" spc="-1" dirty="0">
-              <a:latin typeface="Arial"/>
-            </a:endParaRPr>
-          </a:p>
-          <a:p>
-            <a:pPr algn="ctr">
-              <a:lnSpc>
-                <a:spcPct val="100000"/>
-              </a:lnSpc>
-            </a:pPr>
-            <a:r>
-              <a:rPr lang="zh-TW" sz="1800" b="0" strike="noStrike" spc="-1" dirty="0">
-                <a:solidFill>
-                  <a:srgbClr val="000000"/>
-                </a:solidFill>
-                <a:latin typeface="Calibri"/>
-              </a:rPr>
-              <a:t>公司</a:t>
-            </a:r>
-            <a:r>
-              <a:rPr lang="zh-TW" sz="1800" b="0" strike="noStrike" spc="-1" dirty="0" smtClean="0">
-                <a:solidFill>
-                  <a:srgbClr val="000000"/>
-                </a:solidFill>
-                <a:latin typeface="Calibri"/>
-              </a:rPr>
-              <a:t>資料</a:t>
-            </a:r>
-            <a:endParaRPr lang="en-US" altLang="zh-TW" sz="1800" b="0" strike="noStrike" spc="-1" dirty="0" smtClean="0">
-              <a:solidFill>
-                <a:srgbClr val="000000"/>
-              </a:solidFill>
-              <a:latin typeface="Calibri"/>
-            </a:endParaRPr>
-          </a:p>
-          <a:p>
-            <a:pPr algn="ctr">
-              <a:lnSpc>
-                <a:spcPct val="100000"/>
-              </a:lnSpc>
-            </a:pPr>
-            <a:r>
-              <a:rPr lang="en-US" altLang="zh-TW" spc="-1" dirty="0">
-                <a:solidFill>
-                  <a:srgbClr val="000000"/>
-                </a:solidFill>
-                <a:latin typeface="Calibri"/>
-              </a:rPr>
-              <a:t>+</a:t>
-            </a:r>
-            <a:endParaRPr lang="en-US" altLang="zh-TW" sz="1800" b="0" strike="noStrike" spc="-1" dirty="0" smtClean="0">
-              <a:solidFill>
-                <a:srgbClr val="000000"/>
-              </a:solidFill>
-              <a:latin typeface="Calibri"/>
-            </a:endParaRPr>
-          </a:p>
-          <a:p>
-            <a:pPr algn="ctr">
-              <a:lnSpc>
-                <a:spcPct val="100000"/>
-              </a:lnSpc>
-            </a:pPr>
-            <a:r>
-              <a:rPr lang="en-US" altLang="zh-TW" spc="-1" dirty="0" smtClean="0">
-                <a:solidFill>
-                  <a:srgbClr val="000000"/>
-                </a:solidFill>
-                <a:latin typeface="Calibri"/>
-              </a:rPr>
-              <a:t>ROE</a:t>
-            </a:r>
-            <a:r>
-              <a:rPr lang="zh-TW" altLang="en-US" spc="-1" dirty="0" smtClean="0">
-                <a:solidFill>
-                  <a:srgbClr val="000000"/>
-                </a:solidFill>
-                <a:latin typeface="Calibri"/>
-              </a:rPr>
-              <a:t>資料</a:t>
-            </a:r>
-            <a:endParaRPr lang="en-US" sz="1800" b="0" strike="noStrike" spc="-1" dirty="0">
-              <a:latin typeface="Arial"/>
-            </a:endParaRPr>
-          </a:p>
-        </p:txBody>
-      </p:sp>
-      <p:sp>
-        <p:nvSpPr>
-          <p:cNvPr id="65" name="CustomShape 26"/>
-          <p:cNvSpPr/>
-          <p:nvPr/>
-        </p:nvSpPr>
-        <p:spPr>
-          <a:xfrm>
-            <a:off x="899592" y="1628800"/>
-            <a:ext cx="292320" cy="364680"/>
-          </a:xfrm>
-          <a:prstGeom prst="rect">
-            <a:avLst/>
-          </a:prstGeom>
-          <a:noFill/>
-          <a:ln w="0">
-            <a:noFill/>
-            <a:tailEnd type="triangle"/>
-          </a:ln>
-        </p:spPr>
-        <p:style>
-          <a:lnRef idx="0">
-            <a:scrgbClr r="0" g="0" b="0"/>
-          </a:lnRef>
-          <a:fillRef idx="0">
-            <a:scrgbClr r="0" g="0" b="0"/>
-          </a:fillRef>
-          <a:effectRef idx="0">
-            <a:scrgbClr r="0" g="0" b="0"/>
-          </a:effectRef>
-          <a:fontRef idx="minor"/>
-        </p:style>
-        <p:txBody>
-          <a:bodyPr wrap="none" lIns="90000" tIns="45000" rIns="90000" bIns="45000">
-            <a:spAutoFit/>
-          </a:bodyPr>
-          <a:lstStyle/>
-          <a:p>
-            <a:pPr>
-              <a:lnSpc>
-                <a:spcPct val="100000"/>
-              </a:lnSpc>
-            </a:pPr>
-            <a:r>
-              <a:rPr lang="en-US" sz="1800" b="0" strike="noStrike" spc="-1">
-                <a:solidFill>
-                  <a:srgbClr val="000000"/>
-                </a:solidFill>
-                <a:latin typeface="Calibri"/>
-              </a:rPr>
-              <a:t>Y</a:t>
-            </a:r>
-            <a:endParaRPr lang="en-US" sz="1800" b="0" strike="noStrike" spc="-1">
-              <a:latin typeface="Arial"/>
-            </a:endParaRPr>
-          </a:p>
-        </p:txBody>
-      </p:sp>
-      <p:sp>
-        <p:nvSpPr>
-          <p:cNvPr id="66" name="CustomShape 27"/>
-          <p:cNvSpPr/>
-          <p:nvPr/>
-        </p:nvSpPr>
-        <p:spPr>
-          <a:xfrm>
-            <a:off x="2843808" y="2334184"/>
-            <a:ext cx="1728000" cy="590760"/>
-          </a:xfrm>
-          <a:prstGeom prst="rect">
-            <a:avLst/>
-          </a:prstGeom>
-          <a:noFill/>
-          <a:ln>
-            <a:solidFill>
-              <a:schemeClr val="tx1"/>
-            </a:solidFill>
-            <a:round/>
-            <a:tailEnd type="triangle"/>
-          </a:ln>
-        </p:spPr>
-        <p:style>
-          <a:lnRef idx="2">
-            <a:schemeClr val="accent1">
-              <a:shade val="50000"/>
-            </a:schemeClr>
-          </a:lnRef>
-          <a:fillRef idx="1">
-            <a:schemeClr val="accent1"/>
-          </a:fillRef>
-          <a:effectRef idx="0">
-            <a:schemeClr val="accent1"/>
-          </a:effectRef>
-          <a:fontRef idx="minor"/>
-        </p:style>
-      </p:sp>
-      <p:sp>
-        <p:nvSpPr>
-          <p:cNvPr id="67" name="CustomShape 28"/>
-          <p:cNvSpPr/>
-          <p:nvPr/>
-        </p:nvSpPr>
-        <p:spPr>
-          <a:xfrm>
-            <a:off x="2931288" y="2445064"/>
-            <a:ext cx="1552680" cy="364680"/>
-          </a:xfrm>
-          <a:prstGeom prst="rect">
-            <a:avLst/>
-          </a:prstGeom>
-          <a:noFill/>
-          <a:ln w="0">
-            <a:noFill/>
-            <a:tailEnd type="triangle"/>
-          </a:ln>
-        </p:spPr>
-        <p:style>
-          <a:lnRef idx="0">
-            <a:scrgbClr r="0" g="0" b="0"/>
-          </a:lnRef>
-          <a:fillRef idx="0">
-            <a:scrgbClr r="0" g="0" b="0"/>
-          </a:fillRef>
-          <a:effectRef idx="0">
-            <a:scrgbClr r="0" g="0" b="0"/>
-          </a:effectRef>
-          <a:fontRef idx="minor"/>
-        </p:style>
-        <p:txBody>
-          <a:bodyPr wrap="none" lIns="90000" tIns="45000" rIns="90000" bIns="45000">
-            <a:spAutoFit/>
-          </a:bodyPr>
-          <a:lstStyle/>
-          <a:p>
-            <a:pPr>
-              <a:lnSpc>
-                <a:spcPct val="100000"/>
-              </a:lnSpc>
-            </a:pPr>
-            <a:r>
-              <a:rPr lang="zh-TW" sz="1800" b="0" strike="noStrike" spc="-1" dirty="0">
-                <a:solidFill>
-                  <a:srgbClr val="000000"/>
-                </a:solidFill>
-                <a:latin typeface="Calibri"/>
-              </a:rPr>
-              <a:t>存入個人資料</a:t>
-            </a:r>
-            <a:endParaRPr lang="en-US" sz="1800" b="0" strike="noStrike" spc="-1" dirty="0">
-              <a:latin typeface="Arial"/>
-            </a:endParaRPr>
-          </a:p>
-        </p:txBody>
-      </p:sp>
-      <p:sp>
-        <p:nvSpPr>
-          <p:cNvPr id="70" name="CustomShape 31"/>
-          <p:cNvSpPr/>
-          <p:nvPr/>
-        </p:nvSpPr>
-        <p:spPr>
-          <a:xfrm>
-            <a:off x="5220264" y="764704"/>
-            <a:ext cx="1728000" cy="590760"/>
-          </a:xfrm>
-          <a:prstGeom prst="rect">
-            <a:avLst/>
-          </a:prstGeom>
-          <a:noFill/>
-          <a:ln>
-            <a:solidFill>
-              <a:schemeClr val="tx1"/>
-            </a:solidFill>
-            <a:round/>
-            <a:tailEnd type="triangle"/>
-          </a:ln>
-        </p:spPr>
-        <p:style>
-          <a:lnRef idx="2">
-            <a:schemeClr val="accent1">
-              <a:shade val="50000"/>
-            </a:schemeClr>
-          </a:lnRef>
-          <a:fillRef idx="1">
-            <a:schemeClr val="accent1"/>
-          </a:fillRef>
-          <a:effectRef idx="0">
-            <a:schemeClr val="accent1"/>
-          </a:effectRef>
-          <a:fontRef idx="minor"/>
-        </p:style>
-      </p:sp>
-      <p:sp>
-        <p:nvSpPr>
-          <p:cNvPr id="71" name="CustomShape 32"/>
-          <p:cNvSpPr/>
-          <p:nvPr/>
-        </p:nvSpPr>
-        <p:spPr>
-          <a:xfrm>
-            <a:off x="5307744" y="875944"/>
-            <a:ext cx="1565983" cy="367878"/>
-          </a:xfrm>
-          <a:prstGeom prst="rect">
-            <a:avLst/>
-          </a:prstGeom>
-          <a:noFill/>
-          <a:ln w="0">
-            <a:noFill/>
-            <a:tailEnd type="triangle"/>
-          </a:ln>
-        </p:spPr>
-        <p:style>
-          <a:lnRef idx="0">
-            <a:scrgbClr r="0" g="0" b="0"/>
-          </a:lnRef>
-          <a:fillRef idx="0">
-            <a:scrgbClr r="0" g="0" b="0"/>
-          </a:fillRef>
-          <a:effectRef idx="0">
-            <a:scrgbClr r="0" g="0" b="0"/>
-          </a:effectRef>
-          <a:fontRef idx="minor"/>
-        </p:style>
-        <p:txBody>
-          <a:bodyPr wrap="none" lIns="90000" tIns="45000" rIns="90000" bIns="45000">
-            <a:spAutoFit/>
-          </a:bodyPr>
-          <a:lstStyle/>
-          <a:p>
-            <a:pPr>
-              <a:lnSpc>
-                <a:spcPct val="100000"/>
-              </a:lnSpc>
-            </a:pPr>
-            <a:r>
-              <a:rPr lang="zh-TW" altLang="en-US" spc="-1" dirty="0">
-                <a:solidFill>
-                  <a:srgbClr val="000000"/>
-                </a:solidFill>
-                <a:latin typeface="Calibri"/>
-              </a:rPr>
-              <a:t>送交</a:t>
-            </a:r>
-            <a:r>
-              <a:rPr lang="zh-TW" sz="1800" b="0" strike="noStrike" spc="-1" dirty="0" smtClean="0">
-                <a:solidFill>
-                  <a:srgbClr val="000000"/>
-                </a:solidFill>
-                <a:latin typeface="Calibri"/>
-              </a:rPr>
-              <a:t>出生</a:t>
-            </a:r>
-            <a:r>
-              <a:rPr lang="zh-TW" sz="1800" b="0" strike="noStrike" spc="-1" dirty="0">
-                <a:solidFill>
-                  <a:srgbClr val="000000"/>
-                </a:solidFill>
-                <a:latin typeface="Calibri"/>
-              </a:rPr>
-              <a:t>資料</a:t>
-            </a:r>
-            <a:endParaRPr lang="en-US" sz="1800" b="0" strike="noStrike" spc="-1" dirty="0">
-              <a:latin typeface="Arial"/>
-            </a:endParaRPr>
-          </a:p>
-        </p:txBody>
-      </p:sp>
-      <p:sp>
-        <p:nvSpPr>
-          <p:cNvPr id="75" name="CustomShape 36"/>
-          <p:cNvSpPr/>
-          <p:nvPr/>
-        </p:nvSpPr>
-        <p:spPr>
-          <a:xfrm>
-            <a:off x="7308496" y="764704"/>
-            <a:ext cx="1728000" cy="590760"/>
-          </a:xfrm>
-          <a:prstGeom prst="rect">
-            <a:avLst/>
-          </a:prstGeom>
-          <a:noFill/>
-          <a:ln>
-            <a:solidFill>
-              <a:schemeClr val="tx1"/>
-            </a:solidFill>
-            <a:round/>
-          </a:ln>
-        </p:spPr>
-        <p:style>
-          <a:lnRef idx="2">
-            <a:schemeClr val="accent1">
-              <a:shade val="50000"/>
-            </a:schemeClr>
-          </a:lnRef>
-          <a:fillRef idx="1">
-            <a:schemeClr val="accent1"/>
-          </a:fillRef>
-          <a:effectRef idx="0">
-            <a:schemeClr val="accent1"/>
-          </a:effectRef>
-          <a:fontRef idx="minor"/>
-        </p:style>
-      </p:sp>
-      <p:sp>
-        <p:nvSpPr>
-          <p:cNvPr id="76" name="CustomShape 37"/>
-          <p:cNvSpPr/>
-          <p:nvPr/>
-        </p:nvSpPr>
-        <p:spPr>
-          <a:xfrm>
-            <a:off x="7510456" y="875584"/>
-            <a:ext cx="1324080" cy="364680"/>
-          </a:xfrm>
-          <a:prstGeom prst="rect">
-            <a:avLst/>
-          </a:prstGeom>
-          <a:noFill/>
-          <a:ln w="0">
-            <a:noFill/>
-          </a:ln>
-        </p:spPr>
-        <p:style>
-          <a:lnRef idx="0">
-            <a:scrgbClr r="0" g="0" b="0"/>
-          </a:lnRef>
-          <a:fillRef idx="0">
-            <a:scrgbClr r="0" g="0" b="0"/>
-          </a:fillRef>
-          <a:effectRef idx="0">
-            <a:scrgbClr r="0" g="0" b="0"/>
-          </a:effectRef>
-          <a:fontRef idx="minor"/>
-        </p:style>
-        <p:txBody>
-          <a:bodyPr wrap="none" lIns="90000" tIns="45000" rIns="90000" bIns="45000">
-            <a:spAutoFit/>
-          </a:bodyPr>
-          <a:lstStyle/>
-          <a:p>
-            <a:pPr>
-              <a:lnSpc>
-                <a:spcPct val="100000"/>
-              </a:lnSpc>
-            </a:pPr>
-            <a:r>
-              <a:rPr lang="zh-TW" sz="1800" b="0" strike="noStrike" spc="-1">
-                <a:solidFill>
-                  <a:srgbClr val="000000"/>
-                </a:solidFill>
-                <a:latin typeface="Calibri"/>
-              </a:rPr>
-              <a:t>劍靈算命網</a:t>
-            </a:r>
-            <a:endParaRPr lang="en-US" sz="1800" b="0" strike="noStrike" spc="-1">
-              <a:latin typeface="Arial"/>
-            </a:endParaRPr>
-          </a:p>
-        </p:txBody>
-      </p:sp>
-      <p:sp>
-        <p:nvSpPr>
-          <p:cNvPr id="78" name="CustomShape 39"/>
-          <p:cNvSpPr/>
-          <p:nvPr/>
-        </p:nvSpPr>
-        <p:spPr>
-          <a:xfrm>
-            <a:off x="5150880" y="2981632"/>
-            <a:ext cx="1728000" cy="590760"/>
-          </a:xfrm>
-          <a:prstGeom prst="rect">
-            <a:avLst/>
-          </a:prstGeom>
-          <a:noFill/>
-          <a:ln>
-            <a:solidFill>
-              <a:schemeClr val="tx1"/>
-            </a:solidFill>
-            <a:round/>
-            <a:tailEnd type="triangle"/>
-          </a:ln>
-        </p:spPr>
-        <p:style>
-          <a:lnRef idx="2">
-            <a:schemeClr val="accent1">
-              <a:shade val="50000"/>
-            </a:schemeClr>
-          </a:lnRef>
-          <a:fillRef idx="1">
-            <a:schemeClr val="accent1"/>
-          </a:fillRef>
-          <a:effectRef idx="0">
-            <a:schemeClr val="accent1"/>
-          </a:effectRef>
-          <a:fontRef idx="minor"/>
-        </p:style>
-      </p:sp>
-      <p:sp>
-        <p:nvSpPr>
-          <p:cNvPr id="79" name="CustomShape 40"/>
-          <p:cNvSpPr/>
-          <p:nvPr/>
-        </p:nvSpPr>
-        <p:spPr>
-          <a:xfrm>
-            <a:off x="5338440" y="3092512"/>
-            <a:ext cx="1324080" cy="364680"/>
-          </a:xfrm>
-          <a:prstGeom prst="rect">
-            <a:avLst/>
-          </a:prstGeom>
-          <a:noFill/>
-          <a:ln w="0">
-            <a:noFill/>
-            <a:tailEnd type="triangle"/>
-          </a:ln>
-        </p:spPr>
-        <p:style>
-          <a:lnRef idx="0">
-            <a:scrgbClr r="0" g="0" b="0"/>
-          </a:lnRef>
-          <a:fillRef idx="0">
-            <a:scrgbClr r="0" g="0" b="0"/>
-          </a:fillRef>
-          <a:effectRef idx="0">
-            <a:scrgbClr r="0" g="0" b="0"/>
-          </a:effectRef>
-          <a:fontRef idx="minor"/>
-        </p:style>
-        <p:txBody>
-          <a:bodyPr wrap="none" lIns="90000" tIns="45000" rIns="90000" bIns="45000">
-            <a:spAutoFit/>
-          </a:bodyPr>
-          <a:lstStyle/>
-          <a:p>
-            <a:pPr>
-              <a:lnSpc>
-                <a:spcPct val="100000"/>
-              </a:lnSpc>
-            </a:pPr>
-            <a:r>
-              <a:rPr lang="zh-TW" sz="1800" b="0" strike="noStrike" spc="-1">
-                <a:solidFill>
-                  <a:srgbClr val="000000"/>
-                </a:solidFill>
-                <a:latin typeface="Calibri"/>
-              </a:rPr>
-              <a:t>對比喜用神</a:t>
-            </a:r>
-            <a:endParaRPr lang="en-US" sz="1800" b="0" strike="noStrike" spc="-1">
-              <a:latin typeface="Arial"/>
-            </a:endParaRPr>
-          </a:p>
-        </p:txBody>
-      </p:sp>
-      <p:sp>
-        <p:nvSpPr>
-          <p:cNvPr id="80" name="CustomShape 41"/>
-          <p:cNvSpPr/>
-          <p:nvPr/>
-        </p:nvSpPr>
-        <p:spPr>
-          <a:xfrm>
-            <a:off x="3060000" y="4047008"/>
-            <a:ext cx="1728000" cy="590760"/>
-          </a:xfrm>
-          <a:prstGeom prst="rect">
-            <a:avLst/>
-          </a:prstGeom>
-          <a:noFill/>
-          <a:ln>
-            <a:solidFill>
-              <a:schemeClr val="tx1"/>
-            </a:solidFill>
-            <a:round/>
-            <a:tailEnd type="triangle"/>
-          </a:ln>
-        </p:spPr>
-        <p:style>
-          <a:lnRef idx="2">
-            <a:schemeClr val="accent1">
-              <a:shade val="50000"/>
-            </a:schemeClr>
-          </a:lnRef>
-          <a:fillRef idx="1">
-            <a:schemeClr val="accent1"/>
-          </a:fillRef>
-          <a:effectRef idx="0">
-            <a:schemeClr val="accent1"/>
-          </a:effectRef>
-          <a:fontRef idx="minor"/>
-        </p:style>
-      </p:sp>
-      <p:sp>
-        <p:nvSpPr>
-          <p:cNvPr id="81" name="CustomShape 42"/>
-          <p:cNvSpPr/>
-          <p:nvPr/>
-        </p:nvSpPr>
-        <p:spPr>
-          <a:xfrm>
-            <a:off x="3131840" y="4158248"/>
-            <a:ext cx="1565983" cy="367878"/>
-          </a:xfrm>
-          <a:prstGeom prst="rect">
-            <a:avLst/>
-          </a:prstGeom>
-          <a:noFill/>
-          <a:ln w="0">
-            <a:noFill/>
-            <a:tailEnd type="triangle"/>
-          </a:ln>
-        </p:spPr>
-        <p:style>
-          <a:lnRef idx="0">
-            <a:scrgbClr r="0" g="0" b="0"/>
-          </a:lnRef>
-          <a:fillRef idx="0">
-            <a:scrgbClr r="0" g="0" b="0"/>
-          </a:fillRef>
-          <a:effectRef idx="0">
-            <a:scrgbClr r="0" g="0" b="0"/>
-          </a:effectRef>
-          <a:fontRef idx="minor"/>
-        </p:style>
-        <p:txBody>
-          <a:bodyPr wrap="none" lIns="90000" tIns="45000" rIns="90000" bIns="45000">
-            <a:spAutoFit/>
-          </a:bodyPr>
-          <a:lstStyle/>
-          <a:p>
-            <a:pPr>
-              <a:lnSpc>
-                <a:spcPct val="100000"/>
-              </a:lnSpc>
-            </a:pPr>
-            <a:r>
-              <a:rPr lang="zh-TW" altLang="zh-TW" spc="-1" dirty="0">
-                <a:solidFill>
-                  <a:srgbClr val="000000"/>
-                </a:solidFill>
-                <a:latin typeface="Calibri"/>
-              </a:rPr>
-              <a:t>存入</a:t>
-            </a:r>
-            <a:r>
-              <a:rPr lang="zh-TW" sz="1800" b="0" strike="noStrike" spc="-1" dirty="0" smtClean="0">
-                <a:solidFill>
-                  <a:srgbClr val="000000"/>
-                </a:solidFill>
-                <a:latin typeface="Calibri"/>
-              </a:rPr>
-              <a:t>公司</a:t>
-            </a:r>
-            <a:r>
-              <a:rPr lang="zh-TW" sz="1800" b="0" strike="noStrike" spc="-1" dirty="0">
-                <a:solidFill>
-                  <a:srgbClr val="000000"/>
-                </a:solidFill>
-                <a:latin typeface="Calibri"/>
-              </a:rPr>
-              <a:t>資料</a:t>
-            </a:r>
-            <a:endParaRPr lang="en-US" sz="1800" b="0" strike="noStrike" spc="-1" dirty="0">
-              <a:latin typeface="Arial"/>
-            </a:endParaRPr>
-          </a:p>
-        </p:txBody>
-      </p:sp>
-      <p:sp>
-        <p:nvSpPr>
-          <p:cNvPr id="84" name="CustomShape 45"/>
-          <p:cNvSpPr/>
-          <p:nvPr/>
-        </p:nvSpPr>
-        <p:spPr>
-          <a:xfrm>
-            <a:off x="7236360" y="2810048"/>
-            <a:ext cx="1728000" cy="590760"/>
-          </a:xfrm>
-          <a:prstGeom prst="rect">
-            <a:avLst/>
-          </a:prstGeom>
-          <a:noFill/>
-          <a:ln>
-            <a:solidFill>
-              <a:schemeClr val="tx1"/>
-            </a:solidFill>
-            <a:round/>
-          </a:ln>
-        </p:spPr>
-        <p:style>
-          <a:lnRef idx="2">
-            <a:schemeClr val="accent1">
-              <a:shade val="50000"/>
-            </a:schemeClr>
-          </a:lnRef>
-          <a:fillRef idx="1">
-            <a:schemeClr val="accent1"/>
-          </a:fillRef>
-          <a:effectRef idx="0">
-            <a:schemeClr val="accent1"/>
-          </a:effectRef>
-          <a:fontRef idx="minor"/>
-        </p:style>
-      </p:sp>
-      <p:sp>
-        <p:nvSpPr>
-          <p:cNvPr id="85" name="CustomShape 46"/>
-          <p:cNvSpPr/>
-          <p:nvPr/>
-        </p:nvSpPr>
-        <p:spPr>
-          <a:xfrm>
-            <a:off x="7438320" y="2924944"/>
-            <a:ext cx="1324080" cy="364680"/>
-          </a:xfrm>
-          <a:prstGeom prst="rect">
-            <a:avLst/>
-          </a:prstGeom>
-          <a:noFill/>
-          <a:ln w="0">
-            <a:noFill/>
-          </a:ln>
-        </p:spPr>
-        <p:style>
-          <a:lnRef idx="0">
-            <a:scrgbClr r="0" g="0" b="0"/>
-          </a:lnRef>
-          <a:fillRef idx="0">
-            <a:scrgbClr r="0" g="0" b="0"/>
-          </a:fillRef>
-          <a:effectRef idx="0">
-            <a:scrgbClr r="0" g="0" b="0"/>
-          </a:effectRef>
-          <a:fontRef idx="minor"/>
-        </p:style>
-        <p:txBody>
-          <a:bodyPr wrap="none" lIns="90000" tIns="45000" rIns="90000" bIns="45000">
-            <a:spAutoFit/>
-          </a:bodyPr>
-          <a:lstStyle/>
-          <a:p>
-            <a:pPr>
-              <a:lnSpc>
-                <a:spcPct val="100000"/>
-              </a:lnSpc>
-            </a:pPr>
-            <a:r>
-              <a:rPr lang="zh-TW" sz="1800" b="0" strike="noStrike" spc="-1">
-                <a:solidFill>
-                  <a:srgbClr val="000000"/>
-                </a:solidFill>
-                <a:latin typeface="Calibri"/>
-              </a:rPr>
-              <a:t>產業屬性表</a:t>
-            </a:r>
-            <a:endParaRPr lang="en-US" sz="1800" b="0" strike="noStrike" spc="-1">
-              <a:latin typeface="Arial"/>
-            </a:endParaRPr>
-          </a:p>
-        </p:txBody>
-      </p:sp>
-      <p:sp>
-        <p:nvSpPr>
-          <p:cNvPr id="86" name="CustomShape 47"/>
-          <p:cNvSpPr/>
-          <p:nvPr/>
-        </p:nvSpPr>
-        <p:spPr>
-          <a:xfrm>
-            <a:off x="7236360" y="4048088"/>
-            <a:ext cx="1728000" cy="590760"/>
-          </a:xfrm>
-          <a:prstGeom prst="rect">
-            <a:avLst/>
-          </a:prstGeom>
-          <a:noFill/>
-          <a:ln>
-            <a:solidFill>
-              <a:schemeClr val="tx1"/>
-            </a:solidFill>
-            <a:round/>
-          </a:ln>
-        </p:spPr>
-        <p:style>
-          <a:lnRef idx="2">
-            <a:schemeClr val="accent1">
-              <a:shade val="50000"/>
-            </a:schemeClr>
-          </a:lnRef>
-          <a:fillRef idx="1">
-            <a:schemeClr val="accent1"/>
-          </a:fillRef>
-          <a:effectRef idx="0">
-            <a:schemeClr val="accent1"/>
-          </a:effectRef>
-          <a:fontRef idx="minor"/>
-        </p:style>
-      </p:sp>
-      <p:sp>
-        <p:nvSpPr>
-          <p:cNvPr id="87" name="CustomShape 48"/>
-          <p:cNvSpPr/>
-          <p:nvPr/>
-        </p:nvSpPr>
-        <p:spPr>
-          <a:xfrm>
-            <a:off x="7438320" y="4158968"/>
-            <a:ext cx="1324080" cy="364680"/>
-          </a:xfrm>
-          <a:prstGeom prst="rect">
-            <a:avLst/>
-          </a:prstGeom>
-          <a:noFill/>
-          <a:ln w="0">
-            <a:noFill/>
-          </a:ln>
-        </p:spPr>
-        <p:style>
-          <a:lnRef idx="0">
-            <a:scrgbClr r="0" g="0" b="0"/>
-          </a:lnRef>
-          <a:fillRef idx="0">
-            <a:scrgbClr r="0" g="0" b="0"/>
-          </a:fillRef>
-          <a:effectRef idx="0">
-            <a:scrgbClr r="0" g="0" b="0"/>
-          </a:effectRef>
-          <a:fontRef idx="minor"/>
-        </p:style>
-        <p:txBody>
-          <a:bodyPr wrap="none" lIns="90000" tIns="45000" rIns="90000" bIns="45000">
-            <a:spAutoFit/>
-          </a:bodyPr>
-          <a:lstStyle/>
-          <a:p>
-            <a:pPr>
-              <a:lnSpc>
-                <a:spcPct val="100000"/>
-              </a:lnSpc>
-            </a:pPr>
-            <a:r>
-              <a:rPr lang="zh-TW" sz="1800" b="0" strike="noStrike" spc="-1">
-                <a:solidFill>
-                  <a:srgbClr val="000000"/>
-                </a:solidFill>
-                <a:latin typeface="Calibri"/>
-              </a:rPr>
-              <a:t>財報狗資料</a:t>
-            </a:r>
-            <a:endParaRPr lang="en-US" sz="1800" b="0" strike="noStrike" spc="-1">
-              <a:latin typeface="Arial"/>
-            </a:endParaRPr>
-          </a:p>
-        </p:txBody>
-      </p:sp>
-      <p:sp>
-        <p:nvSpPr>
-          <p:cNvPr id="88" name="CustomShape 49"/>
-          <p:cNvSpPr/>
-          <p:nvPr/>
-        </p:nvSpPr>
-        <p:spPr>
-          <a:xfrm>
-            <a:off x="7246080" y="5574544"/>
-            <a:ext cx="1728000" cy="590760"/>
-          </a:xfrm>
-          <a:prstGeom prst="rect">
-            <a:avLst/>
-          </a:prstGeom>
-          <a:noFill/>
-          <a:ln>
-            <a:solidFill>
-              <a:schemeClr val="tx1"/>
-            </a:solidFill>
-            <a:round/>
-          </a:ln>
-        </p:spPr>
-        <p:style>
-          <a:lnRef idx="2">
-            <a:schemeClr val="accent1">
-              <a:shade val="50000"/>
-            </a:schemeClr>
-          </a:lnRef>
-          <a:fillRef idx="1">
-            <a:schemeClr val="accent1"/>
-          </a:fillRef>
-          <a:effectRef idx="0">
-            <a:schemeClr val="accent1"/>
-          </a:effectRef>
-          <a:fontRef idx="minor"/>
-        </p:style>
-      </p:sp>
-      <p:sp>
-        <p:nvSpPr>
-          <p:cNvPr id="89" name="CustomShape 50"/>
-          <p:cNvSpPr/>
-          <p:nvPr/>
-        </p:nvSpPr>
-        <p:spPr>
-          <a:xfrm>
-            <a:off x="7433640" y="5685424"/>
-            <a:ext cx="1540440" cy="364680"/>
-          </a:xfrm>
-          <a:prstGeom prst="rect">
-            <a:avLst/>
-          </a:prstGeom>
-          <a:noFill/>
-          <a:ln w="0">
-            <a:noFill/>
-          </a:ln>
-        </p:spPr>
-        <p:style>
-          <a:lnRef idx="0">
-            <a:scrgbClr r="0" g="0" b="0"/>
-          </a:lnRef>
-          <a:fillRef idx="0">
-            <a:scrgbClr r="0" g="0" b="0"/>
-          </a:fillRef>
-          <a:effectRef idx="0">
-            <a:scrgbClr r="0" g="0" b="0"/>
-          </a:effectRef>
-          <a:fontRef idx="minor"/>
-        </p:style>
-        <p:txBody>
-          <a:bodyPr wrap="none" lIns="90000" tIns="45000" rIns="90000" bIns="45000">
-            <a:spAutoFit/>
-          </a:bodyPr>
-          <a:lstStyle/>
-          <a:p>
-            <a:pPr>
-              <a:lnSpc>
-                <a:spcPct val="100000"/>
-              </a:lnSpc>
-            </a:pPr>
-            <a:r>
-              <a:rPr lang="en-US" sz="1800" b="0" strike="noStrike" spc="-1">
-                <a:solidFill>
-                  <a:srgbClr val="000000"/>
-                </a:solidFill>
-                <a:latin typeface="Calibri"/>
-              </a:rPr>
-              <a:t>Goodinfo: ROE</a:t>
-            </a:r>
-            <a:endParaRPr lang="en-US" sz="1800" b="0" strike="noStrike" spc="-1">
-              <a:latin typeface="Arial"/>
-            </a:endParaRPr>
-          </a:p>
-        </p:txBody>
-      </p:sp>
-      <p:sp>
-        <p:nvSpPr>
-          <p:cNvPr id="90" name="CustomShape 51"/>
-          <p:cNvSpPr/>
-          <p:nvPr/>
-        </p:nvSpPr>
-        <p:spPr>
-          <a:xfrm>
-            <a:off x="5150880" y="6078600"/>
-            <a:ext cx="1728000" cy="590760"/>
-          </a:xfrm>
-          <a:prstGeom prst="rect">
-            <a:avLst/>
-          </a:prstGeom>
-          <a:noFill/>
-          <a:ln>
-            <a:solidFill>
-              <a:schemeClr val="tx1"/>
-            </a:solidFill>
-            <a:round/>
-            <a:tailEnd type="triangle"/>
-          </a:ln>
-        </p:spPr>
-        <p:style>
-          <a:lnRef idx="2">
-            <a:schemeClr val="accent1">
-              <a:shade val="50000"/>
-            </a:schemeClr>
-          </a:lnRef>
-          <a:fillRef idx="1">
-            <a:schemeClr val="accent1"/>
-          </a:fillRef>
-          <a:effectRef idx="0">
-            <a:schemeClr val="accent1"/>
-          </a:effectRef>
-          <a:fontRef idx="minor"/>
-        </p:style>
-      </p:sp>
-      <p:sp>
-        <p:nvSpPr>
-          <p:cNvPr id="91" name="CustomShape 52"/>
-          <p:cNvSpPr/>
-          <p:nvPr/>
-        </p:nvSpPr>
-        <p:spPr>
-          <a:xfrm>
-            <a:off x="5248800" y="6189480"/>
-            <a:ext cx="1532880" cy="364680"/>
-          </a:xfrm>
-          <a:prstGeom prst="rect">
-            <a:avLst/>
-          </a:prstGeom>
-          <a:noFill/>
-          <a:ln w="0">
-            <a:noFill/>
-            <a:tailEnd type="triangle"/>
-          </a:ln>
-        </p:spPr>
-        <p:style>
-          <a:lnRef idx="0">
-            <a:scrgbClr r="0" g="0" b="0"/>
-          </a:lnRef>
-          <a:fillRef idx="0">
-            <a:scrgbClr r="0" g="0" b="0"/>
-          </a:fillRef>
-          <a:effectRef idx="0">
-            <a:scrgbClr r="0" g="0" b="0"/>
-          </a:effectRef>
-          <a:fontRef idx="minor"/>
-        </p:style>
-        <p:txBody>
-          <a:bodyPr wrap="none" lIns="90000" tIns="45000" rIns="90000" bIns="45000">
-            <a:spAutoFit/>
-          </a:bodyPr>
-          <a:lstStyle/>
-          <a:p>
-            <a:pPr>
-              <a:lnSpc>
-                <a:spcPct val="100000"/>
-              </a:lnSpc>
-            </a:pPr>
-            <a:r>
-              <a:rPr lang="zh-TW" sz="1800" b="0" strike="noStrike" spc="-1" dirty="0">
-                <a:solidFill>
-                  <a:srgbClr val="000000"/>
-                </a:solidFill>
-                <a:latin typeface="Calibri"/>
-              </a:rPr>
-              <a:t>預測下季</a:t>
-            </a:r>
-            <a:r>
-              <a:rPr lang="en-US" sz="1800" b="0" strike="noStrike" spc="-1" dirty="0">
-                <a:solidFill>
-                  <a:srgbClr val="000000"/>
-                </a:solidFill>
-                <a:latin typeface="Calibri"/>
-              </a:rPr>
-              <a:t>ROE</a:t>
-            </a:r>
-            <a:endParaRPr lang="en-US" sz="1800" b="0" strike="noStrike" spc="-1" dirty="0">
-              <a:latin typeface="Arial"/>
-            </a:endParaRPr>
-          </a:p>
-        </p:txBody>
-      </p:sp>
-      <p:sp>
-        <p:nvSpPr>
-          <p:cNvPr id="97" name="CustomShape 58"/>
-          <p:cNvSpPr/>
-          <p:nvPr/>
-        </p:nvSpPr>
-        <p:spPr>
-          <a:xfrm>
-            <a:off x="2195640" y="3193248"/>
-            <a:ext cx="873720" cy="667800"/>
-          </a:xfrm>
-          <a:prstGeom prst="rect">
-            <a:avLst/>
-          </a:prstGeom>
-          <a:noFill/>
-          <a:ln>
-            <a:solidFill>
-              <a:schemeClr val="tx1"/>
-            </a:solidFill>
-            <a:round/>
-            <a:tailEnd type="triangle"/>
-          </a:ln>
-        </p:spPr>
-        <p:style>
-          <a:lnRef idx="2">
-            <a:schemeClr val="accent1">
-              <a:shade val="50000"/>
-            </a:schemeClr>
-          </a:lnRef>
-          <a:fillRef idx="1">
-            <a:schemeClr val="accent1"/>
-          </a:fillRef>
-          <a:effectRef idx="0">
-            <a:schemeClr val="accent1"/>
-          </a:effectRef>
-          <a:fontRef idx="minor"/>
-        </p:style>
-      </p:sp>
-      <p:sp>
-        <p:nvSpPr>
-          <p:cNvPr id="98" name="CustomShape 59"/>
-          <p:cNvSpPr/>
-          <p:nvPr/>
-        </p:nvSpPr>
-        <p:spPr>
-          <a:xfrm>
-            <a:off x="2313720" y="3214848"/>
-            <a:ext cx="638280" cy="639000"/>
-          </a:xfrm>
-          <a:prstGeom prst="rect">
-            <a:avLst/>
-          </a:prstGeom>
-          <a:noFill/>
-          <a:ln w="0">
-            <a:noFill/>
-            <a:tailEnd type="triangle"/>
-          </a:ln>
-        </p:spPr>
-        <p:style>
-          <a:lnRef idx="0">
-            <a:scrgbClr r="0" g="0" b="0"/>
-          </a:lnRef>
-          <a:fillRef idx="0">
-            <a:scrgbClr r="0" g="0" b="0"/>
-          </a:fillRef>
-          <a:effectRef idx="0">
-            <a:scrgbClr r="0" g="0" b="0"/>
-          </a:effectRef>
-          <a:fontRef idx="minor"/>
-        </p:style>
-        <p:txBody>
-          <a:bodyPr wrap="none" lIns="90000" tIns="45000" rIns="90000" bIns="45000">
-            <a:spAutoFit/>
-          </a:bodyPr>
-          <a:lstStyle/>
-          <a:p>
-            <a:pPr>
-              <a:lnSpc>
-                <a:spcPct val="100000"/>
-              </a:lnSpc>
-            </a:pPr>
-            <a:r>
-              <a:rPr lang="zh-TW" sz="1800" b="0" strike="noStrike" spc="-1" dirty="0">
-                <a:solidFill>
-                  <a:srgbClr val="000000"/>
-                </a:solidFill>
-                <a:latin typeface="Calibri"/>
-              </a:rPr>
-              <a:t>修改</a:t>
-            </a:r>
-            <a:endParaRPr lang="en-US" sz="1800" b="0" strike="noStrike" spc="-1" dirty="0">
-              <a:latin typeface="Arial"/>
-            </a:endParaRPr>
-          </a:p>
-          <a:p>
-            <a:pPr algn="ctr">
-              <a:lnSpc>
-                <a:spcPct val="100000"/>
-              </a:lnSpc>
-            </a:pPr>
-            <a:r>
-              <a:rPr lang="zh-TW" sz="1800" b="0" strike="noStrike" spc="-1" dirty="0">
-                <a:solidFill>
-                  <a:srgbClr val="000000"/>
-                </a:solidFill>
-                <a:latin typeface="Calibri"/>
-              </a:rPr>
-              <a:t>資料</a:t>
-            </a:r>
-            <a:endParaRPr lang="en-US" sz="1800" b="0" strike="noStrike" spc="-1" dirty="0">
-              <a:latin typeface="Arial"/>
-            </a:endParaRPr>
-          </a:p>
-        </p:txBody>
-      </p:sp>
-      <p:sp>
-        <p:nvSpPr>
-          <p:cNvPr id="102" name="CustomShape 63"/>
-          <p:cNvSpPr/>
-          <p:nvPr/>
-        </p:nvSpPr>
-        <p:spPr>
-          <a:xfrm>
-            <a:off x="2168280" y="-27360"/>
-            <a:ext cx="2622600" cy="516960"/>
-          </a:xfrm>
-          <a:prstGeom prst="rect">
-            <a:avLst/>
-          </a:prstGeom>
-          <a:noFill/>
-          <a:ln w="0">
-            <a:noFill/>
-          </a:ln>
-        </p:spPr>
-        <p:style>
-          <a:lnRef idx="0">
-            <a:scrgbClr r="0" g="0" b="0"/>
-          </a:lnRef>
-          <a:fillRef idx="0">
-            <a:scrgbClr r="0" g="0" b="0"/>
-          </a:fillRef>
-          <a:effectRef idx="0">
-            <a:scrgbClr r="0" g="0" b="0"/>
-          </a:effectRef>
-          <a:fontRef idx="minor"/>
-        </p:style>
-        <p:txBody>
-          <a:bodyPr wrap="none" lIns="90000" tIns="45000" rIns="90000" bIns="45000">
-            <a:spAutoFit/>
-          </a:bodyPr>
-          <a:lstStyle/>
-          <a:p>
-            <a:pPr>
-              <a:lnSpc>
-                <a:spcPct val="100000"/>
-              </a:lnSpc>
-            </a:pPr>
-            <a:r>
-              <a:rPr lang="en-US" sz="2800" b="0" strike="noStrike" spc="-1">
+              <a:rPr lang="en-US" sz="2800" b="0" strike="noStrike" spc="-1" dirty="0">
                 <a:solidFill>
                   <a:srgbClr val="008000"/>
                 </a:solidFill>
@@ -3954,7 +4073,7 @@
               <a:t>Firebase </a:t>
             </a:r>
             <a:r>
-              <a:rPr lang="zh-TW" sz="2800" b="0" strike="noStrike" spc="-1">
+              <a:rPr lang="zh-TW" sz="2800" b="0" strike="noStrike" spc="-1" dirty="0">
                 <a:solidFill>
                   <a:srgbClr val="008000"/>
                 </a:solidFill>
@@ -3962,7 +4081,7 @@
               </a:rPr>
               <a:t>資料庫</a:t>
             </a:r>
-            <a:endParaRPr lang="en-US" sz="2800" b="0" strike="noStrike" spc="-1">
+            <a:endParaRPr lang="en-US" sz="2800" b="0" strike="noStrike" spc="-1" dirty="0">
               <a:latin typeface="Arial"/>
             </a:endParaRPr>
           </a:p>
@@ -4121,115 +4240,130 @@
           </a:fontRef>
         </p:style>
       </p:cxnSp>
-      <p:sp>
-        <p:nvSpPr>
-          <p:cNvPr id="109" name="CustomShape 39"/>
-          <p:cNvSpPr/>
+      <p:grpSp>
+        <p:nvGrpSpPr>
+          <p:cNvPr id="33" name="群組 32"/>
+          <p:cNvGrpSpPr/>
           <p:nvPr/>
-        </p:nvSpPr>
-        <p:spPr>
-          <a:xfrm>
-            <a:off x="5220072" y="1830128"/>
+        </p:nvGrpSpPr>
+        <p:grpSpPr>
+          <a:xfrm>
+            <a:off x="5220072" y="1542096"/>
             <a:ext cx="1728000" cy="590760"/>
-          </a:xfrm>
-          <a:prstGeom prst="rect">
-            <a:avLst/>
-          </a:prstGeom>
-          <a:noFill/>
-          <a:ln>
-            <a:solidFill>
-              <a:schemeClr val="tx1"/>
-            </a:solidFill>
-            <a:round/>
-            <a:tailEnd type="triangle"/>
-          </a:ln>
-        </p:spPr>
-        <p:style>
-          <a:lnRef idx="2">
-            <a:schemeClr val="accent1">
-              <a:shade val="50000"/>
-            </a:schemeClr>
-          </a:lnRef>
-          <a:fillRef idx="1">
-            <a:schemeClr val="accent1"/>
-          </a:fillRef>
-          <a:effectRef idx="0">
-            <a:schemeClr val="accent1"/>
-          </a:effectRef>
-          <a:fontRef idx="minor"/>
-        </p:style>
-      </p:sp>
-      <p:sp>
-        <p:nvSpPr>
-          <p:cNvPr id="110" name="CustomShape 40"/>
-          <p:cNvSpPr/>
-          <p:nvPr/>
-        </p:nvSpPr>
-        <p:spPr>
-          <a:xfrm>
-            <a:off x="5407632" y="1941008"/>
-            <a:ext cx="1335279" cy="367878"/>
-          </a:xfrm>
-          <a:prstGeom prst="rect">
-            <a:avLst/>
-          </a:prstGeom>
-          <a:noFill/>
-          <a:ln w="0">
+            <a:chOff x="5220072" y="1830128"/>
+            <a:chExt cx="1728000" cy="590760"/>
+          </a:xfrm>
+        </p:grpSpPr>
+        <p:sp>
+          <p:nvSpPr>
+            <p:cNvPr id="109" name="CustomShape 39"/>
+            <p:cNvSpPr/>
+            <p:nvPr/>
+          </p:nvSpPr>
+          <p:spPr>
+            <a:xfrm>
+              <a:off x="5220072" y="1830128"/>
+              <a:ext cx="1728000" cy="590760"/>
+            </a:xfrm>
+            <a:prstGeom prst="rect">
+              <a:avLst/>
+            </a:prstGeom>
             <a:noFill/>
-            <a:tailEnd type="triangle"/>
-          </a:ln>
-        </p:spPr>
-        <p:style>
-          <a:lnRef idx="0">
-            <a:scrgbClr r="0" g="0" b="0"/>
-          </a:lnRef>
-          <a:fillRef idx="0">
-            <a:scrgbClr r="0" g="0" b="0"/>
-          </a:fillRef>
-          <a:effectRef idx="0">
-            <a:scrgbClr r="0" g="0" b="0"/>
-          </a:effectRef>
-          <a:fontRef idx="minor"/>
-        </p:style>
-        <p:txBody>
-          <a:bodyPr wrap="none" lIns="90000" tIns="45000" rIns="90000" bIns="45000">
-            <a:spAutoFit/>
-          </a:bodyPr>
-          <a:lstStyle/>
-          <a:p>
-            <a:pPr>
-              <a:lnSpc>
-                <a:spcPct val="100000"/>
-              </a:lnSpc>
-            </a:pPr>
-            <a:r>
-              <a:rPr lang="zh-TW" altLang="en-US" spc="-1" dirty="0"/>
-              <a:t>擷取</a:t>
-            </a:r>
-            <a:r>
-              <a:rPr lang="zh-TW" sz="1800" b="0" strike="noStrike" spc="-1" dirty="0" smtClean="0">
-                <a:solidFill>
-                  <a:srgbClr val="000000"/>
-                </a:solidFill>
-                <a:latin typeface="Calibri"/>
-              </a:rPr>
-              <a:t>喜</a:t>
-            </a:r>
-            <a:r>
-              <a:rPr lang="zh-TW" sz="1800" b="0" strike="noStrike" spc="-1" dirty="0">
-                <a:solidFill>
-                  <a:srgbClr val="000000"/>
-                </a:solidFill>
-                <a:latin typeface="Calibri"/>
-              </a:rPr>
-              <a:t>用神</a:t>
-            </a:r>
-            <a:endParaRPr lang="en-US" sz="1800" b="0" strike="noStrike" spc="-1" dirty="0">
-              <a:latin typeface="Arial"/>
-            </a:endParaRPr>
-          </a:p>
-        </p:txBody>
-      </p:sp>
+            <a:ln>
+              <a:solidFill>
+                <a:schemeClr val="tx1"/>
+              </a:solidFill>
+              <a:round/>
+              <a:tailEnd type="triangle"/>
+            </a:ln>
+          </p:spPr>
+          <p:style>
+            <a:lnRef idx="2">
+              <a:schemeClr val="accent1">
+                <a:shade val="50000"/>
+              </a:schemeClr>
+            </a:lnRef>
+            <a:fillRef idx="1">
+              <a:schemeClr val="accent1"/>
+            </a:fillRef>
+            <a:effectRef idx="0">
+              <a:schemeClr val="accent1"/>
+            </a:effectRef>
+            <a:fontRef idx="minor"/>
+          </p:style>
+        </p:sp>
+        <p:sp>
+          <p:nvSpPr>
+            <p:cNvPr id="110" name="CustomShape 40"/>
+            <p:cNvSpPr/>
+            <p:nvPr/>
+          </p:nvSpPr>
+          <p:spPr>
+            <a:xfrm>
+              <a:off x="5407632" y="1941008"/>
+              <a:ext cx="1335279" cy="367878"/>
+            </a:xfrm>
+            <a:prstGeom prst="rect">
+              <a:avLst/>
+            </a:prstGeom>
+            <a:noFill/>
+            <a:ln w="0">
+              <a:noFill/>
+              <a:tailEnd type="triangle"/>
+            </a:ln>
+          </p:spPr>
+          <p:style>
+            <a:lnRef idx="0">
+              <a:scrgbClr r="0" g="0" b="0"/>
+            </a:lnRef>
+            <a:fillRef idx="0">
+              <a:scrgbClr r="0" g="0" b="0"/>
+            </a:fillRef>
+            <a:effectRef idx="0">
+              <a:scrgbClr r="0" g="0" b="0"/>
+            </a:effectRef>
+            <a:fontRef idx="minor"/>
+          </p:style>
+          <p:txBody>
+            <a:bodyPr wrap="none" lIns="90000" tIns="45000" rIns="90000" bIns="45000">
+              <a:spAutoFit/>
+            </a:bodyPr>
+            <a:lstStyle/>
+            <a:p>
+              <a:pPr>
+                <a:lnSpc>
+                  <a:spcPct val="100000"/>
+                </a:lnSpc>
+              </a:pPr>
+              <a:r>
+                <a:rPr lang="zh-TW" altLang="en-US" spc="-1" dirty="0"/>
+                <a:t>擷取</a:t>
+              </a:r>
+              <a:r>
+                <a:rPr lang="zh-TW" sz="1800" b="0" strike="noStrike" spc="-1" dirty="0" smtClean="0">
+                  <a:solidFill>
+                    <a:srgbClr val="000000"/>
+                  </a:solidFill>
+                  <a:latin typeface="Calibri"/>
+                </a:rPr>
+                <a:t>喜</a:t>
+              </a:r>
+              <a:r>
+                <a:rPr lang="zh-TW" sz="1800" b="0" strike="noStrike" spc="-1" dirty="0">
+                  <a:solidFill>
+                    <a:srgbClr val="000000"/>
+                  </a:solidFill>
+                  <a:latin typeface="Calibri"/>
+                </a:rPr>
+                <a:t>用神</a:t>
+              </a:r>
+              <a:endParaRPr lang="en-US" sz="1800" b="0" strike="noStrike" spc="-1" dirty="0">
+                <a:latin typeface="Arial"/>
+              </a:endParaRPr>
+            </a:p>
+          </p:txBody>
+        </p:sp>
+      </p:grpSp>
       <p:cxnSp>
         <p:nvCxnSpPr>
           <p:cNvPr id="17" name="肘形接點 16"/>
@@ -4241,8 +4375,8 @@
         </p:nvCxnSpPr>
         <p:spPr>
           <a:xfrm rot="5400000">
-            <a:off x="7175262" y="1128274"/>
-            <a:ext cx="770044" cy="1224424"/>
+            <a:off x="7319278" y="984258"/>
+            <a:ext cx="482012" cy="1224424"/>
           </a:xfrm>
           <a:prstGeom prst="bentConnector2">
             <a:avLst/>
@@ -4269,120 +4403,135 @@
           </a:fontRef>
         </p:style>
       </p:cxnSp>
-      <p:sp>
-        <p:nvSpPr>
-          <p:cNvPr id="111" name="CustomShape 41"/>
-          <p:cNvSpPr/>
+      <p:grpSp>
+        <p:nvGrpSpPr>
+          <p:cNvPr id="21" name="群組 20"/>
+          <p:cNvGrpSpPr/>
           <p:nvPr/>
-        </p:nvSpPr>
-        <p:spPr>
+        </p:nvGrpSpPr>
+        <p:grpSpPr>
           <a:xfrm>
             <a:off x="3059832" y="5574544"/>
             <a:ext cx="1728000" cy="590760"/>
-          </a:xfrm>
-          <a:prstGeom prst="rect">
-            <a:avLst/>
-          </a:prstGeom>
-          <a:noFill/>
-          <a:ln>
-            <a:solidFill>
-              <a:schemeClr val="tx1"/>
-            </a:solidFill>
-            <a:round/>
-            <a:tailEnd type="triangle"/>
-          </a:ln>
-        </p:spPr>
-        <p:style>
-          <a:lnRef idx="2">
-            <a:schemeClr val="accent1">
-              <a:shade val="50000"/>
-            </a:schemeClr>
-          </a:lnRef>
-          <a:fillRef idx="1">
-            <a:schemeClr val="accent1"/>
-          </a:fillRef>
-          <a:effectRef idx="0">
-            <a:schemeClr val="accent1"/>
-          </a:effectRef>
-          <a:fontRef idx="minor"/>
-        </p:style>
-      </p:sp>
-      <p:sp>
-        <p:nvSpPr>
-          <p:cNvPr id="112" name="CustomShape 42"/>
-          <p:cNvSpPr/>
-          <p:nvPr/>
-        </p:nvSpPr>
-        <p:spPr>
-          <a:xfrm>
-            <a:off x="3206348" y="5685784"/>
-            <a:ext cx="1491475" cy="367878"/>
-          </a:xfrm>
-          <a:prstGeom prst="rect">
-            <a:avLst/>
-          </a:prstGeom>
-          <a:noFill/>
-          <a:ln w="0">
+            <a:chOff x="3059832" y="5574544"/>
+            <a:chExt cx="1728000" cy="590760"/>
+          </a:xfrm>
+        </p:grpSpPr>
+        <p:sp>
+          <p:nvSpPr>
+            <p:cNvPr id="111" name="CustomShape 41"/>
+            <p:cNvSpPr/>
+            <p:nvPr/>
+          </p:nvSpPr>
+          <p:spPr>
+            <a:xfrm>
+              <a:off x="3059832" y="5574544"/>
+              <a:ext cx="1728000" cy="590760"/>
+            </a:xfrm>
+            <a:prstGeom prst="rect">
+              <a:avLst/>
+            </a:prstGeom>
             <a:noFill/>
-            <a:tailEnd type="triangle"/>
-          </a:ln>
-        </p:spPr>
-        <p:style>
-          <a:lnRef idx="0">
-            <a:scrgbClr r="0" g="0" b="0"/>
-          </a:lnRef>
-          <a:fillRef idx="0">
-            <a:scrgbClr r="0" g="0" b="0"/>
-          </a:fillRef>
-          <a:effectRef idx="0">
-            <a:scrgbClr r="0" g="0" b="0"/>
-          </a:effectRef>
-          <a:fontRef idx="minor"/>
-        </p:style>
-        <p:txBody>
-          <a:bodyPr wrap="none" lIns="90000" tIns="45000" rIns="90000" bIns="45000">
-            <a:spAutoFit/>
-          </a:bodyPr>
-          <a:lstStyle/>
-          <a:p>
-            <a:pPr>
-              <a:lnSpc>
-                <a:spcPct val="100000"/>
-              </a:lnSpc>
-            </a:pPr>
-            <a:r>
-              <a:rPr lang="zh-TW" altLang="zh-TW" spc="-1" dirty="0">
-                <a:solidFill>
-                  <a:srgbClr val="000000"/>
-                </a:solidFill>
-                <a:latin typeface="Calibri"/>
-              </a:rPr>
-              <a:t>存入</a:t>
-            </a:r>
-            <a:r>
-              <a:rPr lang="en-US" altLang="zh-TW" spc="-1" dirty="0" smtClean="0">
-                <a:solidFill>
-                  <a:srgbClr val="000000"/>
-                </a:solidFill>
-                <a:latin typeface="Calibri"/>
-              </a:rPr>
-              <a:t>ROE</a:t>
-            </a:r>
-            <a:r>
-              <a:rPr lang="zh-TW" sz="1800" b="0" strike="noStrike" spc="-1" dirty="0" smtClean="0">
-                <a:solidFill>
-                  <a:srgbClr val="000000"/>
-                </a:solidFill>
-                <a:latin typeface="Calibri"/>
-              </a:rPr>
-              <a:t>資料</a:t>
-            </a:r>
-            <a:endParaRPr lang="en-US" sz="1800" b="0" strike="noStrike" spc="-1" dirty="0">
-              <a:latin typeface="Arial"/>
-            </a:endParaRPr>
-          </a:p>
-        </p:txBody>
-      </p:sp>
+            <a:ln>
+              <a:solidFill>
+                <a:schemeClr val="tx1"/>
+              </a:solidFill>
+              <a:round/>
+              <a:tailEnd type="triangle"/>
+            </a:ln>
+          </p:spPr>
+          <p:style>
+            <a:lnRef idx="2">
+              <a:schemeClr val="accent1">
+                <a:shade val="50000"/>
+              </a:schemeClr>
+            </a:lnRef>
+            <a:fillRef idx="1">
+              <a:schemeClr val="accent1"/>
+            </a:fillRef>
+            <a:effectRef idx="0">
+              <a:schemeClr val="accent1"/>
+            </a:effectRef>
+            <a:fontRef idx="minor"/>
+          </p:style>
+        </p:sp>
+        <p:sp>
+          <p:nvSpPr>
+            <p:cNvPr id="112" name="CustomShape 42"/>
+            <p:cNvSpPr/>
+            <p:nvPr/>
+          </p:nvSpPr>
+          <p:spPr>
+            <a:xfrm>
+              <a:off x="3311229" y="5685784"/>
+              <a:ext cx="1260771" cy="367878"/>
+            </a:xfrm>
+            <a:prstGeom prst="rect">
+              <a:avLst/>
+            </a:prstGeom>
+            <a:noFill/>
+            <a:ln w="0">
+              <a:noFill/>
+              <a:tailEnd type="triangle"/>
+            </a:ln>
+          </p:spPr>
+          <p:style>
+            <a:lnRef idx="0">
+              <a:scrgbClr r="0" g="0" b="0"/>
+            </a:lnRef>
+            <a:fillRef idx="0">
+              <a:scrgbClr r="0" g="0" b="0"/>
+            </a:fillRef>
+            <a:effectRef idx="0">
+              <a:scrgbClr r="0" g="0" b="0"/>
+            </a:effectRef>
+            <a:fontRef idx="minor"/>
+          </p:style>
+          <p:txBody>
+            <a:bodyPr wrap="none" lIns="90000" tIns="45000" rIns="90000" bIns="45000">
+              <a:spAutoFit/>
+            </a:bodyPr>
+            <a:lstStyle/>
+            <a:p>
+              <a:pPr>
+                <a:lnSpc>
+                  <a:spcPct val="100000"/>
+                </a:lnSpc>
+              </a:pPr>
+              <a:r>
+                <a:rPr lang="en-US" altLang="zh-TW" spc="-1" dirty="0" smtClean="0">
+                  <a:solidFill>
+                    <a:srgbClr val="000000"/>
+                  </a:solidFill>
+                  <a:latin typeface="Calibri"/>
+                </a:rPr>
+                <a:t>ROE</a:t>
+              </a:r>
+              <a:r>
+                <a:rPr lang="zh-TW" sz="1800" b="0" strike="noStrike" spc="-1" dirty="0" smtClean="0">
+                  <a:solidFill>
+                    <a:srgbClr val="000000"/>
+                  </a:solidFill>
+                  <a:latin typeface="Calibri"/>
+                </a:rPr>
+                <a:t>資料</a:t>
+              </a:r>
+              <a:r>
+                <a:rPr lang="zh-TW" altLang="en-US" sz="1800" b="0" strike="noStrike" spc="-1" dirty="0" smtClean="0">
+                  <a:solidFill>
+                    <a:srgbClr val="000000"/>
+                  </a:solidFill>
+                  <a:latin typeface="Calibri"/>
+                </a:rPr>
+                <a:t>庫</a:t>
+              </a:r>
+              <a:endParaRPr lang="en-US" sz="1800" b="0" strike="noStrike" spc="-1" dirty="0">
+                <a:latin typeface="Arial"/>
+              </a:endParaRPr>
+            </a:p>
+          </p:txBody>
+        </p:sp>
+      </p:grpSp>
       <p:cxnSp>
         <p:nvCxnSpPr>
           <p:cNvPr id="30" name="肘形接點 29"/>
@@ -4394,8 +4543,8 @@
         </p:nvCxnSpPr>
         <p:spPr>
           <a:xfrm rot="5400000">
-            <a:off x="7390142" y="5654042"/>
-            <a:ext cx="208676" cy="1231200"/>
+            <a:off x="7424834" y="5688734"/>
+            <a:ext cx="208676" cy="1161816"/>
           </a:xfrm>
           <a:prstGeom prst="bentConnector2">
             <a:avLst/>
@@ -4516,7 +4665,7 @@
         <p:spPr>
           <a:xfrm rot="10800000">
             <a:off x="3923832" y="6165304"/>
-            <a:ext cx="1227048" cy="208676"/>
+            <a:ext cx="1296432" cy="208676"/>
           </a:xfrm>
           <a:prstGeom prst="bentConnector2">
             <a:avLst/>
@@ -4543,99 +4692,114 @@
           </a:fontRef>
         </p:style>
       </p:cxnSp>
-      <p:sp>
-        <p:nvSpPr>
-          <p:cNvPr id="124" name="CustomShape 39"/>
-          <p:cNvSpPr/>
+      <p:grpSp>
+        <p:nvGrpSpPr>
+          <p:cNvPr id="25" name="群組 24"/>
+          <p:cNvGrpSpPr/>
           <p:nvPr/>
-        </p:nvSpPr>
-        <p:spPr>
+        </p:nvGrpSpPr>
+        <p:grpSpPr>
           <a:xfrm>
             <a:off x="5195340" y="4926472"/>
             <a:ext cx="1728000" cy="590760"/>
-          </a:xfrm>
-          <a:prstGeom prst="rect">
-            <a:avLst/>
-          </a:prstGeom>
-          <a:noFill/>
-          <a:ln>
-            <a:solidFill>
-              <a:schemeClr val="tx1"/>
-            </a:solidFill>
-            <a:round/>
-            <a:tailEnd type="triangle"/>
-          </a:ln>
-        </p:spPr>
-        <p:style>
-          <a:lnRef idx="2">
-            <a:schemeClr val="accent1">
-              <a:shade val="50000"/>
-            </a:schemeClr>
-          </a:lnRef>
-          <a:fillRef idx="1">
-            <a:schemeClr val="accent1"/>
-          </a:fillRef>
-          <a:effectRef idx="0">
-            <a:schemeClr val="accent1"/>
-          </a:effectRef>
-          <a:fontRef idx="minor"/>
-        </p:style>
-      </p:sp>
-      <p:sp>
-        <p:nvSpPr>
-          <p:cNvPr id="125" name="CustomShape 40"/>
-          <p:cNvSpPr/>
-          <p:nvPr/>
-        </p:nvSpPr>
-        <p:spPr>
-          <a:xfrm>
-            <a:off x="5281697" y="5037352"/>
-            <a:ext cx="1565983" cy="367878"/>
-          </a:xfrm>
-          <a:prstGeom prst="rect">
-            <a:avLst/>
-          </a:prstGeom>
-          <a:noFill/>
-          <a:ln w="0">
+            <a:chOff x="5195340" y="4926472"/>
+            <a:chExt cx="1728000" cy="590760"/>
+          </a:xfrm>
+        </p:grpSpPr>
+        <p:sp>
+          <p:nvSpPr>
+            <p:cNvPr id="124" name="CustomShape 39"/>
+            <p:cNvSpPr/>
+            <p:nvPr/>
+          </p:nvSpPr>
+          <p:spPr>
+            <a:xfrm>
+              <a:off x="5195340" y="4926472"/>
+              <a:ext cx="1728000" cy="590760"/>
+            </a:xfrm>
+            <a:prstGeom prst="rect">
+              <a:avLst/>
+            </a:prstGeom>
             <a:noFill/>
-            <a:tailEnd type="triangle"/>
-          </a:ln>
-        </p:spPr>
-        <p:style>
-          <a:lnRef idx="0">
-            <a:scrgbClr r="0" g="0" b="0"/>
-          </a:lnRef>
-          <a:fillRef idx="0">
-            <a:scrgbClr r="0" g="0" b="0"/>
-          </a:fillRef>
-          <a:effectRef idx="0">
-            <a:scrgbClr r="0" g="0" b="0"/>
-          </a:effectRef>
-          <a:fontRef idx="minor"/>
-        </p:style>
-        <p:txBody>
-          <a:bodyPr wrap="none" lIns="90000" tIns="45000" rIns="90000" bIns="45000">
-            <a:spAutoFit/>
-          </a:bodyPr>
-          <a:lstStyle/>
-          <a:p>
-            <a:pPr>
-              <a:lnSpc>
-                <a:spcPct val="100000"/>
-              </a:lnSpc>
-            </a:pPr>
-            <a:r>
-              <a:rPr lang="zh-TW" altLang="en-US" sz="1800" b="0" strike="noStrike" spc="-1" dirty="0" smtClean="0">
+            <a:ln>
+              <a:solidFill>
+                <a:schemeClr val="tx1"/>
+              </a:solidFill>
+              <a:round/>
+              <a:tailEnd type="triangle"/>
+            </a:ln>
+          </p:spPr>
+          <p:style>
+            <a:lnRef idx="2">
+              <a:schemeClr val="accent1">
+                <a:shade val="50000"/>
+              </a:schemeClr>
+            </a:lnRef>
+            <a:fillRef idx="1">
+              <a:schemeClr val="accent1"/>
+            </a:fillRef>
+            <a:effectRef idx="0">
+              <a:schemeClr val="accent1"/>
+            </a:effectRef>
+            <a:fontRef idx="minor"/>
+          </p:style>
+        </p:sp>
+        <p:sp>
+          <p:nvSpPr>
+            <p:cNvPr id="125" name="CustomShape 40"/>
+            <p:cNvSpPr/>
+            <p:nvPr/>
+          </p:nvSpPr>
+          <p:spPr>
+            <a:xfrm>
+              <a:off x="5281697" y="5037352"/>
+              <a:ext cx="1565983" cy="367878"/>
+            </a:xfrm>
+            <a:prstGeom prst="rect">
+              <a:avLst/>
+            </a:prstGeom>
+            <a:noFill/>
+            <a:ln w="0">
+              <a:noFill/>
+              <a:tailEnd type="triangle"/>
+            </a:ln>
+          </p:spPr>
+          <p:style>
+            <a:lnRef idx="0">
+              <a:scrgbClr r="0" g="0" b="0"/>
+            </a:lnRef>
+            <a:fillRef idx="0">
+              <a:scrgbClr r="0" g="0" b="0"/>
+            </a:fillRef>
+            <a:effectRef idx="0">
+              <a:scrgbClr r="0" g="0" b="0"/>
+            </a:effectRef>
+            <a:fontRef idx="minor"/>
+          </p:style>
+          <p:txBody>
+            <a:bodyPr wrap="none" lIns="90000" tIns="45000" rIns="90000" bIns="45000">
+              <a:spAutoFit/>
+            </a:bodyPr>
+            <a:lstStyle/>
+            <a:p>
+              <a:pPr>
+                <a:lnSpc>
+                  <a:spcPct val="100000"/>
+                </a:lnSpc>
+              </a:pPr>
+              <a:r>
+                <a:rPr lang="zh-TW" altLang="en-US" sz="1800" b="0" strike="noStrike" spc="-1" dirty="0" smtClean="0">
+                  <a:latin typeface="Arial"/>
+                </a:rPr>
+                <a:t>擷取算命資訊</a:t>
+              </a:r>
+              <a:endParaRPr lang="en-US" sz="1800" b="0" strike="noStrike" spc="-1" dirty="0">
                 <a:latin typeface="Arial"/>
-              </a:rPr>
-              <a:t>擷取算命資訊</a:t>
-            </a:r>
-            <a:endParaRPr lang="en-US" sz="1800" b="0" strike="noStrike" spc="-1" dirty="0">
-              <a:latin typeface="Arial"/>
-            </a:endParaRPr>
-          </a:p>
-        </p:txBody>
-      </p:sp>
+              </a:endParaRPr>
+            </a:p>
+          </p:txBody>
+        </p:sp>
+      </p:grpSp>
       <p:cxnSp>
         <p:nvCxnSpPr>
           <p:cNvPr id="130" name="肘形接點 129"/>
@@ -4659,7 +4823,7 @@
             <a:solidFill>
               <a:schemeClr val="tx1"/>
             </a:solidFill>
-            <a:tailEnd type="arrow"/>
+            <a:tailEnd type="triangle"/>
           </a:ln>
         </p:spPr>
         <p:style>
@@ -4681,14 +4845,14 @@
         <p:nvCxnSpPr>
           <p:cNvPr id="6" name="肘形接點 5"/>
           <p:cNvCxnSpPr>
-            <a:endCxn id="70" idx="1"/>
+            <a:endCxn id="70" idx="0"/>
           </p:cNvCxnSpPr>
           <p:nvPr/>
         </p:nvCxnSpPr>
         <p:spPr>
-          <a:xfrm rot="5400000" flipH="1" flipV="1">
-            <a:off x="4111296" y="1520596"/>
-            <a:ext cx="1569480" cy="648456"/>
+          <a:xfrm>
+            <a:off x="4139868" y="548680"/>
+            <a:ext cx="1944396" cy="216024"/>
           </a:xfrm>
           <a:prstGeom prst="bentConnector2">
             <a:avLst/>
@@ -4720,17 +4884,19 @@
           <p:cNvPr id="24" name="肘形接點 23"/>
           <p:cNvCxnSpPr>
             <a:stCxn id="97" idx="0"/>
-            <a:endCxn id="66" idx="1"/>
+            <a:endCxn id="66" idx="2"/>
           </p:cNvCxnSpPr>
           <p:nvPr/>
         </p:nvCxnSpPr>
         <p:spPr>
           <a:xfrm rot="5400000" flipH="1" flipV="1">
-            <a:off x="2456312" y="2805752"/>
-            <a:ext cx="563684" cy="211308"/>
-          </a:xfrm>
-          <a:prstGeom prst="bentConnector2">
-            <a:avLst/>
+            <a:off x="2313502" y="1458438"/>
+            <a:ext cx="2145544" cy="1507548"/>
+          </a:xfrm>
+          <a:prstGeom prst="bentConnector3">
+            <a:avLst>
+              <a:gd name="adj1" fmla="val 4052"/>
+            </a:avLst>
           </a:prstGeom>
           <a:ln>
             <a:solidFill>
@@ -4754,128 +4920,143 @@
           </a:fontRef>
         </p:style>
       </p:cxnSp>
-      <p:sp>
-        <p:nvSpPr>
-          <p:cNvPr id="108" name="CustomShape 28"/>
-          <p:cNvSpPr/>
+      <p:grpSp>
+        <p:nvGrpSpPr>
+          <p:cNvPr id="9" name="群組 8"/>
+          <p:cNvGrpSpPr/>
           <p:nvPr/>
-        </p:nvSpPr>
-        <p:spPr>
-          <a:xfrm>
-            <a:off x="2715572" y="1065185"/>
-            <a:ext cx="1104575" cy="644877"/>
-          </a:xfrm>
-          <a:prstGeom prst="rect">
-            <a:avLst/>
-          </a:prstGeom>
-          <a:noFill/>
-          <a:ln w="0">
+        </p:nvGrpSpPr>
+        <p:grpSpPr>
+          <a:xfrm>
+            <a:off x="1857786" y="1416072"/>
+            <a:ext cx="2188428" cy="1076824"/>
+            <a:chOff x="2195736" y="840008"/>
+            <a:chExt cx="2188428" cy="1076824"/>
+          </a:xfrm>
+        </p:grpSpPr>
+        <p:sp>
+          <p:nvSpPr>
+            <p:cNvPr id="108" name="CustomShape 28"/>
+            <p:cNvSpPr/>
+            <p:nvPr/>
+          </p:nvSpPr>
+          <p:spPr>
+            <a:xfrm>
+              <a:off x="2715572" y="1065185"/>
+              <a:ext cx="1104575" cy="644877"/>
+            </a:xfrm>
+            <a:prstGeom prst="rect">
+              <a:avLst/>
+            </a:prstGeom>
             <a:noFill/>
-            <a:tailEnd type="triangle"/>
-          </a:ln>
-        </p:spPr>
-        <p:style>
-          <a:lnRef idx="0">
-            <a:scrgbClr r="0" g="0" b="0"/>
-          </a:lnRef>
-          <a:fillRef idx="0">
-            <a:scrgbClr r="0" g="0" b="0"/>
-          </a:fillRef>
-          <a:effectRef idx="0">
-            <a:scrgbClr r="0" g="0" b="0"/>
-          </a:effectRef>
-          <a:fontRef idx="minor"/>
-        </p:style>
-        <p:txBody>
-          <a:bodyPr wrap="none" lIns="90000" tIns="45000" rIns="90000" bIns="45000">
-            <a:spAutoFit/>
-          </a:bodyPr>
-          <a:lstStyle/>
-          <a:p>
-            <a:pPr>
-              <a:lnSpc>
-                <a:spcPct val="100000"/>
-              </a:lnSpc>
-            </a:pPr>
-            <a:r>
-              <a:rPr lang="en-US" altLang="zh-TW" sz="1800" b="0" strike="noStrike" spc="-1" dirty="0" smtClean="0">
-                <a:latin typeface="Arial"/>
-              </a:rPr>
-              <a:t>Firebase</a:t>
-            </a:r>
-          </a:p>
-          <a:p>
-            <a:pPr>
-              <a:lnSpc>
-                <a:spcPct val="100000"/>
-              </a:lnSpc>
-            </a:pPr>
-            <a:r>
-              <a:rPr lang="zh-TW" altLang="en-US" spc="-1" dirty="0">
-                <a:latin typeface="Arial"/>
-              </a:rPr>
-              <a:t>信箱</a:t>
-            </a:r>
-            <a:r>
-              <a:rPr lang="zh-TW" altLang="zh-TW" spc="-1" dirty="0" smtClean="0">
-                <a:solidFill>
-                  <a:srgbClr val="000000"/>
-                </a:solidFill>
-                <a:latin typeface="Calibri"/>
-              </a:rPr>
-              <a:t>驗證</a:t>
-            </a:r>
-            <a:endParaRPr lang="en-US" altLang="zh-TW" spc="-1" dirty="0"/>
-          </a:p>
-        </p:txBody>
-      </p:sp>
-      <p:sp>
-        <p:nvSpPr>
-          <p:cNvPr id="29" name="菱形 28"/>
-          <p:cNvSpPr/>
-          <p:nvPr/>
-        </p:nvSpPr>
-        <p:spPr>
-          <a:xfrm>
-            <a:off x="2195736" y="840008"/>
-            <a:ext cx="2188428" cy="1076824"/>
-          </a:xfrm>
-          <a:prstGeom prst="diamond">
-            <a:avLst/>
-          </a:prstGeom>
-          <a:noFill/>
-          <a:ln>
-            <a:solidFill>
-              <a:schemeClr val="tx1"/>
-            </a:solidFill>
-            <a:tailEnd type="triangle"/>
-          </a:ln>
-        </p:spPr>
-        <p:style>
-          <a:lnRef idx="2">
-            <a:schemeClr val="accent1">
-              <a:shade val="50000"/>
-            </a:schemeClr>
-          </a:lnRef>
-          <a:fillRef idx="1">
-            <a:schemeClr val="accent1"/>
-          </a:fillRef>
-          <a:effectRef idx="0">
-            <a:schemeClr val="accent1"/>
-          </a:effectRef>
-          <a:fontRef idx="minor">
-            <a:schemeClr val="lt1"/>
-          </a:fontRef>
-        </p:style>
-        <p:txBody>
-          <a:bodyPr rtlCol="0" anchor="ctr"/>
-          <a:lstStyle/>
-          <a:p>
-            <a:pPr algn="ctr"/>
-            <a:endParaRPr lang="zh-TW" altLang="en-US"/>
-          </a:p>
-        </p:txBody>
-      </p:sp>
+            <a:ln w="0">
+              <a:noFill/>
+              <a:tailEnd type="triangle"/>
+            </a:ln>
+          </p:spPr>
+          <p:style>
+            <a:lnRef idx="0">
+              <a:scrgbClr r="0" g="0" b="0"/>
+            </a:lnRef>
+            <a:fillRef idx="0">
+              <a:scrgbClr r="0" g="0" b="0"/>
+            </a:fillRef>
+            <a:effectRef idx="0">
+              <a:scrgbClr r="0" g="0" b="0"/>
+            </a:effectRef>
+            <a:fontRef idx="minor"/>
+          </p:style>
+          <p:txBody>
+            <a:bodyPr wrap="none" lIns="90000" tIns="45000" rIns="90000" bIns="45000">
+              <a:spAutoFit/>
+            </a:bodyPr>
+            <a:lstStyle/>
+            <a:p>
+              <a:pPr>
+                <a:lnSpc>
+                  <a:spcPct val="100000"/>
+                </a:lnSpc>
+              </a:pPr>
+              <a:r>
+                <a:rPr lang="en-US" altLang="zh-TW" sz="1800" b="0" strike="noStrike" spc="-1" dirty="0" smtClean="0">
+                  <a:latin typeface="Arial"/>
+                </a:rPr>
+                <a:t>Firebase</a:t>
+              </a:r>
+            </a:p>
+            <a:p>
+              <a:pPr>
+                <a:lnSpc>
+                  <a:spcPct val="100000"/>
+                </a:lnSpc>
+              </a:pPr>
+              <a:r>
+                <a:rPr lang="zh-TW" altLang="en-US" spc="-1" dirty="0">
+                  <a:latin typeface="Arial"/>
+                </a:rPr>
+                <a:t>信箱</a:t>
+              </a:r>
+              <a:r>
+                <a:rPr lang="zh-TW" altLang="zh-TW" spc="-1" dirty="0" smtClean="0">
+                  <a:solidFill>
+                    <a:srgbClr val="000000"/>
+                  </a:solidFill>
+                  <a:latin typeface="Calibri"/>
+                </a:rPr>
+                <a:t>驗證</a:t>
+              </a:r>
+              <a:endParaRPr lang="en-US" altLang="zh-TW" spc="-1" dirty="0"/>
+            </a:p>
+          </p:txBody>
+        </p:sp>
+        <p:sp>
+          <p:nvSpPr>
+            <p:cNvPr id="29" name="菱形 28"/>
+            <p:cNvSpPr/>
+            <p:nvPr/>
+          </p:nvSpPr>
+          <p:spPr>
+            <a:xfrm>
+              <a:off x="2195736" y="840008"/>
+              <a:ext cx="2188428" cy="1076824"/>
+            </a:xfrm>
+            <a:prstGeom prst="diamond">
+              <a:avLst/>
+            </a:prstGeom>
+            <a:noFill/>
+            <a:ln>
+              <a:solidFill>
+                <a:schemeClr val="tx1"/>
+              </a:solidFill>
+              <a:tailEnd type="triangle"/>
+            </a:ln>
+          </p:spPr>
+          <p:style>
+            <a:lnRef idx="2">
+              <a:schemeClr val="accent1">
+                <a:shade val="50000"/>
+              </a:schemeClr>
+            </a:lnRef>
+            <a:fillRef idx="1">
+              <a:schemeClr val="accent1"/>
+            </a:fillRef>
+            <a:effectRef idx="0">
+              <a:schemeClr val="accent1"/>
+            </a:effectRef>
+            <a:fontRef idx="minor">
+              <a:schemeClr val="lt1"/>
+            </a:fontRef>
+          </p:style>
+          <p:txBody>
+            <a:bodyPr rtlCol="0" anchor="ctr"/>
+            <a:lstStyle/>
+            <a:p>
+              <a:pPr algn="ctr"/>
+              <a:endParaRPr lang="zh-TW" altLang="en-US"/>
+            </a:p>
+          </p:txBody>
+        </p:sp>
+      </p:grpSp>
       <p:sp>
         <p:nvSpPr>
           <p:cNvPr id="113" name="CustomShape 6"/>
@@ -4884,7 +5065,7 @@
         </p:nvSpPr>
         <p:spPr>
           <a:xfrm>
-            <a:off x="3306856" y="544040"/>
+            <a:off x="2658784" y="760064"/>
             <a:ext cx="329040" cy="364680"/>
           </a:xfrm>
           <a:prstGeom prst="rect">
@@ -4945,8 +5126,8 @@
         </p:nvCxnSpPr>
         <p:spPr>
           <a:xfrm rot="16200000" flipV="1">
-            <a:off x="2326841" y="-123101"/>
-            <a:ext cx="399548" cy="1526670"/>
+            <a:off x="2050062" y="514134"/>
+            <a:ext cx="615156" cy="1188720"/>
           </a:xfrm>
           <a:prstGeom prst="bentConnector2">
             <a:avLst/>
@@ -4981,7 +5162,7 @@
         </p:nvSpPr>
         <p:spPr>
           <a:xfrm>
-            <a:off x="2627784" y="1624160"/>
+            <a:off x="3775624" y="2056208"/>
             <a:ext cx="292320" cy="364680"/>
           </a:xfrm>
           <a:prstGeom prst="rect">
@@ -5042,12 +5223,12 @@
         </p:nvCxnSpPr>
         <p:spPr>
           <a:xfrm rot="5400000" flipH="1" flipV="1">
-            <a:off x="1666078" y="3417170"/>
-            <a:ext cx="530104" cy="1403460"/>
+            <a:off x="1711946" y="3463038"/>
+            <a:ext cx="438368" cy="1403460"/>
           </a:xfrm>
           <a:prstGeom prst="bentConnector3">
             <a:avLst>
-              <a:gd name="adj1" fmla="val 4181"/>
+              <a:gd name="adj1" fmla="val 50000"/>
             </a:avLst>
           </a:prstGeom>
           <a:ln>
@@ -5083,126 +5264,10 @@
         </p:nvCxnSpPr>
         <p:spPr>
           <a:xfrm flipH="1">
-            <a:off x="1229400" y="3501008"/>
-            <a:ext cx="1800" cy="882944"/>
+            <a:off x="1229400" y="4077072"/>
+            <a:ext cx="1800" cy="306880"/>
           </a:xfrm>
           <a:prstGeom prst="straightConnector1">
-            <a:avLst/>
-          </a:prstGeom>
-          <a:ln>
-            <a:solidFill>
-              <a:schemeClr val="tx1"/>
-            </a:solidFill>
-            <a:tailEnd type="triangle"/>
-          </a:ln>
-        </p:spPr>
-        <p:style>
-          <a:lnRef idx="1">
-            <a:schemeClr val="accent1"/>
-          </a:lnRef>
-          <a:fillRef idx="0">
-            <a:schemeClr val="accent1"/>
-          </a:fillRef>
-          <a:effectRef idx="0">
-            <a:schemeClr val="accent1"/>
-          </a:effectRef>
-          <a:fontRef idx="minor">
-            <a:schemeClr val="tx1"/>
-          </a:fontRef>
-        </p:style>
-      </p:cxnSp>
-      <p:cxnSp>
-        <p:nvCxnSpPr>
-          <p:cNvPr id="146" name="肘形接點 145"/>
-          <p:cNvCxnSpPr>
-            <a:stCxn id="124" idx="1"/>
-            <a:endCxn id="56" idx="3"/>
-          </p:cNvCxnSpPr>
-          <p:nvPr/>
-        </p:nvCxnSpPr>
-        <p:spPr>
-          <a:xfrm rot="10800000">
-            <a:off x="1761120" y="5202620"/>
-            <a:ext cx="3434220" cy="19232"/>
-          </a:xfrm>
-          <a:prstGeom prst="bentConnector3">
-            <a:avLst/>
-          </a:prstGeom>
-          <a:ln>
-            <a:solidFill>
-              <a:schemeClr val="tx1"/>
-            </a:solidFill>
-            <a:tailEnd type="triangle"/>
-          </a:ln>
-        </p:spPr>
-        <p:style>
-          <a:lnRef idx="1">
-            <a:schemeClr val="accent1"/>
-          </a:lnRef>
-          <a:fillRef idx="0">
-            <a:schemeClr val="accent1"/>
-          </a:fillRef>
-          <a:effectRef idx="0">
-            <a:schemeClr val="accent1"/>
-          </a:effectRef>
-          <a:fontRef idx="minor">
-            <a:schemeClr val="tx1"/>
-          </a:fontRef>
-        </p:style>
-      </p:cxnSp>
-      <p:cxnSp>
-        <p:nvCxnSpPr>
-          <p:cNvPr id="151" name="肘形接點 150"/>
-          <p:cNvCxnSpPr>
-            <a:stCxn id="109" idx="2"/>
-          </p:cNvCxnSpPr>
-          <p:nvPr/>
-        </p:nvCxnSpPr>
-        <p:spPr>
-          <a:xfrm rot="5400000">
-            <a:off x="5219928" y="1772768"/>
-            <a:ext cx="216024" cy="1512264"/>
-          </a:xfrm>
-          <a:prstGeom prst="bentConnector2">
-            <a:avLst/>
-          </a:prstGeom>
-          <a:ln>
-            <a:solidFill>
-              <a:schemeClr val="tx1"/>
-            </a:solidFill>
-            <a:tailEnd type="triangle"/>
-          </a:ln>
-        </p:spPr>
-        <p:style>
-          <a:lnRef idx="1">
-            <a:schemeClr val="accent1"/>
-          </a:lnRef>
-          <a:fillRef idx="0">
-            <a:schemeClr val="accent1"/>
-          </a:fillRef>
-          <a:effectRef idx="0">
-            <a:schemeClr val="accent1"/>
-          </a:effectRef>
-          <a:fontRef idx="minor">
-            <a:schemeClr val="tx1"/>
-          </a:fontRef>
-        </p:style>
-      </p:cxnSp>
-      <p:cxnSp>
-        <p:nvCxnSpPr>
-          <p:cNvPr id="159" name="肘形接點 158"/>
-          <p:cNvCxnSpPr>
-            <a:stCxn id="66" idx="2"/>
-            <a:endCxn id="78" idx="1"/>
-          </p:cNvCxnSpPr>
-          <p:nvPr/>
-        </p:nvCxnSpPr>
-        <p:spPr>
-          <a:xfrm rot="16200000" flipH="1">
-            <a:off x="4253310" y="2379442"/>
-            <a:ext cx="352068" cy="1443072"/>
-          </a:xfrm>
-          <a:prstGeom prst="bentConnector2">
             <a:avLst/>
           </a:prstGeom>
           <a:ln>
@@ -5238,11 +5303,930 @@
         </p:nvCxnSpPr>
         <p:spPr>
           <a:xfrm rot="5400000">
-            <a:off x="4732132" y="2764260"/>
-            <a:ext cx="474616" cy="2090880"/>
+            <a:off x="4451760" y="2483888"/>
+            <a:ext cx="1035360" cy="2090880"/>
           </a:xfrm>
           <a:prstGeom prst="bentConnector3">
+            <a:avLst>
+              <a:gd name="adj1" fmla="val 25161"/>
+            </a:avLst>
+          </a:prstGeom>
+          <a:ln>
+            <a:solidFill>
+              <a:schemeClr val="tx1"/>
+            </a:solidFill>
+            <a:tailEnd type="triangle"/>
+          </a:ln>
+        </p:spPr>
+        <p:style>
+          <a:lnRef idx="1">
+            <a:schemeClr val="accent1"/>
+          </a:lnRef>
+          <a:fillRef idx="0">
+            <a:schemeClr val="accent1"/>
+          </a:fillRef>
+          <a:effectRef idx="0">
+            <a:schemeClr val="accent1"/>
+          </a:effectRef>
+          <a:fontRef idx="minor">
+            <a:schemeClr val="tx1"/>
+          </a:fontRef>
+        </p:style>
+      </p:cxnSp>
+      <p:grpSp>
+        <p:nvGrpSpPr>
+          <p:cNvPr id="28" name="群組 27"/>
+          <p:cNvGrpSpPr/>
+          <p:nvPr/>
+        </p:nvGrpSpPr>
+        <p:grpSpPr>
+          <a:xfrm>
+            <a:off x="5208952" y="3429000"/>
+            <a:ext cx="1728000" cy="590760"/>
+            <a:chOff x="5208952" y="4046896"/>
+            <a:chExt cx="1728000" cy="590760"/>
+          </a:xfrm>
+        </p:grpSpPr>
+        <p:sp>
+          <p:nvSpPr>
+            <p:cNvPr id="162" name="CustomShape 39"/>
+            <p:cNvSpPr/>
+            <p:nvPr/>
+          </p:nvSpPr>
+          <p:spPr>
+            <a:xfrm>
+              <a:off x="5208952" y="4046896"/>
+              <a:ext cx="1728000" cy="590760"/>
+            </a:xfrm>
+            <a:prstGeom prst="rect">
+              <a:avLst/>
+            </a:prstGeom>
+            <a:noFill/>
+            <a:ln>
+              <a:solidFill>
+                <a:schemeClr val="tx1"/>
+              </a:solidFill>
+              <a:round/>
+              <a:tailEnd type="triangle"/>
+            </a:ln>
+          </p:spPr>
+          <p:style>
+            <a:lnRef idx="2">
+              <a:schemeClr val="accent1">
+                <a:shade val="50000"/>
+              </a:schemeClr>
+            </a:lnRef>
+            <a:fillRef idx="1">
+              <a:schemeClr val="accent1"/>
+            </a:fillRef>
+            <a:effectRef idx="0">
+              <a:schemeClr val="accent1"/>
+            </a:effectRef>
+            <a:fontRef idx="minor"/>
+          </p:style>
+        </p:sp>
+        <p:sp>
+          <p:nvSpPr>
+            <p:cNvPr id="163" name="CustomShape 40"/>
+            <p:cNvSpPr/>
+            <p:nvPr/>
+          </p:nvSpPr>
+          <p:spPr>
+            <a:xfrm>
+              <a:off x="5538447" y="4155050"/>
+              <a:ext cx="1104575" cy="367878"/>
+            </a:xfrm>
+            <a:prstGeom prst="rect">
+              <a:avLst/>
+            </a:prstGeom>
+            <a:noFill/>
+            <a:ln w="0">
+              <a:noFill/>
+              <a:tailEnd type="triangle"/>
+            </a:ln>
+          </p:spPr>
+          <p:style>
+            <a:lnRef idx="0">
+              <a:scrgbClr r="0" g="0" b="0"/>
+            </a:lnRef>
+            <a:fillRef idx="0">
+              <a:scrgbClr r="0" g="0" b="0"/>
+            </a:fillRef>
+            <a:effectRef idx="0">
+              <a:scrgbClr r="0" g="0" b="0"/>
+            </a:effectRef>
+            <a:fontRef idx="minor"/>
+          </p:style>
+          <p:txBody>
+            <a:bodyPr wrap="none" lIns="90000" tIns="45000" rIns="90000" bIns="45000">
+              <a:spAutoFit/>
+            </a:bodyPr>
+            <a:lstStyle/>
+            <a:p>
+              <a:pPr>
+                <a:lnSpc>
+                  <a:spcPct val="100000"/>
+                </a:lnSpc>
+              </a:pPr>
+              <a:r>
+                <a:rPr lang="zh-TW" altLang="en-US" sz="1800" b="0" strike="noStrike" spc="-1" dirty="0" smtClean="0">
+                  <a:latin typeface="Arial"/>
+                </a:rPr>
+                <a:t>資料合併</a:t>
+              </a:r>
+              <a:endParaRPr lang="en-US" sz="1800" b="0" strike="noStrike" spc="-1" dirty="0">
+                <a:latin typeface="Arial"/>
+              </a:endParaRPr>
+            </a:p>
+          </p:txBody>
+        </p:sp>
+      </p:grpSp>
+      <p:cxnSp>
+        <p:nvCxnSpPr>
+          <p:cNvPr id="166" name="肘形接點 165"/>
+          <p:cNvCxnSpPr>
+            <a:stCxn id="84" idx="2"/>
+            <a:endCxn id="162" idx="0"/>
+          </p:cNvCxnSpPr>
+          <p:nvPr/>
+        </p:nvCxnSpPr>
+        <p:spPr>
+          <a:xfrm rot="5400000">
+            <a:off x="6877980" y="2206620"/>
+            <a:ext cx="417352" cy="2027408"/>
+          </a:xfrm>
+          <a:prstGeom prst="bentConnector3">
+            <a:avLst>
+              <a:gd name="adj1" fmla="val 56847"/>
+            </a:avLst>
+          </a:prstGeom>
+          <a:ln>
+            <a:solidFill>
+              <a:schemeClr val="tx1"/>
+            </a:solidFill>
+            <a:tailEnd type="triangle"/>
+          </a:ln>
+        </p:spPr>
+        <p:style>
+          <a:lnRef idx="1">
+            <a:schemeClr val="accent1"/>
+          </a:lnRef>
+          <a:fillRef idx="0">
+            <a:schemeClr val="accent1"/>
+          </a:fillRef>
+          <a:effectRef idx="0">
+            <a:schemeClr val="accent1"/>
+          </a:effectRef>
+          <a:fontRef idx="minor">
+            <a:schemeClr val="tx1"/>
+          </a:fontRef>
+        </p:style>
+      </p:cxnSp>
+      <p:cxnSp>
+        <p:nvCxnSpPr>
+          <p:cNvPr id="168" name="直線單箭頭接點 167"/>
+          <p:cNvCxnSpPr>
+            <a:stCxn id="86" idx="1"/>
+            <a:endCxn id="162" idx="3"/>
+          </p:cNvCxnSpPr>
+          <p:nvPr/>
+        </p:nvCxnSpPr>
+        <p:spPr>
+          <a:xfrm flipH="1">
+            <a:off x="6936952" y="3724380"/>
+            <a:ext cx="299408" cy="0"/>
+          </a:xfrm>
+          <a:prstGeom prst="straightConnector1">
             <a:avLst/>
+          </a:prstGeom>
+          <a:ln>
+            <a:solidFill>
+              <a:schemeClr val="tx1"/>
+            </a:solidFill>
+            <a:tailEnd type="triangle"/>
+          </a:ln>
+        </p:spPr>
+        <p:style>
+          <a:lnRef idx="1">
+            <a:schemeClr val="accent1"/>
+          </a:lnRef>
+          <a:fillRef idx="0">
+            <a:schemeClr val="accent1"/>
+          </a:fillRef>
+          <a:effectRef idx="0">
+            <a:schemeClr val="accent1"/>
+          </a:effectRef>
+          <a:fontRef idx="minor">
+            <a:schemeClr val="tx1"/>
+          </a:fontRef>
+        </p:style>
+      </p:cxnSp>
+      <p:cxnSp>
+        <p:nvCxnSpPr>
+          <p:cNvPr id="11" name="直線單箭頭接點 10"/>
+          <p:cNvCxnSpPr>
+            <a:stCxn id="88" idx="1"/>
+            <a:endCxn id="111" idx="3"/>
+          </p:cNvCxnSpPr>
+          <p:nvPr/>
+        </p:nvCxnSpPr>
+        <p:spPr>
+          <a:xfrm flipH="1">
+            <a:off x="4787832" y="5869924"/>
+            <a:ext cx="2458248" cy="0"/>
+          </a:xfrm>
+          <a:prstGeom prst="straightConnector1">
+            <a:avLst/>
+          </a:prstGeom>
+          <a:ln>
+            <a:solidFill>
+              <a:schemeClr val="tx1"/>
+            </a:solidFill>
+            <a:tailEnd type="triangle"/>
+          </a:ln>
+        </p:spPr>
+        <p:style>
+          <a:lnRef idx="1">
+            <a:schemeClr val="accent1"/>
+          </a:lnRef>
+          <a:fillRef idx="0">
+            <a:schemeClr val="accent1"/>
+          </a:fillRef>
+          <a:effectRef idx="0">
+            <a:schemeClr val="accent1"/>
+          </a:effectRef>
+          <a:fontRef idx="minor">
+            <a:schemeClr val="tx1"/>
+          </a:fontRef>
+        </p:style>
+      </p:cxnSp>
+      <p:cxnSp>
+        <p:nvCxnSpPr>
+          <p:cNvPr id="14" name="肘形接點 13"/>
+          <p:cNvCxnSpPr>
+            <a:stCxn id="46" idx="1"/>
+            <a:endCxn id="42" idx="2"/>
+          </p:cNvCxnSpPr>
+          <p:nvPr/>
+        </p:nvCxnSpPr>
+        <p:spPr>
+          <a:xfrm rot="10800000" flipH="1" flipV="1">
+            <a:off x="683568" y="1717776"/>
+            <a:ext cx="72" cy="4771772"/>
+          </a:xfrm>
+          <a:prstGeom prst="bentConnector3">
+            <a:avLst>
+              <a:gd name="adj1" fmla="val -317500000"/>
+            </a:avLst>
+          </a:prstGeom>
+          <a:ln>
+            <a:solidFill>
+              <a:schemeClr val="tx1"/>
+            </a:solidFill>
+            <a:tailEnd type="triangle"/>
+          </a:ln>
+        </p:spPr>
+        <p:style>
+          <a:lnRef idx="1">
+            <a:schemeClr val="accent1"/>
+          </a:lnRef>
+          <a:fillRef idx="0">
+            <a:schemeClr val="accent1"/>
+          </a:fillRef>
+          <a:effectRef idx="0">
+            <a:schemeClr val="accent1"/>
+          </a:effectRef>
+          <a:fontRef idx="minor">
+            <a:schemeClr val="tx1"/>
+          </a:fontRef>
+        </p:style>
+      </p:cxnSp>
+      <p:cxnSp>
+        <p:nvCxnSpPr>
+          <p:cNvPr id="22" name="肘形接點 21"/>
+          <p:cNvCxnSpPr>
+            <a:stCxn id="49" idx="3"/>
+            <a:endCxn id="29" idx="2"/>
+          </p:cNvCxnSpPr>
+          <p:nvPr/>
+        </p:nvCxnSpPr>
+        <p:spPr>
+          <a:xfrm flipV="1">
+            <a:off x="1763688" y="2492896"/>
+            <a:ext cx="1188312" cy="170156"/>
+          </a:xfrm>
+          <a:prstGeom prst="bentConnector2">
+            <a:avLst/>
+          </a:prstGeom>
+          <a:ln>
+            <a:solidFill>
+              <a:schemeClr val="tx1"/>
+            </a:solidFill>
+            <a:tailEnd type="triangle"/>
+          </a:ln>
+        </p:spPr>
+        <p:style>
+          <a:lnRef idx="1">
+            <a:schemeClr val="accent1"/>
+          </a:lnRef>
+          <a:fillRef idx="0">
+            <a:schemeClr val="accent1"/>
+          </a:fillRef>
+          <a:effectRef idx="0">
+            <a:schemeClr val="accent1"/>
+          </a:effectRef>
+          <a:fontRef idx="minor">
+            <a:schemeClr val="tx1"/>
+          </a:fontRef>
+        </p:style>
+      </p:cxnSp>
+      <p:grpSp>
+        <p:nvGrpSpPr>
+          <p:cNvPr id="7" name="群組 6"/>
+          <p:cNvGrpSpPr/>
+          <p:nvPr/>
+        </p:nvGrpSpPr>
+        <p:grpSpPr>
+          <a:xfrm>
+            <a:off x="696648" y="2132856"/>
+            <a:ext cx="1067040" cy="864096"/>
+            <a:chOff x="696648" y="1772816"/>
+            <a:chExt cx="1067040" cy="864096"/>
+          </a:xfrm>
+        </p:grpSpPr>
+        <p:sp>
+          <p:nvSpPr>
+            <p:cNvPr id="49" name="CustomShape 10"/>
+            <p:cNvSpPr/>
+            <p:nvPr/>
+          </p:nvSpPr>
+          <p:spPr>
+            <a:xfrm>
+              <a:off x="696648" y="1969112"/>
+              <a:ext cx="1067040" cy="667800"/>
+            </a:xfrm>
+            <a:prstGeom prst="rect">
+              <a:avLst/>
+            </a:prstGeom>
+            <a:noFill/>
+            <a:ln>
+              <a:solidFill>
+                <a:schemeClr val="tx1"/>
+              </a:solidFill>
+              <a:round/>
+              <a:tailEnd type="triangle"/>
+            </a:ln>
+          </p:spPr>
+          <p:style>
+            <a:lnRef idx="2">
+              <a:schemeClr val="accent1">
+                <a:shade val="50000"/>
+              </a:schemeClr>
+            </a:lnRef>
+            <a:fillRef idx="1">
+              <a:schemeClr val="accent1"/>
+            </a:fillRef>
+            <a:effectRef idx="0">
+              <a:schemeClr val="accent1"/>
+            </a:effectRef>
+            <a:fontRef idx="minor"/>
+          </p:style>
+        </p:sp>
+        <p:sp>
+          <p:nvSpPr>
+            <p:cNvPr id="51" name="CustomShape 12"/>
+            <p:cNvSpPr/>
+            <p:nvPr/>
+          </p:nvSpPr>
+          <p:spPr>
+            <a:xfrm>
+              <a:off x="786288" y="1991072"/>
+              <a:ext cx="866880" cy="639000"/>
+            </a:xfrm>
+            <a:prstGeom prst="rect">
+              <a:avLst/>
+            </a:prstGeom>
+            <a:noFill/>
+            <a:ln w="0">
+              <a:noFill/>
+              <a:tailEnd type="triangle"/>
+            </a:ln>
+          </p:spPr>
+          <p:style>
+            <a:lnRef idx="0">
+              <a:scrgbClr r="0" g="0" b="0"/>
+            </a:lnRef>
+            <a:fillRef idx="0">
+              <a:scrgbClr r="0" g="0" b="0"/>
+            </a:fillRef>
+            <a:effectRef idx="0">
+              <a:scrgbClr r="0" g="0" b="0"/>
+            </a:effectRef>
+            <a:fontRef idx="minor"/>
+          </p:style>
+          <p:txBody>
+            <a:bodyPr wrap="none" lIns="90000" tIns="45000" rIns="90000" bIns="45000">
+              <a:spAutoFit/>
+            </a:bodyPr>
+            <a:lstStyle/>
+            <a:p>
+              <a:pPr>
+                <a:lnSpc>
+                  <a:spcPct val="100000"/>
+                </a:lnSpc>
+              </a:pPr>
+              <a:r>
+                <a:rPr lang="zh-TW" sz="1800" b="0" strike="noStrike" spc="-1" dirty="0">
+                  <a:solidFill>
+                    <a:srgbClr val="000000"/>
+                  </a:solidFill>
+                  <a:latin typeface="Calibri"/>
+                </a:rPr>
+                <a:t>填基本</a:t>
+              </a:r>
+              <a:endParaRPr lang="en-US" sz="1800" b="0" strike="noStrike" spc="-1" dirty="0">
+                <a:latin typeface="Arial"/>
+              </a:endParaRPr>
+            </a:p>
+            <a:p>
+              <a:pPr algn="ctr">
+                <a:lnSpc>
+                  <a:spcPct val="100000"/>
+                </a:lnSpc>
+              </a:pPr>
+              <a:r>
+                <a:rPr lang="zh-TW" sz="1800" b="0" strike="noStrike" spc="-1" dirty="0">
+                  <a:solidFill>
+                    <a:srgbClr val="000000"/>
+                  </a:solidFill>
+                  <a:latin typeface="Calibri"/>
+                </a:rPr>
+                <a:t>資料</a:t>
+              </a:r>
+              <a:endParaRPr lang="en-US" sz="1800" b="0" strike="noStrike" spc="-1" dirty="0">
+                <a:latin typeface="Arial"/>
+              </a:endParaRPr>
+            </a:p>
+          </p:txBody>
+        </p:sp>
+        <p:cxnSp>
+          <p:nvCxnSpPr>
+            <p:cNvPr id="59" name="直線單箭頭接點 58"/>
+            <p:cNvCxnSpPr>
+              <a:stCxn id="46" idx="2"/>
+              <a:endCxn id="49" idx="0"/>
+            </p:cNvCxnSpPr>
+            <p:nvPr/>
+          </p:nvCxnSpPr>
+          <p:spPr>
+            <a:xfrm>
+              <a:off x="1227708" y="1772816"/>
+              <a:ext cx="2460" cy="196296"/>
+            </a:xfrm>
+            <a:prstGeom prst="straightConnector1">
+              <a:avLst/>
+            </a:prstGeom>
+            <a:ln>
+              <a:solidFill>
+                <a:schemeClr val="tx1"/>
+              </a:solidFill>
+              <a:tailEnd type="triangle"/>
+            </a:ln>
+          </p:spPr>
+          <p:style>
+            <a:lnRef idx="1">
+              <a:schemeClr val="accent1"/>
+            </a:lnRef>
+            <a:fillRef idx="0">
+              <a:schemeClr val="accent1"/>
+            </a:fillRef>
+            <a:effectRef idx="0">
+              <a:schemeClr val="accent1"/>
+            </a:effectRef>
+            <a:fontRef idx="minor">
+              <a:schemeClr val="tx1"/>
+            </a:fontRef>
+          </p:style>
+        </p:cxnSp>
+      </p:grpSp>
+      <p:cxnSp>
+        <p:nvCxnSpPr>
+          <p:cNvPr id="3" name="直線單箭頭接點 2"/>
+          <p:cNvCxnSpPr>
+            <a:stCxn id="124" idx="1"/>
+            <a:endCxn id="56" idx="3"/>
+          </p:cNvCxnSpPr>
+          <p:nvPr/>
+        </p:nvCxnSpPr>
+        <p:spPr>
+          <a:xfrm flipH="1" flipV="1">
+            <a:off x="1761120" y="5202620"/>
+            <a:ext cx="3434220" cy="19232"/>
+          </a:xfrm>
+          <a:prstGeom prst="straightConnector1">
+            <a:avLst/>
+          </a:prstGeom>
+          <a:ln>
+            <a:solidFill>
+              <a:schemeClr val="tx1"/>
+            </a:solidFill>
+            <a:tailEnd type="triangle"/>
+          </a:ln>
+        </p:spPr>
+        <p:style>
+          <a:lnRef idx="1">
+            <a:schemeClr val="accent1"/>
+          </a:lnRef>
+          <a:fillRef idx="0">
+            <a:schemeClr val="accent1"/>
+          </a:fillRef>
+          <a:effectRef idx="0">
+            <a:schemeClr val="accent1"/>
+          </a:effectRef>
+          <a:fontRef idx="minor">
+            <a:schemeClr val="tx1"/>
+          </a:fontRef>
+        </p:style>
+      </p:cxnSp>
+      <p:cxnSp>
+        <p:nvCxnSpPr>
+          <p:cNvPr id="18" name="直線單箭頭接點 17"/>
+          <p:cNvCxnSpPr>
+            <a:stCxn id="56" idx="2"/>
+            <a:endCxn id="42" idx="0"/>
+          </p:cNvCxnSpPr>
+          <p:nvPr/>
+        </p:nvCxnSpPr>
+        <p:spPr>
+          <a:xfrm flipH="1">
+            <a:off x="1223460" y="6021288"/>
+            <a:ext cx="5940" cy="216440"/>
+          </a:xfrm>
+          <a:prstGeom prst="straightConnector1">
+            <a:avLst/>
+          </a:prstGeom>
+          <a:ln>
+            <a:solidFill>
+              <a:schemeClr val="tx1"/>
+            </a:solidFill>
+            <a:tailEnd type="triangle"/>
+          </a:ln>
+        </p:spPr>
+        <p:style>
+          <a:lnRef idx="1">
+            <a:schemeClr val="accent1"/>
+          </a:lnRef>
+          <a:fillRef idx="0">
+            <a:schemeClr val="accent1"/>
+          </a:fillRef>
+          <a:effectRef idx="0">
+            <a:schemeClr val="accent1"/>
+          </a:effectRef>
+          <a:fontRef idx="minor">
+            <a:schemeClr val="tx1"/>
+          </a:fontRef>
+        </p:style>
+      </p:cxnSp>
+      <p:cxnSp>
+        <p:nvCxnSpPr>
+          <p:cNvPr id="50" name="肘形接點 49"/>
+          <p:cNvCxnSpPr>
+            <a:stCxn id="162" idx="1"/>
+            <a:endCxn id="80" idx="3"/>
+          </p:cNvCxnSpPr>
+          <p:nvPr/>
+        </p:nvCxnSpPr>
+        <p:spPr>
+          <a:xfrm rot="10800000" flipV="1">
+            <a:off x="4788000" y="3724380"/>
+            <a:ext cx="420952" cy="618008"/>
+          </a:xfrm>
+          <a:prstGeom prst="bentConnector3">
+            <a:avLst>
+              <a:gd name="adj1" fmla="val 50000"/>
+            </a:avLst>
+          </a:prstGeom>
+          <a:ln>
+            <a:solidFill>
+              <a:schemeClr val="tx1"/>
+            </a:solidFill>
+            <a:tailEnd type="triangle"/>
+          </a:ln>
+        </p:spPr>
+        <p:style>
+          <a:lnRef idx="1">
+            <a:schemeClr val="accent1"/>
+          </a:lnRef>
+          <a:fillRef idx="0">
+            <a:schemeClr val="accent1"/>
+          </a:fillRef>
+          <a:effectRef idx="0">
+            <a:schemeClr val="accent1"/>
+          </a:effectRef>
+          <a:fontRef idx="minor">
+            <a:schemeClr val="tx1"/>
+          </a:fontRef>
+        </p:style>
+      </p:cxnSp>
+      <p:grpSp>
+        <p:nvGrpSpPr>
+          <p:cNvPr id="114" name="群組 113"/>
+          <p:cNvGrpSpPr/>
+          <p:nvPr/>
+        </p:nvGrpSpPr>
+        <p:grpSpPr>
+          <a:xfrm>
+            <a:off x="5220072" y="4134384"/>
+            <a:ext cx="1728000" cy="590760"/>
+            <a:chOff x="5208952" y="4046896"/>
+            <a:chExt cx="1728000" cy="590760"/>
+          </a:xfrm>
+        </p:grpSpPr>
+        <p:sp>
+          <p:nvSpPr>
+            <p:cNvPr id="115" name="CustomShape 39"/>
+            <p:cNvSpPr/>
+            <p:nvPr/>
+          </p:nvSpPr>
+          <p:spPr>
+            <a:xfrm>
+              <a:off x="5208952" y="4046896"/>
+              <a:ext cx="1728000" cy="590760"/>
+            </a:xfrm>
+            <a:prstGeom prst="rect">
+              <a:avLst/>
+            </a:prstGeom>
+            <a:noFill/>
+            <a:ln>
+              <a:solidFill>
+                <a:schemeClr val="tx1"/>
+              </a:solidFill>
+              <a:round/>
+              <a:tailEnd type="triangle"/>
+            </a:ln>
+          </p:spPr>
+          <p:style>
+            <a:lnRef idx="2">
+              <a:schemeClr val="accent1">
+                <a:shade val="50000"/>
+              </a:schemeClr>
+            </a:lnRef>
+            <a:fillRef idx="1">
+              <a:schemeClr val="accent1"/>
+            </a:fillRef>
+            <a:effectRef idx="0">
+              <a:schemeClr val="accent1"/>
+            </a:effectRef>
+            <a:fontRef idx="minor"/>
+          </p:style>
+        </p:sp>
+        <p:sp>
+          <p:nvSpPr>
+            <p:cNvPr id="117" name="CustomShape 40"/>
+            <p:cNvSpPr/>
+            <p:nvPr/>
+          </p:nvSpPr>
+          <p:spPr>
+            <a:xfrm>
+              <a:off x="5303217" y="4155050"/>
+              <a:ext cx="1565983" cy="367878"/>
+            </a:xfrm>
+            <a:prstGeom prst="rect">
+              <a:avLst/>
+            </a:prstGeom>
+            <a:noFill/>
+            <a:ln w="0">
+              <a:noFill/>
+              <a:tailEnd type="triangle"/>
+            </a:ln>
+          </p:spPr>
+          <p:style>
+            <a:lnRef idx="0">
+              <a:scrgbClr r="0" g="0" b="0"/>
+            </a:lnRef>
+            <a:fillRef idx="0">
+              <a:scrgbClr r="0" g="0" b="0"/>
+            </a:fillRef>
+            <a:effectRef idx="0">
+              <a:scrgbClr r="0" g="0" b="0"/>
+            </a:effectRef>
+            <a:fontRef idx="minor"/>
+          </p:style>
+          <p:txBody>
+            <a:bodyPr wrap="none" lIns="90000" tIns="45000" rIns="90000" bIns="45000">
+              <a:spAutoFit/>
+            </a:bodyPr>
+            <a:lstStyle/>
+            <a:p>
+              <a:pPr>
+                <a:lnSpc>
+                  <a:spcPct val="100000"/>
+                </a:lnSpc>
+              </a:pPr>
+              <a:r>
+                <a:rPr lang="zh-TW" altLang="en-US" spc="-1" dirty="0"/>
+                <a:t>擷取</a:t>
+              </a:r>
+              <a:r>
+                <a:rPr lang="zh-TW" altLang="en-US" spc="-1" dirty="0" smtClean="0">
+                  <a:latin typeface="Arial"/>
+                </a:rPr>
+                <a:t>股票</a:t>
+              </a:r>
+              <a:r>
+                <a:rPr lang="zh-TW" altLang="en-US" spc="-1" dirty="0">
+                  <a:latin typeface="Arial"/>
+                </a:rPr>
+                <a:t>代號</a:t>
+              </a:r>
+              <a:endParaRPr lang="en-US" sz="1800" b="0" strike="noStrike" spc="-1" dirty="0">
+                <a:latin typeface="Arial"/>
+              </a:endParaRPr>
+            </a:p>
+          </p:txBody>
+        </p:sp>
+      </p:grpSp>
+      <p:cxnSp>
+        <p:nvCxnSpPr>
+          <p:cNvPr id="63" name="肘形接點 62"/>
+          <p:cNvCxnSpPr>
+            <a:stCxn id="86" idx="2"/>
+            <a:endCxn id="115" idx="3"/>
+          </p:cNvCxnSpPr>
+          <p:nvPr/>
+        </p:nvCxnSpPr>
+        <p:spPr>
+          <a:xfrm rot="5400000">
+            <a:off x="7319214" y="3648618"/>
+            <a:ext cx="410004" cy="1152288"/>
+          </a:xfrm>
+          <a:prstGeom prst="bentConnector2">
+            <a:avLst/>
+          </a:prstGeom>
+          <a:ln>
+            <a:solidFill>
+              <a:schemeClr val="tx1"/>
+            </a:solidFill>
+            <a:tailEnd type="triangle"/>
+          </a:ln>
+        </p:spPr>
+        <p:style>
+          <a:lnRef idx="1">
+            <a:schemeClr val="accent1"/>
+          </a:lnRef>
+          <a:fillRef idx="0">
+            <a:schemeClr val="accent1"/>
+          </a:fillRef>
+          <a:effectRef idx="0">
+            <a:schemeClr val="accent1"/>
+          </a:effectRef>
+          <a:fontRef idx="minor">
+            <a:schemeClr val="tx1"/>
+          </a:fontRef>
+        </p:style>
+      </p:cxnSp>
+      <p:cxnSp>
+        <p:nvCxnSpPr>
+          <p:cNvPr id="68" name="肘形接點 67"/>
+          <p:cNvCxnSpPr>
+            <a:stCxn id="115" idx="2"/>
+            <a:endCxn id="88" idx="0"/>
+          </p:cNvCxnSpPr>
+          <p:nvPr/>
+        </p:nvCxnSpPr>
+        <p:spPr>
+          <a:xfrm rot="16200000" flipH="1">
+            <a:off x="6672376" y="4136840"/>
+            <a:ext cx="849400" cy="2026008"/>
+          </a:xfrm>
+          <a:prstGeom prst="bentConnector3">
+            <a:avLst>
+              <a:gd name="adj1" fmla="val 7948"/>
+            </a:avLst>
+          </a:prstGeom>
+          <a:ln>
+            <a:solidFill>
+              <a:schemeClr val="tx1"/>
+            </a:solidFill>
+            <a:tailEnd type="triangle"/>
+          </a:ln>
+        </p:spPr>
+        <p:style>
+          <a:lnRef idx="1">
+            <a:schemeClr val="accent1"/>
+          </a:lnRef>
+          <a:fillRef idx="0">
+            <a:schemeClr val="accent1"/>
+          </a:fillRef>
+          <a:effectRef idx="0">
+            <a:schemeClr val="accent1"/>
+          </a:effectRef>
+          <a:fontRef idx="minor">
+            <a:schemeClr val="tx1"/>
+          </a:fontRef>
+        </p:style>
+      </p:cxnSp>
+      <p:cxnSp>
+        <p:nvCxnSpPr>
+          <p:cNvPr id="73" name="肘形接點 72"/>
+          <p:cNvCxnSpPr>
+            <a:stCxn id="109" idx="1"/>
+            <a:endCxn id="66" idx="3"/>
+          </p:cNvCxnSpPr>
+          <p:nvPr/>
+        </p:nvCxnSpPr>
+        <p:spPr>
+          <a:xfrm rot="10800000">
+            <a:off x="5004048" y="844060"/>
+            <a:ext cx="216024" cy="993416"/>
+          </a:xfrm>
+          <a:prstGeom prst="bentConnector3">
+            <a:avLst>
+              <a:gd name="adj1" fmla="val 50000"/>
+            </a:avLst>
+          </a:prstGeom>
+          <a:ln>
+            <a:solidFill>
+              <a:schemeClr val="tx1"/>
+            </a:solidFill>
+            <a:tailEnd type="triangle"/>
+          </a:ln>
+        </p:spPr>
+        <p:style>
+          <a:lnRef idx="1">
+            <a:schemeClr val="accent1"/>
+          </a:lnRef>
+          <a:fillRef idx="0">
+            <a:schemeClr val="accent1"/>
+          </a:fillRef>
+          <a:effectRef idx="0">
+            <a:schemeClr val="accent1"/>
+          </a:effectRef>
+          <a:fontRef idx="minor">
+            <a:schemeClr val="tx1"/>
+          </a:fontRef>
+        </p:style>
+      </p:cxnSp>
+      <p:cxnSp>
+        <p:nvCxnSpPr>
+          <p:cNvPr id="128" name="肘形接點 127"/>
+          <p:cNvCxnSpPr>
+            <a:stCxn id="29" idx="3"/>
+            <a:endCxn id="53" idx="0"/>
+          </p:cNvCxnSpPr>
+          <p:nvPr/>
+        </p:nvCxnSpPr>
+        <p:spPr>
+          <a:xfrm flipH="1">
+            <a:off x="1231200" y="1954484"/>
+            <a:ext cx="2815014" cy="1731988"/>
+          </a:xfrm>
+          <a:prstGeom prst="bentConnector4">
+            <a:avLst>
+              <a:gd name="adj1" fmla="val 0"/>
+              <a:gd name="adj2" fmla="val 65543"/>
+            </a:avLst>
+          </a:prstGeom>
+          <a:ln>
+            <a:solidFill>
+              <a:schemeClr val="tx1"/>
+            </a:solidFill>
+            <a:tailEnd type="triangle"/>
+          </a:ln>
+        </p:spPr>
+        <p:style>
+          <a:lnRef idx="1">
+            <a:schemeClr val="accent1"/>
+          </a:lnRef>
+          <a:fillRef idx="0">
+            <a:schemeClr val="accent1"/>
+          </a:fillRef>
+          <a:effectRef idx="0">
+            <a:schemeClr val="accent1"/>
+          </a:effectRef>
+          <a:fontRef idx="minor">
+            <a:schemeClr val="tx1"/>
+          </a:fontRef>
+        </p:style>
+      </p:cxnSp>
+      <p:cxnSp>
+        <p:nvCxnSpPr>
+          <p:cNvPr id="145" name="肘形接點 144"/>
+          <p:cNvCxnSpPr>
+            <a:stCxn id="66" idx="3"/>
+            <a:endCxn id="78" idx="1"/>
+          </p:cNvCxnSpPr>
+          <p:nvPr/>
+        </p:nvCxnSpPr>
+        <p:spPr>
+          <a:xfrm>
+            <a:off x="5004048" y="844060"/>
+            <a:ext cx="146832" cy="1872208"/>
+          </a:xfrm>
+          <a:prstGeom prst="bentConnector3">
+            <a:avLst>
+              <a:gd name="adj1" fmla="val -8383"/>
+            </a:avLst>
           </a:prstGeom>
           <a:ln>
             <a:solidFill>
@@ -5268,52 +6252,14 @@
       </p:cxnSp>
       <p:sp>
         <p:nvSpPr>
-          <p:cNvPr id="162" name="CustomShape 39"/>
+          <p:cNvPr id="164" name="CustomShape 63"/>
           <p:cNvSpPr/>
           <p:nvPr/>
         </p:nvSpPr>
         <p:spPr>
           <a:xfrm>
-            <a:off x="5208952" y="4046896"/>
-            <a:ext cx="1728000" cy="590760"/>
-          </a:xfrm>
-          <a:prstGeom prst="rect">
-            <a:avLst/>
-          </a:prstGeom>
-          <a:noFill/>
-          <a:ln>
-            <a:solidFill>
-              <a:schemeClr val="tx1"/>
-            </a:solidFill>
-            <a:round/>
-            <a:tailEnd type="triangle"/>
-          </a:ln>
-        </p:spPr>
-        <p:style>
-          <a:lnRef idx="2">
-            <a:schemeClr val="accent1">
-              <a:shade val="50000"/>
-            </a:schemeClr>
-          </a:lnRef>
-          <a:fillRef idx="1">
-            <a:schemeClr val="accent1"/>
-          </a:fillRef>
-          <a:effectRef idx="0">
-            <a:schemeClr val="accent1"/>
-          </a:effectRef>
-          <a:fontRef idx="minor"/>
-        </p:style>
-      </p:sp>
-      <p:sp>
-        <p:nvSpPr>
-          <p:cNvPr id="163" name="CustomShape 40"/>
-          <p:cNvSpPr/>
-          <p:nvPr/>
-        </p:nvSpPr>
-        <p:spPr>
-          <a:xfrm>
-            <a:off x="5538447" y="4155050"/>
-            <a:ext cx="1104575" cy="367878"/>
+            <a:off x="383144" y="-27360"/>
+            <a:ext cx="1617535" cy="521766"/>
           </a:xfrm>
           <a:prstGeom prst="rect">
             <a:avLst/>
@@ -5321,7 +6267,6 @@
           <a:noFill/>
           <a:ln w="0">
             <a:noFill/>
-            <a:tailEnd type="triangle"/>
           </a:ln>
         </p:spPr>
         <p:style>
@@ -5348,331 +6293,17 @@
               </a:lnSpc>
             </a:pPr>
             <a:r>
-              <a:rPr lang="zh-TW" altLang="en-US" sz="1800" b="0" strike="noStrike" spc="-1" dirty="0" smtClean="0">
+              <a:rPr lang="zh-TW" altLang="en-US" sz="2800" b="0" strike="noStrike" spc="-1" dirty="0" smtClean="0">
                 <a:latin typeface="Arial"/>
               </a:rPr>
-              <a:t>資料合併</a:t>
+              <a:t>操作流程</a:t>
             </a:r>
-            <a:endParaRPr lang="en-US" sz="1800" b="0" strike="noStrike" spc="-1" dirty="0">
+            <a:endParaRPr lang="en-US" sz="2800" b="0" strike="noStrike" spc="-1" dirty="0">
               <a:latin typeface="Arial"/>
             </a:endParaRPr>
           </a:p>
         </p:txBody>
       </p:sp>
-      <p:cxnSp>
-        <p:nvCxnSpPr>
-          <p:cNvPr id="166" name="肘形接點 165"/>
-          <p:cNvCxnSpPr>
-            <a:stCxn id="84" idx="2"/>
-            <a:endCxn id="162" idx="0"/>
-          </p:cNvCxnSpPr>
-          <p:nvPr/>
-        </p:nvCxnSpPr>
-        <p:spPr>
-          <a:xfrm rot="5400000">
-            <a:off x="6763612" y="2710148"/>
-            <a:ext cx="646088" cy="2027408"/>
-          </a:xfrm>
-          <a:prstGeom prst="bentConnector3">
-            <a:avLst/>
-          </a:prstGeom>
-          <a:ln>
-            <a:solidFill>
-              <a:schemeClr val="tx1"/>
-            </a:solidFill>
-            <a:tailEnd type="triangle"/>
-          </a:ln>
-        </p:spPr>
-        <p:style>
-          <a:lnRef idx="1">
-            <a:schemeClr val="accent1"/>
-          </a:lnRef>
-          <a:fillRef idx="0">
-            <a:schemeClr val="accent1"/>
-          </a:fillRef>
-          <a:effectRef idx="0">
-            <a:schemeClr val="accent1"/>
-          </a:effectRef>
-          <a:fontRef idx="minor">
-            <a:schemeClr val="tx1"/>
-          </a:fontRef>
-        </p:style>
-      </p:cxnSp>
-      <p:cxnSp>
-        <p:nvCxnSpPr>
-          <p:cNvPr id="168" name="直線單箭頭接點 167"/>
-          <p:cNvCxnSpPr>
-            <a:stCxn id="86" idx="1"/>
-            <a:endCxn id="162" idx="3"/>
-          </p:cNvCxnSpPr>
-          <p:nvPr/>
-        </p:nvCxnSpPr>
-        <p:spPr>
-          <a:xfrm flipH="1" flipV="1">
-            <a:off x="6936952" y="4342276"/>
-            <a:ext cx="299408" cy="1192"/>
-          </a:xfrm>
-          <a:prstGeom prst="straightConnector1">
-            <a:avLst/>
-          </a:prstGeom>
-          <a:ln>
-            <a:solidFill>
-              <a:schemeClr val="tx1"/>
-            </a:solidFill>
-            <a:tailEnd type="triangle"/>
-          </a:ln>
-        </p:spPr>
-        <p:style>
-          <a:lnRef idx="1">
-            <a:schemeClr val="accent1"/>
-          </a:lnRef>
-          <a:fillRef idx="0">
-            <a:schemeClr val="accent1"/>
-          </a:fillRef>
-          <a:effectRef idx="0">
-            <a:schemeClr val="accent1"/>
-          </a:effectRef>
-          <a:fontRef idx="minor">
-            <a:schemeClr val="tx1"/>
-          </a:fontRef>
-        </p:style>
-      </p:cxnSp>
-      <p:cxnSp>
-        <p:nvCxnSpPr>
-          <p:cNvPr id="170" name="直線單箭頭接點 169"/>
-          <p:cNvCxnSpPr>
-            <a:stCxn id="162" idx="1"/>
-            <a:endCxn id="80" idx="3"/>
-          </p:cNvCxnSpPr>
-          <p:nvPr/>
-        </p:nvCxnSpPr>
-        <p:spPr>
-          <a:xfrm flipH="1">
-            <a:off x="4788000" y="4342276"/>
-            <a:ext cx="420952" cy="112"/>
-          </a:xfrm>
-          <a:prstGeom prst="straightConnector1">
-            <a:avLst/>
-          </a:prstGeom>
-          <a:ln>
-            <a:solidFill>
-              <a:schemeClr val="tx1"/>
-            </a:solidFill>
-            <a:tailEnd type="triangle"/>
-          </a:ln>
-        </p:spPr>
-        <p:style>
-          <a:lnRef idx="1">
-            <a:schemeClr val="accent1"/>
-          </a:lnRef>
-          <a:fillRef idx="0">
-            <a:schemeClr val="accent1"/>
-          </a:fillRef>
-          <a:effectRef idx="0">
-            <a:schemeClr val="accent1"/>
-          </a:effectRef>
-          <a:fontRef idx="minor">
-            <a:schemeClr val="tx1"/>
-          </a:fontRef>
-        </p:style>
-      </p:cxnSp>
-      <p:cxnSp>
-        <p:nvCxnSpPr>
-          <p:cNvPr id="11" name="直線單箭頭接點 10"/>
-          <p:cNvCxnSpPr>
-            <a:stCxn id="88" idx="1"/>
-            <a:endCxn id="111" idx="3"/>
-          </p:cNvCxnSpPr>
-          <p:nvPr/>
-        </p:nvCxnSpPr>
-        <p:spPr>
-          <a:xfrm flipH="1">
-            <a:off x="4787832" y="5869924"/>
-            <a:ext cx="2458248" cy="0"/>
-          </a:xfrm>
-          <a:prstGeom prst="straightConnector1">
-            <a:avLst/>
-          </a:prstGeom>
-          <a:ln>
-            <a:solidFill>
-              <a:schemeClr val="tx1"/>
-            </a:solidFill>
-            <a:tailEnd type="triangle"/>
-          </a:ln>
-        </p:spPr>
-        <p:style>
-          <a:lnRef idx="1">
-            <a:schemeClr val="accent1"/>
-          </a:lnRef>
-          <a:fillRef idx="0">
-            <a:schemeClr val="accent1"/>
-          </a:fillRef>
-          <a:effectRef idx="0">
-            <a:schemeClr val="accent1"/>
-          </a:effectRef>
-          <a:fontRef idx="minor">
-            <a:schemeClr val="tx1"/>
-          </a:fontRef>
-        </p:style>
-      </p:cxnSp>
-      <p:cxnSp>
-        <p:nvCxnSpPr>
-          <p:cNvPr id="14" name="肘形接點 13"/>
-          <p:cNvCxnSpPr>
-            <a:stCxn id="46" idx="1"/>
-            <a:endCxn id="42" idx="2"/>
-          </p:cNvCxnSpPr>
-          <p:nvPr/>
-        </p:nvCxnSpPr>
-        <p:spPr>
-          <a:xfrm rot="10800000" flipH="1" flipV="1">
-            <a:off x="675000" y="1357560"/>
-            <a:ext cx="8640" cy="5131988"/>
-          </a:xfrm>
-          <a:prstGeom prst="bentConnector3">
-            <a:avLst>
-              <a:gd name="adj1" fmla="val -5787755"/>
-            </a:avLst>
-          </a:prstGeom>
-          <a:ln>
-            <a:solidFill>
-              <a:schemeClr val="tx1"/>
-            </a:solidFill>
-            <a:tailEnd type="triangle"/>
-          </a:ln>
-        </p:spPr>
-        <p:style>
-          <a:lnRef idx="1">
-            <a:schemeClr val="accent1"/>
-          </a:lnRef>
-          <a:fillRef idx="0">
-            <a:schemeClr val="accent1"/>
-          </a:fillRef>
-          <a:effectRef idx="0">
-            <a:schemeClr val="accent1"/>
-          </a:effectRef>
-          <a:fontRef idx="minor">
-            <a:schemeClr val="tx1"/>
-          </a:fontRef>
-        </p:style>
-      </p:cxnSp>
-      <p:cxnSp>
-        <p:nvCxnSpPr>
-          <p:cNvPr id="22" name="肘形接點 21"/>
-          <p:cNvCxnSpPr>
-            <a:stCxn id="49" idx="3"/>
-            <a:endCxn id="29" idx="1"/>
-          </p:cNvCxnSpPr>
-          <p:nvPr/>
-        </p:nvCxnSpPr>
-        <p:spPr>
-          <a:xfrm flipV="1">
-            <a:off x="1763688" y="1378420"/>
-            <a:ext cx="432048" cy="924592"/>
-          </a:xfrm>
-          <a:prstGeom prst="bentConnector3">
-            <a:avLst/>
-          </a:prstGeom>
-          <a:ln>
-            <a:solidFill>
-              <a:schemeClr val="tx1"/>
-            </a:solidFill>
-            <a:tailEnd type="triangle"/>
-          </a:ln>
-        </p:spPr>
-        <p:style>
-          <a:lnRef idx="1">
-            <a:schemeClr val="accent1"/>
-          </a:lnRef>
-          <a:fillRef idx="0">
-            <a:schemeClr val="accent1"/>
-          </a:fillRef>
-          <a:effectRef idx="0">
-            <a:schemeClr val="accent1"/>
-          </a:effectRef>
-          <a:fontRef idx="minor">
-            <a:schemeClr val="tx1"/>
-          </a:fontRef>
-        </p:style>
-      </p:cxnSp>
-      <p:cxnSp>
-        <p:nvCxnSpPr>
-          <p:cNvPr id="34" name="直線單箭頭接點 33"/>
-          <p:cNvCxnSpPr>
-            <a:stCxn id="29" idx="2"/>
-            <a:endCxn id="53" idx="0"/>
-          </p:cNvCxnSpPr>
-          <p:nvPr/>
-        </p:nvCxnSpPr>
-        <p:spPr>
-          <a:xfrm flipH="1">
-            <a:off x="1231200" y="1916832"/>
-            <a:ext cx="2058750" cy="1193576"/>
-          </a:xfrm>
-          <a:prstGeom prst="straightConnector1">
-            <a:avLst/>
-          </a:prstGeom>
-          <a:ln>
-            <a:solidFill>
-              <a:schemeClr val="tx1"/>
-            </a:solidFill>
-            <a:tailEnd type="triangle"/>
-          </a:ln>
-        </p:spPr>
-        <p:style>
-          <a:lnRef idx="1">
-            <a:schemeClr val="accent1"/>
-          </a:lnRef>
-          <a:fillRef idx="0">
-            <a:schemeClr val="accent1"/>
-          </a:fillRef>
-          <a:effectRef idx="0">
-            <a:schemeClr val="accent1"/>
-          </a:effectRef>
-          <a:fontRef idx="minor">
-            <a:schemeClr val="tx1"/>
-          </a:fontRef>
-        </p:style>
-      </p:cxnSp>
-      <p:cxnSp>
-        <p:nvCxnSpPr>
-          <p:cNvPr id="59" name="直線單箭頭接點 58"/>
-          <p:cNvCxnSpPr>
-            <a:stCxn id="46" idx="2"/>
-            <a:endCxn id="49" idx="0"/>
-          </p:cNvCxnSpPr>
-          <p:nvPr/>
-        </p:nvCxnSpPr>
-        <p:spPr>
-          <a:xfrm>
-            <a:off x="1219140" y="1772640"/>
-            <a:ext cx="11028" cy="196472"/>
-          </a:xfrm>
-          <a:prstGeom prst="straightConnector1">
-            <a:avLst/>
-          </a:prstGeom>
-          <a:ln>
-            <a:solidFill>
-              <a:schemeClr val="tx1"/>
-            </a:solidFill>
-            <a:tailEnd type="triangle"/>
-          </a:ln>
-        </p:spPr>
-        <p:style>
-          <a:lnRef idx="1">
-            <a:schemeClr val="accent1"/>
-          </a:lnRef>
-          <a:fillRef idx="0">
-            <a:schemeClr val="accent1"/>
-          </a:fillRef>
-          <a:effectRef idx="0">
-            <a:schemeClr val="accent1"/>
-          </a:effectRef>
-          <a:fontRef idx="minor">
-            <a:schemeClr val="tx1"/>
-          </a:fontRef>
-        </p:style>
-      </p:cxnSp>
     </p:spTree>
   </p:cSld>
   <p:clrMapOvr>
@@ -5682,7 +6313,7 @@
     <mc:Choice Requires="p14">
       <p:transition spd="slow" p14:dur="2000"/>
     </mc:Choice>
-    <mc:Fallback xmlns:p15="http://schemas.microsoft.com/office/powerpoint/2012/main" xmlns="">
+    <mc:Fallback xmlns="" xmlns:p15="http://schemas.microsoft.com/office/powerpoint/2012/main">
       <p:transition spd="slow"/>
     </mc:Fallback>
   </mc:AlternateContent>

--- a/流程圖.pptx
+++ b/流程圖.pptx
@@ -6,6 +6,8 @@
   </p:sldMasterIdLst>
   <p:sldIdLst>
     <p:sldId id="256" r:id="rId2"/>
+    <p:sldId id="259" r:id="rId3"/>
+    <p:sldId id="257" r:id="rId4"/>
   </p:sldIdLst>
   <p:sldSz cx="9144000" cy="6858000" type="screen4x3"/>
   <p:notesSz cx="7559675" cy="10691813"/>
@@ -1737,7 +1739,7 @@
                 </a:solidFill>
                 <a:latin typeface="Calibri"/>
               </a:rPr>
-              <a:t>3/28/2023</a:t>
+              <a:t>3/29/2023</a:t>
             </a:fld>
             <a:endParaRPr lang="en-US" sz="1200" b="0" strike="noStrike" spc="-1">
               <a:latin typeface="Times New Roman"/>
@@ -1871,7 +1873,7 @@
         </p:nvSpPr>
         <p:spPr>
           <a:xfrm>
-            <a:off x="2090880" y="0"/>
+            <a:off x="2129735" y="0"/>
             <a:ext cx="2935440" cy="6857640"/>
           </a:xfrm>
           <a:prstGeom prst="rect">
@@ -3747,22 +3749,13 @@
                 </a:lnSpc>
               </a:pPr>
               <a:r>
-                <a:rPr lang="en-US" sz="1800" b="0" strike="noStrike" spc="-1" dirty="0" err="1">
-                  <a:solidFill>
-                    <a:srgbClr val="000000"/>
-                  </a:solidFill>
-                  <a:latin typeface="Calibri"/>
-                </a:rPr>
-                <a:t>Goodinfo</a:t>
-              </a:r>
-              <a:r>
                 <a:rPr lang="en-US" sz="1800" b="0" strike="noStrike" spc="-1" dirty="0">
                   <a:solidFill>
                     <a:srgbClr val="000000"/>
                   </a:solidFill>
                   <a:latin typeface="Calibri"/>
                 </a:rPr>
-                <a:t>: ROE</a:t>
+                <a:t>Goodinfo: ROE</a:t>
               </a:r>
               <a:endParaRPr lang="en-US" sz="1800" b="0" strike="noStrike" spc="-1" dirty="0">
                 <a:latin typeface="Arial"/>
@@ -6305,6 +6298,6996 @@
         </p:txBody>
       </p:sp>
     </p:spTree>
+  </p:cSld>
+  <p:clrMapOvr>
+    <a:masterClrMapping/>
+  </p:clrMapOvr>
+  <mc:AlternateContent xmlns:mc="http://schemas.openxmlformats.org/markup-compatibility/2006" xmlns:p14="http://schemas.microsoft.com/office/powerpoint/2010/main">
+    <mc:Choice Requires="p14">
+      <p:transition spd="slow" p14:dur="2000"/>
+    </mc:Choice>
+    <mc:Fallback xmlns="" xmlns:p15="http://schemas.microsoft.com/office/powerpoint/2012/main">
+      <p:transition spd="slow"/>
+    </mc:Fallback>
+  </mc:AlternateContent>
+</p:sld>
+</file>
+
+<file path=ppt/slides/slide2.xml><?xml version="1.0" encoding="utf-8"?>
+<p:sld xmlns:a="http://schemas.openxmlformats.org/drawingml/2006/main" xmlns:r="http://schemas.openxmlformats.org/officeDocument/2006/relationships" xmlns:p="http://schemas.openxmlformats.org/presentationml/2006/main">
+  <p:cSld>
+    <p:spTree>
+      <p:nvGrpSpPr>
+        <p:cNvPr id="1" name=""/>
+        <p:cNvGrpSpPr/>
+        <p:nvPr/>
+      </p:nvGrpSpPr>
+      <p:grpSpPr>
+        <a:xfrm>
+          <a:off x="0" y="0"/>
+          <a:ext cx="0" cy="0"/>
+          <a:chOff x="0" y="0"/>
+          <a:chExt cx="0" cy="0"/>
+        </a:xfrm>
+      </p:grpSpPr>
+      <p:sp>
+        <p:nvSpPr>
+          <p:cNvPr id="29" name="矩形 28"/>
+          <p:cNvSpPr/>
+          <p:nvPr/>
+        </p:nvSpPr>
+        <p:spPr>
+          <a:xfrm>
+            <a:off x="179512" y="4355913"/>
+            <a:ext cx="8850108" cy="792088"/>
+          </a:xfrm>
+          <a:prstGeom prst="rect">
+            <a:avLst/>
+          </a:prstGeom>
+          <a:solidFill>
+            <a:schemeClr val="accent6">
+              <a:lumMod val="75000"/>
+              <a:alpha val="35000"/>
+            </a:schemeClr>
+          </a:solidFill>
+          <a:ln>
+            <a:noFill/>
+          </a:ln>
+        </p:spPr>
+        <p:style>
+          <a:lnRef idx="2">
+            <a:schemeClr val="accent1">
+              <a:shade val="50000"/>
+            </a:schemeClr>
+          </a:lnRef>
+          <a:fillRef idx="1">
+            <a:schemeClr val="accent1"/>
+          </a:fillRef>
+          <a:effectRef idx="0">
+            <a:schemeClr val="accent1"/>
+          </a:effectRef>
+          <a:fontRef idx="minor">
+            <a:schemeClr val="lt1"/>
+          </a:fontRef>
+        </p:style>
+        <p:txBody>
+          <a:bodyPr rtlCol="0" anchor="ctr"/>
+          <a:lstStyle/>
+          <a:p>
+            <a:pPr algn="ctr"/>
+            <a:endParaRPr lang="zh-TW" altLang="en-US"/>
+          </a:p>
+        </p:txBody>
+      </p:sp>
+      <p:sp>
+        <p:nvSpPr>
+          <p:cNvPr id="2" name="矩形 1"/>
+          <p:cNvSpPr/>
+          <p:nvPr/>
+        </p:nvSpPr>
+        <p:spPr>
+          <a:xfrm>
+            <a:off x="179512" y="692696"/>
+            <a:ext cx="8886461" cy="1462691"/>
+          </a:xfrm>
+          <a:prstGeom prst="rect">
+            <a:avLst/>
+          </a:prstGeom>
+          <a:solidFill>
+            <a:srgbClr val="00B050">
+              <a:alpha val="35000"/>
+            </a:srgbClr>
+          </a:solidFill>
+          <a:ln>
+            <a:noFill/>
+          </a:ln>
+        </p:spPr>
+        <p:style>
+          <a:lnRef idx="2">
+            <a:schemeClr val="accent1">
+              <a:shade val="50000"/>
+            </a:schemeClr>
+          </a:lnRef>
+          <a:fillRef idx="1">
+            <a:schemeClr val="accent1"/>
+          </a:fillRef>
+          <a:effectRef idx="0">
+            <a:schemeClr val="accent1"/>
+          </a:effectRef>
+          <a:fontRef idx="minor">
+            <a:schemeClr val="lt1"/>
+          </a:fontRef>
+        </p:style>
+        <p:txBody>
+          <a:bodyPr rtlCol="0" anchor="ctr"/>
+          <a:lstStyle/>
+          <a:p>
+            <a:pPr algn="ctr"/>
+            <a:endParaRPr lang="zh-TW" altLang="en-US" dirty="0"/>
+          </a:p>
+        </p:txBody>
+      </p:sp>
+      <p:sp>
+        <p:nvSpPr>
+          <p:cNvPr id="28" name="矩形 27"/>
+          <p:cNvSpPr/>
+          <p:nvPr/>
+        </p:nvSpPr>
+        <p:spPr>
+          <a:xfrm>
+            <a:off x="179512" y="2519936"/>
+            <a:ext cx="8850108" cy="1485128"/>
+          </a:xfrm>
+          <a:prstGeom prst="rect">
+            <a:avLst/>
+          </a:prstGeom>
+          <a:solidFill>
+            <a:srgbClr val="0070C0">
+              <a:alpha val="35000"/>
+            </a:srgbClr>
+          </a:solidFill>
+          <a:ln>
+            <a:noFill/>
+          </a:ln>
+        </p:spPr>
+        <p:style>
+          <a:lnRef idx="2">
+            <a:schemeClr val="accent1">
+              <a:shade val="50000"/>
+            </a:schemeClr>
+          </a:lnRef>
+          <a:fillRef idx="1">
+            <a:schemeClr val="accent1"/>
+          </a:fillRef>
+          <a:effectRef idx="0">
+            <a:schemeClr val="accent1"/>
+          </a:effectRef>
+          <a:fontRef idx="minor">
+            <a:schemeClr val="lt1"/>
+          </a:fontRef>
+        </p:style>
+        <p:txBody>
+          <a:bodyPr rtlCol="0" anchor="ctr"/>
+          <a:lstStyle/>
+          <a:p>
+            <a:pPr algn="ctr"/>
+            <a:endParaRPr lang="zh-TW" altLang="en-US"/>
+          </a:p>
+        </p:txBody>
+      </p:sp>
+      <p:sp>
+        <p:nvSpPr>
+          <p:cNvPr id="164" name="CustomShape 63"/>
+          <p:cNvSpPr/>
+          <p:nvPr/>
+        </p:nvSpPr>
+        <p:spPr>
+          <a:xfrm>
+            <a:off x="3340379" y="-13736"/>
+            <a:ext cx="2233089" cy="706432"/>
+          </a:xfrm>
+          <a:prstGeom prst="rect">
+            <a:avLst/>
+          </a:prstGeom>
+          <a:noFill/>
+          <a:ln w="0">
+            <a:noFill/>
+          </a:ln>
+        </p:spPr>
+        <p:style>
+          <a:lnRef idx="0">
+            <a:scrgbClr r="0" g="0" b="0"/>
+          </a:lnRef>
+          <a:fillRef idx="0">
+            <a:scrgbClr r="0" g="0" b="0"/>
+          </a:fillRef>
+          <a:effectRef idx="0">
+            <a:scrgbClr r="0" g="0" b="0"/>
+          </a:effectRef>
+          <a:fontRef idx="minor"/>
+        </p:style>
+        <p:txBody>
+          <a:bodyPr wrap="none" lIns="90000" tIns="45000" rIns="90000" bIns="45000">
+            <a:spAutoFit/>
+          </a:bodyPr>
+          <a:lstStyle/>
+          <a:p>
+            <a:pPr>
+              <a:lnSpc>
+                <a:spcPct val="100000"/>
+              </a:lnSpc>
+            </a:pPr>
+            <a:r>
+              <a:rPr lang="zh-TW" altLang="en-US" sz="4000" b="1" spc="-1" dirty="0">
+                <a:latin typeface="Arial"/>
+              </a:rPr>
+              <a:t>程式架構</a:t>
+            </a:r>
+            <a:endParaRPr lang="en-US" sz="4000" b="1" strike="noStrike" spc="-1" dirty="0">
+              <a:latin typeface="Arial"/>
+            </a:endParaRPr>
+          </a:p>
+        </p:txBody>
+      </p:sp>
+      <p:sp>
+        <p:nvSpPr>
+          <p:cNvPr id="84" name="CustomShape 15"/>
+          <p:cNvSpPr/>
+          <p:nvPr/>
+        </p:nvSpPr>
+        <p:spPr>
+          <a:xfrm>
+            <a:off x="2267744" y="1468000"/>
+            <a:ext cx="1157744" cy="644877"/>
+          </a:xfrm>
+          <a:prstGeom prst="rect">
+            <a:avLst/>
+          </a:prstGeom>
+          <a:noFill/>
+          <a:ln w="0">
+            <a:solidFill>
+              <a:schemeClr val="tx1"/>
+            </a:solidFill>
+            <a:tailEnd type="triangle"/>
+          </a:ln>
+        </p:spPr>
+        <p:style>
+          <a:lnRef idx="0">
+            <a:scrgbClr r="0" g="0" b="0"/>
+          </a:lnRef>
+          <a:fillRef idx="0">
+            <a:scrgbClr r="0" g="0" b="0"/>
+          </a:fillRef>
+          <a:effectRef idx="0">
+            <a:scrgbClr r="0" g="0" b="0"/>
+          </a:effectRef>
+          <a:fontRef idx="minor"/>
+        </p:style>
+        <p:txBody>
+          <a:bodyPr wrap="square" lIns="90000" tIns="45000" rIns="90000" bIns="45000">
+            <a:spAutoFit/>
+          </a:bodyPr>
+          <a:lstStyle/>
+          <a:p>
+            <a:pPr algn="ctr"/>
+            <a:r>
+              <a:rPr lang="zh-TW" altLang="en-US" spc="-1" dirty="0" smtClean="0">
+                <a:solidFill>
+                  <a:srgbClr val="000000"/>
+                </a:solidFill>
+                <a:latin typeface="Calibri"/>
+              </a:rPr>
+              <a:t>使用者</a:t>
+            </a:r>
+            <a:endParaRPr lang="en-US" altLang="zh-TW" spc="-1" dirty="0" smtClean="0">
+              <a:solidFill>
+                <a:srgbClr val="000000"/>
+              </a:solidFill>
+              <a:latin typeface="Calibri"/>
+            </a:endParaRPr>
+          </a:p>
+          <a:p>
+            <a:pPr algn="ctr"/>
+            <a:r>
+              <a:rPr lang="zh-TW" altLang="zh-TW" spc="-1" dirty="0" smtClean="0">
+                <a:solidFill>
+                  <a:srgbClr val="000000"/>
+                </a:solidFill>
+                <a:latin typeface="Calibri"/>
+              </a:rPr>
+              <a:t>登入</a:t>
+            </a:r>
+            <a:endParaRPr lang="en-US" altLang="zh-TW" spc="-1" dirty="0">
+              <a:solidFill>
+                <a:srgbClr val="000000"/>
+              </a:solidFill>
+              <a:latin typeface="Calibri"/>
+            </a:endParaRPr>
+          </a:p>
+        </p:txBody>
+      </p:sp>
+      <p:sp>
+        <p:nvSpPr>
+          <p:cNvPr id="85" name="CustomShape 15"/>
+          <p:cNvSpPr>
+            <a:spLocks noChangeAspect="1"/>
+          </p:cNvSpPr>
+          <p:nvPr/>
+        </p:nvSpPr>
+        <p:spPr>
+          <a:xfrm>
+            <a:off x="4713222" y="764706"/>
+            <a:ext cx="1152000" cy="644877"/>
+          </a:xfrm>
+          <a:prstGeom prst="rect">
+            <a:avLst/>
+          </a:prstGeom>
+          <a:noFill/>
+          <a:ln w="0">
+            <a:solidFill>
+              <a:schemeClr val="tx1"/>
+            </a:solidFill>
+            <a:tailEnd type="triangle"/>
+          </a:ln>
+        </p:spPr>
+        <p:style>
+          <a:lnRef idx="0">
+            <a:scrgbClr r="0" g="0" b="0"/>
+          </a:lnRef>
+          <a:fillRef idx="0">
+            <a:scrgbClr r="0" g="0" b="0"/>
+          </a:fillRef>
+          <a:effectRef idx="0">
+            <a:scrgbClr r="0" g="0" b="0"/>
+          </a:effectRef>
+          <a:fontRef idx="minor"/>
+        </p:style>
+        <p:txBody>
+          <a:bodyPr wrap="none" lIns="90000" tIns="45000" rIns="90000" bIns="45000">
+            <a:noAutofit/>
+          </a:bodyPr>
+          <a:lstStyle/>
+          <a:p>
+            <a:pPr algn="ctr">
+              <a:lnSpc>
+                <a:spcPct val="100000"/>
+              </a:lnSpc>
+            </a:pPr>
+            <a:r>
+              <a:rPr lang="zh-TW" altLang="zh-TW" spc="-1" dirty="0">
+                <a:solidFill>
+                  <a:srgbClr val="000000"/>
+                </a:solidFill>
+                <a:latin typeface="Calibri"/>
+              </a:rPr>
+              <a:t>填</a:t>
+            </a:r>
+            <a:r>
+              <a:rPr lang="zh-TW" altLang="zh-TW" spc="-1" dirty="0" smtClean="0">
+                <a:solidFill>
+                  <a:srgbClr val="000000"/>
+                </a:solidFill>
+                <a:latin typeface="Calibri"/>
+              </a:rPr>
+              <a:t>基本</a:t>
+            </a:r>
+            <a:endParaRPr lang="en-US" altLang="zh-TW" spc="-1" dirty="0" smtClean="0">
+              <a:solidFill>
+                <a:srgbClr val="000000"/>
+              </a:solidFill>
+              <a:latin typeface="Calibri"/>
+            </a:endParaRPr>
+          </a:p>
+          <a:p>
+            <a:pPr algn="ctr">
+              <a:lnSpc>
+                <a:spcPct val="100000"/>
+              </a:lnSpc>
+            </a:pPr>
+            <a:r>
+              <a:rPr lang="zh-TW" altLang="zh-TW" spc="-1" dirty="0" smtClean="0">
+                <a:solidFill>
+                  <a:srgbClr val="000000"/>
+                </a:solidFill>
+                <a:latin typeface="Calibri"/>
+              </a:rPr>
+              <a:t>資料</a:t>
+            </a:r>
+            <a:endParaRPr lang="en-US" altLang="zh-TW" spc="-1" dirty="0"/>
+          </a:p>
+        </p:txBody>
+      </p:sp>
+      <p:sp>
+        <p:nvSpPr>
+          <p:cNvPr id="87" name="CustomShape 15"/>
+          <p:cNvSpPr/>
+          <p:nvPr/>
+        </p:nvSpPr>
+        <p:spPr>
+          <a:xfrm>
+            <a:off x="3502583" y="1467999"/>
+            <a:ext cx="1157744" cy="644877"/>
+          </a:xfrm>
+          <a:prstGeom prst="rect">
+            <a:avLst/>
+          </a:prstGeom>
+          <a:noFill/>
+          <a:ln w="0">
+            <a:solidFill>
+              <a:schemeClr val="tx1"/>
+            </a:solidFill>
+            <a:tailEnd type="triangle"/>
+          </a:ln>
+        </p:spPr>
+        <p:style>
+          <a:lnRef idx="0">
+            <a:scrgbClr r="0" g="0" b="0"/>
+          </a:lnRef>
+          <a:fillRef idx="0">
+            <a:scrgbClr r="0" g="0" b="0"/>
+          </a:fillRef>
+          <a:effectRef idx="0">
+            <a:scrgbClr r="0" g="0" b="0"/>
+          </a:effectRef>
+          <a:fontRef idx="minor"/>
+        </p:style>
+        <p:txBody>
+          <a:bodyPr wrap="square" lIns="90000" tIns="45000" rIns="90000" bIns="45000">
+            <a:spAutoFit/>
+          </a:bodyPr>
+          <a:lstStyle/>
+          <a:p>
+            <a:pPr algn="ctr"/>
+            <a:r>
+              <a:rPr lang="zh-TW" altLang="en-US" spc="-1" dirty="0" smtClean="0">
+                <a:solidFill>
+                  <a:srgbClr val="000000"/>
+                </a:solidFill>
+                <a:latin typeface="Calibri"/>
+              </a:rPr>
+              <a:t>使用者</a:t>
+            </a:r>
+            <a:endParaRPr lang="en-US" altLang="zh-TW" spc="-1" dirty="0" smtClean="0">
+              <a:solidFill>
+                <a:srgbClr val="000000"/>
+              </a:solidFill>
+              <a:latin typeface="Calibri"/>
+            </a:endParaRPr>
+          </a:p>
+          <a:p>
+            <a:pPr algn="ctr"/>
+            <a:r>
+              <a:rPr lang="zh-TW" altLang="en-US" spc="-1" dirty="0" smtClean="0">
+                <a:solidFill>
+                  <a:srgbClr val="000000"/>
+                </a:solidFill>
+                <a:latin typeface="Calibri"/>
+              </a:rPr>
+              <a:t>註冊</a:t>
+            </a:r>
+            <a:endParaRPr lang="en-US" altLang="zh-TW" spc="-1" dirty="0">
+              <a:solidFill>
+                <a:srgbClr val="000000"/>
+              </a:solidFill>
+              <a:latin typeface="Calibri"/>
+            </a:endParaRPr>
+          </a:p>
+        </p:txBody>
+      </p:sp>
+      <p:sp>
+        <p:nvSpPr>
+          <p:cNvPr id="106" name="CustomShape 15"/>
+          <p:cNvSpPr>
+            <a:spLocks noChangeAspect="1"/>
+          </p:cNvSpPr>
+          <p:nvPr/>
+        </p:nvSpPr>
+        <p:spPr>
+          <a:xfrm>
+            <a:off x="6660360" y="2577196"/>
+            <a:ext cx="1152000" cy="644877"/>
+          </a:xfrm>
+          <a:prstGeom prst="rect">
+            <a:avLst/>
+          </a:prstGeom>
+          <a:noFill/>
+          <a:ln w="0">
+            <a:solidFill>
+              <a:schemeClr val="tx1"/>
+            </a:solidFill>
+            <a:tailEnd type="triangle"/>
+          </a:ln>
+        </p:spPr>
+        <p:style>
+          <a:lnRef idx="0">
+            <a:scrgbClr r="0" g="0" b="0"/>
+          </a:lnRef>
+          <a:fillRef idx="0">
+            <a:scrgbClr r="0" g="0" b="0"/>
+          </a:fillRef>
+          <a:effectRef idx="0">
+            <a:scrgbClr r="0" g="0" b="0"/>
+          </a:effectRef>
+          <a:fontRef idx="minor"/>
+        </p:style>
+        <p:txBody>
+          <a:bodyPr wrap="none" lIns="90000" tIns="45000" rIns="90000" bIns="45000">
+            <a:noAutofit/>
+          </a:bodyPr>
+          <a:lstStyle/>
+          <a:p>
+            <a:pPr algn="ctr">
+              <a:lnSpc>
+                <a:spcPct val="100000"/>
+              </a:lnSpc>
+            </a:pPr>
+            <a:r>
+              <a:rPr lang="zh-TW" altLang="en-US" spc="-1" dirty="0" smtClean="0"/>
+              <a:t>擷取算命</a:t>
+            </a:r>
+            <a:endParaRPr lang="en-US" altLang="zh-TW" spc="-1" dirty="0" smtClean="0"/>
+          </a:p>
+          <a:p>
+            <a:pPr algn="ctr">
+              <a:lnSpc>
+                <a:spcPct val="100000"/>
+              </a:lnSpc>
+            </a:pPr>
+            <a:r>
+              <a:rPr lang="zh-TW" altLang="en-US" spc="-1" dirty="0" smtClean="0"/>
+              <a:t>網站資訊</a:t>
+            </a:r>
+            <a:endParaRPr lang="en-US" altLang="zh-TW" spc="-1" dirty="0"/>
+          </a:p>
+        </p:txBody>
+      </p:sp>
+      <p:sp>
+        <p:nvSpPr>
+          <p:cNvPr id="107" name="CustomShape 15"/>
+          <p:cNvSpPr>
+            <a:spLocks noChangeAspect="1"/>
+          </p:cNvSpPr>
+          <p:nvPr/>
+        </p:nvSpPr>
+        <p:spPr>
+          <a:xfrm>
+            <a:off x="4229471" y="2579545"/>
+            <a:ext cx="1152000" cy="644877"/>
+          </a:xfrm>
+          <a:prstGeom prst="rect">
+            <a:avLst/>
+          </a:prstGeom>
+          <a:noFill/>
+          <a:ln w="0">
+            <a:solidFill>
+              <a:schemeClr val="tx1"/>
+            </a:solidFill>
+            <a:tailEnd type="triangle"/>
+          </a:ln>
+        </p:spPr>
+        <p:style>
+          <a:lnRef idx="0">
+            <a:scrgbClr r="0" g="0" b="0"/>
+          </a:lnRef>
+          <a:fillRef idx="0">
+            <a:scrgbClr r="0" g="0" b="0"/>
+          </a:fillRef>
+          <a:effectRef idx="0">
+            <a:scrgbClr r="0" g="0" b="0"/>
+          </a:effectRef>
+          <a:fontRef idx="minor"/>
+        </p:style>
+        <p:txBody>
+          <a:bodyPr wrap="none" lIns="90000" tIns="45000" rIns="90000" bIns="45000">
+            <a:noAutofit/>
+          </a:bodyPr>
+          <a:lstStyle/>
+          <a:p>
+            <a:pPr algn="ctr">
+              <a:lnSpc>
+                <a:spcPct val="100000"/>
+              </a:lnSpc>
+            </a:pPr>
+            <a:r>
+              <a:rPr lang="zh-TW" altLang="en-US" spc="-1" dirty="0" smtClean="0"/>
+              <a:t>擷取並</a:t>
+            </a:r>
+            <a:r>
+              <a:rPr lang="zh-TW" altLang="en-US" spc="-1" dirty="0" smtClean="0"/>
+              <a:t>存</a:t>
+            </a:r>
+            <a:endParaRPr lang="en-US" altLang="zh-TW" spc="-1" dirty="0" smtClean="0"/>
+          </a:p>
+          <a:p>
+            <a:pPr algn="ctr">
+              <a:lnSpc>
+                <a:spcPct val="100000"/>
+              </a:lnSpc>
+            </a:pPr>
+            <a:r>
+              <a:rPr lang="zh-TW" altLang="en-US" spc="-1" dirty="0" smtClean="0"/>
+              <a:t>喜用神</a:t>
+            </a:r>
+            <a:endParaRPr lang="en-US" altLang="zh-TW" spc="-1" dirty="0" smtClean="0"/>
+          </a:p>
+        </p:txBody>
+      </p:sp>
+      <p:sp>
+        <p:nvSpPr>
+          <p:cNvPr id="108" name="CustomShape 15"/>
+          <p:cNvSpPr>
+            <a:spLocks noChangeAspect="1"/>
+          </p:cNvSpPr>
+          <p:nvPr/>
+        </p:nvSpPr>
+        <p:spPr>
+          <a:xfrm>
+            <a:off x="2998527" y="2580297"/>
+            <a:ext cx="1152000" cy="644877"/>
+          </a:xfrm>
+          <a:prstGeom prst="rect">
+            <a:avLst/>
+          </a:prstGeom>
+          <a:noFill/>
+          <a:ln w="0">
+            <a:solidFill>
+              <a:schemeClr val="tx1"/>
+            </a:solidFill>
+            <a:tailEnd type="triangle"/>
+          </a:ln>
+        </p:spPr>
+        <p:style>
+          <a:lnRef idx="0">
+            <a:scrgbClr r="0" g="0" b="0"/>
+          </a:lnRef>
+          <a:fillRef idx="0">
+            <a:scrgbClr r="0" g="0" b="0"/>
+          </a:fillRef>
+          <a:effectRef idx="0">
+            <a:scrgbClr r="0" g="0" b="0"/>
+          </a:effectRef>
+          <a:fontRef idx="minor"/>
+        </p:style>
+        <p:txBody>
+          <a:bodyPr wrap="none" lIns="90000" tIns="45000" rIns="90000" bIns="45000">
+            <a:noAutofit/>
+          </a:bodyPr>
+          <a:lstStyle/>
+          <a:p>
+            <a:pPr algn="ctr">
+              <a:lnSpc>
+                <a:spcPct val="100000"/>
+              </a:lnSpc>
+            </a:pPr>
+            <a:r>
+              <a:rPr lang="zh-TW" altLang="en-US" spc="-1" dirty="0" smtClean="0"/>
+              <a:t>取</a:t>
+            </a:r>
+            <a:r>
+              <a:rPr lang="zh-TW" altLang="en-US" spc="-1" dirty="0" smtClean="0"/>
+              <a:t>生辰並</a:t>
+            </a:r>
+            <a:endParaRPr lang="en-US" altLang="zh-TW" spc="-1" dirty="0" smtClean="0"/>
+          </a:p>
+          <a:p>
+            <a:pPr algn="ctr">
+              <a:lnSpc>
+                <a:spcPct val="100000"/>
+              </a:lnSpc>
+            </a:pPr>
+            <a:r>
+              <a:rPr lang="zh-TW" altLang="en-US" spc="-1" dirty="0" smtClean="0"/>
+              <a:t>傳至網站</a:t>
+            </a:r>
+            <a:endParaRPr lang="en-US" altLang="zh-TW" spc="-1" dirty="0"/>
+          </a:p>
+        </p:txBody>
+      </p:sp>
+      <p:sp>
+        <p:nvSpPr>
+          <p:cNvPr id="109" name="CustomShape 15"/>
+          <p:cNvSpPr>
+            <a:spLocks noChangeAspect="1"/>
+          </p:cNvSpPr>
+          <p:nvPr/>
+        </p:nvSpPr>
+        <p:spPr>
+          <a:xfrm>
+            <a:off x="5434354" y="2587269"/>
+            <a:ext cx="1152000" cy="644877"/>
+          </a:xfrm>
+          <a:prstGeom prst="rect">
+            <a:avLst/>
+          </a:prstGeom>
+          <a:noFill/>
+          <a:ln w="0">
+            <a:solidFill>
+              <a:schemeClr val="tx1"/>
+            </a:solidFill>
+            <a:tailEnd type="triangle"/>
+          </a:ln>
+        </p:spPr>
+        <p:style>
+          <a:lnRef idx="0">
+            <a:scrgbClr r="0" g="0" b="0"/>
+          </a:lnRef>
+          <a:fillRef idx="0">
+            <a:scrgbClr r="0" g="0" b="0"/>
+          </a:fillRef>
+          <a:effectRef idx="0">
+            <a:scrgbClr r="0" g="0" b="0"/>
+          </a:effectRef>
+          <a:fontRef idx="minor"/>
+        </p:style>
+        <p:txBody>
+          <a:bodyPr wrap="none" lIns="90000" tIns="45000" rIns="90000" bIns="45000">
+            <a:noAutofit/>
+          </a:bodyPr>
+          <a:lstStyle/>
+          <a:p>
+            <a:pPr algn="ctr">
+              <a:lnSpc>
+                <a:spcPct val="100000"/>
+              </a:lnSpc>
+            </a:pPr>
+            <a:r>
+              <a:rPr lang="zh-TW" altLang="en-US" spc="-1" dirty="0" smtClean="0"/>
+              <a:t>擷取公司</a:t>
+            </a:r>
+            <a:endParaRPr lang="en-US" altLang="zh-TW" spc="-1" dirty="0" smtClean="0"/>
+          </a:p>
+          <a:p>
+            <a:pPr algn="ctr">
+              <a:lnSpc>
+                <a:spcPct val="100000"/>
+              </a:lnSpc>
+            </a:pPr>
+            <a:r>
+              <a:rPr lang="zh-TW" altLang="en-US" spc="-1" dirty="0"/>
+              <a:t>資料</a:t>
+            </a:r>
+            <a:endParaRPr lang="en-US" altLang="zh-TW" spc="-1" dirty="0"/>
+          </a:p>
+        </p:txBody>
+      </p:sp>
+      <p:sp>
+        <p:nvSpPr>
+          <p:cNvPr id="110" name="CustomShape 15"/>
+          <p:cNvSpPr>
+            <a:spLocks noChangeAspect="1"/>
+          </p:cNvSpPr>
+          <p:nvPr/>
+        </p:nvSpPr>
+        <p:spPr>
+          <a:xfrm>
+            <a:off x="1763688" y="2579546"/>
+            <a:ext cx="1152000" cy="644877"/>
+          </a:xfrm>
+          <a:prstGeom prst="rect">
+            <a:avLst/>
+          </a:prstGeom>
+          <a:noFill/>
+          <a:ln w="0">
+            <a:solidFill>
+              <a:schemeClr val="tx1"/>
+            </a:solidFill>
+            <a:tailEnd type="triangle"/>
+          </a:ln>
+        </p:spPr>
+        <p:style>
+          <a:lnRef idx="0">
+            <a:scrgbClr r="0" g="0" b="0"/>
+          </a:lnRef>
+          <a:fillRef idx="0">
+            <a:scrgbClr r="0" g="0" b="0"/>
+          </a:fillRef>
+          <a:effectRef idx="0">
+            <a:scrgbClr r="0" g="0" b="0"/>
+          </a:effectRef>
+          <a:fontRef idx="minor"/>
+        </p:style>
+        <p:txBody>
+          <a:bodyPr wrap="none" lIns="90000" tIns="45000" rIns="90000" bIns="45000">
+            <a:noAutofit/>
+          </a:bodyPr>
+          <a:lstStyle/>
+          <a:p>
+            <a:pPr algn="ctr">
+              <a:lnSpc>
+                <a:spcPct val="100000"/>
+              </a:lnSpc>
+            </a:pPr>
+            <a:r>
+              <a:rPr lang="zh-TW" altLang="en-US" spc="-1" dirty="0" smtClean="0"/>
+              <a:t>存使用者</a:t>
+            </a:r>
+            <a:endParaRPr lang="en-US" altLang="zh-TW" spc="-1" dirty="0" smtClean="0"/>
+          </a:p>
+          <a:p>
+            <a:pPr algn="ctr">
+              <a:lnSpc>
+                <a:spcPct val="100000"/>
+              </a:lnSpc>
+            </a:pPr>
+            <a:r>
+              <a:rPr lang="zh-TW" altLang="en-US" spc="-1" dirty="0"/>
+              <a:t>資料</a:t>
+            </a:r>
+            <a:endParaRPr lang="en-US" altLang="zh-TW" spc="-1" dirty="0"/>
+          </a:p>
+        </p:txBody>
+      </p:sp>
+      <p:sp>
+        <p:nvSpPr>
+          <p:cNvPr id="111" name="CustomShape 15"/>
+          <p:cNvSpPr>
+            <a:spLocks noChangeAspect="1"/>
+          </p:cNvSpPr>
+          <p:nvPr/>
+        </p:nvSpPr>
+        <p:spPr>
+          <a:xfrm>
+            <a:off x="5936221" y="764705"/>
+            <a:ext cx="1152000" cy="644877"/>
+          </a:xfrm>
+          <a:prstGeom prst="rect">
+            <a:avLst/>
+          </a:prstGeom>
+          <a:noFill/>
+          <a:ln w="0">
+            <a:solidFill>
+              <a:schemeClr val="tx1"/>
+            </a:solidFill>
+            <a:tailEnd type="triangle"/>
+          </a:ln>
+        </p:spPr>
+        <p:style>
+          <a:lnRef idx="0">
+            <a:scrgbClr r="0" g="0" b="0"/>
+          </a:lnRef>
+          <a:fillRef idx="0">
+            <a:scrgbClr r="0" g="0" b="0"/>
+          </a:fillRef>
+          <a:effectRef idx="0">
+            <a:scrgbClr r="0" g="0" b="0"/>
+          </a:effectRef>
+          <a:fontRef idx="minor"/>
+        </p:style>
+        <p:txBody>
+          <a:bodyPr wrap="none" lIns="90000" tIns="45000" rIns="90000" bIns="45000">
+            <a:noAutofit/>
+          </a:bodyPr>
+          <a:lstStyle/>
+          <a:p>
+            <a:pPr algn="ctr">
+              <a:lnSpc>
+                <a:spcPct val="100000"/>
+              </a:lnSpc>
+            </a:pPr>
+            <a:r>
+              <a:rPr lang="zh-TW" altLang="en-US" spc="-1" dirty="0" smtClean="0">
+                <a:solidFill>
+                  <a:srgbClr val="000000"/>
+                </a:solidFill>
+                <a:latin typeface="Calibri"/>
+              </a:rPr>
+              <a:t>顯示算命</a:t>
+            </a:r>
+            <a:endParaRPr lang="en-US" altLang="zh-TW" spc="-1" dirty="0" smtClean="0">
+              <a:solidFill>
+                <a:srgbClr val="000000"/>
+              </a:solidFill>
+              <a:latin typeface="Calibri"/>
+            </a:endParaRPr>
+          </a:p>
+          <a:p>
+            <a:pPr algn="ctr">
+              <a:lnSpc>
+                <a:spcPct val="100000"/>
+              </a:lnSpc>
+            </a:pPr>
+            <a:r>
+              <a:rPr lang="zh-TW" altLang="zh-TW" spc="-1" dirty="0" smtClean="0">
+                <a:solidFill>
+                  <a:srgbClr val="000000"/>
+                </a:solidFill>
+                <a:latin typeface="Calibri"/>
+              </a:rPr>
+              <a:t>資</a:t>
+            </a:r>
+            <a:r>
+              <a:rPr lang="zh-TW" altLang="en-US" spc="-1" dirty="0" smtClean="0">
+                <a:solidFill>
+                  <a:srgbClr val="000000"/>
+                </a:solidFill>
+                <a:latin typeface="Calibri"/>
+              </a:rPr>
+              <a:t>訊</a:t>
+            </a:r>
+            <a:endParaRPr lang="en-US" altLang="zh-TW" spc="-1" dirty="0">
+              <a:solidFill>
+                <a:srgbClr val="000000"/>
+              </a:solidFill>
+              <a:latin typeface="Calibri"/>
+            </a:endParaRPr>
+          </a:p>
+        </p:txBody>
+      </p:sp>
+      <p:sp>
+        <p:nvSpPr>
+          <p:cNvPr id="112" name="CustomShape 15"/>
+          <p:cNvSpPr>
+            <a:spLocks noChangeAspect="1"/>
+          </p:cNvSpPr>
+          <p:nvPr/>
+        </p:nvSpPr>
+        <p:spPr>
+          <a:xfrm>
+            <a:off x="7812488" y="1487979"/>
+            <a:ext cx="1152000" cy="644877"/>
+          </a:xfrm>
+          <a:prstGeom prst="rect">
+            <a:avLst/>
+          </a:prstGeom>
+          <a:noFill/>
+          <a:ln w="0">
+            <a:solidFill>
+              <a:schemeClr val="tx1"/>
+            </a:solidFill>
+            <a:tailEnd type="triangle"/>
+          </a:ln>
+        </p:spPr>
+        <p:style>
+          <a:lnRef idx="0">
+            <a:scrgbClr r="0" g="0" b="0"/>
+          </a:lnRef>
+          <a:fillRef idx="0">
+            <a:scrgbClr r="0" g="0" b="0"/>
+          </a:fillRef>
+          <a:effectRef idx="0">
+            <a:scrgbClr r="0" g="0" b="0"/>
+          </a:effectRef>
+          <a:fontRef idx="minor"/>
+        </p:style>
+        <p:txBody>
+          <a:bodyPr wrap="none" lIns="90000" tIns="45000" rIns="90000" bIns="45000">
+            <a:noAutofit/>
+          </a:bodyPr>
+          <a:lstStyle/>
+          <a:p>
+            <a:pPr algn="ctr">
+              <a:lnSpc>
+                <a:spcPct val="100000"/>
+              </a:lnSpc>
+            </a:pPr>
+            <a:r>
+              <a:rPr lang="zh-TW" altLang="en-US" spc="-1" dirty="0" smtClean="0"/>
+              <a:t>信箱</a:t>
+            </a:r>
+            <a:endParaRPr lang="en-US" altLang="zh-TW" spc="-1" dirty="0" smtClean="0"/>
+          </a:p>
+          <a:p>
+            <a:pPr algn="ctr">
+              <a:lnSpc>
+                <a:spcPct val="100000"/>
+              </a:lnSpc>
+            </a:pPr>
+            <a:r>
+              <a:rPr lang="zh-TW" altLang="zh-TW" spc="-1" dirty="0" smtClean="0">
+                <a:solidFill>
+                  <a:srgbClr val="000000"/>
+                </a:solidFill>
+                <a:latin typeface="Calibri"/>
+              </a:rPr>
+              <a:t>驗證</a:t>
+            </a:r>
+            <a:endParaRPr lang="en-US" altLang="zh-TW" spc="-1" dirty="0"/>
+          </a:p>
+        </p:txBody>
+      </p:sp>
+      <p:sp>
+        <p:nvSpPr>
+          <p:cNvPr id="113" name="CustomShape 15"/>
+          <p:cNvSpPr>
+            <a:spLocks noChangeAspect="1"/>
+          </p:cNvSpPr>
+          <p:nvPr/>
+        </p:nvSpPr>
+        <p:spPr>
+          <a:xfrm>
+            <a:off x="2267744" y="764706"/>
+            <a:ext cx="1152000" cy="644877"/>
+          </a:xfrm>
+          <a:prstGeom prst="rect">
+            <a:avLst/>
+          </a:prstGeom>
+          <a:noFill/>
+          <a:ln w="0">
+            <a:solidFill>
+              <a:schemeClr val="tx1"/>
+            </a:solidFill>
+            <a:tailEnd type="triangle"/>
+          </a:ln>
+        </p:spPr>
+        <p:style>
+          <a:lnRef idx="0">
+            <a:scrgbClr r="0" g="0" b="0"/>
+          </a:lnRef>
+          <a:fillRef idx="0">
+            <a:scrgbClr r="0" g="0" b="0"/>
+          </a:fillRef>
+          <a:effectRef idx="0">
+            <a:scrgbClr r="0" g="0" b="0"/>
+          </a:effectRef>
+          <a:fontRef idx="minor"/>
+        </p:style>
+        <p:txBody>
+          <a:bodyPr wrap="none" lIns="90000" tIns="45000" rIns="90000" bIns="45000">
+            <a:noAutofit/>
+          </a:bodyPr>
+          <a:lstStyle/>
+          <a:p>
+            <a:pPr algn="ctr">
+              <a:lnSpc>
+                <a:spcPct val="100000"/>
+              </a:lnSpc>
+            </a:pPr>
+            <a:r>
+              <a:rPr lang="zh-TW" altLang="en-US" spc="-1" dirty="0">
+                <a:solidFill>
+                  <a:srgbClr val="000000"/>
+                </a:solidFill>
+                <a:latin typeface="Calibri"/>
+              </a:rPr>
+              <a:t>主</a:t>
+            </a:r>
+            <a:r>
+              <a:rPr lang="zh-TW" altLang="en-US" spc="-1" dirty="0" smtClean="0">
+                <a:solidFill>
+                  <a:srgbClr val="000000"/>
+                </a:solidFill>
+                <a:latin typeface="Calibri"/>
+              </a:rPr>
+              <a:t>頁</a:t>
+            </a:r>
+            <a:endParaRPr lang="en-US" altLang="zh-TW" spc="-1" dirty="0" smtClean="0">
+              <a:solidFill>
+                <a:srgbClr val="000000"/>
+              </a:solidFill>
+              <a:latin typeface="Calibri"/>
+            </a:endParaRPr>
+          </a:p>
+          <a:p>
+            <a:pPr algn="ctr">
+              <a:lnSpc>
+                <a:spcPct val="100000"/>
+              </a:lnSpc>
+            </a:pPr>
+            <a:r>
+              <a:rPr lang="zh-TW" altLang="en-US" spc="-1" dirty="0">
+                <a:solidFill>
+                  <a:srgbClr val="000000"/>
+                </a:solidFill>
+                <a:latin typeface="Calibri"/>
+              </a:rPr>
+              <a:t>操作</a:t>
+            </a:r>
+            <a:endParaRPr lang="en-US" altLang="zh-TW" spc="-1" dirty="0"/>
+          </a:p>
+        </p:txBody>
+      </p:sp>
+      <p:sp>
+        <p:nvSpPr>
+          <p:cNvPr id="114" name="CustomShape 15"/>
+          <p:cNvSpPr>
+            <a:spLocks noChangeAspect="1"/>
+          </p:cNvSpPr>
+          <p:nvPr/>
+        </p:nvSpPr>
+        <p:spPr>
+          <a:xfrm>
+            <a:off x="4730581" y="1474174"/>
+            <a:ext cx="1152000" cy="644877"/>
+          </a:xfrm>
+          <a:prstGeom prst="rect">
+            <a:avLst/>
+          </a:prstGeom>
+          <a:noFill/>
+          <a:ln w="0">
+            <a:solidFill>
+              <a:schemeClr val="tx1"/>
+            </a:solidFill>
+            <a:tailEnd type="triangle"/>
+          </a:ln>
+        </p:spPr>
+        <p:style>
+          <a:lnRef idx="0">
+            <a:scrgbClr r="0" g="0" b="0"/>
+          </a:lnRef>
+          <a:fillRef idx="0">
+            <a:scrgbClr r="0" g="0" b="0"/>
+          </a:fillRef>
+          <a:effectRef idx="0">
+            <a:scrgbClr r="0" g="0" b="0"/>
+          </a:effectRef>
+          <a:fontRef idx="minor"/>
+        </p:style>
+        <p:txBody>
+          <a:bodyPr wrap="none" lIns="90000" tIns="45000" rIns="90000" bIns="45000">
+            <a:noAutofit/>
+          </a:bodyPr>
+          <a:lstStyle/>
+          <a:p>
+            <a:pPr algn="ctr"/>
+            <a:r>
+              <a:rPr lang="zh-TW" altLang="en-US" spc="-1" dirty="0" smtClean="0">
+                <a:solidFill>
+                  <a:srgbClr val="000000"/>
+                </a:solidFill>
+                <a:latin typeface="Calibri"/>
+              </a:rPr>
+              <a:t>修改密碼</a:t>
+            </a:r>
+            <a:endParaRPr lang="en-US" altLang="zh-TW" spc="-1" dirty="0" smtClean="0">
+              <a:solidFill>
+                <a:srgbClr val="000000"/>
+              </a:solidFill>
+              <a:latin typeface="Calibri"/>
+            </a:endParaRPr>
+          </a:p>
+          <a:p>
+            <a:pPr algn="ctr"/>
+            <a:r>
+              <a:rPr lang="zh-TW" altLang="en-US" spc="-1" dirty="0" smtClean="0">
+                <a:solidFill>
+                  <a:srgbClr val="000000"/>
+                </a:solidFill>
+                <a:latin typeface="Calibri"/>
+              </a:rPr>
+              <a:t>及資料</a:t>
+            </a:r>
+            <a:endParaRPr lang="en-US" altLang="zh-TW" spc="-1" dirty="0">
+              <a:solidFill>
+                <a:srgbClr val="000000"/>
+              </a:solidFill>
+              <a:latin typeface="Calibri"/>
+            </a:endParaRPr>
+          </a:p>
+        </p:txBody>
+      </p:sp>
+      <p:sp>
+        <p:nvSpPr>
+          <p:cNvPr id="115" name="CustomShape 15"/>
+          <p:cNvSpPr>
+            <a:spLocks noChangeAspect="1"/>
+          </p:cNvSpPr>
+          <p:nvPr/>
+        </p:nvSpPr>
+        <p:spPr>
+          <a:xfrm>
+            <a:off x="3502583" y="764704"/>
+            <a:ext cx="1152000" cy="644877"/>
+          </a:xfrm>
+          <a:prstGeom prst="rect">
+            <a:avLst/>
+          </a:prstGeom>
+          <a:noFill/>
+          <a:ln w="0">
+            <a:solidFill>
+              <a:schemeClr val="tx1"/>
+            </a:solidFill>
+            <a:tailEnd type="triangle"/>
+          </a:ln>
+        </p:spPr>
+        <p:style>
+          <a:lnRef idx="0">
+            <a:scrgbClr r="0" g="0" b="0"/>
+          </a:lnRef>
+          <a:fillRef idx="0">
+            <a:scrgbClr r="0" g="0" b="0"/>
+          </a:fillRef>
+          <a:effectRef idx="0">
+            <a:scrgbClr r="0" g="0" b="0"/>
+          </a:effectRef>
+          <a:fontRef idx="minor"/>
+        </p:style>
+        <p:txBody>
+          <a:bodyPr wrap="none" lIns="90000" tIns="45000" rIns="90000" bIns="45000">
+            <a:noAutofit/>
+          </a:bodyPr>
+          <a:lstStyle/>
+          <a:p>
+            <a:pPr algn="ctr">
+              <a:lnSpc>
+                <a:spcPct val="100000"/>
+              </a:lnSpc>
+            </a:pPr>
+            <a:r>
+              <a:rPr lang="zh-TW" altLang="zh-TW" spc="-1" dirty="0" smtClean="0">
+                <a:solidFill>
+                  <a:srgbClr val="000000"/>
+                </a:solidFill>
+                <a:latin typeface="Calibri"/>
+              </a:rPr>
+              <a:t>規則</a:t>
+            </a:r>
+            <a:endParaRPr lang="en-US" altLang="zh-TW" spc="-1" dirty="0" smtClean="0">
+              <a:solidFill>
+                <a:srgbClr val="000000"/>
+              </a:solidFill>
+              <a:latin typeface="Calibri"/>
+            </a:endParaRPr>
+          </a:p>
+          <a:p>
+            <a:pPr algn="ctr">
+              <a:lnSpc>
+                <a:spcPct val="100000"/>
+              </a:lnSpc>
+            </a:pPr>
+            <a:r>
+              <a:rPr lang="zh-TW" altLang="en-US" spc="-1" dirty="0" smtClean="0">
+                <a:solidFill>
+                  <a:srgbClr val="000000"/>
+                </a:solidFill>
+                <a:latin typeface="Calibri"/>
+              </a:rPr>
+              <a:t>限定</a:t>
+            </a:r>
+            <a:endParaRPr lang="en-US" altLang="zh-TW" spc="-1" dirty="0"/>
+          </a:p>
+        </p:txBody>
+      </p:sp>
+      <p:sp>
+        <p:nvSpPr>
+          <p:cNvPr id="19" name="CustomShape 15"/>
+          <p:cNvSpPr>
+            <a:spLocks noChangeAspect="1"/>
+          </p:cNvSpPr>
+          <p:nvPr/>
+        </p:nvSpPr>
+        <p:spPr>
+          <a:xfrm>
+            <a:off x="5938852" y="1484784"/>
+            <a:ext cx="1152000" cy="644877"/>
+          </a:xfrm>
+          <a:prstGeom prst="rect">
+            <a:avLst/>
+          </a:prstGeom>
+          <a:noFill/>
+          <a:ln w="0">
+            <a:solidFill>
+              <a:schemeClr val="tx1"/>
+            </a:solidFill>
+            <a:tailEnd type="triangle"/>
+          </a:ln>
+        </p:spPr>
+        <p:style>
+          <a:lnRef idx="0">
+            <a:scrgbClr r="0" g="0" b="0"/>
+          </a:lnRef>
+          <a:fillRef idx="0">
+            <a:scrgbClr r="0" g="0" b="0"/>
+          </a:fillRef>
+          <a:effectRef idx="0">
+            <a:scrgbClr r="0" g="0" b="0"/>
+          </a:effectRef>
+          <a:fontRef idx="minor"/>
+        </p:style>
+        <p:txBody>
+          <a:bodyPr wrap="none" lIns="90000" tIns="45000" rIns="90000" bIns="45000">
+            <a:noAutofit/>
+          </a:bodyPr>
+          <a:lstStyle/>
+          <a:p>
+            <a:pPr algn="ctr">
+              <a:lnSpc>
+                <a:spcPct val="100000"/>
+              </a:lnSpc>
+            </a:pPr>
+            <a:r>
+              <a:rPr lang="zh-TW" altLang="en-US" spc="-1" dirty="0" smtClean="0">
+                <a:solidFill>
+                  <a:srgbClr val="000000"/>
+                </a:solidFill>
+                <a:latin typeface="Calibri"/>
+              </a:rPr>
+              <a:t>顯示公司</a:t>
+            </a:r>
+            <a:endParaRPr lang="en-US" altLang="zh-TW" spc="-1" dirty="0" smtClean="0">
+              <a:solidFill>
+                <a:srgbClr val="000000"/>
+              </a:solidFill>
+              <a:latin typeface="Calibri"/>
+            </a:endParaRPr>
+          </a:p>
+          <a:p>
+            <a:pPr algn="ctr">
+              <a:lnSpc>
+                <a:spcPct val="100000"/>
+              </a:lnSpc>
+            </a:pPr>
+            <a:r>
+              <a:rPr lang="zh-TW" altLang="zh-TW" spc="-1" dirty="0" smtClean="0">
+                <a:solidFill>
+                  <a:srgbClr val="000000"/>
+                </a:solidFill>
+                <a:latin typeface="Calibri"/>
+              </a:rPr>
+              <a:t>資</a:t>
+            </a:r>
+            <a:r>
+              <a:rPr lang="zh-TW" altLang="en-US" spc="-1" dirty="0" smtClean="0">
+                <a:solidFill>
+                  <a:srgbClr val="000000"/>
+                </a:solidFill>
+                <a:latin typeface="Calibri"/>
+              </a:rPr>
+              <a:t>訊</a:t>
+            </a:r>
+            <a:endParaRPr lang="en-US" altLang="zh-TW" spc="-1" dirty="0">
+              <a:solidFill>
+                <a:srgbClr val="000000"/>
+              </a:solidFill>
+              <a:latin typeface="Calibri"/>
+            </a:endParaRPr>
+          </a:p>
+        </p:txBody>
+      </p:sp>
+      <p:sp>
+        <p:nvSpPr>
+          <p:cNvPr id="20" name="CustomShape 15"/>
+          <p:cNvSpPr>
+            <a:spLocks noChangeAspect="1"/>
+          </p:cNvSpPr>
+          <p:nvPr/>
+        </p:nvSpPr>
+        <p:spPr>
+          <a:xfrm>
+            <a:off x="5434354" y="3332471"/>
+            <a:ext cx="1152000" cy="644877"/>
+          </a:xfrm>
+          <a:prstGeom prst="rect">
+            <a:avLst/>
+          </a:prstGeom>
+          <a:noFill/>
+          <a:ln w="0">
+            <a:solidFill>
+              <a:schemeClr val="tx1"/>
+            </a:solidFill>
+            <a:tailEnd type="triangle"/>
+          </a:ln>
+        </p:spPr>
+        <p:style>
+          <a:lnRef idx="0">
+            <a:scrgbClr r="0" g="0" b="0"/>
+          </a:lnRef>
+          <a:fillRef idx="0">
+            <a:scrgbClr r="0" g="0" b="0"/>
+          </a:fillRef>
+          <a:effectRef idx="0">
+            <a:scrgbClr r="0" g="0" b="0"/>
+          </a:effectRef>
+          <a:fontRef idx="minor"/>
+        </p:style>
+        <p:txBody>
+          <a:bodyPr wrap="none" lIns="90000" tIns="45000" rIns="90000" bIns="45000">
+            <a:noAutofit/>
+          </a:bodyPr>
+          <a:lstStyle/>
+          <a:p>
+            <a:pPr algn="ctr">
+              <a:lnSpc>
+                <a:spcPct val="100000"/>
+              </a:lnSpc>
+            </a:pPr>
+            <a:r>
+              <a:rPr lang="en-US" altLang="zh-TW" spc="-1" dirty="0" smtClean="0"/>
+              <a:t>ROE</a:t>
+            </a:r>
+            <a:r>
+              <a:rPr lang="zh-TW" altLang="en-US" spc="-1" dirty="0" smtClean="0"/>
+              <a:t>預測</a:t>
+            </a:r>
+            <a:endParaRPr lang="en-US" altLang="zh-TW" spc="-1" dirty="0"/>
+          </a:p>
+          <a:p>
+            <a:pPr algn="ctr">
+              <a:lnSpc>
+                <a:spcPct val="100000"/>
+              </a:lnSpc>
+            </a:pPr>
+            <a:r>
+              <a:rPr lang="zh-TW" altLang="en-US" spc="-1" dirty="0"/>
+              <a:t>與儲存</a:t>
+            </a:r>
+            <a:endParaRPr lang="en-US" altLang="zh-TW" spc="-1" dirty="0" smtClean="0"/>
+          </a:p>
+        </p:txBody>
+      </p:sp>
+      <p:sp>
+        <p:nvSpPr>
+          <p:cNvPr id="21" name="CustomShape 15"/>
+          <p:cNvSpPr>
+            <a:spLocks noChangeAspect="1"/>
+          </p:cNvSpPr>
+          <p:nvPr/>
+        </p:nvSpPr>
+        <p:spPr>
+          <a:xfrm>
+            <a:off x="1763688" y="3332472"/>
+            <a:ext cx="1152000" cy="644877"/>
+          </a:xfrm>
+          <a:prstGeom prst="rect">
+            <a:avLst/>
+          </a:prstGeom>
+          <a:noFill/>
+          <a:ln w="0">
+            <a:solidFill>
+              <a:schemeClr val="tx1"/>
+            </a:solidFill>
+            <a:tailEnd type="triangle"/>
+          </a:ln>
+        </p:spPr>
+        <p:style>
+          <a:lnRef idx="0">
+            <a:scrgbClr r="0" g="0" b="0"/>
+          </a:lnRef>
+          <a:fillRef idx="0">
+            <a:scrgbClr r="0" g="0" b="0"/>
+          </a:fillRef>
+          <a:effectRef idx="0">
+            <a:scrgbClr r="0" g="0" b="0"/>
+          </a:effectRef>
+          <a:fontRef idx="minor"/>
+        </p:style>
+        <p:txBody>
+          <a:bodyPr wrap="none" lIns="90000" tIns="45000" rIns="90000" bIns="45000">
+            <a:noAutofit/>
+          </a:bodyPr>
+          <a:lstStyle/>
+          <a:p>
+            <a:pPr algn="ctr">
+              <a:lnSpc>
+                <a:spcPct val="100000"/>
+              </a:lnSpc>
+            </a:pPr>
+            <a:r>
+              <a:rPr lang="zh-TW" altLang="en-US" spc="-1" dirty="0" smtClean="0"/>
+              <a:t>比對</a:t>
+            </a:r>
+            <a:endParaRPr lang="en-US" altLang="zh-TW" spc="-1" dirty="0" smtClean="0"/>
+          </a:p>
+          <a:p>
+            <a:pPr algn="ctr">
+              <a:lnSpc>
+                <a:spcPct val="100000"/>
+              </a:lnSpc>
+            </a:pPr>
+            <a:r>
+              <a:rPr lang="zh-TW" altLang="en-US" spc="-1" dirty="0"/>
+              <a:t>喜用神</a:t>
+            </a:r>
+            <a:endParaRPr lang="en-US" altLang="zh-TW" spc="-1" dirty="0"/>
+          </a:p>
+        </p:txBody>
+      </p:sp>
+      <p:sp>
+        <p:nvSpPr>
+          <p:cNvPr id="22" name="CustomShape 15"/>
+          <p:cNvSpPr>
+            <a:spLocks noChangeAspect="1"/>
+          </p:cNvSpPr>
+          <p:nvPr/>
+        </p:nvSpPr>
+        <p:spPr>
+          <a:xfrm>
+            <a:off x="2992783" y="3345439"/>
+            <a:ext cx="1152000" cy="644877"/>
+          </a:xfrm>
+          <a:prstGeom prst="rect">
+            <a:avLst/>
+          </a:prstGeom>
+          <a:noFill/>
+          <a:ln w="0">
+            <a:solidFill>
+              <a:schemeClr val="tx1"/>
+            </a:solidFill>
+            <a:tailEnd type="triangle"/>
+          </a:ln>
+        </p:spPr>
+        <p:style>
+          <a:lnRef idx="0">
+            <a:scrgbClr r="0" g="0" b="0"/>
+          </a:lnRef>
+          <a:fillRef idx="0">
+            <a:scrgbClr r="0" g="0" b="0"/>
+          </a:fillRef>
+          <a:effectRef idx="0">
+            <a:scrgbClr r="0" g="0" b="0"/>
+          </a:effectRef>
+          <a:fontRef idx="minor"/>
+        </p:style>
+        <p:txBody>
+          <a:bodyPr wrap="none" lIns="90000" tIns="45000" rIns="90000" bIns="45000">
+            <a:noAutofit/>
+          </a:bodyPr>
+          <a:lstStyle/>
+          <a:p>
+            <a:pPr algn="ctr">
+              <a:lnSpc>
+                <a:spcPct val="100000"/>
+              </a:lnSpc>
+            </a:pPr>
+            <a:r>
+              <a:rPr lang="zh-TW" altLang="en-US" spc="-1" dirty="0"/>
+              <a:t>建立</a:t>
+            </a:r>
+            <a:r>
+              <a:rPr lang="zh-TW" altLang="en-US" spc="-1" dirty="0" smtClean="0"/>
+              <a:t>公司</a:t>
+            </a:r>
+            <a:endParaRPr lang="en-US" altLang="zh-TW" spc="-1" dirty="0" smtClean="0"/>
+          </a:p>
+          <a:p>
+            <a:pPr algn="ctr">
+              <a:lnSpc>
+                <a:spcPct val="100000"/>
+              </a:lnSpc>
+            </a:pPr>
+            <a:r>
+              <a:rPr lang="zh-TW" altLang="en-US" spc="-1" dirty="0" smtClean="0"/>
+              <a:t>相關資料</a:t>
+            </a:r>
+            <a:endParaRPr lang="en-US" altLang="zh-TW" spc="-1" dirty="0"/>
+          </a:p>
+        </p:txBody>
+      </p:sp>
+      <p:sp>
+        <p:nvSpPr>
+          <p:cNvPr id="23" name="CustomShape 15"/>
+          <p:cNvSpPr>
+            <a:spLocks noChangeAspect="1"/>
+          </p:cNvSpPr>
+          <p:nvPr/>
+        </p:nvSpPr>
+        <p:spPr>
+          <a:xfrm>
+            <a:off x="4229471" y="3332472"/>
+            <a:ext cx="1152000" cy="644877"/>
+          </a:xfrm>
+          <a:prstGeom prst="rect">
+            <a:avLst/>
+          </a:prstGeom>
+          <a:noFill/>
+          <a:ln w="0">
+            <a:solidFill>
+              <a:schemeClr val="tx1"/>
+            </a:solidFill>
+            <a:tailEnd type="triangle"/>
+          </a:ln>
+        </p:spPr>
+        <p:style>
+          <a:lnRef idx="0">
+            <a:scrgbClr r="0" g="0" b="0"/>
+          </a:lnRef>
+          <a:fillRef idx="0">
+            <a:scrgbClr r="0" g="0" b="0"/>
+          </a:fillRef>
+          <a:effectRef idx="0">
+            <a:scrgbClr r="0" g="0" b="0"/>
+          </a:effectRef>
+          <a:fontRef idx="minor"/>
+        </p:style>
+        <p:txBody>
+          <a:bodyPr wrap="none" lIns="90000" tIns="45000" rIns="90000" bIns="45000">
+            <a:noAutofit/>
+          </a:bodyPr>
+          <a:lstStyle/>
+          <a:p>
+            <a:pPr algn="ctr">
+              <a:lnSpc>
+                <a:spcPct val="100000"/>
+              </a:lnSpc>
+            </a:pPr>
+            <a:r>
+              <a:rPr lang="zh-TW" altLang="en-US" spc="-1" dirty="0" smtClean="0"/>
+              <a:t>擷取公司</a:t>
+            </a:r>
+            <a:endParaRPr lang="en-US" altLang="zh-TW" spc="-1" dirty="0" smtClean="0"/>
+          </a:p>
+          <a:p>
+            <a:pPr algn="ctr">
+              <a:lnSpc>
+                <a:spcPct val="100000"/>
+              </a:lnSpc>
+            </a:pPr>
+            <a:r>
+              <a:rPr lang="en-US" altLang="zh-TW" spc="-1" dirty="0" smtClean="0"/>
+              <a:t>ROE</a:t>
+            </a:r>
+            <a:endParaRPr lang="en-US" altLang="zh-TW" spc="-1" dirty="0"/>
+          </a:p>
+        </p:txBody>
+      </p:sp>
+      <p:sp>
+        <p:nvSpPr>
+          <p:cNvPr id="24" name="CustomShape 15"/>
+          <p:cNvSpPr>
+            <a:spLocks noChangeAspect="1"/>
+          </p:cNvSpPr>
+          <p:nvPr/>
+        </p:nvSpPr>
+        <p:spPr>
+          <a:xfrm>
+            <a:off x="3262945" y="4427922"/>
+            <a:ext cx="1286931" cy="644877"/>
+          </a:xfrm>
+          <a:prstGeom prst="rect">
+            <a:avLst/>
+          </a:prstGeom>
+          <a:noFill/>
+          <a:ln w="0">
+            <a:solidFill>
+              <a:schemeClr val="tx1"/>
+            </a:solidFill>
+            <a:tailEnd type="triangle"/>
+          </a:ln>
+        </p:spPr>
+        <p:style>
+          <a:lnRef idx="0">
+            <a:scrgbClr r="0" g="0" b="0"/>
+          </a:lnRef>
+          <a:fillRef idx="0">
+            <a:scrgbClr r="0" g="0" b="0"/>
+          </a:fillRef>
+          <a:effectRef idx="0">
+            <a:scrgbClr r="0" g="0" b="0"/>
+          </a:effectRef>
+          <a:fontRef idx="minor"/>
+        </p:style>
+        <p:txBody>
+          <a:bodyPr wrap="none" lIns="90000" tIns="45000" rIns="90000" bIns="45000">
+            <a:noAutofit/>
+          </a:bodyPr>
+          <a:lstStyle/>
+          <a:p>
+            <a:pPr algn="ctr">
+              <a:lnSpc>
+                <a:spcPct val="100000"/>
+              </a:lnSpc>
+            </a:pPr>
+            <a:r>
+              <a:rPr lang="zh-TW" altLang="en-US" spc="-1" dirty="0"/>
+              <a:t>建立</a:t>
+            </a:r>
+            <a:r>
+              <a:rPr lang="zh-TW" altLang="en-US" spc="-1" dirty="0" smtClean="0"/>
+              <a:t>使用者</a:t>
+            </a:r>
+            <a:endParaRPr lang="en-US" altLang="zh-TW" spc="-1" dirty="0" smtClean="0"/>
+          </a:p>
+          <a:p>
+            <a:pPr algn="ctr">
+              <a:lnSpc>
+                <a:spcPct val="100000"/>
+              </a:lnSpc>
+            </a:pPr>
+            <a:r>
+              <a:rPr lang="zh-TW" altLang="en-US" spc="-1" dirty="0"/>
+              <a:t>資料</a:t>
+            </a:r>
+            <a:endParaRPr lang="en-US" altLang="zh-TW" spc="-1" dirty="0" smtClean="0"/>
+          </a:p>
+          <a:p>
+            <a:pPr algn="ctr">
+              <a:lnSpc>
+                <a:spcPct val="100000"/>
+              </a:lnSpc>
+            </a:pPr>
+            <a:endParaRPr lang="en-US" altLang="zh-TW" spc="-1" dirty="0"/>
+          </a:p>
+        </p:txBody>
+      </p:sp>
+      <p:sp>
+        <p:nvSpPr>
+          <p:cNvPr id="25" name="CustomShape 15"/>
+          <p:cNvSpPr>
+            <a:spLocks noChangeAspect="1"/>
+          </p:cNvSpPr>
+          <p:nvPr/>
+        </p:nvSpPr>
+        <p:spPr>
+          <a:xfrm>
+            <a:off x="4633576" y="4427921"/>
+            <a:ext cx="1600495" cy="644877"/>
+          </a:xfrm>
+          <a:prstGeom prst="rect">
+            <a:avLst/>
+          </a:prstGeom>
+          <a:noFill/>
+          <a:ln w="0">
+            <a:solidFill>
+              <a:schemeClr val="tx1"/>
+            </a:solidFill>
+            <a:tailEnd type="triangle"/>
+          </a:ln>
+        </p:spPr>
+        <p:style>
+          <a:lnRef idx="0">
+            <a:scrgbClr r="0" g="0" b="0"/>
+          </a:lnRef>
+          <a:fillRef idx="0">
+            <a:scrgbClr r="0" g="0" b="0"/>
+          </a:fillRef>
+          <a:effectRef idx="0">
+            <a:scrgbClr r="0" g="0" b="0"/>
+          </a:effectRef>
+          <a:fontRef idx="minor"/>
+        </p:style>
+        <p:txBody>
+          <a:bodyPr wrap="none" lIns="90000" tIns="45000" rIns="90000" bIns="45000">
+            <a:noAutofit/>
+          </a:bodyPr>
+          <a:lstStyle/>
+          <a:p>
+            <a:pPr algn="ctr">
+              <a:lnSpc>
+                <a:spcPct val="100000"/>
+              </a:lnSpc>
+            </a:pPr>
+            <a:r>
+              <a:rPr lang="zh-TW" altLang="en-US" spc="-1" dirty="0"/>
+              <a:t>建立</a:t>
+            </a:r>
+            <a:r>
+              <a:rPr lang="zh-TW" altLang="en-US" spc="-1" dirty="0" smtClean="0"/>
+              <a:t>公司相關</a:t>
+            </a:r>
+            <a:endParaRPr lang="en-US" altLang="zh-TW" spc="-1" dirty="0" smtClean="0"/>
+          </a:p>
+          <a:p>
+            <a:pPr algn="ctr">
+              <a:lnSpc>
+                <a:spcPct val="100000"/>
+              </a:lnSpc>
+            </a:pPr>
+            <a:r>
+              <a:rPr lang="zh-TW" altLang="en-US" spc="-1" dirty="0" smtClean="0"/>
+              <a:t>資料</a:t>
+            </a:r>
+            <a:endParaRPr lang="en-US" altLang="zh-TW" spc="-1" dirty="0" smtClean="0"/>
+          </a:p>
+          <a:p>
+            <a:pPr algn="ctr">
+              <a:lnSpc>
+                <a:spcPct val="100000"/>
+              </a:lnSpc>
+            </a:pPr>
+            <a:endParaRPr lang="en-US" altLang="zh-TW" spc="-1" dirty="0"/>
+          </a:p>
+        </p:txBody>
+      </p:sp>
+      <p:sp>
+        <p:nvSpPr>
+          <p:cNvPr id="26" name="CustomShape 15"/>
+          <p:cNvSpPr>
+            <a:spLocks noChangeAspect="1"/>
+          </p:cNvSpPr>
+          <p:nvPr/>
+        </p:nvSpPr>
+        <p:spPr>
+          <a:xfrm>
+            <a:off x="6291992" y="4429490"/>
+            <a:ext cx="1232336" cy="644877"/>
+          </a:xfrm>
+          <a:prstGeom prst="rect">
+            <a:avLst/>
+          </a:prstGeom>
+          <a:noFill/>
+          <a:ln w="0">
+            <a:solidFill>
+              <a:schemeClr val="tx1"/>
+            </a:solidFill>
+            <a:tailEnd type="triangle"/>
+          </a:ln>
+        </p:spPr>
+        <p:style>
+          <a:lnRef idx="0">
+            <a:scrgbClr r="0" g="0" b="0"/>
+          </a:lnRef>
+          <a:fillRef idx="0">
+            <a:scrgbClr r="0" g="0" b="0"/>
+          </a:fillRef>
+          <a:effectRef idx="0">
+            <a:scrgbClr r="0" g="0" b="0"/>
+          </a:effectRef>
+          <a:fontRef idx="minor"/>
+        </p:style>
+        <p:txBody>
+          <a:bodyPr wrap="none" lIns="90000" tIns="45000" rIns="90000" bIns="45000">
+            <a:noAutofit/>
+          </a:bodyPr>
+          <a:lstStyle/>
+          <a:p>
+            <a:pPr algn="ctr">
+              <a:lnSpc>
+                <a:spcPct val="100000"/>
+              </a:lnSpc>
+            </a:pPr>
+            <a:r>
+              <a:rPr lang="zh-TW" altLang="en-US" spc="-1" dirty="0" smtClean="0"/>
+              <a:t>建立 </a:t>
+            </a:r>
+            <a:r>
+              <a:rPr lang="en-US" altLang="zh-TW" spc="-1" dirty="0" smtClean="0"/>
+              <a:t>ROE</a:t>
+            </a:r>
+          </a:p>
+          <a:p>
+            <a:pPr algn="ctr">
+              <a:lnSpc>
+                <a:spcPct val="100000"/>
+              </a:lnSpc>
+            </a:pPr>
+            <a:r>
+              <a:rPr lang="zh-TW" altLang="en-US" spc="-1" dirty="0" smtClean="0"/>
+              <a:t>資料</a:t>
+            </a:r>
+            <a:endParaRPr lang="en-US" altLang="zh-TW" spc="-1" dirty="0" smtClean="0"/>
+          </a:p>
+          <a:p>
+            <a:pPr algn="ctr">
+              <a:lnSpc>
+                <a:spcPct val="100000"/>
+              </a:lnSpc>
+            </a:pPr>
+            <a:endParaRPr lang="en-US" altLang="zh-TW" spc="-1" dirty="0"/>
+          </a:p>
+        </p:txBody>
+      </p:sp>
+      <p:sp>
+        <p:nvSpPr>
+          <p:cNvPr id="3" name="流程圖: 磁碟 2"/>
+          <p:cNvSpPr/>
+          <p:nvPr/>
+        </p:nvSpPr>
+        <p:spPr>
+          <a:xfrm>
+            <a:off x="323528" y="5508041"/>
+            <a:ext cx="8712968" cy="585255"/>
+          </a:xfrm>
+          <a:prstGeom prst="flowChartMagneticDisk">
+            <a:avLst/>
+          </a:prstGeom>
+          <a:solidFill>
+            <a:schemeClr val="bg1">
+              <a:lumMod val="65000"/>
+            </a:schemeClr>
+          </a:solidFill>
+        </p:spPr>
+        <p:style>
+          <a:lnRef idx="2">
+            <a:schemeClr val="accent1">
+              <a:shade val="50000"/>
+            </a:schemeClr>
+          </a:lnRef>
+          <a:fillRef idx="1">
+            <a:schemeClr val="accent1"/>
+          </a:fillRef>
+          <a:effectRef idx="0">
+            <a:schemeClr val="accent1"/>
+          </a:effectRef>
+          <a:fontRef idx="minor">
+            <a:schemeClr val="lt1"/>
+          </a:fontRef>
+        </p:style>
+        <p:txBody>
+          <a:bodyPr rtlCol="0" anchor="ctr"/>
+          <a:lstStyle/>
+          <a:p>
+            <a:pPr algn="ctr"/>
+            <a:r>
+              <a:rPr lang="en-US" altLang="zh-TW" sz="2000" dirty="0" smtClean="0">
+                <a:solidFill>
+                  <a:schemeClr val="tx1"/>
+                </a:solidFill>
+              </a:rPr>
+              <a:t>Firebase data base</a:t>
+            </a:r>
+            <a:endParaRPr lang="zh-TW" altLang="en-US" sz="2000" dirty="0">
+              <a:solidFill>
+                <a:schemeClr val="tx1"/>
+              </a:solidFill>
+            </a:endParaRPr>
+          </a:p>
+        </p:txBody>
+      </p:sp>
+      <p:sp>
+        <p:nvSpPr>
+          <p:cNvPr id="4" name="向右箭號 3"/>
+          <p:cNvSpPr/>
+          <p:nvPr/>
+        </p:nvSpPr>
+        <p:spPr>
+          <a:xfrm rot="5400000" flipV="1">
+            <a:off x="3424202" y="1253121"/>
+            <a:ext cx="260947" cy="2178664"/>
+          </a:xfrm>
+          <a:prstGeom prst="rightArrow">
+            <a:avLst/>
+          </a:prstGeom>
+          <a:solidFill>
+            <a:schemeClr val="tx1"/>
+          </a:solidFill>
+        </p:spPr>
+        <p:style>
+          <a:lnRef idx="2">
+            <a:schemeClr val="accent1">
+              <a:shade val="50000"/>
+            </a:schemeClr>
+          </a:lnRef>
+          <a:fillRef idx="1">
+            <a:schemeClr val="accent1"/>
+          </a:fillRef>
+          <a:effectRef idx="0">
+            <a:schemeClr val="accent1"/>
+          </a:effectRef>
+          <a:fontRef idx="minor">
+            <a:schemeClr val="lt1"/>
+          </a:fontRef>
+        </p:style>
+        <p:txBody>
+          <a:bodyPr rtlCol="0" anchor="ctr"/>
+          <a:lstStyle/>
+          <a:p>
+            <a:pPr algn="ctr"/>
+            <a:endParaRPr lang="zh-TW" altLang="en-US"/>
+          </a:p>
+        </p:txBody>
+      </p:sp>
+      <p:sp>
+        <p:nvSpPr>
+          <p:cNvPr id="32" name="向右箭號 31"/>
+          <p:cNvSpPr/>
+          <p:nvPr/>
+        </p:nvSpPr>
+        <p:spPr>
+          <a:xfrm rot="5400000" flipV="1">
+            <a:off x="3442627" y="3085649"/>
+            <a:ext cx="260947" cy="2178664"/>
+          </a:xfrm>
+          <a:prstGeom prst="rightArrow">
+            <a:avLst/>
+          </a:prstGeom>
+          <a:solidFill>
+            <a:schemeClr val="tx1"/>
+          </a:solidFill>
+        </p:spPr>
+        <p:style>
+          <a:lnRef idx="2">
+            <a:schemeClr val="accent1">
+              <a:shade val="50000"/>
+            </a:schemeClr>
+          </a:lnRef>
+          <a:fillRef idx="1">
+            <a:schemeClr val="accent1"/>
+          </a:fillRef>
+          <a:effectRef idx="0">
+            <a:schemeClr val="accent1"/>
+          </a:effectRef>
+          <a:fontRef idx="minor">
+            <a:schemeClr val="lt1"/>
+          </a:fontRef>
+        </p:style>
+        <p:txBody>
+          <a:bodyPr rtlCol="0" anchor="ctr"/>
+          <a:lstStyle/>
+          <a:p>
+            <a:pPr algn="ctr"/>
+            <a:endParaRPr lang="zh-TW" altLang="en-US"/>
+          </a:p>
+        </p:txBody>
+      </p:sp>
+      <p:sp>
+        <p:nvSpPr>
+          <p:cNvPr id="33" name="向右箭號 32"/>
+          <p:cNvSpPr/>
+          <p:nvPr/>
+        </p:nvSpPr>
+        <p:spPr>
+          <a:xfrm rot="5400000" flipV="1">
+            <a:off x="3442627" y="4210670"/>
+            <a:ext cx="260947" cy="2178664"/>
+          </a:xfrm>
+          <a:prstGeom prst="rightArrow">
+            <a:avLst/>
+          </a:prstGeom>
+          <a:solidFill>
+            <a:schemeClr val="tx1"/>
+          </a:solidFill>
+        </p:spPr>
+        <p:style>
+          <a:lnRef idx="2">
+            <a:schemeClr val="accent1">
+              <a:shade val="50000"/>
+            </a:schemeClr>
+          </a:lnRef>
+          <a:fillRef idx="1">
+            <a:schemeClr val="accent1"/>
+          </a:fillRef>
+          <a:effectRef idx="0">
+            <a:schemeClr val="accent1"/>
+          </a:effectRef>
+          <a:fontRef idx="minor">
+            <a:schemeClr val="lt1"/>
+          </a:fontRef>
+        </p:style>
+        <p:txBody>
+          <a:bodyPr rtlCol="0" anchor="ctr"/>
+          <a:lstStyle/>
+          <a:p>
+            <a:pPr algn="ctr"/>
+            <a:endParaRPr lang="zh-TW" altLang="en-US"/>
+          </a:p>
+        </p:txBody>
+      </p:sp>
+      <p:sp>
+        <p:nvSpPr>
+          <p:cNvPr id="38" name="向右箭號 37"/>
+          <p:cNvSpPr/>
+          <p:nvPr/>
+        </p:nvSpPr>
+        <p:spPr>
+          <a:xfrm rot="16200000" flipV="1">
+            <a:off x="6034023" y="1277296"/>
+            <a:ext cx="270129" cy="2125267"/>
+          </a:xfrm>
+          <a:prstGeom prst="rightArrow">
+            <a:avLst/>
+          </a:prstGeom>
+          <a:solidFill>
+            <a:schemeClr val="tx1"/>
+          </a:solidFill>
+        </p:spPr>
+        <p:style>
+          <a:lnRef idx="2">
+            <a:schemeClr val="accent1">
+              <a:shade val="50000"/>
+            </a:schemeClr>
+          </a:lnRef>
+          <a:fillRef idx="1">
+            <a:schemeClr val="accent1"/>
+          </a:fillRef>
+          <a:effectRef idx="0">
+            <a:schemeClr val="accent1"/>
+          </a:effectRef>
+          <a:fontRef idx="minor">
+            <a:schemeClr val="lt1"/>
+          </a:fontRef>
+        </p:style>
+        <p:txBody>
+          <a:bodyPr rtlCol="0" anchor="ctr"/>
+          <a:lstStyle/>
+          <a:p>
+            <a:pPr algn="ctr"/>
+            <a:endParaRPr lang="zh-TW" altLang="en-US"/>
+          </a:p>
+        </p:txBody>
+      </p:sp>
+      <p:sp>
+        <p:nvSpPr>
+          <p:cNvPr id="7" name="文字方塊 6"/>
+          <p:cNvSpPr txBox="1"/>
+          <p:nvPr/>
+        </p:nvSpPr>
+        <p:spPr>
+          <a:xfrm>
+            <a:off x="105817" y="1047366"/>
+            <a:ext cx="2057102" cy="646331"/>
+          </a:xfrm>
+          <a:prstGeom prst="rect">
+            <a:avLst/>
+          </a:prstGeom>
+          <a:noFill/>
+        </p:spPr>
+        <p:txBody>
+          <a:bodyPr wrap="none" rtlCol="0">
+            <a:spAutoFit/>
+          </a:bodyPr>
+          <a:lstStyle/>
+          <a:p>
+            <a:r>
+              <a:rPr lang="en-US" altLang="zh-TW" sz="3600" dirty="0" smtClean="0"/>
+              <a:t>Template</a:t>
+            </a:r>
+            <a:endParaRPr lang="zh-TW" altLang="en-US" sz="3600" dirty="0"/>
+          </a:p>
+        </p:txBody>
+      </p:sp>
+      <p:sp>
+        <p:nvSpPr>
+          <p:cNvPr id="41" name="文字方塊 40"/>
+          <p:cNvSpPr txBox="1"/>
+          <p:nvPr/>
+        </p:nvSpPr>
+        <p:spPr>
+          <a:xfrm>
+            <a:off x="185167" y="2909707"/>
+            <a:ext cx="1176604" cy="646331"/>
+          </a:xfrm>
+          <a:prstGeom prst="rect">
+            <a:avLst/>
+          </a:prstGeom>
+          <a:noFill/>
+        </p:spPr>
+        <p:txBody>
+          <a:bodyPr wrap="none" rtlCol="0">
+            <a:spAutoFit/>
+          </a:bodyPr>
+          <a:lstStyle/>
+          <a:p>
+            <a:r>
+              <a:rPr lang="en-US" altLang="zh-TW" sz="3600" dirty="0" smtClean="0"/>
+              <a:t>View</a:t>
+            </a:r>
+            <a:endParaRPr lang="zh-TW" altLang="en-US" sz="3600" dirty="0"/>
+          </a:p>
+        </p:txBody>
+      </p:sp>
+      <p:sp>
+        <p:nvSpPr>
+          <p:cNvPr id="42" name="文字方塊 41"/>
+          <p:cNvSpPr txBox="1"/>
+          <p:nvPr/>
+        </p:nvSpPr>
+        <p:spPr>
+          <a:xfrm>
+            <a:off x="179512" y="4416761"/>
+            <a:ext cx="1441420" cy="646331"/>
+          </a:xfrm>
+          <a:prstGeom prst="rect">
+            <a:avLst/>
+          </a:prstGeom>
+          <a:noFill/>
+        </p:spPr>
+        <p:txBody>
+          <a:bodyPr wrap="none" rtlCol="0">
+            <a:spAutoFit/>
+          </a:bodyPr>
+          <a:lstStyle/>
+          <a:p>
+            <a:r>
+              <a:rPr lang="en-US" altLang="zh-TW" sz="3600" dirty="0" smtClean="0"/>
+              <a:t>Model</a:t>
+            </a:r>
+            <a:endParaRPr lang="zh-TW" altLang="en-US" sz="3600" dirty="0"/>
+          </a:p>
+        </p:txBody>
+      </p:sp>
+      <p:sp>
+        <p:nvSpPr>
+          <p:cNvPr id="44" name="矩形 43"/>
+          <p:cNvSpPr/>
+          <p:nvPr/>
+        </p:nvSpPr>
+        <p:spPr>
+          <a:xfrm>
+            <a:off x="166262" y="6275055"/>
+            <a:ext cx="8850108" cy="538321"/>
+          </a:xfrm>
+          <a:prstGeom prst="rect">
+            <a:avLst/>
+          </a:prstGeom>
+          <a:solidFill>
+            <a:schemeClr val="accent4">
+              <a:lumMod val="75000"/>
+              <a:alpha val="35000"/>
+            </a:schemeClr>
+          </a:solidFill>
+          <a:ln>
+            <a:noFill/>
+          </a:ln>
+        </p:spPr>
+        <p:style>
+          <a:lnRef idx="2">
+            <a:schemeClr val="accent1">
+              <a:shade val="50000"/>
+            </a:schemeClr>
+          </a:lnRef>
+          <a:fillRef idx="1">
+            <a:schemeClr val="accent1"/>
+          </a:fillRef>
+          <a:effectRef idx="0">
+            <a:schemeClr val="accent1"/>
+          </a:effectRef>
+          <a:fontRef idx="minor">
+            <a:schemeClr val="lt1"/>
+          </a:fontRef>
+        </p:style>
+        <p:txBody>
+          <a:bodyPr rtlCol="0" anchor="ctr"/>
+          <a:lstStyle/>
+          <a:p>
+            <a:pPr algn="ctr"/>
+            <a:endParaRPr lang="zh-TW" altLang="en-US"/>
+          </a:p>
+        </p:txBody>
+      </p:sp>
+      <p:sp>
+        <p:nvSpPr>
+          <p:cNvPr id="47" name="CustomShape 15"/>
+          <p:cNvSpPr>
+            <a:spLocks noChangeAspect="1"/>
+          </p:cNvSpPr>
+          <p:nvPr/>
+        </p:nvSpPr>
+        <p:spPr>
+          <a:xfrm>
+            <a:off x="2268940" y="6418390"/>
+            <a:ext cx="1368152" cy="322438"/>
+          </a:xfrm>
+          <a:prstGeom prst="rect">
+            <a:avLst/>
+          </a:prstGeom>
+          <a:noFill/>
+          <a:ln w="0">
+            <a:solidFill>
+              <a:schemeClr val="tx1"/>
+            </a:solidFill>
+            <a:tailEnd type="triangle"/>
+          </a:ln>
+        </p:spPr>
+        <p:style>
+          <a:lnRef idx="0">
+            <a:scrgbClr r="0" g="0" b="0"/>
+          </a:lnRef>
+          <a:fillRef idx="0">
+            <a:scrgbClr r="0" g="0" b="0"/>
+          </a:fillRef>
+          <a:effectRef idx="0">
+            <a:scrgbClr r="0" g="0" b="0"/>
+          </a:effectRef>
+          <a:fontRef idx="minor"/>
+        </p:style>
+        <p:txBody>
+          <a:bodyPr wrap="none" lIns="90000" tIns="45000" rIns="90000" bIns="45000">
+            <a:noAutofit/>
+          </a:bodyPr>
+          <a:lstStyle/>
+          <a:p>
+            <a:pPr algn="ctr">
+              <a:lnSpc>
+                <a:spcPct val="100000"/>
+              </a:lnSpc>
+            </a:pPr>
+            <a:r>
+              <a:rPr lang="zh-TW" altLang="en-US" spc="-1" dirty="0"/>
+              <a:t>劍靈算命</a:t>
+            </a:r>
+            <a:r>
+              <a:rPr lang="zh-TW" altLang="en-US" spc="-1" dirty="0" smtClean="0"/>
+              <a:t>網</a:t>
+            </a:r>
+            <a:endParaRPr lang="en-US" altLang="zh-TW" spc="-1" dirty="0" smtClean="0"/>
+          </a:p>
+        </p:txBody>
+      </p:sp>
+      <p:sp>
+        <p:nvSpPr>
+          <p:cNvPr id="51" name="CustomShape 15"/>
+          <p:cNvSpPr>
+            <a:spLocks noChangeAspect="1"/>
+          </p:cNvSpPr>
+          <p:nvPr/>
+        </p:nvSpPr>
+        <p:spPr>
+          <a:xfrm>
+            <a:off x="3736779" y="6418930"/>
+            <a:ext cx="1368152" cy="322438"/>
+          </a:xfrm>
+          <a:prstGeom prst="rect">
+            <a:avLst/>
+          </a:prstGeom>
+          <a:noFill/>
+          <a:ln w="0">
+            <a:solidFill>
+              <a:schemeClr val="tx1"/>
+            </a:solidFill>
+            <a:tailEnd type="triangle"/>
+          </a:ln>
+        </p:spPr>
+        <p:style>
+          <a:lnRef idx="0">
+            <a:scrgbClr r="0" g="0" b="0"/>
+          </a:lnRef>
+          <a:fillRef idx="0">
+            <a:scrgbClr r="0" g="0" b="0"/>
+          </a:fillRef>
+          <a:effectRef idx="0">
+            <a:scrgbClr r="0" g="0" b="0"/>
+          </a:effectRef>
+          <a:fontRef idx="minor"/>
+        </p:style>
+        <p:txBody>
+          <a:bodyPr wrap="none" lIns="90000" tIns="45000" rIns="90000" bIns="45000">
+            <a:noAutofit/>
+          </a:bodyPr>
+          <a:lstStyle/>
+          <a:p>
+            <a:pPr algn="ctr">
+              <a:lnSpc>
+                <a:spcPct val="100000"/>
+              </a:lnSpc>
+            </a:pPr>
+            <a:r>
+              <a:rPr lang="zh-TW" altLang="en-US" spc="-1" dirty="0" smtClean="0"/>
+              <a:t>財報狗</a:t>
+            </a:r>
+            <a:endParaRPr lang="en-US" altLang="zh-TW" spc="-1" dirty="0" smtClean="0"/>
+          </a:p>
+        </p:txBody>
+      </p:sp>
+      <p:sp>
+        <p:nvSpPr>
+          <p:cNvPr id="52" name="CustomShape 15"/>
+          <p:cNvSpPr>
+            <a:spLocks noChangeAspect="1"/>
+          </p:cNvSpPr>
+          <p:nvPr/>
+        </p:nvSpPr>
+        <p:spPr>
+          <a:xfrm>
+            <a:off x="5220007" y="6416659"/>
+            <a:ext cx="2664361" cy="324709"/>
+          </a:xfrm>
+          <a:prstGeom prst="rect">
+            <a:avLst/>
+          </a:prstGeom>
+          <a:noFill/>
+          <a:ln w="0">
+            <a:solidFill>
+              <a:schemeClr val="tx1"/>
+            </a:solidFill>
+            <a:tailEnd type="triangle"/>
+          </a:ln>
+        </p:spPr>
+        <p:style>
+          <a:lnRef idx="0">
+            <a:scrgbClr r="0" g="0" b="0"/>
+          </a:lnRef>
+          <a:fillRef idx="0">
+            <a:scrgbClr r="0" g="0" b="0"/>
+          </a:fillRef>
+          <a:effectRef idx="0">
+            <a:scrgbClr r="0" g="0" b="0"/>
+          </a:effectRef>
+          <a:fontRef idx="minor"/>
+        </p:style>
+        <p:txBody>
+          <a:bodyPr wrap="none" lIns="90000" tIns="45000" rIns="90000" bIns="45000">
+            <a:noAutofit/>
+          </a:bodyPr>
+          <a:lstStyle/>
+          <a:p>
+            <a:pPr algn="ctr">
+              <a:lnSpc>
+                <a:spcPct val="100000"/>
+              </a:lnSpc>
+            </a:pPr>
+            <a:r>
+              <a:rPr lang="en-US" altLang="zh-TW" spc="-1" dirty="0"/>
+              <a:t>Goodinfo!</a:t>
+            </a:r>
+            <a:r>
+              <a:rPr lang="zh-TW" altLang="en-US" spc="-1" dirty="0"/>
+              <a:t>台灣股市資訊網</a:t>
+            </a:r>
+            <a:endParaRPr lang="en-US" altLang="zh-TW" spc="-1" dirty="0" smtClean="0"/>
+          </a:p>
+        </p:txBody>
+      </p:sp>
+      <p:sp>
+        <p:nvSpPr>
+          <p:cNvPr id="53" name="文字方塊 52"/>
+          <p:cNvSpPr txBox="1"/>
+          <p:nvPr/>
+        </p:nvSpPr>
+        <p:spPr>
+          <a:xfrm>
+            <a:off x="179512" y="6246479"/>
+            <a:ext cx="1877437" cy="646331"/>
+          </a:xfrm>
+          <a:prstGeom prst="rect">
+            <a:avLst/>
+          </a:prstGeom>
+          <a:noFill/>
+        </p:spPr>
+        <p:txBody>
+          <a:bodyPr wrap="none" rtlCol="0">
+            <a:spAutoFit/>
+          </a:bodyPr>
+          <a:lstStyle/>
+          <a:p>
+            <a:r>
+              <a:rPr lang="en-US" altLang="zh-TW" sz="3600" dirty="0" smtClean="0"/>
+              <a:t>Network</a:t>
+            </a:r>
+            <a:endParaRPr lang="zh-TW" altLang="en-US" sz="3600" dirty="0"/>
+          </a:p>
+        </p:txBody>
+      </p:sp>
+      <p:sp>
+        <p:nvSpPr>
+          <p:cNvPr id="10" name="上-下雙向箭號 9"/>
+          <p:cNvSpPr/>
+          <p:nvPr/>
+        </p:nvSpPr>
+        <p:spPr>
+          <a:xfrm>
+            <a:off x="7592407" y="4073363"/>
+            <a:ext cx="291961" cy="2143221"/>
+          </a:xfrm>
+          <a:prstGeom prst="upDownArrow">
+            <a:avLst/>
+          </a:prstGeom>
+          <a:solidFill>
+            <a:schemeClr val="tx1"/>
+          </a:solidFill>
+        </p:spPr>
+        <p:style>
+          <a:lnRef idx="2">
+            <a:schemeClr val="accent1">
+              <a:shade val="50000"/>
+            </a:schemeClr>
+          </a:lnRef>
+          <a:fillRef idx="1">
+            <a:schemeClr val="accent1"/>
+          </a:fillRef>
+          <a:effectRef idx="0">
+            <a:schemeClr val="accent1"/>
+          </a:effectRef>
+          <a:fontRef idx="minor">
+            <a:schemeClr val="lt1"/>
+          </a:fontRef>
+        </p:style>
+        <p:txBody>
+          <a:bodyPr rtlCol="0" anchor="ctr"/>
+          <a:lstStyle/>
+          <a:p>
+            <a:pPr algn="ctr"/>
+            <a:endParaRPr lang="zh-TW" altLang="en-US"/>
+          </a:p>
+        </p:txBody>
+      </p:sp>
+      <p:sp>
+        <p:nvSpPr>
+          <p:cNvPr id="57" name="CustomShape 15"/>
+          <p:cNvSpPr>
+            <a:spLocks noChangeAspect="1"/>
+          </p:cNvSpPr>
+          <p:nvPr/>
+        </p:nvSpPr>
+        <p:spPr>
+          <a:xfrm>
+            <a:off x="2043699" y="4418215"/>
+            <a:ext cx="1152127" cy="644877"/>
+          </a:xfrm>
+          <a:prstGeom prst="rect">
+            <a:avLst/>
+          </a:prstGeom>
+          <a:noFill/>
+          <a:ln w="0">
+            <a:solidFill>
+              <a:schemeClr val="tx1"/>
+            </a:solidFill>
+            <a:tailEnd type="triangle"/>
+          </a:ln>
+        </p:spPr>
+        <p:style>
+          <a:lnRef idx="0">
+            <a:scrgbClr r="0" g="0" b="0"/>
+          </a:lnRef>
+          <a:fillRef idx="0">
+            <a:scrgbClr r="0" g="0" b="0"/>
+          </a:fillRef>
+          <a:effectRef idx="0">
+            <a:scrgbClr r="0" g="0" b="0"/>
+          </a:effectRef>
+          <a:fontRef idx="minor"/>
+        </p:style>
+        <p:txBody>
+          <a:bodyPr wrap="none" lIns="90000" tIns="45000" rIns="90000" bIns="45000">
+            <a:noAutofit/>
+          </a:bodyPr>
+          <a:lstStyle/>
+          <a:p>
+            <a:pPr algn="ctr">
+              <a:lnSpc>
+                <a:spcPct val="100000"/>
+              </a:lnSpc>
+            </a:pPr>
+            <a:r>
+              <a:rPr lang="zh-TW" altLang="en-US" spc="-1" dirty="0"/>
+              <a:t>串聯</a:t>
+            </a:r>
+            <a:r>
+              <a:rPr lang="zh-TW" altLang="en-US" spc="-1" dirty="0" smtClean="0"/>
+              <a:t>主網</a:t>
+            </a:r>
+            <a:endParaRPr lang="en-US" altLang="zh-TW" spc="-1" dirty="0" smtClean="0"/>
+          </a:p>
+          <a:p>
+            <a:pPr algn="ctr">
+              <a:lnSpc>
+                <a:spcPct val="100000"/>
+              </a:lnSpc>
+            </a:pPr>
+            <a:r>
+              <a:rPr lang="zh-TW" altLang="en-US" spc="-1" dirty="0" smtClean="0"/>
+              <a:t>資料</a:t>
+            </a:r>
+            <a:endParaRPr lang="en-US" altLang="zh-TW" spc="-1" dirty="0" smtClean="0"/>
+          </a:p>
+          <a:p>
+            <a:pPr algn="ctr">
+              <a:lnSpc>
+                <a:spcPct val="100000"/>
+              </a:lnSpc>
+            </a:pPr>
+            <a:endParaRPr lang="en-US" altLang="zh-TW" spc="-1" dirty="0"/>
+          </a:p>
+        </p:txBody>
+      </p:sp>
+      <p:sp>
+        <p:nvSpPr>
+          <p:cNvPr id="58" name="上-下雙向箭號 57"/>
+          <p:cNvSpPr/>
+          <p:nvPr/>
+        </p:nvSpPr>
+        <p:spPr>
+          <a:xfrm>
+            <a:off x="8359823" y="2216090"/>
+            <a:ext cx="291600" cy="3291951"/>
+          </a:xfrm>
+          <a:prstGeom prst="upDownArrow">
+            <a:avLst/>
+          </a:prstGeom>
+          <a:solidFill>
+            <a:schemeClr val="tx1"/>
+          </a:solidFill>
+        </p:spPr>
+        <p:style>
+          <a:lnRef idx="2">
+            <a:schemeClr val="accent1">
+              <a:shade val="50000"/>
+            </a:schemeClr>
+          </a:lnRef>
+          <a:fillRef idx="1">
+            <a:schemeClr val="accent1"/>
+          </a:fillRef>
+          <a:effectRef idx="0">
+            <a:schemeClr val="accent1"/>
+          </a:effectRef>
+          <a:fontRef idx="minor">
+            <a:schemeClr val="lt1"/>
+          </a:fontRef>
+        </p:style>
+        <p:txBody>
+          <a:bodyPr rtlCol="0" anchor="ctr"/>
+          <a:lstStyle/>
+          <a:p>
+            <a:pPr algn="ctr"/>
+            <a:endParaRPr lang="zh-TW" altLang="en-US"/>
+          </a:p>
+        </p:txBody>
+      </p:sp>
+      <p:sp>
+        <p:nvSpPr>
+          <p:cNvPr id="11" name="向上箭號 10"/>
+          <p:cNvSpPr/>
+          <p:nvPr/>
+        </p:nvSpPr>
+        <p:spPr>
+          <a:xfrm>
+            <a:off x="7985419" y="4088311"/>
+            <a:ext cx="291600" cy="1342165"/>
+          </a:xfrm>
+          <a:prstGeom prst="upArrow">
+            <a:avLst/>
+          </a:prstGeom>
+          <a:solidFill>
+            <a:schemeClr val="tx1"/>
+          </a:solidFill>
+        </p:spPr>
+        <p:style>
+          <a:lnRef idx="2">
+            <a:schemeClr val="accent1">
+              <a:shade val="50000"/>
+            </a:schemeClr>
+          </a:lnRef>
+          <a:fillRef idx="1">
+            <a:schemeClr val="accent1"/>
+          </a:fillRef>
+          <a:effectRef idx="0">
+            <a:schemeClr val="accent1"/>
+          </a:effectRef>
+          <a:fontRef idx="minor">
+            <a:schemeClr val="lt1"/>
+          </a:fontRef>
+        </p:style>
+        <p:txBody>
+          <a:bodyPr rtlCol="0" anchor="ctr"/>
+          <a:lstStyle/>
+          <a:p>
+            <a:pPr algn="ctr"/>
+            <a:endParaRPr lang="zh-TW" altLang="en-US"/>
+          </a:p>
+        </p:txBody>
+      </p:sp>
+    </p:spTree>
+    <p:extLst>
+      <p:ext uri="{BB962C8B-B14F-4D97-AF65-F5344CB8AC3E}">
+        <p14:creationId xmlns:p14="http://schemas.microsoft.com/office/powerpoint/2010/main" val="2815792356"/>
+      </p:ext>
+    </p:extLst>
+  </p:cSld>
+  <p:clrMapOvr>
+    <a:masterClrMapping/>
+  </p:clrMapOvr>
+  <mc:AlternateContent xmlns:mc="http://schemas.openxmlformats.org/markup-compatibility/2006" xmlns:p14="http://schemas.microsoft.com/office/powerpoint/2010/main">
+    <mc:Choice Requires="p14">
+      <p:transition spd="slow" p14:dur="2000"/>
+    </mc:Choice>
+    <mc:Fallback xmlns="" xmlns:p15="http://schemas.microsoft.com/office/powerpoint/2012/main">
+      <p:transition spd="slow"/>
+    </mc:Fallback>
+  </mc:AlternateContent>
+</p:sld>
+</file>
+
+<file path=ppt/slides/slide3.xml><?xml version="1.0" encoding="utf-8"?>
+<p:sld xmlns:a="http://schemas.openxmlformats.org/drawingml/2006/main" xmlns:r="http://schemas.openxmlformats.org/officeDocument/2006/relationships" xmlns:p="http://schemas.openxmlformats.org/presentationml/2006/main">
+  <p:cSld>
+    <p:spTree>
+      <p:nvGrpSpPr>
+        <p:cNvPr id="1" name=""/>
+        <p:cNvGrpSpPr/>
+        <p:nvPr/>
+      </p:nvGrpSpPr>
+      <p:grpSpPr>
+        <a:xfrm>
+          <a:off x="0" y="0"/>
+          <a:ext cx="0" cy="0"/>
+          <a:chOff x="0" y="0"/>
+          <a:chExt cx="0" cy="0"/>
+        </a:xfrm>
+      </p:grpSpPr>
+      <p:sp>
+        <p:nvSpPr>
+          <p:cNvPr id="45" name="CustomShape 6"/>
+          <p:cNvSpPr/>
+          <p:nvPr/>
+        </p:nvSpPr>
+        <p:spPr>
+          <a:xfrm>
+            <a:off x="2862505" y="2306168"/>
+            <a:ext cx="329040" cy="364680"/>
+          </a:xfrm>
+          <a:prstGeom prst="rect">
+            <a:avLst/>
+          </a:prstGeom>
+          <a:noFill/>
+          <a:ln w="0">
+            <a:noFill/>
+            <a:tailEnd type="triangle"/>
+          </a:ln>
+        </p:spPr>
+        <p:style>
+          <a:lnRef idx="0">
+            <a:scrgbClr r="0" g="0" b="0"/>
+          </a:lnRef>
+          <a:fillRef idx="0">
+            <a:scrgbClr r="0" g="0" b="0"/>
+          </a:fillRef>
+          <a:effectRef idx="0">
+            <a:scrgbClr r="0" g="0" b="0"/>
+          </a:effectRef>
+          <a:fontRef idx="minor"/>
+        </p:style>
+        <p:txBody>
+          <a:bodyPr wrap="none" lIns="90000" tIns="45000" rIns="90000" bIns="45000">
+            <a:spAutoFit/>
+          </a:bodyPr>
+          <a:lstStyle/>
+          <a:p>
+            <a:pPr>
+              <a:lnSpc>
+                <a:spcPct val="100000"/>
+              </a:lnSpc>
+            </a:pPr>
+            <a:r>
+              <a:rPr lang="en-US" sz="1800" b="0" strike="noStrike" spc="-1" dirty="0">
+                <a:solidFill>
+                  <a:srgbClr val="000000"/>
+                </a:solidFill>
+                <a:latin typeface="Calibri"/>
+              </a:rPr>
+              <a:t>N</a:t>
+            </a:r>
+            <a:endParaRPr lang="en-US" sz="1800" b="0" strike="noStrike" spc="-1" dirty="0">
+              <a:latin typeface="Arial"/>
+            </a:endParaRPr>
+          </a:p>
+        </p:txBody>
+      </p:sp>
+      <p:grpSp>
+        <p:nvGrpSpPr>
+          <p:cNvPr id="2" name="群組 1"/>
+          <p:cNvGrpSpPr/>
+          <p:nvPr/>
+        </p:nvGrpSpPr>
+        <p:grpSpPr>
+          <a:xfrm>
+            <a:off x="1216200" y="2238800"/>
+            <a:ext cx="1699616" cy="830160"/>
+            <a:chOff x="4002233" y="2421020"/>
+            <a:chExt cx="1699616" cy="830160"/>
+          </a:xfrm>
+        </p:grpSpPr>
+        <p:sp>
+          <p:nvSpPr>
+            <p:cNvPr id="46" name="CustomShape 7"/>
+            <p:cNvSpPr/>
+            <p:nvPr/>
+          </p:nvSpPr>
+          <p:spPr>
+            <a:xfrm>
+              <a:off x="4002233" y="2421020"/>
+              <a:ext cx="1699616" cy="830160"/>
+            </a:xfrm>
+            <a:prstGeom prst="diamond">
+              <a:avLst/>
+            </a:prstGeom>
+            <a:noFill/>
+            <a:ln>
+              <a:solidFill>
+                <a:schemeClr val="tx1"/>
+              </a:solidFill>
+              <a:round/>
+              <a:tailEnd type="triangle"/>
+            </a:ln>
+          </p:spPr>
+          <p:style>
+            <a:lnRef idx="2">
+              <a:schemeClr val="accent1">
+                <a:shade val="50000"/>
+              </a:schemeClr>
+            </a:lnRef>
+            <a:fillRef idx="1">
+              <a:schemeClr val="accent1"/>
+            </a:fillRef>
+            <a:effectRef idx="0">
+              <a:schemeClr val="accent1"/>
+            </a:effectRef>
+            <a:fontRef idx="minor"/>
+          </p:style>
+        </p:sp>
+        <p:sp>
+          <p:nvSpPr>
+            <p:cNvPr id="47" name="CustomShape 8"/>
+            <p:cNvSpPr/>
+            <p:nvPr/>
+          </p:nvSpPr>
+          <p:spPr>
+            <a:xfrm>
+              <a:off x="4176528" y="2637044"/>
+              <a:ext cx="1335279" cy="367878"/>
+            </a:xfrm>
+            <a:prstGeom prst="rect">
+              <a:avLst/>
+            </a:prstGeom>
+            <a:noFill/>
+            <a:ln w="0">
+              <a:noFill/>
+              <a:tailEnd type="triangle"/>
+            </a:ln>
+          </p:spPr>
+          <p:style>
+            <a:lnRef idx="0">
+              <a:scrgbClr r="0" g="0" b="0"/>
+            </a:lnRef>
+            <a:fillRef idx="0">
+              <a:scrgbClr r="0" g="0" b="0"/>
+            </a:fillRef>
+            <a:effectRef idx="0">
+              <a:scrgbClr r="0" g="0" b="0"/>
+            </a:effectRef>
+            <a:fontRef idx="minor"/>
+          </p:style>
+          <p:txBody>
+            <a:bodyPr wrap="none" lIns="90000" tIns="45000" rIns="90000" bIns="45000">
+              <a:spAutoFit/>
+            </a:bodyPr>
+            <a:lstStyle/>
+            <a:p>
+              <a:pPr>
+                <a:lnSpc>
+                  <a:spcPct val="100000"/>
+                </a:lnSpc>
+              </a:pPr>
+              <a:r>
+                <a:rPr lang="zh-TW" altLang="en-US" spc="-1" dirty="0">
+                  <a:solidFill>
+                    <a:srgbClr val="000000"/>
+                  </a:solidFill>
+                  <a:latin typeface="Calibri"/>
+                </a:rPr>
+                <a:t>是否已註冊</a:t>
+              </a:r>
+              <a:endParaRPr lang="en-US" spc="-1" dirty="0">
+                <a:solidFill>
+                  <a:srgbClr val="000000"/>
+                </a:solidFill>
+                <a:latin typeface="Calibri"/>
+              </a:endParaRPr>
+            </a:p>
+          </p:txBody>
+        </p:sp>
+      </p:grpSp>
+      <p:grpSp>
+        <p:nvGrpSpPr>
+          <p:cNvPr id="8" name="群組 7"/>
+          <p:cNvGrpSpPr/>
+          <p:nvPr/>
+        </p:nvGrpSpPr>
+        <p:grpSpPr>
+          <a:xfrm>
+            <a:off x="3582585" y="2453408"/>
+            <a:ext cx="1067040" cy="390600"/>
+            <a:chOff x="697680" y="3110408"/>
+            <a:chExt cx="1067040" cy="390600"/>
+          </a:xfrm>
+        </p:grpSpPr>
+        <p:sp>
+          <p:nvSpPr>
+            <p:cNvPr id="53" name="CustomShape 14"/>
+            <p:cNvSpPr/>
+            <p:nvPr/>
+          </p:nvSpPr>
+          <p:spPr>
+            <a:xfrm>
+              <a:off x="697680" y="3110408"/>
+              <a:ext cx="1067040" cy="390600"/>
+            </a:xfrm>
+            <a:prstGeom prst="rect">
+              <a:avLst/>
+            </a:prstGeom>
+            <a:noFill/>
+            <a:ln>
+              <a:solidFill>
+                <a:schemeClr val="tx1"/>
+              </a:solidFill>
+              <a:round/>
+              <a:tailEnd type="triangle"/>
+            </a:ln>
+          </p:spPr>
+          <p:style>
+            <a:lnRef idx="2">
+              <a:schemeClr val="accent1">
+                <a:shade val="50000"/>
+              </a:schemeClr>
+            </a:lnRef>
+            <a:fillRef idx="1">
+              <a:schemeClr val="accent1"/>
+            </a:fillRef>
+            <a:effectRef idx="0">
+              <a:schemeClr val="accent1"/>
+            </a:effectRef>
+            <a:fontRef idx="minor"/>
+          </p:style>
+        </p:sp>
+        <p:sp>
+          <p:nvSpPr>
+            <p:cNvPr id="54" name="CustomShape 15"/>
+            <p:cNvSpPr/>
+            <p:nvPr/>
+          </p:nvSpPr>
+          <p:spPr>
+            <a:xfrm>
+              <a:off x="911880" y="3132368"/>
+              <a:ext cx="643166" cy="367878"/>
+            </a:xfrm>
+            <a:prstGeom prst="rect">
+              <a:avLst/>
+            </a:prstGeom>
+            <a:noFill/>
+            <a:ln w="0">
+              <a:noFill/>
+              <a:tailEnd type="triangle"/>
+            </a:ln>
+          </p:spPr>
+          <p:style>
+            <a:lnRef idx="0">
+              <a:scrgbClr r="0" g="0" b="0"/>
+            </a:lnRef>
+            <a:fillRef idx="0">
+              <a:scrgbClr r="0" g="0" b="0"/>
+            </a:fillRef>
+            <a:effectRef idx="0">
+              <a:scrgbClr r="0" g="0" b="0"/>
+            </a:effectRef>
+            <a:fontRef idx="minor"/>
+          </p:style>
+          <p:txBody>
+            <a:bodyPr wrap="none" lIns="90000" tIns="45000" rIns="90000" bIns="45000">
+              <a:spAutoFit/>
+            </a:bodyPr>
+            <a:lstStyle/>
+            <a:p>
+              <a:pPr>
+                <a:lnSpc>
+                  <a:spcPct val="100000"/>
+                </a:lnSpc>
+              </a:pPr>
+              <a:r>
+                <a:rPr lang="zh-TW" altLang="en-US" spc="-1" dirty="0">
+                  <a:solidFill>
+                    <a:srgbClr val="000000"/>
+                  </a:solidFill>
+                  <a:latin typeface="Calibri"/>
+                </a:rPr>
+                <a:t>註冊</a:t>
+              </a:r>
+              <a:endParaRPr lang="en-US" sz="1800" b="0" strike="noStrike" spc="-1" dirty="0">
+                <a:latin typeface="Arial"/>
+              </a:endParaRPr>
+            </a:p>
+          </p:txBody>
+        </p:sp>
+      </p:grpSp>
+      <p:sp>
+        <p:nvSpPr>
+          <p:cNvPr id="65" name="CustomShape 26"/>
+          <p:cNvSpPr/>
+          <p:nvPr/>
+        </p:nvSpPr>
+        <p:spPr>
+          <a:xfrm>
+            <a:off x="2123728" y="2992312"/>
+            <a:ext cx="292320" cy="364680"/>
+          </a:xfrm>
+          <a:prstGeom prst="rect">
+            <a:avLst/>
+          </a:prstGeom>
+          <a:noFill/>
+          <a:ln w="0">
+            <a:noFill/>
+            <a:tailEnd type="triangle"/>
+          </a:ln>
+        </p:spPr>
+        <p:style>
+          <a:lnRef idx="0">
+            <a:scrgbClr r="0" g="0" b="0"/>
+          </a:lnRef>
+          <a:fillRef idx="0">
+            <a:scrgbClr r="0" g="0" b="0"/>
+          </a:fillRef>
+          <a:effectRef idx="0">
+            <a:scrgbClr r="0" g="0" b="0"/>
+          </a:effectRef>
+          <a:fontRef idx="minor"/>
+        </p:style>
+        <p:txBody>
+          <a:bodyPr wrap="none" lIns="90000" tIns="45000" rIns="90000" bIns="45000">
+            <a:spAutoFit/>
+          </a:bodyPr>
+          <a:lstStyle/>
+          <a:p>
+            <a:pPr>
+              <a:lnSpc>
+                <a:spcPct val="100000"/>
+              </a:lnSpc>
+            </a:pPr>
+            <a:r>
+              <a:rPr lang="en-US" sz="1800" b="0" strike="noStrike" spc="-1" dirty="0">
+                <a:solidFill>
+                  <a:srgbClr val="000000"/>
+                </a:solidFill>
+                <a:latin typeface="Calibri"/>
+              </a:rPr>
+              <a:t>Y</a:t>
+            </a:r>
+            <a:endParaRPr lang="en-US" sz="1800" b="0" strike="noStrike" spc="-1" dirty="0">
+              <a:latin typeface="Arial"/>
+            </a:endParaRPr>
+          </a:p>
+        </p:txBody>
+      </p:sp>
+      <p:sp>
+        <p:nvSpPr>
+          <p:cNvPr id="164" name="CustomShape 63"/>
+          <p:cNvSpPr/>
+          <p:nvPr/>
+        </p:nvSpPr>
+        <p:spPr>
+          <a:xfrm>
+            <a:off x="3340379" y="-13736"/>
+            <a:ext cx="2233089" cy="706432"/>
+          </a:xfrm>
+          <a:prstGeom prst="rect">
+            <a:avLst/>
+          </a:prstGeom>
+          <a:noFill/>
+          <a:ln w="0">
+            <a:noFill/>
+          </a:ln>
+        </p:spPr>
+        <p:style>
+          <a:lnRef idx="0">
+            <a:scrgbClr r="0" g="0" b="0"/>
+          </a:lnRef>
+          <a:fillRef idx="0">
+            <a:scrgbClr r="0" g="0" b="0"/>
+          </a:fillRef>
+          <a:effectRef idx="0">
+            <a:scrgbClr r="0" g="0" b="0"/>
+          </a:effectRef>
+          <a:fontRef idx="minor"/>
+        </p:style>
+        <p:txBody>
+          <a:bodyPr wrap="none" lIns="90000" tIns="45000" rIns="90000" bIns="45000">
+            <a:spAutoFit/>
+          </a:bodyPr>
+          <a:lstStyle/>
+          <a:p>
+            <a:pPr>
+              <a:lnSpc>
+                <a:spcPct val="100000"/>
+              </a:lnSpc>
+            </a:pPr>
+            <a:r>
+              <a:rPr lang="zh-TW" altLang="en-US" sz="4000" b="1" strike="noStrike" spc="-1" dirty="0" smtClean="0">
+                <a:latin typeface="Arial"/>
+              </a:rPr>
+              <a:t>操作流程</a:t>
+            </a:r>
+            <a:endParaRPr lang="en-US" sz="4000" b="1" strike="noStrike" spc="-1" dirty="0">
+              <a:latin typeface="Arial"/>
+            </a:endParaRPr>
+          </a:p>
+        </p:txBody>
+      </p:sp>
+      <p:cxnSp>
+        <p:nvCxnSpPr>
+          <p:cNvPr id="58" name="直線單箭頭接點 57"/>
+          <p:cNvCxnSpPr>
+            <a:stCxn id="46" idx="3"/>
+            <a:endCxn id="53" idx="1"/>
+          </p:cNvCxnSpPr>
+          <p:nvPr/>
+        </p:nvCxnSpPr>
+        <p:spPr>
+          <a:xfrm flipV="1">
+            <a:off x="2915816" y="2648708"/>
+            <a:ext cx="666769" cy="5172"/>
+          </a:xfrm>
+          <a:prstGeom prst="straightConnector1">
+            <a:avLst/>
+          </a:prstGeom>
+          <a:ln>
+            <a:solidFill>
+              <a:schemeClr val="tx1"/>
+            </a:solidFill>
+            <a:headEnd type="none" w="med" len="med"/>
+            <a:tailEnd type="triangle" w="med" len="med"/>
+          </a:ln>
+        </p:spPr>
+        <p:style>
+          <a:lnRef idx="1">
+            <a:schemeClr val="accent1"/>
+          </a:lnRef>
+          <a:fillRef idx="0">
+            <a:schemeClr val="accent1"/>
+          </a:fillRef>
+          <a:effectRef idx="0">
+            <a:schemeClr val="accent1"/>
+          </a:effectRef>
+          <a:fontRef idx="minor">
+            <a:schemeClr val="tx1"/>
+          </a:fontRef>
+        </p:style>
+      </p:cxnSp>
+      <p:grpSp>
+        <p:nvGrpSpPr>
+          <p:cNvPr id="122" name="群組 121"/>
+          <p:cNvGrpSpPr/>
+          <p:nvPr/>
+        </p:nvGrpSpPr>
+        <p:grpSpPr>
+          <a:xfrm>
+            <a:off x="1524614" y="3326432"/>
+            <a:ext cx="1067040" cy="390600"/>
+            <a:chOff x="697680" y="3110408"/>
+            <a:chExt cx="1067040" cy="390600"/>
+          </a:xfrm>
+        </p:grpSpPr>
+        <p:sp>
+          <p:nvSpPr>
+            <p:cNvPr id="127" name="CustomShape 14"/>
+            <p:cNvSpPr/>
+            <p:nvPr/>
+          </p:nvSpPr>
+          <p:spPr>
+            <a:xfrm>
+              <a:off x="697680" y="3110408"/>
+              <a:ext cx="1067040" cy="390600"/>
+            </a:xfrm>
+            <a:prstGeom prst="rect">
+              <a:avLst/>
+            </a:prstGeom>
+            <a:noFill/>
+            <a:ln>
+              <a:solidFill>
+                <a:schemeClr val="tx1"/>
+              </a:solidFill>
+              <a:round/>
+              <a:tailEnd type="triangle"/>
+            </a:ln>
+          </p:spPr>
+          <p:style>
+            <a:lnRef idx="2">
+              <a:schemeClr val="accent1">
+                <a:shade val="50000"/>
+              </a:schemeClr>
+            </a:lnRef>
+            <a:fillRef idx="1">
+              <a:schemeClr val="accent1"/>
+            </a:fillRef>
+            <a:effectRef idx="0">
+              <a:schemeClr val="accent1"/>
+            </a:effectRef>
+            <a:fontRef idx="minor"/>
+          </p:style>
+        </p:sp>
+        <p:sp>
+          <p:nvSpPr>
+            <p:cNvPr id="129" name="CustomShape 15"/>
+            <p:cNvSpPr/>
+            <p:nvPr/>
+          </p:nvSpPr>
+          <p:spPr>
+            <a:xfrm>
+              <a:off x="911880" y="3132368"/>
+              <a:ext cx="638280" cy="364680"/>
+            </a:xfrm>
+            <a:prstGeom prst="rect">
+              <a:avLst/>
+            </a:prstGeom>
+            <a:noFill/>
+            <a:ln w="0">
+              <a:noFill/>
+              <a:tailEnd type="triangle"/>
+            </a:ln>
+          </p:spPr>
+          <p:style>
+            <a:lnRef idx="0">
+              <a:scrgbClr r="0" g="0" b="0"/>
+            </a:lnRef>
+            <a:fillRef idx="0">
+              <a:scrgbClr r="0" g="0" b="0"/>
+            </a:fillRef>
+            <a:effectRef idx="0">
+              <a:scrgbClr r="0" g="0" b="0"/>
+            </a:effectRef>
+            <a:fontRef idx="minor"/>
+          </p:style>
+          <p:txBody>
+            <a:bodyPr wrap="none" lIns="90000" tIns="45000" rIns="90000" bIns="45000">
+              <a:spAutoFit/>
+            </a:bodyPr>
+            <a:lstStyle/>
+            <a:p>
+              <a:pPr>
+                <a:lnSpc>
+                  <a:spcPct val="100000"/>
+                </a:lnSpc>
+              </a:pPr>
+              <a:r>
+                <a:rPr lang="zh-TW" sz="1800" b="0" strike="noStrike" spc="-1" dirty="0">
+                  <a:solidFill>
+                    <a:srgbClr val="000000"/>
+                  </a:solidFill>
+                  <a:latin typeface="Calibri"/>
+                </a:rPr>
+                <a:t>登入</a:t>
+              </a:r>
+              <a:endParaRPr lang="en-US" sz="1800" b="0" strike="noStrike" spc="-1" dirty="0">
+                <a:latin typeface="Arial"/>
+              </a:endParaRPr>
+            </a:p>
+          </p:txBody>
+        </p:sp>
+      </p:grpSp>
+      <p:cxnSp>
+        <p:nvCxnSpPr>
+          <p:cNvPr id="69" name="直線單箭頭接點 68"/>
+          <p:cNvCxnSpPr>
+            <a:stCxn id="46" idx="2"/>
+            <a:endCxn id="127" idx="0"/>
+          </p:cNvCxnSpPr>
+          <p:nvPr/>
+        </p:nvCxnSpPr>
+        <p:spPr>
+          <a:xfrm flipH="1">
+            <a:off x="2058134" y="3068960"/>
+            <a:ext cx="7874" cy="257472"/>
+          </a:xfrm>
+          <a:prstGeom prst="straightConnector1">
+            <a:avLst/>
+          </a:prstGeom>
+          <a:ln>
+            <a:solidFill>
+              <a:schemeClr val="tx1"/>
+            </a:solidFill>
+            <a:headEnd type="none" w="med" len="med"/>
+            <a:tailEnd type="triangle" w="med" len="med"/>
+          </a:ln>
+        </p:spPr>
+        <p:style>
+          <a:lnRef idx="1">
+            <a:schemeClr val="accent1"/>
+          </a:lnRef>
+          <a:fillRef idx="0">
+            <a:schemeClr val="accent1"/>
+          </a:fillRef>
+          <a:effectRef idx="0">
+            <a:schemeClr val="accent1"/>
+          </a:effectRef>
+          <a:fontRef idx="minor">
+            <a:schemeClr val="tx1"/>
+          </a:fontRef>
+        </p:style>
+      </p:cxnSp>
+      <p:grpSp>
+        <p:nvGrpSpPr>
+          <p:cNvPr id="131" name="群組 130"/>
+          <p:cNvGrpSpPr/>
+          <p:nvPr/>
+        </p:nvGrpSpPr>
+        <p:grpSpPr>
+          <a:xfrm>
+            <a:off x="6991128" y="2224512"/>
+            <a:ext cx="1699616" cy="830160"/>
+            <a:chOff x="4002233" y="2421020"/>
+            <a:chExt cx="1699616" cy="830160"/>
+          </a:xfrm>
+        </p:grpSpPr>
+        <p:sp>
+          <p:nvSpPr>
+            <p:cNvPr id="132" name="CustomShape 7"/>
+            <p:cNvSpPr/>
+            <p:nvPr/>
+          </p:nvSpPr>
+          <p:spPr>
+            <a:xfrm>
+              <a:off x="4002233" y="2421020"/>
+              <a:ext cx="1699616" cy="830160"/>
+            </a:xfrm>
+            <a:prstGeom prst="diamond">
+              <a:avLst/>
+            </a:prstGeom>
+            <a:noFill/>
+            <a:ln>
+              <a:solidFill>
+                <a:schemeClr val="tx1"/>
+              </a:solidFill>
+              <a:round/>
+              <a:tailEnd type="triangle"/>
+            </a:ln>
+          </p:spPr>
+          <p:style>
+            <a:lnRef idx="2">
+              <a:schemeClr val="accent1">
+                <a:shade val="50000"/>
+              </a:schemeClr>
+            </a:lnRef>
+            <a:fillRef idx="1">
+              <a:schemeClr val="accent1"/>
+            </a:fillRef>
+            <a:effectRef idx="0">
+              <a:schemeClr val="accent1"/>
+            </a:effectRef>
+            <a:fontRef idx="minor"/>
+          </p:style>
+        </p:sp>
+        <p:sp>
+          <p:nvSpPr>
+            <p:cNvPr id="133" name="CustomShape 8"/>
+            <p:cNvSpPr/>
+            <p:nvPr/>
+          </p:nvSpPr>
+          <p:spPr>
+            <a:xfrm>
+              <a:off x="4299753" y="2634493"/>
+              <a:ext cx="1104575" cy="367878"/>
+            </a:xfrm>
+            <a:prstGeom prst="rect">
+              <a:avLst/>
+            </a:prstGeom>
+            <a:noFill/>
+            <a:ln w="0">
+              <a:noFill/>
+              <a:tailEnd type="triangle"/>
+            </a:ln>
+          </p:spPr>
+          <p:style>
+            <a:lnRef idx="0">
+              <a:scrgbClr r="0" g="0" b="0"/>
+            </a:lnRef>
+            <a:fillRef idx="0">
+              <a:scrgbClr r="0" g="0" b="0"/>
+            </a:fillRef>
+            <a:effectRef idx="0">
+              <a:scrgbClr r="0" g="0" b="0"/>
+            </a:effectRef>
+            <a:fontRef idx="minor"/>
+          </p:style>
+          <p:txBody>
+            <a:bodyPr wrap="none" lIns="90000" tIns="45000" rIns="90000" bIns="45000">
+              <a:spAutoFit/>
+            </a:bodyPr>
+            <a:lstStyle/>
+            <a:p>
+              <a:pPr>
+                <a:lnSpc>
+                  <a:spcPct val="100000"/>
+                </a:lnSpc>
+              </a:pPr>
+              <a:r>
+                <a:rPr lang="zh-TW" altLang="en-US" spc="-1" dirty="0">
+                  <a:solidFill>
+                    <a:srgbClr val="000000"/>
+                  </a:solidFill>
+                  <a:latin typeface="Calibri"/>
+                </a:rPr>
+                <a:t>信箱驗證</a:t>
+              </a:r>
+              <a:endParaRPr lang="en-US" spc="-1" dirty="0">
+                <a:solidFill>
+                  <a:srgbClr val="000000"/>
+                </a:solidFill>
+                <a:latin typeface="Calibri"/>
+              </a:endParaRPr>
+            </a:p>
+          </p:txBody>
+        </p:sp>
+      </p:grpSp>
+      <p:cxnSp>
+        <p:nvCxnSpPr>
+          <p:cNvPr id="83" name="肘形接點 82"/>
+          <p:cNvCxnSpPr>
+            <a:stCxn id="132" idx="2"/>
+            <a:endCxn id="127" idx="3"/>
+          </p:cNvCxnSpPr>
+          <p:nvPr/>
+        </p:nvCxnSpPr>
+        <p:spPr>
+          <a:xfrm rot="5400000">
+            <a:off x="4982765" y="663561"/>
+            <a:ext cx="467060" cy="5249282"/>
+          </a:xfrm>
+          <a:prstGeom prst="bentConnector2">
+            <a:avLst/>
+          </a:prstGeom>
+          <a:ln>
+            <a:solidFill>
+              <a:schemeClr val="tx1"/>
+            </a:solidFill>
+            <a:headEnd type="none" w="med" len="med"/>
+            <a:tailEnd type="triangle" w="med" len="med"/>
+          </a:ln>
+        </p:spPr>
+        <p:style>
+          <a:lnRef idx="1">
+            <a:schemeClr val="accent1"/>
+          </a:lnRef>
+          <a:fillRef idx="0">
+            <a:schemeClr val="accent1"/>
+          </a:fillRef>
+          <a:effectRef idx="0">
+            <a:schemeClr val="accent1"/>
+          </a:effectRef>
+          <a:fontRef idx="minor">
+            <a:schemeClr val="tx1"/>
+          </a:fontRef>
+        </p:style>
+      </p:cxnSp>
+      <p:cxnSp>
+        <p:nvCxnSpPr>
+          <p:cNvPr id="93" name="肘形接點 92"/>
+          <p:cNvCxnSpPr>
+            <a:stCxn id="132" idx="0"/>
+            <a:endCxn id="53" idx="0"/>
+          </p:cNvCxnSpPr>
+          <p:nvPr/>
+        </p:nvCxnSpPr>
+        <p:spPr>
+          <a:xfrm rot="16200000" flipH="1" flipV="1">
+            <a:off x="5864073" y="476544"/>
+            <a:ext cx="228896" cy="3724831"/>
+          </a:xfrm>
+          <a:prstGeom prst="bentConnector3">
+            <a:avLst>
+              <a:gd name="adj1" fmla="val -99871"/>
+            </a:avLst>
+          </a:prstGeom>
+          <a:ln>
+            <a:solidFill>
+              <a:schemeClr val="tx1"/>
+            </a:solidFill>
+            <a:headEnd type="none" w="med" len="med"/>
+            <a:tailEnd type="triangle" w="med" len="med"/>
+          </a:ln>
+        </p:spPr>
+        <p:style>
+          <a:lnRef idx="1">
+            <a:schemeClr val="accent1"/>
+          </a:lnRef>
+          <a:fillRef idx="0">
+            <a:schemeClr val="accent1"/>
+          </a:fillRef>
+          <a:effectRef idx="0">
+            <a:schemeClr val="accent1"/>
+          </a:effectRef>
+          <a:fontRef idx="minor">
+            <a:schemeClr val="tx1"/>
+          </a:fontRef>
+        </p:style>
+      </p:cxnSp>
+      <p:sp>
+        <p:nvSpPr>
+          <p:cNvPr id="136" name="CustomShape 6"/>
+          <p:cNvSpPr/>
+          <p:nvPr/>
+        </p:nvSpPr>
+        <p:spPr>
+          <a:xfrm>
+            <a:off x="7807922" y="1810004"/>
+            <a:ext cx="329040" cy="364680"/>
+          </a:xfrm>
+          <a:prstGeom prst="rect">
+            <a:avLst/>
+          </a:prstGeom>
+          <a:noFill/>
+          <a:ln w="0">
+            <a:noFill/>
+            <a:tailEnd type="triangle"/>
+          </a:ln>
+        </p:spPr>
+        <p:style>
+          <a:lnRef idx="0">
+            <a:scrgbClr r="0" g="0" b="0"/>
+          </a:lnRef>
+          <a:fillRef idx="0">
+            <a:scrgbClr r="0" g="0" b="0"/>
+          </a:fillRef>
+          <a:effectRef idx="0">
+            <a:scrgbClr r="0" g="0" b="0"/>
+          </a:effectRef>
+          <a:fontRef idx="minor"/>
+        </p:style>
+        <p:txBody>
+          <a:bodyPr wrap="none" lIns="90000" tIns="45000" rIns="90000" bIns="45000">
+            <a:spAutoFit/>
+          </a:bodyPr>
+          <a:lstStyle/>
+          <a:p>
+            <a:pPr>
+              <a:lnSpc>
+                <a:spcPct val="100000"/>
+              </a:lnSpc>
+            </a:pPr>
+            <a:r>
+              <a:rPr lang="en-US" sz="1800" b="0" strike="noStrike" spc="-1" dirty="0">
+                <a:solidFill>
+                  <a:srgbClr val="000000"/>
+                </a:solidFill>
+                <a:latin typeface="Calibri"/>
+              </a:rPr>
+              <a:t>N</a:t>
+            </a:r>
+            <a:endParaRPr lang="en-US" sz="1800" b="0" strike="noStrike" spc="-1" dirty="0">
+              <a:latin typeface="Arial"/>
+            </a:endParaRPr>
+          </a:p>
+        </p:txBody>
+      </p:sp>
+      <p:sp>
+        <p:nvSpPr>
+          <p:cNvPr id="137" name="CustomShape 26"/>
+          <p:cNvSpPr/>
+          <p:nvPr/>
+        </p:nvSpPr>
+        <p:spPr>
+          <a:xfrm>
+            <a:off x="7826648" y="2978024"/>
+            <a:ext cx="292320" cy="364680"/>
+          </a:xfrm>
+          <a:prstGeom prst="rect">
+            <a:avLst/>
+          </a:prstGeom>
+          <a:noFill/>
+          <a:ln w="0">
+            <a:noFill/>
+            <a:tailEnd type="triangle"/>
+          </a:ln>
+        </p:spPr>
+        <p:style>
+          <a:lnRef idx="0">
+            <a:scrgbClr r="0" g="0" b="0"/>
+          </a:lnRef>
+          <a:fillRef idx="0">
+            <a:scrgbClr r="0" g="0" b="0"/>
+          </a:fillRef>
+          <a:effectRef idx="0">
+            <a:scrgbClr r="0" g="0" b="0"/>
+          </a:effectRef>
+          <a:fontRef idx="minor"/>
+        </p:style>
+        <p:txBody>
+          <a:bodyPr wrap="none" lIns="90000" tIns="45000" rIns="90000" bIns="45000">
+            <a:spAutoFit/>
+          </a:bodyPr>
+          <a:lstStyle/>
+          <a:p>
+            <a:pPr>
+              <a:lnSpc>
+                <a:spcPct val="100000"/>
+              </a:lnSpc>
+            </a:pPr>
+            <a:r>
+              <a:rPr lang="en-US" sz="1800" b="0" strike="noStrike" spc="-1" dirty="0">
+                <a:solidFill>
+                  <a:srgbClr val="000000"/>
+                </a:solidFill>
+                <a:latin typeface="Calibri"/>
+              </a:rPr>
+              <a:t>Y</a:t>
+            </a:r>
+            <a:endParaRPr lang="en-US" sz="1800" b="0" strike="noStrike" spc="-1" dirty="0">
+              <a:latin typeface="Arial"/>
+            </a:endParaRPr>
+          </a:p>
+        </p:txBody>
+      </p:sp>
+      <p:cxnSp>
+        <p:nvCxnSpPr>
+          <p:cNvPr id="96" name="直線單箭頭接點 95"/>
+          <p:cNvCxnSpPr>
+            <a:stCxn id="53" idx="3"/>
+            <a:endCxn id="139" idx="2"/>
+          </p:cNvCxnSpPr>
+          <p:nvPr/>
+        </p:nvCxnSpPr>
+        <p:spPr>
+          <a:xfrm flipV="1">
+            <a:off x="4649625" y="2641801"/>
+            <a:ext cx="623441" cy="6907"/>
+          </a:xfrm>
+          <a:prstGeom prst="straightConnector1">
+            <a:avLst/>
+          </a:prstGeom>
+          <a:ln>
+            <a:solidFill>
+              <a:schemeClr val="tx1"/>
+            </a:solidFill>
+            <a:headEnd type="none" w="med" len="med"/>
+            <a:tailEnd type="triangle" w="med" len="med"/>
+          </a:ln>
+        </p:spPr>
+        <p:style>
+          <a:lnRef idx="1">
+            <a:schemeClr val="accent1"/>
+          </a:lnRef>
+          <a:fillRef idx="0">
+            <a:schemeClr val="accent1"/>
+          </a:fillRef>
+          <a:effectRef idx="0">
+            <a:schemeClr val="accent1"/>
+          </a:effectRef>
+          <a:fontRef idx="minor">
+            <a:schemeClr val="tx1"/>
+          </a:fontRef>
+        </p:style>
+      </p:cxnSp>
+      <p:cxnSp>
+        <p:nvCxnSpPr>
+          <p:cNvPr id="142" name="直線單箭頭接點 141"/>
+          <p:cNvCxnSpPr>
+            <a:stCxn id="139" idx="5"/>
+            <a:endCxn id="132" idx="1"/>
+          </p:cNvCxnSpPr>
+          <p:nvPr/>
+        </p:nvCxnSpPr>
+        <p:spPr>
+          <a:xfrm flipV="1">
+            <a:off x="6270389" y="2639592"/>
+            <a:ext cx="720739" cy="2209"/>
+          </a:xfrm>
+          <a:prstGeom prst="straightConnector1">
+            <a:avLst/>
+          </a:prstGeom>
+          <a:ln>
+            <a:solidFill>
+              <a:schemeClr val="tx1"/>
+            </a:solidFill>
+            <a:headEnd type="none" w="med" len="med"/>
+            <a:tailEnd type="triangle" w="med" len="med"/>
+          </a:ln>
+        </p:spPr>
+        <p:style>
+          <a:lnRef idx="1">
+            <a:schemeClr val="accent1"/>
+          </a:lnRef>
+          <a:fillRef idx="0">
+            <a:schemeClr val="accent1"/>
+          </a:fillRef>
+          <a:effectRef idx="0">
+            <a:schemeClr val="accent1"/>
+          </a:effectRef>
+          <a:fontRef idx="minor">
+            <a:schemeClr val="tx1"/>
+          </a:fontRef>
+        </p:style>
+      </p:cxnSp>
+      <p:grpSp>
+        <p:nvGrpSpPr>
+          <p:cNvPr id="146" name="群組 145"/>
+          <p:cNvGrpSpPr/>
+          <p:nvPr/>
+        </p:nvGrpSpPr>
+        <p:grpSpPr>
+          <a:xfrm>
+            <a:off x="1517312" y="3972183"/>
+            <a:ext cx="1067040" cy="390600"/>
+            <a:chOff x="697680" y="3110408"/>
+            <a:chExt cx="1067040" cy="390600"/>
+          </a:xfrm>
+        </p:grpSpPr>
+        <p:sp>
+          <p:nvSpPr>
+            <p:cNvPr id="147" name="CustomShape 14"/>
+            <p:cNvSpPr/>
+            <p:nvPr/>
+          </p:nvSpPr>
+          <p:spPr>
+            <a:xfrm>
+              <a:off x="697680" y="3110408"/>
+              <a:ext cx="1067040" cy="390600"/>
+            </a:xfrm>
+            <a:prstGeom prst="rect">
+              <a:avLst/>
+            </a:prstGeom>
+            <a:noFill/>
+            <a:ln>
+              <a:solidFill>
+                <a:schemeClr val="tx1"/>
+              </a:solidFill>
+              <a:round/>
+              <a:tailEnd type="triangle"/>
+            </a:ln>
+          </p:spPr>
+          <p:style>
+            <a:lnRef idx="2">
+              <a:schemeClr val="accent1">
+                <a:shade val="50000"/>
+              </a:schemeClr>
+            </a:lnRef>
+            <a:fillRef idx="1">
+              <a:schemeClr val="accent1"/>
+            </a:fillRef>
+            <a:effectRef idx="0">
+              <a:schemeClr val="accent1"/>
+            </a:effectRef>
+            <a:fontRef idx="minor"/>
+          </p:style>
+        </p:sp>
+        <p:sp>
+          <p:nvSpPr>
+            <p:cNvPr id="148" name="CustomShape 15"/>
+            <p:cNvSpPr/>
+            <p:nvPr/>
+          </p:nvSpPr>
+          <p:spPr>
+            <a:xfrm>
+              <a:off x="911880" y="3132368"/>
+              <a:ext cx="643166" cy="367878"/>
+            </a:xfrm>
+            <a:prstGeom prst="rect">
+              <a:avLst/>
+            </a:prstGeom>
+            <a:noFill/>
+            <a:ln w="0">
+              <a:noFill/>
+              <a:tailEnd type="triangle"/>
+            </a:ln>
+          </p:spPr>
+          <p:style>
+            <a:lnRef idx="0">
+              <a:scrgbClr r="0" g="0" b="0"/>
+            </a:lnRef>
+            <a:fillRef idx="0">
+              <a:scrgbClr r="0" g="0" b="0"/>
+            </a:fillRef>
+            <a:effectRef idx="0">
+              <a:scrgbClr r="0" g="0" b="0"/>
+            </a:effectRef>
+            <a:fontRef idx="minor"/>
+          </p:style>
+          <p:txBody>
+            <a:bodyPr wrap="none" lIns="90000" tIns="45000" rIns="90000" bIns="45000">
+              <a:spAutoFit/>
+            </a:bodyPr>
+            <a:lstStyle/>
+            <a:p>
+              <a:pPr>
+                <a:lnSpc>
+                  <a:spcPct val="100000"/>
+                </a:lnSpc>
+              </a:pPr>
+              <a:r>
+                <a:rPr lang="zh-TW" altLang="en-US" spc="-1" dirty="0">
+                  <a:solidFill>
+                    <a:srgbClr val="000000"/>
+                  </a:solidFill>
+                  <a:latin typeface="Calibri"/>
+                </a:rPr>
+                <a:t>主頁</a:t>
+              </a:r>
+              <a:endParaRPr lang="en-US" sz="1800" b="0" strike="noStrike" spc="-1" dirty="0">
+                <a:latin typeface="Arial"/>
+              </a:endParaRPr>
+            </a:p>
+          </p:txBody>
+        </p:sp>
+      </p:grpSp>
+      <p:cxnSp>
+        <p:nvCxnSpPr>
+          <p:cNvPr id="121" name="直線單箭頭接點 120"/>
+          <p:cNvCxnSpPr>
+            <a:stCxn id="129" idx="2"/>
+            <a:endCxn id="147" idx="0"/>
+          </p:cNvCxnSpPr>
+          <p:nvPr/>
+        </p:nvCxnSpPr>
+        <p:spPr>
+          <a:xfrm flipH="1">
+            <a:off x="2050832" y="3713072"/>
+            <a:ext cx="7122" cy="259111"/>
+          </a:xfrm>
+          <a:prstGeom prst="straightConnector1">
+            <a:avLst/>
+          </a:prstGeom>
+          <a:ln>
+            <a:solidFill>
+              <a:schemeClr val="tx1"/>
+            </a:solidFill>
+            <a:headEnd type="none" w="med" len="med"/>
+            <a:tailEnd type="triangle" w="med" len="med"/>
+          </a:ln>
+        </p:spPr>
+        <p:style>
+          <a:lnRef idx="1">
+            <a:schemeClr val="accent1"/>
+          </a:lnRef>
+          <a:fillRef idx="0">
+            <a:schemeClr val="accent1"/>
+          </a:fillRef>
+          <a:effectRef idx="0">
+            <a:schemeClr val="accent1"/>
+          </a:effectRef>
+          <a:fontRef idx="minor">
+            <a:schemeClr val="tx1"/>
+          </a:fontRef>
+        </p:style>
+      </p:cxnSp>
+      <p:grpSp>
+        <p:nvGrpSpPr>
+          <p:cNvPr id="135" name="群組 134"/>
+          <p:cNvGrpSpPr/>
+          <p:nvPr/>
+        </p:nvGrpSpPr>
+        <p:grpSpPr>
+          <a:xfrm>
+            <a:off x="1475656" y="540075"/>
+            <a:ext cx="1156713" cy="519133"/>
+            <a:chOff x="4202081" y="2621835"/>
+            <a:chExt cx="1156713" cy="519133"/>
+          </a:xfrm>
+        </p:grpSpPr>
+        <p:sp>
+          <p:nvSpPr>
+            <p:cNvPr id="41" name="CustomShape 2"/>
+            <p:cNvSpPr/>
+            <p:nvPr/>
+          </p:nvSpPr>
+          <p:spPr>
+            <a:xfrm>
+              <a:off x="4346997" y="2699061"/>
+              <a:ext cx="866880" cy="364680"/>
+            </a:xfrm>
+            <a:prstGeom prst="rect">
+              <a:avLst/>
+            </a:prstGeom>
+            <a:noFill/>
+            <a:ln w="0">
+              <a:noFill/>
+              <a:tailEnd type="triangle"/>
+            </a:ln>
+          </p:spPr>
+          <p:style>
+            <a:lnRef idx="0">
+              <a:scrgbClr r="0" g="0" b="0"/>
+            </a:lnRef>
+            <a:fillRef idx="0">
+              <a:scrgbClr r="0" g="0" b="0"/>
+            </a:fillRef>
+            <a:effectRef idx="0">
+              <a:scrgbClr r="0" g="0" b="0"/>
+            </a:effectRef>
+            <a:fontRef idx="minor"/>
+          </p:style>
+          <p:txBody>
+            <a:bodyPr wrap="none" lIns="90000" tIns="45000" rIns="90000" bIns="45000">
+              <a:spAutoFit/>
+            </a:bodyPr>
+            <a:lstStyle/>
+            <a:p>
+              <a:pPr>
+                <a:lnSpc>
+                  <a:spcPct val="100000"/>
+                </a:lnSpc>
+              </a:pPr>
+              <a:r>
+                <a:rPr lang="zh-TW" spc="-1" dirty="0">
+                  <a:solidFill>
+                    <a:srgbClr val="000000"/>
+                  </a:solidFill>
+                  <a:latin typeface="Calibri"/>
+                </a:rPr>
+                <a:t>使用者</a:t>
+              </a:r>
+              <a:endParaRPr lang="en-US" spc="-1" dirty="0">
+                <a:solidFill>
+                  <a:srgbClr val="000000"/>
+                </a:solidFill>
+                <a:latin typeface="Calibri"/>
+              </a:endParaRPr>
+            </a:p>
+          </p:txBody>
+        </p:sp>
+        <p:sp>
+          <p:nvSpPr>
+            <p:cNvPr id="134" name="流程圖: 結束點 133"/>
+            <p:cNvSpPr/>
+            <p:nvPr/>
+          </p:nvSpPr>
+          <p:spPr>
+            <a:xfrm>
+              <a:off x="4202081" y="2621835"/>
+              <a:ext cx="1156713" cy="519133"/>
+            </a:xfrm>
+            <a:prstGeom prst="flowChartTerminator">
+              <a:avLst/>
+            </a:prstGeom>
+            <a:noFill/>
+            <a:ln>
+              <a:solidFill>
+                <a:schemeClr val="tx1"/>
+              </a:solidFill>
+              <a:round/>
+              <a:tailEnd type="triangle"/>
+            </a:ln>
+          </p:spPr>
+          <p:style>
+            <a:lnRef idx="2">
+              <a:schemeClr val="accent1">
+                <a:shade val="50000"/>
+              </a:schemeClr>
+            </a:lnRef>
+            <a:fillRef idx="1">
+              <a:schemeClr val="accent1"/>
+            </a:fillRef>
+            <a:effectRef idx="0">
+              <a:schemeClr val="accent1"/>
+            </a:effectRef>
+            <a:fontRef idx="minor"/>
+          </p:style>
+          <p:txBody>
+            <a:bodyPr rtlCol="0" anchor="ctr"/>
+            <a:lstStyle/>
+            <a:p>
+              <a:pPr algn="ctr"/>
+              <a:endParaRPr lang="zh-TW" altLang="en-US"/>
+            </a:p>
+          </p:txBody>
+        </p:sp>
+      </p:grpSp>
+      <p:grpSp>
+        <p:nvGrpSpPr>
+          <p:cNvPr id="150" name="群組 149"/>
+          <p:cNvGrpSpPr/>
+          <p:nvPr/>
+        </p:nvGrpSpPr>
+        <p:grpSpPr>
+          <a:xfrm>
+            <a:off x="5148401" y="2295952"/>
+            <a:ext cx="1246653" cy="691697"/>
+            <a:chOff x="5767897" y="960283"/>
+            <a:chExt cx="1246653" cy="691697"/>
+          </a:xfrm>
+        </p:grpSpPr>
+        <p:sp>
+          <p:nvSpPr>
+            <p:cNvPr id="51" name="CustomShape 12"/>
+            <p:cNvSpPr/>
+            <p:nvPr/>
+          </p:nvSpPr>
+          <p:spPr>
+            <a:xfrm>
+              <a:off x="5957784" y="983284"/>
+              <a:ext cx="866880" cy="639000"/>
+            </a:xfrm>
+            <a:prstGeom prst="rect">
+              <a:avLst/>
+            </a:prstGeom>
+            <a:noFill/>
+            <a:ln w="0">
+              <a:noFill/>
+              <a:tailEnd type="triangle"/>
+            </a:ln>
+          </p:spPr>
+          <p:style>
+            <a:lnRef idx="0">
+              <a:scrgbClr r="0" g="0" b="0"/>
+            </a:lnRef>
+            <a:fillRef idx="0">
+              <a:scrgbClr r="0" g="0" b="0"/>
+            </a:fillRef>
+            <a:effectRef idx="0">
+              <a:scrgbClr r="0" g="0" b="0"/>
+            </a:effectRef>
+            <a:fontRef idx="minor"/>
+          </p:style>
+          <p:txBody>
+            <a:bodyPr wrap="none" lIns="90000" tIns="45000" rIns="90000" bIns="45000">
+              <a:spAutoFit/>
+            </a:bodyPr>
+            <a:lstStyle/>
+            <a:p>
+              <a:pPr>
+                <a:lnSpc>
+                  <a:spcPct val="100000"/>
+                </a:lnSpc>
+              </a:pPr>
+              <a:r>
+                <a:rPr lang="zh-TW" sz="1800" b="0" strike="noStrike" spc="-1" dirty="0">
+                  <a:solidFill>
+                    <a:srgbClr val="000000"/>
+                  </a:solidFill>
+                  <a:latin typeface="Calibri"/>
+                </a:rPr>
+                <a:t>填基本</a:t>
+              </a:r>
+              <a:endParaRPr lang="en-US" sz="1800" b="0" strike="noStrike" spc="-1" dirty="0">
+                <a:latin typeface="Arial"/>
+              </a:endParaRPr>
+            </a:p>
+            <a:p>
+              <a:pPr algn="ctr">
+                <a:lnSpc>
+                  <a:spcPct val="100000"/>
+                </a:lnSpc>
+              </a:pPr>
+              <a:r>
+                <a:rPr lang="zh-TW" sz="1800" b="0" strike="noStrike" spc="-1" dirty="0">
+                  <a:solidFill>
+                    <a:srgbClr val="000000"/>
+                  </a:solidFill>
+                  <a:latin typeface="Calibri"/>
+                </a:rPr>
+                <a:t>資料</a:t>
+              </a:r>
+              <a:endParaRPr lang="en-US" sz="1800" b="0" strike="noStrike" spc="-1" dirty="0">
+                <a:latin typeface="Arial"/>
+              </a:endParaRPr>
+            </a:p>
+          </p:txBody>
+        </p:sp>
+        <p:sp>
+          <p:nvSpPr>
+            <p:cNvPr id="139" name="流程圖: 資料 138"/>
+            <p:cNvSpPr/>
+            <p:nvPr/>
+          </p:nvSpPr>
+          <p:spPr>
+            <a:xfrm>
+              <a:off x="5767897" y="960283"/>
+              <a:ext cx="1246653" cy="691697"/>
+            </a:xfrm>
+            <a:prstGeom prst="flowChartInputOutput">
+              <a:avLst/>
+            </a:prstGeom>
+            <a:noFill/>
+            <a:ln>
+              <a:solidFill>
+                <a:schemeClr val="tx1"/>
+              </a:solidFill>
+            </a:ln>
+          </p:spPr>
+          <p:style>
+            <a:lnRef idx="2">
+              <a:schemeClr val="accent1">
+                <a:shade val="50000"/>
+              </a:schemeClr>
+            </a:lnRef>
+            <a:fillRef idx="1">
+              <a:schemeClr val="accent1"/>
+            </a:fillRef>
+            <a:effectRef idx="0">
+              <a:schemeClr val="accent1"/>
+            </a:effectRef>
+            <a:fontRef idx="minor">
+              <a:schemeClr val="lt1"/>
+            </a:fontRef>
+          </p:style>
+          <p:txBody>
+            <a:bodyPr rtlCol="0" anchor="ctr"/>
+            <a:lstStyle/>
+            <a:p>
+              <a:pPr algn="ctr"/>
+              <a:endParaRPr lang="zh-TW" altLang="en-US"/>
+            </a:p>
+          </p:txBody>
+        </p:sp>
+      </p:grpSp>
+      <p:sp>
+        <p:nvSpPr>
+          <p:cNvPr id="151" name="流程圖: 磁碟 150"/>
+          <p:cNvSpPr/>
+          <p:nvPr/>
+        </p:nvSpPr>
+        <p:spPr>
+          <a:xfrm>
+            <a:off x="7420977" y="4942324"/>
+            <a:ext cx="858896" cy="1209588"/>
+          </a:xfrm>
+          <a:prstGeom prst="flowChartMagneticDisk">
+            <a:avLst/>
+          </a:prstGeom>
+          <a:noFill/>
+          <a:ln>
+            <a:solidFill>
+              <a:schemeClr val="tx1"/>
+            </a:solidFill>
+          </a:ln>
+        </p:spPr>
+        <p:style>
+          <a:lnRef idx="2">
+            <a:schemeClr val="accent1">
+              <a:shade val="50000"/>
+            </a:schemeClr>
+          </a:lnRef>
+          <a:fillRef idx="1">
+            <a:schemeClr val="accent1"/>
+          </a:fillRef>
+          <a:effectRef idx="0">
+            <a:schemeClr val="accent1"/>
+          </a:effectRef>
+          <a:fontRef idx="minor">
+            <a:schemeClr val="lt1"/>
+          </a:fontRef>
+        </p:style>
+        <p:txBody>
+          <a:bodyPr rtlCol="0" anchor="ctr"/>
+          <a:lstStyle/>
+          <a:p>
+            <a:pPr algn="ctr"/>
+            <a:endParaRPr lang="zh-TW" altLang="en-US"/>
+          </a:p>
+        </p:txBody>
+      </p:sp>
+      <p:grpSp>
+        <p:nvGrpSpPr>
+          <p:cNvPr id="279" name="群組 278"/>
+          <p:cNvGrpSpPr/>
+          <p:nvPr/>
+        </p:nvGrpSpPr>
+        <p:grpSpPr>
+          <a:xfrm>
+            <a:off x="7283118" y="3803328"/>
+            <a:ext cx="1105306" cy="728680"/>
+            <a:chOff x="7283118" y="3780440"/>
+            <a:chExt cx="1105306" cy="728680"/>
+          </a:xfrm>
+        </p:grpSpPr>
+        <p:sp>
+          <p:nvSpPr>
+            <p:cNvPr id="155" name="流程圖: 儲存資料 154"/>
+            <p:cNvSpPr/>
+            <p:nvPr/>
+          </p:nvSpPr>
+          <p:spPr>
+            <a:xfrm>
+              <a:off x="7283118" y="3780440"/>
+              <a:ext cx="1105306" cy="728680"/>
+            </a:xfrm>
+            <a:prstGeom prst="flowChartOnlineStorage">
+              <a:avLst/>
+            </a:prstGeom>
+            <a:noFill/>
+            <a:ln>
+              <a:solidFill>
+                <a:schemeClr val="tx1"/>
+              </a:solidFill>
+            </a:ln>
+          </p:spPr>
+          <p:style>
+            <a:lnRef idx="2">
+              <a:schemeClr val="accent1">
+                <a:shade val="50000"/>
+              </a:schemeClr>
+            </a:lnRef>
+            <a:fillRef idx="1">
+              <a:schemeClr val="accent1"/>
+            </a:fillRef>
+            <a:effectRef idx="0">
+              <a:schemeClr val="accent1"/>
+            </a:effectRef>
+            <a:fontRef idx="minor">
+              <a:schemeClr val="lt1"/>
+            </a:fontRef>
+          </p:style>
+          <p:txBody>
+            <a:bodyPr rtlCol="0" anchor="ctr"/>
+            <a:lstStyle/>
+            <a:p>
+              <a:pPr algn="ctr"/>
+              <a:endParaRPr lang="zh-TW" altLang="en-US"/>
+            </a:p>
+          </p:txBody>
+        </p:sp>
+        <p:sp>
+          <p:nvSpPr>
+            <p:cNvPr id="165" name="CustomShape 15"/>
+            <p:cNvSpPr/>
+            <p:nvPr/>
+          </p:nvSpPr>
+          <p:spPr>
+            <a:xfrm>
+              <a:off x="7484671" y="3792235"/>
+              <a:ext cx="643166" cy="644877"/>
+            </a:xfrm>
+            <a:prstGeom prst="rect">
+              <a:avLst/>
+            </a:prstGeom>
+            <a:noFill/>
+            <a:ln w="0">
+              <a:noFill/>
+              <a:tailEnd type="triangle"/>
+            </a:ln>
+          </p:spPr>
+          <p:style>
+            <a:lnRef idx="0">
+              <a:scrgbClr r="0" g="0" b="0"/>
+            </a:lnRef>
+            <a:fillRef idx="0">
+              <a:scrgbClr r="0" g="0" b="0"/>
+            </a:fillRef>
+            <a:effectRef idx="0">
+              <a:scrgbClr r="0" g="0" b="0"/>
+            </a:effectRef>
+            <a:fontRef idx="minor"/>
+          </p:style>
+          <p:txBody>
+            <a:bodyPr wrap="none" lIns="90000" tIns="45000" rIns="90000" bIns="45000">
+              <a:spAutoFit/>
+            </a:bodyPr>
+            <a:lstStyle/>
+            <a:p>
+              <a:pPr>
+                <a:lnSpc>
+                  <a:spcPct val="100000"/>
+                </a:lnSpc>
+              </a:pPr>
+              <a:r>
+                <a:rPr lang="zh-TW" altLang="en-US" sz="1800" b="0" strike="noStrike" spc="-1" dirty="0" smtClean="0">
+                  <a:latin typeface="Arial"/>
+                </a:rPr>
+                <a:t>儲存</a:t>
+              </a:r>
+              <a:endParaRPr lang="en-US" altLang="zh-TW" sz="1800" b="0" strike="noStrike" spc="-1" dirty="0" smtClean="0">
+                <a:latin typeface="Arial"/>
+              </a:endParaRPr>
+            </a:p>
+            <a:p>
+              <a:pPr>
+                <a:lnSpc>
+                  <a:spcPct val="100000"/>
+                </a:lnSpc>
+              </a:pPr>
+              <a:r>
+                <a:rPr lang="zh-TW" altLang="en-US" spc="-1" dirty="0">
+                  <a:latin typeface="Arial"/>
+                </a:rPr>
+                <a:t>資料</a:t>
+              </a:r>
+              <a:endParaRPr lang="en-US" sz="1800" b="0" strike="noStrike" spc="-1" dirty="0">
+                <a:latin typeface="Arial"/>
+              </a:endParaRPr>
+            </a:p>
+          </p:txBody>
+        </p:sp>
+      </p:grpSp>
+      <p:cxnSp>
+        <p:nvCxnSpPr>
+          <p:cNvPr id="167" name="直線單箭頭接點 166"/>
+          <p:cNvCxnSpPr>
+            <a:stCxn id="132" idx="2"/>
+            <a:endCxn id="155" idx="0"/>
+          </p:cNvCxnSpPr>
+          <p:nvPr/>
+        </p:nvCxnSpPr>
+        <p:spPr>
+          <a:xfrm flipH="1">
+            <a:off x="7835771" y="3054672"/>
+            <a:ext cx="5165" cy="748656"/>
+          </a:xfrm>
+          <a:prstGeom prst="straightConnector1">
+            <a:avLst/>
+          </a:prstGeom>
+          <a:ln>
+            <a:solidFill>
+              <a:srgbClr val="0070C0"/>
+            </a:solidFill>
+            <a:headEnd type="none" w="med" len="med"/>
+            <a:tailEnd type="triangle" w="med" len="med"/>
+          </a:ln>
+        </p:spPr>
+        <p:style>
+          <a:lnRef idx="1">
+            <a:schemeClr val="accent1"/>
+          </a:lnRef>
+          <a:fillRef idx="0">
+            <a:schemeClr val="accent1"/>
+          </a:fillRef>
+          <a:effectRef idx="0">
+            <a:schemeClr val="accent1"/>
+          </a:effectRef>
+          <a:fontRef idx="minor">
+            <a:schemeClr val="tx1"/>
+          </a:fontRef>
+        </p:style>
+      </p:cxnSp>
+      <p:cxnSp>
+        <p:nvCxnSpPr>
+          <p:cNvPr id="169" name="直線單箭頭接點 168"/>
+          <p:cNvCxnSpPr>
+            <a:stCxn id="155" idx="2"/>
+            <a:endCxn id="151" idx="1"/>
+          </p:cNvCxnSpPr>
+          <p:nvPr/>
+        </p:nvCxnSpPr>
+        <p:spPr>
+          <a:xfrm>
+            <a:off x="7835771" y="4532008"/>
+            <a:ext cx="14654" cy="410316"/>
+          </a:xfrm>
+          <a:prstGeom prst="straightConnector1">
+            <a:avLst/>
+          </a:prstGeom>
+          <a:ln>
+            <a:solidFill>
+              <a:srgbClr val="0070C0"/>
+            </a:solidFill>
+            <a:headEnd type="none" w="med" len="med"/>
+            <a:tailEnd type="triangle" w="med" len="med"/>
+          </a:ln>
+        </p:spPr>
+        <p:style>
+          <a:lnRef idx="1">
+            <a:schemeClr val="accent1"/>
+          </a:lnRef>
+          <a:fillRef idx="0">
+            <a:schemeClr val="accent1"/>
+          </a:fillRef>
+          <a:effectRef idx="0">
+            <a:schemeClr val="accent1"/>
+          </a:effectRef>
+          <a:fontRef idx="minor">
+            <a:schemeClr val="tx1"/>
+          </a:fontRef>
+        </p:style>
+      </p:cxnSp>
+      <p:sp>
+        <p:nvSpPr>
+          <p:cNvPr id="170" name="CustomShape 15"/>
+          <p:cNvSpPr/>
+          <p:nvPr/>
+        </p:nvSpPr>
+        <p:spPr>
+          <a:xfrm>
+            <a:off x="7670829" y="5014072"/>
+            <a:ext cx="412462" cy="921876"/>
+          </a:xfrm>
+          <a:prstGeom prst="rect">
+            <a:avLst/>
+          </a:prstGeom>
+          <a:noFill/>
+          <a:ln w="0">
+            <a:noFill/>
+            <a:tailEnd type="triangle"/>
+          </a:ln>
+        </p:spPr>
+        <p:style>
+          <a:lnRef idx="0">
+            <a:scrgbClr r="0" g="0" b="0"/>
+          </a:lnRef>
+          <a:fillRef idx="0">
+            <a:scrgbClr r="0" g="0" b="0"/>
+          </a:fillRef>
+          <a:effectRef idx="0">
+            <a:scrgbClr r="0" g="0" b="0"/>
+          </a:effectRef>
+          <a:fontRef idx="minor"/>
+        </p:style>
+        <p:txBody>
+          <a:bodyPr wrap="none" lIns="90000" tIns="45000" rIns="90000" bIns="45000">
+            <a:spAutoFit/>
+          </a:bodyPr>
+          <a:lstStyle/>
+          <a:p>
+            <a:pPr>
+              <a:lnSpc>
+                <a:spcPct val="100000"/>
+              </a:lnSpc>
+            </a:pPr>
+            <a:r>
+              <a:rPr lang="zh-TW" altLang="en-US" spc="-1" dirty="0" smtClean="0">
+                <a:latin typeface="Arial"/>
+              </a:rPr>
+              <a:t>資</a:t>
+            </a:r>
+            <a:endParaRPr lang="en-US" altLang="zh-TW" spc="-1" dirty="0" smtClean="0">
+              <a:latin typeface="Arial"/>
+            </a:endParaRPr>
+          </a:p>
+          <a:p>
+            <a:pPr>
+              <a:lnSpc>
+                <a:spcPct val="100000"/>
+              </a:lnSpc>
+            </a:pPr>
+            <a:r>
+              <a:rPr lang="zh-TW" altLang="en-US" spc="-1" dirty="0" smtClean="0">
+                <a:latin typeface="Arial"/>
+              </a:rPr>
+              <a:t>料</a:t>
+            </a:r>
+            <a:endParaRPr lang="en-US" altLang="zh-TW" spc="-1" dirty="0" smtClean="0">
+              <a:latin typeface="Arial"/>
+            </a:endParaRPr>
+          </a:p>
+          <a:p>
+            <a:pPr>
+              <a:lnSpc>
+                <a:spcPct val="100000"/>
+              </a:lnSpc>
+            </a:pPr>
+            <a:r>
+              <a:rPr lang="zh-TW" altLang="en-US" sz="1800" b="0" strike="noStrike" spc="-1" dirty="0">
+                <a:latin typeface="Arial"/>
+              </a:rPr>
+              <a:t>庫</a:t>
+            </a:r>
+            <a:endParaRPr lang="en-US" sz="1800" b="0" strike="noStrike" spc="-1" dirty="0">
+              <a:latin typeface="Arial"/>
+            </a:endParaRPr>
+          </a:p>
+        </p:txBody>
+      </p:sp>
+      <p:grpSp>
+        <p:nvGrpSpPr>
+          <p:cNvPr id="179" name="群組 178"/>
+          <p:cNvGrpSpPr/>
+          <p:nvPr/>
+        </p:nvGrpSpPr>
+        <p:grpSpPr>
+          <a:xfrm>
+            <a:off x="682680" y="4532396"/>
+            <a:ext cx="1067040" cy="390600"/>
+            <a:chOff x="2402833" y="3594175"/>
+            <a:chExt cx="1067040" cy="390600"/>
+          </a:xfrm>
+        </p:grpSpPr>
+        <p:sp>
+          <p:nvSpPr>
+            <p:cNvPr id="180" name="CustomShape 14"/>
+            <p:cNvSpPr/>
+            <p:nvPr/>
+          </p:nvSpPr>
+          <p:spPr>
+            <a:xfrm>
+              <a:off x="2402833" y="3594175"/>
+              <a:ext cx="1067040" cy="390600"/>
+            </a:xfrm>
+            <a:prstGeom prst="rect">
+              <a:avLst/>
+            </a:prstGeom>
+            <a:noFill/>
+            <a:ln>
+              <a:solidFill>
+                <a:schemeClr val="tx1"/>
+              </a:solidFill>
+              <a:round/>
+              <a:tailEnd type="triangle"/>
+            </a:ln>
+          </p:spPr>
+          <p:style>
+            <a:lnRef idx="2">
+              <a:schemeClr val="accent1">
+                <a:shade val="50000"/>
+              </a:schemeClr>
+            </a:lnRef>
+            <a:fillRef idx="1">
+              <a:schemeClr val="accent1"/>
+            </a:fillRef>
+            <a:effectRef idx="0">
+              <a:schemeClr val="accent1"/>
+            </a:effectRef>
+            <a:fontRef idx="minor"/>
+          </p:style>
+        </p:sp>
+        <p:sp>
+          <p:nvSpPr>
+            <p:cNvPr id="181" name="CustomShape 15"/>
+            <p:cNvSpPr/>
+            <p:nvPr/>
+          </p:nvSpPr>
+          <p:spPr>
+            <a:xfrm>
+              <a:off x="2499418" y="3616897"/>
+              <a:ext cx="873870" cy="367878"/>
+            </a:xfrm>
+            <a:prstGeom prst="rect">
+              <a:avLst/>
+            </a:prstGeom>
+            <a:noFill/>
+            <a:ln w="0">
+              <a:noFill/>
+              <a:tailEnd type="triangle"/>
+            </a:ln>
+          </p:spPr>
+          <p:style>
+            <a:lnRef idx="0">
+              <a:scrgbClr r="0" g="0" b="0"/>
+            </a:lnRef>
+            <a:fillRef idx="0">
+              <a:scrgbClr r="0" g="0" b="0"/>
+            </a:fillRef>
+            <a:effectRef idx="0">
+              <a:scrgbClr r="0" g="0" b="0"/>
+            </a:effectRef>
+            <a:fontRef idx="minor"/>
+          </p:style>
+          <p:txBody>
+            <a:bodyPr wrap="none" lIns="90000" tIns="45000" rIns="90000" bIns="45000">
+              <a:spAutoFit/>
+            </a:bodyPr>
+            <a:lstStyle/>
+            <a:p>
+              <a:pPr>
+                <a:lnSpc>
+                  <a:spcPct val="100000"/>
+                </a:lnSpc>
+              </a:pPr>
+              <a:r>
+                <a:rPr lang="zh-TW" altLang="en-US" spc="-1" dirty="0" smtClean="0">
+                  <a:solidFill>
+                    <a:srgbClr val="000000"/>
+                  </a:solidFill>
+                  <a:latin typeface="Calibri"/>
+                </a:rPr>
+                <a:t>查公司</a:t>
+              </a:r>
+              <a:endParaRPr lang="en-US" sz="1800" b="0" strike="noStrike" spc="-1" dirty="0">
+                <a:latin typeface="Arial"/>
+              </a:endParaRPr>
+            </a:p>
+          </p:txBody>
+        </p:sp>
+      </p:grpSp>
+      <p:grpSp>
+        <p:nvGrpSpPr>
+          <p:cNvPr id="182" name="群組 181"/>
+          <p:cNvGrpSpPr/>
+          <p:nvPr/>
+        </p:nvGrpSpPr>
+        <p:grpSpPr>
+          <a:xfrm>
+            <a:off x="2417297" y="4528239"/>
+            <a:ext cx="1067040" cy="399537"/>
+            <a:chOff x="697680" y="3101471"/>
+            <a:chExt cx="1067040" cy="399537"/>
+          </a:xfrm>
+        </p:grpSpPr>
+        <p:sp>
+          <p:nvSpPr>
+            <p:cNvPr id="183" name="CustomShape 14"/>
+            <p:cNvSpPr/>
+            <p:nvPr/>
+          </p:nvSpPr>
+          <p:spPr>
+            <a:xfrm>
+              <a:off x="697680" y="3110408"/>
+              <a:ext cx="1067040" cy="390600"/>
+            </a:xfrm>
+            <a:prstGeom prst="rect">
+              <a:avLst/>
+            </a:prstGeom>
+            <a:noFill/>
+            <a:ln>
+              <a:solidFill>
+                <a:schemeClr val="tx1"/>
+              </a:solidFill>
+              <a:round/>
+              <a:tailEnd type="triangle"/>
+            </a:ln>
+          </p:spPr>
+          <p:style>
+            <a:lnRef idx="2">
+              <a:schemeClr val="accent1">
+                <a:shade val="50000"/>
+              </a:schemeClr>
+            </a:lnRef>
+            <a:fillRef idx="1">
+              <a:schemeClr val="accent1"/>
+            </a:fillRef>
+            <a:effectRef idx="0">
+              <a:schemeClr val="accent1"/>
+            </a:effectRef>
+            <a:fontRef idx="minor"/>
+          </p:style>
+        </p:sp>
+        <p:sp>
+          <p:nvSpPr>
+            <p:cNvPr id="184" name="CustomShape 15"/>
+            <p:cNvSpPr/>
+            <p:nvPr/>
+          </p:nvSpPr>
+          <p:spPr>
+            <a:xfrm>
+              <a:off x="801738" y="3101471"/>
+              <a:ext cx="873870" cy="367878"/>
+            </a:xfrm>
+            <a:prstGeom prst="rect">
+              <a:avLst/>
+            </a:prstGeom>
+            <a:noFill/>
+            <a:ln w="0">
+              <a:noFill/>
+              <a:tailEnd type="triangle"/>
+            </a:ln>
+          </p:spPr>
+          <p:style>
+            <a:lnRef idx="0">
+              <a:scrgbClr r="0" g="0" b="0"/>
+            </a:lnRef>
+            <a:fillRef idx="0">
+              <a:scrgbClr r="0" g="0" b="0"/>
+            </a:fillRef>
+            <a:effectRef idx="0">
+              <a:scrgbClr r="0" g="0" b="0"/>
+            </a:effectRef>
+            <a:fontRef idx="minor"/>
+          </p:style>
+          <p:txBody>
+            <a:bodyPr wrap="none" lIns="90000" tIns="45000" rIns="90000" bIns="45000">
+              <a:spAutoFit/>
+            </a:bodyPr>
+            <a:lstStyle/>
+            <a:p>
+              <a:pPr>
+                <a:lnSpc>
+                  <a:spcPct val="100000"/>
+                </a:lnSpc>
+              </a:pPr>
+              <a:r>
+                <a:rPr lang="zh-TW" altLang="en-US" spc="-1" dirty="0">
+                  <a:solidFill>
+                    <a:srgbClr val="000000"/>
+                  </a:solidFill>
+                  <a:latin typeface="Calibri"/>
+                </a:rPr>
+                <a:t>查八字</a:t>
+              </a:r>
+              <a:endParaRPr lang="en-US" sz="1800" b="0" strike="noStrike" spc="-1" dirty="0">
+                <a:latin typeface="Arial"/>
+              </a:endParaRPr>
+            </a:p>
+          </p:txBody>
+        </p:sp>
+      </p:grpSp>
+      <p:cxnSp>
+        <p:nvCxnSpPr>
+          <p:cNvPr id="185" name="肘形接點 184"/>
+          <p:cNvCxnSpPr>
+            <a:stCxn id="147" idx="2"/>
+            <a:endCxn id="180" idx="3"/>
+          </p:cNvCxnSpPr>
+          <p:nvPr/>
+        </p:nvCxnSpPr>
+        <p:spPr>
+          <a:xfrm rot="5400000">
+            <a:off x="1717820" y="4394683"/>
+            <a:ext cx="364913" cy="301112"/>
+          </a:xfrm>
+          <a:prstGeom prst="bentConnector2">
+            <a:avLst/>
+          </a:prstGeom>
+          <a:ln>
+            <a:solidFill>
+              <a:schemeClr val="tx1"/>
+            </a:solidFill>
+            <a:headEnd type="none" w="med" len="med"/>
+            <a:tailEnd type="triangle" w="med" len="med"/>
+          </a:ln>
+        </p:spPr>
+        <p:style>
+          <a:lnRef idx="1">
+            <a:schemeClr val="accent1"/>
+          </a:lnRef>
+          <a:fillRef idx="0">
+            <a:schemeClr val="accent1"/>
+          </a:fillRef>
+          <a:effectRef idx="0">
+            <a:schemeClr val="accent1"/>
+          </a:effectRef>
+          <a:fontRef idx="minor">
+            <a:schemeClr val="tx1"/>
+          </a:fontRef>
+        </p:style>
+      </p:cxnSp>
+      <p:cxnSp>
+        <p:nvCxnSpPr>
+          <p:cNvPr id="188" name="肘形接點 187"/>
+          <p:cNvCxnSpPr>
+            <a:stCxn id="147" idx="2"/>
+            <a:endCxn id="183" idx="1"/>
+          </p:cNvCxnSpPr>
+          <p:nvPr/>
+        </p:nvCxnSpPr>
+        <p:spPr>
+          <a:xfrm rot="16200000" flipH="1">
+            <a:off x="2049218" y="4364396"/>
+            <a:ext cx="369693" cy="366465"/>
+          </a:xfrm>
+          <a:prstGeom prst="bentConnector2">
+            <a:avLst/>
+          </a:prstGeom>
+          <a:ln>
+            <a:solidFill>
+              <a:schemeClr val="tx1"/>
+            </a:solidFill>
+            <a:headEnd type="none" w="med" len="med"/>
+            <a:tailEnd type="triangle" w="med" len="med"/>
+          </a:ln>
+        </p:spPr>
+        <p:style>
+          <a:lnRef idx="1">
+            <a:schemeClr val="accent1"/>
+          </a:lnRef>
+          <a:fillRef idx="0">
+            <a:schemeClr val="accent1"/>
+          </a:fillRef>
+          <a:effectRef idx="0">
+            <a:schemeClr val="accent1"/>
+          </a:effectRef>
+          <a:fontRef idx="minor">
+            <a:schemeClr val="tx1"/>
+          </a:fontRef>
+        </p:style>
+      </p:cxnSp>
+      <p:grpSp>
+        <p:nvGrpSpPr>
+          <p:cNvPr id="194" name="群組 193"/>
+          <p:cNvGrpSpPr/>
+          <p:nvPr/>
+        </p:nvGrpSpPr>
+        <p:grpSpPr>
+          <a:xfrm>
+            <a:off x="5127102" y="5966425"/>
+            <a:ext cx="1246653" cy="696454"/>
+            <a:chOff x="5767897" y="960283"/>
+            <a:chExt cx="1246653" cy="696454"/>
+          </a:xfrm>
+        </p:grpSpPr>
+        <p:sp>
+          <p:nvSpPr>
+            <p:cNvPr id="195" name="CustomShape 12"/>
+            <p:cNvSpPr/>
+            <p:nvPr/>
+          </p:nvSpPr>
+          <p:spPr>
+            <a:xfrm>
+              <a:off x="5957784" y="1011860"/>
+              <a:ext cx="873870" cy="644877"/>
+            </a:xfrm>
+            <a:prstGeom prst="rect">
+              <a:avLst/>
+            </a:prstGeom>
+            <a:noFill/>
+            <a:ln w="0">
+              <a:noFill/>
+              <a:tailEnd type="triangle"/>
+            </a:ln>
+          </p:spPr>
+          <p:style>
+            <a:lnRef idx="0">
+              <a:scrgbClr r="0" g="0" b="0"/>
+            </a:lnRef>
+            <a:fillRef idx="0">
+              <a:scrgbClr r="0" g="0" b="0"/>
+            </a:fillRef>
+            <a:effectRef idx="0">
+              <a:scrgbClr r="0" g="0" b="0"/>
+            </a:effectRef>
+            <a:fontRef idx="minor"/>
+          </p:style>
+          <p:txBody>
+            <a:bodyPr wrap="none" lIns="90000" tIns="45000" rIns="90000" bIns="45000">
+              <a:spAutoFit/>
+            </a:bodyPr>
+            <a:lstStyle/>
+            <a:p>
+              <a:pPr>
+                <a:lnSpc>
+                  <a:spcPct val="100000"/>
+                </a:lnSpc>
+              </a:pPr>
+              <a:r>
+                <a:rPr lang="zh-TW" altLang="en-US" spc="-1" dirty="0">
+                  <a:solidFill>
+                    <a:srgbClr val="000000"/>
+                  </a:solidFill>
+                  <a:latin typeface="Calibri"/>
+                </a:rPr>
+                <a:t>出生</a:t>
+              </a:r>
+              <a:r>
+                <a:rPr lang="zh-TW" altLang="en-US" spc="-1" dirty="0" smtClean="0">
+                  <a:solidFill>
+                    <a:srgbClr val="000000"/>
+                  </a:solidFill>
+                  <a:latin typeface="Calibri"/>
+                </a:rPr>
+                <a:t>年</a:t>
+              </a:r>
+              <a:endParaRPr lang="en-US" altLang="zh-TW" spc="-1" dirty="0" smtClean="0">
+                <a:solidFill>
+                  <a:srgbClr val="000000"/>
+                </a:solidFill>
+                <a:latin typeface="Calibri"/>
+              </a:endParaRPr>
+            </a:p>
+            <a:p>
+              <a:pPr>
+                <a:lnSpc>
+                  <a:spcPct val="100000"/>
+                </a:lnSpc>
+              </a:pPr>
+              <a:r>
+                <a:rPr lang="zh-TW" altLang="en-US" spc="-1" dirty="0" smtClean="0">
+                  <a:solidFill>
+                    <a:srgbClr val="000000"/>
+                  </a:solidFill>
+                  <a:latin typeface="Calibri"/>
+                </a:rPr>
+                <a:t>月日</a:t>
+              </a:r>
+              <a:r>
+                <a:rPr lang="zh-TW" altLang="en-US" spc="-1" dirty="0">
+                  <a:solidFill>
+                    <a:srgbClr val="000000"/>
+                  </a:solidFill>
+                  <a:latin typeface="Calibri"/>
+                </a:rPr>
+                <a:t>時</a:t>
+              </a:r>
+              <a:endParaRPr lang="en-US" sz="1800" b="0" strike="noStrike" spc="-1" dirty="0">
+                <a:latin typeface="Arial"/>
+              </a:endParaRPr>
+            </a:p>
+          </p:txBody>
+        </p:sp>
+        <p:sp>
+          <p:nvSpPr>
+            <p:cNvPr id="196" name="流程圖: 資料 195"/>
+            <p:cNvSpPr/>
+            <p:nvPr/>
+          </p:nvSpPr>
+          <p:spPr>
+            <a:xfrm>
+              <a:off x="5767897" y="960283"/>
+              <a:ext cx="1246653" cy="691697"/>
+            </a:xfrm>
+            <a:prstGeom prst="flowChartInputOutput">
+              <a:avLst/>
+            </a:prstGeom>
+            <a:noFill/>
+            <a:ln>
+              <a:solidFill>
+                <a:schemeClr val="tx1"/>
+              </a:solidFill>
+            </a:ln>
+          </p:spPr>
+          <p:style>
+            <a:lnRef idx="2">
+              <a:schemeClr val="accent1">
+                <a:shade val="50000"/>
+              </a:schemeClr>
+            </a:lnRef>
+            <a:fillRef idx="1">
+              <a:schemeClr val="accent1"/>
+            </a:fillRef>
+            <a:effectRef idx="0">
+              <a:schemeClr val="accent1"/>
+            </a:effectRef>
+            <a:fontRef idx="minor">
+              <a:schemeClr val="lt1"/>
+            </a:fontRef>
+          </p:style>
+          <p:txBody>
+            <a:bodyPr rtlCol="0" anchor="ctr"/>
+            <a:lstStyle/>
+            <a:p>
+              <a:pPr algn="ctr"/>
+              <a:endParaRPr lang="zh-TW" altLang="en-US"/>
+            </a:p>
+          </p:txBody>
+        </p:sp>
+      </p:grpSp>
+      <p:grpSp>
+        <p:nvGrpSpPr>
+          <p:cNvPr id="201" name="群組 200"/>
+          <p:cNvGrpSpPr/>
+          <p:nvPr/>
+        </p:nvGrpSpPr>
+        <p:grpSpPr>
+          <a:xfrm>
+            <a:off x="5076056" y="5272064"/>
+            <a:ext cx="1318775" cy="411279"/>
+            <a:chOff x="697679" y="3110409"/>
+            <a:chExt cx="1318775" cy="208101"/>
+          </a:xfrm>
+        </p:grpSpPr>
+        <p:sp>
+          <p:nvSpPr>
+            <p:cNvPr id="202" name="CustomShape 14"/>
+            <p:cNvSpPr/>
+            <p:nvPr/>
+          </p:nvSpPr>
+          <p:spPr>
+            <a:xfrm>
+              <a:off x="697679" y="3110409"/>
+              <a:ext cx="1318775" cy="208101"/>
+            </a:xfrm>
+            <a:prstGeom prst="rect">
+              <a:avLst/>
+            </a:prstGeom>
+            <a:noFill/>
+            <a:ln>
+              <a:solidFill>
+                <a:schemeClr val="tx1"/>
+              </a:solidFill>
+              <a:round/>
+              <a:tailEnd type="triangle"/>
+            </a:ln>
+          </p:spPr>
+          <p:style>
+            <a:lnRef idx="2">
+              <a:schemeClr val="accent1">
+                <a:shade val="50000"/>
+              </a:schemeClr>
+            </a:lnRef>
+            <a:fillRef idx="1">
+              <a:schemeClr val="accent1"/>
+            </a:fillRef>
+            <a:effectRef idx="0">
+              <a:schemeClr val="accent1"/>
+            </a:effectRef>
+            <a:fontRef idx="minor"/>
+          </p:style>
+        </p:sp>
+        <p:sp>
+          <p:nvSpPr>
+            <p:cNvPr id="203" name="CustomShape 15"/>
+            <p:cNvSpPr/>
+            <p:nvPr/>
+          </p:nvSpPr>
+          <p:spPr>
+            <a:xfrm>
+              <a:off x="804507" y="3125619"/>
+              <a:ext cx="1104575" cy="186141"/>
+            </a:xfrm>
+            <a:prstGeom prst="rect">
+              <a:avLst/>
+            </a:prstGeom>
+            <a:noFill/>
+            <a:ln w="0">
+              <a:noFill/>
+              <a:tailEnd type="triangle"/>
+            </a:ln>
+          </p:spPr>
+          <p:style>
+            <a:lnRef idx="0">
+              <a:scrgbClr r="0" g="0" b="0"/>
+            </a:lnRef>
+            <a:fillRef idx="0">
+              <a:scrgbClr r="0" g="0" b="0"/>
+            </a:fillRef>
+            <a:effectRef idx="0">
+              <a:scrgbClr r="0" g="0" b="0"/>
+            </a:effectRef>
+            <a:fontRef idx="minor"/>
+          </p:style>
+          <p:txBody>
+            <a:bodyPr wrap="none" lIns="90000" tIns="45000" rIns="90000" bIns="45000">
+              <a:spAutoFit/>
+            </a:bodyPr>
+            <a:lstStyle/>
+            <a:p>
+              <a:pPr>
+                <a:lnSpc>
+                  <a:spcPct val="100000"/>
+                </a:lnSpc>
+              </a:pPr>
+              <a:r>
+                <a:rPr lang="zh-TW" altLang="en-US" spc="-1" dirty="0" smtClean="0">
+                  <a:solidFill>
+                    <a:srgbClr val="000000"/>
+                  </a:solidFill>
+                  <a:latin typeface="Calibri"/>
+                </a:rPr>
+                <a:t>算命網站</a:t>
+              </a:r>
+              <a:endParaRPr lang="en-US" sz="1800" b="0" strike="noStrike" spc="-1" dirty="0">
+                <a:latin typeface="Arial"/>
+              </a:endParaRPr>
+            </a:p>
+          </p:txBody>
+        </p:sp>
+      </p:grpSp>
+      <p:cxnSp>
+        <p:nvCxnSpPr>
+          <p:cNvPr id="204" name="直線單箭頭接點 203"/>
+          <p:cNvCxnSpPr>
+            <a:stCxn id="196" idx="1"/>
+            <a:endCxn id="202" idx="2"/>
+          </p:cNvCxnSpPr>
+          <p:nvPr/>
+        </p:nvCxnSpPr>
+        <p:spPr>
+          <a:xfrm flipH="1" flipV="1">
+            <a:off x="5735444" y="5683343"/>
+            <a:ext cx="14985" cy="283082"/>
+          </a:xfrm>
+          <a:prstGeom prst="straightConnector1">
+            <a:avLst/>
+          </a:prstGeom>
+          <a:ln>
+            <a:solidFill>
+              <a:srgbClr val="0070C0"/>
+            </a:solidFill>
+            <a:headEnd type="none" w="med" len="med"/>
+            <a:tailEnd type="triangle" w="med" len="med"/>
+          </a:ln>
+        </p:spPr>
+        <p:style>
+          <a:lnRef idx="1">
+            <a:schemeClr val="accent1"/>
+          </a:lnRef>
+          <a:fillRef idx="0">
+            <a:schemeClr val="accent1"/>
+          </a:fillRef>
+          <a:effectRef idx="0">
+            <a:schemeClr val="accent1"/>
+          </a:effectRef>
+          <a:fontRef idx="minor">
+            <a:schemeClr val="tx1"/>
+          </a:fontRef>
+        </p:style>
+      </p:cxnSp>
+      <p:grpSp>
+        <p:nvGrpSpPr>
+          <p:cNvPr id="210" name="群組 209"/>
+          <p:cNvGrpSpPr/>
+          <p:nvPr/>
+        </p:nvGrpSpPr>
+        <p:grpSpPr>
+          <a:xfrm>
+            <a:off x="2267744" y="5134230"/>
+            <a:ext cx="1355355" cy="657642"/>
+            <a:chOff x="3036793" y="4417973"/>
+            <a:chExt cx="1355355" cy="657642"/>
+          </a:xfrm>
+        </p:grpSpPr>
+        <p:sp>
+          <p:nvSpPr>
+            <p:cNvPr id="208" name="CustomShape 14"/>
+            <p:cNvSpPr/>
+            <p:nvPr/>
+          </p:nvSpPr>
+          <p:spPr>
+            <a:xfrm>
+              <a:off x="3036793" y="4436199"/>
+              <a:ext cx="1355355" cy="639416"/>
+            </a:xfrm>
+            <a:prstGeom prst="rect">
+              <a:avLst/>
+            </a:prstGeom>
+            <a:noFill/>
+            <a:ln>
+              <a:solidFill>
+                <a:schemeClr val="tx1"/>
+              </a:solidFill>
+              <a:round/>
+              <a:tailEnd type="triangle"/>
+            </a:ln>
+          </p:spPr>
+          <p:style>
+            <a:lnRef idx="2">
+              <a:schemeClr val="accent1">
+                <a:shade val="50000"/>
+              </a:schemeClr>
+            </a:lnRef>
+            <a:fillRef idx="1">
+              <a:schemeClr val="accent1"/>
+            </a:fillRef>
+            <a:effectRef idx="0">
+              <a:schemeClr val="accent1"/>
+            </a:effectRef>
+            <a:fontRef idx="minor"/>
+          </p:style>
+        </p:sp>
+        <p:sp>
+          <p:nvSpPr>
+            <p:cNvPr id="209" name="CustomShape 15"/>
+            <p:cNvSpPr/>
+            <p:nvPr/>
+          </p:nvSpPr>
+          <p:spPr>
+            <a:xfrm>
+              <a:off x="3080016" y="4417973"/>
+              <a:ext cx="1247314" cy="657642"/>
+            </a:xfrm>
+            <a:prstGeom prst="rect">
+              <a:avLst/>
+            </a:prstGeom>
+            <a:noFill/>
+            <a:ln w="0">
+              <a:noFill/>
+              <a:tailEnd type="triangle"/>
+            </a:ln>
+          </p:spPr>
+          <p:style>
+            <a:lnRef idx="0">
+              <a:scrgbClr r="0" g="0" b="0"/>
+            </a:lnRef>
+            <a:fillRef idx="0">
+              <a:scrgbClr r="0" g="0" b="0"/>
+            </a:fillRef>
+            <a:effectRef idx="0">
+              <a:scrgbClr r="0" g="0" b="0"/>
+            </a:effectRef>
+            <a:fontRef idx="minor"/>
+          </p:style>
+          <p:txBody>
+            <a:bodyPr wrap="square" lIns="90000" tIns="45000" rIns="90000" bIns="45000">
+              <a:spAutoFit/>
+            </a:bodyPr>
+            <a:lstStyle/>
+            <a:p>
+              <a:pPr algn="ctr">
+                <a:lnSpc>
+                  <a:spcPct val="100000"/>
+                </a:lnSpc>
+              </a:pPr>
+              <a:r>
+                <a:rPr lang="zh-TW" altLang="en-US" spc="-1" dirty="0">
+                  <a:solidFill>
+                    <a:srgbClr val="000000"/>
+                  </a:solidFill>
+                  <a:latin typeface="Calibri"/>
+                </a:rPr>
+                <a:t>顯示</a:t>
+              </a:r>
+              <a:r>
+                <a:rPr lang="zh-TW" altLang="en-US" spc="-1" dirty="0" smtClean="0">
+                  <a:solidFill>
+                    <a:srgbClr val="000000"/>
+                  </a:solidFill>
+                  <a:latin typeface="Calibri"/>
+                </a:rPr>
+                <a:t>八字</a:t>
+              </a:r>
+              <a:endParaRPr lang="en-US" altLang="zh-TW" spc="-1" dirty="0" smtClean="0">
+                <a:solidFill>
+                  <a:srgbClr val="000000"/>
+                </a:solidFill>
+                <a:latin typeface="Calibri"/>
+              </a:endParaRPr>
+            </a:p>
+            <a:p>
+              <a:pPr algn="ctr">
+                <a:lnSpc>
+                  <a:spcPct val="100000"/>
+                </a:lnSpc>
+              </a:pPr>
+              <a:r>
+                <a:rPr lang="zh-TW" altLang="en-US" spc="-1" dirty="0" smtClean="0">
+                  <a:solidFill>
+                    <a:srgbClr val="000000"/>
+                  </a:solidFill>
+                  <a:latin typeface="Calibri"/>
+                </a:rPr>
+                <a:t>結果</a:t>
+              </a:r>
+              <a:endParaRPr lang="en-US" sz="1800" b="0" strike="noStrike" spc="-1" dirty="0">
+                <a:latin typeface="Arial"/>
+              </a:endParaRPr>
+            </a:p>
+          </p:txBody>
+        </p:sp>
+      </p:grpSp>
+      <p:grpSp>
+        <p:nvGrpSpPr>
+          <p:cNvPr id="211" name="群組 210"/>
+          <p:cNvGrpSpPr/>
+          <p:nvPr/>
+        </p:nvGrpSpPr>
+        <p:grpSpPr>
+          <a:xfrm>
+            <a:off x="538522" y="5128048"/>
+            <a:ext cx="1355355" cy="657643"/>
+            <a:chOff x="3036793" y="4417972"/>
+            <a:chExt cx="1355355" cy="657643"/>
+          </a:xfrm>
+        </p:grpSpPr>
+        <p:sp>
+          <p:nvSpPr>
+            <p:cNvPr id="212" name="CustomShape 14"/>
+            <p:cNvSpPr/>
+            <p:nvPr/>
+          </p:nvSpPr>
+          <p:spPr>
+            <a:xfrm>
+              <a:off x="3036793" y="4436199"/>
+              <a:ext cx="1355355" cy="639416"/>
+            </a:xfrm>
+            <a:prstGeom prst="rect">
+              <a:avLst/>
+            </a:prstGeom>
+            <a:noFill/>
+            <a:ln>
+              <a:solidFill>
+                <a:schemeClr val="tx1"/>
+              </a:solidFill>
+              <a:round/>
+              <a:tailEnd type="triangle"/>
+            </a:ln>
+          </p:spPr>
+          <p:style>
+            <a:lnRef idx="2">
+              <a:schemeClr val="accent1">
+                <a:shade val="50000"/>
+              </a:schemeClr>
+            </a:lnRef>
+            <a:fillRef idx="1">
+              <a:schemeClr val="accent1"/>
+            </a:fillRef>
+            <a:effectRef idx="0">
+              <a:schemeClr val="accent1"/>
+            </a:effectRef>
+            <a:fontRef idx="minor"/>
+          </p:style>
+        </p:sp>
+        <p:sp>
+          <p:nvSpPr>
+            <p:cNvPr id="213" name="CustomShape 15"/>
+            <p:cNvSpPr/>
+            <p:nvPr/>
+          </p:nvSpPr>
+          <p:spPr>
+            <a:xfrm>
+              <a:off x="3108662" y="4417972"/>
+              <a:ext cx="1247314" cy="644877"/>
+            </a:xfrm>
+            <a:prstGeom prst="rect">
+              <a:avLst/>
+            </a:prstGeom>
+            <a:noFill/>
+            <a:ln w="0">
+              <a:noFill/>
+              <a:tailEnd type="triangle"/>
+            </a:ln>
+          </p:spPr>
+          <p:style>
+            <a:lnRef idx="0">
+              <a:scrgbClr r="0" g="0" b="0"/>
+            </a:lnRef>
+            <a:fillRef idx="0">
+              <a:scrgbClr r="0" g="0" b="0"/>
+            </a:fillRef>
+            <a:effectRef idx="0">
+              <a:scrgbClr r="0" g="0" b="0"/>
+            </a:effectRef>
+            <a:fontRef idx="minor"/>
+          </p:style>
+          <p:txBody>
+            <a:bodyPr wrap="square" lIns="90000" tIns="45000" rIns="90000" bIns="45000">
+              <a:spAutoFit/>
+            </a:bodyPr>
+            <a:lstStyle/>
+            <a:p>
+              <a:pPr algn="ctr">
+                <a:lnSpc>
+                  <a:spcPct val="100000"/>
+                </a:lnSpc>
+              </a:pPr>
+              <a:r>
+                <a:rPr lang="zh-TW" altLang="en-US" spc="-1" dirty="0" smtClean="0">
+                  <a:solidFill>
+                    <a:srgbClr val="000000"/>
+                  </a:solidFill>
+                  <a:latin typeface="Calibri"/>
+                </a:rPr>
+                <a:t>顯示</a:t>
+              </a:r>
+              <a:r>
+                <a:rPr lang="zh-TW" altLang="en-US" spc="-1" dirty="0">
+                  <a:solidFill>
+                    <a:srgbClr val="000000"/>
+                  </a:solidFill>
+                  <a:latin typeface="Calibri"/>
+                </a:rPr>
+                <a:t>公司</a:t>
+              </a:r>
+              <a:endParaRPr lang="en-US" altLang="zh-TW" spc="-1" dirty="0" smtClean="0">
+                <a:solidFill>
+                  <a:srgbClr val="000000"/>
+                </a:solidFill>
+                <a:latin typeface="Calibri"/>
+              </a:endParaRPr>
+            </a:p>
+            <a:p>
+              <a:pPr algn="ctr">
+                <a:lnSpc>
+                  <a:spcPct val="100000"/>
+                </a:lnSpc>
+              </a:pPr>
+              <a:r>
+                <a:rPr lang="zh-TW" altLang="en-US" spc="-1" dirty="0" smtClean="0">
+                  <a:solidFill>
+                    <a:srgbClr val="000000"/>
+                  </a:solidFill>
+                  <a:latin typeface="Calibri"/>
+                </a:rPr>
+                <a:t>結果</a:t>
+              </a:r>
+              <a:endParaRPr lang="en-US" sz="1800" b="0" strike="noStrike" spc="-1" dirty="0">
+                <a:latin typeface="Arial"/>
+              </a:endParaRPr>
+            </a:p>
+          </p:txBody>
+        </p:sp>
+      </p:grpSp>
+      <p:cxnSp>
+        <p:nvCxnSpPr>
+          <p:cNvPr id="217" name="直線單箭頭接點 216"/>
+          <p:cNvCxnSpPr>
+            <a:stCxn id="147" idx="3"/>
+            <a:endCxn id="283" idx="2"/>
+          </p:cNvCxnSpPr>
+          <p:nvPr/>
+        </p:nvCxnSpPr>
+        <p:spPr>
+          <a:xfrm flipV="1">
+            <a:off x="2584352" y="4164597"/>
+            <a:ext cx="1673709" cy="2886"/>
+          </a:xfrm>
+          <a:prstGeom prst="straightConnector1">
+            <a:avLst/>
+          </a:prstGeom>
+          <a:ln>
+            <a:solidFill>
+              <a:schemeClr val="tx1"/>
+            </a:solidFill>
+            <a:headEnd type="none" w="med" len="med"/>
+            <a:tailEnd type="triangle" w="med" len="med"/>
+          </a:ln>
+        </p:spPr>
+        <p:style>
+          <a:lnRef idx="1">
+            <a:schemeClr val="accent1"/>
+          </a:lnRef>
+          <a:fillRef idx="0">
+            <a:schemeClr val="accent1"/>
+          </a:fillRef>
+          <a:effectRef idx="0">
+            <a:schemeClr val="accent1"/>
+          </a:effectRef>
+          <a:fontRef idx="minor">
+            <a:schemeClr val="tx1"/>
+          </a:fontRef>
+        </p:style>
+      </p:cxnSp>
+      <p:cxnSp>
+        <p:nvCxnSpPr>
+          <p:cNvPr id="222" name="直線單箭頭接點 221"/>
+          <p:cNvCxnSpPr>
+            <a:stCxn id="283" idx="5"/>
+            <a:endCxn id="155" idx="1"/>
+          </p:cNvCxnSpPr>
+          <p:nvPr/>
+        </p:nvCxnSpPr>
+        <p:spPr>
+          <a:xfrm>
+            <a:off x="5984490" y="4164597"/>
+            <a:ext cx="1298628" cy="3071"/>
+          </a:xfrm>
+          <a:prstGeom prst="straightConnector1">
+            <a:avLst/>
+          </a:prstGeom>
+          <a:ln>
+            <a:solidFill>
+              <a:srgbClr val="0070C0"/>
+            </a:solidFill>
+            <a:headEnd type="none" w="med" len="med"/>
+            <a:tailEnd type="triangle" w="med" len="med"/>
+          </a:ln>
+        </p:spPr>
+        <p:style>
+          <a:lnRef idx="1">
+            <a:schemeClr val="accent1"/>
+          </a:lnRef>
+          <a:fillRef idx="0">
+            <a:schemeClr val="accent1"/>
+          </a:fillRef>
+          <a:effectRef idx="0">
+            <a:schemeClr val="accent1"/>
+          </a:effectRef>
+          <a:fontRef idx="minor">
+            <a:schemeClr val="tx1"/>
+          </a:fontRef>
+        </p:style>
+      </p:cxnSp>
+      <p:cxnSp>
+        <p:nvCxnSpPr>
+          <p:cNvPr id="225" name="直線單箭頭接點 224"/>
+          <p:cNvCxnSpPr>
+            <a:stCxn id="181" idx="2"/>
+            <a:endCxn id="212" idx="0"/>
+          </p:cNvCxnSpPr>
+          <p:nvPr/>
+        </p:nvCxnSpPr>
+        <p:spPr>
+          <a:xfrm>
+            <a:off x="1216200" y="4922996"/>
+            <a:ext cx="0" cy="223279"/>
+          </a:xfrm>
+          <a:prstGeom prst="straightConnector1">
+            <a:avLst/>
+          </a:prstGeom>
+          <a:ln>
+            <a:solidFill>
+              <a:schemeClr val="tx1"/>
+            </a:solidFill>
+            <a:headEnd type="none" w="med" len="med"/>
+            <a:tailEnd type="triangle" w="med" len="med"/>
+          </a:ln>
+        </p:spPr>
+        <p:style>
+          <a:lnRef idx="1">
+            <a:schemeClr val="accent1"/>
+          </a:lnRef>
+          <a:fillRef idx="0">
+            <a:schemeClr val="accent1"/>
+          </a:fillRef>
+          <a:effectRef idx="0">
+            <a:schemeClr val="accent1"/>
+          </a:effectRef>
+          <a:fontRef idx="minor">
+            <a:schemeClr val="tx1"/>
+          </a:fontRef>
+        </p:style>
+      </p:cxnSp>
+      <p:cxnSp>
+        <p:nvCxnSpPr>
+          <p:cNvPr id="230" name="直線單箭頭接點 229"/>
+          <p:cNvCxnSpPr>
+            <a:stCxn id="183" idx="2"/>
+            <a:endCxn id="208" idx="0"/>
+          </p:cNvCxnSpPr>
+          <p:nvPr/>
+        </p:nvCxnSpPr>
+        <p:spPr>
+          <a:xfrm flipH="1">
+            <a:off x="2945422" y="4927776"/>
+            <a:ext cx="5395" cy="224680"/>
+          </a:xfrm>
+          <a:prstGeom prst="straightConnector1">
+            <a:avLst/>
+          </a:prstGeom>
+          <a:ln>
+            <a:solidFill>
+              <a:schemeClr val="tx1"/>
+            </a:solidFill>
+            <a:headEnd type="none" w="med" len="med"/>
+            <a:tailEnd type="triangle" w="med" len="med"/>
+          </a:ln>
+        </p:spPr>
+        <p:style>
+          <a:lnRef idx="1">
+            <a:schemeClr val="accent1"/>
+          </a:lnRef>
+          <a:fillRef idx="0">
+            <a:schemeClr val="accent1"/>
+          </a:fillRef>
+          <a:effectRef idx="0">
+            <a:schemeClr val="accent1"/>
+          </a:effectRef>
+          <a:fontRef idx="minor">
+            <a:schemeClr val="tx1"/>
+          </a:fontRef>
+        </p:style>
+      </p:cxnSp>
+      <p:grpSp>
+        <p:nvGrpSpPr>
+          <p:cNvPr id="241" name="群組 240"/>
+          <p:cNvGrpSpPr/>
+          <p:nvPr/>
+        </p:nvGrpSpPr>
+        <p:grpSpPr>
+          <a:xfrm>
+            <a:off x="1475656" y="6150227"/>
+            <a:ext cx="1156713" cy="519133"/>
+            <a:chOff x="4202081" y="2621835"/>
+            <a:chExt cx="1156713" cy="519133"/>
+          </a:xfrm>
+        </p:grpSpPr>
+        <p:sp>
+          <p:nvSpPr>
+            <p:cNvPr id="242" name="CustomShape 2"/>
+            <p:cNvSpPr/>
+            <p:nvPr/>
+          </p:nvSpPr>
+          <p:spPr>
+            <a:xfrm>
+              <a:off x="4466443" y="2699061"/>
+              <a:ext cx="643166" cy="367878"/>
+            </a:xfrm>
+            <a:prstGeom prst="rect">
+              <a:avLst/>
+            </a:prstGeom>
+            <a:noFill/>
+            <a:ln w="0">
+              <a:noFill/>
+              <a:tailEnd type="triangle"/>
+            </a:ln>
+          </p:spPr>
+          <p:style>
+            <a:lnRef idx="0">
+              <a:scrgbClr r="0" g="0" b="0"/>
+            </a:lnRef>
+            <a:fillRef idx="0">
+              <a:scrgbClr r="0" g="0" b="0"/>
+            </a:fillRef>
+            <a:effectRef idx="0">
+              <a:scrgbClr r="0" g="0" b="0"/>
+            </a:effectRef>
+            <a:fontRef idx="minor"/>
+          </p:style>
+          <p:txBody>
+            <a:bodyPr wrap="none" lIns="90000" tIns="45000" rIns="90000" bIns="45000">
+              <a:spAutoFit/>
+            </a:bodyPr>
+            <a:lstStyle/>
+            <a:p>
+              <a:pPr>
+                <a:lnSpc>
+                  <a:spcPct val="100000"/>
+                </a:lnSpc>
+              </a:pPr>
+              <a:r>
+                <a:rPr lang="zh-TW" altLang="en-US" spc="-1" dirty="0">
+                  <a:solidFill>
+                    <a:srgbClr val="000000"/>
+                  </a:solidFill>
+                  <a:latin typeface="Calibri"/>
+                </a:rPr>
+                <a:t>登出</a:t>
+              </a:r>
+              <a:endParaRPr lang="en-US" spc="-1" dirty="0">
+                <a:solidFill>
+                  <a:srgbClr val="000000"/>
+                </a:solidFill>
+                <a:latin typeface="Calibri"/>
+              </a:endParaRPr>
+            </a:p>
+          </p:txBody>
+        </p:sp>
+        <p:sp>
+          <p:nvSpPr>
+            <p:cNvPr id="243" name="流程圖: 結束點 242"/>
+            <p:cNvSpPr/>
+            <p:nvPr/>
+          </p:nvSpPr>
+          <p:spPr>
+            <a:xfrm>
+              <a:off x="4202081" y="2621835"/>
+              <a:ext cx="1156713" cy="519133"/>
+            </a:xfrm>
+            <a:prstGeom prst="flowChartTerminator">
+              <a:avLst/>
+            </a:prstGeom>
+            <a:noFill/>
+            <a:ln>
+              <a:solidFill>
+                <a:schemeClr val="tx1"/>
+              </a:solidFill>
+              <a:round/>
+              <a:tailEnd type="triangle"/>
+            </a:ln>
+          </p:spPr>
+          <p:style>
+            <a:lnRef idx="2">
+              <a:schemeClr val="accent1">
+                <a:shade val="50000"/>
+              </a:schemeClr>
+            </a:lnRef>
+            <a:fillRef idx="1">
+              <a:schemeClr val="accent1"/>
+            </a:fillRef>
+            <a:effectRef idx="0">
+              <a:schemeClr val="accent1"/>
+            </a:effectRef>
+            <a:fontRef idx="minor"/>
+          </p:style>
+          <p:txBody>
+            <a:bodyPr rtlCol="0" anchor="ctr"/>
+            <a:lstStyle/>
+            <a:p>
+              <a:pPr algn="ctr"/>
+              <a:endParaRPr lang="zh-TW" altLang="en-US"/>
+            </a:p>
+          </p:txBody>
+        </p:sp>
+      </p:grpSp>
+      <p:cxnSp>
+        <p:nvCxnSpPr>
+          <p:cNvPr id="247" name="肘形接點 246"/>
+          <p:cNvCxnSpPr>
+            <a:stCxn id="212" idx="3"/>
+            <a:endCxn id="243" idx="0"/>
+          </p:cNvCxnSpPr>
+          <p:nvPr/>
+        </p:nvCxnSpPr>
+        <p:spPr>
+          <a:xfrm>
+            <a:off x="1893877" y="5465983"/>
+            <a:ext cx="160136" cy="684244"/>
+          </a:xfrm>
+          <a:prstGeom prst="bentConnector2">
+            <a:avLst/>
+          </a:prstGeom>
+          <a:ln>
+            <a:solidFill>
+              <a:schemeClr val="tx1"/>
+            </a:solidFill>
+            <a:headEnd type="none" w="med" len="med"/>
+            <a:tailEnd type="triangle" w="med" len="med"/>
+          </a:ln>
+        </p:spPr>
+        <p:style>
+          <a:lnRef idx="1">
+            <a:schemeClr val="accent1"/>
+          </a:lnRef>
+          <a:fillRef idx="0">
+            <a:schemeClr val="accent1"/>
+          </a:fillRef>
+          <a:effectRef idx="0">
+            <a:schemeClr val="accent1"/>
+          </a:effectRef>
+          <a:fontRef idx="minor">
+            <a:schemeClr val="tx1"/>
+          </a:fontRef>
+        </p:style>
+      </p:cxnSp>
+      <p:cxnSp>
+        <p:nvCxnSpPr>
+          <p:cNvPr id="250" name="肘形接點 249"/>
+          <p:cNvCxnSpPr>
+            <a:stCxn id="208" idx="1"/>
+            <a:endCxn id="243" idx="0"/>
+          </p:cNvCxnSpPr>
+          <p:nvPr/>
+        </p:nvCxnSpPr>
+        <p:spPr>
+          <a:xfrm rot="10800000" flipV="1">
+            <a:off x="2054014" y="5472163"/>
+            <a:ext cx="213731" cy="678063"/>
+          </a:xfrm>
+          <a:prstGeom prst="bentConnector2">
+            <a:avLst/>
+          </a:prstGeom>
+          <a:ln>
+            <a:solidFill>
+              <a:schemeClr val="tx1"/>
+            </a:solidFill>
+            <a:headEnd type="none" w="med" len="med"/>
+            <a:tailEnd type="triangle" w="med" len="med"/>
+          </a:ln>
+        </p:spPr>
+        <p:style>
+          <a:lnRef idx="1">
+            <a:schemeClr val="accent1"/>
+          </a:lnRef>
+          <a:fillRef idx="0">
+            <a:schemeClr val="accent1"/>
+          </a:fillRef>
+          <a:effectRef idx="0">
+            <a:schemeClr val="accent1"/>
+          </a:effectRef>
+          <a:fontRef idx="minor">
+            <a:schemeClr val="tx1"/>
+          </a:fontRef>
+        </p:style>
+      </p:cxnSp>
+      <p:cxnSp>
+        <p:nvCxnSpPr>
+          <p:cNvPr id="254" name="肘形接點 253"/>
+          <p:cNvCxnSpPr>
+            <a:stCxn id="151" idx="3"/>
+            <a:endCxn id="213" idx="2"/>
+          </p:cNvCxnSpPr>
+          <p:nvPr/>
+        </p:nvCxnSpPr>
+        <p:spPr>
+          <a:xfrm rot="5400000" flipH="1">
+            <a:off x="4352743" y="2654231"/>
+            <a:ext cx="378987" cy="6616377"/>
+          </a:xfrm>
+          <a:prstGeom prst="bentConnector3">
+            <a:avLst>
+              <a:gd name="adj1" fmla="val -154567"/>
+            </a:avLst>
+          </a:prstGeom>
+          <a:ln>
+            <a:solidFill>
+              <a:srgbClr val="0070C0"/>
+            </a:solidFill>
+            <a:headEnd type="none" w="med" len="med"/>
+            <a:tailEnd type="triangle" w="med" len="med"/>
+          </a:ln>
+        </p:spPr>
+        <p:style>
+          <a:lnRef idx="1">
+            <a:schemeClr val="accent1"/>
+          </a:lnRef>
+          <a:fillRef idx="0">
+            <a:schemeClr val="accent1"/>
+          </a:fillRef>
+          <a:effectRef idx="0">
+            <a:schemeClr val="accent1"/>
+          </a:effectRef>
+          <a:fontRef idx="minor">
+            <a:schemeClr val="tx1"/>
+          </a:fontRef>
+        </p:style>
+      </p:cxnSp>
+      <p:grpSp>
+        <p:nvGrpSpPr>
+          <p:cNvPr id="258" name="群組 257"/>
+          <p:cNvGrpSpPr/>
+          <p:nvPr/>
+        </p:nvGrpSpPr>
+        <p:grpSpPr>
+          <a:xfrm>
+            <a:off x="1216200" y="1211608"/>
+            <a:ext cx="1699616" cy="830160"/>
+            <a:chOff x="4002233" y="2421020"/>
+            <a:chExt cx="1699616" cy="830160"/>
+          </a:xfrm>
+        </p:grpSpPr>
+        <p:sp>
+          <p:nvSpPr>
+            <p:cNvPr id="259" name="CustomShape 7"/>
+            <p:cNvSpPr/>
+            <p:nvPr/>
+          </p:nvSpPr>
+          <p:spPr>
+            <a:xfrm>
+              <a:off x="4002233" y="2421020"/>
+              <a:ext cx="1699616" cy="830160"/>
+            </a:xfrm>
+            <a:prstGeom prst="diamond">
+              <a:avLst/>
+            </a:prstGeom>
+            <a:noFill/>
+            <a:ln>
+              <a:solidFill>
+                <a:schemeClr val="tx1"/>
+              </a:solidFill>
+              <a:round/>
+              <a:tailEnd type="triangle"/>
+            </a:ln>
+          </p:spPr>
+          <p:style>
+            <a:lnRef idx="2">
+              <a:schemeClr val="accent1">
+                <a:shade val="50000"/>
+              </a:schemeClr>
+            </a:lnRef>
+            <a:fillRef idx="1">
+              <a:schemeClr val="accent1"/>
+            </a:fillRef>
+            <a:effectRef idx="0">
+              <a:schemeClr val="accent1"/>
+            </a:effectRef>
+            <a:fontRef idx="minor"/>
+          </p:style>
+        </p:sp>
+        <p:sp>
+          <p:nvSpPr>
+            <p:cNvPr id="260" name="CustomShape 8"/>
+            <p:cNvSpPr/>
+            <p:nvPr/>
+          </p:nvSpPr>
+          <p:spPr>
+            <a:xfrm>
+              <a:off x="4296169" y="2636907"/>
+              <a:ext cx="1104575" cy="367878"/>
+            </a:xfrm>
+            <a:prstGeom prst="rect">
+              <a:avLst/>
+            </a:prstGeom>
+            <a:noFill/>
+            <a:ln w="0">
+              <a:noFill/>
+              <a:tailEnd type="triangle"/>
+            </a:ln>
+          </p:spPr>
+          <p:style>
+            <a:lnRef idx="0">
+              <a:scrgbClr r="0" g="0" b="0"/>
+            </a:lnRef>
+            <a:fillRef idx="0">
+              <a:scrgbClr r="0" g="0" b="0"/>
+            </a:fillRef>
+            <a:effectRef idx="0">
+              <a:scrgbClr r="0" g="0" b="0"/>
+            </a:effectRef>
+            <a:fontRef idx="minor"/>
+          </p:style>
+          <p:txBody>
+            <a:bodyPr wrap="none" lIns="90000" tIns="45000" rIns="90000" bIns="45000">
+              <a:spAutoFit/>
+            </a:bodyPr>
+            <a:lstStyle/>
+            <a:p>
+              <a:pPr>
+                <a:lnSpc>
+                  <a:spcPct val="100000"/>
+                </a:lnSpc>
+              </a:pPr>
+              <a:r>
+                <a:rPr lang="zh-TW" altLang="en-US" spc="-1" dirty="0" smtClean="0">
+                  <a:solidFill>
+                    <a:srgbClr val="000000"/>
+                  </a:solidFill>
+                  <a:latin typeface="Calibri"/>
+                </a:rPr>
+                <a:t>同意</a:t>
+              </a:r>
+              <a:r>
+                <a:rPr lang="zh-TW" altLang="en-US" spc="-1" dirty="0">
+                  <a:solidFill>
+                    <a:srgbClr val="000000"/>
+                  </a:solidFill>
+                  <a:latin typeface="Calibri"/>
+                </a:rPr>
+                <a:t>規則</a:t>
+              </a:r>
+              <a:endParaRPr lang="en-US" spc="-1" dirty="0">
+                <a:solidFill>
+                  <a:srgbClr val="000000"/>
+                </a:solidFill>
+                <a:latin typeface="Calibri"/>
+              </a:endParaRPr>
+            </a:p>
+          </p:txBody>
+        </p:sp>
+      </p:grpSp>
+      <p:cxnSp>
+        <p:nvCxnSpPr>
+          <p:cNvPr id="261" name="直線單箭頭接點 260"/>
+          <p:cNvCxnSpPr>
+            <a:stCxn id="259" idx="2"/>
+            <a:endCxn id="46" idx="0"/>
+          </p:cNvCxnSpPr>
+          <p:nvPr/>
+        </p:nvCxnSpPr>
+        <p:spPr>
+          <a:xfrm>
+            <a:off x="2066008" y="2041768"/>
+            <a:ext cx="0" cy="197032"/>
+          </a:xfrm>
+          <a:prstGeom prst="straightConnector1">
+            <a:avLst/>
+          </a:prstGeom>
+          <a:ln>
+            <a:solidFill>
+              <a:schemeClr val="tx1"/>
+            </a:solidFill>
+            <a:headEnd type="none" w="med" len="med"/>
+            <a:tailEnd type="triangle" w="med" len="med"/>
+          </a:ln>
+        </p:spPr>
+        <p:style>
+          <a:lnRef idx="1">
+            <a:schemeClr val="accent1"/>
+          </a:lnRef>
+          <a:fillRef idx="0">
+            <a:schemeClr val="accent1"/>
+          </a:fillRef>
+          <a:effectRef idx="0">
+            <a:schemeClr val="accent1"/>
+          </a:effectRef>
+          <a:fontRef idx="minor">
+            <a:schemeClr val="tx1"/>
+          </a:fontRef>
+        </p:style>
+      </p:cxnSp>
+      <p:cxnSp>
+        <p:nvCxnSpPr>
+          <p:cNvPr id="264" name="直線單箭頭接點 263"/>
+          <p:cNvCxnSpPr>
+            <a:stCxn id="259" idx="3"/>
+            <a:endCxn id="272" idx="1"/>
+          </p:cNvCxnSpPr>
+          <p:nvPr/>
+        </p:nvCxnSpPr>
+        <p:spPr>
+          <a:xfrm flipV="1">
+            <a:off x="2915816" y="1625722"/>
+            <a:ext cx="734564" cy="966"/>
+          </a:xfrm>
+          <a:prstGeom prst="straightConnector1">
+            <a:avLst/>
+          </a:prstGeom>
+          <a:ln>
+            <a:solidFill>
+              <a:schemeClr val="tx1"/>
+            </a:solidFill>
+            <a:headEnd type="none" w="med" len="med"/>
+            <a:tailEnd type="triangle" w="med" len="med"/>
+          </a:ln>
+        </p:spPr>
+        <p:style>
+          <a:lnRef idx="1">
+            <a:schemeClr val="accent1"/>
+          </a:lnRef>
+          <a:fillRef idx="0">
+            <a:schemeClr val="accent1"/>
+          </a:fillRef>
+          <a:effectRef idx="0">
+            <a:schemeClr val="accent1"/>
+          </a:effectRef>
+          <a:fontRef idx="minor">
+            <a:schemeClr val="tx1"/>
+          </a:fontRef>
+        </p:style>
+      </p:cxnSp>
+      <p:grpSp>
+        <p:nvGrpSpPr>
+          <p:cNvPr id="270" name="群組 269"/>
+          <p:cNvGrpSpPr/>
+          <p:nvPr/>
+        </p:nvGrpSpPr>
+        <p:grpSpPr>
+          <a:xfrm>
+            <a:off x="3650380" y="1366155"/>
+            <a:ext cx="1156713" cy="519133"/>
+            <a:chOff x="4202081" y="2621835"/>
+            <a:chExt cx="1156713" cy="519133"/>
+          </a:xfrm>
+        </p:grpSpPr>
+        <p:sp>
+          <p:nvSpPr>
+            <p:cNvPr id="271" name="CustomShape 2"/>
+            <p:cNvSpPr/>
+            <p:nvPr/>
+          </p:nvSpPr>
+          <p:spPr>
+            <a:xfrm>
+              <a:off x="4466443" y="2699061"/>
+              <a:ext cx="643166" cy="367878"/>
+            </a:xfrm>
+            <a:prstGeom prst="rect">
+              <a:avLst/>
+            </a:prstGeom>
+            <a:noFill/>
+            <a:ln w="0">
+              <a:noFill/>
+              <a:tailEnd type="triangle"/>
+            </a:ln>
+          </p:spPr>
+          <p:style>
+            <a:lnRef idx="0">
+              <a:scrgbClr r="0" g="0" b="0"/>
+            </a:lnRef>
+            <a:fillRef idx="0">
+              <a:scrgbClr r="0" g="0" b="0"/>
+            </a:fillRef>
+            <a:effectRef idx="0">
+              <a:scrgbClr r="0" g="0" b="0"/>
+            </a:effectRef>
+            <a:fontRef idx="minor"/>
+          </p:style>
+          <p:txBody>
+            <a:bodyPr wrap="none" lIns="90000" tIns="45000" rIns="90000" bIns="45000">
+              <a:spAutoFit/>
+            </a:bodyPr>
+            <a:lstStyle/>
+            <a:p>
+              <a:pPr>
+                <a:lnSpc>
+                  <a:spcPct val="100000"/>
+                </a:lnSpc>
+              </a:pPr>
+              <a:r>
+                <a:rPr lang="zh-TW" altLang="en-US" spc="-1" dirty="0">
+                  <a:solidFill>
+                    <a:srgbClr val="000000"/>
+                  </a:solidFill>
+                  <a:latin typeface="Calibri"/>
+                </a:rPr>
+                <a:t>結束</a:t>
+              </a:r>
+              <a:endParaRPr lang="en-US" spc="-1" dirty="0">
+                <a:solidFill>
+                  <a:srgbClr val="000000"/>
+                </a:solidFill>
+                <a:latin typeface="Calibri"/>
+              </a:endParaRPr>
+            </a:p>
+          </p:txBody>
+        </p:sp>
+        <p:sp>
+          <p:nvSpPr>
+            <p:cNvPr id="272" name="流程圖: 結束點 271"/>
+            <p:cNvSpPr/>
+            <p:nvPr/>
+          </p:nvSpPr>
+          <p:spPr>
+            <a:xfrm>
+              <a:off x="4202081" y="2621835"/>
+              <a:ext cx="1156713" cy="519133"/>
+            </a:xfrm>
+            <a:prstGeom prst="flowChartTerminator">
+              <a:avLst/>
+            </a:prstGeom>
+            <a:noFill/>
+            <a:ln>
+              <a:solidFill>
+                <a:schemeClr val="tx1"/>
+              </a:solidFill>
+              <a:round/>
+              <a:tailEnd type="triangle"/>
+            </a:ln>
+          </p:spPr>
+          <p:style>
+            <a:lnRef idx="2">
+              <a:schemeClr val="accent1">
+                <a:shade val="50000"/>
+              </a:schemeClr>
+            </a:lnRef>
+            <a:fillRef idx="1">
+              <a:schemeClr val="accent1"/>
+            </a:fillRef>
+            <a:effectRef idx="0">
+              <a:schemeClr val="accent1"/>
+            </a:effectRef>
+            <a:fontRef idx="minor"/>
+          </p:style>
+          <p:txBody>
+            <a:bodyPr rtlCol="0" anchor="ctr"/>
+            <a:lstStyle/>
+            <a:p>
+              <a:pPr algn="ctr"/>
+              <a:endParaRPr lang="zh-TW" altLang="en-US"/>
+            </a:p>
+          </p:txBody>
+        </p:sp>
+      </p:grpSp>
+      <p:sp>
+        <p:nvSpPr>
+          <p:cNvPr id="274" name="CustomShape 26"/>
+          <p:cNvSpPr/>
+          <p:nvPr/>
+        </p:nvSpPr>
+        <p:spPr>
+          <a:xfrm>
+            <a:off x="2119661" y="1921940"/>
+            <a:ext cx="292320" cy="364680"/>
+          </a:xfrm>
+          <a:prstGeom prst="rect">
+            <a:avLst/>
+          </a:prstGeom>
+          <a:noFill/>
+          <a:ln w="0">
+            <a:noFill/>
+            <a:tailEnd type="triangle"/>
+          </a:ln>
+        </p:spPr>
+        <p:style>
+          <a:lnRef idx="0">
+            <a:scrgbClr r="0" g="0" b="0"/>
+          </a:lnRef>
+          <a:fillRef idx="0">
+            <a:scrgbClr r="0" g="0" b="0"/>
+          </a:fillRef>
+          <a:effectRef idx="0">
+            <a:scrgbClr r="0" g="0" b="0"/>
+          </a:effectRef>
+          <a:fontRef idx="minor"/>
+        </p:style>
+        <p:txBody>
+          <a:bodyPr wrap="none" lIns="90000" tIns="45000" rIns="90000" bIns="45000">
+            <a:spAutoFit/>
+          </a:bodyPr>
+          <a:lstStyle/>
+          <a:p>
+            <a:pPr>
+              <a:lnSpc>
+                <a:spcPct val="100000"/>
+              </a:lnSpc>
+            </a:pPr>
+            <a:r>
+              <a:rPr lang="en-US" sz="1800" b="0" strike="noStrike" spc="-1" dirty="0">
+                <a:solidFill>
+                  <a:srgbClr val="000000"/>
+                </a:solidFill>
+                <a:latin typeface="Calibri"/>
+              </a:rPr>
+              <a:t>Y</a:t>
+            </a:r>
+            <a:endParaRPr lang="en-US" sz="1800" b="0" strike="noStrike" spc="-1" dirty="0">
+              <a:latin typeface="Arial"/>
+            </a:endParaRPr>
+          </a:p>
+        </p:txBody>
+      </p:sp>
+      <p:sp>
+        <p:nvSpPr>
+          <p:cNvPr id="275" name="CustomShape 6"/>
+          <p:cNvSpPr/>
+          <p:nvPr/>
+        </p:nvSpPr>
+        <p:spPr>
+          <a:xfrm>
+            <a:off x="2870610" y="1245155"/>
+            <a:ext cx="329040" cy="364680"/>
+          </a:xfrm>
+          <a:prstGeom prst="rect">
+            <a:avLst/>
+          </a:prstGeom>
+          <a:noFill/>
+          <a:ln w="0">
+            <a:noFill/>
+            <a:tailEnd type="triangle"/>
+          </a:ln>
+        </p:spPr>
+        <p:style>
+          <a:lnRef idx="0">
+            <a:scrgbClr r="0" g="0" b="0"/>
+          </a:lnRef>
+          <a:fillRef idx="0">
+            <a:scrgbClr r="0" g="0" b="0"/>
+          </a:fillRef>
+          <a:effectRef idx="0">
+            <a:scrgbClr r="0" g="0" b="0"/>
+          </a:effectRef>
+          <a:fontRef idx="minor"/>
+        </p:style>
+        <p:txBody>
+          <a:bodyPr wrap="none" lIns="90000" tIns="45000" rIns="90000" bIns="45000">
+            <a:spAutoFit/>
+          </a:bodyPr>
+          <a:lstStyle/>
+          <a:p>
+            <a:pPr>
+              <a:lnSpc>
+                <a:spcPct val="100000"/>
+              </a:lnSpc>
+            </a:pPr>
+            <a:r>
+              <a:rPr lang="en-US" sz="1800" b="0" strike="noStrike" spc="-1" dirty="0">
+                <a:solidFill>
+                  <a:srgbClr val="000000"/>
+                </a:solidFill>
+                <a:latin typeface="Calibri"/>
+              </a:rPr>
+              <a:t>N</a:t>
+            </a:r>
+            <a:endParaRPr lang="en-US" sz="1800" b="0" strike="noStrike" spc="-1" dirty="0">
+              <a:latin typeface="Arial"/>
+            </a:endParaRPr>
+          </a:p>
+        </p:txBody>
+      </p:sp>
+      <p:cxnSp>
+        <p:nvCxnSpPr>
+          <p:cNvPr id="276" name="直線單箭頭接點 275"/>
+          <p:cNvCxnSpPr>
+            <a:stCxn id="134" idx="2"/>
+            <a:endCxn id="259" idx="0"/>
+          </p:cNvCxnSpPr>
+          <p:nvPr/>
+        </p:nvCxnSpPr>
+        <p:spPr>
+          <a:xfrm>
+            <a:off x="2054013" y="1059208"/>
+            <a:ext cx="11995" cy="152400"/>
+          </a:xfrm>
+          <a:prstGeom prst="straightConnector1">
+            <a:avLst/>
+          </a:prstGeom>
+          <a:ln>
+            <a:solidFill>
+              <a:schemeClr val="tx1"/>
+            </a:solidFill>
+            <a:headEnd type="none" w="med" len="med"/>
+            <a:tailEnd type="triangle" w="med" len="med"/>
+          </a:ln>
+        </p:spPr>
+        <p:style>
+          <a:lnRef idx="1">
+            <a:schemeClr val="accent1"/>
+          </a:lnRef>
+          <a:fillRef idx="0">
+            <a:schemeClr val="accent1"/>
+          </a:fillRef>
+          <a:effectRef idx="0">
+            <a:schemeClr val="accent1"/>
+          </a:effectRef>
+          <a:fontRef idx="minor">
+            <a:schemeClr val="tx1"/>
+          </a:fontRef>
+        </p:style>
+      </p:cxnSp>
+      <p:grpSp>
+        <p:nvGrpSpPr>
+          <p:cNvPr id="281" name="群組 280"/>
+          <p:cNvGrpSpPr/>
+          <p:nvPr/>
+        </p:nvGrpSpPr>
+        <p:grpSpPr>
+          <a:xfrm>
+            <a:off x="4042257" y="3826385"/>
+            <a:ext cx="2158037" cy="942191"/>
+            <a:chOff x="5841559" y="1179135"/>
+            <a:chExt cx="1246653" cy="787477"/>
+          </a:xfrm>
+        </p:grpSpPr>
+        <p:sp>
+          <p:nvSpPr>
+            <p:cNvPr id="282" name="CustomShape 12"/>
+            <p:cNvSpPr/>
+            <p:nvPr/>
+          </p:nvSpPr>
+          <p:spPr>
+            <a:xfrm>
+              <a:off x="6000955" y="1196114"/>
+              <a:ext cx="945233" cy="770498"/>
+            </a:xfrm>
+            <a:prstGeom prst="rect">
+              <a:avLst/>
+            </a:prstGeom>
+            <a:noFill/>
+            <a:ln w="0">
+              <a:noFill/>
+              <a:tailEnd type="triangle"/>
+            </a:ln>
+          </p:spPr>
+          <p:style>
+            <a:lnRef idx="0">
+              <a:scrgbClr r="0" g="0" b="0"/>
+            </a:lnRef>
+            <a:fillRef idx="0">
+              <a:scrgbClr r="0" g="0" b="0"/>
+            </a:fillRef>
+            <a:effectRef idx="0">
+              <a:scrgbClr r="0" g="0" b="0"/>
+            </a:effectRef>
+            <a:fontRef idx="minor"/>
+          </p:style>
+          <p:txBody>
+            <a:bodyPr wrap="none" lIns="90000" tIns="45000" rIns="90000" bIns="45000">
+              <a:spAutoFit/>
+            </a:bodyPr>
+            <a:lstStyle/>
+            <a:p>
+              <a:pPr algn="ctr">
+                <a:lnSpc>
+                  <a:spcPct val="100000"/>
+                </a:lnSpc>
+              </a:pPr>
+              <a:r>
+                <a:rPr lang="zh-TW" altLang="en-US" spc="-1" dirty="0" smtClean="0">
+                  <a:solidFill>
+                    <a:srgbClr val="000000"/>
+                  </a:solidFill>
+                  <a:latin typeface="Calibri"/>
+                </a:rPr>
+                <a:t>修改基本資料</a:t>
+              </a:r>
+              <a:endParaRPr lang="en-US" altLang="zh-TW" spc="-1" dirty="0">
+                <a:solidFill>
+                  <a:srgbClr val="000000"/>
+                </a:solidFill>
+                <a:latin typeface="Calibri"/>
+              </a:endParaRPr>
+            </a:p>
+            <a:p>
+              <a:pPr algn="ctr">
+                <a:lnSpc>
+                  <a:spcPct val="100000"/>
+                </a:lnSpc>
+              </a:pPr>
+              <a:r>
+                <a:rPr lang="zh-TW" altLang="en-US" spc="-1" dirty="0" smtClean="0">
+                  <a:solidFill>
+                    <a:srgbClr val="000000"/>
+                  </a:solidFill>
+                  <a:latin typeface="Calibri"/>
+                </a:rPr>
+                <a:t>或密碼</a:t>
+              </a:r>
+              <a:endParaRPr lang="en-US" altLang="zh-TW" spc="-1" dirty="0" smtClean="0">
+                <a:solidFill>
+                  <a:srgbClr val="000000"/>
+                </a:solidFill>
+                <a:latin typeface="Calibri"/>
+              </a:endParaRPr>
+            </a:p>
+            <a:p>
+              <a:pPr>
+                <a:lnSpc>
+                  <a:spcPct val="100000"/>
+                </a:lnSpc>
+              </a:pPr>
+              <a:endParaRPr lang="en-US" altLang="zh-TW" spc="-1" dirty="0"/>
+            </a:p>
+          </p:txBody>
+        </p:sp>
+        <p:sp>
+          <p:nvSpPr>
+            <p:cNvPr id="283" name="流程圖: 資料 282"/>
+            <p:cNvSpPr/>
+            <p:nvPr/>
+          </p:nvSpPr>
+          <p:spPr>
+            <a:xfrm>
+              <a:off x="5841559" y="1179135"/>
+              <a:ext cx="1246653" cy="565350"/>
+            </a:xfrm>
+            <a:prstGeom prst="flowChartInputOutput">
+              <a:avLst/>
+            </a:prstGeom>
+            <a:noFill/>
+            <a:ln>
+              <a:solidFill>
+                <a:schemeClr val="tx1"/>
+              </a:solidFill>
+            </a:ln>
+          </p:spPr>
+          <p:style>
+            <a:lnRef idx="2">
+              <a:schemeClr val="accent1">
+                <a:shade val="50000"/>
+              </a:schemeClr>
+            </a:lnRef>
+            <a:fillRef idx="1">
+              <a:schemeClr val="accent1"/>
+            </a:fillRef>
+            <a:effectRef idx="0">
+              <a:schemeClr val="accent1"/>
+            </a:effectRef>
+            <a:fontRef idx="minor">
+              <a:schemeClr val="lt1"/>
+            </a:fontRef>
+          </p:style>
+          <p:txBody>
+            <a:bodyPr rtlCol="0" anchor="ctr"/>
+            <a:lstStyle/>
+            <a:p>
+              <a:pPr algn="ctr"/>
+              <a:endParaRPr lang="zh-TW" altLang="en-US"/>
+            </a:p>
+          </p:txBody>
+        </p:sp>
+      </p:grpSp>
+      <p:cxnSp>
+        <p:nvCxnSpPr>
+          <p:cNvPr id="296" name="直線單箭頭接點 295"/>
+          <p:cNvCxnSpPr>
+            <a:stCxn id="202" idx="1"/>
+            <a:endCxn id="208" idx="3"/>
+          </p:cNvCxnSpPr>
+          <p:nvPr/>
+        </p:nvCxnSpPr>
+        <p:spPr>
+          <a:xfrm flipH="1" flipV="1">
+            <a:off x="3623099" y="5472164"/>
+            <a:ext cx="1452957" cy="5540"/>
+          </a:xfrm>
+          <a:prstGeom prst="straightConnector1">
+            <a:avLst/>
+          </a:prstGeom>
+          <a:ln>
+            <a:solidFill>
+              <a:srgbClr val="0070C0"/>
+            </a:solidFill>
+            <a:headEnd type="none" w="med" len="med"/>
+            <a:tailEnd type="triangle" w="med" len="med"/>
+          </a:ln>
+        </p:spPr>
+        <p:style>
+          <a:lnRef idx="1">
+            <a:schemeClr val="accent1"/>
+          </a:lnRef>
+          <a:fillRef idx="0">
+            <a:schemeClr val="accent1"/>
+          </a:fillRef>
+          <a:effectRef idx="0">
+            <a:schemeClr val="accent1"/>
+          </a:effectRef>
+          <a:fontRef idx="minor">
+            <a:schemeClr val="tx1"/>
+          </a:fontRef>
+        </p:style>
+      </p:cxnSp>
+      <p:cxnSp>
+        <p:nvCxnSpPr>
+          <p:cNvPr id="299" name="肘形接點 298"/>
+          <p:cNvCxnSpPr>
+            <a:stCxn id="282" idx="0"/>
+            <a:endCxn id="127" idx="3"/>
+          </p:cNvCxnSpPr>
+          <p:nvPr/>
+        </p:nvCxnSpPr>
+        <p:spPr>
+          <a:xfrm rot="16200000" flipV="1">
+            <a:off x="3701499" y="2411887"/>
+            <a:ext cx="324968" cy="2544658"/>
+          </a:xfrm>
+          <a:prstGeom prst="bentConnector2">
+            <a:avLst/>
+          </a:prstGeom>
+          <a:ln>
+            <a:solidFill>
+              <a:schemeClr val="tx1"/>
+            </a:solidFill>
+            <a:headEnd type="none" w="med" len="med"/>
+            <a:tailEnd type="triangle" w="med" len="med"/>
+          </a:ln>
+        </p:spPr>
+        <p:style>
+          <a:lnRef idx="1">
+            <a:schemeClr val="accent1"/>
+          </a:lnRef>
+          <a:fillRef idx="0">
+            <a:schemeClr val="accent1"/>
+          </a:fillRef>
+          <a:effectRef idx="0">
+            <a:schemeClr val="accent1"/>
+          </a:effectRef>
+          <a:fontRef idx="minor">
+            <a:schemeClr val="tx1"/>
+          </a:fontRef>
+        </p:style>
+      </p:cxnSp>
+      <p:cxnSp>
+        <p:nvCxnSpPr>
+          <p:cNvPr id="306" name="直線接點 305"/>
+          <p:cNvCxnSpPr/>
+          <p:nvPr/>
+        </p:nvCxnSpPr>
+        <p:spPr>
+          <a:xfrm>
+            <a:off x="6835033" y="799641"/>
+            <a:ext cx="914400" cy="0"/>
+          </a:xfrm>
+          <a:prstGeom prst="line">
+            <a:avLst/>
+          </a:prstGeom>
+          <a:ln w="38100">
+            <a:solidFill>
+              <a:schemeClr val="tx1"/>
+            </a:solidFill>
+            <a:headEnd type="none" w="med" len="med"/>
+            <a:tailEnd type="none"/>
+          </a:ln>
+        </p:spPr>
+        <p:style>
+          <a:lnRef idx="1">
+            <a:schemeClr val="accent1"/>
+          </a:lnRef>
+          <a:fillRef idx="0">
+            <a:schemeClr val="accent1"/>
+          </a:fillRef>
+          <a:effectRef idx="0">
+            <a:schemeClr val="accent1"/>
+          </a:effectRef>
+          <a:fontRef idx="minor">
+            <a:schemeClr val="tx1"/>
+          </a:fontRef>
+        </p:style>
+      </p:cxnSp>
+      <p:cxnSp>
+        <p:nvCxnSpPr>
+          <p:cNvPr id="311" name="直線接點 310"/>
+          <p:cNvCxnSpPr/>
+          <p:nvPr/>
+        </p:nvCxnSpPr>
+        <p:spPr>
+          <a:xfrm>
+            <a:off x="6831448" y="1268760"/>
+            <a:ext cx="914400" cy="0"/>
+          </a:xfrm>
+          <a:prstGeom prst="line">
+            <a:avLst/>
+          </a:prstGeom>
+          <a:ln w="38100">
+            <a:solidFill>
+              <a:srgbClr val="0070C0"/>
+            </a:solidFill>
+            <a:headEnd type="none" w="med" len="med"/>
+            <a:tailEnd type="none"/>
+          </a:ln>
+        </p:spPr>
+        <p:style>
+          <a:lnRef idx="1">
+            <a:schemeClr val="accent1"/>
+          </a:lnRef>
+          <a:fillRef idx="0">
+            <a:schemeClr val="accent1"/>
+          </a:fillRef>
+          <a:effectRef idx="0">
+            <a:schemeClr val="accent1"/>
+          </a:effectRef>
+          <a:fontRef idx="minor">
+            <a:schemeClr val="tx1"/>
+          </a:fontRef>
+        </p:style>
+      </p:cxnSp>
+      <p:sp>
+        <p:nvSpPr>
+          <p:cNvPr id="312" name="CustomShape 2"/>
+          <p:cNvSpPr/>
+          <p:nvPr/>
+        </p:nvSpPr>
+        <p:spPr>
+          <a:xfrm>
+            <a:off x="7798170" y="660117"/>
+            <a:ext cx="719982" cy="306323"/>
+          </a:xfrm>
+          <a:prstGeom prst="rect">
+            <a:avLst/>
+          </a:prstGeom>
+          <a:noFill/>
+          <a:ln w="0">
+            <a:noFill/>
+            <a:tailEnd type="triangle"/>
+          </a:ln>
+        </p:spPr>
+        <p:style>
+          <a:lnRef idx="0">
+            <a:scrgbClr r="0" g="0" b="0"/>
+          </a:lnRef>
+          <a:fillRef idx="0">
+            <a:scrgbClr r="0" g="0" b="0"/>
+          </a:fillRef>
+          <a:effectRef idx="0">
+            <a:scrgbClr r="0" g="0" b="0"/>
+          </a:effectRef>
+          <a:fontRef idx="minor"/>
+        </p:style>
+        <p:txBody>
+          <a:bodyPr wrap="none" lIns="90000" tIns="45000" rIns="90000" bIns="45000">
+            <a:spAutoFit/>
+          </a:bodyPr>
+          <a:lstStyle/>
+          <a:p>
+            <a:pPr>
+              <a:lnSpc>
+                <a:spcPct val="100000"/>
+              </a:lnSpc>
+            </a:pPr>
+            <a:r>
+              <a:rPr lang="zh-TW" altLang="en-US" sz="1400" spc="-1" dirty="0" smtClean="0">
+                <a:solidFill>
+                  <a:srgbClr val="000000"/>
+                </a:solidFill>
+                <a:latin typeface="Calibri"/>
+              </a:rPr>
+              <a:t>主流程</a:t>
+            </a:r>
+            <a:endParaRPr lang="en-US" sz="1400" spc="-1" dirty="0">
+              <a:solidFill>
+                <a:srgbClr val="000000"/>
+              </a:solidFill>
+              <a:latin typeface="Calibri"/>
+            </a:endParaRPr>
+          </a:p>
+        </p:txBody>
+      </p:sp>
+      <p:sp>
+        <p:nvSpPr>
+          <p:cNvPr id="313" name="CustomShape 2"/>
+          <p:cNvSpPr/>
+          <p:nvPr/>
+        </p:nvSpPr>
+        <p:spPr>
+          <a:xfrm>
+            <a:off x="7807195" y="1115598"/>
+            <a:ext cx="1258206" cy="306323"/>
+          </a:xfrm>
+          <a:prstGeom prst="rect">
+            <a:avLst/>
+          </a:prstGeom>
+          <a:noFill/>
+          <a:ln w="0">
+            <a:noFill/>
+            <a:tailEnd type="triangle"/>
+          </a:ln>
+        </p:spPr>
+        <p:style>
+          <a:lnRef idx="0">
+            <a:scrgbClr r="0" g="0" b="0"/>
+          </a:lnRef>
+          <a:fillRef idx="0">
+            <a:scrgbClr r="0" g="0" b="0"/>
+          </a:fillRef>
+          <a:effectRef idx="0">
+            <a:scrgbClr r="0" g="0" b="0"/>
+          </a:effectRef>
+          <a:fontRef idx="minor"/>
+        </p:style>
+        <p:txBody>
+          <a:bodyPr wrap="none" lIns="90000" tIns="45000" rIns="90000" bIns="45000">
+            <a:spAutoFit/>
+          </a:bodyPr>
+          <a:lstStyle/>
+          <a:p>
+            <a:pPr>
+              <a:lnSpc>
+                <a:spcPct val="100000"/>
+              </a:lnSpc>
+            </a:pPr>
+            <a:r>
+              <a:rPr lang="zh-TW" altLang="en-US" sz="1400" spc="-1" dirty="0">
+                <a:solidFill>
+                  <a:srgbClr val="000000"/>
+                </a:solidFill>
+                <a:latin typeface="Calibri"/>
+              </a:rPr>
+              <a:t>資料傳輸</a:t>
+            </a:r>
+            <a:r>
+              <a:rPr lang="zh-TW" altLang="en-US" sz="1400" spc="-1" dirty="0" smtClean="0">
+                <a:solidFill>
+                  <a:srgbClr val="000000"/>
+                </a:solidFill>
+                <a:latin typeface="Calibri"/>
+              </a:rPr>
+              <a:t>流程</a:t>
+            </a:r>
+            <a:endParaRPr lang="en-US" sz="1400" spc="-1" dirty="0">
+              <a:solidFill>
+                <a:srgbClr val="000000"/>
+              </a:solidFill>
+              <a:latin typeface="Calibri"/>
+            </a:endParaRPr>
+          </a:p>
+        </p:txBody>
+      </p:sp>
+      <p:cxnSp>
+        <p:nvCxnSpPr>
+          <p:cNvPr id="314" name="肘形接點 313"/>
+          <p:cNvCxnSpPr>
+            <a:stCxn id="151" idx="2"/>
+            <a:endCxn id="196" idx="5"/>
+          </p:cNvCxnSpPr>
+          <p:nvPr/>
+        </p:nvCxnSpPr>
+        <p:spPr>
+          <a:xfrm rot="10800000" flipV="1">
+            <a:off x="6249091" y="5547118"/>
+            <a:ext cx="1171887" cy="765156"/>
+          </a:xfrm>
+          <a:prstGeom prst="bentConnector3">
+            <a:avLst>
+              <a:gd name="adj1" fmla="val 50000"/>
+            </a:avLst>
+          </a:prstGeom>
+          <a:ln>
+            <a:solidFill>
+              <a:srgbClr val="0070C0"/>
+            </a:solidFill>
+            <a:headEnd type="none" w="med" len="med"/>
+            <a:tailEnd type="triangle" w="med" len="med"/>
+          </a:ln>
+        </p:spPr>
+        <p:style>
+          <a:lnRef idx="1">
+            <a:schemeClr val="accent1"/>
+          </a:lnRef>
+          <a:fillRef idx="0">
+            <a:schemeClr val="accent1"/>
+          </a:fillRef>
+          <a:effectRef idx="0">
+            <a:schemeClr val="accent1"/>
+          </a:effectRef>
+          <a:fontRef idx="minor">
+            <a:schemeClr val="tx1"/>
+          </a:fontRef>
+        </p:style>
+      </p:cxnSp>
+      <p:grpSp>
+        <p:nvGrpSpPr>
+          <p:cNvPr id="321" name="群組 320"/>
+          <p:cNvGrpSpPr/>
+          <p:nvPr/>
+        </p:nvGrpSpPr>
+        <p:grpSpPr>
+          <a:xfrm>
+            <a:off x="178549" y="1211495"/>
+            <a:ext cx="793051" cy="3153609"/>
+            <a:chOff x="107504" y="635431"/>
+            <a:chExt cx="793051" cy="3153609"/>
+          </a:xfrm>
+        </p:grpSpPr>
+        <p:sp>
+          <p:nvSpPr>
+            <p:cNvPr id="317" name="矩形 316"/>
+            <p:cNvSpPr/>
+            <p:nvPr/>
+          </p:nvSpPr>
+          <p:spPr>
+            <a:xfrm>
+              <a:off x="107504" y="635431"/>
+              <a:ext cx="792088" cy="3139321"/>
+            </a:xfrm>
+            <a:prstGeom prst="rect">
+              <a:avLst/>
+            </a:prstGeom>
+            <a:noFill/>
+            <a:ln>
+              <a:solidFill>
+                <a:srgbClr val="0070C0"/>
+              </a:solidFill>
+              <a:prstDash val="dash"/>
+            </a:ln>
+          </p:spPr>
+          <p:style>
+            <a:lnRef idx="2">
+              <a:schemeClr val="accent1">
+                <a:shade val="50000"/>
+              </a:schemeClr>
+            </a:lnRef>
+            <a:fillRef idx="1">
+              <a:schemeClr val="accent1"/>
+            </a:fillRef>
+            <a:effectRef idx="0">
+              <a:schemeClr val="accent1"/>
+            </a:effectRef>
+            <a:fontRef idx="minor">
+              <a:schemeClr val="lt1"/>
+            </a:fontRef>
+          </p:style>
+          <p:txBody>
+            <a:bodyPr rtlCol="0" anchor="ctr"/>
+            <a:lstStyle/>
+            <a:p>
+              <a:pPr algn="ctr"/>
+              <a:endParaRPr lang="zh-TW" altLang="en-US"/>
+            </a:p>
+          </p:txBody>
+        </p:sp>
+        <p:sp>
+          <p:nvSpPr>
+            <p:cNvPr id="319" name="文字方塊 318"/>
+            <p:cNvSpPr txBox="1"/>
+            <p:nvPr/>
+          </p:nvSpPr>
+          <p:spPr>
+            <a:xfrm>
+              <a:off x="452034" y="649719"/>
+              <a:ext cx="448521" cy="3139321"/>
+            </a:xfrm>
+            <a:prstGeom prst="rect">
+              <a:avLst/>
+            </a:prstGeom>
+            <a:noFill/>
+            <a:ln>
+              <a:noFill/>
+            </a:ln>
+          </p:spPr>
+          <p:txBody>
+            <a:bodyPr wrap="none" rtlCol="0">
+              <a:spAutoFit/>
+            </a:bodyPr>
+            <a:lstStyle/>
+            <a:p>
+              <a:r>
+                <a:rPr lang="zh-TW" altLang="en-US" dirty="0"/>
+                <a:t>非</a:t>
+              </a:r>
+              <a:endParaRPr lang="en-US" altLang="zh-TW" dirty="0" smtClean="0"/>
+            </a:p>
+            <a:p>
+              <a:r>
+                <a:rPr lang="zh-TW" altLang="en-US" dirty="0"/>
+                <a:t>區</a:t>
+              </a:r>
+              <a:endParaRPr lang="en-US" altLang="zh-TW" dirty="0" smtClean="0"/>
+            </a:p>
+            <a:p>
+              <a:r>
+                <a:rPr lang="zh-TW" altLang="en-US" dirty="0"/>
+                <a:t>間</a:t>
+              </a:r>
+              <a:endParaRPr lang="en-US" altLang="zh-TW" dirty="0" smtClean="0"/>
+            </a:p>
+            <a:p>
+              <a:pPr algn="ctr"/>
+              <a:r>
+                <a:rPr lang="zh-TW" altLang="en-US" dirty="0"/>
+                <a:t>範</a:t>
+              </a:r>
+              <a:endParaRPr lang="en-US" altLang="zh-TW" dirty="0" smtClean="0"/>
+            </a:p>
+            <a:p>
+              <a:pPr algn="ctr"/>
+              <a:r>
+                <a:rPr lang="zh-TW" altLang="en-US" dirty="0" smtClean="0"/>
+                <a:t>圍</a:t>
+              </a:r>
+              <a:endParaRPr lang="en-US" altLang="zh-TW" dirty="0" smtClean="0"/>
+            </a:p>
+            <a:p>
+              <a:pPr algn="ctr"/>
+              <a:r>
+                <a:rPr lang="zh-TW" altLang="en-US" dirty="0"/>
+                <a:t>可</a:t>
+              </a:r>
+              <a:endParaRPr lang="en-US" altLang="zh-TW" dirty="0" smtClean="0"/>
+            </a:p>
+            <a:p>
+              <a:pPr algn="ctr"/>
+              <a:r>
+                <a:rPr lang="zh-TW" altLang="en-US" dirty="0"/>
+                <a:t>能</a:t>
+              </a:r>
+              <a:endParaRPr lang="en-US" altLang="zh-TW" dirty="0" smtClean="0"/>
+            </a:p>
+            <a:p>
+              <a:pPr algn="ctr"/>
+              <a:r>
+                <a:rPr lang="zh-TW" altLang="en-US" dirty="0" smtClean="0"/>
+                <a:t>查</a:t>
+              </a:r>
+              <a:endParaRPr lang="en-US" altLang="zh-TW" dirty="0" smtClean="0"/>
+            </a:p>
+            <a:p>
+              <a:pPr algn="ctr"/>
+              <a:r>
+                <a:rPr lang="zh-TW" altLang="en-US" dirty="0"/>
+                <a:t>無</a:t>
+              </a:r>
+              <a:endParaRPr lang="en-US" altLang="zh-TW" dirty="0" smtClean="0"/>
+            </a:p>
+            <a:p>
+              <a:pPr algn="ctr"/>
+              <a:r>
+                <a:rPr lang="zh-TW" altLang="en-US" dirty="0" smtClean="0"/>
+                <a:t>資</a:t>
+              </a:r>
+              <a:endParaRPr lang="en-US" altLang="zh-TW" dirty="0" smtClean="0"/>
+            </a:p>
+            <a:p>
+              <a:pPr algn="ctr"/>
+              <a:r>
+                <a:rPr lang="zh-TW" altLang="en-US" dirty="0" smtClean="0"/>
+                <a:t>料</a:t>
+              </a:r>
+              <a:endParaRPr lang="en-US" altLang="zh-TW" dirty="0" smtClean="0"/>
+            </a:p>
+          </p:txBody>
+        </p:sp>
+        <p:sp>
+          <p:nvSpPr>
+            <p:cNvPr id="320" name="文字方塊 319"/>
+            <p:cNvSpPr txBox="1"/>
+            <p:nvPr/>
+          </p:nvSpPr>
+          <p:spPr>
+            <a:xfrm>
+              <a:off x="121792" y="639217"/>
+              <a:ext cx="447558" cy="3139321"/>
+            </a:xfrm>
+            <a:prstGeom prst="rect">
+              <a:avLst/>
+            </a:prstGeom>
+            <a:noFill/>
+            <a:ln>
+              <a:noFill/>
+            </a:ln>
+          </p:spPr>
+          <p:txBody>
+            <a:bodyPr wrap="none" rtlCol="0">
+              <a:spAutoFit/>
+            </a:bodyPr>
+            <a:lstStyle/>
+            <a:p>
+              <a:r>
+                <a:rPr lang="zh-TW" altLang="en-US" dirty="0" smtClean="0"/>
+                <a:t>限</a:t>
+              </a:r>
+              <a:endParaRPr lang="en-US" altLang="zh-TW" dirty="0" smtClean="0"/>
+            </a:p>
+            <a:p>
+              <a:r>
+                <a:rPr lang="en-US" altLang="zh-TW" dirty="0" smtClean="0"/>
+                <a:t>54</a:t>
+              </a:r>
+            </a:p>
+            <a:p>
+              <a:r>
+                <a:rPr lang="zh-TW" altLang="en-US" dirty="0" smtClean="0"/>
+                <a:t>歲</a:t>
+              </a:r>
+              <a:endParaRPr lang="en-US" altLang="zh-TW" dirty="0" smtClean="0"/>
+            </a:p>
+            <a:p>
+              <a:pPr algn="ctr"/>
+              <a:r>
+                <a:rPr lang="en-US" altLang="zh-TW" dirty="0" smtClean="0"/>
+                <a:t>I</a:t>
+              </a:r>
+            </a:p>
+            <a:p>
+              <a:pPr algn="ctr"/>
+              <a:r>
+                <a:rPr lang="zh-TW" altLang="en-US" dirty="0" smtClean="0"/>
+                <a:t>年</a:t>
+              </a:r>
+              <a:endParaRPr lang="en-US" altLang="zh-TW" dirty="0" smtClean="0"/>
+            </a:p>
+            <a:p>
+              <a:pPr algn="ctr"/>
+              <a:r>
+                <a:rPr lang="zh-TW" altLang="en-US" dirty="0" smtClean="0"/>
+                <a:t>滿</a:t>
+              </a:r>
+              <a:endParaRPr lang="en-US" altLang="zh-TW" dirty="0" smtClean="0"/>
+            </a:p>
+            <a:p>
+              <a:pPr algn="ctr"/>
+              <a:r>
+                <a:rPr lang="zh-TW" altLang="en-US" dirty="0" smtClean="0"/>
+                <a:t>六</a:t>
+              </a:r>
+              <a:endParaRPr lang="en-US" altLang="zh-TW" dirty="0" smtClean="0"/>
+            </a:p>
+            <a:p>
+              <a:pPr algn="ctr"/>
+              <a:r>
+                <a:rPr lang="zh-TW" altLang="en-US" dirty="0" smtClean="0"/>
+                <a:t>個</a:t>
+              </a:r>
+              <a:endParaRPr lang="en-US" altLang="zh-TW" dirty="0" smtClean="0"/>
+            </a:p>
+            <a:p>
+              <a:pPr algn="ctr"/>
+              <a:r>
+                <a:rPr lang="zh-TW" altLang="en-US" dirty="0" smtClean="0"/>
+                <a:t>月</a:t>
+              </a:r>
+              <a:endParaRPr lang="en-US" altLang="zh-TW" dirty="0" smtClean="0"/>
+            </a:p>
+            <a:p>
+              <a:pPr algn="ctr"/>
+              <a:r>
+                <a:rPr lang="zh-TW" altLang="en-US" dirty="0" smtClean="0"/>
+                <a:t>使</a:t>
+              </a:r>
+              <a:endParaRPr lang="en-US" altLang="zh-TW" dirty="0" smtClean="0"/>
+            </a:p>
+            <a:p>
+              <a:pPr algn="ctr"/>
+              <a:r>
+                <a:rPr lang="zh-TW" altLang="en-US" dirty="0"/>
+                <a:t>用</a:t>
+              </a:r>
+              <a:endParaRPr lang="en-US" altLang="zh-TW" dirty="0" smtClean="0"/>
+            </a:p>
+          </p:txBody>
+        </p:sp>
+      </p:grpSp>
+      <p:cxnSp>
+        <p:nvCxnSpPr>
+          <p:cNvPr id="325" name="肘形接點 324"/>
+          <p:cNvCxnSpPr>
+            <a:stCxn id="259" idx="1"/>
+            <a:endCxn id="317" idx="0"/>
+          </p:cNvCxnSpPr>
+          <p:nvPr/>
+        </p:nvCxnSpPr>
+        <p:spPr>
+          <a:xfrm rot="10800000">
+            <a:off x="574594" y="1211496"/>
+            <a:ext cx="641607" cy="415193"/>
+          </a:xfrm>
+          <a:prstGeom prst="bentConnector4">
+            <a:avLst>
+              <a:gd name="adj1" fmla="val 19136"/>
+              <a:gd name="adj2" fmla="val 155059"/>
+            </a:avLst>
+          </a:prstGeom>
+          <a:ln w="28575">
+            <a:solidFill>
+              <a:srgbClr val="0070C0"/>
+            </a:solidFill>
+            <a:prstDash val="dash"/>
+            <a:headEnd type="none" w="med" len="med"/>
+            <a:tailEnd type="none"/>
+          </a:ln>
+        </p:spPr>
+        <p:style>
+          <a:lnRef idx="1">
+            <a:schemeClr val="accent1"/>
+          </a:lnRef>
+          <a:fillRef idx="0">
+            <a:schemeClr val="accent1"/>
+          </a:fillRef>
+          <a:effectRef idx="0">
+            <a:schemeClr val="accent1"/>
+          </a:effectRef>
+          <a:fontRef idx="minor">
+            <a:schemeClr val="tx1"/>
+          </a:fontRef>
+        </p:style>
+      </p:cxnSp>
+    </p:spTree>
+    <p:extLst>
+      <p:ext uri="{BB962C8B-B14F-4D97-AF65-F5344CB8AC3E}">
+        <p14:creationId xmlns:p14="http://schemas.microsoft.com/office/powerpoint/2010/main" val="3724255589"/>
+      </p:ext>
+    </p:extLst>
   </p:cSld>
   <p:clrMapOvr>
     <a:masterClrMapping/>
@@ -6543,7 +13526,35 @@
       </a:bgFillStyleLst>
     </a:fmtScheme>
   </a:themeElements>
-  <a:objectDefaults/>
+  <a:objectDefaults>
+    <a:lnDef>
+      <a:spPr>
+        <a:ln>
+          <a:solidFill>
+            <a:schemeClr val="tx1"/>
+          </a:solidFill>
+          <a:headEnd type="none" w="med" len="med"/>
+          <a:tailEnd type="none"/>
+        </a:ln>
+      </a:spPr>
+      <a:bodyPr/>
+      <a:lstStyle/>
+      <a:style>
+        <a:lnRef idx="1">
+          <a:schemeClr val="accent1"/>
+        </a:lnRef>
+        <a:fillRef idx="0">
+          <a:schemeClr val="accent1"/>
+        </a:fillRef>
+        <a:effectRef idx="0">
+          <a:schemeClr val="accent1"/>
+        </a:effectRef>
+        <a:fontRef idx="minor">
+          <a:schemeClr val="tx1"/>
+        </a:fontRef>
+      </a:style>
+    </a:lnDef>
+  </a:objectDefaults>
   <a:extraClrSchemeLst/>
 </a:theme>
 </file>
--- a/流程圖.pptx
+++ b/流程圖.pptx
@@ -6532,13 +6532,15 @@
       <p:sp>
         <p:nvSpPr>
           <p:cNvPr id="84" name="CustomShape 15"/>
-          <p:cNvSpPr/>
+          <p:cNvSpPr>
+            <a:spLocks/>
+          </p:cNvSpPr>
           <p:nvPr/>
         </p:nvSpPr>
         <p:spPr>
           <a:xfrm>
-            <a:off x="2267744" y="1468000"/>
-            <a:ext cx="1157744" cy="644877"/>
+            <a:off x="2442888" y="1464526"/>
+            <a:ext cx="801712" cy="521766"/>
           </a:xfrm>
           <a:prstGeom prst="rect">
             <a:avLst/>
@@ -6571,7 +6573,7 @@
           <a:p>
             <a:pPr algn="ctr"/>
             <a:r>
-              <a:rPr lang="zh-TW" altLang="en-US" spc="-1" dirty="0" smtClean="0">
+              <a:rPr lang="zh-TW" altLang="en-US" sz="1400" spc="-1" dirty="0">
                 <a:solidFill>
                   <a:srgbClr val="000000"/>
                 </a:solidFill>
@@ -6579,7 +6581,7 @@
               </a:rPr>
               <a:t>使用者</a:t>
             </a:r>
-            <a:endParaRPr lang="en-US" altLang="zh-TW" spc="-1" dirty="0" smtClean="0">
+            <a:endParaRPr lang="en-US" altLang="zh-TW" sz="1400" spc="-1" dirty="0">
               <a:solidFill>
                 <a:srgbClr val="000000"/>
               </a:solidFill>
@@ -6589,7 +6591,7 @@
           <a:p>
             <a:pPr algn="ctr"/>
             <a:r>
-              <a:rPr lang="zh-TW" altLang="zh-TW" spc="-1" dirty="0" smtClean="0">
+              <a:rPr lang="zh-TW" altLang="zh-TW" sz="1400" spc="-1" dirty="0" smtClean="0">
                 <a:solidFill>
                   <a:srgbClr val="000000"/>
                 </a:solidFill>
@@ -6597,7 +6599,7 @@
               </a:rPr>
               <a:t>登入</a:t>
             </a:r>
-            <a:endParaRPr lang="en-US" altLang="zh-TW" spc="-1" dirty="0">
+            <a:endParaRPr lang="en-US" altLang="zh-TW" sz="1400" spc="-1" dirty="0">
               <a:solidFill>
                 <a:srgbClr val="000000"/>
               </a:solidFill>
@@ -6610,14 +6612,14 @@
         <p:nvSpPr>
           <p:cNvPr id="85" name="CustomShape 15"/>
           <p:cNvSpPr>
-            <a:spLocks noChangeAspect="1"/>
+            <a:spLocks/>
           </p:cNvSpPr>
           <p:nvPr/>
         </p:nvSpPr>
         <p:spPr>
           <a:xfrm>
-            <a:off x="4713222" y="764706"/>
-            <a:ext cx="1152000" cy="644877"/>
+            <a:off x="4929231" y="764706"/>
+            <a:ext cx="719982" cy="521766"/>
           </a:xfrm>
           <a:prstGeom prst="rect">
             <a:avLst/>
@@ -6644,7 +6646,7 @@
         </p:style>
         <p:txBody>
           <a:bodyPr wrap="none" lIns="90000" tIns="45000" rIns="90000" bIns="45000">
-            <a:noAutofit/>
+            <a:spAutoFit/>
           </a:bodyPr>
           <a:lstStyle/>
           <a:p>
@@ -6654,7 +6656,7 @@
               </a:lnSpc>
             </a:pPr>
             <a:r>
-              <a:rPr lang="zh-TW" altLang="zh-TW" spc="-1" dirty="0">
+              <a:rPr lang="zh-TW" altLang="zh-TW" sz="1400" spc="-1" dirty="0">
                 <a:solidFill>
                   <a:srgbClr val="000000"/>
                 </a:solidFill>
@@ -6663,7 +6665,7 @@
               <a:t>填</a:t>
             </a:r>
             <a:r>
-              <a:rPr lang="zh-TW" altLang="zh-TW" spc="-1" dirty="0" smtClean="0">
+              <a:rPr lang="zh-TW" altLang="zh-TW" sz="1400" spc="-1" dirty="0">
                 <a:solidFill>
                   <a:srgbClr val="000000"/>
                 </a:solidFill>
@@ -6671,7 +6673,7 @@
               </a:rPr>
               <a:t>基本</a:t>
             </a:r>
-            <a:endParaRPr lang="en-US" altLang="zh-TW" spc="-1" dirty="0" smtClean="0">
+            <a:endParaRPr lang="en-US" altLang="zh-TW" sz="1400" spc="-1" dirty="0">
               <a:solidFill>
                 <a:srgbClr val="000000"/>
               </a:solidFill>
@@ -6685,7 +6687,7 @@
               </a:lnSpc>
             </a:pPr>
             <a:r>
-              <a:rPr lang="zh-TW" altLang="zh-TW" spc="-1" dirty="0" smtClean="0">
+              <a:rPr lang="zh-TW" altLang="zh-TW" sz="1400" spc="-1" dirty="0">
                 <a:solidFill>
                   <a:srgbClr val="000000"/>
                 </a:solidFill>
@@ -6693,20 +6695,27 @@
               </a:rPr>
               <a:t>資料</a:t>
             </a:r>
-            <a:endParaRPr lang="en-US" altLang="zh-TW" spc="-1" dirty="0"/>
+            <a:endParaRPr lang="en-US" altLang="zh-TW" sz="1400" spc="-1" dirty="0">
+              <a:solidFill>
+                <a:srgbClr val="000000"/>
+              </a:solidFill>
+              <a:latin typeface="Calibri"/>
+            </a:endParaRPr>
           </a:p>
         </p:txBody>
       </p:sp>
       <p:sp>
         <p:nvSpPr>
           <p:cNvPr id="87" name="CustomShape 15"/>
-          <p:cNvSpPr/>
+          <p:cNvSpPr>
+            <a:spLocks/>
+          </p:cNvSpPr>
           <p:nvPr/>
         </p:nvSpPr>
         <p:spPr>
           <a:xfrm>
-            <a:off x="3502583" y="1467999"/>
-            <a:ext cx="1157744" cy="644877"/>
+            <a:off x="3655439" y="1467999"/>
+            <a:ext cx="846287" cy="521766"/>
           </a:xfrm>
           <a:prstGeom prst="rect">
             <a:avLst/>
@@ -6739,7 +6748,7 @@
           <a:p>
             <a:pPr algn="ctr"/>
             <a:r>
-              <a:rPr lang="zh-TW" altLang="en-US" spc="-1" dirty="0" smtClean="0">
+              <a:rPr lang="zh-TW" altLang="en-US" sz="1400" spc="-1" dirty="0" smtClean="0">
                 <a:solidFill>
                   <a:srgbClr val="000000"/>
                 </a:solidFill>
@@ -6747,7 +6756,7 @@
               </a:rPr>
               <a:t>使用者</a:t>
             </a:r>
-            <a:endParaRPr lang="en-US" altLang="zh-TW" spc="-1" dirty="0" smtClean="0">
+            <a:endParaRPr lang="en-US" altLang="zh-TW" sz="1400" spc="-1" dirty="0">
               <a:solidFill>
                 <a:srgbClr val="000000"/>
               </a:solidFill>
@@ -6757,7 +6766,7 @@
           <a:p>
             <a:pPr algn="ctr"/>
             <a:r>
-              <a:rPr lang="zh-TW" altLang="en-US" spc="-1" dirty="0" smtClean="0">
+              <a:rPr lang="zh-TW" altLang="en-US" sz="1400" spc="-1" dirty="0" smtClean="0">
                 <a:solidFill>
                   <a:srgbClr val="000000"/>
                 </a:solidFill>
@@ -6765,7 +6774,7 @@
               </a:rPr>
               <a:t>註冊</a:t>
             </a:r>
-            <a:endParaRPr lang="en-US" altLang="zh-TW" spc="-1" dirty="0">
+            <a:endParaRPr lang="en-US" altLang="zh-TW" sz="1400" spc="-1" dirty="0">
               <a:solidFill>
                 <a:srgbClr val="000000"/>
               </a:solidFill>
@@ -6778,14 +6787,14 @@
         <p:nvSpPr>
           <p:cNvPr id="106" name="CustomShape 15"/>
           <p:cNvSpPr>
-            <a:spLocks noChangeAspect="1"/>
+            <a:spLocks/>
           </p:cNvSpPr>
           <p:nvPr/>
         </p:nvSpPr>
         <p:spPr>
           <a:xfrm>
-            <a:off x="6660360" y="2577196"/>
-            <a:ext cx="1152000" cy="644877"/>
+            <a:off x="6786665" y="2577196"/>
+            <a:ext cx="899390" cy="521766"/>
           </a:xfrm>
           <a:prstGeom prst="rect">
             <a:avLst/>
@@ -6812,7 +6821,7 @@
         </p:style>
         <p:txBody>
           <a:bodyPr wrap="none" lIns="90000" tIns="45000" rIns="90000" bIns="45000">
-            <a:noAutofit/>
+            <a:spAutoFit/>
           </a:bodyPr>
           <a:lstStyle/>
           <a:p>
@@ -6822,10 +6831,10 @@
               </a:lnSpc>
             </a:pPr>
             <a:r>
-              <a:rPr lang="zh-TW" altLang="en-US" spc="-1" dirty="0" smtClean="0"/>
+              <a:rPr lang="zh-TW" altLang="en-US" sz="1400" spc="-1" dirty="0" smtClean="0"/>
               <a:t>擷取算命</a:t>
             </a:r>
-            <a:endParaRPr lang="en-US" altLang="zh-TW" spc="-1" dirty="0" smtClean="0"/>
+            <a:endParaRPr lang="en-US" altLang="zh-TW" sz="1400" spc="-1" dirty="0" smtClean="0"/>
           </a:p>
           <a:p>
             <a:pPr algn="ctr">
@@ -6834,10 +6843,10 @@
               </a:lnSpc>
             </a:pPr>
             <a:r>
-              <a:rPr lang="zh-TW" altLang="en-US" spc="-1" dirty="0" smtClean="0"/>
+              <a:rPr lang="zh-TW" altLang="en-US" sz="1400" spc="-1" dirty="0" smtClean="0"/>
               <a:t>網站資訊</a:t>
             </a:r>
-            <a:endParaRPr lang="en-US" altLang="zh-TW" spc="-1" dirty="0"/>
+            <a:endParaRPr lang="en-US" altLang="zh-TW" sz="1400" spc="-1" dirty="0"/>
           </a:p>
         </p:txBody>
       </p:sp>
@@ -6845,14 +6854,14 @@
         <p:nvSpPr>
           <p:cNvPr id="107" name="CustomShape 15"/>
           <p:cNvSpPr>
-            <a:spLocks noChangeAspect="1"/>
+            <a:spLocks/>
           </p:cNvSpPr>
           <p:nvPr/>
         </p:nvSpPr>
         <p:spPr>
           <a:xfrm>
-            <a:off x="4229471" y="2579545"/>
-            <a:ext cx="1152000" cy="644877"/>
+            <a:off x="4355776" y="2579545"/>
+            <a:ext cx="899390" cy="521766"/>
           </a:xfrm>
           <a:prstGeom prst="rect">
             <a:avLst/>
@@ -6879,7 +6888,7 @@
         </p:style>
         <p:txBody>
           <a:bodyPr wrap="none" lIns="90000" tIns="45000" rIns="90000" bIns="45000">
-            <a:noAutofit/>
+            <a:spAutoFit/>
           </a:bodyPr>
           <a:lstStyle/>
           <a:p>
@@ -6889,14 +6898,10 @@
               </a:lnSpc>
             </a:pPr>
             <a:r>
-              <a:rPr lang="zh-TW" altLang="en-US" spc="-1" dirty="0" smtClean="0"/>
-              <a:t>擷取並</a:t>
+              <a:rPr lang="zh-TW" altLang="en-US" sz="1400" spc="-1" dirty="0" smtClean="0"/>
+              <a:t>擷取並存</a:t>
             </a:r>
-            <a:r>
-              <a:rPr lang="zh-TW" altLang="en-US" spc="-1" dirty="0" smtClean="0"/>
-              <a:t>存</a:t>
-            </a:r>
-            <a:endParaRPr lang="en-US" altLang="zh-TW" spc="-1" dirty="0" smtClean="0"/>
+            <a:endParaRPr lang="en-US" altLang="zh-TW" sz="1400" spc="-1" dirty="0" smtClean="0"/>
           </a:p>
           <a:p>
             <a:pPr algn="ctr">
@@ -6905,10 +6910,10 @@
               </a:lnSpc>
             </a:pPr>
             <a:r>
-              <a:rPr lang="zh-TW" altLang="en-US" spc="-1" dirty="0" smtClean="0"/>
+              <a:rPr lang="zh-TW" altLang="en-US" sz="1400" spc="-1" dirty="0" smtClean="0"/>
               <a:t>喜用神</a:t>
             </a:r>
-            <a:endParaRPr lang="en-US" altLang="zh-TW" spc="-1" dirty="0" smtClean="0"/>
+            <a:endParaRPr lang="en-US" altLang="zh-TW" sz="1400" spc="-1" dirty="0" smtClean="0"/>
           </a:p>
         </p:txBody>
       </p:sp>
@@ -6916,14 +6921,14 @@
         <p:nvSpPr>
           <p:cNvPr id="108" name="CustomShape 15"/>
           <p:cNvSpPr>
-            <a:spLocks noChangeAspect="1"/>
+            <a:spLocks/>
           </p:cNvSpPr>
           <p:nvPr/>
         </p:nvSpPr>
         <p:spPr>
           <a:xfrm>
-            <a:off x="2998527" y="2580297"/>
-            <a:ext cx="1152000" cy="644877"/>
+            <a:off x="3124832" y="2580297"/>
+            <a:ext cx="899390" cy="521766"/>
           </a:xfrm>
           <a:prstGeom prst="rect">
             <a:avLst/>
@@ -6950,7 +6955,7 @@
         </p:style>
         <p:txBody>
           <a:bodyPr wrap="none" lIns="90000" tIns="45000" rIns="90000" bIns="45000">
-            <a:noAutofit/>
+            <a:spAutoFit/>
           </a:bodyPr>
           <a:lstStyle/>
           <a:p>
@@ -6960,14 +6965,10 @@
               </a:lnSpc>
             </a:pPr>
             <a:r>
-              <a:rPr lang="zh-TW" altLang="en-US" spc="-1" dirty="0" smtClean="0"/>
-              <a:t>取</a:t>
+              <a:rPr lang="zh-TW" altLang="en-US" sz="1400" spc="-1" dirty="0" smtClean="0"/>
+              <a:t>取生辰並</a:t>
             </a:r>
-            <a:r>
-              <a:rPr lang="zh-TW" altLang="en-US" spc="-1" dirty="0" smtClean="0"/>
-              <a:t>生辰並</a:t>
-            </a:r>
-            <a:endParaRPr lang="en-US" altLang="zh-TW" spc="-1" dirty="0" smtClean="0"/>
+            <a:endParaRPr lang="en-US" altLang="zh-TW" sz="1400" spc="-1" dirty="0" smtClean="0"/>
           </a:p>
           <a:p>
             <a:pPr algn="ctr">
@@ -6976,10 +6977,10 @@
               </a:lnSpc>
             </a:pPr>
             <a:r>
-              <a:rPr lang="zh-TW" altLang="en-US" spc="-1" dirty="0" smtClean="0"/>
+              <a:rPr lang="zh-TW" altLang="en-US" sz="1400" spc="-1" dirty="0" smtClean="0"/>
               <a:t>傳至網站</a:t>
             </a:r>
-            <a:endParaRPr lang="en-US" altLang="zh-TW" spc="-1" dirty="0"/>
+            <a:endParaRPr lang="en-US" altLang="zh-TW" sz="1400" spc="-1" dirty="0"/>
           </a:p>
         </p:txBody>
       </p:sp>
@@ -6987,14 +6988,14 @@
         <p:nvSpPr>
           <p:cNvPr id="109" name="CustomShape 15"/>
           <p:cNvSpPr>
-            <a:spLocks noChangeAspect="1"/>
+            <a:spLocks/>
           </p:cNvSpPr>
           <p:nvPr/>
         </p:nvSpPr>
         <p:spPr>
           <a:xfrm>
-            <a:off x="5434354" y="2587269"/>
-            <a:ext cx="1152000" cy="644877"/>
+            <a:off x="5560659" y="2587269"/>
+            <a:ext cx="899390" cy="521766"/>
           </a:xfrm>
           <a:prstGeom prst="rect">
             <a:avLst/>
@@ -7021,7 +7022,7 @@
         </p:style>
         <p:txBody>
           <a:bodyPr wrap="none" lIns="90000" tIns="45000" rIns="90000" bIns="45000">
-            <a:noAutofit/>
+            <a:spAutoFit/>
           </a:bodyPr>
           <a:lstStyle/>
           <a:p>
@@ -7031,10 +7032,10 @@
               </a:lnSpc>
             </a:pPr>
             <a:r>
-              <a:rPr lang="zh-TW" altLang="en-US" spc="-1" dirty="0" smtClean="0"/>
+              <a:rPr lang="zh-TW" altLang="en-US" sz="1400" spc="-1" dirty="0" smtClean="0"/>
               <a:t>擷取公司</a:t>
             </a:r>
-            <a:endParaRPr lang="en-US" altLang="zh-TW" spc="-1" dirty="0" smtClean="0"/>
+            <a:endParaRPr lang="en-US" altLang="zh-TW" sz="1400" spc="-1" dirty="0" smtClean="0"/>
           </a:p>
           <a:p>
             <a:pPr algn="ctr">
@@ -7043,10 +7044,10 @@
               </a:lnSpc>
             </a:pPr>
             <a:r>
-              <a:rPr lang="zh-TW" altLang="en-US" spc="-1" dirty="0"/>
+              <a:rPr lang="zh-TW" altLang="en-US" sz="1400" spc="-1" dirty="0"/>
               <a:t>資料</a:t>
             </a:r>
-            <a:endParaRPr lang="en-US" altLang="zh-TW" spc="-1" dirty="0"/>
+            <a:endParaRPr lang="en-US" altLang="zh-TW" sz="1400" spc="-1" dirty="0"/>
           </a:p>
         </p:txBody>
       </p:sp>
@@ -7054,14 +7055,14 @@
         <p:nvSpPr>
           <p:cNvPr id="110" name="CustomShape 15"/>
           <p:cNvSpPr>
-            <a:spLocks noChangeAspect="1"/>
+            <a:spLocks/>
           </p:cNvSpPr>
           <p:nvPr/>
         </p:nvSpPr>
         <p:spPr>
           <a:xfrm>
-            <a:off x="1763688" y="2579546"/>
-            <a:ext cx="1152000" cy="644877"/>
+            <a:off x="1889993" y="2579546"/>
+            <a:ext cx="899390" cy="521766"/>
           </a:xfrm>
           <a:prstGeom prst="rect">
             <a:avLst/>
@@ -7088,7 +7089,7 @@
         </p:style>
         <p:txBody>
           <a:bodyPr wrap="none" lIns="90000" tIns="45000" rIns="90000" bIns="45000">
-            <a:noAutofit/>
+            <a:spAutoFit/>
           </a:bodyPr>
           <a:lstStyle/>
           <a:p>
@@ -7098,10 +7099,10 @@
               </a:lnSpc>
             </a:pPr>
             <a:r>
-              <a:rPr lang="zh-TW" altLang="en-US" spc="-1" dirty="0" smtClean="0"/>
+              <a:rPr lang="zh-TW" altLang="en-US" sz="1400" spc="-1" dirty="0" smtClean="0"/>
               <a:t>存使用者</a:t>
             </a:r>
-            <a:endParaRPr lang="en-US" altLang="zh-TW" spc="-1" dirty="0" smtClean="0"/>
+            <a:endParaRPr lang="en-US" altLang="zh-TW" sz="1400" spc="-1" dirty="0" smtClean="0"/>
           </a:p>
           <a:p>
             <a:pPr algn="ctr">
@@ -7110,10 +7111,10 @@
               </a:lnSpc>
             </a:pPr>
             <a:r>
-              <a:rPr lang="zh-TW" altLang="en-US" spc="-1" dirty="0"/>
+              <a:rPr lang="zh-TW" altLang="en-US" sz="1400" spc="-1" dirty="0"/>
               <a:t>資料</a:t>
             </a:r>
-            <a:endParaRPr lang="en-US" altLang="zh-TW" spc="-1" dirty="0"/>
+            <a:endParaRPr lang="en-US" altLang="zh-TW" sz="1400" spc="-1" dirty="0"/>
           </a:p>
         </p:txBody>
       </p:sp>
@@ -7127,8 +7128,8 @@
         </p:nvSpPr>
         <p:spPr>
           <a:xfrm>
-            <a:off x="5936221" y="764705"/>
-            <a:ext cx="1152000" cy="644877"/>
+            <a:off x="6062526" y="764705"/>
+            <a:ext cx="899390" cy="521766"/>
           </a:xfrm>
           <a:prstGeom prst="rect">
             <a:avLst/>
@@ -7155,17 +7156,13 @@
         </p:style>
         <p:txBody>
           <a:bodyPr wrap="none" lIns="90000" tIns="45000" rIns="90000" bIns="45000">
-            <a:noAutofit/>
+            <a:spAutoFit/>
           </a:bodyPr>
           <a:lstStyle/>
           <a:p>
-            <a:pPr algn="ctr">
-              <a:lnSpc>
-                <a:spcPct val="100000"/>
-              </a:lnSpc>
-            </a:pPr>
+            <a:pPr algn="ctr"/>
             <a:r>
-              <a:rPr lang="zh-TW" altLang="en-US" spc="-1" dirty="0" smtClean="0">
+              <a:rPr lang="zh-TW" altLang="en-US" sz="1400" spc="-1" dirty="0">
                 <a:solidFill>
                   <a:srgbClr val="000000"/>
                 </a:solidFill>
@@ -7173,7 +7170,7 @@
               </a:rPr>
               <a:t>顯示算命</a:t>
             </a:r>
-            <a:endParaRPr lang="en-US" altLang="zh-TW" spc="-1" dirty="0" smtClean="0">
+            <a:endParaRPr lang="en-US" altLang="zh-TW" sz="1400" spc="-1" dirty="0">
               <a:solidFill>
                 <a:srgbClr val="000000"/>
               </a:solidFill>
@@ -7181,13 +7178,9 @@
             </a:endParaRPr>
           </a:p>
           <a:p>
-            <a:pPr algn="ctr">
-              <a:lnSpc>
-                <a:spcPct val="100000"/>
-              </a:lnSpc>
-            </a:pPr>
+            <a:pPr algn="ctr"/>
             <a:r>
-              <a:rPr lang="zh-TW" altLang="zh-TW" spc="-1" dirty="0" smtClean="0">
+              <a:rPr lang="zh-TW" altLang="zh-TW" sz="1400" spc="-1" dirty="0">
                 <a:solidFill>
                   <a:srgbClr val="000000"/>
                 </a:solidFill>
@@ -7196,7 +7189,7 @@
               <a:t>資</a:t>
             </a:r>
             <a:r>
-              <a:rPr lang="zh-TW" altLang="en-US" spc="-1" dirty="0" smtClean="0">
+              <a:rPr lang="zh-TW" altLang="en-US" sz="1400" spc="-1" dirty="0">
                 <a:solidFill>
                   <a:srgbClr val="000000"/>
                 </a:solidFill>
@@ -7204,7 +7197,7 @@
               </a:rPr>
               <a:t>訊</a:t>
             </a:r>
-            <a:endParaRPr lang="en-US" altLang="zh-TW" spc="-1" dirty="0">
+            <a:endParaRPr lang="en-US" altLang="zh-TW" sz="1400" spc="-1" dirty="0">
               <a:solidFill>
                 <a:srgbClr val="000000"/>
               </a:solidFill>
@@ -7217,14 +7210,14 @@
         <p:nvSpPr>
           <p:cNvPr id="112" name="CustomShape 15"/>
           <p:cNvSpPr>
-            <a:spLocks noChangeAspect="1"/>
+            <a:spLocks/>
           </p:cNvSpPr>
           <p:nvPr/>
         </p:nvSpPr>
         <p:spPr>
           <a:xfrm>
-            <a:off x="7812488" y="1487979"/>
-            <a:ext cx="1152000" cy="644877"/>
+            <a:off x="8118201" y="1487979"/>
+            <a:ext cx="540574" cy="521766"/>
           </a:xfrm>
           <a:prstGeom prst="rect">
             <a:avLst/>
@@ -7251,7 +7244,7 @@
         </p:style>
         <p:txBody>
           <a:bodyPr wrap="none" lIns="90000" tIns="45000" rIns="90000" bIns="45000">
-            <a:noAutofit/>
+            <a:spAutoFit/>
           </a:bodyPr>
           <a:lstStyle/>
           <a:p>
@@ -7261,10 +7254,10 @@
               </a:lnSpc>
             </a:pPr>
             <a:r>
-              <a:rPr lang="zh-TW" altLang="en-US" spc="-1" dirty="0" smtClean="0"/>
+              <a:rPr lang="zh-TW" altLang="en-US" sz="1400" spc="-1" dirty="0" smtClean="0"/>
               <a:t>信箱</a:t>
             </a:r>
-            <a:endParaRPr lang="en-US" altLang="zh-TW" spc="-1" dirty="0" smtClean="0"/>
+            <a:endParaRPr lang="en-US" altLang="zh-TW" sz="1400" spc="-1" dirty="0" smtClean="0"/>
           </a:p>
           <a:p>
             <a:pPr algn="ctr">
@@ -7273,7 +7266,7 @@
               </a:lnSpc>
             </a:pPr>
             <a:r>
-              <a:rPr lang="zh-TW" altLang="zh-TW" spc="-1" dirty="0" smtClean="0">
+              <a:rPr lang="zh-TW" altLang="zh-TW" sz="1400" spc="-1" dirty="0" smtClean="0">
                 <a:solidFill>
                   <a:srgbClr val="000000"/>
                 </a:solidFill>
@@ -7281,7 +7274,7 @@
               </a:rPr>
               <a:t>驗證</a:t>
             </a:r>
-            <a:endParaRPr lang="en-US" altLang="zh-TW" spc="-1" dirty="0"/>
+            <a:endParaRPr lang="en-US" altLang="zh-TW" sz="1400" spc="-1" dirty="0"/>
           </a:p>
         </p:txBody>
       </p:sp>
@@ -7289,14 +7282,14 @@
         <p:nvSpPr>
           <p:cNvPr id="113" name="CustomShape 15"/>
           <p:cNvSpPr>
-            <a:spLocks noChangeAspect="1"/>
+            <a:spLocks/>
           </p:cNvSpPr>
           <p:nvPr/>
         </p:nvSpPr>
         <p:spPr>
           <a:xfrm>
-            <a:off x="2267744" y="764706"/>
-            <a:ext cx="1152000" cy="644877"/>
+            <a:off x="2573457" y="764706"/>
+            <a:ext cx="540574" cy="521766"/>
           </a:xfrm>
           <a:prstGeom prst="rect">
             <a:avLst/>
@@ -7323,7 +7316,7 @@
         </p:style>
         <p:txBody>
           <a:bodyPr wrap="none" lIns="90000" tIns="45000" rIns="90000" bIns="45000">
-            <a:noAutofit/>
+            <a:spAutoFit/>
           </a:bodyPr>
           <a:lstStyle/>
           <a:p>
@@ -7333,7 +7326,7 @@
               </a:lnSpc>
             </a:pPr>
             <a:r>
-              <a:rPr lang="zh-TW" altLang="en-US" spc="-1" dirty="0">
+              <a:rPr lang="zh-TW" altLang="en-US" sz="1400" spc="-1" dirty="0">
                 <a:solidFill>
                   <a:srgbClr val="000000"/>
                 </a:solidFill>
@@ -7342,7 +7335,7 @@
               <a:t>主</a:t>
             </a:r>
             <a:r>
-              <a:rPr lang="zh-TW" altLang="en-US" spc="-1" dirty="0" smtClean="0">
+              <a:rPr lang="zh-TW" altLang="en-US" sz="1400" spc="-1" dirty="0" smtClean="0">
                 <a:solidFill>
                   <a:srgbClr val="000000"/>
                 </a:solidFill>
@@ -7350,7 +7343,7 @@
               </a:rPr>
               <a:t>頁</a:t>
             </a:r>
-            <a:endParaRPr lang="en-US" altLang="zh-TW" spc="-1" dirty="0" smtClean="0">
+            <a:endParaRPr lang="en-US" altLang="zh-TW" sz="1400" spc="-1" dirty="0" smtClean="0">
               <a:solidFill>
                 <a:srgbClr val="000000"/>
               </a:solidFill>
@@ -7364,7 +7357,7 @@
               </a:lnSpc>
             </a:pPr>
             <a:r>
-              <a:rPr lang="zh-TW" altLang="en-US" spc="-1" dirty="0">
+              <a:rPr lang="zh-TW" altLang="en-US" sz="1400" spc="-1" dirty="0">
                 <a:solidFill>
                   <a:srgbClr val="000000"/>
                 </a:solidFill>
@@ -7372,7 +7365,7 @@
               </a:rPr>
               <a:t>操作</a:t>
             </a:r>
-            <a:endParaRPr lang="en-US" altLang="zh-TW" spc="-1" dirty="0"/>
+            <a:endParaRPr lang="en-US" altLang="zh-TW" sz="1400" spc="-1" dirty="0"/>
           </a:p>
         </p:txBody>
       </p:sp>
@@ -7380,14 +7373,14 @@
         <p:nvSpPr>
           <p:cNvPr id="114" name="CustomShape 15"/>
           <p:cNvSpPr>
-            <a:spLocks noChangeAspect="1"/>
+            <a:spLocks/>
           </p:cNvSpPr>
           <p:nvPr/>
         </p:nvSpPr>
         <p:spPr>
           <a:xfrm>
-            <a:off x="4730581" y="1474174"/>
-            <a:ext cx="1152000" cy="644877"/>
+            <a:off x="4856886" y="1474174"/>
+            <a:ext cx="899390" cy="521766"/>
           </a:xfrm>
           <a:prstGeom prst="rect">
             <a:avLst/>
@@ -7414,13 +7407,13 @@
         </p:style>
         <p:txBody>
           <a:bodyPr wrap="none" lIns="90000" tIns="45000" rIns="90000" bIns="45000">
-            <a:noAutofit/>
+            <a:spAutoFit/>
           </a:bodyPr>
           <a:lstStyle/>
           <a:p>
             <a:pPr algn="ctr"/>
             <a:r>
-              <a:rPr lang="zh-TW" altLang="en-US" spc="-1" dirty="0" smtClean="0">
+              <a:rPr lang="zh-TW" altLang="en-US" sz="1400" spc="-1" dirty="0" smtClean="0">
                 <a:solidFill>
                   <a:srgbClr val="000000"/>
                 </a:solidFill>
@@ -7428,7 +7421,7 @@
               </a:rPr>
               <a:t>修改密碼</a:t>
             </a:r>
-            <a:endParaRPr lang="en-US" altLang="zh-TW" spc="-1" dirty="0" smtClean="0">
+            <a:endParaRPr lang="en-US" altLang="zh-TW" sz="1400" spc="-1" dirty="0" smtClean="0">
               <a:solidFill>
                 <a:srgbClr val="000000"/>
               </a:solidFill>
@@ -7438,7 +7431,7 @@
           <a:p>
             <a:pPr algn="ctr"/>
             <a:r>
-              <a:rPr lang="zh-TW" altLang="en-US" spc="-1" dirty="0" smtClean="0">
+              <a:rPr lang="zh-TW" altLang="en-US" sz="1400" spc="-1" dirty="0" smtClean="0">
                 <a:solidFill>
                   <a:srgbClr val="000000"/>
                 </a:solidFill>
@@ -7446,7 +7439,7 @@
               </a:rPr>
               <a:t>及資料</a:t>
             </a:r>
-            <a:endParaRPr lang="en-US" altLang="zh-TW" spc="-1" dirty="0">
+            <a:endParaRPr lang="en-US" altLang="zh-TW" sz="1400" spc="-1" dirty="0">
               <a:solidFill>
                 <a:srgbClr val="000000"/>
               </a:solidFill>
@@ -7465,8 +7458,8 @@
         </p:nvSpPr>
         <p:spPr>
           <a:xfrm>
-            <a:off x="3502583" y="764704"/>
-            <a:ext cx="1152000" cy="644877"/>
+            <a:off x="3808296" y="764704"/>
+            <a:ext cx="540574" cy="521766"/>
           </a:xfrm>
           <a:prstGeom prst="rect">
             <a:avLst/>
@@ -7493,17 +7486,13 @@
         </p:style>
         <p:txBody>
           <a:bodyPr wrap="none" lIns="90000" tIns="45000" rIns="90000" bIns="45000">
-            <a:noAutofit/>
+            <a:spAutoFit/>
           </a:bodyPr>
           <a:lstStyle/>
           <a:p>
-            <a:pPr algn="ctr">
-              <a:lnSpc>
-                <a:spcPct val="100000"/>
-              </a:lnSpc>
-            </a:pPr>
+            <a:pPr algn="ctr"/>
             <a:r>
-              <a:rPr lang="zh-TW" altLang="zh-TW" spc="-1" dirty="0" smtClean="0">
+              <a:rPr lang="zh-TW" altLang="zh-TW" sz="1400" spc="-1" dirty="0">
                 <a:solidFill>
                   <a:srgbClr val="000000"/>
                 </a:solidFill>
@@ -7511,7 +7500,7 @@
               </a:rPr>
               <a:t>規則</a:t>
             </a:r>
-            <a:endParaRPr lang="en-US" altLang="zh-TW" spc="-1" dirty="0" smtClean="0">
+            <a:endParaRPr lang="en-US" altLang="zh-TW" sz="1400" spc="-1" dirty="0">
               <a:solidFill>
                 <a:srgbClr val="000000"/>
               </a:solidFill>
@@ -7519,13 +7508,9 @@
             </a:endParaRPr>
           </a:p>
           <a:p>
-            <a:pPr algn="ctr">
-              <a:lnSpc>
-                <a:spcPct val="100000"/>
-              </a:lnSpc>
-            </a:pPr>
+            <a:pPr algn="ctr"/>
             <a:r>
-              <a:rPr lang="zh-TW" altLang="en-US" spc="-1" dirty="0" smtClean="0">
+              <a:rPr lang="zh-TW" altLang="en-US" sz="1400" spc="-1" dirty="0">
                 <a:solidFill>
                   <a:srgbClr val="000000"/>
                 </a:solidFill>
@@ -7533,7 +7518,12 @@
               </a:rPr>
               <a:t>限定</a:t>
             </a:r>
-            <a:endParaRPr lang="en-US" altLang="zh-TW" spc="-1" dirty="0"/>
+            <a:endParaRPr lang="en-US" altLang="zh-TW" sz="1400" spc="-1" dirty="0">
+              <a:solidFill>
+                <a:srgbClr val="000000"/>
+              </a:solidFill>
+              <a:latin typeface="Calibri"/>
+            </a:endParaRPr>
           </a:p>
         </p:txBody>
       </p:sp>
@@ -7541,14 +7531,14 @@
         <p:nvSpPr>
           <p:cNvPr id="19" name="CustomShape 15"/>
           <p:cNvSpPr>
-            <a:spLocks noChangeAspect="1"/>
+            <a:spLocks/>
           </p:cNvSpPr>
           <p:nvPr/>
         </p:nvSpPr>
         <p:spPr>
           <a:xfrm>
-            <a:off x="5938852" y="1484784"/>
-            <a:ext cx="1152000" cy="644877"/>
+            <a:off x="6065157" y="1484784"/>
+            <a:ext cx="899390" cy="521766"/>
           </a:xfrm>
           <a:prstGeom prst="rect">
             <a:avLst/>
@@ -7575,7 +7565,7 @@
         </p:style>
         <p:txBody>
           <a:bodyPr wrap="none" lIns="90000" tIns="45000" rIns="90000" bIns="45000">
-            <a:noAutofit/>
+            <a:spAutoFit/>
           </a:bodyPr>
           <a:lstStyle/>
           <a:p>
@@ -7585,7 +7575,7 @@
               </a:lnSpc>
             </a:pPr>
             <a:r>
-              <a:rPr lang="zh-TW" altLang="en-US" spc="-1" dirty="0" smtClean="0">
+              <a:rPr lang="zh-TW" altLang="en-US" sz="1400" spc="-1" dirty="0" smtClean="0">
                 <a:solidFill>
                   <a:srgbClr val="000000"/>
                 </a:solidFill>
@@ -7593,7 +7583,7 @@
               </a:rPr>
               <a:t>顯示公司</a:t>
             </a:r>
-            <a:endParaRPr lang="en-US" altLang="zh-TW" spc="-1" dirty="0" smtClean="0">
+            <a:endParaRPr lang="en-US" altLang="zh-TW" sz="1400" spc="-1" dirty="0" smtClean="0">
               <a:solidFill>
                 <a:srgbClr val="000000"/>
               </a:solidFill>
@@ -7607,7 +7597,7 @@
               </a:lnSpc>
             </a:pPr>
             <a:r>
-              <a:rPr lang="zh-TW" altLang="zh-TW" spc="-1" dirty="0" smtClean="0">
+              <a:rPr lang="zh-TW" altLang="zh-TW" sz="1400" spc="-1" dirty="0" smtClean="0">
                 <a:solidFill>
                   <a:srgbClr val="000000"/>
                 </a:solidFill>
@@ -7616,7 +7606,7 @@
               <a:t>資</a:t>
             </a:r>
             <a:r>
-              <a:rPr lang="zh-TW" altLang="en-US" spc="-1" dirty="0" smtClean="0">
+              <a:rPr lang="zh-TW" altLang="en-US" sz="1400" spc="-1" dirty="0" smtClean="0">
                 <a:solidFill>
                   <a:srgbClr val="000000"/>
                 </a:solidFill>
@@ -7624,7 +7614,7 @@
               </a:rPr>
               <a:t>訊</a:t>
             </a:r>
-            <a:endParaRPr lang="en-US" altLang="zh-TW" spc="-1" dirty="0">
+            <a:endParaRPr lang="en-US" altLang="zh-TW" sz="1400" spc="-1" dirty="0">
               <a:solidFill>
                 <a:srgbClr val="000000"/>
               </a:solidFill>
@@ -7637,14 +7627,14 @@
         <p:nvSpPr>
           <p:cNvPr id="20" name="CustomShape 15"/>
           <p:cNvSpPr>
-            <a:spLocks noChangeAspect="1"/>
+            <a:spLocks/>
           </p:cNvSpPr>
           <p:nvPr/>
         </p:nvSpPr>
         <p:spPr>
           <a:xfrm>
-            <a:off x="5434354" y="3332471"/>
-            <a:ext cx="1152000" cy="644877"/>
+            <a:off x="5545495" y="3332471"/>
+            <a:ext cx="929718" cy="521766"/>
           </a:xfrm>
           <a:prstGeom prst="rect">
             <a:avLst/>
@@ -7671,7 +7661,7 @@
         </p:style>
         <p:txBody>
           <a:bodyPr wrap="none" lIns="90000" tIns="45000" rIns="90000" bIns="45000">
-            <a:noAutofit/>
+            <a:spAutoFit/>
           </a:bodyPr>
           <a:lstStyle/>
           <a:p>
@@ -7681,14 +7671,14 @@
               </a:lnSpc>
             </a:pPr>
             <a:r>
-              <a:rPr lang="en-US" altLang="zh-TW" spc="-1" dirty="0" smtClean="0"/>
+              <a:rPr lang="en-US" altLang="zh-TW" sz="1400" spc="-1" dirty="0" smtClean="0"/>
               <a:t>ROE</a:t>
             </a:r>
             <a:r>
-              <a:rPr lang="zh-TW" altLang="en-US" spc="-1" dirty="0" smtClean="0"/>
+              <a:rPr lang="zh-TW" altLang="en-US" sz="1400" spc="-1" dirty="0" smtClean="0"/>
               <a:t>預測</a:t>
             </a:r>
-            <a:endParaRPr lang="en-US" altLang="zh-TW" spc="-1" dirty="0"/>
+            <a:endParaRPr lang="en-US" altLang="zh-TW" sz="1400" spc="-1" dirty="0"/>
           </a:p>
           <a:p>
             <a:pPr algn="ctr">
@@ -7697,10 +7687,10 @@
               </a:lnSpc>
             </a:pPr>
             <a:r>
-              <a:rPr lang="zh-TW" altLang="en-US" spc="-1" dirty="0"/>
+              <a:rPr lang="zh-TW" altLang="en-US" sz="1400" spc="-1" dirty="0"/>
               <a:t>與儲存</a:t>
             </a:r>
-            <a:endParaRPr lang="en-US" altLang="zh-TW" spc="-1" dirty="0" smtClean="0"/>
+            <a:endParaRPr lang="en-US" altLang="zh-TW" sz="1400" spc="-1" dirty="0" smtClean="0"/>
           </a:p>
         </p:txBody>
       </p:sp>
@@ -7708,14 +7698,14 @@
         <p:nvSpPr>
           <p:cNvPr id="21" name="CustomShape 15"/>
           <p:cNvSpPr>
-            <a:spLocks noChangeAspect="1"/>
+            <a:spLocks/>
           </p:cNvSpPr>
           <p:nvPr/>
         </p:nvSpPr>
         <p:spPr>
           <a:xfrm>
-            <a:off x="1763688" y="3332472"/>
-            <a:ext cx="1152000" cy="644877"/>
+            <a:off x="1979697" y="3332472"/>
+            <a:ext cx="719982" cy="521766"/>
           </a:xfrm>
           <a:prstGeom prst="rect">
             <a:avLst/>
@@ -7742,7 +7732,7 @@
         </p:style>
         <p:txBody>
           <a:bodyPr wrap="none" lIns="90000" tIns="45000" rIns="90000" bIns="45000">
-            <a:noAutofit/>
+            <a:spAutoFit/>
           </a:bodyPr>
           <a:lstStyle/>
           <a:p>
@@ -7752,10 +7742,10 @@
               </a:lnSpc>
             </a:pPr>
             <a:r>
-              <a:rPr lang="zh-TW" altLang="en-US" spc="-1" dirty="0" smtClean="0"/>
+              <a:rPr lang="zh-TW" altLang="en-US" sz="1400" spc="-1" dirty="0" smtClean="0"/>
               <a:t>比對</a:t>
             </a:r>
-            <a:endParaRPr lang="en-US" altLang="zh-TW" spc="-1" dirty="0" smtClean="0"/>
+            <a:endParaRPr lang="en-US" altLang="zh-TW" sz="1400" spc="-1" dirty="0" smtClean="0"/>
           </a:p>
           <a:p>
             <a:pPr algn="ctr">
@@ -7764,10 +7754,10 @@
               </a:lnSpc>
             </a:pPr>
             <a:r>
-              <a:rPr lang="zh-TW" altLang="en-US" spc="-1" dirty="0"/>
+              <a:rPr lang="zh-TW" altLang="en-US" sz="1400" spc="-1" dirty="0"/>
               <a:t>喜用神</a:t>
             </a:r>
-            <a:endParaRPr lang="en-US" altLang="zh-TW" spc="-1" dirty="0"/>
+            <a:endParaRPr lang="en-US" altLang="zh-TW" sz="1400" spc="-1" dirty="0"/>
           </a:p>
         </p:txBody>
       </p:sp>
@@ -7775,14 +7765,14 @@
         <p:nvSpPr>
           <p:cNvPr id="22" name="CustomShape 15"/>
           <p:cNvSpPr>
-            <a:spLocks noChangeAspect="1"/>
+            <a:spLocks/>
           </p:cNvSpPr>
           <p:nvPr/>
         </p:nvSpPr>
         <p:spPr>
           <a:xfrm>
-            <a:off x="2992783" y="3345439"/>
-            <a:ext cx="1152000" cy="644877"/>
+            <a:off x="3119088" y="3345439"/>
+            <a:ext cx="899390" cy="521766"/>
           </a:xfrm>
           <a:prstGeom prst="rect">
             <a:avLst/>
@@ -7809,7 +7799,7 @@
         </p:style>
         <p:txBody>
           <a:bodyPr wrap="none" lIns="90000" tIns="45000" rIns="90000" bIns="45000">
-            <a:noAutofit/>
+            <a:spAutoFit/>
           </a:bodyPr>
           <a:lstStyle/>
           <a:p>
@@ -7819,14 +7809,14 @@
               </a:lnSpc>
             </a:pPr>
             <a:r>
-              <a:rPr lang="zh-TW" altLang="en-US" spc="-1" dirty="0"/>
+              <a:rPr lang="zh-TW" altLang="en-US" sz="1400" spc="-1" dirty="0"/>
               <a:t>建立</a:t>
             </a:r>
             <a:r>
-              <a:rPr lang="zh-TW" altLang="en-US" spc="-1" dirty="0" smtClean="0"/>
+              <a:rPr lang="zh-TW" altLang="en-US" sz="1400" spc="-1" dirty="0" smtClean="0"/>
               <a:t>公司</a:t>
             </a:r>
-            <a:endParaRPr lang="en-US" altLang="zh-TW" spc="-1" dirty="0" smtClean="0"/>
+            <a:endParaRPr lang="en-US" altLang="zh-TW" sz="1400" spc="-1" dirty="0" smtClean="0"/>
           </a:p>
           <a:p>
             <a:pPr algn="ctr">
@@ -7835,10 +7825,10 @@
               </a:lnSpc>
             </a:pPr>
             <a:r>
-              <a:rPr lang="zh-TW" altLang="en-US" spc="-1" dirty="0" smtClean="0"/>
+              <a:rPr lang="zh-TW" altLang="en-US" sz="1400" spc="-1" dirty="0" smtClean="0"/>
               <a:t>相關資料</a:t>
             </a:r>
-            <a:endParaRPr lang="en-US" altLang="zh-TW" spc="-1" dirty="0"/>
+            <a:endParaRPr lang="en-US" altLang="zh-TW" sz="1400" spc="-1" dirty="0"/>
           </a:p>
         </p:txBody>
       </p:sp>
@@ -7846,14 +7836,14 @@
         <p:nvSpPr>
           <p:cNvPr id="23" name="CustomShape 15"/>
           <p:cNvSpPr>
-            <a:spLocks noChangeAspect="1"/>
+            <a:spLocks/>
           </p:cNvSpPr>
           <p:nvPr/>
         </p:nvSpPr>
         <p:spPr>
           <a:xfrm>
-            <a:off x="4229471" y="3332472"/>
-            <a:ext cx="1152000" cy="644877"/>
+            <a:off x="4355776" y="3332472"/>
+            <a:ext cx="899390" cy="521766"/>
           </a:xfrm>
           <a:prstGeom prst="rect">
             <a:avLst/>
@@ -7880,7 +7870,7 @@
         </p:style>
         <p:txBody>
           <a:bodyPr wrap="none" lIns="90000" tIns="45000" rIns="90000" bIns="45000">
-            <a:noAutofit/>
+            <a:spAutoFit/>
           </a:bodyPr>
           <a:lstStyle/>
           <a:p>
@@ -7890,10 +7880,10 @@
               </a:lnSpc>
             </a:pPr>
             <a:r>
-              <a:rPr lang="zh-TW" altLang="en-US" spc="-1" dirty="0" smtClean="0"/>
+              <a:rPr lang="zh-TW" altLang="en-US" sz="1400" spc="-1" dirty="0" smtClean="0"/>
               <a:t>擷取公司</a:t>
             </a:r>
-            <a:endParaRPr lang="en-US" altLang="zh-TW" spc="-1" dirty="0" smtClean="0"/>
+            <a:endParaRPr lang="en-US" altLang="zh-TW" sz="1400" spc="-1" dirty="0" smtClean="0"/>
           </a:p>
           <a:p>
             <a:pPr algn="ctr">
@@ -7902,10 +7892,10 @@
               </a:lnSpc>
             </a:pPr>
             <a:r>
-              <a:rPr lang="en-US" altLang="zh-TW" spc="-1" dirty="0" smtClean="0"/>
+              <a:rPr lang="en-US" altLang="zh-TW" sz="1400" spc="-1" dirty="0" smtClean="0"/>
               <a:t>ROE</a:t>
             </a:r>
-            <a:endParaRPr lang="en-US" altLang="zh-TW" spc="-1" dirty="0"/>
+            <a:endParaRPr lang="en-US" altLang="zh-TW" sz="1400" spc="-1" dirty="0"/>
           </a:p>
         </p:txBody>
       </p:sp>
@@ -7913,14 +7903,14 @@
         <p:nvSpPr>
           <p:cNvPr id="24" name="CustomShape 15"/>
           <p:cNvSpPr>
-            <a:spLocks noChangeAspect="1"/>
+            <a:spLocks/>
           </p:cNvSpPr>
           <p:nvPr/>
         </p:nvSpPr>
         <p:spPr>
           <a:xfrm>
-            <a:off x="3262945" y="4427922"/>
-            <a:ext cx="1286931" cy="644877"/>
+            <a:off x="3367011" y="4427922"/>
+            <a:ext cx="1078798" cy="521766"/>
           </a:xfrm>
           <a:prstGeom prst="rect">
             <a:avLst/>
@@ -7947,7 +7937,7 @@
         </p:style>
         <p:txBody>
           <a:bodyPr wrap="none" lIns="90000" tIns="45000" rIns="90000" bIns="45000">
-            <a:noAutofit/>
+            <a:spAutoFit/>
           </a:bodyPr>
           <a:lstStyle/>
           <a:p>
@@ -7957,14 +7947,14 @@
               </a:lnSpc>
             </a:pPr>
             <a:r>
-              <a:rPr lang="zh-TW" altLang="en-US" spc="-1" dirty="0"/>
+              <a:rPr lang="zh-TW" altLang="en-US" sz="1400" spc="-1" dirty="0"/>
               <a:t>建立</a:t>
             </a:r>
             <a:r>
-              <a:rPr lang="zh-TW" altLang="en-US" spc="-1" dirty="0" smtClean="0"/>
+              <a:rPr lang="zh-TW" altLang="en-US" sz="1400" spc="-1" dirty="0" smtClean="0"/>
               <a:t>使用者</a:t>
             </a:r>
-            <a:endParaRPr lang="en-US" altLang="zh-TW" spc="-1" dirty="0" smtClean="0"/>
+            <a:endParaRPr lang="en-US" altLang="zh-TW" sz="1400" spc="-1" dirty="0" smtClean="0"/>
           </a:p>
           <a:p>
             <a:pPr algn="ctr">
@@ -7973,18 +7963,10 @@
               </a:lnSpc>
             </a:pPr>
             <a:r>
-              <a:rPr lang="zh-TW" altLang="en-US" spc="-1" dirty="0"/>
+              <a:rPr lang="zh-TW" altLang="en-US" sz="1400" spc="-1" dirty="0" smtClean="0"/>
               <a:t>資料</a:t>
             </a:r>
-            <a:endParaRPr lang="en-US" altLang="zh-TW" spc="-1" dirty="0" smtClean="0"/>
-          </a:p>
-          <a:p>
-            <a:pPr algn="ctr">
-              <a:lnSpc>
-                <a:spcPct val="100000"/>
-              </a:lnSpc>
-            </a:pPr>
-            <a:endParaRPr lang="en-US" altLang="zh-TW" spc="-1" dirty="0"/>
+            <a:endParaRPr lang="en-US" altLang="zh-TW" sz="1400" spc="-1" dirty="0" smtClean="0"/>
           </a:p>
         </p:txBody>
       </p:sp>
@@ -7992,14 +7974,14 @@
         <p:nvSpPr>
           <p:cNvPr id="25" name="CustomShape 15"/>
           <p:cNvSpPr>
-            <a:spLocks noChangeAspect="1"/>
+            <a:spLocks/>
           </p:cNvSpPr>
           <p:nvPr/>
         </p:nvSpPr>
         <p:spPr>
           <a:xfrm>
-            <a:off x="4633576" y="4427921"/>
-            <a:ext cx="1600495" cy="644877"/>
+            <a:off x="4804720" y="4427921"/>
+            <a:ext cx="1258206" cy="521766"/>
           </a:xfrm>
           <a:prstGeom prst="rect">
             <a:avLst/>
@@ -8026,7 +8008,7 @@
         </p:style>
         <p:txBody>
           <a:bodyPr wrap="none" lIns="90000" tIns="45000" rIns="90000" bIns="45000">
-            <a:noAutofit/>
+            <a:spAutoFit/>
           </a:bodyPr>
           <a:lstStyle/>
           <a:p>
@@ -8036,14 +8018,14 @@
               </a:lnSpc>
             </a:pPr>
             <a:r>
-              <a:rPr lang="zh-TW" altLang="en-US" spc="-1" dirty="0"/>
+              <a:rPr lang="zh-TW" altLang="en-US" sz="1400" spc="-1" dirty="0"/>
               <a:t>建立</a:t>
             </a:r>
             <a:r>
-              <a:rPr lang="zh-TW" altLang="en-US" spc="-1" dirty="0" smtClean="0"/>
+              <a:rPr lang="zh-TW" altLang="en-US" sz="1400" spc="-1" dirty="0" smtClean="0"/>
               <a:t>公司相關</a:t>
             </a:r>
-            <a:endParaRPr lang="en-US" altLang="zh-TW" spc="-1" dirty="0" smtClean="0"/>
+            <a:endParaRPr lang="en-US" altLang="zh-TW" sz="1400" spc="-1" dirty="0" smtClean="0"/>
           </a:p>
           <a:p>
             <a:pPr algn="ctr">
@@ -8052,18 +8034,10 @@
               </a:lnSpc>
             </a:pPr>
             <a:r>
-              <a:rPr lang="zh-TW" altLang="en-US" spc="-1" dirty="0" smtClean="0"/>
+              <a:rPr lang="zh-TW" altLang="en-US" sz="1400" spc="-1" dirty="0" smtClean="0"/>
               <a:t>資料</a:t>
             </a:r>
-            <a:endParaRPr lang="en-US" altLang="zh-TW" spc="-1" dirty="0" smtClean="0"/>
-          </a:p>
-          <a:p>
-            <a:pPr algn="ctr">
-              <a:lnSpc>
-                <a:spcPct val="100000"/>
-              </a:lnSpc>
-            </a:pPr>
-            <a:endParaRPr lang="en-US" altLang="zh-TW" spc="-1" dirty="0"/>
+            <a:endParaRPr lang="en-US" altLang="zh-TW" sz="1400" spc="-1" dirty="0" smtClean="0"/>
           </a:p>
         </p:txBody>
       </p:sp>
@@ -8071,14 +8045,14 @@
         <p:nvSpPr>
           <p:cNvPr id="26" name="CustomShape 15"/>
           <p:cNvSpPr>
-            <a:spLocks noChangeAspect="1"/>
+            <a:spLocks/>
           </p:cNvSpPr>
           <p:nvPr/>
         </p:nvSpPr>
         <p:spPr>
           <a:xfrm>
-            <a:off x="6291992" y="4429490"/>
-            <a:ext cx="1232336" cy="644877"/>
+            <a:off x="6418518" y="4429490"/>
+            <a:ext cx="979284" cy="521766"/>
           </a:xfrm>
           <a:prstGeom prst="rect">
             <a:avLst/>
@@ -8105,7 +8079,7 @@
         </p:style>
         <p:txBody>
           <a:bodyPr wrap="none" lIns="90000" tIns="45000" rIns="90000" bIns="45000">
-            <a:noAutofit/>
+            <a:spAutoFit/>
           </a:bodyPr>
           <a:lstStyle/>
           <a:p>
@@ -8115,11 +8089,11 @@
               </a:lnSpc>
             </a:pPr>
             <a:r>
-              <a:rPr lang="zh-TW" altLang="en-US" spc="-1" dirty="0" smtClean="0"/>
+              <a:rPr lang="zh-TW" altLang="en-US" sz="1400" spc="-1" dirty="0" smtClean="0"/>
               <a:t>建立 </a:t>
             </a:r>
             <a:r>
-              <a:rPr lang="en-US" altLang="zh-TW" spc="-1" dirty="0" smtClean="0"/>
+              <a:rPr lang="en-US" altLang="zh-TW" sz="1400" spc="-1" dirty="0" smtClean="0"/>
               <a:t>ROE</a:t>
             </a:r>
           </a:p>
@@ -8130,18 +8104,10 @@
               </a:lnSpc>
             </a:pPr>
             <a:r>
-              <a:rPr lang="zh-TW" altLang="en-US" spc="-1" dirty="0" smtClean="0"/>
+              <a:rPr lang="zh-TW" altLang="en-US" sz="1400" spc="-1" dirty="0" smtClean="0"/>
               <a:t>資料</a:t>
             </a:r>
-            <a:endParaRPr lang="en-US" altLang="zh-TW" spc="-1" dirty="0" smtClean="0"/>
-          </a:p>
-          <a:p>
-            <a:pPr algn="ctr">
-              <a:lnSpc>
-                <a:spcPct val="100000"/>
-              </a:lnSpc>
-            </a:pPr>
-            <a:endParaRPr lang="en-US" altLang="zh-TW" spc="-1" dirty="0"/>
+            <a:endParaRPr lang="en-US" altLang="zh-TW" sz="1400" spc="-1" dirty="0" smtClean="0"/>
           </a:p>
         </p:txBody>
       </p:sp>
@@ -8205,13 +8171,15 @@
       <p:sp>
         <p:nvSpPr>
           <p:cNvPr id="4" name="向右箭號 3"/>
-          <p:cNvSpPr/>
+          <p:cNvSpPr>
+            <a:spLocks/>
+          </p:cNvSpPr>
           <p:nvPr/>
         </p:nvSpPr>
         <p:spPr>
           <a:xfrm rot="5400000" flipV="1">
-            <a:off x="3424202" y="1253121"/>
-            <a:ext cx="260947" cy="2178664"/>
+            <a:off x="3424202" y="2036760"/>
+            <a:ext cx="260947" cy="611386"/>
           </a:xfrm>
           <a:prstGeom prst="rightArrow">
             <a:avLst/>
@@ -8237,24 +8205,28 @@
           </a:fontRef>
         </p:style>
         <p:txBody>
-          <a:bodyPr rtlCol="0" anchor="ctr"/>
+          <a:bodyPr rtlCol="0" anchor="ctr">
+            <a:spAutoFit/>
+          </a:bodyPr>
           <a:lstStyle/>
           <a:p>
             <a:pPr algn="ctr"/>
-            <a:endParaRPr lang="zh-TW" altLang="en-US"/>
+            <a:endParaRPr lang="zh-TW" altLang="en-US" sz="1400"/>
           </a:p>
         </p:txBody>
       </p:sp>
       <p:sp>
         <p:nvSpPr>
           <p:cNvPr id="32" name="向右箭號 31"/>
-          <p:cNvSpPr/>
+          <p:cNvSpPr>
+            <a:spLocks/>
+          </p:cNvSpPr>
           <p:nvPr/>
         </p:nvSpPr>
         <p:spPr>
           <a:xfrm rot="5400000" flipV="1">
-            <a:off x="3442627" y="3085649"/>
-            <a:ext cx="260947" cy="2178664"/>
+            <a:off x="3442627" y="3869288"/>
+            <a:ext cx="260947" cy="611386"/>
           </a:xfrm>
           <a:prstGeom prst="rightArrow">
             <a:avLst/>
@@ -8280,24 +8252,28 @@
           </a:fontRef>
         </p:style>
         <p:txBody>
-          <a:bodyPr rtlCol="0" anchor="ctr"/>
+          <a:bodyPr rtlCol="0" anchor="ctr">
+            <a:spAutoFit/>
+          </a:bodyPr>
           <a:lstStyle/>
           <a:p>
             <a:pPr algn="ctr"/>
-            <a:endParaRPr lang="zh-TW" altLang="en-US"/>
+            <a:endParaRPr lang="zh-TW" altLang="en-US" sz="1400"/>
           </a:p>
         </p:txBody>
       </p:sp>
       <p:sp>
         <p:nvSpPr>
           <p:cNvPr id="33" name="向右箭號 32"/>
-          <p:cNvSpPr/>
+          <p:cNvSpPr>
+            <a:spLocks/>
+          </p:cNvSpPr>
           <p:nvPr/>
         </p:nvSpPr>
         <p:spPr>
           <a:xfrm rot="5400000" flipV="1">
-            <a:off x="3442627" y="4210670"/>
-            <a:ext cx="260947" cy="2178664"/>
+            <a:off x="3442627" y="4994309"/>
+            <a:ext cx="260947" cy="611386"/>
           </a:xfrm>
           <a:prstGeom prst="rightArrow">
             <a:avLst/>
@@ -8323,24 +8299,28 @@
           </a:fontRef>
         </p:style>
         <p:txBody>
-          <a:bodyPr rtlCol="0" anchor="ctr"/>
+          <a:bodyPr rtlCol="0" anchor="ctr">
+            <a:spAutoFit/>
+          </a:bodyPr>
           <a:lstStyle/>
           <a:p>
             <a:pPr algn="ctr"/>
-            <a:endParaRPr lang="zh-TW" altLang="en-US"/>
+            <a:endParaRPr lang="zh-TW" altLang="en-US" sz="1400"/>
           </a:p>
         </p:txBody>
       </p:sp>
       <p:sp>
         <p:nvSpPr>
           <p:cNvPr id="38" name="向右箭號 37"/>
-          <p:cNvSpPr/>
+          <p:cNvSpPr>
+            <a:spLocks/>
+          </p:cNvSpPr>
           <p:nvPr/>
         </p:nvSpPr>
         <p:spPr>
           <a:xfrm rot="16200000" flipV="1">
-            <a:off x="6034023" y="1277296"/>
-            <a:ext cx="270129" cy="2125267"/>
+            <a:off x="6034023" y="2034236"/>
+            <a:ext cx="270129" cy="611386"/>
           </a:xfrm>
           <a:prstGeom prst="rightArrow">
             <a:avLst/>
@@ -8366,11 +8346,13 @@
           </a:fontRef>
         </p:style>
         <p:txBody>
-          <a:bodyPr rtlCol="0" anchor="ctr"/>
+          <a:bodyPr rtlCol="0" anchor="ctr">
+            <a:spAutoFit/>
+          </a:bodyPr>
           <a:lstStyle/>
           <a:p>
             <a:pPr algn="ctr"/>
-            <a:endParaRPr lang="zh-TW" altLang="en-US"/>
+            <a:endParaRPr lang="zh-TW" altLang="en-US" sz="1400"/>
           </a:p>
         </p:txBody>
       </p:sp>
@@ -8517,14 +8499,14 @@
         <p:nvSpPr>
           <p:cNvPr id="47" name="CustomShape 15"/>
           <p:cNvSpPr>
-            <a:spLocks noChangeAspect="1"/>
+            <a:spLocks/>
           </p:cNvSpPr>
           <p:nvPr/>
         </p:nvSpPr>
         <p:spPr>
           <a:xfrm>
-            <a:off x="2268940" y="6418390"/>
-            <a:ext cx="1368152" cy="322438"/>
+            <a:off x="2413617" y="6418390"/>
+            <a:ext cx="1078798" cy="306323"/>
           </a:xfrm>
           <a:prstGeom prst="rect">
             <a:avLst/>
@@ -8551,7 +8533,7 @@
         </p:style>
         <p:txBody>
           <a:bodyPr wrap="none" lIns="90000" tIns="45000" rIns="90000" bIns="45000">
-            <a:noAutofit/>
+            <a:spAutoFit/>
           </a:bodyPr>
           <a:lstStyle/>
           <a:p>
@@ -8561,14 +8543,14 @@
               </a:lnSpc>
             </a:pPr>
             <a:r>
-              <a:rPr lang="zh-TW" altLang="en-US" spc="-1" dirty="0"/>
+              <a:rPr lang="zh-TW" altLang="en-US" sz="1400" spc="-1" dirty="0"/>
               <a:t>劍靈算命</a:t>
             </a:r>
             <a:r>
-              <a:rPr lang="zh-TW" altLang="en-US" spc="-1" dirty="0" smtClean="0"/>
+              <a:rPr lang="zh-TW" altLang="en-US" sz="1400" spc="-1" dirty="0" smtClean="0"/>
               <a:t>網</a:t>
             </a:r>
-            <a:endParaRPr lang="en-US" altLang="zh-TW" spc="-1" dirty="0" smtClean="0"/>
+            <a:endParaRPr lang="en-US" altLang="zh-TW" sz="1400" spc="-1" dirty="0" smtClean="0"/>
           </a:p>
         </p:txBody>
       </p:sp>
@@ -8576,14 +8558,14 @@
         <p:nvSpPr>
           <p:cNvPr id="51" name="CustomShape 15"/>
           <p:cNvSpPr>
-            <a:spLocks noChangeAspect="1"/>
+            <a:spLocks/>
           </p:cNvSpPr>
           <p:nvPr/>
         </p:nvSpPr>
         <p:spPr>
           <a:xfrm>
-            <a:off x="3736779" y="6418930"/>
-            <a:ext cx="1368152" cy="322438"/>
+            <a:off x="4060864" y="6418930"/>
+            <a:ext cx="719982" cy="306323"/>
           </a:xfrm>
           <a:prstGeom prst="rect">
             <a:avLst/>
@@ -8610,7 +8592,7 @@
         </p:style>
         <p:txBody>
           <a:bodyPr wrap="none" lIns="90000" tIns="45000" rIns="90000" bIns="45000">
-            <a:noAutofit/>
+            <a:spAutoFit/>
           </a:bodyPr>
           <a:lstStyle/>
           <a:p>
@@ -8620,10 +8602,10 @@
               </a:lnSpc>
             </a:pPr>
             <a:r>
-              <a:rPr lang="zh-TW" altLang="en-US" spc="-1" dirty="0" smtClean="0"/>
+              <a:rPr lang="zh-TW" altLang="en-US" sz="1400" spc="-1" dirty="0" smtClean="0"/>
               <a:t>財報狗</a:t>
             </a:r>
-            <a:endParaRPr lang="en-US" altLang="zh-TW" spc="-1" dirty="0" smtClean="0"/>
+            <a:endParaRPr lang="en-US" altLang="zh-TW" sz="1400" spc="-1" dirty="0" smtClean="0"/>
           </a:p>
         </p:txBody>
       </p:sp>
@@ -8631,14 +8613,14 @@
         <p:nvSpPr>
           <p:cNvPr id="52" name="CustomShape 15"/>
           <p:cNvSpPr>
-            <a:spLocks noChangeAspect="1"/>
+            <a:spLocks/>
           </p:cNvSpPr>
           <p:nvPr/>
         </p:nvSpPr>
         <p:spPr>
           <a:xfrm>
-            <a:off x="5220007" y="6416659"/>
-            <a:ext cx="2664361" cy="324709"/>
+            <a:off x="5446030" y="6416659"/>
+            <a:ext cx="2212314" cy="306323"/>
           </a:xfrm>
           <a:prstGeom prst="rect">
             <a:avLst/>
@@ -8665,7 +8647,7 @@
         </p:style>
         <p:txBody>
           <a:bodyPr wrap="none" lIns="90000" tIns="45000" rIns="90000" bIns="45000">
-            <a:noAutofit/>
+            <a:spAutoFit/>
           </a:bodyPr>
           <a:lstStyle/>
           <a:p>
@@ -8675,14 +8657,14 @@
               </a:lnSpc>
             </a:pPr>
             <a:r>
-              <a:rPr lang="en-US" altLang="zh-TW" spc="-1" dirty="0"/>
+              <a:rPr lang="en-US" altLang="zh-TW" sz="1400" spc="-1" dirty="0"/>
               <a:t>Goodinfo!</a:t>
             </a:r>
             <a:r>
-              <a:rPr lang="zh-TW" altLang="en-US" spc="-1" dirty="0"/>
+              <a:rPr lang="zh-TW" altLang="en-US" sz="1400" spc="-1" dirty="0"/>
               <a:t>台灣股市資訊網</a:t>
             </a:r>
-            <a:endParaRPr lang="en-US" altLang="zh-TW" spc="-1" dirty="0" smtClean="0"/>
+            <a:endParaRPr lang="en-US" altLang="zh-TW" sz="1400" spc="-1" dirty="0" smtClean="0"/>
           </a:p>
         </p:txBody>
       </p:sp>
@@ -8719,13 +8701,15 @@
       <p:sp>
         <p:nvSpPr>
           <p:cNvPr id="10" name="上-下雙向箭號 9"/>
-          <p:cNvSpPr/>
+          <p:cNvSpPr>
+            <a:spLocks/>
+          </p:cNvSpPr>
           <p:nvPr/>
         </p:nvSpPr>
         <p:spPr>
           <a:xfrm>
-            <a:off x="7592407" y="4073363"/>
-            <a:ext cx="291961" cy="2143221"/>
+            <a:off x="7397803" y="4087390"/>
+            <a:ext cx="291600" cy="2159089"/>
           </a:xfrm>
           <a:prstGeom prst="upDownArrow">
             <a:avLst/>
@@ -8751,11 +8735,13 @@
           </a:fontRef>
         </p:style>
         <p:txBody>
-          <a:bodyPr rtlCol="0" anchor="ctr"/>
+          <a:bodyPr wrap="square" rtlCol="0" anchor="ctr">
+            <a:spAutoFit/>
+          </a:bodyPr>
           <a:lstStyle/>
           <a:p>
             <a:pPr algn="ctr"/>
-            <a:endParaRPr lang="zh-TW" altLang="en-US"/>
+            <a:endParaRPr lang="zh-TW" altLang="en-US" sz="1400"/>
           </a:p>
         </p:txBody>
       </p:sp>
@@ -8763,14 +8749,14 @@
         <p:nvSpPr>
           <p:cNvPr id="57" name="CustomShape 15"/>
           <p:cNvSpPr>
-            <a:spLocks noChangeAspect="1"/>
+            <a:spLocks/>
           </p:cNvSpPr>
           <p:nvPr/>
         </p:nvSpPr>
         <p:spPr>
           <a:xfrm>
-            <a:off x="2043699" y="4418215"/>
-            <a:ext cx="1152127" cy="644877"/>
+            <a:off x="2170067" y="4418215"/>
+            <a:ext cx="899390" cy="521766"/>
           </a:xfrm>
           <a:prstGeom prst="rect">
             <a:avLst/>
@@ -8797,7 +8783,7 @@
         </p:style>
         <p:txBody>
           <a:bodyPr wrap="none" lIns="90000" tIns="45000" rIns="90000" bIns="45000">
-            <a:noAutofit/>
+            <a:spAutoFit/>
           </a:bodyPr>
           <a:lstStyle/>
           <a:p>
@@ -8807,14 +8793,14 @@
               </a:lnSpc>
             </a:pPr>
             <a:r>
-              <a:rPr lang="zh-TW" altLang="en-US" spc="-1" dirty="0"/>
+              <a:rPr lang="zh-TW" altLang="en-US" sz="1400" spc="-1" dirty="0"/>
               <a:t>串聯</a:t>
             </a:r>
             <a:r>
-              <a:rPr lang="zh-TW" altLang="en-US" spc="-1" dirty="0" smtClean="0"/>
+              <a:rPr lang="zh-TW" altLang="en-US" sz="1400" spc="-1" dirty="0" smtClean="0"/>
               <a:t>主網</a:t>
             </a:r>
-            <a:endParaRPr lang="en-US" altLang="zh-TW" spc="-1" dirty="0" smtClean="0"/>
+            <a:endParaRPr lang="en-US" altLang="zh-TW" sz="1400" spc="-1" dirty="0" smtClean="0"/>
           </a:p>
           <a:p>
             <a:pPr algn="ctr">
@@ -8823,31 +8809,25 @@
               </a:lnSpc>
             </a:pPr>
             <a:r>
-              <a:rPr lang="zh-TW" altLang="en-US" spc="-1" dirty="0" smtClean="0"/>
+              <a:rPr lang="zh-TW" altLang="en-US" sz="1400" spc="-1" dirty="0" smtClean="0"/>
               <a:t>資料</a:t>
             </a:r>
-            <a:endParaRPr lang="en-US" altLang="zh-TW" spc="-1" dirty="0" smtClean="0"/>
-          </a:p>
-          <a:p>
-            <a:pPr algn="ctr">
-              <a:lnSpc>
-                <a:spcPct val="100000"/>
-              </a:lnSpc>
-            </a:pPr>
-            <a:endParaRPr lang="en-US" altLang="zh-TW" spc="-1" dirty="0"/>
+            <a:endParaRPr lang="en-US" altLang="zh-TW" sz="1400" spc="-1" dirty="0" smtClean="0"/>
           </a:p>
         </p:txBody>
       </p:sp>
       <p:sp>
         <p:nvSpPr>
           <p:cNvPr id="58" name="上-下雙向箭號 57"/>
-          <p:cNvSpPr/>
+          <p:cNvSpPr>
+            <a:spLocks/>
+          </p:cNvSpPr>
           <p:nvPr/>
         </p:nvSpPr>
         <p:spPr>
           <a:xfrm>
-            <a:off x="8359823" y="2216090"/>
-            <a:ext cx="291600" cy="3291951"/>
+            <a:off x="8359822" y="2211979"/>
+            <a:ext cx="291600" cy="3218496"/>
           </a:xfrm>
           <a:prstGeom prst="upDownArrow">
             <a:avLst/>
@@ -8873,24 +8853,28 @@
           </a:fontRef>
         </p:style>
         <p:txBody>
-          <a:bodyPr rtlCol="0" anchor="ctr"/>
+          <a:bodyPr wrap="square" rtlCol="0" anchor="ctr">
+            <a:spAutoFit/>
+          </a:bodyPr>
           <a:lstStyle/>
           <a:p>
             <a:pPr algn="ctr"/>
-            <a:endParaRPr lang="zh-TW" altLang="en-US"/>
+            <a:endParaRPr lang="zh-TW" altLang="en-US" sz="1400"/>
           </a:p>
         </p:txBody>
       </p:sp>
       <p:sp>
         <p:nvSpPr>
           <p:cNvPr id="11" name="向上箭號 10"/>
-          <p:cNvSpPr/>
+          <p:cNvSpPr>
+            <a:spLocks/>
+          </p:cNvSpPr>
           <p:nvPr/>
         </p:nvSpPr>
         <p:spPr>
           <a:xfrm>
-            <a:off x="7985419" y="4088311"/>
-            <a:ext cx="291600" cy="1342165"/>
+            <a:off x="7812360" y="4044508"/>
+            <a:ext cx="291600" cy="1385968"/>
           </a:xfrm>
           <a:prstGeom prst="upArrow">
             <a:avLst/>
@@ -8916,11 +8900,13 @@
           </a:fontRef>
         </p:style>
         <p:txBody>
-          <a:bodyPr rtlCol="0" anchor="ctr"/>
+          <a:bodyPr wrap="square" rtlCol="0" anchor="ctr">
+            <a:spAutoFit/>
+          </a:bodyPr>
           <a:lstStyle/>
           <a:p>
             <a:pPr algn="ctr"/>
-            <a:endParaRPr lang="zh-TW" altLang="en-US"/>
+            <a:endParaRPr lang="zh-TW" altLang="en-US" sz="1400"/>
           </a:p>
         </p:txBody>
       </p:sp>
@@ -8964,347 +8950,6 @@
       </p:grpSpPr>
       <p:sp>
         <p:nvSpPr>
-          <p:cNvPr id="45" name="CustomShape 6"/>
-          <p:cNvSpPr/>
-          <p:nvPr/>
-        </p:nvSpPr>
-        <p:spPr>
-          <a:xfrm>
-            <a:off x="2862505" y="2306168"/>
-            <a:ext cx="329040" cy="364680"/>
-          </a:xfrm>
-          <a:prstGeom prst="rect">
-            <a:avLst/>
-          </a:prstGeom>
-          <a:noFill/>
-          <a:ln w="0">
-            <a:noFill/>
-            <a:tailEnd type="triangle"/>
-          </a:ln>
-        </p:spPr>
-        <p:style>
-          <a:lnRef idx="0">
-            <a:scrgbClr r="0" g="0" b="0"/>
-          </a:lnRef>
-          <a:fillRef idx="0">
-            <a:scrgbClr r="0" g="0" b="0"/>
-          </a:fillRef>
-          <a:effectRef idx="0">
-            <a:scrgbClr r="0" g="0" b="0"/>
-          </a:effectRef>
-          <a:fontRef idx="minor"/>
-        </p:style>
-        <p:txBody>
-          <a:bodyPr wrap="none" lIns="90000" tIns="45000" rIns="90000" bIns="45000">
-            <a:spAutoFit/>
-          </a:bodyPr>
-          <a:lstStyle/>
-          <a:p>
-            <a:pPr>
-              <a:lnSpc>
-                <a:spcPct val="100000"/>
-              </a:lnSpc>
-            </a:pPr>
-            <a:r>
-              <a:rPr lang="en-US" sz="1800" b="0" strike="noStrike" spc="-1" dirty="0">
-                <a:solidFill>
-                  <a:srgbClr val="000000"/>
-                </a:solidFill>
-                <a:latin typeface="Calibri"/>
-              </a:rPr>
-              <a:t>N</a:t>
-            </a:r>
-            <a:endParaRPr lang="en-US" sz="1800" b="0" strike="noStrike" spc="-1" dirty="0">
-              <a:latin typeface="Arial"/>
-            </a:endParaRPr>
-          </a:p>
-        </p:txBody>
-      </p:sp>
-      <p:grpSp>
-        <p:nvGrpSpPr>
-          <p:cNvPr id="2" name="群組 1"/>
-          <p:cNvGrpSpPr/>
-          <p:nvPr/>
-        </p:nvGrpSpPr>
-        <p:grpSpPr>
-          <a:xfrm>
-            <a:off x="1216200" y="2238800"/>
-            <a:ext cx="1699616" cy="830160"/>
-            <a:chOff x="4002233" y="2421020"/>
-            <a:chExt cx="1699616" cy="830160"/>
-          </a:xfrm>
-        </p:grpSpPr>
-        <p:sp>
-          <p:nvSpPr>
-            <p:cNvPr id="46" name="CustomShape 7"/>
-            <p:cNvSpPr/>
-            <p:nvPr/>
-          </p:nvSpPr>
-          <p:spPr>
-            <a:xfrm>
-              <a:off x="4002233" y="2421020"/>
-              <a:ext cx="1699616" cy="830160"/>
-            </a:xfrm>
-            <a:prstGeom prst="diamond">
-              <a:avLst/>
-            </a:prstGeom>
-            <a:noFill/>
-            <a:ln>
-              <a:solidFill>
-                <a:schemeClr val="tx1"/>
-              </a:solidFill>
-              <a:round/>
-              <a:tailEnd type="triangle"/>
-            </a:ln>
-          </p:spPr>
-          <p:style>
-            <a:lnRef idx="2">
-              <a:schemeClr val="accent1">
-                <a:shade val="50000"/>
-              </a:schemeClr>
-            </a:lnRef>
-            <a:fillRef idx="1">
-              <a:schemeClr val="accent1"/>
-            </a:fillRef>
-            <a:effectRef idx="0">
-              <a:schemeClr val="accent1"/>
-            </a:effectRef>
-            <a:fontRef idx="minor"/>
-          </p:style>
-        </p:sp>
-        <p:sp>
-          <p:nvSpPr>
-            <p:cNvPr id="47" name="CustomShape 8"/>
-            <p:cNvSpPr/>
-            <p:nvPr/>
-          </p:nvSpPr>
-          <p:spPr>
-            <a:xfrm>
-              <a:off x="4176528" y="2637044"/>
-              <a:ext cx="1335279" cy="367878"/>
-            </a:xfrm>
-            <a:prstGeom prst="rect">
-              <a:avLst/>
-            </a:prstGeom>
-            <a:noFill/>
-            <a:ln w="0">
-              <a:noFill/>
-              <a:tailEnd type="triangle"/>
-            </a:ln>
-          </p:spPr>
-          <p:style>
-            <a:lnRef idx="0">
-              <a:scrgbClr r="0" g="0" b="0"/>
-            </a:lnRef>
-            <a:fillRef idx="0">
-              <a:scrgbClr r="0" g="0" b="0"/>
-            </a:fillRef>
-            <a:effectRef idx="0">
-              <a:scrgbClr r="0" g="0" b="0"/>
-            </a:effectRef>
-            <a:fontRef idx="minor"/>
-          </p:style>
-          <p:txBody>
-            <a:bodyPr wrap="none" lIns="90000" tIns="45000" rIns="90000" bIns="45000">
-              <a:spAutoFit/>
-            </a:bodyPr>
-            <a:lstStyle/>
-            <a:p>
-              <a:pPr>
-                <a:lnSpc>
-                  <a:spcPct val="100000"/>
-                </a:lnSpc>
-              </a:pPr>
-              <a:r>
-                <a:rPr lang="zh-TW" altLang="en-US" spc="-1" dirty="0">
-                  <a:solidFill>
-                    <a:srgbClr val="000000"/>
-                  </a:solidFill>
-                  <a:latin typeface="Calibri"/>
-                </a:rPr>
-                <a:t>是否已註冊</a:t>
-              </a:r>
-              <a:endParaRPr lang="en-US" spc="-1" dirty="0">
-                <a:solidFill>
-                  <a:srgbClr val="000000"/>
-                </a:solidFill>
-                <a:latin typeface="Calibri"/>
-              </a:endParaRPr>
-            </a:p>
-          </p:txBody>
-        </p:sp>
-      </p:grpSp>
-      <p:grpSp>
-        <p:nvGrpSpPr>
-          <p:cNvPr id="8" name="群組 7"/>
-          <p:cNvGrpSpPr/>
-          <p:nvPr/>
-        </p:nvGrpSpPr>
-        <p:grpSpPr>
-          <a:xfrm>
-            <a:off x="3582585" y="2453408"/>
-            <a:ext cx="1067040" cy="390600"/>
-            <a:chOff x="697680" y="3110408"/>
-            <a:chExt cx="1067040" cy="390600"/>
-          </a:xfrm>
-        </p:grpSpPr>
-        <p:sp>
-          <p:nvSpPr>
-            <p:cNvPr id="53" name="CustomShape 14"/>
-            <p:cNvSpPr/>
-            <p:nvPr/>
-          </p:nvSpPr>
-          <p:spPr>
-            <a:xfrm>
-              <a:off x="697680" y="3110408"/>
-              <a:ext cx="1067040" cy="390600"/>
-            </a:xfrm>
-            <a:prstGeom prst="rect">
-              <a:avLst/>
-            </a:prstGeom>
-            <a:noFill/>
-            <a:ln>
-              <a:solidFill>
-                <a:schemeClr val="tx1"/>
-              </a:solidFill>
-              <a:round/>
-              <a:tailEnd type="triangle"/>
-            </a:ln>
-          </p:spPr>
-          <p:style>
-            <a:lnRef idx="2">
-              <a:schemeClr val="accent1">
-                <a:shade val="50000"/>
-              </a:schemeClr>
-            </a:lnRef>
-            <a:fillRef idx="1">
-              <a:schemeClr val="accent1"/>
-            </a:fillRef>
-            <a:effectRef idx="0">
-              <a:schemeClr val="accent1"/>
-            </a:effectRef>
-            <a:fontRef idx="minor"/>
-          </p:style>
-        </p:sp>
-        <p:sp>
-          <p:nvSpPr>
-            <p:cNvPr id="54" name="CustomShape 15"/>
-            <p:cNvSpPr/>
-            <p:nvPr/>
-          </p:nvSpPr>
-          <p:spPr>
-            <a:xfrm>
-              <a:off x="911880" y="3132368"/>
-              <a:ext cx="643166" cy="367878"/>
-            </a:xfrm>
-            <a:prstGeom prst="rect">
-              <a:avLst/>
-            </a:prstGeom>
-            <a:noFill/>
-            <a:ln w="0">
-              <a:noFill/>
-              <a:tailEnd type="triangle"/>
-            </a:ln>
-          </p:spPr>
-          <p:style>
-            <a:lnRef idx="0">
-              <a:scrgbClr r="0" g="0" b="0"/>
-            </a:lnRef>
-            <a:fillRef idx="0">
-              <a:scrgbClr r="0" g="0" b="0"/>
-            </a:fillRef>
-            <a:effectRef idx="0">
-              <a:scrgbClr r="0" g="0" b="0"/>
-            </a:effectRef>
-            <a:fontRef idx="minor"/>
-          </p:style>
-          <p:txBody>
-            <a:bodyPr wrap="none" lIns="90000" tIns="45000" rIns="90000" bIns="45000">
-              <a:spAutoFit/>
-            </a:bodyPr>
-            <a:lstStyle/>
-            <a:p>
-              <a:pPr>
-                <a:lnSpc>
-                  <a:spcPct val="100000"/>
-                </a:lnSpc>
-              </a:pPr>
-              <a:r>
-                <a:rPr lang="zh-TW" altLang="en-US" spc="-1" dirty="0">
-                  <a:solidFill>
-                    <a:srgbClr val="000000"/>
-                  </a:solidFill>
-                  <a:latin typeface="Calibri"/>
-                </a:rPr>
-                <a:t>註冊</a:t>
-              </a:r>
-              <a:endParaRPr lang="en-US" sz="1800" b="0" strike="noStrike" spc="-1" dirty="0">
-                <a:latin typeface="Arial"/>
-              </a:endParaRPr>
-            </a:p>
-          </p:txBody>
-        </p:sp>
-      </p:grpSp>
-      <p:sp>
-        <p:nvSpPr>
-          <p:cNvPr id="65" name="CustomShape 26"/>
-          <p:cNvSpPr/>
-          <p:nvPr/>
-        </p:nvSpPr>
-        <p:spPr>
-          <a:xfrm>
-            <a:off x="2123728" y="2992312"/>
-            <a:ext cx="292320" cy="364680"/>
-          </a:xfrm>
-          <a:prstGeom prst="rect">
-            <a:avLst/>
-          </a:prstGeom>
-          <a:noFill/>
-          <a:ln w="0">
-            <a:noFill/>
-            <a:tailEnd type="triangle"/>
-          </a:ln>
-        </p:spPr>
-        <p:style>
-          <a:lnRef idx="0">
-            <a:scrgbClr r="0" g="0" b="0"/>
-          </a:lnRef>
-          <a:fillRef idx="0">
-            <a:scrgbClr r="0" g="0" b="0"/>
-          </a:fillRef>
-          <a:effectRef idx="0">
-            <a:scrgbClr r="0" g="0" b="0"/>
-          </a:effectRef>
-          <a:fontRef idx="minor"/>
-        </p:style>
-        <p:txBody>
-          <a:bodyPr wrap="none" lIns="90000" tIns="45000" rIns="90000" bIns="45000">
-            <a:spAutoFit/>
-          </a:bodyPr>
-          <a:lstStyle/>
-          <a:p>
-            <a:pPr>
-              <a:lnSpc>
-                <a:spcPct val="100000"/>
-              </a:lnSpc>
-            </a:pPr>
-            <a:r>
-              <a:rPr lang="en-US" sz="1800" b="0" strike="noStrike" spc="-1" dirty="0">
-                <a:solidFill>
-                  <a:srgbClr val="000000"/>
-                </a:solidFill>
-                <a:latin typeface="Calibri"/>
-              </a:rPr>
-              <a:t>Y</a:t>
-            </a:r>
-            <a:endParaRPr lang="en-US" sz="1800" b="0" strike="noStrike" spc="-1" dirty="0">
-              <a:latin typeface="Arial"/>
-            </a:endParaRPr>
-          </a:p>
-        </p:txBody>
-      </p:sp>
-      <p:sp>
-        <p:nvSpPr>
           <p:cNvPr id="164" name="CustomShape 63"/>
           <p:cNvSpPr/>
           <p:nvPr/>
@@ -9357,108 +9002,30 @@
           </a:p>
         </p:txBody>
       </p:sp>
-      <p:cxnSp>
-        <p:nvCxnSpPr>
-          <p:cNvPr id="58" name="直線單箭頭接點 57"/>
-          <p:cNvCxnSpPr>
-            <a:stCxn id="46" idx="3"/>
-            <a:endCxn id="53" idx="1"/>
-          </p:cNvCxnSpPr>
-          <p:nvPr/>
-        </p:nvCxnSpPr>
-        <p:spPr>
-          <a:xfrm flipV="1">
-            <a:off x="2915816" y="2648708"/>
-            <a:ext cx="666769" cy="5172"/>
-          </a:xfrm>
-          <a:prstGeom prst="straightConnector1">
-            <a:avLst/>
-          </a:prstGeom>
-          <a:ln>
-            <a:solidFill>
-              <a:schemeClr val="tx1"/>
-            </a:solidFill>
-            <a:headEnd type="none" w="med" len="med"/>
-            <a:tailEnd type="triangle" w="med" len="med"/>
-          </a:ln>
-        </p:spPr>
-        <p:style>
-          <a:lnRef idx="1">
-            <a:schemeClr val="accent1"/>
-          </a:lnRef>
-          <a:fillRef idx="0">
-            <a:schemeClr val="accent1"/>
-          </a:fillRef>
-          <a:effectRef idx="0">
-            <a:schemeClr val="accent1"/>
-          </a:effectRef>
-          <a:fontRef idx="minor">
-            <a:schemeClr val="tx1"/>
-          </a:fontRef>
-        </p:style>
-      </p:cxnSp>
       <p:grpSp>
         <p:nvGrpSpPr>
-          <p:cNvPr id="122" name="群組 121"/>
+          <p:cNvPr id="4" name="群組 3"/>
           <p:cNvGrpSpPr/>
           <p:nvPr/>
         </p:nvGrpSpPr>
         <p:grpSpPr>
           <a:xfrm>
-            <a:off x="1524614" y="3326432"/>
-            <a:ext cx="1067040" cy="390600"/>
-            <a:chOff x="697680" y="3110408"/>
-            <a:chExt cx="1067040" cy="390600"/>
+            <a:off x="178549" y="540075"/>
+            <a:ext cx="8886852" cy="6129285"/>
+            <a:chOff x="178549" y="540075"/>
+            <a:chExt cx="8886852" cy="6129285"/>
           </a:xfrm>
         </p:grpSpPr>
         <p:sp>
           <p:nvSpPr>
-            <p:cNvPr id="127" name="CustomShape 14"/>
+            <p:cNvPr id="45" name="CustomShape 6"/>
             <p:cNvSpPr/>
             <p:nvPr/>
           </p:nvSpPr>
           <p:spPr>
             <a:xfrm>
-              <a:off x="697680" y="3110408"/>
-              <a:ext cx="1067040" cy="390600"/>
-            </a:xfrm>
-            <a:prstGeom prst="rect">
-              <a:avLst/>
-            </a:prstGeom>
-            <a:noFill/>
-            <a:ln>
-              <a:solidFill>
-                <a:schemeClr val="tx1"/>
-              </a:solidFill>
-              <a:round/>
-              <a:tailEnd type="triangle"/>
-            </a:ln>
-          </p:spPr>
-          <p:style>
-            <a:lnRef idx="2">
-              <a:schemeClr val="accent1">
-                <a:shade val="50000"/>
-              </a:schemeClr>
-            </a:lnRef>
-            <a:fillRef idx="1">
-              <a:schemeClr val="accent1"/>
-            </a:fillRef>
-            <a:effectRef idx="0">
-              <a:schemeClr val="accent1"/>
-            </a:effectRef>
-            <a:fontRef idx="minor"/>
-          </p:style>
-        </p:sp>
-        <p:sp>
-          <p:nvSpPr>
-            <p:cNvPr id="129" name="CustomShape 15"/>
-            <p:cNvSpPr/>
-            <p:nvPr/>
-          </p:nvSpPr>
-          <p:spPr>
-            <a:xfrm>
-              <a:off x="911880" y="3132368"/>
-              <a:ext cx="638280" cy="364680"/>
+              <a:off x="2862505" y="2306168"/>
+              <a:ext cx="329040" cy="364680"/>
             </a:xfrm>
             <a:prstGeom prst="rect">
               <a:avLst/>
@@ -9493,13 +9060,13 @@
                 </a:lnSpc>
               </a:pPr>
               <a:r>
-                <a:rPr lang="zh-TW" sz="1800" b="0" strike="noStrike" spc="-1" dirty="0">
+                <a:rPr lang="en-US" sz="1800" b="0" strike="noStrike" spc="-1" dirty="0">
                   <a:solidFill>
                     <a:srgbClr val="000000"/>
                   </a:solidFill>
                   <a:latin typeface="Calibri"/>
                 </a:rPr>
-                <a:t>登入</a:t>
+                <a:t>N</a:t>
               </a:r>
               <a:endParaRPr lang="en-US" sz="1800" b="0" strike="noStrike" spc="-1" dirty="0">
                 <a:latin typeface="Arial"/>
@@ -9507,109 +9074,241 @@
             </a:p>
           </p:txBody>
         </p:sp>
-      </p:grpSp>
-      <p:cxnSp>
-        <p:nvCxnSpPr>
-          <p:cNvPr id="69" name="直線單箭頭接點 68"/>
-          <p:cNvCxnSpPr>
-            <a:stCxn id="46" idx="2"/>
-            <a:endCxn id="127" idx="0"/>
-          </p:cNvCxnSpPr>
-          <p:nvPr/>
-        </p:nvCxnSpPr>
-        <p:spPr>
-          <a:xfrm flipH="1">
-            <a:off x="2058134" y="3068960"/>
-            <a:ext cx="7874" cy="257472"/>
-          </a:xfrm>
-          <a:prstGeom prst="straightConnector1">
-            <a:avLst/>
-          </a:prstGeom>
-          <a:ln>
-            <a:solidFill>
-              <a:schemeClr val="tx1"/>
-            </a:solidFill>
-            <a:headEnd type="none" w="med" len="med"/>
-            <a:tailEnd type="triangle" w="med" len="med"/>
-          </a:ln>
-        </p:spPr>
-        <p:style>
-          <a:lnRef idx="1">
-            <a:schemeClr val="accent1"/>
-          </a:lnRef>
-          <a:fillRef idx="0">
-            <a:schemeClr val="accent1"/>
-          </a:fillRef>
-          <a:effectRef idx="0">
-            <a:schemeClr val="accent1"/>
-          </a:effectRef>
-          <a:fontRef idx="minor">
-            <a:schemeClr val="tx1"/>
-          </a:fontRef>
-        </p:style>
-      </p:cxnSp>
-      <p:grpSp>
-        <p:nvGrpSpPr>
-          <p:cNvPr id="131" name="群組 130"/>
-          <p:cNvGrpSpPr/>
-          <p:nvPr/>
-        </p:nvGrpSpPr>
-        <p:grpSpPr>
-          <a:xfrm>
-            <a:off x="6991128" y="2224512"/>
-            <a:ext cx="1699616" cy="830160"/>
-            <a:chOff x="4002233" y="2421020"/>
-            <a:chExt cx="1699616" cy="830160"/>
-          </a:xfrm>
-        </p:grpSpPr>
+        <p:grpSp>
+          <p:nvGrpSpPr>
+            <p:cNvPr id="2" name="群組 1"/>
+            <p:cNvGrpSpPr/>
+            <p:nvPr/>
+          </p:nvGrpSpPr>
+          <p:grpSpPr>
+            <a:xfrm>
+              <a:off x="1216200" y="2238800"/>
+              <a:ext cx="1699616" cy="830160"/>
+              <a:chOff x="4002233" y="2421020"/>
+              <a:chExt cx="1699616" cy="830160"/>
+            </a:xfrm>
+          </p:grpSpPr>
+          <p:sp>
+            <p:nvSpPr>
+              <p:cNvPr id="46" name="CustomShape 7"/>
+              <p:cNvSpPr/>
+              <p:nvPr/>
+            </p:nvSpPr>
+            <p:spPr>
+              <a:xfrm>
+                <a:off x="4002233" y="2421020"/>
+                <a:ext cx="1699616" cy="830160"/>
+              </a:xfrm>
+              <a:prstGeom prst="diamond">
+                <a:avLst/>
+              </a:prstGeom>
+              <a:noFill/>
+              <a:ln>
+                <a:solidFill>
+                  <a:schemeClr val="tx1"/>
+                </a:solidFill>
+                <a:round/>
+                <a:tailEnd type="triangle"/>
+              </a:ln>
+            </p:spPr>
+            <p:style>
+              <a:lnRef idx="2">
+                <a:schemeClr val="accent1">
+                  <a:shade val="50000"/>
+                </a:schemeClr>
+              </a:lnRef>
+              <a:fillRef idx="1">
+                <a:schemeClr val="accent1"/>
+              </a:fillRef>
+              <a:effectRef idx="0">
+                <a:schemeClr val="accent1"/>
+              </a:effectRef>
+              <a:fontRef idx="minor"/>
+            </p:style>
+          </p:sp>
+          <p:sp>
+            <p:nvSpPr>
+              <p:cNvPr id="47" name="CustomShape 8"/>
+              <p:cNvSpPr/>
+              <p:nvPr/>
+            </p:nvSpPr>
+            <p:spPr>
+              <a:xfrm>
+                <a:off x="4176528" y="2637044"/>
+                <a:ext cx="1335279" cy="367878"/>
+              </a:xfrm>
+              <a:prstGeom prst="rect">
+                <a:avLst/>
+              </a:prstGeom>
+              <a:noFill/>
+              <a:ln w="0">
+                <a:noFill/>
+                <a:tailEnd type="triangle"/>
+              </a:ln>
+            </p:spPr>
+            <p:style>
+              <a:lnRef idx="0">
+                <a:scrgbClr r="0" g="0" b="0"/>
+              </a:lnRef>
+              <a:fillRef idx="0">
+                <a:scrgbClr r="0" g="0" b="0"/>
+              </a:fillRef>
+              <a:effectRef idx="0">
+                <a:scrgbClr r="0" g="0" b="0"/>
+              </a:effectRef>
+              <a:fontRef idx="minor"/>
+            </p:style>
+            <p:txBody>
+              <a:bodyPr wrap="none" lIns="90000" tIns="45000" rIns="90000" bIns="45000">
+                <a:spAutoFit/>
+              </a:bodyPr>
+              <a:lstStyle/>
+              <a:p>
+                <a:pPr>
+                  <a:lnSpc>
+                    <a:spcPct val="100000"/>
+                  </a:lnSpc>
+                </a:pPr>
+                <a:r>
+                  <a:rPr lang="zh-TW" altLang="en-US" spc="-1" dirty="0">
+                    <a:solidFill>
+                      <a:srgbClr val="000000"/>
+                    </a:solidFill>
+                    <a:latin typeface="Calibri"/>
+                  </a:rPr>
+                  <a:t>是否已註冊</a:t>
+                </a:r>
+                <a:endParaRPr lang="en-US" spc="-1" dirty="0">
+                  <a:solidFill>
+                    <a:srgbClr val="000000"/>
+                  </a:solidFill>
+                  <a:latin typeface="Calibri"/>
+                </a:endParaRPr>
+              </a:p>
+            </p:txBody>
+          </p:sp>
+        </p:grpSp>
+        <p:grpSp>
+          <p:nvGrpSpPr>
+            <p:cNvPr id="8" name="群組 7"/>
+            <p:cNvGrpSpPr/>
+            <p:nvPr/>
+          </p:nvGrpSpPr>
+          <p:grpSpPr>
+            <a:xfrm>
+              <a:off x="3582585" y="2453408"/>
+              <a:ext cx="1067040" cy="390600"/>
+              <a:chOff x="697680" y="3110408"/>
+              <a:chExt cx="1067040" cy="390600"/>
+            </a:xfrm>
+          </p:grpSpPr>
+          <p:sp>
+            <p:nvSpPr>
+              <p:cNvPr id="53" name="CustomShape 14"/>
+              <p:cNvSpPr/>
+              <p:nvPr/>
+            </p:nvSpPr>
+            <p:spPr>
+              <a:xfrm>
+                <a:off x="697680" y="3110408"/>
+                <a:ext cx="1067040" cy="390600"/>
+              </a:xfrm>
+              <a:prstGeom prst="rect">
+                <a:avLst/>
+              </a:prstGeom>
+              <a:noFill/>
+              <a:ln>
+                <a:solidFill>
+                  <a:schemeClr val="tx1"/>
+                </a:solidFill>
+                <a:round/>
+                <a:tailEnd type="triangle"/>
+              </a:ln>
+            </p:spPr>
+            <p:style>
+              <a:lnRef idx="2">
+                <a:schemeClr val="accent1">
+                  <a:shade val="50000"/>
+                </a:schemeClr>
+              </a:lnRef>
+              <a:fillRef idx="1">
+                <a:schemeClr val="accent1"/>
+              </a:fillRef>
+              <a:effectRef idx="0">
+                <a:schemeClr val="accent1"/>
+              </a:effectRef>
+              <a:fontRef idx="minor"/>
+            </p:style>
+          </p:sp>
+          <p:sp>
+            <p:nvSpPr>
+              <p:cNvPr id="54" name="CustomShape 15"/>
+              <p:cNvSpPr/>
+              <p:nvPr/>
+            </p:nvSpPr>
+            <p:spPr>
+              <a:xfrm>
+                <a:off x="911880" y="3132368"/>
+                <a:ext cx="643166" cy="367878"/>
+              </a:xfrm>
+              <a:prstGeom prst="rect">
+                <a:avLst/>
+              </a:prstGeom>
+              <a:noFill/>
+              <a:ln w="0">
+                <a:noFill/>
+                <a:tailEnd type="triangle"/>
+              </a:ln>
+            </p:spPr>
+            <p:style>
+              <a:lnRef idx="0">
+                <a:scrgbClr r="0" g="0" b="0"/>
+              </a:lnRef>
+              <a:fillRef idx="0">
+                <a:scrgbClr r="0" g="0" b="0"/>
+              </a:fillRef>
+              <a:effectRef idx="0">
+                <a:scrgbClr r="0" g="0" b="0"/>
+              </a:effectRef>
+              <a:fontRef idx="minor"/>
+            </p:style>
+            <p:txBody>
+              <a:bodyPr wrap="none" lIns="90000" tIns="45000" rIns="90000" bIns="45000">
+                <a:spAutoFit/>
+              </a:bodyPr>
+              <a:lstStyle/>
+              <a:p>
+                <a:pPr>
+                  <a:lnSpc>
+                    <a:spcPct val="100000"/>
+                  </a:lnSpc>
+                </a:pPr>
+                <a:r>
+                  <a:rPr lang="zh-TW" altLang="en-US" spc="-1" dirty="0">
+                    <a:solidFill>
+                      <a:srgbClr val="000000"/>
+                    </a:solidFill>
+                    <a:latin typeface="Calibri"/>
+                  </a:rPr>
+                  <a:t>註冊</a:t>
+                </a:r>
+                <a:endParaRPr lang="en-US" sz="1800" b="0" strike="noStrike" spc="-1" dirty="0">
+                  <a:latin typeface="Arial"/>
+                </a:endParaRPr>
+              </a:p>
+            </p:txBody>
+          </p:sp>
+        </p:grpSp>
         <p:sp>
           <p:nvSpPr>
-            <p:cNvPr id="132" name="CustomShape 7"/>
+            <p:cNvPr id="65" name="CustomShape 26"/>
             <p:cNvSpPr/>
             <p:nvPr/>
           </p:nvSpPr>
           <p:spPr>
             <a:xfrm>
-              <a:off x="4002233" y="2421020"/>
-              <a:ext cx="1699616" cy="830160"/>
-            </a:xfrm>
-            <a:prstGeom prst="diamond">
-              <a:avLst/>
-            </a:prstGeom>
-            <a:noFill/>
-            <a:ln>
-              <a:solidFill>
-                <a:schemeClr val="tx1"/>
-              </a:solidFill>
-              <a:round/>
-              <a:tailEnd type="triangle"/>
-            </a:ln>
-          </p:spPr>
-          <p:style>
-            <a:lnRef idx="2">
-              <a:schemeClr val="accent1">
-                <a:shade val="50000"/>
-              </a:schemeClr>
-            </a:lnRef>
-            <a:fillRef idx="1">
-              <a:schemeClr val="accent1"/>
-            </a:fillRef>
-            <a:effectRef idx="0">
-              <a:schemeClr val="accent1"/>
-            </a:effectRef>
-            <a:fontRef idx="minor"/>
-          </p:style>
-        </p:sp>
-        <p:sp>
-          <p:nvSpPr>
-            <p:cNvPr id="133" name="CustomShape 8"/>
-            <p:cNvSpPr/>
-            <p:nvPr/>
-          </p:nvSpPr>
-          <p:spPr>
-            <a:xfrm>
-              <a:off x="4299753" y="2634493"/>
-              <a:ext cx="1104575" cy="367878"/>
+              <a:off x="2123728" y="2992312"/>
+              <a:ext cx="292320" cy="364680"/>
             </a:xfrm>
             <a:prstGeom prst="rect">
               <a:avLst/>
@@ -9644,364 +9343,417 @@
                 </a:lnSpc>
               </a:pPr>
               <a:r>
-                <a:rPr lang="zh-TW" altLang="en-US" spc="-1" dirty="0">
+                <a:rPr lang="en-US" sz="1800" b="0" strike="noStrike" spc="-1" dirty="0">
                   <a:solidFill>
                     <a:srgbClr val="000000"/>
                   </a:solidFill>
                   <a:latin typeface="Calibri"/>
                 </a:rPr>
-                <a:t>信箱驗證</a:t>
+                <a:t>Y</a:t>
               </a:r>
-              <a:endParaRPr lang="en-US" spc="-1" dirty="0">
-                <a:solidFill>
-                  <a:srgbClr val="000000"/>
-                </a:solidFill>
-                <a:latin typeface="Calibri"/>
+              <a:endParaRPr lang="en-US" sz="1800" b="0" strike="noStrike" spc="-1" dirty="0">
+                <a:latin typeface="Arial"/>
               </a:endParaRPr>
             </a:p>
           </p:txBody>
         </p:sp>
-      </p:grpSp>
-      <p:cxnSp>
-        <p:nvCxnSpPr>
-          <p:cNvPr id="83" name="肘形接點 82"/>
-          <p:cNvCxnSpPr>
-            <a:stCxn id="132" idx="2"/>
-            <a:endCxn id="127" idx="3"/>
-          </p:cNvCxnSpPr>
-          <p:nvPr/>
-        </p:nvCxnSpPr>
-        <p:spPr>
-          <a:xfrm rot="5400000">
-            <a:off x="4982765" y="663561"/>
-            <a:ext cx="467060" cy="5249282"/>
-          </a:xfrm>
-          <a:prstGeom prst="bentConnector2">
-            <a:avLst/>
-          </a:prstGeom>
-          <a:ln>
-            <a:solidFill>
+        <p:cxnSp>
+          <p:nvCxnSpPr>
+            <p:cNvPr id="58" name="直線單箭頭接點 57"/>
+            <p:cNvCxnSpPr>
+              <a:stCxn id="46" idx="3"/>
+              <a:endCxn id="53" idx="1"/>
+            </p:cNvCxnSpPr>
+            <p:nvPr/>
+          </p:nvCxnSpPr>
+          <p:spPr>
+            <a:xfrm flipV="1">
+              <a:off x="2915816" y="2648708"/>
+              <a:ext cx="666769" cy="5172"/>
+            </a:xfrm>
+            <a:prstGeom prst="straightConnector1">
+              <a:avLst/>
+            </a:prstGeom>
+            <a:ln>
+              <a:solidFill>
+                <a:schemeClr val="tx1"/>
+              </a:solidFill>
+              <a:headEnd type="none" w="med" len="med"/>
+              <a:tailEnd type="triangle" w="med" len="med"/>
+            </a:ln>
+          </p:spPr>
+          <p:style>
+            <a:lnRef idx="1">
+              <a:schemeClr val="accent1"/>
+            </a:lnRef>
+            <a:fillRef idx="0">
+              <a:schemeClr val="accent1"/>
+            </a:fillRef>
+            <a:effectRef idx="0">
+              <a:schemeClr val="accent1"/>
+            </a:effectRef>
+            <a:fontRef idx="minor">
               <a:schemeClr val="tx1"/>
-            </a:solidFill>
-            <a:headEnd type="none" w="med" len="med"/>
-            <a:tailEnd type="triangle" w="med" len="med"/>
-          </a:ln>
-        </p:spPr>
-        <p:style>
-          <a:lnRef idx="1">
-            <a:schemeClr val="accent1"/>
-          </a:lnRef>
-          <a:fillRef idx="0">
-            <a:schemeClr val="accent1"/>
-          </a:fillRef>
-          <a:effectRef idx="0">
-            <a:schemeClr val="accent1"/>
-          </a:effectRef>
-          <a:fontRef idx="minor">
-            <a:schemeClr val="tx1"/>
-          </a:fontRef>
-        </p:style>
-      </p:cxnSp>
-      <p:cxnSp>
-        <p:nvCxnSpPr>
-          <p:cNvPr id="93" name="肘形接點 92"/>
-          <p:cNvCxnSpPr>
-            <a:stCxn id="132" idx="0"/>
-            <a:endCxn id="53" idx="0"/>
-          </p:cNvCxnSpPr>
-          <p:nvPr/>
-        </p:nvCxnSpPr>
-        <p:spPr>
-          <a:xfrm rot="16200000" flipH="1" flipV="1">
-            <a:off x="5864073" y="476544"/>
-            <a:ext cx="228896" cy="3724831"/>
-          </a:xfrm>
-          <a:prstGeom prst="bentConnector3">
-            <a:avLst>
-              <a:gd name="adj1" fmla="val -99871"/>
-            </a:avLst>
-          </a:prstGeom>
-          <a:ln>
-            <a:solidFill>
+            </a:fontRef>
+          </p:style>
+        </p:cxnSp>
+        <p:grpSp>
+          <p:nvGrpSpPr>
+            <p:cNvPr id="122" name="群組 121"/>
+            <p:cNvGrpSpPr/>
+            <p:nvPr/>
+          </p:nvGrpSpPr>
+          <p:grpSpPr>
+            <a:xfrm>
+              <a:off x="1524614" y="3326432"/>
+              <a:ext cx="1067040" cy="390600"/>
+              <a:chOff x="697680" y="3110408"/>
+              <a:chExt cx="1067040" cy="390600"/>
+            </a:xfrm>
+          </p:grpSpPr>
+          <p:sp>
+            <p:nvSpPr>
+              <p:cNvPr id="127" name="CustomShape 14"/>
+              <p:cNvSpPr/>
+              <p:nvPr/>
+            </p:nvSpPr>
+            <p:spPr>
+              <a:xfrm>
+                <a:off x="697680" y="3110408"/>
+                <a:ext cx="1067040" cy="390600"/>
+              </a:xfrm>
+              <a:prstGeom prst="rect">
+                <a:avLst/>
+              </a:prstGeom>
+              <a:noFill/>
+              <a:ln>
+                <a:solidFill>
+                  <a:schemeClr val="tx1"/>
+                </a:solidFill>
+                <a:round/>
+                <a:tailEnd type="triangle"/>
+              </a:ln>
+            </p:spPr>
+            <p:style>
+              <a:lnRef idx="2">
+                <a:schemeClr val="accent1">
+                  <a:shade val="50000"/>
+                </a:schemeClr>
+              </a:lnRef>
+              <a:fillRef idx="1">
+                <a:schemeClr val="accent1"/>
+              </a:fillRef>
+              <a:effectRef idx="0">
+                <a:schemeClr val="accent1"/>
+              </a:effectRef>
+              <a:fontRef idx="minor"/>
+            </p:style>
+          </p:sp>
+          <p:sp>
+            <p:nvSpPr>
+              <p:cNvPr id="129" name="CustomShape 15"/>
+              <p:cNvSpPr/>
+              <p:nvPr/>
+            </p:nvSpPr>
+            <p:spPr>
+              <a:xfrm>
+                <a:off x="911880" y="3132368"/>
+                <a:ext cx="638280" cy="364680"/>
+              </a:xfrm>
+              <a:prstGeom prst="rect">
+                <a:avLst/>
+              </a:prstGeom>
+              <a:noFill/>
+              <a:ln w="0">
+                <a:noFill/>
+                <a:tailEnd type="triangle"/>
+              </a:ln>
+            </p:spPr>
+            <p:style>
+              <a:lnRef idx="0">
+                <a:scrgbClr r="0" g="0" b="0"/>
+              </a:lnRef>
+              <a:fillRef idx="0">
+                <a:scrgbClr r="0" g="0" b="0"/>
+              </a:fillRef>
+              <a:effectRef idx="0">
+                <a:scrgbClr r="0" g="0" b="0"/>
+              </a:effectRef>
+              <a:fontRef idx="minor"/>
+            </p:style>
+            <p:txBody>
+              <a:bodyPr wrap="none" lIns="90000" tIns="45000" rIns="90000" bIns="45000">
+                <a:spAutoFit/>
+              </a:bodyPr>
+              <a:lstStyle/>
+              <a:p>
+                <a:pPr>
+                  <a:lnSpc>
+                    <a:spcPct val="100000"/>
+                  </a:lnSpc>
+                </a:pPr>
+                <a:r>
+                  <a:rPr lang="zh-TW" sz="1800" b="0" strike="noStrike" spc="-1" dirty="0">
+                    <a:solidFill>
+                      <a:srgbClr val="000000"/>
+                    </a:solidFill>
+                    <a:latin typeface="Calibri"/>
+                  </a:rPr>
+                  <a:t>登入</a:t>
+                </a:r>
+                <a:endParaRPr lang="en-US" sz="1800" b="0" strike="noStrike" spc="-1" dirty="0">
+                  <a:latin typeface="Arial"/>
+                </a:endParaRPr>
+              </a:p>
+            </p:txBody>
+          </p:sp>
+        </p:grpSp>
+        <p:cxnSp>
+          <p:nvCxnSpPr>
+            <p:cNvPr id="69" name="直線單箭頭接點 68"/>
+            <p:cNvCxnSpPr>
+              <a:stCxn id="46" idx="2"/>
+              <a:endCxn id="127" idx="0"/>
+            </p:cNvCxnSpPr>
+            <p:nvPr/>
+          </p:nvCxnSpPr>
+          <p:spPr>
+            <a:xfrm flipH="1">
+              <a:off x="2058134" y="3068960"/>
+              <a:ext cx="7874" cy="257472"/>
+            </a:xfrm>
+            <a:prstGeom prst="straightConnector1">
+              <a:avLst/>
+            </a:prstGeom>
+            <a:ln>
+              <a:solidFill>
+                <a:schemeClr val="tx1"/>
+              </a:solidFill>
+              <a:headEnd type="none" w="med" len="med"/>
+              <a:tailEnd type="triangle" w="med" len="med"/>
+            </a:ln>
+          </p:spPr>
+          <p:style>
+            <a:lnRef idx="1">
+              <a:schemeClr val="accent1"/>
+            </a:lnRef>
+            <a:fillRef idx="0">
+              <a:schemeClr val="accent1"/>
+            </a:fillRef>
+            <a:effectRef idx="0">
+              <a:schemeClr val="accent1"/>
+            </a:effectRef>
+            <a:fontRef idx="minor">
               <a:schemeClr val="tx1"/>
-            </a:solidFill>
-            <a:headEnd type="none" w="med" len="med"/>
-            <a:tailEnd type="triangle" w="med" len="med"/>
-          </a:ln>
-        </p:spPr>
-        <p:style>
-          <a:lnRef idx="1">
-            <a:schemeClr val="accent1"/>
-          </a:lnRef>
-          <a:fillRef idx="0">
-            <a:schemeClr val="accent1"/>
-          </a:fillRef>
-          <a:effectRef idx="0">
-            <a:schemeClr val="accent1"/>
-          </a:effectRef>
-          <a:fontRef idx="minor">
-            <a:schemeClr val="tx1"/>
-          </a:fontRef>
-        </p:style>
-      </p:cxnSp>
-      <p:sp>
-        <p:nvSpPr>
-          <p:cNvPr id="136" name="CustomShape 6"/>
-          <p:cNvSpPr/>
-          <p:nvPr/>
-        </p:nvSpPr>
-        <p:spPr>
-          <a:xfrm>
-            <a:off x="7807922" y="1810004"/>
-            <a:ext cx="329040" cy="364680"/>
-          </a:xfrm>
-          <a:prstGeom prst="rect">
-            <a:avLst/>
-          </a:prstGeom>
-          <a:noFill/>
-          <a:ln w="0">
-            <a:noFill/>
-            <a:tailEnd type="triangle"/>
-          </a:ln>
-        </p:spPr>
-        <p:style>
-          <a:lnRef idx="0">
-            <a:scrgbClr r="0" g="0" b="0"/>
-          </a:lnRef>
-          <a:fillRef idx="0">
-            <a:scrgbClr r="0" g="0" b="0"/>
-          </a:fillRef>
-          <a:effectRef idx="0">
-            <a:scrgbClr r="0" g="0" b="0"/>
-          </a:effectRef>
-          <a:fontRef idx="minor"/>
-        </p:style>
-        <p:txBody>
-          <a:bodyPr wrap="none" lIns="90000" tIns="45000" rIns="90000" bIns="45000">
-            <a:spAutoFit/>
-          </a:bodyPr>
-          <a:lstStyle/>
-          <a:p>
-            <a:pPr>
-              <a:lnSpc>
-                <a:spcPct val="100000"/>
-              </a:lnSpc>
-            </a:pPr>
-            <a:r>
-              <a:rPr lang="en-US" sz="1800" b="0" strike="noStrike" spc="-1" dirty="0">
+            </a:fontRef>
+          </p:style>
+        </p:cxnSp>
+        <p:grpSp>
+          <p:nvGrpSpPr>
+            <p:cNvPr id="131" name="群組 130"/>
+            <p:cNvGrpSpPr/>
+            <p:nvPr/>
+          </p:nvGrpSpPr>
+          <p:grpSpPr>
+            <a:xfrm>
+              <a:off x="5209382" y="2238800"/>
+              <a:ext cx="1699616" cy="830160"/>
+              <a:chOff x="4002233" y="2421020"/>
+              <a:chExt cx="1699616" cy="830160"/>
+            </a:xfrm>
+          </p:grpSpPr>
+          <p:sp>
+            <p:nvSpPr>
+              <p:cNvPr id="132" name="CustomShape 7"/>
+              <p:cNvSpPr/>
+              <p:nvPr/>
+            </p:nvSpPr>
+            <p:spPr>
+              <a:xfrm>
+                <a:off x="4002233" y="2421020"/>
+                <a:ext cx="1699616" cy="830160"/>
+              </a:xfrm>
+              <a:prstGeom prst="diamond">
+                <a:avLst/>
+              </a:prstGeom>
+              <a:noFill/>
+              <a:ln>
                 <a:solidFill>
-                  <a:srgbClr val="000000"/>
+                  <a:schemeClr val="tx1"/>
                 </a:solidFill>
-                <a:latin typeface="Calibri"/>
-              </a:rPr>
-              <a:t>N</a:t>
-            </a:r>
-            <a:endParaRPr lang="en-US" sz="1800" b="0" strike="noStrike" spc="-1" dirty="0">
-              <a:latin typeface="Arial"/>
-            </a:endParaRPr>
-          </a:p>
-        </p:txBody>
-      </p:sp>
-      <p:sp>
-        <p:nvSpPr>
-          <p:cNvPr id="137" name="CustomShape 26"/>
-          <p:cNvSpPr/>
-          <p:nvPr/>
-        </p:nvSpPr>
-        <p:spPr>
-          <a:xfrm>
-            <a:off x="7826648" y="2978024"/>
-            <a:ext cx="292320" cy="364680"/>
-          </a:xfrm>
-          <a:prstGeom prst="rect">
-            <a:avLst/>
-          </a:prstGeom>
-          <a:noFill/>
-          <a:ln w="0">
-            <a:noFill/>
-            <a:tailEnd type="triangle"/>
-          </a:ln>
-        </p:spPr>
-        <p:style>
-          <a:lnRef idx="0">
-            <a:scrgbClr r="0" g="0" b="0"/>
-          </a:lnRef>
-          <a:fillRef idx="0">
-            <a:scrgbClr r="0" g="0" b="0"/>
-          </a:fillRef>
-          <a:effectRef idx="0">
-            <a:scrgbClr r="0" g="0" b="0"/>
-          </a:effectRef>
-          <a:fontRef idx="minor"/>
-        </p:style>
-        <p:txBody>
-          <a:bodyPr wrap="none" lIns="90000" tIns="45000" rIns="90000" bIns="45000">
-            <a:spAutoFit/>
-          </a:bodyPr>
-          <a:lstStyle/>
-          <a:p>
-            <a:pPr>
-              <a:lnSpc>
-                <a:spcPct val="100000"/>
-              </a:lnSpc>
-            </a:pPr>
-            <a:r>
-              <a:rPr lang="en-US" sz="1800" b="0" strike="noStrike" spc="-1" dirty="0">
-                <a:solidFill>
-                  <a:srgbClr val="000000"/>
-                </a:solidFill>
-                <a:latin typeface="Calibri"/>
-              </a:rPr>
-              <a:t>Y</a:t>
-            </a:r>
-            <a:endParaRPr lang="en-US" sz="1800" b="0" strike="noStrike" spc="-1" dirty="0">
-              <a:latin typeface="Arial"/>
-            </a:endParaRPr>
-          </a:p>
-        </p:txBody>
-      </p:sp>
-      <p:cxnSp>
-        <p:nvCxnSpPr>
-          <p:cNvPr id="96" name="直線單箭頭接點 95"/>
-          <p:cNvCxnSpPr>
-            <a:stCxn id="53" idx="3"/>
-            <a:endCxn id="139" idx="2"/>
-          </p:cNvCxnSpPr>
-          <p:nvPr/>
-        </p:nvCxnSpPr>
-        <p:spPr>
-          <a:xfrm flipV="1">
-            <a:off x="4649625" y="2641801"/>
-            <a:ext cx="623441" cy="6907"/>
-          </a:xfrm>
-          <a:prstGeom prst="straightConnector1">
-            <a:avLst/>
-          </a:prstGeom>
-          <a:ln>
-            <a:solidFill>
+                <a:round/>
+                <a:tailEnd type="triangle"/>
+              </a:ln>
+            </p:spPr>
+            <p:style>
+              <a:lnRef idx="2">
+                <a:schemeClr val="accent1">
+                  <a:shade val="50000"/>
+                </a:schemeClr>
+              </a:lnRef>
+              <a:fillRef idx="1">
+                <a:schemeClr val="accent1"/>
+              </a:fillRef>
+              <a:effectRef idx="0">
+                <a:schemeClr val="accent1"/>
+              </a:effectRef>
+              <a:fontRef idx="minor"/>
+            </p:style>
+          </p:sp>
+          <p:sp>
+            <p:nvSpPr>
+              <p:cNvPr id="133" name="CustomShape 8"/>
+              <p:cNvSpPr/>
+              <p:nvPr/>
+            </p:nvSpPr>
+            <p:spPr>
+              <a:xfrm>
+                <a:off x="4299753" y="2634493"/>
+                <a:ext cx="1104575" cy="367878"/>
+              </a:xfrm>
+              <a:prstGeom prst="rect">
+                <a:avLst/>
+              </a:prstGeom>
+              <a:noFill/>
+              <a:ln w="0">
+                <a:noFill/>
+                <a:tailEnd type="triangle"/>
+              </a:ln>
+            </p:spPr>
+            <p:style>
+              <a:lnRef idx="0">
+                <a:scrgbClr r="0" g="0" b="0"/>
+              </a:lnRef>
+              <a:fillRef idx="0">
+                <a:scrgbClr r="0" g="0" b="0"/>
+              </a:fillRef>
+              <a:effectRef idx="0">
+                <a:scrgbClr r="0" g="0" b="0"/>
+              </a:effectRef>
+              <a:fontRef idx="minor"/>
+            </p:style>
+            <p:txBody>
+              <a:bodyPr wrap="none" lIns="90000" tIns="45000" rIns="90000" bIns="45000">
+                <a:spAutoFit/>
+              </a:bodyPr>
+              <a:lstStyle/>
+              <a:p>
+                <a:pPr>
+                  <a:lnSpc>
+                    <a:spcPct val="100000"/>
+                  </a:lnSpc>
+                </a:pPr>
+                <a:r>
+                  <a:rPr lang="zh-TW" altLang="en-US" spc="-1" dirty="0">
+                    <a:solidFill>
+                      <a:srgbClr val="000000"/>
+                    </a:solidFill>
+                    <a:latin typeface="Calibri"/>
+                  </a:rPr>
+                  <a:t>信箱驗證</a:t>
+                </a:r>
+                <a:endParaRPr lang="en-US" spc="-1" dirty="0">
+                  <a:solidFill>
+                    <a:srgbClr val="000000"/>
+                  </a:solidFill>
+                  <a:latin typeface="Calibri"/>
+                </a:endParaRPr>
+              </a:p>
+            </p:txBody>
+          </p:sp>
+        </p:grpSp>
+        <p:cxnSp>
+          <p:nvCxnSpPr>
+            <p:cNvPr id="83" name="肘形接點 82"/>
+            <p:cNvCxnSpPr>
+              <a:stCxn id="139" idx="3"/>
+              <a:endCxn id="127" idx="3"/>
+            </p:cNvCxnSpPr>
+            <p:nvPr/>
+          </p:nvCxnSpPr>
+          <p:spPr>
+            <a:xfrm rot="5400000">
+              <a:off x="4957013" y="636577"/>
+              <a:ext cx="519796" cy="5250514"/>
+            </a:xfrm>
+            <a:prstGeom prst="bentConnector2">
+              <a:avLst/>
+            </a:prstGeom>
+            <a:ln>
+              <a:solidFill>
+                <a:schemeClr val="tx1"/>
+              </a:solidFill>
+              <a:headEnd type="none" w="med" len="med"/>
+              <a:tailEnd type="triangle" w="med" len="med"/>
+            </a:ln>
+          </p:spPr>
+          <p:style>
+            <a:lnRef idx="1">
+              <a:schemeClr val="accent1"/>
+            </a:lnRef>
+            <a:fillRef idx="0">
+              <a:schemeClr val="accent1"/>
+            </a:fillRef>
+            <a:effectRef idx="0">
+              <a:schemeClr val="accent1"/>
+            </a:effectRef>
+            <a:fontRef idx="minor">
               <a:schemeClr val="tx1"/>
-            </a:solidFill>
-            <a:headEnd type="none" w="med" len="med"/>
-            <a:tailEnd type="triangle" w="med" len="med"/>
-          </a:ln>
-        </p:spPr>
-        <p:style>
-          <a:lnRef idx="1">
-            <a:schemeClr val="accent1"/>
-          </a:lnRef>
-          <a:fillRef idx="0">
-            <a:schemeClr val="accent1"/>
-          </a:fillRef>
-          <a:effectRef idx="0">
-            <a:schemeClr val="accent1"/>
-          </a:effectRef>
-          <a:fontRef idx="minor">
-            <a:schemeClr val="tx1"/>
-          </a:fontRef>
-        </p:style>
-      </p:cxnSp>
-      <p:cxnSp>
-        <p:nvCxnSpPr>
-          <p:cNvPr id="142" name="直線單箭頭接點 141"/>
-          <p:cNvCxnSpPr>
-            <a:stCxn id="139" idx="5"/>
-            <a:endCxn id="132" idx="1"/>
-          </p:cNvCxnSpPr>
-          <p:nvPr/>
-        </p:nvCxnSpPr>
-        <p:spPr>
-          <a:xfrm flipV="1">
-            <a:off x="6270389" y="2639592"/>
-            <a:ext cx="720739" cy="2209"/>
-          </a:xfrm>
-          <a:prstGeom prst="straightConnector1">
-            <a:avLst/>
-          </a:prstGeom>
-          <a:ln>
-            <a:solidFill>
+            </a:fontRef>
+          </p:style>
+        </p:cxnSp>
+        <p:cxnSp>
+          <p:nvCxnSpPr>
+            <p:cNvPr id="93" name="肘形接點 92"/>
+            <p:cNvCxnSpPr>
+              <a:stCxn id="132" idx="0"/>
+              <a:endCxn id="53" idx="0"/>
+            </p:cNvCxnSpPr>
+            <p:nvPr/>
+          </p:nvCxnSpPr>
+          <p:spPr>
+            <a:xfrm rot="16200000" flipH="1" flipV="1">
+              <a:off x="4980344" y="1374561"/>
+              <a:ext cx="214608" cy="1943085"/>
+            </a:xfrm>
+            <a:prstGeom prst="bentConnector3">
+              <a:avLst>
+                <a:gd name="adj1" fmla="val -106520"/>
+              </a:avLst>
+            </a:prstGeom>
+            <a:ln>
+              <a:solidFill>
+                <a:schemeClr val="tx1"/>
+              </a:solidFill>
+              <a:headEnd type="none" w="med" len="med"/>
+              <a:tailEnd type="triangle" w="med" len="med"/>
+            </a:ln>
+          </p:spPr>
+          <p:style>
+            <a:lnRef idx="1">
+              <a:schemeClr val="accent1"/>
+            </a:lnRef>
+            <a:fillRef idx="0">
+              <a:schemeClr val="accent1"/>
+            </a:fillRef>
+            <a:effectRef idx="0">
+              <a:schemeClr val="accent1"/>
+            </a:effectRef>
+            <a:fontRef idx="minor">
               <a:schemeClr val="tx1"/>
-            </a:solidFill>
-            <a:headEnd type="none" w="med" len="med"/>
-            <a:tailEnd type="triangle" w="med" len="med"/>
-          </a:ln>
-        </p:spPr>
-        <p:style>
-          <a:lnRef idx="1">
-            <a:schemeClr val="accent1"/>
-          </a:lnRef>
-          <a:fillRef idx="0">
-            <a:schemeClr val="accent1"/>
-          </a:fillRef>
-          <a:effectRef idx="0">
-            <a:schemeClr val="accent1"/>
-          </a:effectRef>
-          <a:fontRef idx="minor">
-            <a:schemeClr val="tx1"/>
-          </a:fontRef>
-        </p:style>
-      </p:cxnSp>
-      <p:grpSp>
-        <p:nvGrpSpPr>
-          <p:cNvPr id="146" name="群組 145"/>
-          <p:cNvGrpSpPr/>
-          <p:nvPr/>
-        </p:nvGrpSpPr>
-        <p:grpSpPr>
-          <a:xfrm>
-            <a:off x="1517312" y="3972183"/>
-            <a:ext cx="1067040" cy="390600"/>
-            <a:chOff x="697680" y="3110408"/>
-            <a:chExt cx="1067040" cy="390600"/>
-          </a:xfrm>
-        </p:grpSpPr>
+            </a:fontRef>
+          </p:style>
+        </p:cxnSp>
         <p:sp>
           <p:nvSpPr>
-            <p:cNvPr id="147" name="CustomShape 14"/>
+            <p:cNvPr id="136" name="CustomShape 6"/>
             <p:cNvSpPr/>
             <p:nvPr/>
           </p:nvSpPr>
           <p:spPr>
             <a:xfrm>
-              <a:off x="697680" y="3110408"/>
-              <a:ext cx="1067040" cy="390600"/>
-            </a:xfrm>
-            <a:prstGeom prst="rect">
-              <a:avLst/>
-            </a:prstGeom>
-            <a:noFill/>
-            <a:ln>
-              <a:solidFill>
-                <a:schemeClr val="tx1"/>
-              </a:solidFill>
-              <a:round/>
-              <a:tailEnd type="triangle"/>
-            </a:ln>
-          </p:spPr>
-          <p:style>
-            <a:lnRef idx="2">
-              <a:schemeClr val="accent1">
-                <a:shade val="50000"/>
-              </a:schemeClr>
-            </a:lnRef>
-            <a:fillRef idx="1">
-              <a:schemeClr val="accent1"/>
-            </a:fillRef>
-            <a:effectRef idx="0">
-              <a:schemeClr val="accent1"/>
-            </a:effectRef>
-            <a:fontRef idx="minor"/>
-          </p:style>
-        </p:sp>
-        <p:sp>
-          <p:nvSpPr>
-            <p:cNvPr id="148" name="CustomShape 15"/>
-            <p:cNvSpPr/>
-            <p:nvPr/>
-          </p:nvSpPr>
-          <p:spPr>
-            <a:xfrm>
-              <a:off x="911880" y="3132368"/>
-              <a:ext cx="643166" cy="367878"/>
+              <a:off x="6084168" y="1921940"/>
+              <a:ext cx="329040" cy="364680"/>
             </a:xfrm>
             <a:prstGeom prst="rect">
               <a:avLst/>
@@ -10036,13 +9788,13 @@
                 </a:lnSpc>
               </a:pPr>
               <a:r>
-                <a:rPr lang="zh-TW" altLang="en-US" spc="-1" dirty="0">
+                <a:rPr lang="en-US" sz="1800" b="0" strike="noStrike" spc="-1" dirty="0">
                   <a:solidFill>
                     <a:srgbClr val="000000"/>
                   </a:solidFill>
                   <a:latin typeface="Calibri"/>
                 </a:rPr>
-                <a:t>主頁</a:t>
+                <a:t>N</a:t>
               </a:r>
               <a:endParaRPr lang="en-US" sz="1800" b="0" strike="noStrike" spc="-1" dirty="0">
                 <a:latin typeface="Arial"/>
@@ -10050,71 +9802,16 @@
             </a:p>
           </p:txBody>
         </p:sp>
-      </p:grpSp>
-      <p:cxnSp>
-        <p:nvCxnSpPr>
-          <p:cNvPr id="121" name="直線單箭頭接點 120"/>
-          <p:cNvCxnSpPr>
-            <a:stCxn id="129" idx="2"/>
-            <a:endCxn id="147" idx="0"/>
-          </p:cNvCxnSpPr>
-          <p:nvPr/>
-        </p:nvCxnSpPr>
-        <p:spPr>
-          <a:xfrm flipH="1">
-            <a:off x="2050832" y="3713072"/>
-            <a:ext cx="7122" cy="259111"/>
-          </a:xfrm>
-          <a:prstGeom prst="straightConnector1">
-            <a:avLst/>
-          </a:prstGeom>
-          <a:ln>
-            <a:solidFill>
-              <a:schemeClr val="tx1"/>
-            </a:solidFill>
-            <a:headEnd type="none" w="med" len="med"/>
-            <a:tailEnd type="triangle" w="med" len="med"/>
-          </a:ln>
-        </p:spPr>
-        <p:style>
-          <a:lnRef idx="1">
-            <a:schemeClr val="accent1"/>
-          </a:lnRef>
-          <a:fillRef idx="0">
-            <a:schemeClr val="accent1"/>
-          </a:fillRef>
-          <a:effectRef idx="0">
-            <a:schemeClr val="accent1"/>
-          </a:effectRef>
-          <a:fontRef idx="minor">
-            <a:schemeClr val="tx1"/>
-          </a:fontRef>
-        </p:style>
-      </p:cxnSp>
-      <p:grpSp>
-        <p:nvGrpSpPr>
-          <p:cNvPr id="135" name="群組 134"/>
-          <p:cNvGrpSpPr/>
-          <p:nvPr/>
-        </p:nvGrpSpPr>
-        <p:grpSpPr>
-          <a:xfrm>
-            <a:off x="1475656" y="540075"/>
-            <a:ext cx="1156713" cy="519133"/>
-            <a:chOff x="4202081" y="2621835"/>
-            <a:chExt cx="1156713" cy="519133"/>
-          </a:xfrm>
-        </p:grpSpPr>
         <p:sp>
           <p:nvSpPr>
-            <p:cNvPr id="41" name="CustomShape 2"/>
+            <p:cNvPr id="137" name="CustomShape 26"/>
             <p:cNvSpPr/>
             <p:nvPr/>
           </p:nvSpPr>
           <p:spPr>
             <a:xfrm>
-              <a:off x="4346997" y="2699061"/>
-              <a:ext cx="866880" cy="364680"/>
+              <a:off x="6835034" y="2344240"/>
+              <a:ext cx="292320" cy="364680"/>
             </a:xfrm>
             <a:prstGeom prst="rect">
               <a:avLst/>
@@ -10149,154 +9846,13 @@
                 </a:lnSpc>
               </a:pPr>
               <a:r>
-                <a:rPr lang="zh-TW" spc="-1" dirty="0">
+                <a:rPr lang="en-US" sz="1800" b="0" strike="noStrike" spc="-1" dirty="0">
                   <a:solidFill>
                     <a:srgbClr val="000000"/>
                   </a:solidFill>
                   <a:latin typeface="Calibri"/>
                 </a:rPr>
-                <a:t>使用者</a:t>
-              </a:r>
-              <a:endParaRPr lang="en-US" spc="-1" dirty="0">
-                <a:solidFill>
-                  <a:srgbClr val="000000"/>
-                </a:solidFill>
-                <a:latin typeface="Calibri"/>
-              </a:endParaRPr>
-            </a:p>
-          </p:txBody>
-        </p:sp>
-        <p:sp>
-          <p:nvSpPr>
-            <p:cNvPr id="134" name="流程圖: 結束點 133"/>
-            <p:cNvSpPr/>
-            <p:nvPr/>
-          </p:nvSpPr>
-          <p:spPr>
-            <a:xfrm>
-              <a:off x="4202081" y="2621835"/>
-              <a:ext cx="1156713" cy="519133"/>
-            </a:xfrm>
-            <a:prstGeom prst="flowChartTerminator">
-              <a:avLst/>
-            </a:prstGeom>
-            <a:noFill/>
-            <a:ln>
-              <a:solidFill>
-                <a:schemeClr val="tx1"/>
-              </a:solidFill>
-              <a:round/>
-              <a:tailEnd type="triangle"/>
-            </a:ln>
-          </p:spPr>
-          <p:style>
-            <a:lnRef idx="2">
-              <a:schemeClr val="accent1">
-                <a:shade val="50000"/>
-              </a:schemeClr>
-            </a:lnRef>
-            <a:fillRef idx="1">
-              <a:schemeClr val="accent1"/>
-            </a:fillRef>
-            <a:effectRef idx="0">
-              <a:schemeClr val="accent1"/>
-            </a:effectRef>
-            <a:fontRef idx="minor"/>
-          </p:style>
-          <p:txBody>
-            <a:bodyPr rtlCol="0" anchor="ctr"/>
-            <a:lstStyle/>
-            <a:p>
-              <a:pPr algn="ctr"/>
-              <a:endParaRPr lang="zh-TW" altLang="en-US"/>
-            </a:p>
-          </p:txBody>
-        </p:sp>
-      </p:grpSp>
-      <p:grpSp>
-        <p:nvGrpSpPr>
-          <p:cNvPr id="150" name="群組 149"/>
-          <p:cNvGrpSpPr/>
-          <p:nvPr/>
-        </p:nvGrpSpPr>
-        <p:grpSpPr>
-          <a:xfrm>
-            <a:off x="5148401" y="2295952"/>
-            <a:ext cx="1246653" cy="691697"/>
-            <a:chOff x="5767897" y="960283"/>
-            <a:chExt cx="1246653" cy="691697"/>
-          </a:xfrm>
-        </p:grpSpPr>
-        <p:sp>
-          <p:nvSpPr>
-            <p:cNvPr id="51" name="CustomShape 12"/>
-            <p:cNvSpPr/>
-            <p:nvPr/>
-          </p:nvSpPr>
-          <p:spPr>
-            <a:xfrm>
-              <a:off x="5957784" y="983284"/>
-              <a:ext cx="866880" cy="639000"/>
-            </a:xfrm>
-            <a:prstGeom prst="rect">
-              <a:avLst/>
-            </a:prstGeom>
-            <a:noFill/>
-            <a:ln w="0">
-              <a:noFill/>
-              <a:tailEnd type="triangle"/>
-            </a:ln>
-          </p:spPr>
-          <p:style>
-            <a:lnRef idx="0">
-              <a:scrgbClr r="0" g="0" b="0"/>
-            </a:lnRef>
-            <a:fillRef idx="0">
-              <a:scrgbClr r="0" g="0" b="0"/>
-            </a:fillRef>
-            <a:effectRef idx="0">
-              <a:scrgbClr r="0" g="0" b="0"/>
-            </a:effectRef>
-            <a:fontRef idx="minor"/>
-          </p:style>
-          <p:txBody>
-            <a:bodyPr wrap="none" lIns="90000" tIns="45000" rIns="90000" bIns="45000">
-              <a:spAutoFit/>
-            </a:bodyPr>
-            <a:lstStyle/>
-            <a:p>
-              <a:pPr>
-                <a:lnSpc>
-                  <a:spcPct val="100000"/>
-                </a:lnSpc>
-              </a:pPr>
-              <a:r>
-                <a:rPr lang="zh-TW" sz="1800" b="0" strike="noStrike" spc="-1" dirty="0">
-                  <a:solidFill>
-                    <a:srgbClr val="000000"/>
-                  </a:solidFill>
-                  <a:latin typeface="Calibri"/>
-                </a:rPr>
-                <a:t>填基本</a:t>
-              </a:r>
-              <a:endParaRPr lang="en-US" sz="1800" b="0" strike="noStrike" spc="-1" dirty="0">
-                <a:latin typeface="Arial"/>
-              </a:endParaRPr>
-            </a:p>
-            <a:p>
-              <a:pPr algn="ctr">
-                <a:lnSpc>
-                  <a:spcPct val="100000"/>
-                </a:lnSpc>
-              </a:pPr>
-              <a:r>
-                <a:rPr lang="zh-TW" sz="1800" b="0" strike="noStrike" spc="-1" dirty="0">
-                  <a:solidFill>
-                    <a:srgbClr val="000000"/>
-                  </a:solidFill>
-                  <a:latin typeface="Calibri"/>
-                </a:rPr>
-                <a:t>資料</a:t>
+                <a:t>Y</a:t>
               </a:r>
               <a:endParaRPr lang="en-US" sz="1800" b="0" strike="noStrike" spc="-1" dirty="0">
                 <a:latin typeface="Arial"/>
@@ -10304,18 +9860,509 @@
             </a:p>
           </p:txBody>
         </p:sp>
+        <p:cxnSp>
+          <p:nvCxnSpPr>
+            <p:cNvPr id="96" name="直線單箭頭接點 95"/>
+            <p:cNvCxnSpPr>
+              <a:stCxn id="53" idx="3"/>
+              <a:endCxn id="132" idx="1"/>
+            </p:cNvCxnSpPr>
+            <p:nvPr/>
+          </p:nvCxnSpPr>
+          <p:spPr>
+            <a:xfrm>
+              <a:off x="4649625" y="2648708"/>
+              <a:ext cx="559757" cy="5172"/>
+            </a:xfrm>
+            <a:prstGeom prst="straightConnector1">
+              <a:avLst/>
+            </a:prstGeom>
+            <a:ln>
+              <a:solidFill>
+                <a:schemeClr val="tx1"/>
+              </a:solidFill>
+              <a:headEnd type="none" w="med" len="med"/>
+              <a:tailEnd type="triangle" w="med" len="med"/>
+            </a:ln>
+          </p:spPr>
+          <p:style>
+            <a:lnRef idx="1">
+              <a:schemeClr val="accent1"/>
+            </a:lnRef>
+            <a:fillRef idx="0">
+              <a:schemeClr val="accent1"/>
+            </a:fillRef>
+            <a:effectRef idx="0">
+              <a:schemeClr val="accent1"/>
+            </a:effectRef>
+            <a:fontRef idx="minor">
+              <a:schemeClr val="tx1"/>
+            </a:fontRef>
+          </p:style>
+        </p:cxnSp>
+        <p:cxnSp>
+          <p:nvCxnSpPr>
+            <p:cNvPr id="142" name="直線單箭頭接點 141"/>
+            <p:cNvCxnSpPr>
+              <a:stCxn id="132" idx="3"/>
+              <a:endCxn id="139" idx="2"/>
+            </p:cNvCxnSpPr>
+            <p:nvPr/>
+          </p:nvCxnSpPr>
+          <p:spPr>
+            <a:xfrm>
+              <a:off x="6908998" y="2653880"/>
+              <a:ext cx="559174" cy="2208"/>
+            </a:xfrm>
+            <a:prstGeom prst="straightConnector1">
+              <a:avLst/>
+            </a:prstGeom>
+            <a:ln>
+              <a:solidFill>
+                <a:schemeClr val="tx1"/>
+              </a:solidFill>
+              <a:headEnd type="none" w="med" len="med"/>
+              <a:tailEnd type="triangle" w="med" len="med"/>
+            </a:ln>
+          </p:spPr>
+          <p:style>
+            <a:lnRef idx="1">
+              <a:schemeClr val="accent1"/>
+            </a:lnRef>
+            <a:fillRef idx="0">
+              <a:schemeClr val="accent1"/>
+            </a:fillRef>
+            <a:effectRef idx="0">
+              <a:schemeClr val="accent1"/>
+            </a:effectRef>
+            <a:fontRef idx="minor">
+              <a:schemeClr val="tx1"/>
+            </a:fontRef>
+          </p:style>
+        </p:cxnSp>
+        <p:grpSp>
+          <p:nvGrpSpPr>
+            <p:cNvPr id="146" name="群組 145"/>
+            <p:cNvGrpSpPr/>
+            <p:nvPr/>
+          </p:nvGrpSpPr>
+          <p:grpSpPr>
+            <a:xfrm>
+              <a:off x="1517312" y="3972183"/>
+              <a:ext cx="1067040" cy="390600"/>
+              <a:chOff x="697680" y="3110408"/>
+              <a:chExt cx="1067040" cy="390600"/>
+            </a:xfrm>
+          </p:grpSpPr>
+          <p:sp>
+            <p:nvSpPr>
+              <p:cNvPr id="147" name="CustomShape 14"/>
+              <p:cNvSpPr/>
+              <p:nvPr/>
+            </p:nvSpPr>
+            <p:spPr>
+              <a:xfrm>
+                <a:off x="697680" y="3110408"/>
+                <a:ext cx="1067040" cy="390600"/>
+              </a:xfrm>
+              <a:prstGeom prst="rect">
+                <a:avLst/>
+              </a:prstGeom>
+              <a:noFill/>
+              <a:ln>
+                <a:solidFill>
+                  <a:schemeClr val="tx1"/>
+                </a:solidFill>
+                <a:round/>
+                <a:tailEnd type="triangle"/>
+              </a:ln>
+            </p:spPr>
+            <p:style>
+              <a:lnRef idx="2">
+                <a:schemeClr val="accent1">
+                  <a:shade val="50000"/>
+                </a:schemeClr>
+              </a:lnRef>
+              <a:fillRef idx="1">
+                <a:schemeClr val="accent1"/>
+              </a:fillRef>
+              <a:effectRef idx="0">
+                <a:schemeClr val="accent1"/>
+              </a:effectRef>
+              <a:fontRef idx="minor"/>
+            </p:style>
+          </p:sp>
+          <p:sp>
+            <p:nvSpPr>
+              <p:cNvPr id="148" name="CustomShape 15"/>
+              <p:cNvSpPr/>
+              <p:nvPr/>
+            </p:nvSpPr>
+            <p:spPr>
+              <a:xfrm>
+                <a:off x="911880" y="3132368"/>
+                <a:ext cx="643166" cy="367878"/>
+              </a:xfrm>
+              <a:prstGeom prst="rect">
+                <a:avLst/>
+              </a:prstGeom>
+              <a:noFill/>
+              <a:ln w="0">
+                <a:noFill/>
+                <a:tailEnd type="triangle"/>
+              </a:ln>
+            </p:spPr>
+            <p:style>
+              <a:lnRef idx="0">
+                <a:scrgbClr r="0" g="0" b="0"/>
+              </a:lnRef>
+              <a:fillRef idx="0">
+                <a:scrgbClr r="0" g="0" b="0"/>
+              </a:fillRef>
+              <a:effectRef idx="0">
+                <a:scrgbClr r="0" g="0" b="0"/>
+              </a:effectRef>
+              <a:fontRef idx="minor"/>
+            </p:style>
+            <p:txBody>
+              <a:bodyPr wrap="none" lIns="90000" tIns="45000" rIns="90000" bIns="45000">
+                <a:spAutoFit/>
+              </a:bodyPr>
+              <a:lstStyle/>
+              <a:p>
+                <a:pPr>
+                  <a:lnSpc>
+                    <a:spcPct val="100000"/>
+                  </a:lnSpc>
+                </a:pPr>
+                <a:r>
+                  <a:rPr lang="zh-TW" altLang="en-US" spc="-1" dirty="0">
+                    <a:solidFill>
+                      <a:srgbClr val="000000"/>
+                    </a:solidFill>
+                    <a:latin typeface="Calibri"/>
+                  </a:rPr>
+                  <a:t>主頁</a:t>
+                </a:r>
+                <a:endParaRPr lang="en-US" sz="1800" b="0" strike="noStrike" spc="-1" dirty="0">
+                  <a:latin typeface="Arial"/>
+                </a:endParaRPr>
+              </a:p>
+            </p:txBody>
+          </p:sp>
+        </p:grpSp>
+        <p:cxnSp>
+          <p:nvCxnSpPr>
+            <p:cNvPr id="121" name="直線單箭頭接點 120"/>
+            <p:cNvCxnSpPr>
+              <a:stCxn id="129" idx="2"/>
+              <a:endCxn id="147" idx="0"/>
+            </p:cNvCxnSpPr>
+            <p:nvPr/>
+          </p:nvCxnSpPr>
+          <p:spPr>
+            <a:xfrm flipH="1">
+              <a:off x="2050832" y="3713072"/>
+              <a:ext cx="7122" cy="259111"/>
+            </a:xfrm>
+            <a:prstGeom prst="straightConnector1">
+              <a:avLst/>
+            </a:prstGeom>
+            <a:ln>
+              <a:solidFill>
+                <a:schemeClr val="tx1"/>
+              </a:solidFill>
+              <a:headEnd type="none" w="med" len="med"/>
+              <a:tailEnd type="triangle" w="med" len="med"/>
+            </a:ln>
+          </p:spPr>
+          <p:style>
+            <a:lnRef idx="1">
+              <a:schemeClr val="accent1"/>
+            </a:lnRef>
+            <a:fillRef idx="0">
+              <a:schemeClr val="accent1"/>
+            </a:fillRef>
+            <a:effectRef idx="0">
+              <a:schemeClr val="accent1"/>
+            </a:effectRef>
+            <a:fontRef idx="minor">
+              <a:schemeClr val="tx1"/>
+            </a:fontRef>
+          </p:style>
+        </p:cxnSp>
+        <p:grpSp>
+          <p:nvGrpSpPr>
+            <p:cNvPr id="135" name="群組 134"/>
+            <p:cNvGrpSpPr/>
+            <p:nvPr/>
+          </p:nvGrpSpPr>
+          <p:grpSpPr>
+            <a:xfrm>
+              <a:off x="1475656" y="540075"/>
+              <a:ext cx="1156713" cy="519133"/>
+              <a:chOff x="4202081" y="2621835"/>
+              <a:chExt cx="1156713" cy="519133"/>
+            </a:xfrm>
+          </p:grpSpPr>
+          <p:sp>
+            <p:nvSpPr>
+              <p:cNvPr id="41" name="CustomShape 2"/>
+              <p:cNvSpPr/>
+              <p:nvPr/>
+            </p:nvSpPr>
+            <p:spPr>
+              <a:xfrm>
+                <a:off x="4346997" y="2699061"/>
+                <a:ext cx="866880" cy="364680"/>
+              </a:xfrm>
+              <a:prstGeom prst="rect">
+                <a:avLst/>
+              </a:prstGeom>
+              <a:noFill/>
+              <a:ln w="0">
+                <a:noFill/>
+                <a:tailEnd type="triangle"/>
+              </a:ln>
+            </p:spPr>
+            <p:style>
+              <a:lnRef idx="0">
+                <a:scrgbClr r="0" g="0" b="0"/>
+              </a:lnRef>
+              <a:fillRef idx="0">
+                <a:scrgbClr r="0" g="0" b="0"/>
+              </a:fillRef>
+              <a:effectRef idx="0">
+                <a:scrgbClr r="0" g="0" b="0"/>
+              </a:effectRef>
+              <a:fontRef idx="minor"/>
+            </p:style>
+            <p:txBody>
+              <a:bodyPr wrap="none" lIns="90000" tIns="45000" rIns="90000" bIns="45000">
+                <a:spAutoFit/>
+              </a:bodyPr>
+              <a:lstStyle/>
+              <a:p>
+                <a:pPr>
+                  <a:lnSpc>
+                    <a:spcPct val="100000"/>
+                  </a:lnSpc>
+                </a:pPr>
+                <a:r>
+                  <a:rPr lang="zh-TW" spc="-1" dirty="0">
+                    <a:solidFill>
+                      <a:srgbClr val="000000"/>
+                    </a:solidFill>
+                    <a:latin typeface="Calibri"/>
+                  </a:rPr>
+                  <a:t>使用者</a:t>
+                </a:r>
+                <a:endParaRPr lang="en-US" spc="-1" dirty="0">
+                  <a:solidFill>
+                    <a:srgbClr val="000000"/>
+                  </a:solidFill>
+                  <a:latin typeface="Calibri"/>
+                </a:endParaRPr>
+              </a:p>
+            </p:txBody>
+          </p:sp>
+          <p:sp>
+            <p:nvSpPr>
+              <p:cNvPr id="134" name="流程圖: 結束點 133"/>
+              <p:cNvSpPr/>
+              <p:nvPr/>
+            </p:nvSpPr>
+            <p:spPr>
+              <a:xfrm>
+                <a:off x="4202081" y="2621835"/>
+                <a:ext cx="1156713" cy="519133"/>
+              </a:xfrm>
+              <a:prstGeom prst="flowChartTerminator">
+                <a:avLst/>
+              </a:prstGeom>
+              <a:noFill/>
+              <a:ln>
+                <a:solidFill>
+                  <a:schemeClr val="tx1"/>
+                </a:solidFill>
+                <a:round/>
+                <a:tailEnd type="triangle"/>
+              </a:ln>
+            </p:spPr>
+            <p:style>
+              <a:lnRef idx="2">
+                <a:schemeClr val="accent1">
+                  <a:shade val="50000"/>
+                </a:schemeClr>
+              </a:lnRef>
+              <a:fillRef idx="1">
+                <a:schemeClr val="accent1"/>
+              </a:fillRef>
+              <a:effectRef idx="0">
+                <a:schemeClr val="accent1"/>
+              </a:effectRef>
+              <a:fontRef idx="minor"/>
+            </p:style>
+            <p:txBody>
+              <a:bodyPr rtlCol="0" anchor="ctr"/>
+              <a:lstStyle/>
+              <a:p>
+                <a:pPr algn="ctr"/>
+                <a:endParaRPr lang="zh-TW" altLang="en-US"/>
+              </a:p>
+            </p:txBody>
+          </p:sp>
+        </p:grpSp>
+        <p:grpSp>
+          <p:nvGrpSpPr>
+            <p:cNvPr id="150" name="群組 149"/>
+            <p:cNvGrpSpPr/>
+            <p:nvPr/>
+          </p:nvGrpSpPr>
+          <p:grpSpPr>
+            <a:xfrm>
+              <a:off x="7343507" y="2310239"/>
+              <a:ext cx="1246653" cy="691697"/>
+              <a:chOff x="5767897" y="960283"/>
+              <a:chExt cx="1246653" cy="691697"/>
+            </a:xfrm>
+          </p:grpSpPr>
+          <p:sp>
+            <p:nvSpPr>
+              <p:cNvPr id="51" name="CustomShape 12"/>
+              <p:cNvSpPr/>
+              <p:nvPr/>
+            </p:nvSpPr>
+            <p:spPr>
+              <a:xfrm>
+                <a:off x="5957784" y="983284"/>
+                <a:ext cx="866880" cy="639000"/>
+              </a:xfrm>
+              <a:prstGeom prst="rect">
+                <a:avLst/>
+              </a:prstGeom>
+              <a:noFill/>
+              <a:ln w="0">
+                <a:noFill/>
+                <a:tailEnd type="triangle"/>
+              </a:ln>
+            </p:spPr>
+            <p:style>
+              <a:lnRef idx="0">
+                <a:scrgbClr r="0" g="0" b="0"/>
+              </a:lnRef>
+              <a:fillRef idx="0">
+                <a:scrgbClr r="0" g="0" b="0"/>
+              </a:fillRef>
+              <a:effectRef idx="0">
+                <a:scrgbClr r="0" g="0" b="0"/>
+              </a:effectRef>
+              <a:fontRef idx="minor"/>
+            </p:style>
+            <p:txBody>
+              <a:bodyPr wrap="none" lIns="90000" tIns="45000" rIns="90000" bIns="45000">
+                <a:spAutoFit/>
+              </a:bodyPr>
+              <a:lstStyle/>
+              <a:p>
+                <a:pPr>
+                  <a:lnSpc>
+                    <a:spcPct val="100000"/>
+                  </a:lnSpc>
+                </a:pPr>
+                <a:r>
+                  <a:rPr lang="zh-TW" sz="1800" b="0" strike="noStrike" spc="-1" dirty="0">
+                    <a:solidFill>
+                      <a:srgbClr val="000000"/>
+                    </a:solidFill>
+                    <a:latin typeface="Calibri"/>
+                  </a:rPr>
+                  <a:t>填基本</a:t>
+                </a:r>
+                <a:endParaRPr lang="en-US" sz="1800" b="0" strike="noStrike" spc="-1" dirty="0">
+                  <a:latin typeface="Arial"/>
+                </a:endParaRPr>
+              </a:p>
+              <a:p>
+                <a:pPr algn="ctr">
+                  <a:lnSpc>
+                    <a:spcPct val="100000"/>
+                  </a:lnSpc>
+                </a:pPr>
+                <a:r>
+                  <a:rPr lang="zh-TW" sz="1800" b="0" strike="noStrike" spc="-1" dirty="0">
+                    <a:solidFill>
+                      <a:srgbClr val="000000"/>
+                    </a:solidFill>
+                    <a:latin typeface="Calibri"/>
+                  </a:rPr>
+                  <a:t>資料</a:t>
+                </a:r>
+                <a:endParaRPr lang="en-US" sz="1800" b="0" strike="noStrike" spc="-1" dirty="0">
+                  <a:latin typeface="Arial"/>
+                </a:endParaRPr>
+              </a:p>
+            </p:txBody>
+          </p:sp>
+          <p:sp>
+            <p:nvSpPr>
+              <p:cNvPr id="139" name="流程圖: 資料 138"/>
+              <p:cNvSpPr/>
+              <p:nvPr/>
+            </p:nvSpPr>
+            <p:spPr>
+              <a:xfrm>
+                <a:off x="5767897" y="960283"/>
+                <a:ext cx="1246653" cy="691697"/>
+              </a:xfrm>
+              <a:prstGeom prst="flowChartInputOutput">
+                <a:avLst/>
+              </a:prstGeom>
+              <a:noFill/>
+              <a:ln>
+                <a:solidFill>
+                  <a:schemeClr val="tx1"/>
+                </a:solidFill>
+              </a:ln>
+            </p:spPr>
+            <p:style>
+              <a:lnRef idx="2">
+                <a:schemeClr val="accent1">
+                  <a:shade val="50000"/>
+                </a:schemeClr>
+              </a:lnRef>
+              <a:fillRef idx="1">
+                <a:schemeClr val="accent1"/>
+              </a:fillRef>
+              <a:effectRef idx="0">
+                <a:schemeClr val="accent1"/>
+              </a:effectRef>
+              <a:fontRef idx="minor">
+                <a:schemeClr val="lt1"/>
+              </a:fontRef>
+            </p:style>
+            <p:txBody>
+              <a:bodyPr rtlCol="0" anchor="ctr"/>
+              <a:lstStyle/>
+              <a:p>
+                <a:pPr algn="ctr"/>
+                <a:endParaRPr lang="zh-TW" altLang="en-US"/>
+              </a:p>
+            </p:txBody>
+          </p:sp>
+        </p:grpSp>
         <p:sp>
           <p:nvSpPr>
-            <p:cNvPr id="139" name="流程圖: 資料 138"/>
+            <p:cNvPr id="151" name="流程圖: 磁碟 150"/>
             <p:cNvSpPr/>
             <p:nvPr/>
           </p:nvSpPr>
           <p:spPr>
             <a:xfrm>
-              <a:off x="5767897" y="960283"/>
-              <a:ext cx="1246653" cy="691697"/>
+              <a:off x="7420977" y="4942324"/>
+              <a:ext cx="858896" cy="1209588"/>
             </a:xfrm>
-            <a:prstGeom prst="flowChartInputOutput">
+            <a:prstGeom prst="flowChartMagneticDisk">
               <a:avLst/>
             </a:prstGeom>
             <a:noFill/>
@@ -10350,414 +10397,228 @@
             </a:p>
           </p:txBody>
         </p:sp>
-      </p:grpSp>
-      <p:sp>
-        <p:nvSpPr>
-          <p:cNvPr id="151" name="流程圖: 磁碟 150"/>
-          <p:cNvSpPr/>
-          <p:nvPr/>
-        </p:nvSpPr>
-        <p:spPr>
-          <a:xfrm>
-            <a:off x="7420977" y="4942324"/>
-            <a:ext cx="858896" cy="1209588"/>
-          </a:xfrm>
-          <a:prstGeom prst="flowChartMagneticDisk">
-            <a:avLst/>
-          </a:prstGeom>
-          <a:noFill/>
-          <a:ln>
-            <a:solidFill>
-              <a:schemeClr val="tx1"/>
-            </a:solidFill>
-          </a:ln>
-        </p:spPr>
-        <p:style>
-          <a:lnRef idx="2">
-            <a:schemeClr val="accent1">
-              <a:shade val="50000"/>
-            </a:schemeClr>
-          </a:lnRef>
-          <a:fillRef idx="1">
-            <a:schemeClr val="accent1"/>
-          </a:fillRef>
-          <a:effectRef idx="0">
-            <a:schemeClr val="accent1"/>
-          </a:effectRef>
-          <a:fontRef idx="minor">
-            <a:schemeClr val="lt1"/>
-          </a:fontRef>
-        </p:style>
-        <p:txBody>
-          <a:bodyPr rtlCol="0" anchor="ctr"/>
-          <a:lstStyle/>
-          <a:p>
-            <a:pPr algn="ctr"/>
-            <a:endParaRPr lang="zh-TW" altLang="en-US"/>
-          </a:p>
-        </p:txBody>
-      </p:sp>
-      <p:grpSp>
-        <p:nvGrpSpPr>
-          <p:cNvPr id="279" name="群組 278"/>
-          <p:cNvGrpSpPr/>
-          <p:nvPr/>
-        </p:nvGrpSpPr>
-        <p:grpSpPr>
-          <a:xfrm>
-            <a:off x="7283118" y="3803328"/>
-            <a:ext cx="1105306" cy="728680"/>
-            <a:chOff x="7283118" y="3780440"/>
-            <a:chExt cx="1105306" cy="728680"/>
-          </a:xfrm>
-        </p:grpSpPr>
-        <p:sp>
-          <p:nvSpPr>
-            <p:cNvPr id="155" name="流程圖: 儲存資料 154"/>
-            <p:cNvSpPr/>
+        <p:grpSp>
+          <p:nvGrpSpPr>
+            <p:cNvPr id="279" name="群組 278"/>
+            <p:cNvGrpSpPr/>
             <p:nvPr/>
-          </p:nvSpPr>
+          </p:nvGrpSpPr>
+          <p:grpSpPr>
+            <a:xfrm>
+              <a:off x="7283118" y="3803328"/>
+              <a:ext cx="1105306" cy="728680"/>
+              <a:chOff x="7283118" y="3780440"/>
+              <a:chExt cx="1105306" cy="728680"/>
+            </a:xfrm>
+          </p:grpSpPr>
+          <p:sp>
+            <p:nvSpPr>
+              <p:cNvPr id="155" name="流程圖: 儲存資料 154"/>
+              <p:cNvSpPr/>
+              <p:nvPr/>
+            </p:nvSpPr>
+            <p:spPr>
+              <a:xfrm>
+                <a:off x="7283118" y="3780440"/>
+                <a:ext cx="1105306" cy="728680"/>
+              </a:xfrm>
+              <a:prstGeom prst="flowChartOnlineStorage">
+                <a:avLst/>
+              </a:prstGeom>
+              <a:noFill/>
+              <a:ln>
+                <a:solidFill>
+                  <a:schemeClr val="tx1"/>
+                </a:solidFill>
+              </a:ln>
+            </p:spPr>
+            <p:style>
+              <a:lnRef idx="2">
+                <a:schemeClr val="accent1">
+                  <a:shade val="50000"/>
+                </a:schemeClr>
+              </a:lnRef>
+              <a:fillRef idx="1">
+                <a:schemeClr val="accent1"/>
+              </a:fillRef>
+              <a:effectRef idx="0">
+                <a:schemeClr val="accent1"/>
+              </a:effectRef>
+              <a:fontRef idx="minor">
+                <a:schemeClr val="lt1"/>
+              </a:fontRef>
+            </p:style>
+            <p:txBody>
+              <a:bodyPr rtlCol="0" anchor="ctr"/>
+              <a:lstStyle/>
+              <a:p>
+                <a:pPr algn="ctr"/>
+                <a:endParaRPr lang="zh-TW" altLang="en-US"/>
+              </a:p>
+            </p:txBody>
+          </p:sp>
+          <p:sp>
+            <p:nvSpPr>
+              <p:cNvPr id="165" name="CustomShape 15"/>
+              <p:cNvSpPr/>
+              <p:nvPr/>
+            </p:nvSpPr>
+            <p:spPr>
+              <a:xfrm>
+                <a:off x="7484671" y="3792235"/>
+                <a:ext cx="643166" cy="644877"/>
+              </a:xfrm>
+              <a:prstGeom prst="rect">
+                <a:avLst/>
+              </a:prstGeom>
+              <a:noFill/>
+              <a:ln w="0">
+                <a:noFill/>
+                <a:tailEnd type="triangle"/>
+              </a:ln>
+            </p:spPr>
+            <p:style>
+              <a:lnRef idx="0">
+                <a:scrgbClr r="0" g="0" b="0"/>
+              </a:lnRef>
+              <a:fillRef idx="0">
+                <a:scrgbClr r="0" g="0" b="0"/>
+              </a:fillRef>
+              <a:effectRef idx="0">
+                <a:scrgbClr r="0" g="0" b="0"/>
+              </a:effectRef>
+              <a:fontRef idx="minor"/>
+            </p:style>
+            <p:txBody>
+              <a:bodyPr wrap="none" lIns="90000" tIns="45000" rIns="90000" bIns="45000">
+                <a:spAutoFit/>
+              </a:bodyPr>
+              <a:lstStyle/>
+              <a:p>
+                <a:pPr>
+                  <a:lnSpc>
+                    <a:spcPct val="100000"/>
+                  </a:lnSpc>
+                </a:pPr>
+                <a:r>
+                  <a:rPr lang="zh-TW" altLang="en-US" sz="1800" b="0" strike="noStrike" spc="-1" dirty="0" smtClean="0">
+                    <a:latin typeface="Arial"/>
+                  </a:rPr>
+                  <a:t>儲存</a:t>
+                </a:r>
+                <a:endParaRPr lang="en-US" altLang="zh-TW" sz="1800" b="0" strike="noStrike" spc="-1" dirty="0" smtClean="0">
+                  <a:latin typeface="Arial"/>
+                </a:endParaRPr>
+              </a:p>
+              <a:p>
+                <a:pPr>
+                  <a:lnSpc>
+                    <a:spcPct val="100000"/>
+                  </a:lnSpc>
+                </a:pPr>
+                <a:r>
+                  <a:rPr lang="zh-TW" altLang="en-US" spc="-1" dirty="0">
+                    <a:latin typeface="Arial"/>
+                  </a:rPr>
+                  <a:t>資料</a:t>
+                </a:r>
+                <a:endParaRPr lang="en-US" sz="1800" b="0" strike="noStrike" spc="-1" dirty="0">
+                  <a:latin typeface="Arial"/>
+                </a:endParaRPr>
+              </a:p>
+            </p:txBody>
+          </p:sp>
+        </p:grpSp>
+        <p:cxnSp>
+          <p:nvCxnSpPr>
+            <p:cNvPr id="167" name="直線單箭頭接點 166"/>
+            <p:cNvCxnSpPr>
+              <a:stCxn id="139" idx="3"/>
+              <a:endCxn id="155" idx="0"/>
+            </p:cNvCxnSpPr>
+            <p:nvPr/>
+          </p:nvCxnSpPr>
           <p:spPr>
-            <a:xfrm>
-              <a:off x="7283118" y="3780440"/>
-              <a:ext cx="1105306" cy="728680"/>
+            <a:xfrm flipH="1">
+              <a:off x="7835771" y="3001936"/>
+              <a:ext cx="6397" cy="801392"/>
             </a:xfrm>
-            <a:prstGeom prst="flowChartOnlineStorage">
+            <a:prstGeom prst="straightConnector1">
               <a:avLst/>
             </a:prstGeom>
-            <a:noFill/>
             <a:ln>
               <a:solidFill>
-                <a:schemeClr val="tx1"/>
+                <a:srgbClr val="0070C0"/>
               </a:solidFill>
+              <a:headEnd type="none" w="med" len="med"/>
+              <a:tailEnd type="triangle" w="med" len="med"/>
             </a:ln>
           </p:spPr>
           <p:style>
-            <a:lnRef idx="2">
-              <a:schemeClr val="accent1">
-                <a:shade val="50000"/>
-              </a:schemeClr>
+            <a:lnRef idx="1">
+              <a:schemeClr val="accent1"/>
             </a:lnRef>
-            <a:fillRef idx="1">
+            <a:fillRef idx="0">
               <a:schemeClr val="accent1"/>
             </a:fillRef>
             <a:effectRef idx="0">
               <a:schemeClr val="accent1"/>
             </a:effectRef>
             <a:fontRef idx="minor">
-              <a:schemeClr val="lt1"/>
+              <a:schemeClr val="tx1"/>
             </a:fontRef>
           </p:style>
-          <p:txBody>
-            <a:bodyPr rtlCol="0" anchor="ctr"/>
-            <a:lstStyle/>
-            <a:p>
-              <a:pPr algn="ctr"/>
-              <a:endParaRPr lang="zh-TW" altLang="en-US"/>
-            </a:p>
-          </p:txBody>
-        </p:sp>
+        </p:cxnSp>
+        <p:cxnSp>
+          <p:nvCxnSpPr>
+            <p:cNvPr id="169" name="直線單箭頭接點 168"/>
+            <p:cNvCxnSpPr>
+              <a:stCxn id="155" idx="2"/>
+              <a:endCxn id="151" idx="1"/>
+            </p:cNvCxnSpPr>
+            <p:nvPr/>
+          </p:nvCxnSpPr>
+          <p:spPr>
+            <a:xfrm>
+              <a:off x="7835771" y="4532008"/>
+              <a:ext cx="14654" cy="410316"/>
+            </a:xfrm>
+            <a:prstGeom prst="straightConnector1">
+              <a:avLst/>
+            </a:prstGeom>
+            <a:ln>
+              <a:solidFill>
+                <a:srgbClr val="0070C0"/>
+              </a:solidFill>
+              <a:headEnd type="none" w="med" len="med"/>
+              <a:tailEnd type="triangle" w="med" len="med"/>
+            </a:ln>
+          </p:spPr>
+          <p:style>
+            <a:lnRef idx="1">
+              <a:schemeClr val="accent1"/>
+            </a:lnRef>
+            <a:fillRef idx="0">
+              <a:schemeClr val="accent1"/>
+            </a:fillRef>
+            <a:effectRef idx="0">
+              <a:schemeClr val="accent1"/>
+            </a:effectRef>
+            <a:fontRef idx="minor">
+              <a:schemeClr val="tx1"/>
+            </a:fontRef>
+          </p:style>
+        </p:cxnSp>
         <p:sp>
           <p:nvSpPr>
-            <p:cNvPr id="165" name="CustomShape 15"/>
+            <p:cNvPr id="170" name="CustomShape 15"/>
             <p:cNvSpPr/>
             <p:nvPr/>
           </p:nvSpPr>
           <p:spPr>
             <a:xfrm>
-              <a:off x="7484671" y="3792235"/>
-              <a:ext cx="643166" cy="644877"/>
-            </a:xfrm>
-            <a:prstGeom prst="rect">
-              <a:avLst/>
-            </a:prstGeom>
-            <a:noFill/>
-            <a:ln w="0">
-              <a:noFill/>
-              <a:tailEnd type="triangle"/>
-            </a:ln>
-          </p:spPr>
-          <p:style>
-            <a:lnRef idx="0">
-              <a:scrgbClr r="0" g="0" b="0"/>
-            </a:lnRef>
-            <a:fillRef idx="0">
-              <a:scrgbClr r="0" g="0" b="0"/>
-            </a:fillRef>
-            <a:effectRef idx="0">
-              <a:scrgbClr r="0" g="0" b="0"/>
-            </a:effectRef>
-            <a:fontRef idx="minor"/>
-          </p:style>
-          <p:txBody>
-            <a:bodyPr wrap="none" lIns="90000" tIns="45000" rIns="90000" bIns="45000">
-              <a:spAutoFit/>
-            </a:bodyPr>
-            <a:lstStyle/>
-            <a:p>
-              <a:pPr>
-                <a:lnSpc>
-                  <a:spcPct val="100000"/>
-                </a:lnSpc>
-              </a:pPr>
-              <a:r>
-                <a:rPr lang="zh-TW" altLang="en-US" sz="1800" b="0" strike="noStrike" spc="-1" dirty="0" smtClean="0">
-                  <a:latin typeface="Arial"/>
-                </a:rPr>
-                <a:t>儲存</a:t>
-              </a:r>
-              <a:endParaRPr lang="en-US" altLang="zh-TW" sz="1800" b="0" strike="noStrike" spc="-1" dirty="0" smtClean="0">
-                <a:latin typeface="Arial"/>
-              </a:endParaRPr>
-            </a:p>
-            <a:p>
-              <a:pPr>
-                <a:lnSpc>
-                  <a:spcPct val="100000"/>
-                </a:lnSpc>
-              </a:pPr>
-              <a:r>
-                <a:rPr lang="zh-TW" altLang="en-US" spc="-1" dirty="0">
-                  <a:latin typeface="Arial"/>
-                </a:rPr>
-                <a:t>資料</a:t>
-              </a:r>
-              <a:endParaRPr lang="en-US" sz="1800" b="0" strike="noStrike" spc="-1" dirty="0">
-                <a:latin typeface="Arial"/>
-              </a:endParaRPr>
-            </a:p>
-          </p:txBody>
-        </p:sp>
-      </p:grpSp>
-      <p:cxnSp>
-        <p:nvCxnSpPr>
-          <p:cNvPr id="167" name="直線單箭頭接點 166"/>
-          <p:cNvCxnSpPr>
-            <a:stCxn id="132" idx="2"/>
-            <a:endCxn id="155" idx="0"/>
-          </p:cNvCxnSpPr>
-          <p:nvPr/>
-        </p:nvCxnSpPr>
-        <p:spPr>
-          <a:xfrm flipH="1">
-            <a:off x="7835771" y="3054672"/>
-            <a:ext cx="5165" cy="748656"/>
-          </a:xfrm>
-          <a:prstGeom prst="straightConnector1">
-            <a:avLst/>
-          </a:prstGeom>
-          <a:ln>
-            <a:solidFill>
-              <a:srgbClr val="0070C0"/>
-            </a:solidFill>
-            <a:headEnd type="none" w="med" len="med"/>
-            <a:tailEnd type="triangle" w="med" len="med"/>
-          </a:ln>
-        </p:spPr>
-        <p:style>
-          <a:lnRef idx="1">
-            <a:schemeClr val="accent1"/>
-          </a:lnRef>
-          <a:fillRef idx="0">
-            <a:schemeClr val="accent1"/>
-          </a:fillRef>
-          <a:effectRef idx="0">
-            <a:schemeClr val="accent1"/>
-          </a:effectRef>
-          <a:fontRef idx="minor">
-            <a:schemeClr val="tx1"/>
-          </a:fontRef>
-        </p:style>
-      </p:cxnSp>
-      <p:cxnSp>
-        <p:nvCxnSpPr>
-          <p:cNvPr id="169" name="直線單箭頭接點 168"/>
-          <p:cNvCxnSpPr>
-            <a:stCxn id="155" idx="2"/>
-            <a:endCxn id="151" idx="1"/>
-          </p:cNvCxnSpPr>
-          <p:nvPr/>
-        </p:nvCxnSpPr>
-        <p:spPr>
-          <a:xfrm>
-            <a:off x="7835771" y="4532008"/>
-            <a:ext cx="14654" cy="410316"/>
-          </a:xfrm>
-          <a:prstGeom prst="straightConnector1">
-            <a:avLst/>
-          </a:prstGeom>
-          <a:ln>
-            <a:solidFill>
-              <a:srgbClr val="0070C0"/>
-            </a:solidFill>
-            <a:headEnd type="none" w="med" len="med"/>
-            <a:tailEnd type="triangle" w="med" len="med"/>
-          </a:ln>
-        </p:spPr>
-        <p:style>
-          <a:lnRef idx="1">
-            <a:schemeClr val="accent1"/>
-          </a:lnRef>
-          <a:fillRef idx="0">
-            <a:schemeClr val="accent1"/>
-          </a:fillRef>
-          <a:effectRef idx="0">
-            <a:schemeClr val="accent1"/>
-          </a:effectRef>
-          <a:fontRef idx="minor">
-            <a:schemeClr val="tx1"/>
-          </a:fontRef>
-        </p:style>
-      </p:cxnSp>
-      <p:sp>
-        <p:nvSpPr>
-          <p:cNvPr id="170" name="CustomShape 15"/>
-          <p:cNvSpPr/>
-          <p:nvPr/>
-        </p:nvSpPr>
-        <p:spPr>
-          <a:xfrm>
-            <a:off x="7670829" y="5014072"/>
-            <a:ext cx="412462" cy="921876"/>
-          </a:xfrm>
-          <a:prstGeom prst="rect">
-            <a:avLst/>
-          </a:prstGeom>
-          <a:noFill/>
-          <a:ln w="0">
-            <a:noFill/>
-            <a:tailEnd type="triangle"/>
-          </a:ln>
-        </p:spPr>
-        <p:style>
-          <a:lnRef idx="0">
-            <a:scrgbClr r="0" g="0" b="0"/>
-          </a:lnRef>
-          <a:fillRef idx="0">
-            <a:scrgbClr r="0" g="0" b="0"/>
-          </a:fillRef>
-          <a:effectRef idx="0">
-            <a:scrgbClr r="0" g="0" b="0"/>
-          </a:effectRef>
-          <a:fontRef idx="minor"/>
-        </p:style>
-        <p:txBody>
-          <a:bodyPr wrap="none" lIns="90000" tIns="45000" rIns="90000" bIns="45000">
-            <a:spAutoFit/>
-          </a:bodyPr>
-          <a:lstStyle/>
-          <a:p>
-            <a:pPr>
-              <a:lnSpc>
-                <a:spcPct val="100000"/>
-              </a:lnSpc>
-            </a:pPr>
-            <a:r>
-              <a:rPr lang="zh-TW" altLang="en-US" spc="-1" dirty="0" smtClean="0">
-                <a:latin typeface="Arial"/>
-              </a:rPr>
-              <a:t>資</a:t>
-            </a:r>
-            <a:endParaRPr lang="en-US" altLang="zh-TW" spc="-1" dirty="0" smtClean="0">
-              <a:latin typeface="Arial"/>
-            </a:endParaRPr>
-          </a:p>
-          <a:p>
-            <a:pPr>
-              <a:lnSpc>
-                <a:spcPct val="100000"/>
-              </a:lnSpc>
-            </a:pPr>
-            <a:r>
-              <a:rPr lang="zh-TW" altLang="en-US" spc="-1" dirty="0" smtClean="0">
-                <a:latin typeface="Arial"/>
-              </a:rPr>
-              <a:t>料</a:t>
-            </a:r>
-            <a:endParaRPr lang="en-US" altLang="zh-TW" spc="-1" dirty="0" smtClean="0">
-              <a:latin typeface="Arial"/>
-            </a:endParaRPr>
-          </a:p>
-          <a:p>
-            <a:pPr>
-              <a:lnSpc>
-                <a:spcPct val="100000"/>
-              </a:lnSpc>
-            </a:pPr>
-            <a:r>
-              <a:rPr lang="zh-TW" altLang="en-US" sz="1800" b="0" strike="noStrike" spc="-1" dirty="0">
-                <a:latin typeface="Arial"/>
-              </a:rPr>
-              <a:t>庫</a:t>
-            </a:r>
-            <a:endParaRPr lang="en-US" sz="1800" b="0" strike="noStrike" spc="-1" dirty="0">
-              <a:latin typeface="Arial"/>
-            </a:endParaRPr>
-          </a:p>
-        </p:txBody>
-      </p:sp>
-      <p:grpSp>
-        <p:nvGrpSpPr>
-          <p:cNvPr id="179" name="群組 178"/>
-          <p:cNvGrpSpPr/>
-          <p:nvPr/>
-        </p:nvGrpSpPr>
-        <p:grpSpPr>
-          <a:xfrm>
-            <a:off x="682680" y="4532396"/>
-            <a:ext cx="1067040" cy="390600"/>
-            <a:chOff x="2402833" y="3594175"/>
-            <a:chExt cx="1067040" cy="390600"/>
-          </a:xfrm>
-        </p:grpSpPr>
-        <p:sp>
-          <p:nvSpPr>
-            <p:cNvPr id="180" name="CustomShape 14"/>
-            <p:cNvSpPr/>
-            <p:nvPr/>
-          </p:nvSpPr>
-          <p:spPr>
-            <a:xfrm>
-              <a:off x="2402833" y="3594175"/>
-              <a:ext cx="1067040" cy="390600"/>
-            </a:xfrm>
-            <a:prstGeom prst="rect">
-              <a:avLst/>
-            </a:prstGeom>
-            <a:noFill/>
-            <a:ln>
-              <a:solidFill>
-                <a:schemeClr val="tx1"/>
-              </a:solidFill>
-              <a:round/>
-              <a:tailEnd type="triangle"/>
-            </a:ln>
-          </p:spPr>
-          <p:style>
-            <a:lnRef idx="2">
-              <a:schemeClr val="accent1">
-                <a:shade val="50000"/>
-              </a:schemeClr>
-            </a:lnRef>
-            <a:fillRef idx="1">
-              <a:schemeClr val="accent1"/>
-            </a:fillRef>
-            <a:effectRef idx="0">
-              <a:schemeClr val="accent1"/>
-            </a:effectRef>
-            <a:fontRef idx="minor"/>
-          </p:style>
-        </p:sp>
-        <p:sp>
-          <p:nvSpPr>
-            <p:cNvPr id="181" name="CustomShape 15"/>
-            <p:cNvSpPr/>
-            <p:nvPr/>
-          </p:nvSpPr>
-          <p:spPr>
-            <a:xfrm>
-              <a:off x="2499418" y="3616897"/>
-              <a:ext cx="873870" cy="367878"/>
+              <a:off x="7670829" y="5014072"/>
+              <a:ext cx="412462" cy="921876"/>
             </a:xfrm>
             <a:prstGeom prst="rect">
               <a:avLst/>
@@ -10793,12 +10654,41 @@
               </a:pPr>
               <a:r>
                 <a:rPr lang="zh-TW" altLang="en-US" spc="-1" dirty="0" smtClean="0">
-                  <a:solidFill>
-                    <a:srgbClr val="000000"/>
-                  </a:solidFill>
-                  <a:latin typeface="Calibri"/>
+                  <a:latin typeface="Arial"/>
                 </a:rPr>
-                <a:t>查公司</a:t>
+                <a:t>資</a:t>
+              </a:r>
+              <a:endParaRPr lang="en-US" altLang="zh-TW" spc="-1" dirty="0" smtClean="0">
+                <a:latin typeface="Arial"/>
+              </a:endParaRPr>
+            </a:p>
+            <a:p>
+              <a:pPr>
+                <a:lnSpc>
+                  <a:spcPct val="100000"/>
+                </a:lnSpc>
+              </a:pPr>
+              <a:r>
+                <a:rPr lang="zh-TW" altLang="en-US" spc="-1" dirty="0" smtClean="0">
+                  <a:latin typeface="Arial"/>
+                </a:rPr>
+                <a:t>料</a:t>
+              </a:r>
+              <a:endParaRPr lang="en-US" altLang="zh-TW" spc="-1" dirty="0" smtClean="0">
+                <a:latin typeface="Arial"/>
+              </a:endParaRPr>
+            </a:p>
+            <a:p>
+              <a:pPr>
+                <a:lnSpc>
+                  <a:spcPct val="100000"/>
+                </a:lnSpc>
+              </a:pPr>
+              <a:r>
+                <a:rPr lang="zh-TW" altLang="en-US" sz="1800" b="0" strike="noStrike" spc="-1" dirty="0">
+                  <a:latin typeface="Arial"/>
+                </a:rPr>
+                <a:t>庫</a:t>
               </a:r>
               <a:endParaRPr lang="en-US" sz="1800" b="0" strike="noStrike" spc="-1" dirty="0">
                 <a:latin typeface="Arial"/>
@@ -10806,69 +10696,1641 @@
             </a:p>
           </p:txBody>
         </p:sp>
-      </p:grpSp>
-      <p:grpSp>
-        <p:nvGrpSpPr>
-          <p:cNvPr id="182" name="群組 181"/>
-          <p:cNvGrpSpPr/>
-          <p:nvPr/>
-        </p:nvGrpSpPr>
-        <p:grpSpPr>
-          <a:xfrm>
-            <a:off x="2417297" y="4528239"/>
-            <a:ext cx="1067040" cy="399537"/>
-            <a:chOff x="697680" y="3101471"/>
-            <a:chExt cx="1067040" cy="399537"/>
-          </a:xfrm>
-        </p:grpSpPr>
+        <p:grpSp>
+          <p:nvGrpSpPr>
+            <p:cNvPr id="179" name="群組 178"/>
+            <p:cNvGrpSpPr/>
+            <p:nvPr/>
+          </p:nvGrpSpPr>
+          <p:grpSpPr>
+            <a:xfrm>
+              <a:off x="682680" y="4532396"/>
+              <a:ext cx="1067040" cy="390600"/>
+              <a:chOff x="2402833" y="3594175"/>
+              <a:chExt cx="1067040" cy="390600"/>
+            </a:xfrm>
+          </p:grpSpPr>
+          <p:sp>
+            <p:nvSpPr>
+              <p:cNvPr id="180" name="CustomShape 14"/>
+              <p:cNvSpPr/>
+              <p:nvPr/>
+            </p:nvSpPr>
+            <p:spPr>
+              <a:xfrm>
+                <a:off x="2402833" y="3594175"/>
+                <a:ext cx="1067040" cy="390600"/>
+              </a:xfrm>
+              <a:prstGeom prst="rect">
+                <a:avLst/>
+              </a:prstGeom>
+              <a:noFill/>
+              <a:ln>
+                <a:solidFill>
+                  <a:schemeClr val="tx1"/>
+                </a:solidFill>
+                <a:round/>
+                <a:tailEnd type="triangle"/>
+              </a:ln>
+            </p:spPr>
+            <p:style>
+              <a:lnRef idx="2">
+                <a:schemeClr val="accent1">
+                  <a:shade val="50000"/>
+                </a:schemeClr>
+              </a:lnRef>
+              <a:fillRef idx="1">
+                <a:schemeClr val="accent1"/>
+              </a:fillRef>
+              <a:effectRef idx="0">
+                <a:schemeClr val="accent1"/>
+              </a:effectRef>
+              <a:fontRef idx="minor"/>
+            </p:style>
+          </p:sp>
+          <p:sp>
+            <p:nvSpPr>
+              <p:cNvPr id="181" name="CustomShape 15"/>
+              <p:cNvSpPr/>
+              <p:nvPr/>
+            </p:nvSpPr>
+            <p:spPr>
+              <a:xfrm>
+                <a:off x="2499418" y="3616897"/>
+                <a:ext cx="873870" cy="367878"/>
+              </a:xfrm>
+              <a:prstGeom prst="rect">
+                <a:avLst/>
+              </a:prstGeom>
+              <a:noFill/>
+              <a:ln w="0">
+                <a:noFill/>
+                <a:tailEnd type="triangle"/>
+              </a:ln>
+            </p:spPr>
+            <p:style>
+              <a:lnRef idx="0">
+                <a:scrgbClr r="0" g="0" b="0"/>
+              </a:lnRef>
+              <a:fillRef idx="0">
+                <a:scrgbClr r="0" g="0" b="0"/>
+              </a:fillRef>
+              <a:effectRef idx="0">
+                <a:scrgbClr r="0" g="0" b="0"/>
+              </a:effectRef>
+              <a:fontRef idx="minor"/>
+            </p:style>
+            <p:txBody>
+              <a:bodyPr wrap="none" lIns="90000" tIns="45000" rIns="90000" bIns="45000">
+                <a:spAutoFit/>
+              </a:bodyPr>
+              <a:lstStyle/>
+              <a:p>
+                <a:pPr>
+                  <a:lnSpc>
+                    <a:spcPct val="100000"/>
+                  </a:lnSpc>
+                </a:pPr>
+                <a:r>
+                  <a:rPr lang="zh-TW" altLang="en-US" spc="-1" dirty="0" smtClean="0">
+                    <a:solidFill>
+                      <a:srgbClr val="000000"/>
+                    </a:solidFill>
+                    <a:latin typeface="Calibri"/>
+                  </a:rPr>
+                  <a:t>查公司</a:t>
+                </a:r>
+                <a:endParaRPr lang="en-US" sz="1800" b="0" strike="noStrike" spc="-1" dirty="0">
+                  <a:latin typeface="Arial"/>
+                </a:endParaRPr>
+              </a:p>
+            </p:txBody>
+          </p:sp>
+        </p:grpSp>
+        <p:grpSp>
+          <p:nvGrpSpPr>
+            <p:cNvPr id="182" name="群組 181"/>
+            <p:cNvGrpSpPr/>
+            <p:nvPr/>
+          </p:nvGrpSpPr>
+          <p:grpSpPr>
+            <a:xfrm>
+              <a:off x="2417297" y="4528239"/>
+              <a:ext cx="1067040" cy="399537"/>
+              <a:chOff x="697680" y="3101471"/>
+              <a:chExt cx="1067040" cy="399537"/>
+            </a:xfrm>
+          </p:grpSpPr>
+          <p:sp>
+            <p:nvSpPr>
+              <p:cNvPr id="183" name="CustomShape 14"/>
+              <p:cNvSpPr/>
+              <p:nvPr/>
+            </p:nvSpPr>
+            <p:spPr>
+              <a:xfrm>
+                <a:off x="697680" y="3110408"/>
+                <a:ext cx="1067040" cy="390600"/>
+              </a:xfrm>
+              <a:prstGeom prst="rect">
+                <a:avLst/>
+              </a:prstGeom>
+              <a:noFill/>
+              <a:ln>
+                <a:solidFill>
+                  <a:schemeClr val="tx1"/>
+                </a:solidFill>
+                <a:round/>
+                <a:tailEnd type="triangle"/>
+              </a:ln>
+            </p:spPr>
+            <p:style>
+              <a:lnRef idx="2">
+                <a:schemeClr val="accent1">
+                  <a:shade val="50000"/>
+                </a:schemeClr>
+              </a:lnRef>
+              <a:fillRef idx="1">
+                <a:schemeClr val="accent1"/>
+              </a:fillRef>
+              <a:effectRef idx="0">
+                <a:schemeClr val="accent1"/>
+              </a:effectRef>
+              <a:fontRef idx="minor"/>
+            </p:style>
+          </p:sp>
+          <p:sp>
+            <p:nvSpPr>
+              <p:cNvPr id="184" name="CustomShape 15"/>
+              <p:cNvSpPr/>
+              <p:nvPr/>
+            </p:nvSpPr>
+            <p:spPr>
+              <a:xfrm>
+                <a:off x="801738" y="3101471"/>
+                <a:ext cx="873870" cy="367878"/>
+              </a:xfrm>
+              <a:prstGeom prst="rect">
+                <a:avLst/>
+              </a:prstGeom>
+              <a:noFill/>
+              <a:ln w="0">
+                <a:noFill/>
+                <a:tailEnd type="triangle"/>
+              </a:ln>
+            </p:spPr>
+            <p:style>
+              <a:lnRef idx="0">
+                <a:scrgbClr r="0" g="0" b="0"/>
+              </a:lnRef>
+              <a:fillRef idx="0">
+                <a:scrgbClr r="0" g="0" b="0"/>
+              </a:fillRef>
+              <a:effectRef idx="0">
+                <a:scrgbClr r="0" g="0" b="0"/>
+              </a:effectRef>
+              <a:fontRef idx="minor"/>
+            </p:style>
+            <p:txBody>
+              <a:bodyPr wrap="none" lIns="90000" tIns="45000" rIns="90000" bIns="45000">
+                <a:spAutoFit/>
+              </a:bodyPr>
+              <a:lstStyle/>
+              <a:p>
+                <a:pPr>
+                  <a:lnSpc>
+                    <a:spcPct val="100000"/>
+                  </a:lnSpc>
+                </a:pPr>
+                <a:r>
+                  <a:rPr lang="zh-TW" altLang="en-US" spc="-1" dirty="0">
+                    <a:solidFill>
+                      <a:srgbClr val="000000"/>
+                    </a:solidFill>
+                    <a:latin typeface="Calibri"/>
+                  </a:rPr>
+                  <a:t>查八字</a:t>
+                </a:r>
+                <a:endParaRPr lang="en-US" sz="1800" b="0" strike="noStrike" spc="-1" dirty="0">
+                  <a:latin typeface="Arial"/>
+                </a:endParaRPr>
+              </a:p>
+            </p:txBody>
+          </p:sp>
+        </p:grpSp>
+        <p:cxnSp>
+          <p:nvCxnSpPr>
+            <p:cNvPr id="185" name="肘形接點 184"/>
+            <p:cNvCxnSpPr>
+              <a:stCxn id="147" idx="2"/>
+              <a:endCxn id="180" idx="3"/>
+            </p:cNvCxnSpPr>
+            <p:nvPr/>
+          </p:nvCxnSpPr>
+          <p:spPr>
+            <a:xfrm rot="5400000">
+              <a:off x="1717820" y="4394683"/>
+              <a:ext cx="364913" cy="301112"/>
+            </a:xfrm>
+            <a:prstGeom prst="bentConnector2">
+              <a:avLst/>
+            </a:prstGeom>
+            <a:ln>
+              <a:solidFill>
+                <a:schemeClr val="tx1"/>
+              </a:solidFill>
+              <a:headEnd type="none" w="med" len="med"/>
+              <a:tailEnd type="triangle" w="med" len="med"/>
+            </a:ln>
+          </p:spPr>
+          <p:style>
+            <a:lnRef idx="1">
+              <a:schemeClr val="accent1"/>
+            </a:lnRef>
+            <a:fillRef idx="0">
+              <a:schemeClr val="accent1"/>
+            </a:fillRef>
+            <a:effectRef idx="0">
+              <a:schemeClr val="accent1"/>
+            </a:effectRef>
+            <a:fontRef idx="minor">
+              <a:schemeClr val="tx1"/>
+            </a:fontRef>
+          </p:style>
+        </p:cxnSp>
+        <p:cxnSp>
+          <p:nvCxnSpPr>
+            <p:cNvPr id="188" name="肘形接點 187"/>
+            <p:cNvCxnSpPr>
+              <a:stCxn id="147" idx="2"/>
+              <a:endCxn id="183" idx="1"/>
+            </p:cNvCxnSpPr>
+            <p:nvPr/>
+          </p:nvCxnSpPr>
+          <p:spPr>
+            <a:xfrm rot="16200000" flipH="1">
+              <a:off x="2049218" y="4364396"/>
+              <a:ext cx="369693" cy="366465"/>
+            </a:xfrm>
+            <a:prstGeom prst="bentConnector2">
+              <a:avLst/>
+            </a:prstGeom>
+            <a:ln>
+              <a:solidFill>
+                <a:schemeClr val="tx1"/>
+              </a:solidFill>
+              <a:headEnd type="none" w="med" len="med"/>
+              <a:tailEnd type="triangle" w="med" len="med"/>
+            </a:ln>
+          </p:spPr>
+          <p:style>
+            <a:lnRef idx="1">
+              <a:schemeClr val="accent1"/>
+            </a:lnRef>
+            <a:fillRef idx="0">
+              <a:schemeClr val="accent1"/>
+            </a:fillRef>
+            <a:effectRef idx="0">
+              <a:schemeClr val="accent1"/>
+            </a:effectRef>
+            <a:fontRef idx="minor">
+              <a:schemeClr val="tx1"/>
+            </a:fontRef>
+          </p:style>
+        </p:cxnSp>
+        <p:grpSp>
+          <p:nvGrpSpPr>
+            <p:cNvPr id="194" name="群組 193"/>
+            <p:cNvGrpSpPr/>
+            <p:nvPr/>
+          </p:nvGrpSpPr>
+          <p:grpSpPr>
+            <a:xfrm>
+              <a:off x="5127102" y="5966425"/>
+              <a:ext cx="1246653" cy="696454"/>
+              <a:chOff x="5767897" y="960283"/>
+              <a:chExt cx="1246653" cy="696454"/>
+            </a:xfrm>
+          </p:grpSpPr>
+          <p:sp>
+            <p:nvSpPr>
+              <p:cNvPr id="195" name="CustomShape 12"/>
+              <p:cNvSpPr/>
+              <p:nvPr/>
+            </p:nvSpPr>
+            <p:spPr>
+              <a:xfrm>
+                <a:off x="5957784" y="1011860"/>
+                <a:ext cx="873870" cy="644877"/>
+              </a:xfrm>
+              <a:prstGeom prst="rect">
+                <a:avLst/>
+              </a:prstGeom>
+              <a:noFill/>
+              <a:ln w="0">
+                <a:noFill/>
+                <a:tailEnd type="triangle"/>
+              </a:ln>
+            </p:spPr>
+            <p:style>
+              <a:lnRef idx="0">
+                <a:scrgbClr r="0" g="0" b="0"/>
+              </a:lnRef>
+              <a:fillRef idx="0">
+                <a:scrgbClr r="0" g="0" b="0"/>
+              </a:fillRef>
+              <a:effectRef idx="0">
+                <a:scrgbClr r="0" g="0" b="0"/>
+              </a:effectRef>
+              <a:fontRef idx="minor"/>
+            </p:style>
+            <p:txBody>
+              <a:bodyPr wrap="none" lIns="90000" tIns="45000" rIns="90000" bIns="45000">
+                <a:spAutoFit/>
+              </a:bodyPr>
+              <a:lstStyle/>
+              <a:p>
+                <a:pPr>
+                  <a:lnSpc>
+                    <a:spcPct val="100000"/>
+                  </a:lnSpc>
+                </a:pPr>
+                <a:r>
+                  <a:rPr lang="zh-TW" altLang="en-US" spc="-1" dirty="0">
+                    <a:solidFill>
+                      <a:srgbClr val="000000"/>
+                    </a:solidFill>
+                    <a:latin typeface="Calibri"/>
+                  </a:rPr>
+                  <a:t>出生</a:t>
+                </a:r>
+                <a:r>
+                  <a:rPr lang="zh-TW" altLang="en-US" spc="-1" dirty="0" smtClean="0">
+                    <a:solidFill>
+                      <a:srgbClr val="000000"/>
+                    </a:solidFill>
+                    <a:latin typeface="Calibri"/>
+                  </a:rPr>
+                  <a:t>年</a:t>
+                </a:r>
+                <a:endParaRPr lang="en-US" altLang="zh-TW" spc="-1" dirty="0" smtClean="0">
+                  <a:solidFill>
+                    <a:srgbClr val="000000"/>
+                  </a:solidFill>
+                  <a:latin typeface="Calibri"/>
+                </a:endParaRPr>
+              </a:p>
+              <a:p>
+                <a:pPr>
+                  <a:lnSpc>
+                    <a:spcPct val="100000"/>
+                  </a:lnSpc>
+                </a:pPr>
+                <a:r>
+                  <a:rPr lang="zh-TW" altLang="en-US" spc="-1" dirty="0" smtClean="0">
+                    <a:solidFill>
+                      <a:srgbClr val="000000"/>
+                    </a:solidFill>
+                    <a:latin typeface="Calibri"/>
+                  </a:rPr>
+                  <a:t>月日</a:t>
+                </a:r>
+                <a:r>
+                  <a:rPr lang="zh-TW" altLang="en-US" spc="-1" dirty="0">
+                    <a:solidFill>
+                      <a:srgbClr val="000000"/>
+                    </a:solidFill>
+                    <a:latin typeface="Calibri"/>
+                  </a:rPr>
+                  <a:t>時</a:t>
+                </a:r>
+                <a:endParaRPr lang="en-US" sz="1800" b="0" strike="noStrike" spc="-1" dirty="0">
+                  <a:latin typeface="Arial"/>
+                </a:endParaRPr>
+              </a:p>
+            </p:txBody>
+          </p:sp>
+          <p:sp>
+            <p:nvSpPr>
+              <p:cNvPr id="196" name="流程圖: 資料 195"/>
+              <p:cNvSpPr/>
+              <p:nvPr/>
+            </p:nvSpPr>
+            <p:spPr>
+              <a:xfrm>
+                <a:off x="5767897" y="960283"/>
+                <a:ext cx="1246653" cy="691697"/>
+              </a:xfrm>
+              <a:prstGeom prst="flowChartInputOutput">
+                <a:avLst/>
+              </a:prstGeom>
+              <a:noFill/>
+              <a:ln>
+                <a:solidFill>
+                  <a:schemeClr val="tx1"/>
+                </a:solidFill>
+              </a:ln>
+            </p:spPr>
+            <p:style>
+              <a:lnRef idx="2">
+                <a:schemeClr val="accent1">
+                  <a:shade val="50000"/>
+                </a:schemeClr>
+              </a:lnRef>
+              <a:fillRef idx="1">
+                <a:schemeClr val="accent1"/>
+              </a:fillRef>
+              <a:effectRef idx="0">
+                <a:schemeClr val="accent1"/>
+              </a:effectRef>
+              <a:fontRef idx="minor">
+                <a:schemeClr val="lt1"/>
+              </a:fontRef>
+            </p:style>
+            <p:txBody>
+              <a:bodyPr rtlCol="0" anchor="ctr"/>
+              <a:lstStyle/>
+              <a:p>
+                <a:pPr algn="ctr"/>
+                <a:endParaRPr lang="zh-TW" altLang="en-US"/>
+              </a:p>
+            </p:txBody>
+          </p:sp>
+        </p:grpSp>
+        <p:grpSp>
+          <p:nvGrpSpPr>
+            <p:cNvPr id="201" name="群組 200"/>
+            <p:cNvGrpSpPr/>
+            <p:nvPr/>
+          </p:nvGrpSpPr>
+          <p:grpSpPr>
+            <a:xfrm>
+              <a:off x="5076056" y="5272064"/>
+              <a:ext cx="1318775" cy="411279"/>
+              <a:chOff x="697679" y="3110409"/>
+              <a:chExt cx="1318775" cy="208101"/>
+            </a:xfrm>
+          </p:grpSpPr>
+          <p:sp>
+            <p:nvSpPr>
+              <p:cNvPr id="202" name="CustomShape 14"/>
+              <p:cNvSpPr/>
+              <p:nvPr/>
+            </p:nvSpPr>
+            <p:spPr>
+              <a:xfrm>
+                <a:off x="697679" y="3110409"/>
+                <a:ext cx="1318775" cy="208101"/>
+              </a:xfrm>
+              <a:prstGeom prst="rect">
+                <a:avLst/>
+              </a:prstGeom>
+              <a:noFill/>
+              <a:ln>
+                <a:solidFill>
+                  <a:schemeClr val="tx1"/>
+                </a:solidFill>
+                <a:round/>
+                <a:tailEnd type="triangle"/>
+              </a:ln>
+            </p:spPr>
+            <p:style>
+              <a:lnRef idx="2">
+                <a:schemeClr val="accent1">
+                  <a:shade val="50000"/>
+                </a:schemeClr>
+              </a:lnRef>
+              <a:fillRef idx="1">
+                <a:schemeClr val="accent1"/>
+              </a:fillRef>
+              <a:effectRef idx="0">
+                <a:schemeClr val="accent1"/>
+              </a:effectRef>
+              <a:fontRef idx="minor"/>
+            </p:style>
+          </p:sp>
+          <p:sp>
+            <p:nvSpPr>
+              <p:cNvPr id="203" name="CustomShape 15"/>
+              <p:cNvSpPr/>
+              <p:nvPr/>
+            </p:nvSpPr>
+            <p:spPr>
+              <a:xfrm>
+                <a:off x="804507" y="3125619"/>
+                <a:ext cx="1104575" cy="186141"/>
+              </a:xfrm>
+              <a:prstGeom prst="rect">
+                <a:avLst/>
+              </a:prstGeom>
+              <a:noFill/>
+              <a:ln w="0">
+                <a:noFill/>
+                <a:tailEnd type="triangle"/>
+              </a:ln>
+            </p:spPr>
+            <p:style>
+              <a:lnRef idx="0">
+                <a:scrgbClr r="0" g="0" b="0"/>
+              </a:lnRef>
+              <a:fillRef idx="0">
+                <a:scrgbClr r="0" g="0" b="0"/>
+              </a:fillRef>
+              <a:effectRef idx="0">
+                <a:scrgbClr r="0" g="0" b="0"/>
+              </a:effectRef>
+              <a:fontRef idx="minor"/>
+            </p:style>
+            <p:txBody>
+              <a:bodyPr wrap="none" lIns="90000" tIns="45000" rIns="90000" bIns="45000">
+                <a:spAutoFit/>
+              </a:bodyPr>
+              <a:lstStyle/>
+              <a:p>
+                <a:pPr>
+                  <a:lnSpc>
+                    <a:spcPct val="100000"/>
+                  </a:lnSpc>
+                </a:pPr>
+                <a:r>
+                  <a:rPr lang="zh-TW" altLang="en-US" spc="-1" dirty="0" smtClean="0">
+                    <a:solidFill>
+                      <a:srgbClr val="000000"/>
+                    </a:solidFill>
+                    <a:latin typeface="Calibri"/>
+                  </a:rPr>
+                  <a:t>算命網站</a:t>
+                </a:r>
+                <a:endParaRPr lang="en-US" sz="1800" b="0" strike="noStrike" spc="-1" dirty="0">
+                  <a:latin typeface="Arial"/>
+                </a:endParaRPr>
+              </a:p>
+            </p:txBody>
+          </p:sp>
+        </p:grpSp>
+        <p:cxnSp>
+          <p:nvCxnSpPr>
+            <p:cNvPr id="204" name="直線單箭頭接點 203"/>
+            <p:cNvCxnSpPr>
+              <a:stCxn id="196" idx="1"/>
+              <a:endCxn id="202" idx="2"/>
+            </p:cNvCxnSpPr>
+            <p:nvPr/>
+          </p:nvCxnSpPr>
+          <p:spPr>
+            <a:xfrm flipH="1" flipV="1">
+              <a:off x="5735444" y="5683343"/>
+              <a:ext cx="14985" cy="283082"/>
+            </a:xfrm>
+            <a:prstGeom prst="straightConnector1">
+              <a:avLst/>
+            </a:prstGeom>
+            <a:ln>
+              <a:solidFill>
+                <a:srgbClr val="0070C0"/>
+              </a:solidFill>
+              <a:headEnd type="none" w="med" len="med"/>
+              <a:tailEnd type="triangle" w="med" len="med"/>
+            </a:ln>
+          </p:spPr>
+          <p:style>
+            <a:lnRef idx="1">
+              <a:schemeClr val="accent1"/>
+            </a:lnRef>
+            <a:fillRef idx="0">
+              <a:schemeClr val="accent1"/>
+            </a:fillRef>
+            <a:effectRef idx="0">
+              <a:schemeClr val="accent1"/>
+            </a:effectRef>
+            <a:fontRef idx="minor">
+              <a:schemeClr val="tx1"/>
+            </a:fontRef>
+          </p:style>
+        </p:cxnSp>
+        <p:grpSp>
+          <p:nvGrpSpPr>
+            <p:cNvPr id="210" name="群組 209"/>
+            <p:cNvGrpSpPr/>
+            <p:nvPr/>
+          </p:nvGrpSpPr>
+          <p:grpSpPr>
+            <a:xfrm>
+              <a:off x="2267744" y="5134230"/>
+              <a:ext cx="1355355" cy="657642"/>
+              <a:chOff x="3036793" y="4417973"/>
+              <a:chExt cx="1355355" cy="657642"/>
+            </a:xfrm>
+          </p:grpSpPr>
+          <p:sp>
+            <p:nvSpPr>
+              <p:cNvPr id="208" name="CustomShape 14"/>
+              <p:cNvSpPr/>
+              <p:nvPr/>
+            </p:nvSpPr>
+            <p:spPr>
+              <a:xfrm>
+                <a:off x="3036793" y="4436199"/>
+                <a:ext cx="1355355" cy="639416"/>
+              </a:xfrm>
+              <a:prstGeom prst="rect">
+                <a:avLst/>
+              </a:prstGeom>
+              <a:noFill/>
+              <a:ln>
+                <a:solidFill>
+                  <a:schemeClr val="tx1"/>
+                </a:solidFill>
+                <a:round/>
+                <a:tailEnd type="triangle"/>
+              </a:ln>
+            </p:spPr>
+            <p:style>
+              <a:lnRef idx="2">
+                <a:schemeClr val="accent1">
+                  <a:shade val="50000"/>
+                </a:schemeClr>
+              </a:lnRef>
+              <a:fillRef idx="1">
+                <a:schemeClr val="accent1"/>
+              </a:fillRef>
+              <a:effectRef idx="0">
+                <a:schemeClr val="accent1"/>
+              </a:effectRef>
+              <a:fontRef idx="minor"/>
+            </p:style>
+          </p:sp>
+          <p:sp>
+            <p:nvSpPr>
+              <p:cNvPr id="209" name="CustomShape 15"/>
+              <p:cNvSpPr/>
+              <p:nvPr/>
+            </p:nvSpPr>
+            <p:spPr>
+              <a:xfrm>
+                <a:off x="3080016" y="4417973"/>
+                <a:ext cx="1247314" cy="657642"/>
+              </a:xfrm>
+              <a:prstGeom prst="rect">
+                <a:avLst/>
+              </a:prstGeom>
+              <a:noFill/>
+              <a:ln w="0">
+                <a:noFill/>
+                <a:tailEnd type="triangle"/>
+              </a:ln>
+            </p:spPr>
+            <p:style>
+              <a:lnRef idx="0">
+                <a:scrgbClr r="0" g="0" b="0"/>
+              </a:lnRef>
+              <a:fillRef idx="0">
+                <a:scrgbClr r="0" g="0" b="0"/>
+              </a:fillRef>
+              <a:effectRef idx="0">
+                <a:scrgbClr r="0" g="0" b="0"/>
+              </a:effectRef>
+              <a:fontRef idx="minor"/>
+            </p:style>
+            <p:txBody>
+              <a:bodyPr wrap="square" lIns="90000" tIns="45000" rIns="90000" bIns="45000">
+                <a:spAutoFit/>
+              </a:bodyPr>
+              <a:lstStyle/>
+              <a:p>
+                <a:pPr algn="ctr">
+                  <a:lnSpc>
+                    <a:spcPct val="100000"/>
+                  </a:lnSpc>
+                </a:pPr>
+                <a:r>
+                  <a:rPr lang="zh-TW" altLang="en-US" spc="-1" dirty="0">
+                    <a:solidFill>
+                      <a:srgbClr val="000000"/>
+                    </a:solidFill>
+                    <a:latin typeface="Calibri"/>
+                  </a:rPr>
+                  <a:t>顯示</a:t>
+                </a:r>
+                <a:r>
+                  <a:rPr lang="zh-TW" altLang="en-US" spc="-1" dirty="0" smtClean="0">
+                    <a:solidFill>
+                      <a:srgbClr val="000000"/>
+                    </a:solidFill>
+                    <a:latin typeface="Calibri"/>
+                  </a:rPr>
+                  <a:t>八字</a:t>
+                </a:r>
+                <a:endParaRPr lang="en-US" altLang="zh-TW" spc="-1" dirty="0" smtClean="0">
+                  <a:solidFill>
+                    <a:srgbClr val="000000"/>
+                  </a:solidFill>
+                  <a:latin typeface="Calibri"/>
+                </a:endParaRPr>
+              </a:p>
+              <a:p>
+                <a:pPr algn="ctr">
+                  <a:lnSpc>
+                    <a:spcPct val="100000"/>
+                  </a:lnSpc>
+                </a:pPr>
+                <a:r>
+                  <a:rPr lang="zh-TW" altLang="en-US" spc="-1" dirty="0" smtClean="0">
+                    <a:solidFill>
+                      <a:srgbClr val="000000"/>
+                    </a:solidFill>
+                    <a:latin typeface="Calibri"/>
+                  </a:rPr>
+                  <a:t>結果</a:t>
+                </a:r>
+                <a:endParaRPr lang="en-US" sz="1800" b="0" strike="noStrike" spc="-1" dirty="0">
+                  <a:latin typeface="Arial"/>
+                </a:endParaRPr>
+              </a:p>
+            </p:txBody>
+          </p:sp>
+        </p:grpSp>
+        <p:grpSp>
+          <p:nvGrpSpPr>
+            <p:cNvPr id="211" name="群組 210"/>
+            <p:cNvGrpSpPr/>
+            <p:nvPr/>
+          </p:nvGrpSpPr>
+          <p:grpSpPr>
+            <a:xfrm>
+              <a:off x="538522" y="5128048"/>
+              <a:ext cx="1355355" cy="657643"/>
+              <a:chOff x="3036793" y="4417972"/>
+              <a:chExt cx="1355355" cy="657643"/>
+            </a:xfrm>
+          </p:grpSpPr>
+          <p:sp>
+            <p:nvSpPr>
+              <p:cNvPr id="212" name="CustomShape 14"/>
+              <p:cNvSpPr/>
+              <p:nvPr/>
+            </p:nvSpPr>
+            <p:spPr>
+              <a:xfrm>
+                <a:off x="3036793" y="4436199"/>
+                <a:ext cx="1355355" cy="639416"/>
+              </a:xfrm>
+              <a:prstGeom prst="rect">
+                <a:avLst/>
+              </a:prstGeom>
+              <a:noFill/>
+              <a:ln>
+                <a:solidFill>
+                  <a:schemeClr val="tx1"/>
+                </a:solidFill>
+                <a:round/>
+                <a:tailEnd type="triangle"/>
+              </a:ln>
+            </p:spPr>
+            <p:style>
+              <a:lnRef idx="2">
+                <a:schemeClr val="accent1">
+                  <a:shade val="50000"/>
+                </a:schemeClr>
+              </a:lnRef>
+              <a:fillRef idx="1">
+                <a:schemeClr val="accent1"/>
+              </a:fillRef>
+              <a:effectRef idx="0">
+                <a:schemeClr val="accent1"/>
+              </a:effectRef>
+              <a:fontRef idx="minor"/>
+            </p:style>
+          </p:sp>
+          <p:sp>
+            <p:nvSpPr>
+              <p:cNvPr id="213" name="CustomShape 15"/>
+              <p:cNvSpPr/>
+              <p:nvPr/>
+            </p:nvSpPr>
+            <p:spPr>
+              <a:xfrm>
+                <a:off x="3108662" y="4417972"/>
+                <a:ext cx="1247314" cy="644877"/>
+              </a:xfrm>
+              <a:prstGeom prst="rect">
+                <a:avLst/>
+              </a:prstGeom>
+              <a:noFill/>
+              <a:ln w="0">
+                <a:noFill/>
+                <a:tailEnd type="triangle"/>
+              </a:ln>
+            </p:spPr>
+            <p:style>
+              <a:lnRef idx="0">
+                <a:scrgbClr r="0" g="0" b="0"/>
+              </a:lnRef>
+              <a:fillRef idx="0">
+                <a:scrgbClr r="0" g="0" b="0"/>
+              </a:fillRef>
+              <a:effectRef idx="0">
+                <a:scrgbClr r="0" g="0" b="0"/>
+              </a:effectRef>
+              <a:fontRef idx="minor"/>
+            </p:style>
+            <p:txBody>
+              <a:bodyPr wrap="square" lIns="90000" tIns="45000" rIns="90000" bIns="45000">
+                <a:spAutoFit/>
+              </a:bodyPr>
+              <a:lstStyle/>
+              <a:p>
+                <a:pPr algn="ctr">
+                  <a:lnSpc>
+                    <a:spcPct val="100000"/>
+                  </a:lnSpc>
+                </a:pPr>
+                <a:r>
+                  <a:rPr lang="zh-TW" altLang="en-US" spc="-1" dirty="0" smtClean="0">
+                    <a:solidFill>
+                      <a:srgbClr val="000000"/>
+                    </a:solidFill>
+                    <a:latin typeface="Calibri"/>
+                  </a:rPr>
+                  <a:t>顯示</a:t>
+                </a:r>
+                <a:r>
+                  <a:rPr lang="zh-TW" altLang="en-US" spc="-1" dirty="0">
+                    <a:solidFill>
+                      <a:srgbClr val="000000"/>
+                    </a:solidFill>
+                    <a:latin typeface="Calibri"/>
+                  </a:rPr>
+                  <a:t>公司</a:t>
+                </a:r>
+                <a:endParaRPr lang="en-US" altLang="zh-TW" spc="-1" dirty="0" smtClean="0">
+                  <a:solidFill>
+                    <a:srgbClr val="000000"/>
+                  </a:solidFill>
+                  <a:latin typeface="Calibri"/>
+                </a:endParaRPr>
+              </a:p>
+              <a:p>
+                <a:pPr algn="ctr">
+                  <a:lnSpc>
+                    <a:spcPct val="100000"/>
+                  </a:lnSpc>
+                </a:pPr>
+                <a:r>
+                  <a:rPr lang="zh-TW" altLang="en-US" spc="-1" dirty="0" smtClean="0">
+                    <a:solidFill>
+                      <a:srgbClr val="000000"/>
+                    </a:solidFill>
+                    <a:latin typeface="Calibri"/>
+                  </a:rPr>
+                  <a:t>結果</a:t>
+                </a:r>
+                <a:endParaRPr lang="en-US" sz="1800" b="0" strike="noStrike" spc="-1" dirty="0">
+                  <a:latin typeface="Arial"/>
+                </a:endParaRPr>
+              </a:p>
+            </p:txBody>
+          </p:sp>
+        </p:grpSp>
+        <p:cxnSp>
+          <p:nvCxnSpPr>
+            <p:cNvPr id="217" name="直線單箭頭接點 216"/>
+            <p:cNvCxnSpPr>
+              <a:stCxn id="147" idx="3"/>
+              <a:endCxn id="283" idx="2"/>
+            </p:cNvCxnSpPr>
+            <p:nvPr/>
+          </p:nvCxnSpPr>
+          <p:spPr>
+            <a:xfrm flipV="1">
+              <a:off x="2584352" y="4164597"/>
+              <a:ext cx="1673709" cy="2886"/>
+            </a:xfrm>
+            <a:prstGeom prst="straightConnector1">
+              <a:avLst/>
+            </a:prstGeom>
+            <a:ln>
+              <a:solidFill>
+                <a:schemeClr val="tx1"/>
+              </a:solidFill>
+              <a:headEnd type="none" w="med" len="med"/>
+              <a:tailEnd type="triangle" w="med" len="med"/>
+            </a:ln>
+          </p:spPr>
+          <p:style>
+            <a:lnRef idx="1">
+              <a:schemeClr val="accent1"/>
+            </a:lnRef>
+            <a:fillRef idx="0">
+              <a:schemeClr val="accent1"/>
+            </a:fillRef>
+            <a:effectRef idx="0">
+              <a:schemeClr val="accent1"/>
+            </a:effectRef>
+            <a:fontRef idx="minor">
+              <a:schemeClr val="tx1"/>
+            </a:fontRef>
+          </p:style>
+        </p:cxnSp>
+        <p:cxnSp>
+          <p:nvCxnSpPr>
+            <p:cNvPr id="222" name="直線單箭頭接點 221"/>
+            <p:cNvCxnSpPr>
+              <a:stCxn id="283" idx="5"/>
+              <a:endCxn id="155" idx="1"/>
+            </p:cNvCxnSpPr>
+            <p:nvPr/>
+          </p:nvCxnSpPr>
+          <p:spPr>
+            <a:xfrm>
+              <a:off x="5984490" y="4164597"/>
+              <a:ext cx="1298628" cy="3071"/>
+            </a:xfrm>
+            <a:prstGeom prst="straightConnector1">
+              <a:avLst/>
+            </a:prstGeom>
+            <a:ln>
+              <a:solidFill>
+                <a:srgbClr val="0070C0"/>
+              </a:solidFill>
+              <a:headEnd type="none" w="med" len="med"/>
+              <a:tailEnd type="triangle" w="med" len="med"/>
+            </a:ln>
+          </p:spPr>
+          <p:style>
+            <a:lnRef idx="1">
+              <a:schemeClr val="accent1"/>
+            </a:lnRef>
+            <a:fillRef idx="0">
+              <a:schemeClr val="accent1"/>
+            </a:fillRef>
+            <a:effectRef idx="0">
+              <a:schemeClr val="accent1"/>
+            </a:effectRef>
+            <a:fontRef idx="minor">
+              <a:schemeClr val="tx1"/>
+            </a:fontRef>
+          </p:style>
+        </p:cxnSp>
+        <p:cxnSp>
+          <p:nvCxnSpPr>
+            <p:cNvPr id="225" name="直線單箭頭接點 224"/>
+            <p:cNvCxnSpPr>
+              <a:stCxn id="181" idx="2"/>
+              <a:endCxn id="212" idx="0"/>
+            </p:cNvCxnSpPr>
+            <p:nvPr/>
+          </p:nvCxnSpPr>
+          <p:spPr>
+            <a:xfrm>
+              <a:off x="1216200" y="4922996"/>
+              <a:ext cx="0" cy="223279"/>
+            </a:xfrm>
+            <a:prstGeom prst="straightConnector1">
+              <a:avLst/>
+            </a:prstGeom>
+            <a:ln>
+              <a:solidFill>
+                <a:schemeClr val="tx1"/>
+              </a:solidFill>
+              <a:headEnd type="none" w="med" len="med"/>
+              <a:tailEnd type="triangle" w="med" len="med"/>
+            </a:ln>
+          </p:spPr>
+          <p:style>
+            <a:lnRef idx="1">
+              <a:schemeClr val="accent1"/>
+            </a:lnRef>
+            <a:fillRef idx="0">
+              <a:schemeClr val="accent1"/>
+            </a:fillRef>
+            <a:effectRef idx="0">
+              <a:schemeClr val="accent1"/>
+            </a:effectRef>
+            <a:fontRef idx="minor">
+              <a:schemeClr val="tx1"/>
+            </a:fontRef>
+          </p:style>
+        </p:cxnSp>
+        <p:cxnSp>
+          <p:nvCxnSpPr>
+            <p:cNvPr id="230" name="直線單箭頭接點 229"/>
+            <p:cNvCxnSpPr>
+              <a:stCxn id="183" idx="2"/>
+              <a:endCxn id="208" idx="0"/>
+            </p:cNvCxnSpPr>
+            <p:nvPr/>
+          </p:nvCxnSpPr>
+          <p:spPr>
+            <a:xfrm flipH="1">
+              <a:off x="2945422" y="4927776"/>
+              <a:ext cx="5395" cy="224680"/>
+            </a:xfrm>
+            <a:prstGeom prst="straightConnector1">
+              <a:avLst/>
+            </a:prstGeom>
+            <a:ln>
+              <a:solidFill>
+                <a:schemeClr val="tx1"/>
+              </a:solidFill>
+              <a:headEnd type="none" w="med" len="med"/>
+              <a:tailEnd type="triangle" w="med" len="med"/>
+            </a:ln>
+          </p:spPr>
+          <p:style>
+            <a:lnRef idx="1">
+              <a:schemeClr val="accent1"/>
+            </a:lnRef>
+            <a:fillRef idx="0">
+              <a:schemeClr val="accent1"/>
+            </a:fillRef>
+            <a:effectRef idx="0">
+              <a:schemeClr val="accent1"/>
+            </a:effectRef>
+            <a:fontRef idx="minor">
+              <a:schemeClr val="tx1"/>
+            </a:fontRef>
+          </p:style>
+        </p:cxnSp>
+        <p:grpSp>
+          <p:nvGrpSpPr>
+            <p:cNvPr id="241" name="群組 240"/>
+            <p:cNvGrpSpPr/>
+            <p:nvPr/>
+          </p:nvGrpSpPr>
+          <p:grpSpPr>
+            <a:xfrm>
+              <a:off x="1475656" y="6150227"/>
+              <a:ext cx="1156713" cy="519133"/>
+              <a:chOff x="4202081" y="2621835"/>
+              <a:chExt cx="1156713" cy="519133"/>
+            </a:xfrm>
+          </p:grpSpPr>
+          <p:sp>
+            <p:nvSpPr>
+              <p:cNvPr id="242" name="CustomShape 2"/>
+              <p:cNvSpPr/>
+              <p:nvPr/>
+            </p:nvSpPr>
+            <p:spPr>
+              <a:xfrm>
+                <a:off x="4466443" y="2699061"/>
+                <a:ext cx="643166" cy="367878"/>
+              </a:xfrm>
+              <a:prstGeom prst="rect">
+                <a:avLst/>
+              </a:prstGeom>
+              <a:noFill/>
+              <a:ln w="0">
+                <a:noFill/>
+                <a:tailEnd type="triangle"/>
+              </a:ln>
+            </p:spPr>
+            <p:style>
+              <a:lnRef idx="0">
+                <a:scrgbClr r="0" g="0" b="0"/>
+              </a:lnRef>
+              <a:fillRef idx="0">
+                <a:scrgbClr r="0" g="0" b="0"/>
+              </a:fillRef>
+              <a:effectRef idx="0">
+                <a:scrgbClr r="0" g="0" b="0"/>
+              </a:effectRef>
+              <a:fontRef idx="minor"/>
+            </p:style>
+            <p:txBody>
+              <a:bodyPr wrap="none" lIns="90000" tIns="45000" rIns="90000" bIns="45000">
+                <a:spAutoFit/>
+              </a:bodyPr>
+              <a:lstStyle/>
+              <a:p>
+                <a:pPr>
+                  <a:lnSpc>
+                    <a:spcPct val="100000"/>
+                  </a:lnSpc>
+                </a:pPr>
+                <a:r>
+                  <a:rPr lang="zh-TW" altLang="en-US" spc="-1" dirty="0">
+                    <a:solidFill>
+                      <a:srgbClr val="000000"/>
+                    </a:solidFill>
+                    <a:latin typeface="Calibri"/>
+                  </a:rPr>
+                  <a:t>登出</a:t>
+                </a:r>
+                <a:endParaRPr lang="en-US" spc="-1" dirty="0">
+                  <a:solidFill>
+                    <a:srgbClr val="000000"/>
+                  </a:solidFill>
+                  <a:latin typeface="Calibri"/>
+                </a:endParaRPr>
+              </a:p>
+            </p:txBody>
+          </p:sp>
+          <p:sp>
+            <p:nvSpPr>
+              <p:cNvPr id="243" name="流程圖: 結束點 242"/>
+              <p:cNvSpPr/>
+              <p:nvPr/>
+            </p:nvSpPr>
+            <p:spPr>
+              <a:xfrm>
+                <a:off x="4202081" y="2621835"/>
+                <a:ext cx="1156713" cy="519133"/>
+              </a:xfrm>
+              <a:prstGeom prst="flowChartTerminator">
+                <a:avLst/>
+              </a:prstGeom>
+              <a:noFill/>
+              <a:ln>
+                <a:solidFill>
+                  <a:schemeClr val="tx1"/>
+                </a:solidFill>
+                <a:round/>
+                <a:tailEnd type="triangle"/>
+              </a:ln>
+            </p:spPr>
+            <p:style>
+              <a:lnRef idx="2">
+                <a:schemeClr val="accent1">
+                  <a:shade val="50000"/>
+                </a:schemeClr>
+              </a:lnRef>
+              <a:fillRef idx="1">
+                <a:schemeClr val="accent1"/>
+              </a:fillRef>
+              <a:effectRef idx="0">
+                <a:schemeClr val="accent1"/>
+              </a:effectRef>
+              <a:fontRef idx="minor"/>
+            </p:style>
+            <p:txBody>
+              <a:bodyPr rtlCol="0" anchor="ctr"/>
+              <a:lstStyle/>
+              <a:p>
+                <a:pPr algn="ctr"/>
+                <a:endParaRPr lang="zh-TW" altLang="en-US"/>
+              </a:p>
+            </p:txBody>
+          </p:sp>
+        </p:grpSp>
+        <p:cxnSp>
+          <p:nvCxnSpPr>
+            <p:cNvPr id="247" name="肘形接點 246"/>
+            <p:cNvCxnSpPr>
+              <a:stCxn id="212" idx="3"/>
+              <a:endCxn id="243" idx="0"/>
+            </p:cNvCxnSpPr>
+            <p:nvPr/>
+          </p:nvCxnSpPr>
+          <p:spPr>
+            <a:xfrm>
+              <a:off x="1893877" y="5465983"/>
+              <a:ext cx="160136" cy="684244"/>
+            </a:xfrm>
+            <a:prstGeom prst="bentConnector2">
+              <a:avLst/>
+            </a:prstGeom>
+            <a:ln>
+              <a:solidFill>
+                <a:schemeClr val="tx1"/>
+              </a:solidFill>
+              <a:headEnd type="none" w="med" len="med"/>
+              <a:tailEnd type="triangle" w="med" len="med"/>
+            </a:ln>
+          </p:spPr>
+          <p:style>
+            <a:lnRef idx="1">
+              <a:schemeClr val="accent1"/>
+            </a:lnRef>
+            <a:fillRef idx="0">
+              <a:schemeClr val="accent1"/>
+            </a:fillRef>
+            <a:effectRef idx="0">
+              <a:schemeClr val="accent1"/>
+            </a:effectRef>
+            <a:fontRef idx="minor">
+              <a:schemeClr val="tx1"/>
+            </a:fontRef>
+          </p:style>
+        </p:cxnSp>
+        <p:cxnSp>
+          <p:nvCxnSpPr>
+            <p:cNvPr id="250" name="肘形接點 249"/>
+            <p:cNvCxnSpPr>
+              <a:stCxn id="208" idx="1"/>
+              <a:endCxn id="243" idx="0"/>
+            </p:cNvCxnSpPr>
+            <p:nvPr/>
+          </p:nvCxnSpPr>
+          <p:spPr>
+            <a:xfrm rot="10800000" flipV="1">
+              <a:off x="2054014" y="5472163"/>
+              <a:ext cx="213731" cy="678063"/>
+            </a:xfrm>
+            <a:prstGeom prst="bentConnector2">
+              <a:avLst/>
+            </a:prstGeom>
+            <a:ln>
+              <a:solidFill>
+                <a:schemeClr val="tx1"/>
+              </a:solidFill>
+              <a:headEnd type="none" w="med" len="med"/>
+              <a:tailEnd type="triangle" w="med" len="med"/>
+            </a:ln>
+          </p:spPr>
+          <p:style>
+            <a:lnRef idx="1">
+              <a:schemeClr val="accent1"/>
+            </a:lnRef>
+            <a:fillRef idx="0">
+              <a:schemeClr val="accent1"/>
+            </a:fillRef>
+            <a:effectRef idx="0">
+              <a:schemeClr val="accent1"/>
+            </a:effectRef>
+            <a:fontRef idx="minor">
+              <a:schemeClr val="tx1"/>
+            </a:fontRef>
+          </p:style>
+        </p:cxnSp>
+        <p:cxnSp>
+          <p:nvCxnSpPr>
+            <p:cNvPr id="254" name="肘形接點 253"/>
+            <p:cNvCxnSpPr>
+              <a:stCxn id="151" idx="3"/>
+              <a:endCxn id="213" idx="2"/>
+            </p:cNvCxnSpPr>
+            <p:nvPr/>
+          </p:nvCxnSpPr>
+          <p:spPr>
+            <a:xfrm rot="5400000" flipH="1">
+              <a:off x="4352743" y="2654231"/>
+              <a:ext cx="378987" cy="6616377"/>
+            </a:xfrm>
+            <a:prstGeom prst="bentConnector3">
+              <a:avLst>
+                <a:gd name="adj1" fmla="val -154567"/>
+              </a:avLst>
+            </a:prstGeom>
+            <a:ln>
+              <a:solidFill>
+                <a:srgbClr val="0070C0"/>
+              </a:solidFill>
+              <a:headEnd type="none" w="med" len="med"/>
+              <a:tailEnd type="triangle" w="med" len="med"/>
+            </a:ln>
+          </p:spPr>
+          <p:style>
+            <a:lnRef idx="1">
+              <a:schemeClr val="accent1"/>
+            </a:lnRef>
+            <a:fillRef idx="0">
+              <a:schemeClr val="accent1"/>
+            </a:fillRef>
+            <a:effectRef idx="0">
+              <a:schemeClr val="accent1"/>
+            </a:effectRef>
+            <a:fontRef idx="minor">
+              <a:schemeClr val="tx1"/>
+            </a:fontRef>
+          </p:style>
+        </p:cxnSp>
+        <p:grpSp>
+          <p:nvGrpSpPr>
+            <p:cNvPr id="258" name="群組 257"/>
+            <p:cNvGrpSpPr/>
+            <p:nvPr/>
+          </p:nvGrpSpPr>
+          <p:grpSpPr>
+            <a:xfrm>
+              <a:off x="1216200" y="1211608"/>
+              <a:ext cx="1699616" cy="830160"/>
+              <a:chOff x="4002233" y="2421020"/>
+              <a:chExt cx="1699616" cy="830160"/>
+            </a:xfrm>
+          </p:grpSpPr>
+          <p:sp>
+            <p:nvSpPr>
+              <p:cNvPr id="259" name="CustomShape 7"/>
+              <p:cNvSpPr/>
+              <p:nvPr/>
+            </p:nvSpPr>
+            <p:spPr>
+              <a:xfrm>
+                <a:off x="4002233" y="2421020"/>
+                <a:ext cx="1699616" cy="830160"/>
+              </a:xfrm>
+              <a:prstGeom prst="diamond">
+                <a:avLst/>
+              </a:prstGeom>
+              <a:noFill/>
+              <a:ln>
+                <a:solidFill>
+                  <a:schemeClr val="tx1"/>
+                </a:solidFill>
+                <a:round/>
+                <a:tailEnd type="triangle"/>
+              </a:ln>
+            </p:spPr>
+            <p:style>
+              <a:lnRef idx="2">
+                <a:schemeClr val="accent1">
+                  <a:shade val="50000"/>
+                </a:schemeClr>
+              </a:lnRef>
+              <a:fillRef idx="1">
+                <a:schemeClr val="accent1"/>
+              </a:fillRef>
+              <a:effectRef idx="0">
+                <a:schemeClr val="accent1"/>
+              </a:effectRef>
+              <a:fontRef idx="minor"/>
+            </p:style>
+          </p:sp>
+          <p:sp>
+            <p:nvSpPr>
+              <p:cNvPr id="260" name="CustomShape 8"/>
+              <p:cNvSpPr/>
+              <p:nvPr/>
+            </p:nvSpPr>
+            <p:spPr>
+              <a:xfrm>
+                <a:off x="4296169" y="2636907"/>
+                <a:ext cx="1104575" cy="367878"/>
+              </a:xfrm>
+              <a:prstGeom prst="rect">
+                <a:avLst/>
+              </a:prstGeom>
+              <a:noFill/>
+              <a:ln w="0">
+                <a:noFill/>
+                <a:tailEnd type="triangle"/>
+              </a:ln>
+            </p:spPr>
+            <p:style>
+              <a:lnRef idx="0">
+                <a:scrgbClr r="0" g="0" b="0"/>
+              </a:lnRef>
+              <a:fillRef idx="0">
+                <a:scrgbClr r="0" g="0" b="0"/>
+              </a:fillRef>
+              <a:effectRef idx="0">
+                <a:scrgbClr r="0" g="0" b="0"/>
+              </a:effectRef>
+              <a:fontRef idx="minor"/>
+            </p:style>
+            <p:txBody>
+              <a:bodyPr wrap="none" lIns="90000" tIns="45000" rIns="90000" bIns="45000">
+                <a:spAutoFit/>
+              </a:bodyPr>
+              <a:lstStyle/>
+              <a:p>
+                <a:pPr>
+                  <a:lnSpc>
+                    <a:spcPct val="100000"/>
+                  </a:lnSpc>
+                </a:pPr>
+                <a:r>
+                  <a:rPr lang="zh-TW" altLang="en-US" spc="-1" dirty="0" smtClean="0">
+                    <a:solidFill>
+                      <a:srgbClr val="000000"/>
+                    </a:solidFill>
+                    <a:latin typeface="Calibri"/>
+                  </a:rPr>
+                  <a:t>同意</a:t>
+                </a:r>
+                <a:r>
+                  <a:rPr lang="zh-TW" altLang="en-US" spc="-1" dirty="0">
+                    <a:solidFill>
+                      <a:srgbClr val="000000"/>
+                    </a:solidFill>
+                    <a:latin typeface="Calibri"/>
+                  </a:rPr>
+                  <a:t>規則</a:t>
+                </a:r>
+                <a:endParaRPr lang="en-US" spc="-1" dirty="0">
+                  <a:solidFill>
+                    <a:srgbClr val="000000"/>
+                  </a:solidFill>
+                  <a:latin typeface="Calibri"/>
+                </a:endParaRPr>
+              </a:p>
+            </p:txBody>
+          </p:sp>
+        </p:grpSp>
+        <p:cxnSp>
+          <p:nvCxnSpPr>
+            <p:cNvPr id="261" name="直線單箭頭接點 260"/>
+            <p:cNvCxnSpPr>
+              <a:stCxn id="259" idx="2"/>
+              <a:endCxn id="46" idx="0"/>
+            </p:cNvCxnSpPr>
+            <p:nvPr/>
+          </p:nvCxnSpPr>
+          <p:spPr>
+            <a:xfrm>
+              <a:off x="2066008" y="2041768"/>
+              <a:ext cx="0" cy="197032"/>
+            </a:xfrm>
+            <a:prstGeom prst="straightConnector1">
+              <a:avLst/>
+            </a:prstGeom>
+            <a:ln>
+              <a:solidFill>
+                <a:schemeClr val="tx1"/>
+              </a:solidFill>
+              <a:headEnd type="none" w="med" len="med"/>
+              <a:tailEnd type="triangle" w="med" len="med"/>
+            </a:ln>
+          </p:spPr>
+          <p:style>
+            <a:lnRef idx="1">
+              <a:schemeClr val="accent1"/>
+            </a:lnRef>
+            <a:fillRef idx="0">
+              <a:schemeClr val="accent1"/>
+            </a:fillRef>
+            <a:effectRef idx="0">
+              <a:schemeClr val="accent1"/>
+            </a:effectRef>
+            <a:fontRef idx="minor">
+              <a:schemeClr val="tx1"/>
+            </a:fontRef>
+          </p:style>
+        </p:cxnSp>
+        <p:cxnSp>
+          <p:nvCxnSpPr>
+            <p:cNvPr id="264" name="直線單箭頭接點 263"/>
+            <p:cNvCxnSpPr>
+              <a:stCxn id="259" idx="3"/>
+              <a:endCxn id="272" idx="1"/>
+            </p:cNvCxnSpPr>
+            <p:nvPr/>
+          </p:nvCxnSpPr>
+          <p:spPr>
+            <a:xfrm flipV="1">
+              <a:off x="2915816" y="1625722"/>
+              <a:ext cx="734564" cy="966"/>
+            </a:xfrm>
+            <a:prstGeom prst="straightConnector1">
+              <a:avLst/>
+            </a:prstGeom>
+            <a:ln>
+              <a:solidFill>
+                <a:schemeClr val="tx1"/>
+              </a:solidFill>
+              <a:headEnd type="none" w="med" len="med"/>
+              <a:tailEnd type="triangle" w="med" len="med"/>
+            </a:ln>
+          </p:spPr>
+          <p:style>
+            <a:lnRef idx="1">
+              <a:schemeClr val="accent1"/>
+            </a:lnRef>
+            <a:fillRef idx="0">
+              <a:schemeClr val="accent1"/>
+            </a:fillRef>
+            <a:effectRef idx="0">
+              <a:schemeClr val="accent1"/>
+            </a:effectRef>
+            <a:fontRef idx="minor">
+              <a:schemeClr val="tx1"/>
+            </a:fontRef>
+          </p:style>
+        </p:cxnSp>
+        <p:grpSp>
+          <p:nvGrpSpPr>
+            <p:cNvPr id="270" name="群組 269"/>
+            <p:cNvGrpSpPr/>
+            <p:nvPr/>
+          </p:nvGrpSpPr>
+          <p:grpSpPr>
+            <a:xfrm>
+              <a:off x="3650380" y="1366155"/>
+              <a:ext cx="1156713" cy="519133"/>
+              <a:chOff x="4202081" y="2621835"/>
+              <a:chExt cx="1156713" cy="519133"/>
+            </a:xfrm>
+          </p:grpSpPr>
+          <p:sp>
+            <p:nvSpPr>
+              <p:cNvPr id="271" name="CustomShape 2"/>
+              <p:cNvSpPr/>
+              <p:nvPr/>
+            </p:nvSpPr>
+            <p:spPr>
+              <a:xfrm>
+                <a:off x="4466443" y="2699061"/>
+                <a:ext cx="643166" cy="367878"/>
+              </a:xfrm>
+              <a:prstGeom prst="rect">
+                <a:avLst/>
+              </a:prstGeom>
+              <a:noFill/>
+              <a:ln w="0">
+                <a:noFill/>
+                <a:tailEnd type="triangle"/>
+              </a:ln>
+            </p:spPr>
+            <p:style>
+              <a:lnRef idx="0">
+                <a:scrgbClr r="0" g="0" b="0"/>
+              </a:lnRef>
+              <a:fillRef idx="0">
+                <a:scrgbClr r="0" g="0" b="0"/>
+              </a:fillRef>
+              <a:effectRef idx="0">
+                <a:scrgbClr r="0" g="0" b="0"/>
+              </a:effectRef>
+              <a:fontRef idx="minor"/>
+            </p:style>
+            <p:txBody>
+              <a:bodyPr wrap="none" lIns="90000" tIns="45000" rIns="90000" bIns="45000">
+                <a:spAutoFit/>
+              </a:bodyPr>
+              <a:lstStyle/>
+              <a:p>
+                <a:pPr>
+                  <a:lnSpc>
+                    <a:spcPct val="100000"/>
+                  </a:lnSpc>
+                </a:pPr>
+                <a:r>
+                  <a:rPr lang="zh-TW" altLang="en-US" spc="-1" dirty="0">
+                    <a:solidFill>
+                      <a:srgbClr val="000000"/>
+                    </a:solidFill>
+                    <a:latin typeface="Calibri"/>
+                  </a:rPr>
+                  <a:t>結束</a:t>
+                </a:r>
+                <a:endParaRPr lang="en-US" spc="-1" dirty="0">
+                  <a:solidFill>
+                    <a:srgbClr val="000000"/>
+                  </a:solidFill>
+                  <a:latin typeface="Calibri"/>
+                </a:endParaRPr>
+              </a:p>
+            </p:txBody>
+          </p:sp>
+          <p:sp>
+            <p:nvSpPr>
+              <p:cNvPr id="272" name="流程圖: 結束點 271"/>
+              <p:cNvSpPr/>
+              <p:nvPr/>
+            </p:nvSpPr>
+            <p:spPr>
+              <a:xfrm>
+                <a:off x="4202081" y="2621835"/>
+                <a:ext cx="1156713" cy="519133"/>
+              </a:xfrm>
+              <a:prstGeom prst="flowChartTerminator">
+                <a:avLst/>
+              </a:prstGeom>
+              <a:noFill/>
+              <a:ln>
+                <a:solidFill>
+                  <a:schemeClr val="tx1"/>
+                </a:solidFill>
+                <a:round/>
+                <a:tailEnd type="triangle"/>
+              </a:ln>
+            </p:spPr>
+            <p:style>
+              <a:lnRef idx="2">
+                <a:schemeClr val="accent1">
+                  <a:shade val="50000"/>
+                </a:schemeClr>
+              </a:lnRef>
+              <a:fillRef idx="1">
+                <a:schemeClr val="accent1"/>
+              </a:fillRef>
+              <a:effectRef idx="0">
+                <a:schemeClr val="accent1"/>
+              </a:effectRef>
+              <a:fontRef idx="minor"/>
+            </p:style>
+            <p:txBody>
+              <a:bodyPr rtlCol="0" anchor="ctr"/>
+              <a:lstStyle/>
+              <a:p>
+                <a:pPr algn="ctr"/>
+                <a:endParaRPr lang="zh-TW" altLang="en-US"/>
+              </a:p>
+            </p:txBody>
+          </p:sp>
+        </p:grpSp>
         <p:sp>
           <p:nvSpPr>
-            <p:cNvPr id="183" name="CustomShape 14"/>
+            <p:cNvPr id="274" name="CustomShape 26"/>
             <p:cNvSpPr/>
             <p:nvPr/>
           </p:nvSpPr>
           <p:spPr>
             <a:xfrm>
-              <a:off x="697680" y="3110408"/>
-              <a:ext cx="1067040" cy="390600"/>
-            </a:xfrm>
-            <a:prstGeom prst="rect">
-              <a:avLst/>
-            </a:prstGeom>
-            <a:noFill/>
-            <a:ln>
-              <a:solidFill>
-                <a:schemeClr val="tx1"/>
-              </a:solidFill>
-              <a:round/>
-              <a:tailEnd type="triangle"/>
-            </a:ln>
-          </p:spPr>
-          <p:style>
-            <a:lnRef idx="2">
-              <a:schemeClr val="accent1">
-                <a:shade val="50000"/>
-              </a:schemeClr>
-            </a:lnRef>
-            <a:fillRef idx="1">
-              <a:schemeClr val="accent1"/>
-            </a:fillRef>
-            <a:effectRef idx="0">
-              <a:schemeClr val="accent1"/>
-            </a:effectRef>
-            <a:fontRef idx="minor"/>
-          </p:style>
-        </p:sp>
-        <p:sp>
-          <p:nvSpPr>
-            <p:cNvPr id="184" name="CustomShape 15"/>
-            <p:cNvSpPr/>
-            <p:nvPr/>
-          </p:nvSpPr>
-          <p:spPr>
-            <a:xfrm>
-              <a:off x="801738" y="3101471"/>
-              <a:ext cx="873870" cy="367878"/>
+              <a:off x="2119661" y="1921940"/>
+              <a:ext cx="292320" cy="364680"/>
             </a:xfrm>
             <a:prstGeom prst="rect">
               <a:avLst/>
@@ -10903,13 +12365,13 @@
                 </a:lnSpc>
               </a:pPr>
               <a:r>
-                <a:rPr lang="zh-TW" altLang="en-US" spc="-1" dirty="0">
+                <a:rPr lang="en-US" sz="1800" b="0" strike="noStrike" spc="-1" dirty="0">
                   <a:solidFill>
                     <a:srgbClr val="000000"/>
                   </a:solidFill>
                   <a:latin typeface="Calibri"/>
                 </a:rPr>
-                <a:t>查八字</a:t>
+                <a:t>Y</a:t>
               </a:r>
               <a:endParaRPr lang="en-US" sz="1800" b="0" strike="noStrike" spc="-1" dirty="0">
                 <a:latin typeface="Arial"/>
@@ -10917,111 +12379,16 @@
             </a:p>
           </p:txBody>
         </p:sp>
-      </p:grpSp>
-      <p:cxnSp>
-        <p:nvCxnSpPr>
-          <p:cNvPr id="185" name="肘形接點 184"/>
-          <p:cNvCxnSpPr>
-            <a:stCxn id="147" idx="2"/>
-            <a:endCxn id="180" idx="3"/>
-          </p:cNvCxnSpPr>
-          <p:nvPr/>
-        </p:nvCxnSpPr>
-        <p:spPr>
-          <a:xfrm rot="5400000">
-            <a:off x="1717820" y="4394683"/>
-            <a:ext cx="364913" cy="301112"/>
-          </a:xfrm>
-          <a:prstGeom prst="bentConnector2">
-            <a:avLst/>
-          </a:prstGeom>
-          <a:ln>
-            <a:solidFill>
-              <a:schemeClr val="tx1"/>
-            </a:solidFill>
-            <a:headEnd type="none" w="med" len="med"/>
-            <a:tailEnd type="triangle" w="med" len="med"/>
-          </a:ln>
-        </p:spPr>
-        <p:style>
-          <a:lnRef idx="1">
-            <a:schemeClr val="accent1"/>
-          </a:lnRef>
-          <a:fillRef idx="0">
-            <a:schemeClr val="accent1"/>
-          </a:fillRef>
-          <a:effectRef idx="0">
-            <a:schemeClr val="accent1"/>
-          </a:effectRef>
-          <a:fontRef idx="minor">
-            <a:schemeClr val="tx1"/>
-          </a:fontRef>
-        </p:style>
-      </p:cxnSp>
-      <p:cxnSp>
-        <p:nvCxnSpPr>
-          <p:cNvPr id="188" name="肘形接點 187"/>
-          <p:cNvCxnSpPr>
-            <a:stCxn id="147" idx="2"/>
-            <a:endCxn id="183" idx="1"/>
-          </p:cNvCxnSpPr>
-          <p:nvPr/>
-        </p:nvCxnSpPr>
-        <p:spPr>
-          <a:xfrm rot="16200000" flipH="1">
-            <a:off x="2049218" y="4364396"/>
-            <a:ext cx="369693" cy="366465"/>
-          </a:xfrm>
-          <a:prstGeom prst="bentConnector2">
-            <a:avLst/>
-          </a:prstGeom>
-          <a:ln>
-            <a:solidFill>
-              <a:schemeClr val="tx1"/>
-            </a:solidFill>
-            <a:headEnd type="none" w="med" len="med"/>
-            <a:tailEnd type="triangle" w="med" len="med"/>
-          </a:ln>
-        </p:spPr>
-        <p:style>
-          <a:lnRef idx="1">
-            <a:schemeClr val="accent1"/>
-          </a:lnRef>
-          <a:fillRef idx="0">
-            <a:schemeClr val="accent1"/>
-          </a:fillRef>
-          <a:effectRef idx="0">
-            <a:schemeClr val="accent1"/>
-          </a:effectRef>
-          <a:fontRef idx="minor">
-            <a:schemeClr val="tx1"/>
-          </a:fontRef>
-        </p:style>
-      </p:cxnSp>
-      <p:grpSp>
-        <p:nvGrpSpPr>
-          <p:cNvPr id="194" name="群組 193"/>
-          <p:cNvGrpSpPr/>
-          <p:nvPr/>
-        </p:nvGrpSpPr>
-        <p:grpSpPr>
-          <a:xfrm>
-            <a:off x="5127102" y="5966425"/>
-            <a:ext cx="1246653" cy="696454"/>
-            <a:chOff x="5767897" y="960283"/>
-            <a:chExt cx="1246653" cy="696454"/>
-          </a:xfrm>
-        </p:grpSpPr>
         <p:sp>
           <p:nvSpPr>
-            <p:cNvPr id="195" name="CustomShape 12"/>
+            <p:cNvPr id="275" name="CustomShape 6"/>
             <p:cNvSpPr/>
             <p:nvPr/>
           </p:nvSpPr>
           <p:spPr>
             <a:xfrm>
-              <a:off x="5957784" y="1011860"/>
-              <a:ext cx="873870" cy="644877"/>
+              <a:off x="2870610" y="1245155"/>
+              <a:ext cx="329040" cy="364680"/>
             </a:xfrm>
             <a:prstGeom prst="rect">
               <a:avLst/>
@@ -11056,53 +12423,13 @@
                 </a:lnSpc>
               </a:pPr>
               <a:r>
-                <a:rPr lang="zh-TW" altLang="en-US" spc="-1" dirty="0">
+                <a:rPr lang="en-US" sz="1800" b="0" strike="noStrike" spc="-1" dirty="0">
                   <a:solidFill>
                     <a:srgbClr val="000000"/>
                   </a:solidFill>
                   <a:latin typeface="Calibri"/>
                 </a:rPr>
-                <a:t>出生</a:t>
-              </a:r>
-              <a:r>
-                <a:rPr lang="zh-TW" altLang="en-US" spc="-1" dirty="0" smtClean="0">
-                  <a:solidFill>
-                    <a:srgbClr val="000000"/>
-                  </a:solidFill>
-                  <a:latin typeface="Calibri"/>
-                </a:rPr>
-                <a:t>年</a:t>
-              </a:r>
-              <a:endParaRPr lang="en-US" altLang="zh-TW" spc="-1" dirty="0" smtClean="0">
-                <a:solidFill>
-                  <a:srgbClr val="000000"/>
-                </a:solidFill>
-                <a:latin typeface="Calibri"/>
-              </a:endParaRPr>
-            </a:p>
-            <a:p>
-              <a:pPr>
-                <a:lnSpc>
-                  <a:spcPct val="100000"/>
-                </a:lnSpc>
-              </a:pPr>
-              <a:r>
-                <a:rPr lang="zh-TW" altLang="en-US" spc="-1" dirty="0" smtClean="0">
-                  <a:solidFill>
-                    <a:srgbClr val="000000"/>
-                  </a:solidFill>
-                  <a:latin typeface="Calibri"/>
-                </a:rPr>
-                <a:t>月日</a:t>
-              </a:r>
-              <a:r>
-                <a:rPr lang="zh-TW" altLang="en-US" spc="-1" dirty="0">
-                  <a:solidFill>
-                    <a:srgbClr val="000000"/>
-                  </a:solidFill>
-                  <a:latin typeface="Calibri"/>
-                </a:rPr>
-                <a:t>時</a:t>
+                <a:t>N</a:t>
               </a:r>
               <a:endParaRPr lang="en-US" sz="1800" b="0" strike="noStrike" spc="-1" dirty="0">
                 <a:latin typeface="Arial"/>
@@ -11110,115 +12437,362 @@
             </a:p>
           </p:txBody>
         </p:sp>
-        <p:sp>
-          <p:nvSpPr>
-            <p:cNvPr id="196" name="流程圖: 資料 195"/>
-            <p:cNvSpPr/>
+        <p:cxnSp>
+          <p:nvCxnSpPr>
+            <p:cNvPr id="276" name="直線單箭頭接點 275"/>
+            <p:cNvCxnSpPr>
+              <a:stCxn id="134" idx="2"/>
+              <a:endCxn id="259" idx="0"/>
+            </p:cNvCxnSpPr>
             <p:nvPr/>
-          </p:nvSpPr>
+          </p:nvCxnSpPr>
           <p:spPr>
             <a:xfrm>
-              <a:off x="5767897" y="960283"/>
-              <a:ext cx="1246653" cy="691697"/>
+              <a:off x="2054013" y="1059208"/>
+              <a:ext cx="11995" cy="152400"/>
             </a:xfrm>
-            <a:prstGeom prst="flowChartInputOutput">
+            <a:prstGeom prst="straightConnector1">
               <a:avLst/>
             </a:prstGeom>
-            <a:noFill/>
             <a:ln>
               <a:solidFill>
                 <a:schemeClr val="tx1"/>
               </a:solidFill>
+              <a:headEnd type="none" w="med" len="med"/>
+              <a:tailEnd type="triangle" w="med" len="med"/>
             </a:ln>
           </p:spPr>
           <p:style>
-            <a:lnRef idx="2">
-              <a:schemeClr val="accent1">
-                <a:shade val="50000"/>
-              </a:schemeClr>
+            <a:lnRef idx="1">
+              <a:schemeClr val="accent1"/>
             </a:lnRef>
-            <a:fillRef idx="1">
+            <a:fillRef idx="0">
               <a:schemeClr val="accent1"/>
             </a:fillRef>
             <a:effectRef idx="0">
               <a:schemeClr val="accent1"/>
             </a:effectRef>
             <a:fontRef idx="minor">
-              <a:schemeClr val="lt1"/>
+              <a:schemeClr val="tx1"/>
             </a:fontRef>
           </p:style>
-          <p:txBody>
-            <a:bodyPr rtlCol="0" anchor="ctr"/>
-            <a:lstStyle/>
-            <a:p>
-              <a:pPr algn="ctr"/>
-              <a:endParaRPr lang="zh-TW" altLang="en-US"/>
-            </a:p>
-          </p:txBody>
-        </p:sp>
-      </p:grpSp>
-      <p:grpSp>
-        <p:nvGrpSpPr>
-          <p:cNvPr id="201" name="群組 200"/>
-          <p:cNvGrpSpPr/>
-          <p:nvPr/>
-        </p:nvGrpSpPr>
-        <p:grpSpPr>
-          <a:xfrm>
-            <a:off x="5076056" y="5272064"/>
-            <a:ext cx="1318775" cy="411279"/>
-            <a:chOff x="697679" y="3110409"/>
-            <a:chExt cx="1318775" cy="208101"/>
-          </a:xfrm>
-        </p:grpSpPr>
+        </p:cxnSp>
+        <p:grpSp>
+          <p:nvGrpSpPr>
+            <p:cNvPr id="281" name="群組 280"/>
+            <p:cNvGrpSpPr/>
+            <p:nvPr/>
+          </p:nvGrpSpPr>
+          <p:grpSpPr>
+            <a:xfrm>
+              <a:off x="4042257" y="3826385"/>
+              <a:ext cx="2158037" cy="942191"/>
+              <a:chOff x="5841559" y="1179135"/>
+              <a:chExt cx="1246653" cy="787477"/>
+            </a:xfrm>
+          </p:grpSpPr>
+          <p:sp>
+            <p:nvSpPr>
+              <p:cNvPr id="282" name="CustomShape 12"/>
+              <p:cNvSpPr/>
+              <p:nvPr/>
+            </p:nvSpPr>
+            <p:spPr>
+              <a:xfrm>
+                <a:off x="6000955" y="1196114"/>
+                <a:ext cx="945233" cy="770498"/>
+              </a:xfrm>
+              <a:prstGeom prst="rect">
+                <a:avLst/>
+              </a:prstGeom>
+              <a:noFill/>
+              <a:ln w="0">
+                <a:noFill/>
+                <a:tailEnd type="triangle"/>
+              </a:ln>
+            </p:spPr>
+            <p:style>
+              <a:lnRef idx="0">
+                <a:scrgbClr r="0" g="0" b="0"/>
+              </a:lnRef>
+              <a:fillRef idx="0">
+                <a:scrgbClr r="0" g="0" b="0"/>
+              </a:fillRef>
+              <a:effectRef idx="0">
+                <a:scrgbClr r="0" g="0" b="0"/>
+              </a:effectRef>
+              <a:fontRef idx="minor"/>
+            </p:style>
+            <p:txBody>
+              <a:bodyPr wrap="none" lIns="90000" tIns="45000" rIns="90000" bIns="45000">
+                <a:spAutoFit/>
+              </a:bodyPr>
+              <a:lstStyle/>
+              <a:p>
+                <a:pPr algn="ctr">
+                  <a:lnSpc>
+                    <a:spcPct val="100000"/>
+                  </a:lnSpc>
+                </a:pPr>
+                <a:r>
+                  <a:rPr lang="zh-TW" altLang="en-US" spc="-1" dirty="0" smtClean="0">
+                    <a:solidFill>
+                      <a:srgbClr val="000000"/>
+                    </a:solidFill>
+                    <a:latin typeface="Calibri"/>
+                  </a:rPr>
+                  <a:t>修改基本資料</a:t>
+                </a:r>
+                <a:endParaRPr lang="en-US" altLang="zh-TW" spc="-1" dirty="0">
+                  <a:solidFill>
+                    <a:srgbClr val="000000"/>
+                  </a:solidFill>
+                  <a:latin typeface="Calibri"/>
+                </a:endParaRPr>
+              </a:p>
+              <a:p>
+                <a:pPr algn="ctr">
+                  <a:lnSpc>
+                    <a:spcPct val="100000"/>
+                  </a:lnSpc>
+                </a:pPr>
+                <a:r>
+                  <a:rPr lang="zh-TW" altLang="en-US" spc="-1" dirty="0" smtClean="0">
+                    <a:solidFill>
+                      <a:srgbClr val="000000"/>
+                    </a:solidFill>
+                    <a:latin typeface="Calibri"/>
+                  </a:rPr>
+                  <a:t>或密碼</a:t>
+                </a:r>
+                <a:endParaRPr lang="en-US" altLang="zh-TW" spc="-1" dirty="0" smtClean="0">
+                  <a:solidFill>
+                    <a:srgbClr val="000000"/>
+                  </a:solidFill>
+                  <a:latin typeface="Calibri"/>
+                </a:endParaRPr>
+              </a:p>
+              <a:p>
+                <a:pPr>
+                  <a:lnSpc>
+                    <a:spcPct val="100000"/>
+                  </a:lnSpc>
+                </a:pPr>
+                <a:endParaRPr lang="en-US" altLang="zh-TW" spc="-1" dirty="0"/>
+              </a:p>
+            </p:txBody>
+          </p:sp>
+          <p:sp>
+            <p:nvSpPr>
+              <p:cNvPr id="283" name="流程圖: 資料 282"/>
+              <p:cNvSpPr/>
+              <p:nvPr/>
+            </p:nvSpPr>
+            <p:spPr>
+              <a:xfrm>
+                <a:off x="5841559" y="1179135"/>
+                <a:ext cx="1246653" cy="565350"/>
+              </a:xfrm>
+              <a:prstGeom prst="flowChartInputOutput">
+                <a:avLst/>
+              </a:prstGeom>
+              <a:noFill/>
+              <a:ln>
+                <a:solidFill>
+                  <a:schemeClr val="tx1"/>
+                </a:solidFill>
+              </a:ln>
+            </p:spPr>
+            <p:style>
+              <a:lnRef idx="2">
+                <a:schemeClr val="accent1">
+                  <a:shade val="50000"/>
+                </a:schemeClr>
+              </a:lnRef>
+              <a:fillRef idx="1">
+                <a:schemeClr val="accent1"/>
+              </a:fillRef>
+              <a:effectRef idx="0">
+                <a:schemeClr val="accent1"/>
+              </a:effectRef>
+              <a:fontRef idx="minor">
+                <a:schemeClr val="lt1"/>
+              </a:fontRef>
+            </p:style>
+            <p:txBody>
+              <a:bodyPr rtlCol="0" anchor="ctr"/>
+              <a:lstStyle/>
+              <a:p>
+                <a:pPr algn="ctr"/>
+                <a:endParaRPr lang="zh-TW" altLang="en-US"/>
+              </a:p>
+            </p:txBody>
+          </p:sp>
+        </p:grpSp>
+        <p:cxnSp>
+          <p:nvCxnSpPr>
+            <p:cNvPr id="296" name="直線單箭頭接點 295"/>
+            <p:cNvCxnSpPr>
+              <a:stCxn id="202" idx="1"/>
+              <a:endCxn id="208" idx="3"/>
+            </p:cNvCxnSpPr>
+            <p:nvPr/>
+          </p:nvCxnSpPr>
+          <p:spPr>
+            <a:xfrm flipH="1" flipV="1">
+              <a:off x="3623099" y="5472164"/>
+              <a:ext cx="1452957" cy="5540"/>
+            </a:xfrm>
+            <a:prstGeom prst="straightConnector1">
+              <a:avLst/>
+            </a:prstGeom>
+            <a:ln>
+              <a:solidFill>
+                <a:srgbClr val="0070C0"/>
+              </a:solidFill>
+              <a:headEnd type="none" w="med" len="med"/>
+              <a:tailEnd type="triangle" w="med" len="med"/>
+            </a:ln>
+          </p:spPr>
+          <p:style>
+            <a:lnRef idx="1">
+              <a:schemeClr val="accent1"/>
+            </a:lnRef>
+            <a:fillRef idx="0">
+              <a:schemeClr val="accent1"/>
+            </a:fillRef>
+            <a:effectRef idx="0">
+              <a:schemeClr val="accent1"/>
+            </a:effectRef>
+            <a:fontRef idx="minor">
+              <a:schemeClr val="tx1"/>
+            </a:fontRef>
+          </p:style>
+        </p:cxnSp>
+        <p:cxnSp>
+          <p:nvCxnSpPr>
+            <p:cNvPr id="299" name="肘形接點 298"/>
+            <p:cNvCxnSpPr>
+              <a:stCxn id="282" idx="0"/>
+              <a:endCxn id="127" idx="3"/>
+            </p:cNvCxnSpPr>
+            <p:nvPr/>
+          </p:nvCxnSpPr>
+          <p:spPr>
+            <a:xfrm rot="16200000" flipV="1">
+              <a:off x="3701499" y="2411887"/>
+              <a:ext cx="324968" cy="2544658"/>
+            </a:xfrm>
+            <a:prstGeom prst="bentConnector2">
+              <a:avLst/>
+            </a:prstGeom>
+            <a:ln>
+              <a:solidFill>
+                <a:schemeClr val="tx1"/>
+              </a:solidFill>
+              <a:headEnd type="none" w="med" len="med"/>
+              <a:tailEnd type="triangle" w="med" len="med"/>
+            </a:ln>
+          </p:spPr>
+          <p:style>
+            <a:lnRef idx="1">
+              <a:schemeClr val="accent1"/>
+            </a:lnRef>
+            <a:fillRef idx="0">
+              <a:schemeClr val="accent1"/>
+            </a:fillRef>
+            <a:effectRef idx="0">
+              <a:schemeClr val="accent1"/>
+            </a:effectRef>
+            <a:fontRef idx="minor">
+              <a:schemeClr val="tx1"/>
+            </a:fontRef>
+          </p:style>
+        </p:cxnSp>
+        <p:cxnSp>
+          <p:nvCxnSpPr>
+            <p:cNvPr id="306" name="直線接點 305"/>
+            <p:cNvCxnSpPr/>
+            <p:nvPr/>
+          </p:nvCxnSpPr>
+          <p:spPr>
+            <a:xfrm>
+              <a:off x="6835033" y="799641"/>
+              <a:ext cx="914400" cy="0"/>
+            </a:xfrm>
+            <a:prstGeom prst="line">
+              <a:avLst/>
+            </a:prstGeom>
+            <a:ln w="38100">
+              <a:solidFill>
+                <a:schemeClr val="tx1"/>
+              </a:solidFill>
+              <a:headEnd type="none" w="med" len="med"/>
+              <a:tailEnd type="none"/>
+            </a:ln>
+          </p:spPr>
+          <p:style>
+            <a:lnRef idx="1">
+              <a:schemeClr val="accent1"/>
+            </a:lnRef>
+            <a:fillRef idx="0">
+              <a:schemeClr val="accent1"/>
+            </a:fillRef>
+            <a:effectRef idx="0">
+              <a:schemeClr val="accent1"/>
+            </a:effectRef>
+            <a:fontRef idx="minor">
+              <a:schemeClr val="tx1"/>
+            </a:fontRef>
+          </p:style>
+        </p:cxnSp>
+        <p:cxnSp>
+          <p:nvCxnSpPr>
+            <p:cNvPr id="311" name="直線接點 310"/>
+            <p:cNvCxnSpPr/>
+            <p:nvPr/>
+          </p:nvCxnSpPr>
+          <p:spPr>
+            <a:xfrm>
+              <a:off x="6831448" y="1268760"/>
+              <a:ext cx="914400" cy="0"/>
+            </a:xfrm>
+            <a:prstGeom prst="line">
+              <a:avLst/>
+            </a:prstGeom>
+            <a:ln w="38100">
+              <a:solidFill>
+                <a:srgbClr val="0070C0"/>
+              </a:solidFill>
+              <a:headEnd type="none" w="med" len="med"/>
+              <a:tailEnd type="none"/>
+            </a:ln>
+          </p:spPr>
+          <p:style>
+            <a:lnRef idx="1">
+              <a:schemeClr val="accent1"/>
+            </a:lnRef>
+            <a:fillRef idx="0">
+              <a:schemeClr val="accent1"/>
+            </a:fillRef>
+            <a:effectRef idx="0">
+              <a:schemeClr val="accent1"/>
+            </a:effectRef>
+            <a:fontRef idx="minor">
+              <a:schemeClr val="tx1"/>
+            </a:fontRef>
+          </p:style>
+        </p:cxnSp>
         <p:sp>
           <p:nvSpPr>
-            <p:cNvPr id="202" name="CustomShape 14"/>
+            <p:cNvPr id="312" name="CustomShape 2"/>
             <p:cNvSpPr/>
             <p:nvPr/>
           </p:nvSpPr>
           <p:spPr>
             <a:xfrm>
-              <a:off x="697679" y="3110409"/>
-              <a:ext cx="1318775" cy="208101"/>
-            </a:xfrm>
-            <a:prstGeom prst="rect">
-              <a:avLst/>
-            </a:prstGeom>
-            <a:noFill/>
-            <a:ln>
-              <a:solidFill>
-                <a:schemeClr val="tx1"/>
-              </a:solidFill>
-              <a:round/>
-              <a:tailEnd type="triangle"/>
-            </a:ln>
-          </p:spPr>
-          <p:style>
-            <a:lnRef idx="2">
-              <a:schemeClr val="accent1">
-                <a:shade val="50000"/>
-              </a:schemeClr>
-            </a:lnRef>
-            <a:fillRef idx="1">
-              <a:schemeClr val="accent1"/>
-            </a:fillRef>
-            <a:effectRef idx="0">
-              <a:schemeClr val="accent1"/>
-            </a:effectRef>
-            <a:fontRef idx="minor"/>
-          </p:style>
-        </p:sp>
-        <p:sp>
-          <p:nvSpPr>
-            <p:cNvPr id="203" name="CustomShape 15"/>
-            <p:cNvSpPr/>
-            <p:nvPr/>
-          </p:nvSpPr>
-          <p:spPr>
-            <a:xfrm>
-              <a:off x="804507" y="3125619"/>
-              <a:ext cx="1104575" cy="186141"/>
+              <a:off x="7798170" y="660117"/>
+              <a:ext cx="719982" cy="306323"/>
             </a:xfrm>
             <a:prstGeom prst="rect">
               <a:avLst/>
@@ -11253,529 +12827,33 @@
                 </a:lnSpc>
               </a:pPr>
               <a:r>
-                <a:rPr lang="zh-TW" altLang="en-US" spc="-1" dirty="0" smtClean="0">
+                <a:rPr lang="zh-TW" altLang="en-US" sz="1400" spc="-1" dirty="0" smtClean="0">
                   <a:solidFill>
                     <a:srgbClr val="000000"/>
                   </a:solidFill>
                   <a:latin typeface="Calibri"/>
                 </a:rPr>
-                <a:t>算命網站</a:t>
+                <a:t>主流程</a:t>
               </a:r>
-              <a:endParaRPr lang="en-US" sz="1800" b="0" strike="noStrike" spc="-1" dirty="0">
-                <a:latin typeface="Arial"/>
-              </a:endParaRPr>
-            </a:p>
-          </p:txBody>
-        </p:sp>
-      </p:grpSp>
-      <p:cxnSp>
-        <p:nvCxnSpPr>
-          <p:cNvPr id="204" name="直線單箭頭接點 203"/>
-          <p:cNvCxnSpPr>
-            <a:stCxn id="196" idx="1"/>
-            <a:endCxn id="202" idx="2"/>
-          </p:cNvCxnSpPr>
-          <p:nvPr/>
-        </p:nvCxnSpPr>
-        <p:spPr>
-          <a:xfrm flipH="1" flipV="1">
-            <a:off x="5735444" y="5683343"/>
-            <a:ext cx="14985" cy="283082"/>
-          </a:xfrm>
-          <a:prstGeom prst="straightConnector1">
-            <a:avLst/>
-          </a:prstGeom>
-          <a:ln>
-            <a:solidFill>
-              <a:srgbClr val="0070C0"/>
-            </a:solidFill>
-            <a:headEnd type="none" w="med" len="med"/>
-            <a:tailEnd type="triangle" w="med" len="med"/>
-          </a:ln>
-        </p:spPr>
-        <p:style>
-          <a:lnRef idx="1">
-            <a:schemeClr val="accent1"/>
-          </a:lnRef>
-          <a:fillRef idx="0">
-            <a:schemeClr val="accent1"/>
-          </a:fillRef>
-          <a:effectRef idx="0">
-            <a:schemeClr val="accent1"/>
-          </a:effectRef>
-          <a:fontRef idx="minor">
-            <a:schemeClr val="tx1"/>
-          </a:fontRef>
-        </p:style>
-      </p:cxnSp>
-      <p:grpSp>
-        <p:nvGrpSpPr>
-          <p:cNvPr id="210" name="群組 209"/>
-          <p:cNvGrpSpPr/>
-          <p:nvPr/>
-        </p:nvGrpSpPr>
-        <p:grpSpPr>
-          <a:xfrm>
-            <a:off x="2267744" y="5134230"/>
-            <a:ext cx="1355355" cy="657642"/>
-            <a:chOff x="3036793" y="4417973"/>
-            <a:chExt cx="1355355" cy="657642"/>
-          </a:xfrm>
-        </p:grpSpPr>
-        <p:sp>
-          <p:nvSpPr>
-            <p:cNvPr id="208" name="CustomShape 14"/>
-            <p:cNvSpPr/>
-            <p:nvPr/>
-          </p:nvSpPr>
-          <p:spPr>
-            <a:xfrm>
-              <a:off x="3036793" y="4436199"/>
-              <a:ext cx="1355355" cy="639416"/>
-            </a:xfrm>
-            <a:prstGeom prst="rect">
-              <a:avLst/>
-            </a:prstGeom>
-            <a:noFill/>
-            <a:ln>
-              <a:solidFill>
-                <a:schemeClr val="tx1"/>
-              </a:solidFill>
-              <a:round/>
-              <a:tailEnd type="triangle"/>
-            </a:ln>
-          </p:spPr>
-          <p:style>
-            <a:lnRef idx="2">
-              <a:schemeClr val="accent1">
-                <a:shade val="50000"/>
-              </a:schemeClr>
-            </a:lnRef>
-            <a:fillRef idx="1">
-              <a:schemeClr val="accent1"/>
-            </a:fillRef>
-            <a:effectRef idx="0">
-              <a:schemeClr val="accent1"/>
-            </a:effectRef>
-            <a:fontRef idx="minor"/>
-          </p:style>
-        </p:sp>
-        <p:sp>
-          <p:nvSpPr>
-            <p:cNvPr id="209" name="CustomShape 15"/>
-            <p:cNvSpPr/>
-            <p:nvPr/>
-          </p:nvSpPr>
-          <p:spPr>
-            <a:xfrm>
-              <a:off x="3080016" y="4417973"/>
-              <a:ext cx="1247314" cy="657642"/>
-            </a:xfrm>
-            <a:prstGeom prst="rect">
-              <a:avLst/>
-            </a:prstGeom>
-            <a:noFill/>
-            <a:ln w="0">
-              <a:noFill/>
-              <a:tailEnd type="triangle"/>
-            </a:ln>
-          </p:spPr>
-          <p:style>
-            <a:lnRef idx="0">
-              <a:scrgbClr r="0" g="0" b="0"/>
-            </a:lnRef>
-            <a:fillRef idx="0">
-              <a:scrgbClr r="0" g="0" b="0"/>
-            </a:fillRef>
-            <a:effectRef idx="0">
-              <a:scrgbClr r="0" g="0" b="0"/>
-            </a:effectRef>
-            <a:fontRef idx="minor"/>
-          </p:style>
-          <p:txBody>
-            <a:bodyPr wrap="square" lIns="90000" tIns="45000" rIns="90000" bIns="45000">
-              <a:spAutoFit/>
-            </a:bodyPr>
-            <a:lstStyle/>
-            <a:p>
-              <a:pPr algn="ctr">
-                <a:lnSpc>
-                  <a:spcPct val="100000"/>
-                </a:lnSpc>
-              </a:pPr>
-              <a:r>
-                <a:rPr lang="zh-TW" altLang="en-US" spc="-1" dirty="0">
-                  <a:solidFill>
-                    <a:srgbClr val="000000"/>
-                  </a:solidFill>
-                  <a:latin typeface="Calibri"/>
-                </a:rPr>
-                <a:t>顯示</a:t>
-              </a:r>
-              <a:r>
-                <a:rPr lang="zh-TW" altLang="en-US" spc="-1" dirty="0" smtClean="0">
-                  <a:solidFill>
-                    <a:srgbClr val="000000"/>
-                  </a:solidFill>
-                  <a:latin typeface="Calibri"/>
-                </a:rPr>
-                <a:t>八字</a:t>
-              </a:r>
-              <a:endParaRPr lang="en-US" altLang="zh-TW" spc="-1" dirty="0" smtClean="0">
+              <a:endParaRPr lang="en-US" sz="1400" spc="-1" dirty="0">
                 <a:solidFill>
                   <a:srgbClr val="000000"/>
                 </a:solidFill>
                 <a:latin typeface="Calibri"/>
               </a:endParaRPr>
             </a:p>
-            <a:p>
-              <a:pPr algn="ctr">
-                <a:lnSpc>
-                  <a:spcPct val="100000"/>
-                </a:lnSpc>
-              </a:pPr>
-              <a:r>
-                <a:rPr lang="zh-TW" altLang="en-US" spc="-1" dirty="0" smtClean="0">
-                  <a:solidFill>
-                    <a:srgbClr val="000000"/>
-                  </a:solidFill>
-                  <a:latin typeface="Calibri"/>
-                </a:rPr>
-                <a:t>結果</a:t>
-              </a:r>
-              <a:endParaRPr lang="en-US" sz="1800" b="0" strike="noStrike" spc="-1" dirty="0">
-                <a:latin typeface="Arial"/>
-              </a:endParaRPr>
-            </a:p>
           </p:txBody>
         </p:sp>
-      </p:grpSp>
-      <p:grpSp>
-        <p:nvGrpSpPr>
-          <p:cNvPr id="211" name="群組 210"/>
-          <p:cNvGrpSpPr/>
-          <p:nvPr/>
-        </p:nvGrpSpPr>
-        <p:grpSpPr>
-          <a:xfrm>
-            <a:off x="538522" y="5128048"/>
-            <a:ext cx="1355355" cy="657643"/>
-            <a:chOff x="3036793" y="4417972"/>
-            <a:chExt cx="1355355" cy="657643"/>
-          </a:xfrm>
-        </p:grpSpPr>
         <p:sp>
           <p:nvSpPr>
-            <p:cNvPr id="212" name="CustomShape 14"/>
+            <p:cNvPr id="313" name="CustomShape 2"/>
             <p:cNvSpPr/>
             <p:nvPr/>
           </p:nvSpPr>
           <p:spPr>
             <a:xfrm>
-              <a:off x="3036793" y="4436199"/>
-              <a:ext cx="1355355" cy="639416"/>
-            </a:xfrm>
-            <a:prstGeom prst="rect">
-              <a:avLst/>
-            </a:prstGeom>
-            <a:noFill/>
-            <a:ln>
-              <a:solidFill>
-                <a:schemeClr val="tx1"/>
-              </a:solidFill>
-              <a:round/>
-              <a:tailEnd type="triangle"/>
-            </a:ln>
-          </p:spPr>
-          <p:style>
-            <a:lnRef idx="2">
-              <a:schemeClr val="accent1">
-                <a:shade val="50000"/>
-              </a:schemeClr>
-            </a:lnRef>
-            <a:fillRef idx="1">
-              <a:schemeClr val="accent1"/>
-            </a:fillRef>
-            <a:effectRef idx="0">
-              <a:schemeClr val="accent1"/>
-            </a:effectRef>
-            <a:fontRef idx="minor"/>
-          </p:style>
-        </p:sp>
-        <p:sp>
-          <p:nvSpPr>
-            <p:cNvPr id="213" name="CustomShape 15"/>
-            <p:cNvSpPr/>
-            <p:nvPr/>
-          </p:nvSpPr>
-          <p:spPr>
-            <a:xfrm>
-              <a:off x="3108662" y="4417972"/>
-              <a:ext cx="1247314" cy="644877"/>
-            </a:xfrm>
-            <a:prstGeom prst="rect">
-              <a:avLst/>
-            </a:prstGeom>
-            <a:noFill/>
-            <a:ln w="0">
-              <a:noFill/>
-              <a:tailEnd type="triangle"/>
-            </a:ln>
-          </p:spPr>
-          <p:style>
-            <a:lnRef idx="0">
-              <a:scrgbClr r="0" g="0" b="0"/>
-            </a:lnRef>
-            <a:fillRef idx="0">
-              <a:scrgbClr r="0" g="0" b="0"/>
-            </a:fillRef>
-            <a:effectRef idx="0">
-              <a:scrgbClr r="0" g="0" b="0"/>
-            </a:effectRef>
-            <a:fontRef idx="minor"/>
-          </p:style>
-          <p:txBody>
-            <a:bodyPr wrap="square" lIns="90000" tIns="45000" rIns="90000" bIns="45000">
-              <a:spAutoFit/>
-            </a:bodyPr>
-            <a:lstStyle/>
-            <a:p>
-              <a:pPr algn="ctr">
-                <a:lnSpc>
-                  <a:spcPct val="100000"/>
-                </a:lnSpc>
-              </a:pPr>
-              <a:r>
-                <a:rPr lang="zh-TW" altLang="en-US" spc="-1" dirty="0" smtClean="0">
-                  <a:solidFill>
-                    <a:srgbClr val="000000"/>
-                  </a:solidFill>
-                  <a:latin typeface="Calibri"/>
-                </a:rPr>
-                <a:t>顯示</a:t>
-              </a:r>
-              <a:r>
-                <a:rPr lang="zh-TW" altLang="en-US" spc="-1" dirty="0">
-                  <a:solidFill>
-                    <a:srgbClr val="000000"/>
-                  </a:solidFill>
-                  <a:latin typeface="Calibri"/>
-                </a:rPr>
-                <a:t>公司</a:t>
-              </a:r>
-              <a:endParaRPr lang="en-US" altLang="zh-TW" spc="-1" dirty="0" smtClean="0">
-                <a:solidFill>
-                  <a:srgbClr val="000000"/>
-                </a:solidFill>
-                <a:latin typeface="Calibri"/>
-              </a:endParaRPr>
-            </a:p>
-            <a:p>
-              <a:pPr algn="ctr">
-                <a:lnSpc>
-                  <a:spcPct val="100000"/>
-                </a:lnSpc>
-              </a:pPr>
-              <a:r>
-                <a:rPr lang="zh-TW" altLang="en-US" spc="-1" dirty="0" smtClean="0">
-                  <a:solidFill>
-                    <a:srgbClr val="000000"/>
-                  </a:solidFill>
-                  <a:latin typeface="Calibri"/>
-                </a:rPr>
-                <a:t>結果</a:t>
-              </a:r>
-              <a:endParaRPr lang="en-US" sz="1800" b="0" strike="noStrike" spc="-1" dirty="0">
-                <a:latin typeface="Arial"/>
-              </a:endParaRPr>
-            </a:p>
-          </p:txBody>
-        </p:sp>
-      </p:grpSp>
-      <p:cxnSp>
-        <p:nvCxnSpPr>
-          <p:cNvPr id="217" name="直線單箭頭接點 216"/>
-          <p:cNvCxnSpPr>
-            <a:stCxn id="147" idx="3"/>
-            <a:endCxn id="283" idx="2"/>
-          </p:cNvCxnSpPr>
-          <p:nvPr/>
-        </p:nvCxnSpPr>
-        <p:spPr>
-          <a:xfrm flipV="1">
-            <a:off x="2584352" y="4164597"/>
-            <a:ext cx="1673709" cy="2886"/>
-          </a:xfrm>
-          <a:prstGeom prst="straightConnector1">
-            <a:avLst/>
-          </a:prstGeom>
-          <a:ln>
-            <a:solidFill>
-              <a:schemeClr val="tx1"/>
-            </a:solidFill>
-            <a:headEnd type="none" w="med" len="med"/>
-            <a:tailEnd type="triangle" w="med" len="med"/>
-          </a:ln>
-        </p:spPr>
-        <p:style>
-          <a:lnRef idx="1">
-            <a:schemeClr val="accent1"/>
-          </a:lnRef>
-          <a:fillRef idx="0">
-            <a:schemeClr val="accent1"/>
-          </a:fillRef>
-          <a:effectRef idx="0">
-            <a:schemeClr val="accent1"/>
-          </a:effectRef>
-          <a:fontRef idx="minor">
-            <a:schemeClr val="tx1"/>
-          </a:fontRef>
-        </p:style>
-      </p:cxnSp>
-      <p:cxnSp>
-        <p:nvCxnSpPr>
-          <p:cNvPr id="222" name="直線單箭頭接點 221"/>
-          <p:cNvCxnSpPr>
-            <a:stCxn id="283" idx="5"/>
-            <a:endCxn id="155" idx="1"/>
-          </p:cNvCxnSpPr>
-          <p:nvPr/>
-        </p:nvCxnSpPr>
-        <p:spPr>
-          <a:xfrm>
-            <a:off x="5984490" y="4164597"/>
-            <a:ext cx="1298628" cy="3071"/>
-          </a:xfrm>
-          <a:prstGeom prst="straightConnector1">
-            <a:avLst/>
-          </a:prstGeom>
-          <a:ln>
-            <a:solidFill>
-              <a:srgbClr val="0070C0"/>
-            </a:solidFill>
-            <a:headEnd type="none" w="med" len="med"/>
-            <a:tailEnd type="triangle" w="med" len="med"/>
-          </a:ln>
-        </p:spPr>
-        <p:style>
-          <a:lnRef idx="1">
-            <a:schemeClr val="accent1"/>
-          </a:lnRef>
-          <a:fillRef idx="0">
-            <a:schemeClr val="accent1"/>
-          </a:fillRef>
-          <a:effectRef idx="0">
-            <a:schemeClr val="accent1"/>
-          </a:effectRef>
-          <a:fontRef idx="minor">
-            <a:schemeClr val="tx1"/>
-          </a:fontRef>
-        </p:style>
-      </p:cxnSp>
-      <p:cxnSp>
-        <p:nvCxnSpPr>
-          <p:cNvPr id="225" name="直線單箭頭接點 224"/>
-          <p:cNvCxnSpPr>
-            <a:stCxn id="181" idx="2"/>
-            <a:endCxn id="212" idx="0"/>
-          </p:cNvCxnSpPr>
-          <p:nvPr/>
-        </p:nvCxnSpPr>
-        <p:spPr>
-          <a:xfrm>
-            <a:off x="1216200" y="4922996"/>
-            <a:ext cx="0" cy="223279"/>
-          </a:xfrm>
-          <a:prstGeom prst="straightConnector1">
-            <a:avLst/>
-          </a:prstGeom>
-          <a:ln>
-            <a:solidFill>
-              <a:schemeClr val="tx1"/>
-            </a:solidFill>
-            <a:headEnd type="none" w="med" len="med"/>
-            <a:tailEnd type="triangle" w="med" len="med"/>
-          </a:ln>
-        </p:spPr>
-        <p:style>
-          <a:lnRef idx="1">
-            <a:schemeClr val="accent1"/>
-          </a:lnRef>
-          <a:fillRef idx="0">
-            <a:schemeClr val="accent1"/>
-          </a:fillRef>
-          <a:effectRef idx="0">
-            <a:schemeClr val="accent1"/>
-          </a:effectRef>
-          <a:fontRef idx="minor">
-            <a:schemeClr val="tx1"/>
-          </a:fontRef>
-        </p:style>
-      </p:cxnSp>
-      <p:cxnSp>
-        <p:nvCxnSpPr>
-          <p:cNvPr id="230" name="直線單箭頭接點 229"/>
-          <p:cNvCxnSpPr>
-            <a:stCxn id="183" idx="2"/>
-            <a:endCxn id="208" idx="0"/>
-          </p:cNvCxnSpPr>
-          <p:nvPr/>
-        </p:nvCxnSpPr>
-        <p:spPr>
-          <a:xfrm flipH="1">
-            <a:off x="2945422" y="4927776"/>
-            <a:ext cx="5395" cy="224680"/>
-          </a:xfrm>
-          <a:prstGeom prst="straightConnector1">
-            <a:avLst/>
-          </a:prstGeom>
-          <a:ln>
-            <a:solidFill>
-              <a:schemeClr val="tx1"/>
-            </a:solidFill>
-            <a:headEnd type="none" w="med" len="med"/>
-            <a:tailEnd type="triangle" w="med" len="med"/>
-          </a:ln>
-        </p:spPr>
-        <p:style>
-          <a:lnRef idx="1">
-            <a:schemeClr val="accent1"/>
-          </a:lnRef>
-          <a:fillRef idx="0">
-            <a:schemeClr val="accent1"/>
-          </a:fillRef>
-          <a:effectRef idx="0">
-            <a:schemeClr val="accent1"/>
-          </a:effectRef>
-          <a:fontRef idx="minor">
-            <a:schemeClr val="tx1"/>
-          </a:fontRef>
-        </p:style>
-      </p:cxnSp>
-      <p:grpSp>
-        <p:nvGrpSpPr>
-          <p:cNvPr id="241" name="群組 240"/>
-          <p:cNvGrpSpPr/>
-          <p:nvPr/>
-        </p:nvGrpSpPr>
-        <p:grpSpPr>
-          <a:xfrm>
-            <a:off x="1475656" y="6150227"/>
-            <a:ext cx="1156713" cy="519133"/>
-            <a:chOff x="4202081" y="2621835"/>
-            <a:chExt cx="1156713" cy="519133"/>
-          </a:xfrm>
-        </p:grpSpPr>
-        <p:sp>
-          <p:nvSpPr>
-            <p:cNvPr id="242" name="CustomShape 2"/>
-            <p:cNvSpPr/>
-            <p:nvPr/>
-          </p:nvSpPr>
-          <p:spPr>
-            <a:xfrm>
-              <a:off x="4466443" y="2699061"/>
-              <a:ext cx="643166" cy="367878"/>
+              <a:off x="7807195" y="1115598"/>
+              <a:ext cx="1258206" cy="306323"/>
             </a:xfrm>
             <a:prstGeom prst="rect">
               <a:avLst/>
@@ -11810,15 +12888,24 @@
                 </a:lnSpc>
               </a:pPr>
               <a:r>
-                <a:rPr lang="zh-TW" altLang="en-US" spc="-1" dirty="0">
+                <a:rPr lang="zh-TW" altLang="en-US" sz="1400" spc="-1" dirty="0">
                   <a:solidFill>
                     <a:srgbClr val="000000"/>
                   </a:solidFill>
                   <a:latin typeface="Calibri"/>
                 </a:rPr>
-                <a:t>登出</a:t>
+                <a:t>資料傳輸</a:t>
               </a:r>
-              <a:endParaRPr lang="en-US" spc="-1" dirty="0">
+              <a:r>
+                <a:rPr lang="zh-TW" altLang="en-US" sz="1400" spc="-1" dirty="0" smtClean="0">
+                  <a:solidFill>
+                    <a:srgbClr val="000000"/>
+                  </a:solidFill>
+                  <a:latin typeface="Calibri"/>
+                </a:rPr>
+                <a:t>流程</a:t>
+              </a:r>
+              <a:endParaRPr lang="en-US" sz="1400" spc="-1" dirty="0">
                 <a:solidFill>
                   <a:srgbClr val="000000"/>
                 </a:solidFill>
@@ -11827,1461 +12914,375 @@
             </a:p>
           </p:txBody>
         </p:sp>
-        <p:sp>
-          <p:nvSpPr>
-            <p:cNvPr id="243" name="流程圖: 結束點 242"/>
-            <p:cNvSpPr/>
+        <p:cxnSp>
+          <p:nvCxnSpPr>
+            <p:cNvPr id="314" name="肘形接點 313"/>
+            <p:cNvCxnSpPr>
+              <a:stCxn id="151" idx="2"/>
+              <a:endCxn id="196" idx="5"/>
+            </p:cNvCxnSpPr>
             <p:nvPr/>
-          </p:nvSpPr>
+          </p:nvCxnSpPr>
           <p:spPr>
-            <a:xfrm>
-              <a:off x="4202081" y="2621835"/>
-              <a:ext cx="1156713" cy="519133"/>
+            <a:xfrm rot="10800000" flipV="1">
+              <a:off x="6249091" y="5547118"/>
+              <a:ext cx="1171887" cy="765156"/>
             </a:xfrm>
-            <a:prstGeom prst="flowChartTerminator">
-              <a:avLst/>
+            <a:prstGeom prst="bentConnector3">
+              <a:avLst>
+                <a:gd name="adj1" fmla="val 50000"/>
+              </a:avLst>
             </a:prstGeom>
-            <a:noFill/>
             <a:ln>
               <a:solidFill>
-                <a:schemeClr val="tx1"/>
+                <a:srgbClr val="0070C0"/>
               </a:solidFill>
-              <a:round/>
-              <a:tailEnd type="triangle"/>
+              <a:headEnd type="none" w="med" len="med"/>
+              <a:tailEnd type="triangle" w="med" len="med"/>
             </a:ln>
           </p:spPr>
           <p:style>
-            <a:lnRef idx="2">
-              <a:schemeClr val="accent1">
-                <a:shade val="50000"/>
-              </a:schemeClr>
-            </a:lnRef>
-            <a:fillRef idx="1">
+            <a:lnRef idx="1">
               <a:schemeClr val="accent1"/>
-            </a:fillRef>
-            <a:effectRef idx="0">
-              <a:schemeClr val="accent1"/>
-            </a:effectRef>
-            <a:fontRef idx="minor"/>
-          </p:style>
-          <p:txBody>
-            <a:bodyPr rtlCol="0" anchor="ctr"/>
-            <a:lstStyle/>
-            <a:p>
-              <a:pPr algn="ctr"/>
-              <a:endParaRPr lang="zh-TW" altLang="en-US"/>
-            </a:p>
-          </p:txBody>
-        </p:sp>
-      </p:grpSp>
-      <p:cxnSp>
-        <p:nvCxnSpPr>
-          <p:cNvPr id="247" name="肘形接點 246"/>
-          <p:cNvCxnSpPr>
-            <a:stCxn id="212" idx="3"/>
-            <a:endCxn id="243" idx="0"/>
-          </p:cNvCxnSpPr>
-          <p:nvPr/>
-        </p:nvCxnSpPr>
-        <p:spPr>
-          <a:xfrm>
-            <a:off x="1893877" y="5465983"/>
-            <a:ext cx="160136" cy="684244"/>
-          </a:xfrm>
-          <a:prstGeom prst="bentConnector2">
-            <a:avLst/>
-          </a:prstGeom>
-          <a:ln>
-            <a:solidFill>
-              <a:schemeClr val="tx1"/>
-            </a:solidFill>
-            <a:headEnd type="none" w="med" len="med"/>
-            <a:tailEnd type="triangle" w="med" len="med"/>
-          </a:ln>
-        </p:spPr>
-        <p:style>
-          <a:lnRef idx="1">
-            <a:schemeClr val="accent1"/>
-          </a:lnRef>
-          <a:fillRef idx="0">
-            <a:schemeClr val="accent1"/>
-          </a:fillRef>
-          <a:effectRef idx="0">
-            <a:schemeClr val="accent1"/>
-          </a:effectRef>
-          <a:fontRef idx="minor">
-            <a:schemeClr val="tx1"/>
-          </a:fontRef>
-        </p:style>
-      </p:cxnSp>
-      <p:cxnSp>
-        <p:nvCxnSpPr>
-          <p:cNvPr id="250" name="肘形接點 249"/>
-          <p:cNvCxnSpPr>
-            <a:stCxn id="208" idx="1"/>
-            <a:endCxn id="243" idx="0"/>
-          </p:cNvCxnSpPr>
-          <p:nvPr/>
-        </p:nvCxnSpPr>
-        <p:spPr>
-          <a:xfrm rot="10800000" flipV="1">
-            <a:off x="2054014" y="5472163"/>
-            <a:ext cx="213731" cy="678063"/>
-          </a:xfrm>
-          <a:prstGeom prst="bentConnector2">
-            <a:avLst/>
-          </a:prstGeom>
-          <a:ln>
-            <a:solidFill>
-              <a:schemeClr val="tx1"/>
-            </a:solidFill>
-            <a:headEnd type="none" w="med" len="med"/>
-            <a:tailEnd type="triangle" w="med" len="med"/>
-          </a:ln>
-        </p:spPr>
-        <p:style>
-          <a:lnRef idx="1">
-            <a:schemeClr val="accent1"/>
-          </a:lnRef>
-          <a:fillRef idx="0">
-            <a:schemeClr val="accent1"/>
-          </a:fillRef>
-          <a:effectRef idx="0">
-            <a:schemeClr val="accent1"/>
-          </a:effectRef>
-          <a:fontRef idx="minor">
-            <a:schemeClr val="tx1"/>
-          </a:fontRef>
-        </p:style>
-      </p:cxnSp>
-      <p:cxnSp>
-        <p:nvCxnSpPr>
-          <p:cNvPr id="254" name="肘形接點 253"/>
-          <p:cNvCxnSpPr>
-            <a:stCxn id="151" idx="3"/>
-            <a:endCxn id="213" idx="2"/>
-          </p:cNvCxnSpPr>
-          <p:nvPr/>
-        </p:nvCxnSpPr>
-        <p:spPr>
-          <a:xfrm rot="5400000" flipH="1">
-            <a:off x="4352743" y="2654231"/>
-            <a:ext cx="378987" cy="6616377"/>
-          </a:xfrm>
-          <a:prstGeom prst="bentConnector3">
-            <a:avLst>
-              <a:gd name="adj1" fmla="val -154567"/>
-            </a:avLst>
-          </a:prstGeom>
-          <a:ln>
-            <a:solidFill>
-              <a:srgbClr val="0070C0"/>
-            </a:solidFill>
-            <a:headEnd type="none" w="med" len="med"/>
-            <a:tailEnd type="triangle" w="med" len="med"/>
-          </a:ln>
-        </p:spPr>
-        <p:style>
-          <a:lnRef idx="1">
-            <a:schemeClr val="accent1"/>
-          </a:lnRef>
-          <a:fillRef idx="0">
-            <a:schemeClr val="accent1"/>
-          </a:fillRef>
-          <a:effectRef idx="0">
-            <a:schemeClr val="accent1"/>
-          </a:effectRef>
-          <a:fontRef idx="minor">
-            <a:schemeClr val="tx1"/>
-          </a:fontRef>
-        </p:style>
-      </p:cxnSp>
-      <p:grpSp>
-        <p:nvGrpSpPr>
-          <p:cNvPr id="258" name="群組 257"/>
-          <p:cNvGrpSpPr/>
-          <p:nvPr/>
-        </p:nvGrpSpPr>
-        <p:grpSpPr>
-          <a:xfrm>
-            <a:off x="1216200" y="1211608"/>
-            <a:ext cx="1699616" cy="830160"/>
-            <a:chOff x="4002233" y="2421020"/>
-            <a:chExt cx="1699616" cy="830160"/>
-          </a:xfrm>
-        </p:grpSpPr>
-        <p:sp>
-          <p:nvSpPr>
-            <p:cNvPr id="259" name="CustomShape 7"/>
-            <p:cNvSpPr/>
-            <p:nvPr/>
-          </p:nvSpPr>
-          <p:spPr>
-            <a:xfrm>
-              <a:off x="4002233" y="2421020"/>
-              <a:ext cx="1699616" cy="830160"/>
-            </a:xfrm>
-            <a:prstGeom prst="diamond">
-              <a:avLst/>
-            </a:prstGeom>
-            <a:noFill/>
-            <a:ln>
-              <a:solidFill>
-                <a:schemeClr val="tx1"/>
-              </a:solidFill>
-              <a:round/>
-              <a:tailEnd type="triangle"/>
-            </a:ln>
-          </p:spPr>
-          <p:style>
-            <a:lnRef idx="2">
-              <a:schemeClr val="accent1">
-                <a:shade val="50000"/>
-              </a:schemeClr>
-            </a:lnRef>
-            <a:fillRef idx="1">
-              <a:schemeClr val="accent1"/>
-            </a:fillRef>
-            <a:effectRef idx="0">
-              <a:schemeClr val="accent1"/>
-            </a:effectRef>
-            <a:fontRef idx="minor"/>
-          </p:style>
-        </p:sp>
-        <p:sp>
-          <p:nvSpPr>
-            <p:cNvPr id="260" name="CustomShape 8"/>
-            <p:cNvSpPr/>
-            <p:nvPr/>
-          </p:nvSpPr>
-          <p:spPr>
-            <a:xfrm>
-              <a:off x="4296169" y="2636907"/>
-              <a:ext cx="1104575" cy="367878"/>
-            </a:xfrm>
-            <a:prstGeom prst="rect">
-              <a:avLst/>
-            </a:prstGeom>
-            <a:noFill/>
-            <a:ln w="0">
-              <a:noFill/>
-              <a:tailEnd type="triangle"/>
-            </a:ln>
-          </p:spPr>
-          <p:style>
-            <a:lnRef idx="0">
-              <a:scrgbClr r="0" g="0" b="0"/>
             </a:lnRef>
             <a:fillRef idx="0">
-              <a:scrgbClr r="0" g="0" b="0"/>
-            </a:fillRef>
-            <a:effectRef idx="0">
-              <a:scrgbClr r="0" g="0" b="0"/>
-            </a:effectRef>
-            <a:fontRef idx="minor"/>
-          </p:style>
-          <p:txBody>
-            <a:bodyPr wrap="none" lIns="90000" tIns="45000" rIns="90000" bIns="45000">
-              <a:spAutoFit/>
-            </a:bodyPr>
-            <a:lstStyle/>
-            <a:p>
-              <a:pPr>
-                <a:lnSpc>
-                  <a:spcPct val="100000"/>
-                </a:lnSpc>
-              </a:pPr>
-              <a:r>
-                <a:rPr lang="zh-TW" altLang="en-US" spc="-1" dirty="0" smtClean="0">
-                  <a:solidFill>
-                    <a:srgbClr val="000000"/>
-                  </a:solidFill>
-                  <a:latin typeface="Calibri"/>
-                </a:rPr>
-                <a:t>同意</a:t>
-              </a:r>
-              <a:r>
-                <a:rPr lang="zh-TW" altLang="en-US" spc="-1" dirty="0">
-                  <a:solidFill>
-                    <a:srgbClr val="000000"/>
-                  </a:solidFill>
-                  <a:latin typeface="Calibri"/>
-                </a:rPr>
-                <a:t>規則</a:t>
-              </a:r>
-              <a:endParaRPr lang="en-US" spc="-1" dirty="0">
-                <a:solidFill>
-                  <a:srgbClr val="000000"/>
-                </a:solidFill>
-                <a:latin typeface="Calibri"/>
-              </a:endParaRPr>
-            </a:p>
-          </p:txBody>
-        </p:sp>
-      </p:grpSp>
-      <p:cxnSp>
-        <p:nvCxnSpPr>
-          <p:cNvPr id="261" name="直線單箭頭接點 260"/>
-          <p:cNvCxnSpPr>
-            <a:stCxn id="259" idx="2"/>
-            <a:endCxn id="46" idx="0"/>
-          </p:cNvCxnSpPr>
-          <p:nvPr/>
-        </p:nvCxnSpPr>
-        <p:spPr>
-          <a:xfrm>
-            <a:off x="2066008" y="2041768"/>
-            <a:ext cx="0" cy="197032"/>
-          </a:xfrm>
-          <a:prstGeom prst="straightConnector1">
-            <a:avLst/>
-          </a:prstGeom>
-          <a:ln>
-            <a:solidFill>
-              <a:schemeClr val="tx1"/>
-            </a:solidFill>
-            <a:headEnd type="none" w="med" len="med"/>
-            <a:tailEnd type="triangle" w="med" len="med"/>
-          </a:ln>
-        </p:spPr>
-        <p:style>
-          <a:lnRef idx="1">
-            <a:schemeClr val="accent1"/>
-          </a:lnRef>
-          <a:fillRef idx="0">
-            <a:schemeClr val="accent1"/>
-          </a:fillRef>
-          <a:effectRef idx="0">
-            <a:schemeClr val="accent1"/>
-          </a:effectRef>
-          <a:fontRef idx="minor">
-            <a:schemeClr val="tx1"/>
-          </a:fontRef>
-        </p:style>
-      </p:cxnSp>
-      <p:cxnSp>
-        <p:nvCxnSpPr>
-          <p:cNvPr id="264" name="直線單箭頭接點 263"/>
-          <p:cNvCxnSpPr>
-            <a:stCxn id="259" idx="3"/>
-            <a:endCxn id="272" idx="1"/>
-          </p:cNvCxnSpPr>
-          <p:nvPr/>
-        </p:nvCxnSpPr>
-        <p:spPr>
-          <a:xfrm flipV="1">
-            <a:off x="2915816" y="1625722"/>
-            <a:ext cx="734564" cy="966"/>
-          </a:xfrm>
-          <a:prstGeom prst="straightConnector1">
-            <a:avLst/>
-          </a:prstGeom>
-          <a:ln>
-            <a:solidFill>
-              <a:schemeClr val="tx1"/>
-            </a:solidFill>
-            <a:headEnd type="none" w="med" len="med"/>
-            <a:tailEnd type="triangle" w="med" len="med"/>
-          </a:ln>
-        </p:spPr>
-        <p:style>
-          <a:lnRef idx="1">
-            <a:schemeClr val="accent1"/>
-          </a:lnRef>
-          <a:fillRef idx="0">
-            <a:schemeClr val="accent1"/>
-          </a:fillRef>
-          <a:effectRef idx="0">
-            <a:schemeClr val="accent1"/>
-          </a:effectRef>
-          <a:fontRef idx="minor">
-            <a:schemeClr val="tx1"/>
-          </a:fontRef>
-        </p:style>
-      </p:cxnSp>
-      <p:grpSp>
-        <p:nvGrpSpPr>
-          <p:cNvPr id="270" name="群組 269"/>
-          <p:cNvGrpSpPr/>
-          <p:nvPr/>
-        </p:nvGrpSpPr>
-        <p:grpSpPr>
-          <a:xfrm>
-            <a:off x="3650380" y="1366155"/>
-            <a:ext cx="1156713" cy="519133"/>
-            <a:chOff x="4202081" y="2621835"/>
-            <a:chExt cx="1156713" cy="519133"/>
-          </a:xfrm>
-        </p:grpSpPr>
-        <p:sp>
-          <p:nvSpPr>
-            <p:cNvPr id="271" name="CustomShape 2"/>
-            <p:cNvSpPr/>
-            <p:nvPr/>
-          </p:nvSpPr>
-          <p:spPr>
-            <a:xfrm>
-              <a:off x="4466443" y="2699061"/>
-              <a:ext cx="643166" cy="367878"/>
-            </a:xfrm>
-            <a:prstGeom prst="rect">
-              <a:avLst/>
-            </a:prstGeom>
-            <a:noFill/>
-            <a:ln w="0">
-              <a:noFill/>
-              <a:tailEnd type="triangle"/>
-            </a:ln>
-          </p:spPr>
-          <p:style>
-            <a:lnRef idx="0">
-              <a:scrgbClr r="0" g="0" b="0"/>
-            </a:lnRef>
-            <a:fillRef idx="0">
-              <a:scrgbClr r="0" g="0" b="0"/>
-            </a:fillRef>
-            <a:effectRef idx="0">
-              <a:scrgbClr r="0" g="0" b="0"/>
-            </a:effectRef>
-            <a:fontRef idx="minor"/>
-          </p:style>
-          <p:txBody>
-            <a:bodyPr wrap="none" lIns="90000" tIns="45000" rIns="90000" bIns="45000">
-              <a:spAutoFit/>
-            </a:bodyPr>
-            <a:lstStyle/>
-            <a:p>
-              <a:pPr>
-                <a:lnSpc>
-                  <a:spcPct val="100000"/>
-                </a:lnSpc>
-              </a:pPr>
-              <a:r>
-                <a:rPr lang="zh-TW" altLang="en-US" spc="-1" dirty="0">
-                  <a:solidFill>
-                    <a:srgbClr val="000000"/>
-                  </a:solidFill>
-                  <a:latin typeface="Calibri"/>
-                </a:rPr>
-                <a:t>結束</a:t>
-              </a:r>
-              <a:endParaRPr lang="en-US" spc="-1" dirty="0">
-                <a:solidFill>
-                  <a:srgbClr val="000000"/>
-                </a:solidFill>
-                <a:latin typeface="Calibri"/>
-              </a:endParaRPr>
-            </a:p>
-          </p:txBody>
-        </p:sp>
-        <p:sp>
-          <p:nvSpPr>
-            <p:cNvPr id="272" name="流程圖: 結束點 271"/>
-            <p:cNvSpPr/>
-            <p:nvPr/>
-          </p:nvSpPr>
-          <p:spPr>
-            <a:xfrm>
-              <a:off x="4202081" y="2621835"/>
-              <a:ext cx="1156713" cy="519133"/>
-            </a:xfrm>
-            <a:prstGeom prst="flowChartTerminator">
-              <a:avLst/>
-            </a:prstGeom>
-            <a:noFill/>
-            <a:ln>
-              <a:solidFill>
-                <a:schemeClr val="tx1"/>
-              </a:solidFill>
-              <a:round/>
-              <a:tailEnd type="triangle"/>
-            </a:ln>
-          </p:spPr>
-          <p:style>
-            <a:lnRef idx="2">
-              <a:schemeClr val="accent1">
-                <a:shade val="50000"/>
-              </a:schemeClr>
-            </a:lnRef>
-            <a:fillRef idx="1">
-              <a:schemeClr val="accent1"/>
-            </a:fillRef>
-            <a:effectRef idx="0">
-              <a:schemeClr val="accent1"/>
-            </a:effectRef>
-            <a:fontRef idx="minor"/>
-          </p:style>
-          <p:txBody>
-            <a:bodyPr rtlCol="0" anchor="ctr"/>
-            <a:lstStyle/>
-            <a:p>
-              <a:pPr algn="ctr"/>
-              <a:endParaRPr lang="zh-TW" altLang="en-US"/>
-            </a:p>
-          </p:txBody>
-        </p:sp>
-      </p:grpSp>
-      <p:sp>
-        <p:nvSpPr>
-          <p:cNvPr id="274" name="CustomShape 26"/>
-          <p:cNvSpPr/>
-          <p:nvPr/>
-        </p:nvSpPr>
-        <p:spPr>
-          <a:xfrm>
-            <a:off x="2119661" y="1921940"/>
-            <a:ext cx="292320" cy="364680"/>
-          </a:xfrm>
-          <a:prstGeom prst="rect">
-            <a:avLst/>
-          </a:prstGeom>
-          <a:noFill/>
-          <a:ln w="0">
-            <a:noFill/>
-            <a:tailEnd type="triangle"/>
-          </a:ln>
-        </p:spPr>
-        <p:style>
-          <a:lnRef idx="0">
-            <a:scrgbClr r="0" g="0" b="0"/>
-          </a:lnRef>
-          <a:fillRef idx="0">
-            <a:scrgbClr r="0" g="0" b="0"/>
-          </a:fillRef>
-          <a:effectRef idx="0">
-            <a:scrgbClr r="0" g="0" b="0"/>
-          </a:effectRef>
-          <a:fontRef idx="minor"/>
-        </p:style>
-        <p:txBody>
-          <a:bodyPr wrap="none" lIns="90000" tIns="45000" rIns="90000" bIns="45000">
-            <a:spAutoFit/>
-          </a:bodyPr>
-          <a:lstStyle/>
-          <a:p>
-            <a:pPr>
-              <a:lnSpc>
-                <a:spcPct val="100000"/>
-              </a:lnSpc>
-            </a:pPr>
-            <a:r>
-              <a:rPr lang="en-US" sz="1800" b="0" strike="noStrike" spc="-1" dirty="0">
-                <a:solidFill>
-                  <a:srgbClr val="000000"/>
-                </a:solidFill>
-                <a:latin typeface="Calibri"/>
-              </a:rPr>
-              <a:t>Y</a:t>
-            </a:r>
-            <a:endParaRPr lang="en-US" sz="1800" b="0" strike="noStrike" spc="-1" dirty="0">
-              <a:latin typeface="Arial"/>
-            </a:endParaRPr>
-          </a:p>
-        </p:txBody>
-      </p:sp>
-      <p:sp>
-        <p:nvSpPr>
-          <p:cNvPr id="275" name="CustomShape 6"/>
-          <p:cNvSpPr/>
-          <p:nvPr/>
-        </p:nvSpPr>
-        <p:spPr>
-          <a:xfrm>
-            <a:off x="2870610" y="1245155"/>
-            <a:ext cx="329040" cy="364680"/>
-          </a:xfrm>
-          <a:prstGeom prst="rect">
-            <a:avLst/>
-          </a:prstGeom>
-          <a:noFill/>
-          <a:ln w="0">
-            <a:noFill/>
-            <a:tailEnd type="triangle"/>
-          </a:ln>
-        </p:spPr>
-        <p:style>
-          <a:lnRef idx="0">
-            <a:scrgbClr r="0" g="0" b="0"/>
-          </a:lnRef>
-          <a:fillRef idx="0">
-            <a:scrgbClr r="0" g="0" b="0"/>
-          </a:fillRef>
-          <a:effectRef idx="0">
-            <a:scrgbClr r="0" g="0" b="0"/>
-          </a:effectRef>
-          <a:fontRef idx="minor"/>
-        </p:style>
-        <p:txBody>
-          <a:bodyPr wrap="none" lIns="90000" tIns="45000" rIns="90000" bIns="45000">
-            <a:spAutoFit/>
-          </a:bodyPr>
-          <a:lstStyle/>
-          <a:p>
-            <a:pPr>
-              <a:lnSpc>
-                <a:spcPct val="100000"/>
-              </a:lnSpc>
-            </a:pPr>
-            <a:r>
-              <a:rPr lang="en-US" sz="1800" b="0" strike="noStrike" spc="-1" dirty="0">
-                <a:solidFill>
-                  <a:srgbClr val="000000"/>
-                </a:solidFill>
-                <a:latin typeface="Calibri"/>
-              </a:rPr>
-              <a:t>N</a:t>
-            </a:r>
-            <a:endParaRPr lang="en-US" sz="1800" b="0" strike="noStrike" spc="-1" dirty="0">
-              <a:latin typeface="Arial"/>
-            </a:endParaRPr>
-          </a:p>
-        </p:txBody>
-      </p:sp>
-      <p:cxnSp>
-        <p:nvCxnSpPr>
-          <p:cNvPr id="276" name="直線單箭頭接點 275"/>
-          <p:cNvCxnSpPr>
-            <a:stCxn id="134" idx="2"/>
-            <a:endCxn id="259" idx="0"/>
-          </p:cNvCxnSpPr>
-          <p:nvPr/>
-        </p:nvCxnSpPr>
-        <p:spPr>
-          <a:xfrm>
-            <a:off x="2054013" y="1059208"/>
-            <a:ext cx="11995" cy="152400"/>
-          </a:xfrm>
-          <a:prstGeom prst="straightConnector1">
-            <a:avLst/>
-          </a:prstGeom>
-          <a:ln>
-            <a:solidFill>
-              <a:schemeClr val="tx1"/>
-            </a:solidFill>
-            <a:headEnd type="none" w="med" len="med"/>
-            <a:tailEnd type="triangle" w="med" len="med"/>
-          </a:ln>
-        </p:spPr>
-        <p:style>
-          <a:lnRef idx="1">
-            <a:schemeClr val="accent1"/>
-          </a:lnRef>
-          <a:fillRef idx="0">
-            <a:schemeClr val="accent1"/>
-          </a:fillRef>
-          <a:effectRef idx="0">
-            <a:schemeClr val="accent1"/>
-          </a:effectRef>
-          <a:fontRef idx="minor">
-            <a:schemeClr val="tx1"/>
-          </a:fontRef>
-        </p:style>
-      </p:cxnSp>
-      <p:grpSp>
-        <p:nvGrpSpPr>
-          <p:cNvPr id="281" name="群組 280"/>
-          <p:cNvGrpSpPr/>
-          <p:nvPr/>
-        </p:nvGrpSpPr>
-        <p:grpSpPr>
-          <a:xfrm>
-            <a:off x="4042257" y="3826385"/>
-            <a:ext cx="2158037" cy="942191"/>
-            <a:chOff x="5841559" y="1179135"/>
-            <a:chExt cx="1246653" cy="787477"/>
-          </a:xfrm>
-        </p:grpSpPr>
-        <p:sp>
-          <p:nvSpPr>
-            <p:cNvPr id="282" name="CustomShape 12"/>
-            <p:cNvSpPr/>
-            <p:nvPr/>
-          </p:nvSpPr>
-          <p:spPr>
-            <a:xfrm>
-              <a:off x="6000955" y="1196114"/>
-              <a:ext cx="945233" cy="770498"/>
-            </a:xfrm>
-            <a:prstGeom prst="rect">
-              <a:avLst/>
-            </a:prstGeom>
-            <a:noFill/>
-            <a:ln w="0">
-              <a:noFill/>
-              <a:tailEnd type="triangle"/>
-            </a:ln>
-          </p:spPr>
-          <p:style>
-            <a:lnRef idx="0">
-              <a:scrgbClr r="0" g="0" b="0"/>
-            </a:lnRef>
-            <a:fillRef idx="0">
-              <a:scrgbClr r="0" g="0" b="0"/>
-            </a:fillRef>
-            <a:effectRef idx="0">
-              <a:scrgbClr r="0" g="0" b="0"/>
-            </a:effectRef>
-            <a:fontRef idx="minor"/>
-          </p:style>
-          <p:txBody>
-            <a:bodyPr wrap="none" lIns="90000" tIns="45000" rIns="90000" bIns="45000">
-              <a:spAutoFit/>
-            </a:bodyPr>
-            <a:lstStyle/>
-            <a:p>
-              <a:pPr algn="ctr">
-                <a:lnSpc>
-                  <a:spcPct val="100000"/>
-                </a:lnSpc>
-              </a:pPr>
-              <a:r>
-                <a:rPr lang="zh-TW" altLang="en-US" spc="-1" dirty="0" smtClean="0">
-                  <a:solidFill>
-                    <a:srgbClr val="000000"/>
-                  </a:solidFill>
-                  <a:latin typeface="Calibri"/>
-                </a:rPr>
-                <a:t>修改基本資料</a:t>
-              </a:r>
-              <a:endParaRPr lang="en-US" altLang="zh-TW" spc="-1" dirty="0">
-                <a:solidFill>
-                  <a:srgbClr val="000000"/>
-                </a:solidFill>
-                <a:latin typeface="Calibri"/>
-              </a:endParaRPr>
-            </a:p>
-            <a:p>
-              <a:pPr algn="ctr">
-                <a:lnSpc>
-                  <a:spcPct val="100000"/>
-                </a:lnSpc>
-              </a:pPr>
-              <a:r>
-                <a:rPr lang="zh-TW" altLang="en-US" spc="-1" dirty="0" smtClean="0">
-                  <a:solidFill>
-                    <a:srgbClr val="000000"/>
-                  </a:solidFill>
-                  <a:latin typeface="Calibri"/>
-                </a:rPr>
-                <a:t>或密碼</a:t>
-              </a:r>
-              <a:endParaRPr lang="en-US" altLang="zh-TW" spc="-1" dirty="0" smtClean="0">
-                <a:solidFill>
-                  <a:srgbClr val="000000"/>
-                </a:solidFill>
-                <a:latin typeface="Calibri"/>
-              </a:endParaRPr>
-            </a:p>
-            <a:p>
-              <a:pPr>
-                <a:lnSpc>
-                  <a:spcPct val="100000"/>
-                </a:lnSpc>
-              </a:pPr>
-              <a:endParaRPr lang="en-US" altLang="zh-TW" spc="-1" dirty="0"/>
-            </a:p>
-          </p:txBody>
-        </p:sp>
-        <p:sp>
-          <p:nvSpPr>
-            <p:cNvPr id="283" name="流程圖: 資料 282"/>
-            <p:cNvSpPr/>
-            <p:nvPr/>
-          </p:nvSpPr>
-          <p:spPr>
-            <a:xfrm>
-              <a:off x="5841559" y="1179135"/>
-              <a:ext cx="1246653" cy="565350"/>
-            </a:xfrm>
-            <a:prstGeom prst="flowChartInputOutput">
-              <a:avLst/>
-            </a:prstGeom>
-            <a:noFill/>
-            <a:ln>
-              <a:solidFill>
-                <a:schemeClr val="tx1"/>
-              </a:solidFill>
-            </a:ln>
-          </p:spPr>
-          <p:style>
-            <a:lnRef idx="2">
-              <a:schemeClr val="accent1">
-                <a:shade val="50000"/>
-              </a:schemeClr>
-            </a:lnRef>
-            <a:fillRef idx="1">
               <a:schemeClr val="accent1"/>
             </a:fillRef>
             <a:effectRef idx="0">
               <a:schemeClr val="accent1"/>
             </a:effectRef>
             <a:fontRef idx="minor">
-              <a:schemeClr val="lt1"/>
+              <a:schemeClr val="tx1"/>
             </a:fontRef>
           </p:style>
-          <p:txBody>
-            <a:bodyPr rtlCol="0" anchor="ctr"/>
-            <a:lstStyle/>
-            <a:p>
-              <a:pPr algn="ctr"/>
-              <a:endParaRPr lang="zh-TW" altLang="en-US"/>
-            </a:p>
-          </p:txBody>
-        </p:sp>
-      </p:grpSp>
-      <p:cxnSp>
-        <p:nvCxnSpPr>
-          <p:cNvPr id="296" name="直線單箭頭接點 295"/>
-          <p:cNvCxnSpPr>
-            <a:stCxn id="202" idx="1"/>
-            <a:endCxn id="208" idx="3"/>
-          </p:cNvCxnSpPr>
-          <p:nvPr/>
-        </p:nvCxnSpPr>
-        <p:spPr>
-          <a:xfrm flipH="1" flipV="1">
-            <a:off x="3623099" y="5472164"/>
-            <a:ext cx="1452957" cy="5540"/>
-          </a:xfrm>
-          <a:prstGeom prst="straightConnector1">
-            <a:avLst/>
-          </a:prstGeom>
-          <a:ln>
-            <a:solidFill>
-              <a:srgbClr val="0070C0"/>
-            </a:solidFill>
-            <a:headEnd type="none" w="med" len="med"/>
-            <a:tailEnd type="triangle" w="med" len="med"/>
-          </a:ln>
-        </p:spPr>
-        <p:style>
-          <a:lnRef idx="1">
-            <a:schemeClr val="accent1"/>
-          </a:lnRef>
-          <a:fillRef idx="0">
-            <a:schemeClr val="accent1"/>
-          </a:fillRef>
-          <a:effectRef idx="0">
-            <a:schemeClr val="accent1"/>
-          </a:effectRef>
-          <a:fontRef idx="minor">
-            <a:schemeClr val="tx1"/>
-          </a:fontRef>
-        </p:style>
-      </p:cxnSp>
-      <p:cxnSp>
-        <p:nvCxnSpPr>
-          <p:cNvPr id="299" name="肘形接點 298"/>
-          <p:cNvCxnSpPr>
-            <a:stCxn id="282" idx="0"/>
-            <a:endCxn id="127" idx="3"/>
-          </p:cNvCxnSpPr>
-          <p:nvPr/>
-        </p:nvCxnSpPr>
-        <p:spPr>
-          <a:xfrm rot="16200000" flipV="1">
-            <a:off x="3701499" y="2411887"/>
-            <a:ext cx="324968" cy="2544658"/>
-          </a:xfrm>
-          <a:prstGeom prst="bentConnector2">
-            <a:avLst/>
-          </a:prstGeom>
-          <a:ln>
-            <a:solidFill>
-              <a:schemeClr val="tx1"/>
-            </a:solidFill>
-            <a:headEnd type="none" w="med" len="med"/>
-            <a:tailEnd type="triangle" w="med" len="med"/>
-          </a:ln>
-        </p:spPr>
-        <p:style>
-          <a:lnRef idx="1">
-            <a:schemeClr val="accent1"/>
-          </a:lnRef>
-          <a:fillRef idx="0">
-            <a:schemeClr val="accent1"/>
-          </a:fillRef>
-          <a:effectRef idx="0">
-            <a:schemeClr val="accent1"/>
-          </a:effectRef>
-          <a:fontRef idx="minor">
-            <a:schemeClr val="tx1"/>
-          </a:fontRef>
-        </p:style>
-      </p:cxnSp>
-      <p:cxnSp>
-        <p:nvCxnSpPr>
-          <p:cNvPr id="306" name="直線接點 305"/>
-          <p:cNvCxnSpPr/>
-          <p:nvPr/>
-        </p:nvCxnSpPr>
-        <p:spPr>
-          <a:xfrm>
-            <a:off x="6835033" y="799641"/>
-            <a:ext cx="914400" cy="0"/>
-          </a:xfrm>
-          <a:prstGeom prst="line">
-            <a:avLst/>
-          </a:prstGeom>
-          <a:ln w="38100">
-            <a:solidFill>
-              <a:schemeClr val="tx1"/>
-            </a:solidFill>
-            <a:headEnd type="none" w="med" len="med"/>
-            <a:tailEnd type="none"/>
-          </a:ln>
-        </p:spPr>
-        <p:style>
-          <a:lnRef idx="1">
-            <a:schemeClr val="accent1"/>
-          </a:lnRef>
-          <a:fillRef idx="0">
-            <a:schemeClr val="accent1"/>
-          </a:fillRef>
-          <a:effectRef idx="0">
-            <a:schemeClr val="accent1"/>
-          </a:effectRef>
-          <a:fontRef idx="minor">
-            <a:schemeClr val="tx1"/>
-          </a:fontRef>
-        </p:style>
-      </p:cxnSp>
-      <p:cxnSp>
-        <p:nvCxnSpPr>
-          <p:cNvPr id="311" name="直線接點 310"/>
-          <p:cNvCxnSpPr/>
-          <p:nvPr/>
-        </p:nvCxnSpPr>
-        <p:spPr>
-          <a:xfrm>
-            <a:off x="6831448" y="1268760"/>
-            <a:ext cx="914400" cy="0"/>
-          </a:xfrm>
-          <a:prstGeom prst="line">
-            <a:avLst/>
-          </a:prstGeom>
-          <a:ln w="38100">
-            <a:solidFill>
-              <a:srgbClr val="0070C0"/>
-            </a:solidFill>
-            <a:headEnd type="none" w="med" len="med"/>
-            <a:tailEnd type="none"/>
-          </a:ln>
-        </p:spPr>
-        <p:style>
-          <a:lnRef idx="1">
-            <a:schemeClr val="accent1"/>
-          </a:lnRef>
-          <a:fillRef idx="0">
-            <a:schemeClr val="accent1"/>
-          </a:fillRef>
-          <a:effectRef idx="0">
-            <a:schemeClr val="accent1"/>
-          </a:effectRef>
-          <a:fontRef idx="minor">
-            <a:schemeClr val="tx1"/>
-          </a:fontRef>
-        </p:style>
-      </p:cxnSp>
-      <p:sp>
-        <p:nvSpPr>
-          <p:cNvPr id="312" name="CustomShape 2"/>
-          <p:cNvSpPr/>
-          <p:nvPr/>
-        </p:nvSpPr>
-        <p:spPr>
-          <a:xfrm>
-            <a:off x="7798170" y="660117"/>
-            <a:ext cx="719982" cy="306323"/>
-          </a:xfrm>
-          <a:prstGeom prst="rect">
-            <a:avLst/>
-          </a:prstGeom>
-          <a:noFill/>
-          <a:ln w="0">
-            <a:noFill/>
-            <a:tailEnd type="triangle"/>
-          </a:ln>
-        </p:spPr>
-        <p:style>
-          <a:lnRef idx="0">
-            <a:scrgbClr r="0" g="0" b="0"/>
-          </a:lnRef>
-          <a:fillRef idx="0">
-            <a:scrgbClr r="0" g="0" b="0"/>
-          </a:fillRef>
-          <a:effectRef idx="0">
-            <a:scrgbClr r="0" g="0" b="0"/>
-          </a:effectRef>
-          <a:fontRef idx="minor"/>
-        </p:style>
-        <p:txBody>
-          <a:bodyPr wrap="none" lIns="90000" tIns="45000" rIns="90000" bIns="45000">
-            <a:spAutoFit/>
-          </a:bodyPr>
-          <a:lstStyle/>
-          <a:p>
-            <a:pPr>
-              <a:lnSpc>
-                <a:spcPct val="100000"/>
-              </a:lnSpc>
-            </a:pPr>
-            <a:r>
-              <a:rPr lang="zh-TW" altLang="en-US" sz="1400" spc="-1" dirty="0" smtClean="0">
+        </p:cxnSp>
+        <p:grpSp>
+          <p:nvGrpSpPr>
+            <p:cNvPr id="321" name="群組 320"/>
+            <p:cNvGrpSpPr/>
+            <p:nvPr/>
+          </p:nvGrpSpPr>
+          <p:grpSpPr>
+            <a:xfrm>
+              <a:off x="178549" y="1211495"/>
+              <a:ext cx="793051" cy="3153609"/>
+              <a:chOff x="107504" y="635431"/>
+              <a:chExt cx="793051" cy="3153609"/>
+            </a:xfrm>
+          </p:grpSpPr>
+          <p:sp>
+            <p:nvSpPr>
+              <p:cNvPr id="317" name="矩形 316"/>
+              <p:cNvSpPr/>
+              <p:nvPr/>
+            </p:nvSpPr>
+            <p:spPr>
+              <a:xfrm>
+                <a:off x="107504" y="635431"/>
+                <a:ext cx="792088" cy="3139321"/>
+              </a:xfrm>
+              <a:prstGeom prst="rect">
+                <a:avLst/>
+              </a:prstGeom>
+              <a:noFill/>
+              <a:ln>
                 <a:solidFill>
-                  <a:srgbClr val="000000"/>
+                  <a:srgbClr val="0070C0"/>
                 </a:solidFill>
-                <a:latin typeface="Calibri"/>
-              </a:rPr>
-              <a:t>主流程</a:t>
-            </a:r>
-            <a:endParaRPr lang="en-US" sz="1400" spc="-1" dirty="0">
-              <a:solidFill>
-                <a:srgbClr val="000000"/>
-              </a:solidFill>
-              <a:latin typeface="Calibri"/>
-            </a:endParaRPr>
-          </a:p>
-        </p:txBody>
-      </p:sp>
-      <p:sp>
-        <p:nvSpPr>
-          <p:cNvPr id="313" name="CustomShape 2"/>
-          <p:cNvSpPr/>
-          <p:nvPr/>
-        </p:nvSpPr>
-        <p:spPr>
-          <a:xfrm>
-            <a:off x="7807195" y="1115598"/>
-            <a:ext cx="1258206" cy="306323"/>
-          </a:xfrm>
-          <a:prstGeom prst="rect">
-            <a:avLst/>
-          </a:prstGeom>
-          <a:noFill/>
-          <a:ln w="0">
-            <a:noFill/>
-            <a:tailEnd type="triangle"/>
-          </a:ln>
-        </p:spPr>
-        <p:style>
-          <a:lnRef idx="0">
-            <a:scrgbClr r="0" g="0" b="0"/>
-          </a:lnRef>
-          <a:fillRef idx="0">
-            <a:scrgbClr r="0" g="0" b="0"/>
-          </a:fillRef>
-          <a:effectRef idx="0">
-            <a:scrgbClr r="0" g="0" b="0"/>
-          </a:effectRef>
-          <a:fontRef idx="minor"/>
-        </p:style>
-        <p:txBody>
-          <a:bodyPr wrap="none" lIns="90000" tIns="45000" rIns="90000" bIns="45000">
-            <a:spAutoFit/>
-          </a:bodyPr>
-          <a:lstStyle/>
-          <a:p>
-            <a:pPr>
-              <a:lnSpc>
-                <a:spcPct val="100000"/>
-              </a:lnSpc>
-            </a:pPr>
-            <a:r>
-              <a:rPr lang="zh-TW" altLang="en-US" sz="1400" spc="-1" dirty="0">
-                <a:solidFill>
-                  <a:srgbClr val="000000"/>
-                </a:solidFill>
-                <a:latin typeface="Calibri"/>
-              </a:rPr>
-              <a:t>資料傳輸</a:t>
-            </a:r>
-            <a:r>
-              <a:rPr lang="zh-TW" altLang="en-US" sz="1400" spc="-1" dirty="0" smtClean="0">
-                <a:solidFill>
-                  <a:srgbClr val="000000"/>
-                </a:solidFill>
-                <a:latin typeface="Calibri"/>
-              </a:rPr>
-              <a:t>流程</a:t>
-            </a:r>
-            <a:endParaRPr lang="en-US" sz="1400" spc="-1" dirty="0">
-              <a:solidFill>
-                <a:srgbClr val="000000"/>
-              </a:solidFill>
-              <a:latin typeface="Calibri"/>
-            </a:endParaRPr>
-          </a:p>
-        </p:txBody>
-      </p:sp>
-      <p:cxnSp>
-        <p:nvCxnSpPr>
-          <p:cNvPr id="314" name="肘形接點 313"/>
-          <p:cNvCxnSpPr>
-            <a:stCxn id="151" idx="2"/>
-            <a:endCxn id="196" idx="5"/>
-          </p:cNvCxnSpPr>
-          <p:nvPr/>
-        </p:nvCxnSpPr>
-        <p:spPr>
-          <a:xfrm rot="10800000" flipV="1">
-            <a:off x="6249091" y="5547118"/>
-            <a:ext cx="1171887" cy="765156"/>
-          </a:xfrm>
-          <a:prstGeom prst="bentConnector3">
-            <a:avLst>
-              <a:gd name="adj1" fmla="val 50000"/>
-            </a:avLst>
-          </a:prstGeom>
-          <a:ln>
-            <a:solidFill>
-              <a:srgbClr val="0070C0"/>
-            </a:solidFill>
-            <a:headEnd type="none" w="med" len="med"/>
-            <a:tailEnd type="triangle" w="med" len="med"/>
-          </a:ln>
-        </p:spPr>
-        <p:style>
-          <a:lnRef idx="1">
-            <a:schemeClr val="accent1"/>
-          </a:lnRef>
-          <a:fillRef idx="0">
-            <a:schemeClr val="accent1"/>
-          </a:fillRef>
-          <a:effectRef idx="0">
-            <a:schemeClr val="accent1"/>
-          </a:effectRef>
-          <a:fontRef idx="minor">
-            <a:schemeClr val="tx1"/>
-          </a:fontRef>
-        </p:style>
-      </p:cxnSp>
-      <p:grpSp>
-        <p:nvGrpSpPr>
-          <p:cNvPr id="321" name="群組 320"/>
-          <p:cNvGrpSpPr/>
-          <p:nvPr/>
-        </p:nvGrpSpPr>
-        <p:grpSpPr>
-          <a:xfrm>
-            <a:off x="178549" y="1211495"/>
-            <a:ext cx="793051" cy="3153609"/>
-            <a:chOff x="107504" y="635431"/>
-            <a:chExt cx="793051" cy="3153609"/>
-          </a:xfrm>
-        </p:grpSpPr>
-        <p:sp>
-          <p:nvSpPr>
-            <p:cNvPr id="317" name="矩形 316"/>
-            <p:cNvSpPr/>
+                <a:prstDash val="dash"/>
+              </a:ln>
+            </p:spPr>
+            <p:style>
+              <a:lnRef idx="2">
+                <a:schemeClr val="accent1">
+                  <a:shade val="50000"/>
+                </a:schemeClr>
+              </a:lnRef>
+              <a:fillRef idx="1">
+                <a:schemeClr val="accent1"/>
+              </a:fillRef>
+              <a:effectRef idx="0">
+                <a:schemeClr val="accent1"/>
+              </a:effectRef>
+              <a:fontRef idx="minor">
+                <a:schemeClr val="lt1"/>
+              </a:fontRef>
+            </p:style>
+            <p:txBody>
+              <a:bodyPr rtlCol="0" anchor="ctr"/>
+              <a:lstStyle/>
+              <a:p>
+                <a:pPr algn="ctr"/>
+                <a:endParaRPr lang="zh-TW" altLang="en-US"/>
+              </a:p>
+            </p:txBody>
+          </p:sp>
+          <p:sp>
+            <p:nvSpPr>
+              <p:cNvPr id="319" name="文字方塊 318"/>
+              <p:cNvSpPr txBox="1"/>
+              <p:nvPr/>
+            </p:nvSpPr>
+            <p:spPr>
+              <a:xfrm>
+                <a:off x="452034" y="649719"/>
+                <a:ext cx="448521" cy="3139321"/>
+              </a:xfrm>
+              <a:prstGeom prst="rect">
+                <a:avLst/>
+              </a:prstGeom>
+              <a:noFill/>
+              <a:ln>
+                <a:noFill/>
+              </a:ln>
+            </p:spPr>
+            <p:txBody>
+              <a:bodyPr wrap="none" rtlCol="0">
+                <a:spAutoFit/>
+              </a:bodyPr>
+              <a:lstStyle/>
+              <a:p>
+                <a:r>
+                  <a:rPr lang="zh-TW" altLang="en-US" dirty="0"/>
+                  <a:t>非</a:t>
+                </a:r>
+                <a:endParaRPr lang="en-US" altLang="zh-TW" dirty="0" smtClean="0"/>
+              </a:p>
+              <a:p>
+                <a:r>
+                  <a:rPr lang="zh-TW" altLang="en-US" dirty="0"/>
+                  <a:t>區</a:t>
+                </a:r>
+                <a:endParaRPr lang="en-US" altLang="zh-TW" dirty="0" smtClean="0"/>
+              </a:p>
+              <a:p>
+                <a:r>
+                  <a:rPr lang="zh-TW" altLang="en-US" dirty="0"/>
+                  <a:t>間</a:t>
+                </a:r>
+                <a:endParaRPr lang="en-US" altLang="zh-TW" dirty="0" smtClean="0"/>
+              </a:p>
+              <a:p>
+                <a:pPr algn="ctr"/>
+                <a:r>
+                  <a:rPr lang="zh-TW" altLang="en-US" dirty="0"/>
+                  <a:t>範</a:t>
+                </a:r>
+                <a:endParaRPr lang="en-US" altLang="zh-TW" dirty="0" smtClean="0"/>
+              </a:p>
+              <a:p>
+                <a:pPr algn="ctr"/>
+                <a:r>
+                  <a:rPr lang="zh-TW" altLang="en-US" dirty="0" smtClean="0"/>
+                  <a:t>圍</a:t>
+                </a:r>
+                <a:endParaRPr lang="en-US" altLang="zh-TW" dirty="0" smtClean="0"/>
+              </a:p>
+              <a:p>
+                <a:pPr algn="ctr"/>
+                <a:r>
+                  <a:rPr lang="zh-TW" altLang="en-US" dirty="0"/>
+                  <a:t>可</a:t>
+                </a:r>
+                <a:endParaRPr lang="en-US" altLang="zh-TW" dirty="0" smtClean="0"/>
+              </a:p>
+              <a:p>
+                <a:pPr algn="ctr"/>
+                <a:r>
+                  <a:rPr lang="zh-TW" altLang="en-US" dirty="0"/>
+                  <a:t>能</a:t>
+                </a:r>
+                <a:endParaRPr lang="en-US" altLang="zh-TW" dirty="0" smtClean="0"/>
+              </a:p>
+              <a:p>
+                <a:pPr algn="ctr"/>
+                <a:r>
+                  <a:rPr lang="zh-TW" altLang="en-US" dirty="0" smtClean="0"/>
+                  <a:t>查</a:t>
+                </a:r>
+                <a:endParaRPr lang="en-US" altLang="zh-TW" dirty="0" smtClean="0"/>
+              </a:p>
+              <a:p>
+                <a:pPr algn="ctr"/>
+                <a:r>
+                  <a:rPr lang="zh-TW" altLang="en-US" dirty="0"/>
+                  <a:t>無</a:t>
+                </a:r>
+                <a:endParaRPr lang="en-US" altLang="zh-TW" dirty="0" smtClean="0"/>
+              </a:p>
+              <a:p>
+                <a:pPr algn="ctr"/>
+                <a:r>
+                  <a:rPr lang="zh-TW" altLang="en-US" dirty="0" smtClean="0"/>
+                  <a:t>資</a:t>
+                </a:r>
+                <a:endParaRPr lang="en-US" altLang="zh-TW" dirty="0" smtClean="0"/>
+              </a:p>
+              <a:p>
+                <a:pPr algn="ctr"/>
+                <a:r>
+                  <a:rPr lang="zh-TW" altLang="en-US" dirty="0" smtClean="0"/>
+                  <a:t>料</a:t>
+                </a:r>
+                <a:endParaRPr lang="en-US" altLang="zh-TW" dirty="0" smtClean="0"/>
+              </a:p>
+            </p:txBody>
+          </p:sp>
+          <p:sp>
+            <p:nvSpPr>
+              <p:cNvPr id="320" name="文字方塊 319"/>
+              <p:cNvSpPr txBox="1"/>
+              <p:nvPr/>
+            </p:nvSpPr>
+            <p:spPr>
+              <a:xfrm>
+                <a:off x="121792" y="639217"/>
+                <a:ext cx="447558" cy="3139321"/>
+              </a:xfrm>
+              <a:prstGeom prst="rect">
+                <a:avLst/>
+              </a:prstGeom>
+              <a:noFill/>
+              <a:ln>
+                <a:noFill/>
+              </a:ln>
+            </p:spPr>
+            <p:txBody>
+              <a:bodyPr wrap="none" rtlCol="0">
+                <a:spAutoFit/>
+              </a:bodyPr>
+              <a:lstStyle/>
+              <a:p>
+                <a:r>
+                  <a:rPr lang="zh-TW" altLang="en-US" dirty="0" smtClean="0"/>
+                  <a:t>限</a:t>
+                </a:r>
+                <a:endParaRPr lang="en-US" altLang="zh-TW" dirty="0" smtClean="0"/>
+              </a:p>
+              <a:p>
+                <a:r>
+                  <a:rPr lang="en-US" altLang="zh-TW" dirty="0" smtClean="0"/>
+                  <a:t>54</a:t>
+                </a:r>
+              </a:p>
+              <a:p>
+                <a:r>
+                  <a:rPr lang="zh-TW" altLang="en-US" dirty="0" smtClean="0"/>
+                  <a:t>歲</a:t>
+                </a:r>
+                <a:endParaRPr lang="en-US" altLang="zh-TW" dirty="0" smtClean="0"/>
+              </a:p>
+              <a:p>
+                <a:pPr algn="ctr"/>
+                <a:r>
+                  <a:rPr lang="en-US" altLang="zh-TW" dirty="0" smtClean="0"/>
+                  <a:t>I</a:t>
+                </a:r>
+              </a:p>
+              <a:p>
+                <a:pPr algn="ctr"/>
+                <a:r>
+                  <a:rPr lang="zh-TW" altLang="en-US" dirty="0" smtClean="0"/>
+                  <a:t>年</a:t>
+                </a:r>
+                <a:endParaRPr lang="en-US" altLang="zh-TW" dirty="0" smtClean="0"/>
+              </a:p>
+              <a:p>
+                <a:pPr algn="ctr"/>
+                <a:r>
+                  <a:rPr lang="zh-TW" altLang="en-US" dirty="0" smtClean="0"/>
+                  <a:t>滿</a:t>
+                </a:r>
+                <a:endParaRPr lang="en-US" altLang="zh-TW" dirty="0" smtClean="0"/>
+              </a:p>
+              <a:p>
+                <a:pPr algn="ctr"/>
+                <a:r>
+                  <a:rPr lang="zh-TW" altLang="en-US" dirty="0" smtClean="0"/>
+                  <a:t>六</a:t>
+                </a:r>
+                <a:endParaRPr lang="en-US" altLang="zh-TW" dirty="0" smtClean="0"/>
+              </a:p>
+              <a:p>
+                <a:pPr algn="ctr"/>
+                <a:r>
+                  <a:rPr lang="zh-TW" altLang="en-US" dirty="0" smtClean="0"/>
+                  <a:t>個</a:t>
+                </a:r>
+                <a:endParaRPr lang="en-US" altLang="zh-TW" dirty="0" smtClean="0"/>
+              </a:p>
+              <a:p>
+                <a:pPr algn="ctr"/>
+                <a:r>
+                  <a:rPr lang="zh-TW" altLang="en-US" dirty="0" smtClean="0"/>
+                  <a:t>月</a:t>
+                </a:r>
+                <a:endParaRPr lang="en-US" altLang="zh-TW" dirty="0" smtClean="0"/>
+              </a:p>
+              <a:p>
+                <a:pPr algn="ctr"/>
+                <a:r>
+                  <a:rPr lang="zh-TW" altLang="en-US" dirty="0" smtClean="0"/>
+                  <a:t>使</a:t>
+                </a:r>
+                <a:endParaRPr lang="en-US" altLang="zh-TW" dirty="0" smtClean="0"/>
+              </a:p>
+              <a:p>
+                <a:pPr algn="ctr"/>
+                <a:r>
+                  <a:rPr lang="zh-TW" altLang="en-US" dirty="0"/>
+                  <a:t>用</a:t>
+                </a:r>
+                <a:endParaRPr lang="en-US" altLang="zh-TW" dirty="0" smtClean="0"/>
+              </a:p>
+            </p:txBody>
+          </p:sp>
+        </p:grpSp>
+        <p:cxnSp>
+          <p:nvCxnSpPr>
+            <p:cNvPr id="325" name="肘形接點 324"/>
+            <p:cNvCxnSpPr>
+              <a:stCxn id="259" idx="1"/>
+              <a:endCxn id="317" idx="0"/>
+            </p:cNvCxnSpPr>
             <p:nvPr/>
-          </p:nvSpPr>
+          </p:nvCxnSpPr>
           <p:spPr>
-            <a:xfrm>
-              <a:off x="107504" y="635431"/>
-              <a:ext cx="792088" cy="3139321"/>
+            <a:xfrm rot="10800000">
+              <a:off x="574594" y="1211496"/>
+              <a:ext cx="641607" cy="415193"/>
             </a:xfrm>
-            <a:prstGeom prst="rect">
-              <a:avLst/>
+            <a:prstGeom prst="bentConnector4">
+              <a:avLst>
+                <a:gd name="adj1" fmla="val 19136"/>
+                <a:gd name="adj2" fmla="val 155059"/>
+              </a:avLst>
             </a:prstGeom>
-            <a:noFill/>
-            <a:ln>
+            <a:ln w="28575">
               <a:solidFill>
                 <a:srgbClr val="0070C0"/>
               </a:solidFill>
               <a:prstDash val="dash"/>
+              <a:headEnd type="none" w="med" len="med"/>
+              <a:tailEnd type="none"/>
             </a:ln>
           </p:spPr>
           <p:style>
-            <a:lnRef idx="2">
-              <a:schemeClr val="accent1">
-                <a:shade val="50000"/>
-              </a:schemeClr>
+            <a:lnRef idx="1">
+              <a:schemeClr val="accent1"/>
             </a:lnRef>
-            <a:fillRef idx="1">
+            <a:fillRef idx="0">
               <a:schemeClr val="accent1"/>
             </a:fillRef>
             <a:effectRef idx="0">
               <a:schemeClr val="accent1"/>
             </a:effectRef>
             <a:fontRef idx="minor">
-              <a:schemeClr val="lt1"/>
+              <a:schemeClr val="tx1"/>
             </a:fontRef>
           </p:style>
-          <p:txBody>
-            <a:bodyPr rtlCol="0" anchor="ctr"/>
-            <a:lstStyle/>
-            <a:p>
-              <a:pPr algn="ctr"/>
-              <a:endParaRPr lang="zh-TW" altLang="en-US"/>
-            </a:p>
-          </p:txBody>
-        </p:sp>
-        <p:sp>
-          <p:nvSpPr>
-            <p:cNvPr id="319" name="文字方塊 318"/>
-            <p:cNvSpPr txBox="1"/>
-            <p:nvPr/>
-          </p:nvSpPr>
-          <p:spPr>
-            <a:xfrm>
-              <a:off x="452034" y="649719"/>
-              <a:ext cx="448521" cy="3139321"/>
-            </a:xfrm>
-            <a:prstGeom prst="rect">
-              <a:avLst/>
-            </a:prstGeom>
-            <a:noFill/>
-            <a:ln>
-              <a:noFill/>
-            </a:ln>
-          </p:spPr>
-          <p:txBody>
-            <a:bodyPr wrap="none" rtlCol="0">
-              <a:spAutoFit/>
-            </a:bodyPr>
-            <a:lstStyle/>
-            <a:p>
-              <a:r>
-                <a:rPr lang="zh-TW" altLang="en-US" dirty="0"/>
-                <a:t>非</a:t>
-              </a:r>
-              <a:endParaRPr lang="en-US" altLang="zh-TW" dirty="0" smtClean="0"/>
-            </a:p>
-            <a:p>
-              <a:r>
-                <a:rPr lang="zh-TW" altLang="en-US" dirty="0"/>
-                <a:t>區</a:t>
-              </a:r>
-              <a:endParaRPr lang="en-US" altLang="zh-TW" dirty="0" smtClean="0"/>
-            </a:p>
-            <a:p>
-              <a:r>
-                <a:rPr lang="zh-TW" altLang="en-US" dirty="0"/>
-                <a:t>間</a:t>
-              </a:r>
-              <a:endParaRPr lang="en-US" altLang="zh-TW" dirty="0" smtClean="0"/>
-            </a:p>
-            <a:p>
-              <a:pPr algn="ctr"/>
-              <a:r>
-                <a:rPr lang="zh-TW" altLang="en-US" dirty="0"/>
-                <a:t>範</a:t>
-              </a:r>
-              <a:endParaRPr lang="en-US" altLang="zh-TW" dirty="0" smtClean="0"/>
-            </a:p>
-            <a:p>
-              <a:pPr algn="ctr"/>
-              <a:r>
-                <a:rPr lang="zh-TW" altLang="en-US" dirty="0" smtClean="0"/>
-                <a:t>圍</a:t>
-              </a:r>
-              <a:endParaRPr lang="en-US" altLang="zh-TW" dirty="0" smtClean="0"/>
-            </a:p>
-            <a:p>
-              <a:pPr algn="ctr"/>
-              <a:r>
-                <a:rPr lang="zh-TW" altLang="en-US" dirty="0"/>
-                <a:t>可</a:t>
-              </a:r>
-              <a:endParaRPr lang="en-US" altLang="zh-TW" dirty="0" smtClean="0"/>
-            </a:p>
-            <a:p>
-              <a:pPr algn="ctr"/>
-              <a:r>
-                <a:rPr lang="zh-TW" altLang="en-US" dirty="0"/>
-                <a:t>能</a:t>
-              </a:r>
-              <a:endParaRPr lang="en-US" altLang="zh-TW" dirty="0" smtClean="0"/>
-            </a:p>
-            <a:p>
-              <a:pPr algn="ctr"/>
-              <a:r>
-                <a:rPr lang="zh-TW" altLang="en-US" dirty="0" smtClean="0"/>
-                <a:t>查</a:t>
-              </a:r>
-              <a:endParaRPr lang="en-US" altLang="zh-TW" dirty="0" smtClean="0"/>
-            </a:p>
-            <a:p>
-              <a:pPr algn="ctr"/>
-              <a:r>
-                <a:rPr lang="zh-TW" altLang="en-US" dirty="0"/>
-                <a:t>無</a:t>
-              </a:r>
-              <a:endParaRPr lang="en-US" altLang="zh-TW" dirty="0" smtClean="0"/>
-            </a:p>
-            <a:p>
-              <a:pPr algn="ctr"/>
-              <a:r>
-                <a:rPr lang="zh-TW" altLang="en-US" dirty="0" smtClean="0"/>
-                <a:t>資</a:t>
-              </a:r>
-              <a:endParaRPr lang="en-US" altLang="zh-TW" dirty="0" smtClean="0"/>
-            </a:p>
-            <a:p>
-              <a:pPr algn="ctr"/>
-              <a:r>
-                <a:rPr lang="zh-TW" altLang="en-US" dirty="0" smtClean="0"/>
-                <a:t>料</a:t>
-              </a:r>
-              <a:endParaRPr lang="en-US" altLang="zh-TW" dirty="0" smtClean="0"/>
-            </a:p>
-          </p:txBody>
-        </p:sp>
-        <p:sp>
-          <p:nvSpPr>
-            <p:cNvPr id="320" name="文字方塊 319"/>
-            <p:cNvSpPr txBox="1"/>
-            <p:nvPr/>
-          </p:nvSpPr>
-          <p:spPr>
-            <a:xfrm>
-              <a:off x="121792" y="639217"/>
-              <a:ext cx="447558" cy="3139321"/>
-            </a:xfrm>
-            <a:prstGeom prst="rect">
-              <a:avLst/>
-            </a:prstGeom>
-            <a:noFill/>
-            <a:ln>
-              <a:noFill/>
-            </a:ln>
-          </p:spPr>
-          <p:txBody>
-            <a:bodyPr wrap="none" rtlCol="0">
-              <a:spAutoFit/>
-            </a:bodyPr>
-            <a:lstStyle/>
-            <a:p>
-              <a:r>
-                <a:rPr lang="zh-TW" altLang="en-US" dirty="0" smtClean="0"/>
-                <a:t>限</a:t>
-              </a:r>
-              <a:endParaRPr lang="en-US" altLang="zh-TW" dirty="0" smtClean="0"/>
-            </a:p>
-            <a:p>
-              <a:r>
-                <a:rPr lang="en-US" altLang="zh-TW" dirty="0" smtClean="0"/>
-                <a:t>54</a:t>
-              </a:r>
-            </a:p>
-            <a:p>
-              <a:r>
-                <a:rPr lang="zh-TW" altLang="en-US" dirty="0" smtClean="0"/>
-                <a:t>歲</a:t>
-              </a:r>
-              <a:endParaRPr lang="en-US" altLang="zh-TW" dirty="0" smtClean="0"/>
-            </a:p>
-            <a:p>
-              <a:pPr algn="ctr"/>
-              <a:r>
-                <a:rPr lang="en-US" altLang="zh-TW" dirty="0" smtClean="0"/>
-                <a:t>I</a:t>
-              </a:r>
-            </a:p>
-            <a:p>
-              <a:pPr algn="ctr"/>
-              <a:r>
-                <a:rPr lang="zh-TW" altLang="en-US" dirty="0" smtClean="0"/>
-                <a:t>年</a:t>
-              </a:r>
-              <a:endParaRPr lang="en-US" altLang="zh-TW" dirty="0" smtClean="0"/>
-            </a:p>
-            <a:p>
-              <a:pPr algn="ctr"/>
-              <a:r>
-                <a:rPr lang="zh-TW" altLang="en-US" dirty="0" smtClean="0"/>
-                <a:t>滿</a:t>
-              </a:r>
-              <a:endParaRPr lang="en-US" altLang="zh-TW" dirty="0" smtClean="0"/>
-            </a:p>
-            <a:p>
-              <a:pPr algn="ctr"/>
-              <a:r>
-                <a:rPr lang="zh-TW" altLang="en-US" dirty="0" smtClean="0"/>
-                <a:t>六</a:t>
-              </a:r>
-              <a:endParaRPr lang="en-US" altLang="zh-TW" dirty="0" smtClean="0"/>
-            </a:p>
-            <a:p>
-              <a:pPr algn="ctr"/>
-              <a:r>
-                <a:rPr lang="zh-TW" altLang="en-US" dirty="0" smtClean="0"/>
-                <a:t>個</a:t>
-              </a:r>
-              <a:endParaRPr lang="en-US" altLang="zh-TW" dirty="0" smtClean="0"/>
-            </a:p>
-            <a:p>
-              <a:pPr algn="ctr"/>
-              <a:r>
-                <a:rPr lang="zh-TW" altLang="en-US" dirty="0" smtClean="0"/>
-                <a:t>月</a:t>
-              </a:r>
-              <a:endParaRPr lang="en-US" altLang="zh-TW" dirty="0" smtClean="0"/>
-            </a:p>
-            <a:p>
-              <a:pPr algn="ctr"/>
-              <a:r>
-                <a:rPr lang="zh-TW" altLang="en-US" dirty="0" smtClean="0"/>
-                <a:t>使</a:t>
-              </a:r>
-              <a:endParaRPr lang="en-US" altLang="zh-TW" dirty="0" smtClean="0"/>
-            </a:p>
-            <a:p>
-              <a:pPr algn="ctr"/>
-              <a:r>
-                <a:rPr lang="zh-TW" altLang="en-US" dirty="0"/>
-                <a:t>用</a:t>
-              </a:r>
-              <a:endParaRPr lang="en-US" altLang="zh-TW" dirty="0" smtClean="0"/>
-            </a:p>
-          </p:txBody>
-        </p:sp>
+        </p:cxnSp>
       </p:grpSp>
-      <p:cxnSp>
-        <p:nvCxnSpPr>
-          <p:cNvPr id="325" name="肘形接點 324"/>
-          <p:cNvCxnSpPr>
-            <a:stCxn id="259" idx="1"/>
-            <a:endCxn id="317" idx="0"/>
-          </p:cNvCxnSpPr>
-          <p:nvPr/>
-        </p:nvCxnSpPr>
-        <p:spPr>
-          <a:xfrm rot="10800000">
-            <a:off x="574594" y="1211496"/>
-            <a:ext cx="641607" cy="415193"/>
-          </a:xfrm>
-          <a:prstGeom prst="bentConnector4">
-            <a:avLst>
-              <a:gd name="adj1" fmla="val 19136"/>
-              <a:gd name="adj2" fmla="val 155059"/>
-            </a:avLst>
-          </a:prstGeom>
-          <a:ln w="28575">
-            <a:solidFill>
-              <a:srgbClr val="0070C0"/>
-            </a:solidFill>
-            <a:prstDash val="dash"/>
-            <a:headEnd type="none" w="med" len="med"/>
-            <a:tailEnd type="none"/>
-          </a:ln>
-        </p:spPr>
-        <p:style>
-          <a:lnRef idx="1">
-            <a:schemeClr val="accent1"/>
-          </a:lnRef>
-          <a:fillRef idx="0">
-            <a:schemeClr val="accent1"/>
-          </a:fillRef>
-          <a:effectRef idx="0">
-            <a:schemeClr val="accent1"/>
-          </a:effectRef>
-          <a:fontRef idx="minor">
-            <a:schemeClr val="tx1"/>
-          </a:fontRef>
-        </p:style>
-      </p:cxnSp>
     </p:spTree>
     <p:extLst>
       <p:ext uri="{BB962C8B-B14F-4D97-AF65-F5344CB8AC3E}">
